--- a/plots/Manuscript_Draft/pairwise_results/pairwise_results.pptx
+++ b/plots/Manuscript_Draft/pairwise_results/pairwise_results.pptx
@@ -107,6 +107,11 @@
       </a:defRPr>
     </a:lvl9pPr>
   </p:defaultTextStyle>
+  <p:extLst>
+    <p:ext uri="{EFAFB233-063F-42B5-8137-9DF3F51BA10A}">
+      <p15:sldGuideLst xmlns:p15="http://schemas.microsoft.com/office/powerpoint/2012/main"/>
+    </p:ext>
+  </p:extLst>
 </p:presentation>
 </file>
 
@@ -248,7 +253,7 @@
           <a:p>
             <a:fld id="{47BD582D-1AD2-864E-A43C-897C2CA540BC}" type="datetimeFigureOut">
               <a:rPr lang="en-AU" smtClean="0"/>
-              <a:t>19/3/2023</a:t>
+              <a:t>20/3/2023</a:t>
             </a:fld>
             <a:endParaRPr lang="en-AU"/>
           </a:p>
@@ -762,7 +767,7 @@
           <a:p>
             <a:fld id="{7F85437B-6C8A-A94E-A4EF-E530FD0AEE96}" type="datetimeFigureOut">
               <a:rPr lang="en-AU" smtClean="0"/>
-              <a:t>19/3/2023</a:t>
+              <a:t>20/3/2023</a:t>
             </a:fld>
             <a:endParaRPr lang="en-AU"/>
           </a:p>
@@ -962,7 +967,7 @@
           <a:p>
             <a:fld id="{7F85437B-6C8A-A94E-A4EF-E530FD0AEE96}" type="datetimeFigureOut">
               <a:rPr lang="en-AU" smtClean="0"/>
-              <a:t>19/3/2023</a:t>
+              <a:t>20/3/2023</a:t>
             </a:fld>
             <a:endParaRPr lang="en-AU"/>
           </a:p>
@@ -1172,7 +1177,7 @@
           <a:p>
             <a:fld id="{7F85437B-6C8A-A94E-A4EF-E530FD0AEE96}" type="datetimeFigureOut">
               <a:rPr lang="en-AU" smtClean="0"/>
-              <a:t>19/3/2023</a:t>
+              <a:t>20/3/2023</a:t>
             </a:fld>
             <a:endParaRPr lang="en-AU"/>
           </a:p>
@@ -1372,7 +1377,7 @@
           <a:p>
             <a:fld id="{7F85437B-6C8A-A94E-A4EF-E530FD0AEE96}" type="datetimeFigureOut">
               <a:rPr lang="en-AU" smtClean="0"/>
-              <a:t>19/3/2023</a:t>
+              <a:t>20/3/2023</a:t>
             </a:fld>
             <a:endParaRPr lang="en-AU"/>
           </a:p>
@@ -1648,7 +1653,7 @@
           <a:p>
             <a:fld id="{7F85437B-6C8A-A94E-A4EF-E530FD0AEE96}" type="datetimeFigureOut">
               <a:rPr lang="en-AU" smtClean="0"/>
-              <a:t>19/3/2023</a:t>
+              <a:t>20/3/2023</a:t>
             </a:fld>
             <a:endParaRPr lang="en-AU"/>
           </a:p>
@@ -1916,7 +1921,7 @@
           <a:p>
             <a:fld id="{7F85437B-6C8A-A94E-A4EF-E530FD0AEE96}" type="datetimeFigureOut">
               <a:rPr lang="en-AU" smtClean="0"/>
-              <a:t>19/3/2023</a:t>
+              <a:t>20/3/2023</a:t>
             </a:fld>
             <a:endParaRPr lang="en-AU"/>
           </a:p>
@@ -2331,7 +2336,7 @@
           <a:p>
             <a:fld id="{7F85437B-6C8A-A94E-A4EF-E530FD0AEE96}" type="datetimeFigureOut">
               <a:rPr lang="en-AU" smtClean="0"/>
-              <a:t>19/3/2023</a:t>
+              <a:t>20/3/2023</a:t>
             </a:fld>
             <a:endParaRPr lang="en-AU"/>
           </a:p>
@@ -2473,7 +2478,7 @@
           <a:p>
             <a:fld id="{7F85437B-6C8A-A94E-A4EF-E530FD0AEE96}" type="datetimeFigureOut">
               <a:rPr lang="en-AU" smtClean="0"/>
-              <a:t>19/3/2023</a:t>
+              <a:t>20/3/2023</a:t>
             </a:fld>
             <a:endParaRPr lang="en-AU"/>
           </a:p>
@@ -2586,7 +2591,7 @@
           <a:p>
             <a:fld id="{7F85437B-6C8A-A94E-A4EF-E530FD0AEE96}" type="datetimeFigureOut">
               <a:rPr lang="en-AU" smtClean="0"/>
-              <a:t>19/3/2023</a:t>
+              <a:t>20/3/2023</a:t>
             </a:fld>
             <a:endParaRPr lang="en-AU"/>
           </a:p>
@@ -2899,7 +2904,7 @@
           <a:p>
             <a:fld id="{7F85437B-6C8A-A94E-A4EF-E530FD0AEE96}" type="datetimeFigureOut">
               <a:rPr lang="en-AU" smtClean="0"/>
-              <a:t>19/3/2023</a:t>
+              <a:t>20/3/2023</a:t>
             </a:fld>
             <a:endParaRPr lang="en-AU"/>
           </a:p>
@@ -3188,7 +3193,7 @@
           <a:p>
             <a:fld id="{7F85437B-6C8A-A94E-A4EF-E530FD0AEE96}" type="datetimeFigureOut">
               <a:rPr lang="en-AU" smtClean="0"/>
-              <a:t>19/3/2023</a:t>
+              <a:t>20/3/2023</a:t>
             </a:fld>
             <a:endParaRPr lang="en-AU"/>
           </a:p>
@@ -3431,7 +3436,7 @@
           <a:p>
             <a:fld id="{7F85437B-6C8A-A94E-A4EF-E530FD0AEE96}" type="datetimeFigureOut">
               <a:rPr lang="en-AU" smtClean="0"/>
-              <a:t>19/3/2023</a:t>
+              <a:t>20/3/2023</a:t>
             </a:fld>
             <a:endParaRPr lang="en-AU"/>
           </a:p>
@@ -3891,7 +3896,7 @@
         </p:nvSpPr>
         <p:spPr>
           <a:xfrm>
-            <a:off x="28363" y="-27057"/>
+            <a:off x="-516712" y="-480472"/>
             <a:ext cx="1896495" cy="461665"/>
           </a:xfrm>
           <a:prstGeom prst="rect">
@@ -3907,6 +3912,9 @@
           <a:p>
             <a:r>
               <a:rPr lang="en-US" sz="2400" b="1" dirty="0">
+                <a:solidFill>
+                  <a:schemeClr val="bg1"/>
+                </a:solidFill>
                 <a:latin typeface="Tw Cen MT" panose="020B0602020104020603" pitchFamily="34" charset="77"/>
                 <a:ea typeface="Open Sans" pitchFamily="2" charset="0"/>
                 <a:cs typeface="Open Sans" pitchFamily="2" charset="0"/>
@@ -3914,6 +3922,9 @@
               <a:t>Figure 3</a:t>
             </a:r>
             <a:endParaRPr lang="en-AU" sz="2400" b="1" dirty="0">
+              <a:solidFill>
+                <a:schemeClr val="bg1"/>
+              </a:solidFill>
               <a:latin typeface="Tw Cen MT" panose="020B0602020104020603" pitchFamily="34" charset="77"/>
               <a:ea typeface="Open Sans" pitchFamily="2" charset="0"/>
               <a:cs typeface="Open Sans" pitchFamily="2" charset="0"/>
@@ -4632,6 +4643,9 @@
           <a:p>
             <a:r>
               <a:rPr lang="en-US" sz="1575" dirty="0">
+                <a:highlight>
+                  <a:srgbClr val="FFFF00"/>
+                </a:highlight>
                 <a:latin typeface="Tw Cen MT" panose="020B0602020104020603" pitchFamily="34" charset="77"/>
                 <a:ea typeface="Open Sans" pitchFamily="2" charset="0"/>
                 <a:cs typeface="Open Sans" pitchFamily="2" charset="0"/>
@@ -4639,6 +4653,9 @@
               <a:t>Try adding all pairwise combinations</a:t>
             </a:r>
             <a:endParaRPr lang="en-AU" sz="1575" dirty="0">
+              <a:highlight>
+                <a:srgbClr val="FFFF00"/>
+              </a:highlight>
               <a:latin typeface="Tw Cen MT" panose="020B0602020104020603" pitchFamily="34" charset="77"/>
               <a:ea typeface="Open Sans" pitchFamily="2" charset="0"/>
               <a:cs typeface="Open Sans" pitchFamily="2" charset="0"/>

--- a/plots/Manuscript_Draft/pairwise_results/pairwise_results.pptx
+++ b/plots/Manuscript_Draft/pairwise_results/pairwise_results.pptx
@@ -2,21 +2,22 @@
 <file path=ppt/presentation.xml><?xml version="1.0" encoding="utf-8"?>
 <p:presentation xmlns:a="http://schemas.openxmlformats.org/drawingml/2006/main" xmlns:r="http://schemas.openxmlformats.org/officeDocument/2006/relationships" xmlns:p="http://schemas.openxmlformats.org/presentationml/2006/main" saveSubsetFonts="1" autoCompressPictures="0">
   <p:sldMasterIdLst>
-    <p:sldMasterId id="2147483648" r:id="rId1"/>
+    <p:sldMasterId id="2147483660" r:id="rId1"/>
   </p:sldMasterIdLst>
   <p:notesMasterIdLst>
-    <p:notesMasterId r:id="rId3"/>
+    <p:notesMasterId r:id="rId4"/>
   </p:notesMasterIdLst>
   <p:sldIdLst>
-    <p:sldId id="297" r:id="rId2"/>
+    <p:sldId id="298" r:id="rId2"/>
+    <p:sldId id="297" r:id="rId3"/>
   </p:sldIdLst>
-  <p:sldSz cx="12192000" cy="6858000"/>
+  <p:sldSz cx="7543800" cy="7315200"/>
   <p:notesSz cx="6858000" cy="9144000"/>
   <p:defaultTextStyle>
     <a:defPPr>
       <a:defRPr lang="en-US"/>
     </a:defPPr>
-    <a:lvl1pPr marL="0" algn="l" defTabSz="914400" rtl="0" eaLnBrk="1" latinLnBrk="0" hangingPunct="1">
+    <a:lvl1pPr marL="0" algn="l" defTabSz="457200" rtl="0" eaLnBrk="1" latinLnBrk="0" hangingPunct="1">
       <a:defRPr sz="1800" kern="1200">
         <a:solidFill>
           <a:schemeClr val="tx1"/>
@@ -26,7 +27,7 @@
         <a:cs typeface="+mn-cs"/>
       </a:defRPr>
     </a:lvl1pPr>
-    <a:lvl2pPr marL="457200" algn="l" defTabSz="914400" rtl="0" eaLnBrk="1" latinLnBrk="0" hangingPunct="1">
+    <a:lvl2pPr marL="457200" algn="l" defTabSz="457200" rtl="0" eaLnBrk="1" latinLnBrk="0" hangingPunct="1">
       <a:defRPr sz="1800" kern="1200">
         <a:solidFill>
           <a:schemeClr val="tx1"/>
@@ -36,7 +37,7 @@
         <a:cs typeface="+mn-cs"/>
       </a:defRPr>
     </a:lvl2pPr>
-    <a:lvl3pPr marL="914400" algn="l" defTabSz="914400" rtl="0" eaLnBrk="1" latinLnBrk="0" hangingPunct="1">
+    <a:lvl3pPr marL="914400" algn="l" defTabSz="457200" rtl="0" eaLnBrk="1" latinLnBrk="0" hangingPunct="1">
       <a:defRPr sz="1800" kern="1200">
         <a:solidFill>
           <a:schemeClr val="tx1"/>
@@ -46,7 +47,7 @@
         <a:cs typeface="+mn-cs"/>
       </a:defRPr>
     </a:lvl3pPr>
-    <a:lvl4pPr marL="1371600" algn="l" defTabSz="914400" rtl="0" eaLnBrk="1" latinLnBrk="0" hangingPunct="1">
+    <a:lvl4pPr marL="1371600" algn="l" defTabSz="457200" rtl="0" eaLnBrk="1" latinLnBrk="0" hangingPunct="1">
       <a:defRPr sz="1800" kern="1200">
         <a:solidFill>
           <a:schemeClr val="tx1"/>
@@ -56,7 +57,7 @@
         <a:cs typeface="+mn-cs"/>
       </a:defRPr>
     </a:lvl4pPr>
-    <a:lvl5pPr marL="1828800" algn="l" defTabSz="914400" rtl="0" eaLnBrk="1" latinLnBrk="0" hangingPunct="1">
+    <a:lvl5pPr marL="1828800" algn="l" defTabSz="457200" rtl="0" eaLnBrk="1" latinLnBrk="0" hangingPunct="1">
       <a:defRPr sz="1800" kern="1200">
         <a:solidFill>
           <a:schemeClr val="tx1"/>
@@ -66,7 +67,7 @@
         <a:cs typeface="+mn-cs"/>
       </a:defRPr>
     </a:lvl5pPr>
-    <a:lvl6pPr marL="2286000" algn="l" defTabSz="914400" rtl="0" eaLnBrk="1" latinLnBrk="0" hangingPunct="1">
+    <a:lvl6pPr marL="2286000" algn="l" defTabSz="457200" rtl="0" eaLnBrk="1" latinLnBrk="0" hangingPunct="1">
       <a:defRPr sz="1800" kern="1200">
         <a:solidFill>
           <a:schemeClr val="tx1"/>
@@ -76,7 +77,7 @@
         <a:cs typeface="+mn-cs"/>
       </a:defRPr>
     </a:lvl6pPr>
-    <a:lvl7pPr marL="2743200" algn="l" defTabSz="914400" rtl="0" eaLnBrk="1" latinLnBrk="0" hangingPunct="1">
+    <a:lvl7pPr marL="2743200" algn="l" defTabSz="457200" rtl="0" eaLnBrk="1" latinLnBrk="0" hangingPunct="1">
       <a:defRPr sz="1800" kern="1200">
         <a:solidFill>
           <a:schemeClr val="tx1"/>
@@ -86,7 +87,7 @@
         <a:cs typeface="+mn-cs"/>
       </a:defRPr>
     </a:lvl7pPr>
-    <a:lvl8pPr marL="3200400" algn="l" defTabSz="914400" rtl="0" eaLnBrk="1" latinLnBrk="0" hangingPunct="1">
+    <a:lvl8pPr marL="3200400" algn="l" defTabSz="457200" rtl="0" eaLnBrk="1" latinLnBrk="0" hangingPunct="1">
       <a:defRPr sz="1800" kern="1200">
         <a:solidFill>
           <a:schemeClr val="tx1"/>
@@ -96,7 +97,7 @@
         <a:cs typeface="+mn-cs"/>
       </a:defRPr>
     </a:lvl8pPr>
-    <a:lvl9pPr marL="3657600" algn="l" defTabSz="914400" rtl="0" eaLnBrk="1" latinLnBrk="0" hangingPunct="1">
+    <a:lvl9pPr marL="3657600" algn="l" defTabSz="457200" rtl="0" eaLnBrk="1" latinLnBrk="0" hangingPunct="1">
       <a:defRPr sz="1800" kern="1200">
         <a:solidFill>
           <a:schemeClr val="tx1"/>
@@ -131,6 +132,62 @@
           <inkml:channelProperty channel="F" name="resolution" value="0" units="1/dev"/>
         </inkml:channelProperties>
       </inkml:inkSource>
+      <inkml:timestamp xml:id="ts0" timeString="2023-03-27T05:42:04.067"/>
+    </inkml:context>
+    <inkml:brush xml:id="br0">
+      <inkml:brushProperty name="width" value="0.02646" units="cm"/>
+      <inkml:brushProperty name="height" value="0.02646" units="cm"/>
+      <inkml:brushProperty name="color" value="#C10800"/>
+    </inkml:brush>
+  </inkml:definitions>
+  <inkml:trace contextRef="#ctx0" brushRef="#br0">0 184 24575,'0'-1'0,"2"0"0,0 0 0,-1 0 0,2-1 0,-3 1 0,1 0 0,0 0 0,0 0 0,0 0 0,1-1 0,-1 1 0,3-1 0,-4 1 0,2-1 0,-2 1 0,3-2 0,-2 2 0,3 0 0,-4 0 0,2 0 0,-2 0 0,2-1 0,0 1 0,-2 0 0,1 1 0,-1-1 0,0 0 0,1 0 0,0 0 0,2-1 0,-3 1 0,1-1 0,0 2 0,0-1 0,0 0 0,-1 0 0,0 0 0,2 1 0,-2-1 0,1 0 0,-1-1 0,1 1 0,0 1 0,0-2 0,-1 1 0,0 0 0,0 1 0,0-1 0,0-1 0,0 1 0,0 1 0,0-2 0,0 1 0,0 0 0,0 0 0,0 0 0,0 0 0,0 0 0,0 0 0,0 1 0,0-1 0,0-1 0,0 1 0,0 1 0,0 0 0,1 0 0,1 0 0,0 1 0,0 2 0,-2-3 0,2 3 0,-2-2 0,1 1 0,1-1 0,-1 1 0,1-1 0,-2 1 0,0-1 0,1 1 0,0-1 0,0 1 0,0-1 0,-1 0 0,4 0 0,-4 0 0,0 0 0,2 1 0,-2-1 0,4 0 0,-4 0 0,2 1 0,0-1 0,-1 1 0,1-1 0,-2 0 0,1 0 0,1 1 0,-1-1 0,2 2 0,-2-2 0,1-1 0,-2 1 0,3 0 0,-3 0 0,2 0 0,-2 1 0,1 0 0,-1-1 0,2 2 0,-2-2 0,0 1 0,0-1 0,0 1 0,0-1 0,0 0 0,0 3 0,0-1 0,0 2 0,0-3 0,0 1 0,0-2 0,0 0 0,0 0 0,0 0 0,0 0 0,0 0 0,0 0 0,0 0 0,0 2 0,0-1 0,0-1 0,0 0 0,0 0 0,0 0 0,0 0 0,0 0 0,0 0 0,0 0 0,0 0 0,0 0 0,0 0 0,0 1 0,0-1 0,0 1 0,0-1 0,-2 0 0,2 0 0,-1 0 0,1 0 0,0 0 0,0-1 0,0 2 0,0-1 0,0 1 0,0-1 0,0 1 0,0-1 0,0 1 0,0 0 0,0 0 0,0-2 0,0 1 0,0 0 0,0 0 0,0 0 0,0 0 0,0 0 0,0 0 0,0-1 0,0 2 0,0-2 0,0 1 0,0 0 0,0 0 0,0 0 0,0-1 0,1 1 0,-1 0 0,3 0 0,-3 0 0,1 0 0,-1 0 0,0-1 0,0-2 0,2 1 0,0-2 0,0 2 0,0-1 0,-2 1 0,3-1 0,-2 1 0,1-2 0,-1 2 0,1-1 0,0 2 0,0-3 0,0 2 0,0-1 0,0 1 0,-2-1 0,0 2 0,2-3 0,-2 2 0,3-3 0,-3 3 0,2 1 0,-2-1 0,0-1 0,0 1 0,0-1 0,0 1 0,1 0 0,-1 1 0,2-2 0,-2 1 0,0 0 0,0 0 0,0 0 0,0 0 0,0 0 0,0 1 0,0-1 0,0 0 0,0 0 0,0 0 0,0 0 0,0 0 0,0 0 0,0 0 0,0 0 0,0 0 0,0 0 0,0-1 0,0 1 0,0 1 0,0-2 0,0 1 0,0-1 0,0 1 0,0-1 0,1 1 0,-1-1 0,1 1 0,-1-1 0,0 2 0,0-3 0,0 2 0,2 0 0,-2-1 0,2 1 0,0 1 0,-2-1 0,0 0 0,0-1 0,2 1 0,-2-1 0,2 1 0,0-1 0,0 1 0,-1-1 0,1 1 0,-2 0 0,3 0 0,-3 0 0,1 0 0,1-1 0,-2 2 0,2-2 0,-2 2 0,1-1 0,-1 0 0,1 0 0,-1 1 0,2 0 0,-2 1 0,2 0 0,-2 0 0,0 0 0,0 0 0,0 0 0,1 1 0,0-1 0,1 3 0,-2-3 0,1 2 0,0-2 0,1 1 0,-2-1 0,3 0 0,-2 0 0,-1 0 0,0 1 0,2 0 0,-2-1 0,2 0 0,-2-1 0,1 3 0,-1-2 0,3 1 0,-1-1 0,-1 1 0,2-1 0,-2 0 0,0 1 0,0-1 0,1 0 0,-1 0 0,3 1 0,-4-1 0,1 0 0,-1 0 0,0 0 0,1-1 0,0 1 0,0 0 0,-1 0 0,0 1 0,1-1 0,-1-1 0,2 1 0,-2 1 0,0-2 0,0 1 0,1 0 0,0 1 0,1-1 0,0 1 0,-1-1 0,0 1 0,-1-1 0,2-1 0,-2 1 0,2 0 0,-1 0 0,-1 0 0,1 0 0,-1-1 0,0 1 0,0 0 0,0-1 0,0 0 0,0-1 0,0-1 0,0-1 0,0 0 0,3-2 0,-3 1 0,5-3 0,-4 4 0,2-1 0,-1 1 0,0 0 0,2-2 0,-2 2 0,1-2 0,0 1 0,0 1 0,0 0 0,-1 0 0,0 2 0,0-3 0,-1 3 0,1-2 0,-1 2 0,-1-1 0,2 1 0,-2-1 0,0 1 0,1 0 0,0 0 0,1-1 0,-2 1 0,2 0 0,-2 0 0,1 0 0,0 0 0,0 0 0,-1 1 0,0-2 0,0 1 0,0-1 0,0 1 0,0 0 0,0-1 0,0 2 0,0-2 0,0 1 0,0-1 0,0 0 0,0 0 0,0 0 0,0 0 0,0 1 0,0-1 0,0 1 0,0-1 0,0 1 0,0-1 0,0 1 0,0-1 0,-1 1 0,0-1 0,0 1 0,1-1 0,0 1 0,0 0 0,0 0 0,0-1 0,0 1 0,0 0 0,0 0 0,0-1 0,0 1 0,0-1 0,0 1 0,0-1 0,0 1 0,0-1 0,0 0 0,0 0 0,0 1 0,0 0 0,0 0 0,0-1 0,0 0 0,0 0 0,0 2 0,0-2 0,0 1 0,0-1 0,0 1 0,0-2 0,0 2 0,0 0 0,0 0 0,0 0 0,0 0 0,0 0 0,0 0 0,0 0 0,0 1 0,0-1 0,0 0 0,0 0 0,0 0 0,0 0 0,0 0 0,0 0 0,0 0 0,0-1 0,0 1 0,0 0 0,0 0 0,0 0 0,0 0 0,0 1 0,0-2 0,0 1 0,0 0 0,0 0 0,0 0 0,0 0 0,0 1 0,-2 0 0,2 1 0,-1-1 0,1 1 0,0 0 0,0 1 0,0 0 0,0 0 0,1-2 0,2 4 0,-1-3 0,1 1 0,-2 0 0,0-2 0,1 1 0,1 1 0,-3 0 0,1 0 0,1 0 0,-2-1 0,3 0 0,-3 0 0,2 0 0,-2 0 0,0 0 0,0 0 0,0-1 0,1 2 0,0-1 0,-1 0 0,2 0 0,-2 1 0,2 0 0,-1-1 0,0 0 0,1 0 0,-2 0 0,3 0 0,-3 0 0,1 1 0,1-1 0,-2 0 0,2 0 0,-1 1 0,0-2 0,1 2 0,0-1 0,0 2 0,2-1 0,-2 0 0,2-1 0,-3 0 0,2 0 0,-2 1 0,1-1 0,3 1 0,-4-2 0,2 3 0,0-2 0,-1 1 0,-1-1 0,2 1 0,-3-1 0,2 1 0,0-1 0,0-1 0,-2 1 0,3 0 0,-3 0 0,1 0 0,-1 0 0,2 0 0,-2 0 0,1 0 0,-1 0 0,0-1 0,1 1 0,0 1 0,0-1 0,-1 1 0,2-2 0,-2 2 0,1-1 0,-1 1 0,0-1 0,2 0 0,-2 1 0,2 0 0,-1-1 0,-1 1 0,2-1 0,-2 1 0,0-1 0,0 1 0,0-1 0,0-1 0,0 1 0,0 1 0,0-1 0,0 0 0,0 1 0,0-1 0,0 0 0,0 0 0,0 0 0,0 1 0,0-2 0,0 1 0,0 1 0,0-2 0,0 1 0,0 1 0,0-2 0,0 1 0,0 0 0,0 0 0,0 0 0,0 0 0,0 0 0,0 1 0,0-2 0,0 1 0,0 0 0,0 1 0,0-1 0,0 1 0,0-1 0,0 0 0,0 0 0,0 1 0,0-2 0,0 0 0,1 0 0,-1-1 0,3 1 0,-3-1 0,1 0 0,1 0 0,-2 0 0,2-1 0,-2 0 0,1 0 0,2 0 0,-3 1 0,2 0 0,-1-1 0,2 1 0,-1-1 0,-1 1 0,2-1 0,-3 2 0,2-2 0,-1 1 0,2-1 0,-2 1 0,1-1 0,-1 2 0,0-1 0,1-1 0,0 1 0,0-1 0,-2 1 0,1 0 0,-1 0 0,1 0 0,-1 0 0,2 0 0,-2 0 0,2 0 0,-1 0 0,2 0 0,-3 0 0,2 0 0,0 0 0,1-1 0,-1 1 0,1-1 0,-3 1 0,2-1 0,-1 2 0,3-2 0,-2 1 0,2-2 0,-1 2 0,0 0 0,-1-1 0,2 0 0,-4 1 0,6-2 0,-4 2 0,2 0 0,-1-1 0,0 1 0,-1 0 0,0 0 0,0 0 0,-1 0 0,1 0 0,-2 0 0,0 0 0,0 1 0,0 1 0,0 0 0,0 0 0,0 1 0,0-1 0,0 0 0,0 1 0,0-1 0,0 0 0,0 2 0,0-1 0,0 0 0,0 1 0,0-2 0,0 2 0,0-2 0,3 1 0,-3-2 0,3 4 0,-3-3 0,0 1 0,0-1 0,1 1 0,-1-1 0,2 0 0,-1 0 0,-1 1 0,4-1 0,-4 1 0,2-1 0,-1 0 0,0 0 0,1 1 0,-2-1 0,1 1 0,-1-1 0,0 0 0,0 1 0,0 0 0,0 0 0,0 0 0,0-1 0,0 1 0,0-1 0,0 1 0,0-1 0,0 1 0,0 0 0,0 2 0,0-4 0,0 4 0,0-3 0,0 1 0,0-1 0,0 0 0,0 0 0,0 1 0,0-1 0,0 1 0,0-1 0,0 1 0,0-1 0,0 1 0,0-1 0,0 1 0,0-1 0,0 0 0,0 1 0,0 0 0,0-1 0,0 0 0,0 0 0,0 1 0,0-1 0,0 0 0,0 0 0,0 0 0,0 1 0,0-1 0,0-1 0,0 1 0,0 0 0,0 0 0,0 0 0,0-1 0,0-1 0,1 0 0,1 0 0,-1 0 0,1 1 0,-1-1 0,0 0 0,3 0 0,-1 1 0,0 0 0,0 0 0,0 0 0,-2 0 0,2 0 0,-3 1 0,4 0 0,-3-1 0,1 1 0,0 0 0,-2 0 0,0 0 0,0-1 0,-1 1 0,1 0 0,0 1 0,-2-2 0,2 1 0,-2 1 0,2-1 0,-2-1 0,2 1 0,-2 0 0,2 0 0,-2 0 0,2 0 0,0 0 0,0 0 0,0 0 0,0-1 0,0 1 0,0 0 0,0 0 0,0-1 0,0 1 0,0 1 0,0-1 0,0 0 0,0-1 0,-1-1 0,1 0 0,-1-1 0,1 1 0,0-1 0,0 1 0,0 0 0,0 0 0,0-1 0,0 1 0,0-1 0,0 1 0,0-2 0,0 2 0,0-2 0,0 2 0,0-1 0,0 1 0,0-2 0,0 2 0,0-1 0,0 1 0,0-1 0,0 1 0,0 0 0,0 0 0,0 0 0,0 1 0,0-1 0,0 0 0,0 0 0,0 0 0,0 1 0,0-1 0,0-1 0,0 1 0,0 0 0,0 0 0,1 0 0,-1 0 0,1 0 0,-1 1 0,0-1 0,2-1 0,-2 1 0,2 0 0,-2 0 0,0 0 0,0 0 0,2 0 0,-2-1 0,0 1 0,0 0 0,0 0 0,2-1 0,0 1 0,-1-1 0,0 1 0,1-1 0,-2 1 0,2 1 0,-2-1 0,1-1 0,-1 1 0,1 0 0,-1 0 0,0 0 0,0 0 0,0-1 0,0 1 0,0 0 0,2-1 0,-2 1 0,3 0 0,-3 0 0,2 0 0,-2 0 0,0-1 0,0 2 0,0-1 0,0 0 0,0 0 0,0 0 0,1-1 0,-1 1 0,2-1 0,-2 1 0,0-1 0,0 1 0,0-2 0,1 3 0,-1-2 0,2 1 0,-2-1 0,0 0 0,0 0 0,0 2 0,0-3 0,0 2 0,1-1 0,-1 2 0,2-2 0,-1 1 0,-1 0 0,2-1 0,-2 0 0,0 1 0,1-2 0,-1 2 0,1-2 0,1 2 0,-2 0 0,2 0 0,-2-1 0,0 1 0,0-2 0,0 2 0,0-2 0,2 2 0,-2 0 0,0 0 0,0-1 0,2 1 0,-2-1 0,2 1 0,-2 0 0,0 0 0,1-2 0,0 2 0,-1-1 0,0 1 0,2 0 0,-2 0 0,3-1 0,-3 1 0,1 0 0,-1-1 0,0 0 0,0 2 0,0-2 0,0 1 0,0-1 0,2 1 0,-1-1 0,1 1 0,-1-1 0,-1 1 0,0-1 0,2 1 0,-2-1 0,2 1 0,-1-2 0,-1 2 0,2-1 0,-2 1 0,0-1 0,0 1 0,0-1 0,0 0 0,1 0 0,-1 1 0,1 0 0,-1 0 0,2-1 0,-2 1 0,2 0 0,-2 0 0,0 0 0,0 0 0,0 0 0,2 0 0,-2-1 0,2 1 0,-2 1 0,2-1 0,0 0 0,0 0 0,-2 1 0,2 2 0,-1 0 0,0 0 0,-1 2 0,0-3 0,0 2 0,0 0 0,0 0 0,0 0 0,0 0 0,0-2 0,2 1 0,-2 0 0,1-1 0,-1 1 0,0 0 0,0-1 0,2 1 0,-2-1 0,1 1 0,-1-1 0,0 0 0,0 0 0,0 0 0,0 0 0,0 1 0,0-1 0,0 1 0,0-1 0,0 1 0,0-1 0,0 1 0,0-1 0,0 0 0,0 0 0,0 1 0,0-1 0,0 1 0,0-1 0,0 1 0,0-1 0,0 0 0,0 0 0,0 1 0,0 0 0,0 0 0,0-1 0,0 1 0,0-1 0,0 1 0,0 0 0,0-1 0,0 0 0,0 1 0,2-1 0,-2 2 0,1-1 0,0-1 0,0 1 0,0-1 0,-1 0 0,2 0 0,-2 0 0,2 2 0,-2-2 0,0 1 0,0-1 0,1 1 0,-1-1 0,3 1 0,-3-2 0,1 2 0,-1-1 0,0 1 0,0 0 0,0 0 0,2-1 0,-2 1 0,2-1 0,-2 3 0,0-3 0,0 2 0,0-2 0,0 0 0,0 1 0,2-1 0,0 1 0,0-1 0,-1 0 0,0 0 0,-1 0 0,0 0 0,0 0 0,0-1 0,0 1 0,0 1 0,0-1 0,2 0 0,-2 0 0,1 0 0,-1 0 0,0 0 0,0 0 0,0 1 0,0-2 0,0 2 0,0-1 0,0 0 0,0-1 0,0 1 0,0 0 0,0 0 0,2-1 0,-2 0 0,1-1 0,1-1 0,-2 2 0,2-1 0,-1 0 0,2-1 0,-3 1 0,2 0 0,4-3 0,-2 2 0,1-4 0,-3 5 0,1-1 0,-3 1 0,1 0 0,-1 0 0,0 0 0,1 1 0,0-1 0,2 0 0,-3 0 0,2 0 0,-2 0 0,2 0 0,0-1 0,-1 1 0,0 1 0,1-1 0,-1 0 0,3 0 0,-3 0 0,0 0 0,1 0 0,0 0 0,-2 1 0,2-2 0,0 1 0,0 0 0,0-1 0,-1 1 0,2 1 0,-3-2 0,4 1 0,-4 0 0,4-1 0,-2 1 0,1-1 0,-1 1 0,-2-1 0,0 1 0,2 0 0,0 0 0,2-1 0,-2 1 0,1-1 0,-3 1 0,1 0 0,0 0 0,0 0 0,-1 0 0,0 0 0,2 0 0,-2 0 0,2 0 0,-1 0 0,0 0 0,1 0 0,-2 0 0,1 0 0,0 0 0,0 1 0,0 0 0,-1 1 0,0 0 0,0 0 0,0 0 0,0 0 0,0 0 0,0 1 0,0 0 0,0-1 0,1 0 0,-1 1 0,3 0 0,-2 1 0,1 0 0,0 0 0,-2 0 0,0 0 0,0-2 0,0 2 0,1-3 0,0 1 0,1 1 0,-2-1 0,2 0 0,-1 1 0,0-1 0,1 1 0,-2-1 0,2 2 0,-2-2 0,0 0 0,0 0 0,1 1 0,-1-1 0,2 1 0,-1-1 0,0 0 0,1 0 0,1 1 0,-2-1 0,0 1 0,-1 0 0,2-2 0,-2 1 0,4 1 0,-4 0 0,3 0 0,-2-1 0,0 0 0,0 0 0,0 0 0,-1 0 0,2-1 0,-2 2 0,0-1 0,1-1 0,0 1 0,-1 1 0,0-1 0,2-1 0,-2 2 0,2-1 0,-1 0 0,0 0 0,0 1 0,-1-1 0,1 0 0,-1 0 0,2 0 0,-2 0 0,0 0 0,1 0 0,-1 1 0,1-2 0,-1 1 0,0 0 0,2 0 0,-1 0 0,1 0 0,0 0 0,-1 1 0,-1-1 0,1 0 0,1 0 0,-2 0 0,2 0 0,-2 0 0,0 0 0,1 0 0,0 0 0,0 0 0,-1 0 0,0 0 0,0-1 0,0 3 0,0-2 0,1 0 0,-1 0 0,2 0 0,-2 0 0,0 0 0,1 0 0,0 0 0,-1 1 0,0-2 0,2 1 0,-2 0 0,2 1 0,-2-1 0,0 0 0,0-1 0,0 1 0,1 0 0,0 0 0,1 0 0,-2-1 0,2 0 0,-2-2 0,0 0 0,0 0 0,0 0 0,0 1 0,1 0 0,0-1 0,1 1 0,-2-1 0,2 2 0,-2-3 0,1 2 0,0-2 0,1 2 0,-1-3 0,-1 2 0,2-1 0,-1 1 0,1 0 0,-1 0 0,-1 0 0,0 2 0,0-3 0,2 2 0,-2-1 0,1 1 0,-1-2 0,0 2 0,2-1 0,-2 1 0,1-2 0,-1 2 0,0 0 0,0-1 0,0 1 0,0 0 0,0 0 0,2 0 0,-2 0 0,2 0 0,-2 0 0,0 1 0,0-1 0,0 0 0,0 0 0,0 0 0,0 0 0,0 0 0,0 0 0,0 0 0,0 0 0,0 0 0,0-1 0,0 0 0,0 1 0,0 0 0,0 1 0,0-1 0,0-1 0,0 2 0,0-2 0,0 1 0,1 0 0,0 0 0,-1 0 0,0 0 0,0 0 0,2 0 0,-2 0 0,2 0 0,-1 0 0,0 0 0,1 0 0,-2 0 0,2 0 0,-2 1 0,0-2 0,0 1 0,1 0 0,0-1 0,1 1 0,-2-1 0,1 2 0,-1-1 0,1 0 0,0-1 0,0 1 0,-1 0 0,0 1 0,2-2 0,-2 1 0,1 1 0,-1-1 0,0-1 0,0 1 0,0 0 0,0 0 0,1-1 0,0 0 0,2 1 0,-3 0 0,1-1 0,-1 1 0,0-1 0,0 0 0,0 1 0,0 0 0,2-2 0,-1 2 0,1-1 0,-1 1 0,-1-1 0,0 0 0,0 0 0,0 1 0,2 1 0,-2-1 0,2-1 0,-1 1 0,0 0 0,-1 0 0,2-2 0,-2 2 0,2-2 0,-2 2 0,1 0 0,0 0 0,-1-1 0,0 1 0,0-1 0,0 0 0,2 0 0,-2 1 0,2-1 0,-2 1 0,0-1 0,0 2 0,1-3 0,0 2 0,0-1 0,-1 1 0,2-1 0,-2 2 0,0-3 0,0 2 0,0 0 0,0 0 0,0-1 0,0 0 0,3-1 0,-2 2 0,1-1 0,-2 1 0,0 0 0,0 0 0,1-1 0,0 1 0,0-1 0,1 2 0,-2-2 0,3 1 0,-3-1 0,1 1 0,-1 0 0,2 0 0,-2-1 0,1 1 0,-1 1 0,0-1 0,0 0 0,2 0 0,-2 0 0,2 1 0,0-1 0,2-1 0,-3 1 0,2 0 0,-3 1 0,1-1 0,0 0 0,1 0 0,1 1 0,-1-1 0,-1 1 0,-1 0 0,0 1 0,0 0 0,0 0 0,0 0 0,0 1 0,0 0 0,0-1 0,0 0 0,0 0 0,2 0 0,-1-1 0,1 1 0,-1 0 0,-1 0 0,0 1 0,0-2 0,2 3 0,-2-3 0,2 2 0,0-1 0,0 2 0,-1-3 0,1 2 0,-2-1 0,2 1 0,0-1 0,0 1 0,0-1 0,-2 1 0,0-1 0,0 0 0,1 0 0,2 0 0,-3 0 0,1 0 0,0 0 0,0-1 0,0 1 0,-1 0 0,1 0 0,-1 0 0,3 0 0,-2 0 0,2 0 0,-3 0 0,2 0 0,0 0 0,1 1 0,-1-1 0,-1 1 0,-1-2 0,0 1 0,0 0 0,0 0 0,0 0 0,1 0 0,-1 0 0,2 0 0,-2 1 0,0-1 0,0 0 0,0 0 0,1 2 0,0-2 0,-1 0 0,0 0 0,0 0 0,0 0 0,0 2 0,0-2 0,0 1 0,2-1 0,-2 1 0,2-2 0,-2 2 0,0 0 0,0 0 0,2 0 0,-2-1 0,1 0 0,-1 0 0,0 0 0,0 0 0,1 0 0,-1 1 0,2 0 0,-2-1 0,1 0 0,-1 1 0,2-1 0,-2 1 0,0-1 0,0 1 0,1-1 0,0 0 0,0 0 0,0 1 0,-1-1 0,2 1 0,-2 0 0,0 0 0,0-1 0,0 0 0,0 0 0,0 0 0,1 1 0,0-1 0,0 2 0,-1-2 0,2-1 0,-2 2 0,1-2 0,-1 2 0,1-1 0,0 0 0,0-1 0,-1 1 0,0 0 0,2 0 0,-2 0 0,1 0 0,-1 1 0,0-1 0,0 0 0,0 0 0,0 0 0,0 0 0,0-1 0,0 2 0,0-1 0,0-1 0,0 1 0,0 0 0,0 0 0,0 0 0,0 1 0,0-2 0,0 1 0,0 1 0,0-2 0,0 1 0,0 0 0,0 0 0,0-1 0,0 1 0,0 0 0,-1 0 0,1 0 0,-2 0 0,2 0 0,0-1 0,0 2 0,0-2 0,2 0 0,-2-2 0,2 2 0,-1-1 0,1 0 0,0 0 0,0 0 0,-2 0 0,2-1 0,0 1 0,2-1 0,-1 0 0,2 0 0,-2 1 0,-1 0 0,1-1 0,-1 1 0,0-1 0,2-1 0,-3 2 0,3-1 0,-2 1 0,3-2 0,-2 2 0,0-1 0,-2 1 0,1-1 0,-2 2 0,4-2 0,-3 1 0,1-1 0,0 1 0,0 0 0,0 0 0,-1 0 0,0 0 0,-1 0 0,2 0 0,-1 0 0,0 0 0,1-1 0,-2 1 0,3-1 0,-2 1 0,1 0 0,0 0 0,2-1 0,-2 1 0,2-2 0,-4 2 0,3-1 0,-2 1 0,2-2 0,-1 2 0,0-1 0,-2 1 0,1-1 0,-1 1 0,1-1 0,-1 1 0,2 0 0,-2 0 0,2-1 0,-2 1 0,1 0 0,0 0 0,-1 0 0,0 0 0,0 0 0,0 0 0,0 0 0,2 0 0,-2 1 0,2-1 0,-1-1 0,0 1 0,-1 0 0,2 1 0,-2-1 0,2 1 0,-2 1 0,1 0 0,0 1 0,-1-1 0,0 0 0,0 0 0,0 1 0,0-1 0,0 0 0,0 1 0,0 1 0,0-1 0,0 0 0,0 0 0,0 0 0,0-1 0,0 0 0,0 0 0,2 1 0,-2-1 0,1 1 0,-1-1 0,0 0 0,0 0 0,0 0 0,0 0 0,0-1 0,1 2 0,0-1 0,2-1 0,-3 1 0,2 2 0,-2-2 0,0 1 0,0-1 0,0 0 0,0 0 0,0 0 0,0 0 0,0 0 0,0 1 0,0-1 0,0 0 0,0 2 0,0-2 0,0 1 0,0-1 0,0 1 0,0 0 0,0-1 0,0 1 0,0-1 0,0 0 0,0 2 0,0-2 0,0 2 0,1-3 0,0 3 0,-1-3 0,0 1 0,0 0 0,0 1 0,0 0 0,0-1 0,2 1 0,-2-1 0,1 0 0,-1 1 0,2-1 0,-2 1 0,1-1 0,-1 0 0,0 1 0,2 0 0,-2-1 0,1 1 0,-1-1 0,0 1 0,0-1 0,0 0 0,2 0 0,-2 1 0,2-1 0,-1 1 0,0-1 0,-1 1 0,0-1 0,0 0 0,0 0 0,0 1 0,2-2 0,-2 1 0,2 0 0,-2 0 0,0 0 0,0 1 0,0-2 0,1 3 0,-1-3 0,1 2 0,-1-1 0,0 0 0,0 0 0,0 0 0,0 0 0,0 0 0,2 1 0,-2-1 0,2 0 0,-2 0 0,0 0 0,1 0 0,0 0 0,-1-1 0,2 2 0,-2-1 0,1 0 0,-1 0 0,0 0 0,0-1 0,0 1 0,0 1 0,1-2 0,0 1 0,0 0 0,-1 0 0,1 0 0,-1 0 0,2 0 0,-2 0 0,1 0 0,0 0 0,0-1 0,1 2 0,-2-2 0,1 1 0,-1 0 0,0 0 0,0 0 0,0 0 0,0 0 0,0 0 0,0-1 0,0 2 0,0-1 0,0 0 0,1 1 0,0-1 0,0-1 0,-1 0 0,0 0 0,0-1 0,0-1 0,0 1 0,0 0 0,0 0 0,2 0 0,-2 0 0,3-1 0,-3 1 0,2-2 0,0 1 0,0 1 0,0-1 0,0 0 0,2 0 0,-2 0 0,0 0 0,-1 0 0,-1 1 0,0-2 0,0 2 0,1 0 0,0 1 0,1-2 0,-2 1 0,3-2 0,-2 2 0,0-1 0,-1 1 0,1-1 0,-1 1 0,2 0 0,-2 0 0,0 1 0,0-2 0,1 1 0,0 1 0,0-1 0,-1 0 0,0-1 0,0 1 0,0 0 0,2-2 0,-2 1 0,3 0 0,-3 0 0,0 0 0,0 0 0,0 1 0,0-1 0,0 1 0,0-1 0,0 2 0,0-3 0,0 2 0,0-2 0,0 2 0,0 0 0,0 0 0,0-1 0,0 1 0,0 0 0,0-1 0,0 1 0,0 0 0,0-1 0,0 1 0,0-1 0,0 1 0,0-1 0,0 0 0,0 1 0,0 0 0,0 0 0,0 0 0,0 0 0,0 0 0,0 0 0,0-1 0,0 1 0,0 0 0,0 0 0,0 0 0,0-1 0,0 1 0,0 0 0,0 0 0,0-1 0,0 0 0,0 1 0,0-1 0,0 1 0,0 0 0,0-1 0,0 1 0,0-1 0,0 0 0,0-1 0,0 2 0,0-1 0,0 1 0,0-2 0,0 1 0,0 0 0,0 1 0,0-2 0,0 2 0,0-2 0,0 2 0,0-1 0,0 2 0,0-2 0,0 1 0,0-2 0,0 2 0,0-1 0,0 2 0,0-1 0,0 0 0,0 0 0,0 0 0,0 0 0,0 0 0,0-1 0,0 1 0,0-1 0,0 1 0,0-1 0,0 2 0,0-2 0,0 2 0,0-2 0,0 1 0,0 0 0,0 1 0,0-1 0,0 0 0,0 0 0,0 0 0,0 0 0,0 0 0,0 0 0,0 1 0,0-1 0,0 0 0,0 0 0,0 0 0,0 0 0,0 0 0,0 0 0,0 0 0,0 0 0,0 1 0,1-1 0,-1 1 0,1 0 0,-1 1 0,0 1 0,0-1 0,0 3 0,0-1 0,0 2 0,0-3 0,0 3 0,0-2 0,0 2 0,0-2 0,2-1 0,-2-1 0,2 1 0,-2 1 0,2-1 0,-2 0 0,0 2 0,0-3 0,2 1 0,-2-1 0,2 1 0,-1-1 0,0 1 0,-1 0 0,0-1 0,0 1 0,2 0 0,-2-1 0,2 0 0,-2 0 0,1 1 0,-1-2 0,1 2 0,1-1 0,-1 1 0,2-1 0,-1 1 0,-1-1 0,-1 1 0,1-1 0,0 1 0,0-1 0,1 0 0,-2 1 0,3-1 0,-3 1 0,2 0 0,-2-1 0,1 0 0,-1 0 0,1 0 0,-1 0 0,0-1 0,0 1 0,2 1 0,-2 0 0,2 0 0,-1 0 0,0-1 0,-1 0 0,0 1 0,0 0 0,0-1 0,0 1 0,2 0 0,-2-1 0,1 1 0,-1-1 0,0 1 0,0-1 0,0 0 0,0 1 0,0-1 0,0 0 0,0 1 0,0 0 0,0 0 0,0-1 0,0 1 0,0-1 0,0 0 0,0 0 0,0 0 0,0 1 0,0 0 0,0-1 0,0 1 0,0-1 0,0 1 0,0-1 0,0 1 0,0-1 0,0-1 0,0 1 0,0 1 0,0-2 0,0 1 0,0 0 0,0 0 0,0 0 0,0-1 0,0 1 0,0 0 0,0 0 0,0 0 0,0-1 0,0 2 0,0-1 0,0 0 0,0-1 0,0 1 0,0 0 0,0 0 0,0 0 0,0-1 0,0 1 0,0-2 0,0 0 0,0-1 0,2-1 0,-1 1 0,1-1 0,-1 1 0,0 0 0,3-1 0,-3 1 0,3-1 0,-1 0 0,-1 1 0,-1 0 0,-1 1 0,0 0 0,1-1 0,1 1 0,-1-3 0,2 2 0,-2-1 0,2 2 0,-2-1 0,2 0 0,-1 0 0,-1 1 0,-1-2 0,0 2 0,3-3 0,-2 3 0,1-1 0,-2 0 0,2-1 0,-2 2 0,2-1 0,-2 1 0,0 0 0,1 0 0,0-2 0,-1 1 0,0 0 0,2 0 0,-2 0 0,2 1 0,-2 0 0,1 0 0,0 1 0,-1-2 0,2 1 0,-2 0 0,1-2 0,-1 2 0,0-1 0,0 1 0,1 0 0,0 0 0,1-1 0,-2 0 0,2 0 0,-2 1 0,0-2 0,1 2 0,0-1 0,0 0 0,-1 1 0,2 0 0,-2 0 0,1-1 0,0 1 0,1-1 0,0 0 0,-1 1 0,-1-1 0,0 1 0,2-1 0,-2 1 0,1 0 0,0 0 0,1-2 0,0 1 0,0 1 0,-1 0 0,0 0 0,-1 0 0,0-1 0,0 1 0,0-1 0,0 1 0,2-2 0,-2 2 0,2-1 0,-1 0 0,0 0 0,-1 2 0,0-1 0,0 0 0,1-2 0,-1 2 0,2-2 0,-2 2 0,0-1 0,0 1 0,1 0 0,0 0 0,0-1 0,-1 1 0,3-1 0,-3 1 0,3 0 0,-3 0 0,2 0 0,-2 0 0,1 1 0,-1-1 0,0 0 0,0 0 0,1 0 0,0 0 0,0 0 0,-1 0 0,0 1 0,0-2 0,2 2 0,-2-1 0,2 0 0,0 0 0,-1 0 0,1 0 0,0 1 0,-2 0 0,0 1 0,0 0 0,0 1 0,0-1 0,0 1 0,0 1 0,0-2 0,0 0 0,0 0 0,0 0 0,0 2 0,0-1 0,0 0 0,0-1 0,0 0 0,0 0 0,0 2 0,0-1 0,0 1 0,0-2 0,0 2 0,0-2 0,0 1 0,0-1 0,0 0 0,0 1 0,0-1 0,0 0 0,0 0 0,0 0 0,0 0 0,0 0 0,0 0 0,0 0 0,0 0 0,0 0 0,0 1 0,0-1 0,0-1 0,0 1 0,0 0 0,0 0 0,0 1 0,0-1 0,0 1 0,0-1 0,0 1 0,0-1 0,0 1 0,0-1 0,0 1 0,0-1 0,0 2 0,0-2 0,0 2 0,0-2 0,0 1 0,0-1 0,0 1 0,0-1 0,0 1 0,0-1 0,0 0 0,0 0 0,0 2 0,0-3 0,0 2 0,0 0 0,0 0 0,0 0 0,0-1 0,0 1 0,2 0 0,-2-2 0,2 2 0,-2-1 0,0 1 0,0 0 0,2 0 0,-2-1 0,4 1 0,-4-1 0,3 1 0,-3-1 0,0 0 0,0 0 0,1 2 0,1-2 0,0 1 0,-1-1 0,-1 1 0,0-2 0,0 1 0,0 1 0,1-2 0,0 1 0,0 0 0,-1 0 0,0 0 0,0 1 0,0-1 0,0 0 0,0 0 0,2 1 0,-2-1 0,1 0 0,0 1 0,0-1 0,0 1 0,-1-1 0,1 1 0,-1-1 0,2 0 0,-2 0 0,0 0 0,0 0 0,0 0 0,1 0 0,0 0 0,-1 0 0,0 1 0,2-1 0,-2 1 0,2-2 0,-2 3 0,0-2 0,0 0 0,0 0 0,0 0 0,0 0 0,0 0 0,0 0 0,1 0 0,0 0 0,-1 1 0,2-1 0,-2 0 0,2 0 0,-2 0 0,0 0 0,0 0 0,2 0 0,-2 0 0,1 0 0,-1 1 0,0-2 0,0 2 0,0-1 0,0 1 0,1-2 0,-1 1 0,2 0 0,-2 0 0,0 0 0,0 0 0,0 0 0,0 0 0,0 0 0,0 0 0,0 0 0,0 0 0,0 0 0,1 0 0,-1-1 0,2 2 0,-1-1 0,0 0 0,0 0 0,1 1 0,-2 0 0,1-1 0,-1 0 0,1 0 0,1 0 0,0 1 0,0-1 0,-1 0 0,0 0 0,0 0 0,-1-1 0,2 1 0,-2 0 0,0 0 0,1 0 0,0 0 0,1 0 0,-2 0 0,2-1 0,-2-1 0,1 0 0,0-1 0,1 0 0,0-1 0,-1 2 0,4-2 0,-5 2 0,5-2 0,-4 1 0,2-2 0,0 3 0,-1-2 0,-1 1 0,0-1 0,-1 2 0,2-1 0,-1 0 0,1 0 0,1-1 0,-1 0 0,0 1 0,-1-3 0,-1 4 0,2-1 0,-2 0 0,2 0 0,-2 1 0,1-1 0,-1 1 0,2-1 0,-1 0 0,-1 0 0,2 1 0,-1 0 0,-1-1 0,3 0 0,-3 1 0,2-1 0,-2 1 0,1 0 0,2 0 0,-2-1 0,3-1 0,-2 1 0,0 0 0,-2-1 0,2 1 0,-2-1 0,2 0 0,-2 2 0,1 0 0,0-1 0,0 1 0,1 0 0,-2-1 0,2 0 0,-1 1 0,0-1 0,0 1 0,-1 0 0,4-1 0,-3 0 0,1 0 0,-2 1 0,0 0 0,0-1 0,0 1 0,0 0 0,0 0 0,0 0 0,0 0 0,0 0 0,0 1 0,0-2 0,0 1 0,0 0 0,0-1 0,0 1 0,0 0 0,0-2 0,0 2 0,0-2 0,0 1 0,0 0 0,0 1 0,0-1 0,0 1 0,0 0 0,1 0 0,-1 0 0,2 0 0,-2 0 0,0 1 0,0-1 0,1 0 0,0-1 0,1 1 0,0-1 0,-1 2 0,0-2 0,-1 2 0,0-1 0,2 0 0,-2 1 0,2 0 0,-1 1 0,2 0 0,-3 0 0,2 1 0,-1-1 0,-1 1 0,3-1 0,-3 0 0,2 0 0,-2-1 0,1 2 0,2 0 0,-3-1 0,2 0 0,-1 0 0,0 1 0,1-1 0,-1 2 0,2-2 0,2 1 0,-3-1 0,0 1 0,-2-1 0,0 0 0,2 2 0,-1-1 0,1 0 0,-1-1 0,-1 0 0,1 0 0,-1 0 0,2 0 0,-2 0 0,1 0 0,0 0 0,2 1 0,-3-1 0,2 1 0,-2-1 0,0 0 0,1 0 0,2 1 0,-2-1 0,1 0 0,1 0 0,-3 0 0,2 0 0,-1 0 0,1 0 0,-2 0 0,4 0 0,-4 0 0,2 0 0,-2 0 0,0 0 0,0-1 0,0 1 0,0 0 0,0 0 0,0 0 0,0 0 0,0 0 0,0-1 0,0 2 0,0-2 0,4 1 0,-4 0 0,1 0 0,-1 0 0,1 0 0,0-1 0,0 2 0,-1-2 0,0 1 0,0 0 0,0 0 0,0 0 0,1 0 0,-1 0 0,2 0 0,-1 0 0,0 0 0,1 0 0,-2 0 0,2 0 0,-2-1 0,0 1 0,0 0 0,0 0 0,0 0 0,0 0 0,0-1 0,0 1 0,0 0 0,0 0 0,0 0 0,0 0 0,-2 0 0,2-1 0,-1-1 0,1-1 0,1 0 0,0 1 0,1-3 0,0 2 0,0-2 0,0 2 0,0-1 0,-2 2 0,2-2 0,-2 1 0,2-3 0,-1 4 0,-1-3 0,2 3 0,-2-1 0,2 1 0,-2 0 0,0 0 0,0 0 0,0 1 0,0-2 0,0 1 0,0 1 0,0-1 0,0 0 0,0 0 0,0 0 0,0 0 0,1-1 0,0 1 0,1-1 0,-1 1 0,3-3 0,-4 3 0,4-3 0,-2 3 0,1-1 0,-2 1 0,-1 0 0,0 0 0,1-2 0,-1 3 0,2-4 0,-1 3 0,0 0 0,1 0 0,2-1 0,-3 0 0,3-1 0,-2 1 0,0 0 0,1-1 0,-1 3 0,0-2 0,-1 1 0,2-1 0,-2 1 0,2 0 0,-2-1 0,1 1 0,-2 0 0,4-2 0,-3 1 0,0 0 0,-1-1 0,2 2 0,-2-1 0,1 1 0,1 0 0,-2 0 0,1 0 0,-1 0 0,0 1 0,0-1 0,0 0 0,0 0 0,0 0 0,0 0 0,0 0 0,0 0 0,0 0 0,0 0 0,0 1 0,0-2 0,0 2 0,0-2 0,0 1 0,0 0 0,0 0 0,0 0 0,0 0 0,0-1 0,0 1 0,0 0 0,0 0 0,0 0 0,0-3 0,0 2 0,0-2 0,0 2 0,0 0 0,0 1 0,0 0 0,0-1 0,2 1 0,-2-1 0,1 0 0,-1 1 0,0 0 0,0 0 0,0 0 0,2 0 0,-2-1 0,2 1 0,-2 0 0,1-1 0,-1 2 0,2-2 0,-2 1 0,1-2 0,-1 2 0,3-1 0,-3 1 0,0 0 0,0 0 0,0 0 0,1 0 0,0 0 0,-1-1 0,2 2 0,-2-1 0,2-1 0,-2 1 0,0 0 0,0 1 0,0-1 0,0 1 0,0 0 0,0 1 0,0 2 0,0-2 0,0 0 0,-2 0 0,2 1 0,-2 0 0,2-1 0,0 1 0,0-1 0,0 2 0,0-2 0,0 1 0,0-1 0,0 0 0,0 0 0,0 0 0,0 1 0,0-1 0,0-1 0,0 1 0,0 1 0,0-1 0,0-1 0,0 2 0,0-1 0,0 2 0,0-2 0,0 2 0,0-2 0,0 2 0,0-1 0,0-1 0,3 1 0,-3 0 0,2 0 0,-2-1 0,0 0 0,0-1 0,0 2 0,0-1 0,0 0 0,0 1 0,0-1 0,0 0 0,0 0 0,0 0 0,0 0 0,0 1 0,0-1 0,0 2 0,0-1 0,0 1 0,0-2 0,0 0 0,0 0 0,0 1 0,0-1 0,0 0 0,0 1 0,0-2 0,0 3 0,0-2 0,0 1 0,0 0 0,2 1 0,-2-1 0,3 1 0,-3-2 0,1 2 0,-1-2 0,1 3 0,-1-3 0,0 1 0,0 0 0,0 0 0,0-1 0,0 1 0,0-1 0,2 0 0,-2 1 0,2 0 0,-2 0 0,1-1 0,-1 1 0,1 0 0,2 0 0,-3 0 0,1 1 0,-1-2 0,0 0 0,2 1 0,-2-1 0,2 2 0,-2-2 0,0 1 0,0-2 0,1 2 0,0-1 0,-1 0 0,0 0 0,0 1 0,2-1 0,-2 1 0,2-1 0,-1 0 0,-1 0 0,2 0 0,-2 0 0,0 0 0,0 0 0,1 0 0,-1 0 0,1 1 0,1-1 0,-2 0 0,2 0 0,-2 0 0,0-1 0,0 2 0,0-2 0,0 1 0,0 0 0,1 0 0,0 0 0,0 0 0,-1 0 0,0 0 0,0 0 0,0 0 0,0 0 0,1 1 0,-1-1 0,2 1 0,-2-1 0,1 0 0,-1 0 0,2 0 0,-2 0 0,1 0 0,-1 0 0,3 0 0,-2 1 0,0-1 0,-1 0 0,1 1 0,-1-2 0,2 2 0,-2-1 0,1 1 0,0-1 0,-1 1 0,0-2 0,2 2 0,-2-1 0,2 0 0,-2 0 0,0 0 0,1 0 0,0 0 0,-1 0 0,2 0 0,-2 0 0,2 0 0,-2 0 0,0-1 0,0 1 0,0 1 0,0-1 0,0 0 0,0 0 0,0 0 0,1 0 0,-1 0 0,1 0 0,-1 0 0,0 0 0,0 0 0,2 0 0,-2 0 0,1 0 0,1 0 0,-2 0 0,2 0 0,-2 0 0,0-1 0,0 2 0,0-1 0,0 0 0,0 0 0,1 0 0,0 0 0,0 0 0,-1 0 0,0 0 0,0 0 0,0 0 0,0 0 0,0 0 0,0 0 0,0 0 0,0-1 0,0 1 0,1 0 0,-1-1 0,0-2 0,0 1 0,0-3 0,1 3 0,1-3 0,-2 3 0,0-1 0,2-1 0,1 1 0,2-3 0,-2 3 0,3-5 0,-6 5 0,4-3 0,-4 4 0,2-3 0,-1 2 0,1-2 0,-2 3 0,0 0 0,0 0 0,0-1 0,1 0 0,-1 1 0,2-1 0,-1 1 0,0-1 0,1 0 0,0 1 0,0-1 0,2-1 0,-2 1 0,0 0 0,-2 1 0,0-1 0,0 0 0,0 0 0,0 0 0,0 1 0,0-1 0,0 1 0,0 0 0,2 0 0,-1-1 0,0 0 0,1 0 0,-2 1 0,2-1 0,-2 0 0,2-1 0,0 1 0,0-1 0,-1 2 0,-1-2 0,0 2 0,1-1 0,0 1 0,0-2 0,-1 1 0,0-1 0,0 2 0,0-2 0,0 2 0,0 0 0,0 0 0,0 0 0,0-1 0,0 1 0,0 1 0,0-2 0,0 2 0,0-1 0,0 0 0,0 0 0,0-1 0,0 1 0,0-1 0,0 1 0,0 0 0,0 0 0,0-1 0,0 1 0,0 0 0,0 0 0,0-1 0,0 1 0,0-2 0,0 2 0,0-2 0,0 1 0,0 1 0,2 0 0,-2 0 0,1 0 0,-1-1 0,0 1 0,1-1 0,0 2 0,0-3 0,-1 2 0,0-1 0,0 1 0,0 0 0,0 0 0,1-1 0,-1 1 0,2-1 0,-2 1 0,1 0 0,0 1 0,0-1 0,-1 0 0,0 1 0,0 0 0,0 1 0,0 0 0,1 1 0,-1-1 0,2 0 0,-2 0 0,2 2 0,-1-2 0,0 3 0,-1-2 0,2 0 0,-2-1 0,2 2 0,-2-2 0,0 2 0,0-2 0,2 2 0,-2-1 0,0 1 0,0-3 0,0 3 0,0-2 0,0 1 0,0-1 0,0 1 0,2-1 0,-1 2 0,1-3 0,1 2 0,-3-1 0,2 0 0,-2 0 0,1 1 0,0-1 0,3 3 0,-4-3 0,4 3 0,-4-3 0,4 1 0,-4-1 0,2 1 0,-1-1 0,2 0 0,-3 0 0,2 0 0,-2 0 0,0 0 0,0 0 0,0 0 0,0 0 0,0 1 0,0-1 0,0 0 0,0 1 0,1 1 0,0-1 0,1 0 0,-2 0 0,0 0 0,2 0 0,-1 0 0,2 0 0,-3-1 0,0 1 0,0-1 0,1 1 0,-1-2 0,2 2 0,-2-1 0,0 1 0,1-1 0,0-1 0,-1 2 0,0-1 0,0 0 0,0 0 0,0 0 0,0 0 0,0 0 0,0-1 0,2 1 0,-2 0 0,2 0 0,-2-1 0,0 0 0,0-1 0,0-1 0,1 1 0,0 0 0,3-2 0,-3 2 0,2-3 0,-2 3 0,1-2 0,0 1 0,2-5 0,-4 6 0,3-4 0,-2 3 0,0 1 0,0-1 0,0 1 0,-1-1 0,3-1 0,-2 2 0,1-2 0,0 2 0,-1-2 0,0 1 0,-1 0 0,0 1 0,0 0 0,0-1 0,0 1 0,0 0 0,0 0 0,0 0 0,0-1 0,0 0 0,0 0 0,0 1 0,0 1 0,0-2 0,0 1 0,0-1 0,0 1 0,0-1 0,0 1 0,0-1 0,0 0 0,2 0 0,-2 1 0,1 0 0,-1 1 0,2-2 0,-2 0 0,4 0 0,-4 0 0,4-2 0,-4 3 0,4-3 0,-3 3 0,1-3 0,-2 4 0,1-3 0,-1 2 0,1-1 0,-1 1 0,2 0 0,-2 0 0,1 0 0,-1 0 0,2 0 0,-2 1 0,2-1 0,-2 0 0,1-1 0,0 1 0,0 0 0,0 0 0,1 0 0,1 0 0,-2 1 0,2-1 0,-3 0 0,3 0 0,-1 0 0,0 0 0,0 1 0,0-1 0,0 0 0,-2 1 0,0 0 0,0 2 0,0 0 0,2 1 0,0-2 0,-1 2 0,0-1 0,-1 1 0,0-2 0,2 2 0,-2-2 0,1 6 0,-1-6 0,2 3 0,-2-3 0,3 0 0,-3 0 0,3 1 0,-3-1 0,3 0 0,-2 0 0,1 0 0,0 1 0,0 0 0,0-1 0,0 2 0,-2-2 0,0 2 0,0-2 0,0 0 0,0 1 0,0-1 0,0 2 0,2-2 0,0 1 0,2 1 0,-4-1 0,4 2 0,-3-3 0,0 3 0,-1-3 0,2 3 0,-1-3 0,3 2 0,-4-1 0,2 1 0,-2-2 0,0 1 0,0 0 0,0-1 0,0 1 0,0-1 0,0-1 0,0 2 0,0 0 0,0 0 0,1 0 0,-1-1 0,2 0 0,-2 2 0,0-1 0,0 2 0,0-2 0,0 1 0,0-2 0,0 2 0,0-2 0,0 2 0,0-2 0,0 1 0,0-1 0,0 4 0,0-4 0,0 3 0,0-3 0,0 1 0,0-1 0,0 0 0,0 0 0,0 1 0,0-1 0,0 1 0,0-1 0,0 0 0,0 0 0,0-1 0,0 0 0,0-2 0,0 1 0,2-1 0,-2 1 0,2-2 0,-2 2 0,0-2 0,0 1 0,2 1 0,-2-2 0,3-1 0,-2 1 0,2-2 0,-3 3 0,2-3 0,-2 2 0,1 0 0,-1 0 0,0 3 0,0-2 0,0-2 0,0 3 0,0-3 0,0 3 0,0-2 0,0 2 0,0-1 0,0 0 0,0 0 0,0 1 0,2-2 0,-2 2 0,1-2 0,-1 2 0,0-2 0,0 2 0,2-2 0,-1 1 0,3-1 0,-4 2 0,6-3 0,-5 3 0,3-1 0,-4 1 0,0 0 0,1-1 0,0 0 0,0-1 0,-1 2 0,0-1 0,0 0 0,1 1 0,1-1 0,1 1 0,0-1 0,-1 0 0,1 1 0,-2 0 0,1-1 0,0 1 0,-2 1 0,3 0 0,-2-1 0,1 0 0,0 0 0,-1 0 0,0 0 0,1 0 0,1 1 0,-3-1 0,2 0 0,-1 0 0,-1 1 0,3-1 0,-1 0 0,1 0 0,-2 0 0,2 1 0,-2-2 0,1 1 0,-2 1 0,3-1 0,-2 0 0,-1 1 0</inkml:trace>
+</inkml:ink>
+</file>
+
+<file path=ppt/ink/ink2.xml><?xml version="1.0" encoding="utf-8"?>
+<inkml:ink xmlns:inkml="http://www.w3.org/2003/InkML">
+  <inkml:definitions>
+    <inkml:context xml:id="ctx0">
+      <inkml:inkSource xml:id="inkSrc0">
+        <inkml:traceFormat>
+          <inkml:channel name="X" type="integer" min="-2.14748E9" max="2.14748E9" units="cm"/>
+          <inkml:channel name="Y" type="integer" min="-2.14748E9" max="2.14748E9" units="cm"/>
+          <inkml:channel name="F" type="integer" max="32767" units="dev"/>
+        </inkml:traceFormat>
+        <inkml:channelProperties>
+          <inkml:channelProperty channel="X" name="resolution" value="1000" units="1/cm"/>
+          <inkml:channelProperty channel="Y" name="resolution" value="1000" units="1/cm"/>
+          <inkml:channelProperty channel="F" name="resolution" value="0" units="1/dev"/>
+        </inkml:channelProperties>
+      </inkml:inkSource>
+      <inkml:timestamp xml:id="ts0" timeString="2023-03-27T05:42:04.068"/>
+    </inkml:context>
+    <inkml:brush xml:id="br0">
+      <inkml:brushProperty name="width" value="0.02646" units="cm"/>
+      <inkml:brushProperty name="height" value="0.02646" units="cm"/>
+      <inkml:brushProperty name="color" value="#4472C5"/>
+    </inkml:brush>
+  </inkml:definitions>
+  <inkml:trace contextRef="#ctx0" brushRef="#br0">6 196 24575,'0'-1'0,"-2"-1"0,1 1 0,-2-2 0,3 2 0,0 0 0,0-1 0,0-1 0,0 2 0,0-2 0,0 3 0,2-2 0,0 0 0,-1 0 0,0 0 0,-1 1 0,0-1 0,2 1 0,-2 0 0,1-1 0,-1 1 0,0 0 0,0 0 0,0-1 0,0 1 0,0 0 0,2 0 0,-2 0 0,2 0 0,-1-1 0,0 1 0,-1 0 0,0 0 0,2-1 0,-2 1 0,2 0 0,-2 0 0,0 0 0,1 0 0,0 0 0,1 0 0,-2-1 0,3 0 0,-3 1 0,1 1 0,1-2 0,-2 2 0,3-2 0,-3 1 0,4-1 0,-3 1 0,3-1 0,-4 1 0,3 0 0,-3 0 0,6-1 0,-5 0 0,4-1 0,-5 1 0,3 0 0,-3 1 0,2-1 0,0-1 0,-1 2 0,2-2 0,0 1 0,-3-1 0,3 0 0,-2 2 0,3-3 0,0 2 0,0-1 0,-3 1 0,-1 1 0,3-2 0,-3 1 0,1-1 0,-1 2 0,2-1 0,2-1 0,-1 1 0,2-1 0,-4 2 0,1-1 0,-2 0 0,4-1 0,-3 2 0,3-4 0,0 3 0,-1-1 0,-1 1 0,0 0 0,0 0 0,-2 0 0,2 0 0,-2 1 0,2 0 0,-1 0 0,-1 0 0,3 0 0,-2 1 0,1-2 0,-2 2 0,3-1 0,-2-1 0,1 1 0,-2 1 0,3-1 0,-3-1 0,3 2 0,-1-1 0,1 0 0,-1 0 0,1 1 0,-3 0 0,1 1 0,-1 0 0,0 0 0,0 1 0,0-1 0,0 0 0,0 1 0,0-1 0,0 1 0,0-1 0,0 1 0,0 0 0,0 0 0,0 0 0,0-2 0,0 2 0,0-1 0,0 0 0,0 0 0,0 0 0,0 0 0,0 0 0,0 0 0,0-1 0,0 1 0,0 0 0,0 1 0,0-1 0,0 1 0,0-1 0,0 1 0,0-1 0,0 1 0,0-1 0,0 0 0,0 1 0,0-1 0,0 1 0,0-1 0,0 0 0,0 0 0,0 2 0,0 0 0,0 0 0,0-2 0,0 0 0,0 0 0,0 0 0,0 1 0,0-1 0,0 1 0,0-1 0,0 0 0,0 0 0,0 0 0,0 1 0,0-1 0,0 1 0,0 0 0,0 0 0,0 1 0,0 0 0,0-1 0,0 1 0,0-1 0,0 4 0,0 0 0,0 2 0,0-3 0,1-2 0,0-1 0,1 0 0,-2-1 0,2 2 0,-2-2 0,0 1 0,0 0 0,0 0 0,0 0 0,0-1 0,0 0 0,0 1 0,2-1 0,-2 1 0,1-1 0,-1 1 0,0 0 0,0 0 0,1-1 0,0 1 0,0-1 0,-1 1 0,0-1 0,0 0 0,0-1 0,0 2 0,0-1 0,0 0 0,0-1 0,0 2 0,0-1 0,2 0 0,-2 0 0,1 0 0,-1 0 0,0 0 0,0 0 0,0 0 0,0 0 0,0 0 0,0 0 0,0 0 0,0 0 0,0 0 0,0 0 0,0 0 0,0 0 0,0 0 0,0 0 0,0 0 0,1 0 0,1 0 0,-1 0 0,1 0 0,-2 0 0,0 0 0,1 0 0,1 1 0,-1-1 0,3 0 0,-4 0 0,1 0 0,0 0 0,0 0 0,0 0 0,1 0 0,-2-1 0,1 1 0,-1 0 0,0-1 0,0 0 0,2-2 0,-1 0 0,1 0 0,0 0 0,0 1 0,0 0 0,1-1 0,-1 0 0,3-2 0,1 0 0,-1 0 0,1 1 0,-5 2 0,5-3 0,-6 2 0,7-2 0,-6 2 0,2 0 0,2 0 0,0-2 0,0 1 0,2-2 0,-6 4 0,3-2 0,-4 2 0,5-2 0,-5 2 0,2-1 0,-1 1 0,2-1 0,-2 0 0,1-1 0,0 1 0,-2 1 0,1 0 0,0 0 0,-1 1 0,2-2 0,0 2 0,-1-1 0,0 0 0,1-1 0,-2 1 0,2 0 0,-2 0 0,1 0 0,0-1 0,1 1 0,-2 0 0,2 0 0,-2-1 0,0 1 0,0 0 0,0 0 0,0 0 0,0 0 0,0 0 0,0 0 0,0 0 0,0 0 0,0 0 0,0 0 0,0 0 0,0 0 0,0 0 0,0 0 0,0-1 0,1 1 0,-1-1 0,2 2 0,-2 0 0,0 0 0,0 1 0,0 1 0,0-1 0,0 0 0,0 0 0,0 1 0,0-1 0,0 2 0,0-1 0,0 1 0,1-2 0,2 3 0,-1-3 0,0 2 0,-2-1 0,4 1 0,-4-1 0,2 0 0,0 0 0,-2-1 0,3 1 0,-3 0 0,2 1 0,-2 1 0,0-3 0,0 2 0,0-2 0,0 1 0,1 0 0,0 0 0,-1 0 0,0-1 0,0 1 0,0 2 0,0-3 0,2 2 0,-2-2 0,2 0 0,-2 1 0,1-1 0,-1 1 0,3-1 0,-3-1 0,4 2 0,-3-1 0,1 0 0,-1 0 0,-1 0 0,0 0 0,0 0 0,0 0 0,1 1 0,-1-1 0,3 1 0,-2-1 0,-1 1 0,0-1 0,0 0 0,0-1 0,2 2 0,-2-1 0,3 1 0,-2-1 0,-1 0 0,0 1 0,0-2 0,2 1 0,-2 1 0,2 0 0,-2 1 0,0-1 0,2 1 0,-2-1 0,1-1 0,0 0 0,0 1 0,0-2 0,-1 2 0,0-1 0,0 0 0,1 1 0,-1-2 0,3 1 0,-2 0 0,0-1 0,-1 0 0,1 0 0,1-2 0,0 1 0,-1 0 0,-1 0 0,0 0 0,2 0 0,-2 0 0,1 0 0,-1 0 0,2 0 0,-2 0 0,2 0 0,-1 0 0,2 0 0,-3 0 0,1 0 0,-1-1 0,0 2 0,1-1 0,1-1 0,-1 1 0,3-1 0,-4 1 0,1 0 0,1-1 0,-2 1 0,1 1 0,1-1 0,-2-1 0,2 1 0,-1 0 0,0 0 0,1 1 0,-2-2 0,2 1 0,-1 0 0,2-1 0,-3 1 0,3 0 0,-3 0 0,2 0 0,-1 0 0,0 0 0,-1 0 0,2 0 0,-2-1 0,2 1 0,-1 0 0,-1 0 0,1 0 0,1 0 0,-2 0 0,2 0 0,-1-2 0,0 0 0,2-1 0,-3 2 0,2 0 0,-2 1 0,1-1 0,0 0 0,0 0 0,-1 1 0,2-2 0,-2 2 0,1-1 0,-1 1 0,0-1 0,0 1 0,0-1 0,0 0 0,0-1 0,1 2 0,0-1 0,0 1 0,0-2 0,-1 2 0,2 0 0,-2 0 0,0 0 0,0-2 0,0 1 0,0-1 0,3 1 0,-3 0 0,5 0 0,-5 2 0,1-2 0,1 0 0,0-1 0,0 0 0,1 2 0,-1-1 0,-1 2 0,1-1 0,-2-1 0,0 1 0,0 0 0,0 0 0,0-1 0,0 1 0,0 0 0,0-1 0,1 1 0,0-1 0,-1 0 0,2 1 0,-2 0 0,2-1 0,-1 1 0,-1 0 0,1 0 0,1-2 0,0 2 0,0-1 0,0 1 0,-1 1 0,1-2 0,-2 0 0,3 2 0,-2-1 0,0 1 0,-1 1 0,0-1 0,0 2 0,0-1 0,0 0 0,0 0 0,0 1 0,0-1 0,0 0 0,0 1 0,3 4 0,-2-4 0,2 4 0,-3-5 0,0-1 0,0 2 0,0-1 0,0 1 0,0-1 0,0 2 0,0-3 0,0 3 0,0-2 0,0 1 0,0-1 0,0 1 0,0 0 0,1 0 0,1-1 0,-1 1 0,1-1 0,-1 1 0,0-1 0,0 0 0,0 1 0,-1-1 0,4 1 0,-4 0 0,2 0 0,-2-1 0,2 2 0,-1-2 0,-1 0 0,3 0 0,-2 0 0,2 1 0,-3 0 0,1-1 0,0 1 0,0-1 0,2 2 0,-3-2 0,1 0 0,1 0 0,-2 0 0,1 1 0,0-1 0,0 1 0,0 0 0,1 2 0,-2-2 0,2 0 0,-2-1 0,0 0 0,0 0 0,0 0 0,0 0 0,0 0 0,0 1 0,1-1 0,0 0 0,-1 1 0,0-1 0,0 1 0,0-1 0,2 0 0,-2 0 0,1 0 0,-1 1 0,0 0 0,0-1 0,0 1 0,0-1 0,0 0 0,0 1 0,0-1 0,0 0 0,0 0 0,0 1 0,0 0 0,0-1 0,0 0 0,0 1 0,0 0 0,0 0 0,0-1 0,0 0 0,0 0 0,0 0 0,0 0 0,0 1 0,0-1 0,0 0 0,0 0 0,1 0 0,0 0 0,0 1 0,-1-1 0,0 1 0,0-1 0,2 0 0,-2 0 0,1 0 0,-1 0 0,2 0 0,-2 0 0,2 0 0,-2 0 0,0 0 0,0 0 0,0 0 0,2 0 0,-2 0 0,0 0 0,2 0 0,-2 0 0,1 0 0,1 0 0,-2 0 0,1 0 0,1 0 0,-2 0 0,1 0 0,-1 0 0,0 0 0,0 0 0,0-1 0,0-1 0,0-1 0,0 0 0,0 0 0,0 0 0,0 0 0,0 0 0,2 0 0,0-1 0,2-2 0,-1 1 0,0 0 0,-1 2 0,-2 0 0,1 0 0,-1 0 0,1 0 0,1-1 0,-2 1 0,2-1 0,-2 1 0,2 1 0,-2-1 0,0 1 0,0 0 0,2 0 0,0-2 0,1 1 0,2-1 0,-2 1 0,0 0 0,-1 1 0,1-2 0,0 2 0,-1-1 0,1 1 0,-3 0 0,1 0 0,0 0 0,0 0 0,0-1 0,1 1 0,0-2 0,0 2 0,1-2 0,1 2 0,-2 0 0,0 0 0,0 0 0,0 0 0,0-1 0,1 0 0,-2 1 0,2 1 0,-1-1 0,1-1 0,-1 2 0,1-1 0,-2 0 0,2 0 0,-1 0 0,0 0 0,2 0 0,-1-1 0,0 1 0,-2 0 0,2 0 0,-2 0 0,1 0 0,2 0 0,-3-1 0,5 0 0,-6 1 0,5-2 0,-2 2 0,1-1 0,-2 2 0,-1-2 0,-1 2 0,0 1 0,0 0 0,0 1 0,0 0 0,0-1 0,0 3 0,0-2 0,0 1 0,2 1 0,-2-1 0,3 0 0,-3 0 0,0-2 0,0 1 0,0 0 0,0 1 0,0 0 0,0-1 0,0 1 0,0-1 0,0 1 0,0-1 0,0 1 0,0 0 0,0-1 0,0 4 0,2-5 0,0 2 0,0-2 0,-2 0 0,0 1 0,0-1 0,0 0 0,1 2 0,-1-2 0,2 1 0,-2-1 0,1 1 0,-1 0 0,1 0 0,-1-1 0,0 1 0,0 0 0,0 0 0,0-1 0,0 0 0,0 0 0,0 0 0,0 0 0,0 0 0,0 1 0,0-2 0,2 2 0,-2 0 0,2-1 0,-2 0 0,0 0 0,0 1 0,0-1 0,0 0 0,0 0 0,0 2 0,0-2 0,0 1 0,0-1 0,0 0 0,0 1 0,0-1 0,0 0 0,0 1 0,0-1 0,0 1 0,0-1 0,0 0 0,0 0 0,0 0 0,0 0 0,0 0 0,0 0 0,0 1 0,0-1 0,0 0 0,0 0 0,0-1 0,0-1 0,0 1 0,1-4 0,0 2 0,7-4 0,-5 2 0,4-1 0,-3 1 0,2-4 0,9-7 0,-6 5 0,-1 0 0,1 2 0,-5 1 0,12-9 0,-11 8 0,7-4 0,-12 9 0,2-1 0,-2 2 0,3-1 0,-2 1 0,2-2 0,-2 2 0,0 1 0,-1-1 0,2 0 0,-2 1 0,3-2 0,-2 1 0,0-1 0,-1 2 0,0 0 0,2-1 0,-2 2 0,2-2 0,-2 0 0,0 2 0,2-2 0,0 1 0,2-1 0,-4 0 0,2 0 0,-1 1 0,1-1 0,-2 1 0,3-2 0,-1 2 0,-1 0 0,2-1 0,-1 0 0,-1 0 0,1 1 0,-2-1 0,0 1 0,0-1 0,0 1 0,0-1 0,0 1 0,0 0 0,0 0 0,0 0 0,0-1 0,0 1 0,0 1 0,0-2 0,0 1 0,0 0 0,2 0 0,0 0 0,-1 0 0,0 0 0,-1 0 0,2 0 0,-2 0 0,1 0 0,-1 0 0,0 0 0,0 0 0,0 0 0,1 0 0,1 0 0,0 0 0,-1 0 0,-1 0 0,0-1 0,2 0 0,-2 0 0,2 1 0,-2 0 0,0 0 0,0 0 0,2 1 0,-2 1 0,0 0 0,0 0 0,2 1 0,-2-1 0,2 1 0,-2-1 0,0 0 0,0 0 0,0 0 0,0 0 0,1 1 0,0 0 0,-1 0 0,0 1 0,0-1 0,0-1 0,0 1 0,0 1 0,0-1 0,0 1 0,0-1 0,0-1 0,0 2 0,0-2 0,0 2 0,0-2 0,0 1 0,0-1 0,0 3 0,0-3 0,0 4 0,0-3 0,0 1 0,0-1 0,0-1 0,0 1 0,0 0 0,0 0 0,0 0 0,0 0 0,0-1 0,0 2 0,0-1 0,0 2 0,0-3 0,0 3 0,0-3 0,0 1 0,0 0 0,0 0 0,0 0 0,0 0 0,0 0 0,0 0 0,0-1 0,0 1 0,0-1 0,0 6 0,0-5 0,0 3 0,0-3 0,0-1 0,0 1 0,0 0 0,0-1 0,0 2 0,0-2 0,0 2 0,0-1 0,0 0 0,0 0 0,0 0 0,0-1 0,0 2 0,0-1 0,0 1 0,0-2 0,0 0 0,0 0 0,0 0 0,0 1 0,0 1 0,0-1 0,0 1 0,0-2 0,0 1 0,2-1 0,-2 1 0,1-1 0,-1 0 0,1 1 0,0-1 0,0 0 0,-1 0 0,3 1 0,-3-1 0,4 0 0,-3 1 0,-1-1 0,3 0 0,-3 0 0,2 0 0,-2 1 0,0-1 0,0 0 0,0 0 0,0 0 0,0 0 0,0 0 0,1 0 0,0 0 0,1 2 0,1-3 0,-3 3 0,1-1 0,-1-2 0,0 2 0,0-1 0,0 0 0,0 0 0,2 0 0,-2 0 0,3 0 0,-3 0 0,2 0 0,-2 0 0,1 0 0,-1 0 0,2 0 0,-2 0 0,1 0 0,-1 0 0,2 0 0,-2 1 0,0-1 0,0 0 0,0 0 0,0 0 0,0 0 0,1 0 0,0 0 0,-1 0 0,0 0 0,2 0 0,-2 0 0,2 0 0,-2 0 0,0 0 0,0 0 0,2 0 0,-2 0 0,0-1 0,0-1 0,0 0 0,3-4 0,-1 3 0,1-3 0,0 1 0,2-4 0,5-6 0,-5 3 0,4-5 0,-7 11 0,1-2 0,-1 4 0,1-3 0,-3 4 0,3-2 0,-2 3 0,1-3 0,-2 3 0,2-2 0,-2 2 0,0-1 0,0 0 0,0 0 0,0 1 0,3-3 0,-2 3 0,3-3 0,-3 3 0,2-1 0,-3 1 0,2-2 0,-1 2 0,2-1 0,-2 1 0,1-1 0,0 1 0,-2 0 0,2-1 0,-2 1 0,2 0 0,0-2 0,0 2 0,0-1 0,0 1 0,0-1 0,0 1 0,1-1 0,-3 1 0,5-1 0,-4 0 0,2-1 0,0 3 0,-1-3 0,-1 2 0,2 0 0,-3 0 0,4-1 0,-3 1 0,2-1 0,-2 1 0,1 0 0,0 0 0,0 0 0,0-2 0,0 2 0,0-1 0,1 1 0,-3 0 0,3 0 0,-2 0 0,0 0 0,0 1 0,-1 0 0,2 1 0,-2 0 0,0 1 0,0 1 0,0-2 0,0 4 0,0-2 0,0 2 0,0-2 0,0 1 0,0-3 0,0 2 0,0-2 0,0 3 0,0-2 0,0 1 0,0-1 0,0 1 0,0-1 0,0 1 0,0-1 0,0-1 0,0 0 0,0 1 0,0 0 0,0 0 0,0-1 0,0 1 0,0-1 0,0 2 0,0-2 0,0 1 0,0-1 0,0 1 0,0-1 0,0 2 0,0-1 0,0 0 0,0 1 0,0-1 0,0-1 0,0 1 0,0-1 0,0 0 0,0 1 0,0 0 0,1-1 0,0 1 0,0 0 0,-1 0 0,0-1 0,0 1 0,0-1 0,0 0 0,0 0 0,0 1 0,0-1 0,0 0 0,0 0 0,0 0 0,0 1 0,0-1 0,0 1 0,0 0 0,0-2 0,0 2 0,0 0 0,0-1 0,0 3 0,0-4 0,0 2 0,0-1 0,0 0 0,0 0 0,1 1 0,-1-1 0,2 1 0,-2-1 0,0 2 0,0-2 0,0 0 0,0 1 0,0-1 0,0 0 0,0 0 0,0 0 0,0 0 0,0 0 0,0 0 0,0 0 0,0 1 0,0-2 0,1-1 0,0 0 0,-1-1 0,0-1 0,0 1 0,3-7 0,1 3 0,5-9 0,-2 4 0,4-2 0,-4 3 0,8-5-2184,-5 2 2184,3-1 0,-9 6-6061,2 0 6061,-5 6 0,7-6 0,-7 6 0,2-4 0,-1 3 0,-1-1 0,2 0 1461,-2 2-1461,-1 0 6784,0-1-6784,0 2 0,0-3 0,0 2 0,1-1 0,-1 1 0,2-1 0,-2 1 0,0 1 0,0-1 0,0 0 0,2-1 0,-1 0 0,1 1 0,-1 0 0,-1 1 0,3-1 0,-2 1 0,3-1 0,-3 1 0,1-1 0,-2 1 0,1 0 0,0 0 0,1 0 0,0 0 0,-1 0 0,0 0 0,2-2 0,-2 2 0,3-2 0,-4 3 0,3-2 0,-3 1 0,3 0 0,-1 0 0,0 0 0,-1 0 0,0-1 0,0 1 0,0 0 0,-1 0 0,2 1 0,-1-1 0,1 1 0,-1 0 0,-1 1 0,0 0 0,0 0 0,0 0 0,0 1 0,0 0 0,0-1 0,0 1 0,0-1 0,1 4 0,-1-4 0,2 4 0,-2-3 0,0 1 0,0 0 0,0 0 0,0 1 0,0 0 0,0-3 0,0 2 0,0-1 0,0 1 0,0-1 0,0 1 0,0-2 0,0 2 0,0-1 0,0 0 0,0 1 0,0 0 0,0 0 0,0-2 0,0 1 0,0 0 0,0 0 0,2 0 0,-2 0 0,1 0 0,-1-1 0,0 3 0,0-3 0,0 2 0,0-1 0,0 0 0,0-1 0,0 2 0,0-2 0,0 3 0,0-4 0,0 4 0,0-3 0,0 2 0,0-2 0,0 1 0,0-1 0,0 1 0,0-1 0,0 2 0,0-1 0,0 0 0,0 0 0,0 0 0,0-1 0,0 2 0,0-3 0,0 3 0,0-2 0,0 1 0,0-1 0,0 1 0,0 0 0,0-1 0,0 0 0,2 2 0,-1-1 0,0 2 0,-1-3 0,0 2 0,0-2 0,0 2 0,0-2 0,0 2 0,0-2 0,0 2 0,0-2 0,0 1 0,0-1 0,0 1 0,0 0 0,0 0 0,0 1 0,0-1 0,0 0 0,1-1 0,1 1 0,0 0 0,0-1 0,-1 1 0,-1 0 0,3 0 0,-2 0 0,-1 0 0,2-1 0,-2 0 0,2 0 0,-1 1 0,1-1 0,-1 1 0,1-1 0,-2 0 0,0 1 0,0 0 0,0-1 0,0 0 0,0 1 0,0-1 0,0 0 0,0 1 0,0-1 0,0 2 0,1-2 0,0 0 0,-1 0 0,0 0 0,2 1 0,-2-1 0,2 0 0,0 0 0,-2 0 0,1 1 0,-1-2 0,0 1 0,0 1 0,0-1 0,0 0 0,1 0 0,0 0 0,0-1 0,-1 1 0,0 0 0,0 1 0,1-1 0,-1 0 0,2 0 0,-2 0 0,0-1 0,0 2 0,0-2 0,0-2 0,0 1 0,1-2 0,0 1 0,-1 1 0,2-1 0,-2 1 0,4-3 0,-2 1 0,2-2 0,-1 1 0,1-1 0,-3 3 0,4-4 0,-4 5 0,2-5 0,-2 5 0,0-3 0,0 3 0,-1-2 0,0 2 0,0-1 0,2 1 0,0-2 0,0 1 0,2-2 0,-3 3 0,3-3 0,-3 2 0,2-1 0,1 1 0,-2-1 0,0 0 0,1 1 0,-1 1 0,1-2 0,0 1 0,-1-1 0,0 1 0,2 0 0,-3 0 0,2 0 0,-2 1 0,-1-1 0,3 1 0,-2-1 0,1 0 0,0-1 0,0 2 0,-1-1 0,-1 0 0,1 1 0,-1 0 0,2 0 0,0 0 0,-2 0 0,1 0 0,-1 0 0,1 0 0,0 0 0,0 0 0,1-1 0,-2 1 0,2-1 0,-1 2 0,0-2 0,-1 1 0,2 0 0,-2 0 0,1 0 0,-1 0 0,1-1 0,0 1 0,0-1 0,-1 0 0,0 1 0,0 0 0,0 0 0,0 0 0,2-1 0,-1 1 0,1-1 0,0 0 0,-1 0 0,0 0 0,1-1 0,0 1 0,-1-1 0,0 2 0,-1 0 0,2 0 0,-1-1 0,1 1 0,-1-1 0,-1 0 0,1 1 0,-1 0 0,2 0 0,-2 0 0,2-1 0,-2 2 0,2 0 0,-2 0 0,0 1 0,0 1 0,0-1 0,1 1 0,0 0 0,1-1 0,1 2 0,-3-1 0,1 1 0,-1-1 0,2 1 0,-2-3 0,2 5 0,-2-4 0,0 5 0,0-5 0,0 3 0,0-2 0,0 0 0,0 0 0,0 0 0,1-1 0,-1 1 0,2 0 0,-2 1 0,0-2 0,0 3 0,0-3 0,1 1 0,1 0 0,1-1 0,-1 1 0,0-1 0,-2 1 0,2 0 0,-2-1 0,2 2 0,-2-2 0,2 1 0,-2-1 0,2 1 0,-2-1 0,0 1 0,0-1 0,1 2 0,-1-2 0,2 2 0,-2-2 0,0 1 0,0-1 0,1 1 0,0-1 0,1 2 0,-1-1 0,1 0 0,1 0 0,-3 1 0,2-1 0,-2 1 0,2 0 0,-1 0 0,3 1 0,-2-2 0,1 0 0,-1 1 0,-2-2 0,2 2 0,-2-2 0,1 2 0,0-1 0,-1 1 0,2 1 0,-2-3 0,2 0 0,-2 0 0,0 0 0,0 0 0,0 0 0,0 0 0,2 0 0,-2 0 0,1 1 0,-1-1 0,0 0 0,0 0 0,0-3 0,0 1 0,0-3 0,2 1 0,-1-3 0,4-1 0,4-9 0,-2 3 0,1-1-1678,-1 3 1,0 0 1677,1-2 0,0 0 0,-1 3 0,2-4 0,-5 6 0,3-2 0,-6 5 0,4-1 0,-1-3 0,1 3-5672,-2-4 5672,-1 7 0,-2-1 0,0 3 2243,2-1-2243,1-2 0,-1 1 0,2 0 6784,-4 1-6784,2 0 0,-1 1 0,2-4 0,-3 3 0,3-2 0,-3 2 0,0-2 0,0 2 0,0 0 0,0 0 0,0 0 0,0 0 0,0 0 0,0-1 0,0 1 0,0-1 0,0 0 0,1 2 0,-1 0 0,1 0 0,-1 0 0,2 1 0,-1-1 0,2 1 0,-1-1 0,1 0 0,-2 0 0,3 0 0,-1 1 0,-1-2 0,2 1 0,-2 0 0,0 1 0,-2 0 0,2 1 0,-2 0 0,0 0 0,0 1 0,0-1 0,0 2 0,2-1 0,-2 0 0,1 1 0,-1 0 0,0 0 0,0-1 0,0 0 0,0 0 0,0 0 0,0 1 0,0-2 0,0 1 0,0-1 0,0 1 0,0 0 0,0 1 0,0-1 0,0 0 0,0 0 0,0 0 0,0-2 0,0 1 0,0 0 0,0 1 0,0-1 0,0 1 0,0 0 0,0 1 0,0-3 0,0 3 0,0-2 0,0 1 0,0 0 0,0 0 0,0-1 0,0 2 0,0-2 0,0 3 0,0-3 0,0 3 0,0-2 0,0 2 0,0-3 0,0 3 0,0-2 0,0 1 0,0 0 0,0-1 0,0 0 0,0 0 0,0-1 0,0 2 0,0-2 0,0 3 0,0-2 0,0 1 0,0 0 0,0-2 0,0 2 0,0-2 0,2 2 0,-2-1 0,2 1 0,-1-1 0,0-1 0,0 1 0,-1-1 0,0 0 0,1 0 0,-1 1 0,2-1 0,-2 1 0,1-1 0,0 1 0,0-1 0,-1 1 0,0-1 0,2 2 0,-2-1 0,3 0 0,-1 1 0,-1-1 0,2 1 0,-2 0 0,2 1 0,-3-2 0,2-1 0,-2 0 0,0 0 0,0 0 0,0 1 0,0-1 0,0 0 0,0 0 0,0 0 0,0 0 0,0 0 0,2 1 0,-2-1 0,0 1 0,0-1 0,0 0 0,0 0 0,0 1 0,0-1 0,0 0 0,0 1 0,0-2 0,0 1 0,0 0 0,0 0 0,2 1 0,-2 0 0,2-1 0,-2 1 0,1 0 0,0-1 0,-1 0 0,0 0 0,0 1 0,0 0 0,2 1 0,-2-2 0,2 1 0,-2-1 0,0 1 0,0-1 0,1 1 0,-1-1 0,2 1 0,-2-1 0,1 1 0,0 0 0,-1 0 0,2 0 0,-2 0 0,2 0 0,-2 0 0,0-1 0,0 1 0,1 0 0,-1 0 0,1-1 0,1 0 0,-2 0 0,2 1 0,-2-1 0,1 0 0,1 0 0,-1 0 0,1-1 0,-1 1 0,-1 1 0,3-1 0,-2-1 0,2 1 0,-3 0 0,1 0 0,-1 0 0,1 0 0,1 1 0,1 0 0,1 0 0,-3-2 0,0 2 0,-1-2 0,0-2 0,0 1 0,0-2 0,0 1 0,0-1 0,0 1 0,0 1 0,0-2 0,0 1 0,0 0 0,0 1 0,0-1 0,0 0 0,0-3 0,0 3 0,0-3 0,0 4 0,0-2 0,0 1 0,0 0 0,0 0 0,0 1 0,2-1 0,-1 1 0,1-1 0,-1-1 0,-1 2 0,0-3 0,0 2 0,0 0 0,1 0 0,-1 1 0,2-1 0,-1-1 0,0 2 0,0-2 0,-1 1 0,0 0 0,2-2 0,-2 1 0,3 0 0,-3 2 0,0-1 0,1 0 0,-1 0 0,1 0 0,1 0 0,0-2 0,-1 3 0,1-1 0,-2 1 0,1-2 0,-1 2 0,4-3 0,-3 3 0,4-2 0,-5 1 0,2 1 0,0-1 0,-1 1 0,1 0 0,-2-1 0,0 1 0,2-1 0,0 1 0,0-1 0,0-1 0,-2 2 0,2-1 0,0 1 0,-1 0 0,2-1 0,-1 1 0,-1-1 0,2 1 0,-2-1 0,1 2 0,0-2 0,0 1 0,0 0 0,-1-1 0,2 1 0,-2-1 0,2 1 0,-1 0 0,0-1 0,-1 1 0,-1 0 0,2 1 0,0-2 0,2 1 0,-2 0 0,2-1 0,-3 1 0,1 0 0,0 0 0,0 0 0,1 0 0,-2 0 0,1 0 0,1 0 0,-2 1 0,3-1 0,-3 2 0,0 0 0,1 2 0,-2-2 0,2 2 0,-2-1 0,0 0 0,0 1 0,0 0 0,0-1 0,0 3 0,0-4 0,1 1 0,-1-1 0,3 2 0,-3-2 0,3 2 0,-3-1 0,2 1 0,-2-1 0,0 1 0,0-2 0,0 1 0,0-1 0,0 3 0,0-3 0,0 2 0,0-2 0,0 0 0,0 1 0,0 0 0,0 0 0,0 0 0,0-1 0,0 1 0,0 0 0,0-2 0,0 2 0,0 0 0,0 0 0,0 2 0,0-3 0,0 1 0,0-1 0,0 2 0,0-1 0,0 0 0,0 0 0,0 0 0,0-1 0,-2 3 0,2-2 0,-1 1 0,1-2 0,0 2 0,0-2 0,0 1 0,0-1 0,0 0 0,0 1 0,0-1 0,0 1 0,0-1 0,0 0 0,0 1 0,0-2 0,0 2 0,0-1 0,0 1 0,0-1 0,0 0 0,0 0 0,0 0 0,0 0 0,0 0 0,0 0 0,0 0 0,0 0 0,0 1 0,0-2 0,0 0 0,1 0 0,-1-2 0,3 0 0,-2 0 0,2 0 0,-3 0 0,8-6 0,-4 2-520,5-5 520,-3 4 0,-1-1 0,1 2 0,0-4 0,-2 4-33,5-4 33,-8 7 0,6-6 0,-4 5 0,-1-1 0,0 2 0,-2-1 0,1 1 0,0-3 0,2 3 520,-3-3-520,3 3 33,-3 0-33,0 2 0,0-1 0,0 1 0,0-2 0,0 2 0,0-2 0,0 2 0,0-2 0,0 2 0,0-1 0,1 1 0,-1-1 0,1 1 0,-1 0 0,0 0 0,2 0 0,-2 1 0,2-2 0,0 1 0,-1 0 0,1 1 0,-2-2 0,0 1 0,2 0 0,-1 0 0,1 0 0,1-1 0,-3 1 0,2 0 0,-2 0 0,0-1 0,1 1 0,2-1 0,-3 0 0,2-1 0,0 2 0,3-2 0,-3 1 0,2 0 0,-2 0 0,0 0 0,0 1 0,1-2 0,-3 2 0,3-1 0,-3 0 0,3 1 0,-3-1 0,2 1 0,-1 0 0,-1 0 0,1 0 0,-1 0 0,0 0 0,2-1 0,-2 1 0,2 0 0,-2 1 0,0 1 0,2 2 0,-1-2 0,0 2 0,-1-2 0,0 2 0,0 0 0,2 1 0,-1-1 0,0-1 0,-1 4 0,0-4 0,0 3 0,2-3 0,-2 2 0,2-2 0,-2 0 0,0 0 0,1 1 0,2 0 0,0 2 0,0-2 0,-1 1 0,-2-1 0,0 0 0,0 0 0,0-2 0,0 1 0,0 0 0,0 1 0,0-1 0,0 0 0,0 0 0,0-2 0,0 2 0,0 0 0,0 0 0,0 0 0,0-2 0,0 2 0,0 0 0,0-1 0,0 1 0,0-1 0,0 1 0,0 0 0,0-1 0,0 0 0,0 2 0,0-2 0,0 2 0,0-2 0,0 1 0,0-1 0,0 1 0,0 0 0,0-1 0,0 1 0,0-1 0,0 1 0,0 0 0,0 0 0,0 0 0,0 0 0,0 2 0,0-3 0,0 2 0,0-1 0,2 1 0,0-1 0,-1 3 0,1-3 0,-2 2 0,2-3 0,-1 1 0,-1 0 0,1 0 0,1 0 0,-2-1 0,3 1 0,-3 0 0,3-1 0,-1 1 0,-1-1 0,2 2 0,-1-2 0,-1 1 0,1-1 0,-1 0 0,-1 0 0,1 1 0,-1-1 0,0 1 0,0-1 0,0 1 0,0-1 0,0 1 0,2-1 0,-2 0 0,2 1 0,-2 0 0,0 0 0,0-1 0,0 1 0,0-1 0,0 0 0,0 0 0,2 0 0,-2 0 0,0 1 0,0-1 0,0 2 0,2-2 0,-2 1 0,2-2 0,-2 0 0,0-1 0,0 0 0,0 0 0,0 0 0,2-2 0,-2 1 0,2-1 0,1-1 0,0-2 0,0 2 0,1-5 0,-4 7 0,5-7 0,-4 6 0,1-3 0,0 5 0,-2-4 0,2 3 0,-2-3 0,0 4 0,0-3 0,0 2 0,0 0 0,0 1 0,0 0 0,1 1 0,0-2 0,-1 1 0,0 0 0,0 0 0,0 0 0,0 0 0,0 0 0,0 0 0,0 0 0,0 0 0,0 0 0,0 0 0,2 0 0,-2 0 0,2 0 0,-2 0 0,0 0 0,1 0 0,2 0 0,-2 0 0,2-1 0,-1 1 0,1 0 0,-1-1 0,-1 2 0,3-2 0,-4 1 0,5 0 0,-2-1 0,0 1 0,0 0 0,0 0 0,-1 0 0,1-1 0,1 1 0,0 0 0,0 1 0,-3-1 0,2 0 0,-2 0 0,1 0 0,0 0 0,0 1 0,0-2 0,1 2 0,-3-1 0,3 1 0,-1-2 0,1 1 0,-1 0 0,1 0 0,-2 0 0,1 0 0,0 0 0,0-1 0,1 1 0,-1 0 0,1-1 0,-1 1 0,0-1 0,0 1 0,0 0 0,-1 0 0,1 0 0,0 0 0,2-1 0,-3 1 0,0 0 0,-1 0 0,0 0 0,0 1 0</inkml:trace>
+</inkml:ink>
+</file>
+
+<file path=ppt/ink/ink3.xml><?xml version="1.0" encoding="utf-8"?>
+<inkml:ink xmlns:inkml="http://www.w3.org/2003/InkML">
+  <inkml:definitions>
+    <inkml:context xml:id="ctx0">
+      <inkml:inkSource xml:id="inkSrc0">
+        <inkml:traceFormat>
+          <inkml:channel name="X" type="integer" min="-2.14748E9" max="2.14748E9" units="cm"/>
+          <inkml:channel name="Y" type="integer" min="-2.14748E9" max="2.14748E9" units="cm"/>
+          <inkml:channel name="F" type="integer" max="32767" units="dev"/>
+        </inkml:traceFormat>
+        <inkml:channelProperties>
+          <inkml:channelProperty channel="X" name="resolution" value="1000" units="1/cm"/>
+          <inkml:channelProperty channel="Y" name="resolution" value="1000" units="1/cm"/>
+          <inkml:channelProperty channel="F" name="resolution" value="0" units="1/dev"/>
+        </inkml:channelProperties>
+      </inkml:inkSource>
       <inkml:timestamp xml:id="ts0" timeString="2023-01-26T07:55:47.811"/>
     </inkml:context>
     <inkml:brush xml:id="br0">
@@ -139,11 +196,11 @@
       <inkml:brushProperty name="color" value="#C10800"/>
     </inkml:brush>
   </inkml:definitions>
-  <inkml:trace contextRef="#ctx0" brushRef="#br0">0 430 24575,'0'-1'0,"3"-1"0,0-2 0,0 1 0,2 0 0,-5 1 0,2-1 0,1 1 0,-2 0 0,0 0 0,4-4 0,-4 3 0,7-1 0,-8 2 0,3-3 0,-3 3 0,5-4 0,-4 4 0,6-2 0,-7 2 0,5-1 0,-5 0 0,3 0 0,0 0 0,-3 1 0,3 1 0,-3-1 0,0-1 0,1 1 0,2 0 0,1-2 0,-4 1 0,2 0 0,1 2 0,-2-2 0,0 1 0,-1-1 0,0 2 0,3-1 0,-3 0 0,3-1 0,-3 1 0,2 0 0,-1 0 0,1-2 0,-2 2 0,0 0 0,0 0 0,0 0 0,0-1 0,0 0 0,0 2 0,0-2 0,0 1 0,0-1 0,0 1 0,0 0 0,0-2 0,0 2 0,0 0 0,0 1 0,0-1 0,0-1 0,0 0 0,0 1 0,0 2 0,3 0 0,0 2 0,0 0 0,2 4 0,-5-5 0,3 7 0,-3-6 0,1 3 0,2-3 0,0 1 0,0 1 0,-3-1 0,0 1 0,2 0 0,-1-1 0,1 1 0,0-2 0,-2 1 0,7-1 0,-7 1 0,1-2 0,2 4 0,-3-2 0,7 0 0,-7-1 0,4 3 0,-1-3 0,0 3 0,0-3 0,-3-1 0,1 2 0,2 2 0,1-3 0,0 4 0,-2-4 0,2 1 0,-4-1 0,5 0 0,-4 0 0,1 1 0,-2 0 0,2 2 0,-2-1 0,4 1 0,-4-3 0,0 4 0,0-4 0,0 3 0,0-3 0,0 0 0,0 7 0,0-1 0,0 4 0,0-8 0,0 2 0,0-4 0,0 1 0,0-1 0,0 1 0,0-1 0,0 0 0,0 3 0,0-3 0,0 3 0,0-1 0,0 0 0,0-3 0,0 2 0,0 0 0,0 0 0,0-1 0,0-1 0,0 2 0,0-1 0,0 1 0,0-1 0,0 3 0,0-3 0,0 2 0,0-2 0,-4 2 0,4-2 0,-2 0 0,2 0 0,0 1 0,0-2 0,0 2 0,0-1 0,0 3 0,0-3 0,0 3 0,0-3 0,0 4 0,0-2 0,0 0 0,0-2 0,0-1 0,0 2 0,0-1 0,0 1 0,0-2 0,0 1 0,0 0 0,0 0 0,0 1 0,0-3 0,0 3 0,0-1 0,0 1 0,0-1 0,0-1 0,2 1 0,-2 1 0,6-1 0,-5 0 0,0 0 0,-1-1 0,0-1 0,0-3 0,3 0 0,1-3 0,-1 4 0,1-3 0,-4 3 0,6-4 0,-4 4 0,1-4 0,-1 4 0,2-3 0,-1 3 0,0-4 0,1 4 0,0-4 0,-2 4 0,0-2 0,-2 3 0,3-6 0,-3 5 0,5-6 0,-4 6 0,1 0 0,-2 0 0,0-2 0,0 1 0,0-1 0,0 2 0,2-1 0,-2 2 0,4-2 0,-4 1 0,0-2 0,0 3 0,0-1 0,0-1 0,0 1 0,0 0 0,0 0 0,0 1 0,0-1 0,0-1 0,0 0 0,0 2 0,0-1 0,0-1 0,0 1 0,0-2 0,0 2 0,0-1 0,0 0 0,0 2 0,0-4 0,0 3 0,0-3 0,0 3 0,0-2 0,1 1 0,0 0 0,1 1 0,-2-3 0,0 3 0,0-4 0,0 4 0,3-2 0,-3 2 0,4-1 0,-1 1 0,-2 0 0,-1 0 0,0-1 0,3-1 0,-3-1 0,4 2 0,-1 0 0,1 0 0,-2-1 0,1 2 0,-3 0 0,5 0 0,-5-1 0,3 0 0,0-1 0,-3 3 0,4-3 0,-4 3 0,1-2 0,0 1 0,0 0 0,-1 2 0,4 0 0,-4 2 0,3 0 0,-3 1 0,0 0 0,0 0 0,0-1 0,2 4 0,0-4 0,1 6 0,-3-6 0,2 4 0,-1-3 0,4 2 0,-5-3 0,4 1 0,-2-1 0,-1 1 0,-1 1 0,4 0 0,-4-1 0,3-1 0,-3 0 0,2 3 0,-2-2 0,5 3 0,-2-5 0,0 4 0,1-2 0,-2-1 0,0 2 0,1-2 0,0 0 0,-1 0 0,4 3 0,-6-2 0,2-1 0,-2 0 0,0 0 0,2 1 0,-1-2 0,1 1 0,-2 1 0,0 0 0,3-1 0,-3 0 0,3 0 0,-3 1 0,0-2 0,0 2 0,2-1 0,0 2 0,2-1 0,-2 2 0,0-3 0,0 2 0,-1-1 0,2-3 0,-3 3 0,4-1 0,-3 0 0,0 1 0,1-2 0,-2 1 0,0 0 0,0 1 0,0-3 0,0-2 0,0 0 0,0-2 0,0-3 0,0 0 0,4-6 0,-4 3 0,9-5 0,-7 8 0,4-3 0,-3 3 0,1 0 0,2-3 0,-1 1 0,1-2 0,-1 2 0,-1 1 0,2 1 0,-3 1 0,0 3 0,2-5 0,-4 5 0,2-4 0,0 5 0,-3-3 0,4 1 0,-4 1 0,0 1 0,1 0 0,1-2 0,2 1 0,-4-1 0,3 3 0,-3-1 0,1 0 0,1-1 0,0 1 0,-2 1 0,0-3 0,0 1 0,0-2 0,0 3 0,0-1 0,0 0 0,0 2 0,0-3 0,0 2 0,0-3 0,0-1 0,0 3 0,0-3 0,0 3 0,0 0 0,0-3 0,0 4 0,0-4 0,0 4 0,0-3 0,0 3 0,0-2 0,-2 1 0,0-2 0,1 4 0,1-3 0,0 2 0,0-1 0,0 1 0,0-2 0,0 1 0,0 0 0,0 1 0,0-2 0,0 1 0,0-1 0,0 1 0,0-1 0,0 1 0,0-3 0,0 3 0,0-2 0,0 2 0,0 0 0,0 1 0,0-3 0,0 2 0,0-1 0,0 1 0,0 0 0,0 0 0,0-2 0,0 3 0,0-4 0,0 3 0,0 0 0,0 1 0,0-1 0,0 1 0,0 1 0,0-1 0,0 0 0,0-1 0,0 1 0,0 1 0,0-1 0,0-1 0,0 1 0,0 0 0,0-1 0,0 0 0,0-1 0,0 2 0,0 0 0,0 0 0,0-1 0,0 1 0,0 1 0,0-2 0,0 0 0,0-1 0,0 4 0,0-3 0,0 1 0,0 2 0,-3-1 0,3 4 0,-3-3 0,3 3 0,0-1 0,0 3 0,0-2 0,0 2 0,3-4 0,1 7 0,1-6 0,-1 5 0,-2-5 0,1 1 0,0-2 0,4 3 0,-7 2 0,1-2 0,2 0 0,-3-2 0,6 1 0,-6-2 0,3 2 0,-3 0 0,0-1 0,0 0 0,0 0 0,2 1 0,-1-1 0,0 1 0,2 1 0,-3-1 0,4 1 0,-3-1 0,1-1 0,2 2 0,-4-2 0,5 0 0,-4 1 0,1 0 0,1-1 0,-3 2 0,3-2 0,-2 1 0,1-2 0,2 4 0,-1-2 0,2 3 0,1-2 0,-2 1 0,3-2 0,-5 0 0,3-1 0,-2 2 0,0-2 0,5 2 0,-5-1 0,2 3 0,0-4 0,-2 3 0,1-3 0,0 2 0,-4 0 0,4-1 0,-2-1 0,3-1 0,-5 1 0,4 2 0,-2-2 0,-1 0 0,-1-1 0,4 1 0,-4 1 0,2-1 0,-2 0 0,0-1 0,2 2 0,-1 0 0,1-1 0,-2 3 0,3-3 0,-3 3 0,3-3 0,-3 2 0,0-3 0,3 3 0,-3-1 0,3 3 0,-2-5 0,-1 4 0,4-2 0,-4 1 0,0-2 0,0 3 0,0-3 0,0-1 0,0 2 0,0 0 0,0 0 0,0 0 0,0 2 0,0-3 0,0 1 0,0-1 0,0 1 0,0 0 0,0-2 0,0 1 0,0 1 0,0 0 0,0-2 0,0 3 0,0-3 0,0 2 0,0-1 0,0 0 0,0 0 0,0 1 0,0-1 0,0 1 0,0-2 0,0 2 0,0-1 0,0 2 0,0-1 0,0 3 0,0-6 0,0 4 0,0-2 0,0 2 0,0-3 0,0-1 0,3 0 0,-3-2 0,4 1 0,-3-2 0,1 1 0,1 1 0,-3-1 0,3-3 0,-1 0 0,-1 0 0,4 0 0,-5 3 0,4-2 0,-2 1 0,3 1 0,-3-3 0,1 2 0,2 0 0,-5 0 0,5 0 0,-4 0 0,3 0 0,0 0 0,-1-1 0,-2 3 0,2-3 0,0 1 0,0 0 0,0-1 0,-3 0 0,2 2 0,-1 1 0,1-1 0,-2 0 0,2-1 0,-2 1 0,5 0 0,-3-1 0,3 0 0,-5 0 0,4 2 0,-1-2 0,3-2 0,-3 4 0,2-4 0,-5 2 0,5 0 0,-4 1 0,7-3 0,-6 3 0,6-4 0,-2 4 0,-2-2 0,-1 1 0,5-2 0,-8 2 0,11-3 0,-8 3 0,4 0 0,-1 0 0,-1-1 0,-2 2 0,1-1 0,-1 0 0,1 1 0,-1 1 0,-3-1 0,0-1 0,0 3 0,0 2 0,0 0 0,0 1 0,0 2 0,0-3 0,0 1 0,0 1 0,0-2 0,0 1 0,0 4 0,0-3 0,0 1 0,0 2 0,0-4 0,0 4 0,0-5 0,4 2 0,-2-2 0,2 5 0,-4-3 0,0 0 0,0-2 0,3 2 0,-3-1 0,3-1 0,-2 1 0,-1 1 0,7 0 0,-7 0 0,5-2 0,-4 1 0,0-1 0,3 3 0,-4-3 0,2 3 0,-2-3 0,0 1 0,0 1 0,0 1 0,0-1 0,0 1 0,0-3 0,0 4 0,0-4 0,0 1 0,0-1 0,0 4 0,0-2 0,0 5 0,0-7 0,0 6 0,0-6 0,0 3 0,0-3 0,0 1 0,0 0 0,0 0 0,0-1 0,0 5 0,0-5 0,0 2 0,0-1 0,0 2 0,0-3 0,0 2 0,0-1 0,0-1 0,0 1 0,0 3 0,0-4 0,0 1 0,0 0 0,0 0 0,0-1 0,0 2 0,0-2 0,0 0 0,0 2 0,0-2 0,0-1 0,0 2 0,0-1 0,0 0 0,0 0 0,0-2 0,0-1 0,2-1 0,1-1 0,0 0 0,0 2 0,-2-1 0,2 0 0,4 0 0,-3 2 0,3 0 0,-3 0 0,2 0 0,-3 0 0,1 0 0,-4 3 0,7-2 0,-4 0 0,-1 1 0,3 1 0,-5-1 0,0 0 0,0-1 0,-3 2 0,3-1 0,0 1 0,-3-2 0,3 2 0,-3 0 0,2-1 0,-1-1 0,0 2 0,-1-1 0,3 1 0,-3-2 0,3 1 0,0 0 0,0 1 0,0-1 0,0-1 0,0 1 0,0 0 0,0 1 0,0-2 0,0 1 0,0 1 0,0-1 0,0 0 0,0-2 0,-1-1 0,-1-2 0,1-1 0,1 1 0,0 0 0,0 0 0,0 1 0,0-1 0,0-1 0,0 0 0,0 0 0,0 1 0,0-2 0,0 1 0,0-1 0,0 1 0,0-1 0,0 2 0,0-3 0,0 4 0,0-4 0,0 4 0,0-1 0,0 0 0,0 1 0,0 0 0,0-1 0,0 3 0,0-3 0,0 0 0,0 2 0,0-1 0,0 0 0,0 0 0,0-1 0,0 0 0,0 1 0,0 0 0,1-1 0,1 1 0,-1 0 0,-1 1 0,0-2 0,3 0 0,-3 1 0,3-1 0,-3 1 0,0-1 0,2 0 0,0 1 0,-1-2 0,-1 2 0,0-2 0,0 3 0,3-5 0,0 4 0,0-3 0,-1 3 0,1-2 0,-3 3 0,2-1 0,-2-1 0,3 0 0,-2 1 0,0 0 0,-1-1 0,0 0 0,0 0 0,0-1 0,0 2 0,0-1 0,3 0 0,-3 0 0,6 1 0,-6 0 0,4-1 0,-4 0 0,0-1 0,0 3 0,0-2 0,0 1 0,0-1 0,0 1 0,1-1 0,-1 1 0,3-3 0,-3 3 0,0-4 0,0 3 0,0-2 0,3 3 0,-3-1 0,3-1 0,-3 0 0,0 1 0,0-2 0,0 3 0,0-3 0,0 2 0,2-2 0,-1 4 0,1-3 0,0 1 0,-2 1 0,4-1 0,-4-3 0,0 3 0,1-3 0,0 2 0,1-1 0,1 2 0,-3 1 0,3-1 0,-3-1 0,0 0 0,0-1 0,0 3 0,1-5 0,2 5 0,-2-3 0,-1 3 0,0-2 0,3 2 0,-3-2 0,3 2 0,-3-3 0,1 3 0,1-3 0,-1 2 0,-1-1 0,0 2 0,4-2 0,-4 2 0,4-1 0,-3-1 0,1 1 0,-2 0 0,0-1 0,0 1 0,0-1 0,0 2 0,0-2 0,3 1 0,0-1 0,0 2 0,-2-3 0,-1 3 0,0-4 0,4 4 0,-4-4 0,3 4 0,0-2 0,-3 0 0,3-1 0,-3 2 0,0-2 0,0 3 0,0-2 0,0 0 0,1 0 0,0 1 0,1 1 0,-2 0 0,3-3 0,-3 3 0,3-2 0,-3 2 0,0 0 0,0-1 0,1 1 0,2-1 0,-2 0 0,2 1 0,-3 1 0,4-2 0,-2 1 0,3 1 0,-5 1 0,4 3 0,-3 2 0,1-1 0,-2 6 0,0-7 0,0 4 0,0 0 0,0 0 0,0 0 0,0 0 0,0-4 0,3 2 0,-3-3 0,3 2 0,-3-1 0,0 3 0,0-4 0,2 2 0,-1 0 0,0 0 0,-1-1 0,0-1 0,0 0 0,0 0 0,0 1 0,0 2 0,0-3 0,0 2 0,0-1 0,0 1 0,0 0 0,0-1 0,0-1 0,0 1 0,0-1 0,0 3 0,0-3 0,0 2 0,0-1 0,0 1 0,0-2 0,0 2 0,0-1 0,0 2 0,0-1 0,0 1 0,0-2 0,0 1 0,0-2 0,0 3 0,0-1 0,0-1 0,0-1 0,0 2 0,4-1 0,-4 3 0,2-2 0,0 1 0,0-2 0,-1 0 0,-1-1 0,3 2 0,-3-2 0,4 3 0,-4-2 0,0 1 0,0-1 0,2 1 0,-2-2 0,5 3 0,-5-3 0,3 2 0,-3-2 0,0 3 0,0-2 0,0 3 0,3-4 0,-3 4 0,3-4 0,-3 6 0,0-4 0,0 1 0,0-3 0,0 1 0,1 2 0,3-2 0,-2 0 0,3 2 0,-3-4 0,-1 1 0,-1 1 0,0-1 0,0 0 0,0-1 0,0 1 0,0 2 0,0-2 0,4 1 0,-4-1 0,2 0 0,-2 1 0,0-1 0,0 1 0,0 1 0,0-2 0,0 0 0,0 1 0,0-1 0,0-1 0,0 2 0,0-2 0,0 2 0,2-3 0,-1 0 0,1-3 0,1 0 0,-3 1 0,5 0 0,-4-1 0,3 0 0,-4 1 0,5-1 0,4-7 0,-1 5 0,2-7 0,-7 9 0,2-1 0,-5 2 0,3-2 0,-3 2 0,0 0 0,1 1 0,1-2 0,2 1 0,-4-1 0,4 1 0,-3 0 0,2 0 0,0-2 0,0 2 0,-1 1 0,1-1 0,-1-1 0,4 1 0,-2-1 0,-3 3 0,2-3 0,1 1 0,-4 0 0,4-1 0,-1 0 0,0 1 0,2-3 0,-4 4 0,4-1 0,-5-1 0,7 0 0,-5-1 0,4 0 0,-3 2 0,3-3 0,-3 3 0,-2-3 0,-1 4 0,3-1 0,0-2 0,5 0 0,-5 1 0,3-1 0,-6 1 0,1 1 0,1 0 0,-1-2 0,-1 2 0,0 1 0,4-1 0,-4-1 0,4 1 0,-2 0 0,-1 0 0,2-2 0,-3 2 0,3-1 0,-1 2 0,-1 1 0,1 0 0,-2 1 0,0 2 0,0-1 0,0 1 0,0-2 0,0 3 0,0 1 0,0-2 0,0 1 0,3-2 0,-3 2 0,4 1 0,-1 2 0,0 0 0,0 1 0,-3-2 0,0 0 0,0-2 0,0 2 0,2-4 0,-1 0 0,4 2 0,-5-2 0,3 1 0,-2 0 0,1 0 0,2 3 0,-4-4 0,4 4 0,-4-4 0,0 0 0,0 2 0,2-1 0,-2 1 0,3-1 0,-1 0 0,1 0 0,0-1 0,2 3 0,-4-2 0,1 2 0,-2-2 0,3-2 0,-3 1 0,7 4 0,-5-3 0,2 1 0,-2-1 0,-1-1 0,2 1 0,-1 0 0,-2-2 0,3 1 0,-3 0 0,1 1 0,1-2 0,0 1 0,-2 2 0,0-2 0,2 0 0,-2 2 0,4-3 0,-3 3 0,1-2 0,-1 2 0,-1-2 0,3 0 0,-3 1 0,4 0 0,-4-2 0,0 3 0,1-2 0,0 2 0,1-3 0,-2 1 0,0 0 0,2 1 0,2-1 0,-1 1 0,0-1 0,-1 1 0,-2-1 0,2 2 0,2-3 0,-4 2 0,3 0 0,-3 0 0,0-1 0,1-1 0,0 2 0,1-1 0,-2 0 0,0 0 0,0 1 0,0 2 0,0-3 0,3 0 0,-3 0 0,3 1 0,-3-1 0,0 1 0,2 1 0,-1-2 0,0 1 0,-1-2 0,4 2 0,-4-1 0,3 1 0,-3 0 0,0-1 0,0-1 0,1 2 0,1-1 0,-1 0 0,2-1 0,-3 0 0,4-1 0,-4-4 0,0-1 0,0-1 0,0 3 0,1 1 0,0-1 0,1-1 0,1 2 0,-3-3 0,3 3 0,-3-4 0,1 4 0,3-5 0,-2 3 0,1-5 0,-3 5 0,4-4 0,-3 5 0,2-3 0,0 3 0,-3-1 0,0 1 0,0-2 0,3 3 0,-3-5 0,3 5 0,-3-4 0,0 4 0,2-3 0,-1 2 0,1-3 0,-2 3 0,0 0 0,0 0 0,0 0 0,0 0 0,0 1 0,3 0 0,-3 0 0,3 0 0,-3-1 0,0 2 0,0-1 0,0 0 0,0-1 0,0 1 0,0 0 0,0 0 0,0 1 0,0-3 0,0 2 0,0-1 0,0-1 0,0 0 0,0 2 0,0 0 0,0-1 0,0 1 0,0-1 0,0 2 0,0-3 0,0 2 0,2-1 0,-1 1 0,0-1 0,-1 0 0,0 2 0,3-1 0,-3 0 0,5-1 0,-4 1 0,1 0 0,1-1 0,-3 0 0,3 1 0,-3 1 0,0-2 0,1 0 0,1 1 0,0-2 0,1 2 0,-3-3 0,2 3 0,-2 0 0,2-1 0,0 0 0,0 1 0,-2-1 0,0 2 0,2-2 0,-2 1 0,3 0 0,-3 0 0,0-1 0,0 1 0,0-1 0,0 0 0,1-2 0,2 1 0,1 0 0,-4 2 0,3-2 0,-3 2 0,0-3 0,0 2 0,0-1 0,0 1 0,3-3 0,-1 4 0,1-4 0,0 4 0,-3-2 0,0 0 0,0-1 0,0 3 0,2 0 0,-2-1 0,5 1 0,-3-1 0,-1-1 0,-1 2 0,3-3 0,-3 1 0,3-1 0,-1 2 0,-1 1 0,1-2 0,-2 1 0,0-1 0,0-1 0,0 1 0,3-1 0,-3 3 0,3-4 0,-3 5 0,0-3 0,1 3 0,0-5 0,2 4 0,-1-4 0,-2 4 0,3-1 0,-3 0 0,0-3 0,0 4 0,0-1 0,0 0 0,0-1 0,0 0 0,5-2 0,-4 3 0,4-1 0,-5 1 0,0 0 0,0 0 0,1-1 0,1 2 0,-1-2 0,3 2 0,-4-1 0,5 0 0,-5-2 0,2 3 0,-2-1 0,3 1 0,-3-2 0,3 2 0,-3 1 0,0-1 0,0-1 0,3 1 0,-3 0 0,5 1 0,-3-2 0,5 1 0,-5-1 0,3 2 0,-5-1 0,3 0 0,-1 1 0,1-2 0,3 2 0,-3-1 0,-2 2 0,-1 0 0,0 2 0,0 2 0,0-2 0,0 1 0,0 0 0,0 0 0,0 0 0,0 0 0,0-1 0,4 1 0,-1-2 0,0 1 0,-2 0 0,-1 0 0,0 2 0,0-2 0,4 3 0,-4-4 0,4 4 0,-1-4 0,0 6 0,-1-5 0,2 2 0,-4-1 0,4 1 0,0-1 0,-1 1 0,0-1 0,-3 0 0,0-1 0,1 2 0,0-2 0,4 0 0,-5 0 0,3 1 0,-1-2 0,-1 1 0,1 0 0,-2 1 0,2-2 0,-2 1 0,5 1 0,-3-1 0,3 0 0,-5-1 0,4 3 0,-1-1 0,3 0 0,-3 1 0,-1 0 0,-2-4 0,0 3 0,0-1 0,0 0 0,0 0 0,2 0 0,-2 1 0,3 0 0,-3 0 0,0-1 0,0 3 0,0-3 0,2 4 0,0-4 0,-1 0 0,-1 1 0,0 0 0,0 0 0,0 2 0,0-1 0,0 1 0,3-4 0,-3 3 0,3-2 0,-3 2 0,0 0 0,0 0 0,3 1 0,-3-2 0,3-1 0,-3 1 0,0-2 0,0 3 0,2-2 0,-2 4 0,3-4 0,-3 2 0,2-2 0,-2 1 0,4 0 0,-4 2 0,0-2 0,0 1 0,1-1 0,1 0 0,-1 0 0,2 0 0,-3 0 0,3 2 0,-3-2 0,0 2 0,0-3 0,0 2 0,0-2 0,0 1 0,2 1 0,0-1 0,-1 2 0,-1-3 0,3 0 0,-3 1 0,3-1 0,-3 2 0,1-3 0,1 2 0,0-2 0,-2 1 0,0 1 0,3-1 0,-3-1 0,2 3 0,-2-1 0,0 0 0,0 0 0,0-1 0,0 0 0,0 0 0,0-1 0,0 2 0,0-1 0,0 1 0,0-2 0,0 2 0,0-1 0,0 1 0,0 0 0,0-2 0,0 1 0,0 1 0,0-2 0,0 1 0,0 1 0,0-1 0,0-1 0,0 2 0,0-1 0,-2 0 0,2 0 0,-3-1 0,3 2 0,0-1 0,0 0 0,0-2 0,3 0 0,-3-2 0,4 1 0,-2-1 0,2-1 0,-1 1 0,0-1 0,-2 0 0,3-1 0,-1 2 0,4-3 0,-1 1 0,2-1 0,-2 2 0,-2 1 0,0-1 0,0-2 0,0 1 0,3-2 0,-5 2 0,5 0 0,-3 1 0,4-2 0,-2 2 0,0-1 0,-4 2 0,0-3 0,-2 3 0,8-3 0,-6 3 0,2-2 0,0 3 0,-2-2 0,1 1 0,-1-2 0,1 3 0,-3-1 0,3 0 0,-1-2 0,-1 2 0,4-3 0,-5 3 0,4-2 0,-2 2 0,2-1 0,0 0 0,3-2 0,-4 3 0,4-6 0,-7 6 0,6-3 0,-4 3 0,4-4 0,-2 4 0,-2-2 0,-2 1 0,2-1 0,-1 1 0,1-1 0,-2 2 0,3-3 0,-3 3 0,2 0 0,-2-1 0,2 0 0,0 1 0,-1-2 0,-1 3 0,0-2 0,0 2 0,0-2 0,3 1 0,-3 0 0,3 0 0,-1-1 0,0 1 0,-1-1 0,2 2 0,-3-1 0,3 3 0,-1 0 0,-1 3 0,1-1 0,-2-1 0,0 0 0,0 2 0,0-1 0,0-1 0,0 3 0,0-1 0,0 3 0,0-3 0,0 2 0,0-2 0,0 0 0,0-2 0,0 2 0,0-2 0,2 1 0,-2 1 0,4 0 0,-4-1 0,0-1 0,0 0 0,0 0 0,0 1 0,0-2 0,1 2 0,0-1 0,4-1 0,-5 2 0,3 3 0,-3-4 0,0 3 0,0-3 0,0 0 0,0 1 0,0 0 0,0 0 0,0-1 0,0 1 0,0 1 0,0-1 0,0 3 0,0-4 0,0 2 0,0-1 0,0 3 0,0-3 0,0 0 0,0 1 0,0-1 0,0 0 0,0 3 0,0-3 0,1 3 0,2-5 0,-2 4 0,-1-2 0,0-1 0,0 0 0,0 2 0,0 0 0,0-1 0,3 0 0,-3 1 0,3-2 0,-3 4 0,3-4 0,-3 1 0,1-1 0,-1 3 0,0-2 0,4 2 0,-4-2 0,2 1 0,-2-2 0,0 2 0,0-1 0,0 0 0,3 0 0,-3 0 0,5-1 0,-3 4 0,-1-3 0,-1 1 0,0-1 0,0-1 0,0 0 0,0 1 0,3-1 0,-3 0 0,3 0 0,-3 1 0,0-2 0,0 3 0,0-2 0,2 3 0,-1-3 0,0 2 0,-1-2 0,0 0 0,0 1 0,0 0 0,0-1 0,0 2 0,4-2 0,-4 1 0,3-1 0,-3 1 0,1-1 0,0 0 0,2 0 0,-3 0 0,2 1 0,-2 0 0,3-1 0,-3 0 0,0 0 0,0 0 0,0 0 0,0 1 0,2-2 0,-1 2 0,1-2 0,-2 1 0,3 1 0,-3-1 0,3 0 0,-3 2 0,1-2 0,1 0 0,-1-1 0,2 2 0,-3-1 0,4 0 0,-4 0 0,0-1 0,0 2 0,0-1 0,0 1 0,0-2 0,0 1 0,0 1 0,0 0 0,0 0 0,1 0 0,0 0 0,1-2 0,-2-1 0,0-1 0,0-2 0,0 0 0,0 0 0,0 0 0,0 2 0,4-3 0,-4 3 0,5-5 0,-5 4 0,5-5 0,-3 4 0,2-1 0,0 0 0,-1-1 0,3 0 0,-2 0 0,0 2 0,-1-3 0,-3 4 0,0-4 0,0 4 0,1-1 0,1 2 0,2-4 0,-4 3 0,5-4 0,-3 3 0,-1-1 0,-1 2 0,3-3 0,-3 3 0,3-1 0,-3 1 0,0 0 0,0-1 0,2 1 0,-1 2 0,1-3 0,-2 0 0,0 0 0,0 0 0,0-1 0,4-1 0,-4 0 0,5 1 0,-5-2 0,0 2 0,0 0 0,0 1 0,0-1 0,0 2 0,0-3 0,0 3 0,0-4 0,0 3 0,0-3 0,0 4 0,0-1 0,0 1 0,0-2 0,0 1 0,0 0 0,0 0 0,0-1 0,0 2 0,0-3 0,0 3 0,0-3 0,0 3 0,0-4 0,0 3 0,0-1 0,0 2 0,0 1 0,0-2 0,0 1 0,0-1 0,0 0 0,0 0 0,0 1 0,0-2 0,0 3 0,0-1 0,0-3 0,0 3 0,0-2 0,0 1 0,0 0 0,0-1 0,0 0 0,0 1 0,0 0 0,0 1 0,0-3 0,0 3 0,0-4 0,0 3 0,0-4 0,0 5 0,0-4 0,0 3 0,0-4 0,0 3 0,0-2 0,0 4 0,0-4 0,0 2 0,0-1 0,0 1 0,0 1 0,0 2 0,0-4 0,0 3 0,0-3 0,0 2 0,0-2 0,0 5 0,0-3 0,0 1 0,0-2 0,0 2 0,0 0 0,0-1 0,0-1 0,0 2 0,0-3 0,0 3 0,0-1 0,0 1 0,0-1 0,0 1 0,0-2 0,0 3 0,0-1 0,0-1 0,0 1 0,0 0 0,0 1 0,0-2 0,0 1 0,0-1 0,0 1 0,0 2 0,0-3 0,0 0 0,0 2 0,0-2 0,0 2 0,0-1 0,0-1 0,0 1 0,0 0 0,0 1 0,1-2 0,1 3 0,-1 2 0,-1 0 0,0 1 0,0 1 0,0 3 0,0 1 0,0 3 0,0-4 0,0 5 0,0-6 0,0 6 0,0-7 0,3 1 0,-3-3 0,4 2 0,-3 0 0,1 2 0,-1-3 0,-1 4 0,0-5 0,3 2 0,-3-3 0,4 3 0,-2-3 0,0 3 0,-2-2 0,0 2 0,0-2 0,3 2 0,-3-3 0,2 2 0,-2-2 0,3 1 0,-2-1 0,0 1 0,2-1 0,0 3 0,2-3 0,-2 3 0,0-3 0,-3 4 0,1-4 0,1 1 0,-1 1 0,3-1 0,-4 0 0,5 1 0,-5-1 0,4 2 0,-4-2 0,1-1 0,-1 0 0,3 0 0,-3 1 0,0-2 0,0 1 0,3 3 0,-3-2 0,4 3 0,-2-3 0,0 2 0,-2-3 0,0 2 0,0 0 0,0-1 0,0 1 0,3 1 0,-3-3 0,2 3 0,-2-2 0,0 2 0,0-3 0,0 0 0,0 2 0,0-1 0,0 0 0,0 1 0,0-1 0,0 3 0,0-4 0,0 3 0,0-3 0,0 0 0,0 1 0,0 0 0,0 0 0,0 2 0,0-1 0,0 0 0,0-1 0,0 1 0,0-1 0,0 1 0,0-3 0,0 1 0,0 0 0,0 1 0,0-1 0,0 0 0,0 0 0,0 0 0,0 0 0,0-1 0,0 2 0,0-1 0,0 0 0,0 0 0,0 0 0,0 0 0,0 1 0,0-1 0,0-1 0,0 1 0,0 0 0,0 1 0,0-1 0,0-1 0,0 0 0,0-2 0,0-3 0,0 0 0,4-4 0,-3 4 0,2-2 0,0 0 0,-2 2 0,6-3 0,-4 2 0,2-2 0,2 0 0,-4 2 0,0 1 0,-3 0 0,0 4 0,1-6 0,3 3 0,-2-6 0,3 6 0,-3-5 0,2 5 0,-1-2 0,2 1 0,-2-1 0,0 2 0,-3-2 0,0 1 0,4-3 0,-2 3 0,2-1 0,-4 1 0,3-2 0,-3 3 0,4-2 0,-4 3 0,1-2 0,1 2 0,-1-5 0,-1 4 0,0-3 0,3 2 0,-3 0 0,3 2 0,-1-1 0,-1 1 0,1 0 0,-2-1 0,3 0 0,-3 1 0,3-4 0,-3 3 0,0-2 0,0 3 0,1 0 0,1-2 0,2-1 0,-4 2 0,3-3 0,-3 4 0,0-4 0,1 3 0,2-2 0,-2 1 0,-1 1 0,3 1 0,-3 0 0,3-3 0,-1 2 0,0-1 0,2 0 0,-1 1 0,-3-3 0,0 5 0,2-3 0,-2 2 0,2-2 0,1 2 0,0-4 0,0 1 0,2 2 0,-4-1 0,1 2 0,-2 0 0,0-1 0,0 0 0,0-1 0,0 2 0,3-5 0,-3 5 0,4-5 0,-3 4 0,2-1 0,-3 1 0,0 1 0,0 0 0,2-3 0,-2 1 0,3-2 0,-3 3 0,0-1 0,0 2 0,2-2 0,0 2 0,-1-3 0,-1 3 0,5-2 0,-4 3 0,3-3 0,-4 2 0,4 0 0,-4 0 0,3 0 0,-3 0 0,0-1 0,0 2 0,1-1 0,0 0 0,1-1 0,-2 1 0,0 1 0,0-2 0,4 2 0,-4-2 0,4 0 0,-1 3 0,0-3 0,0 1 0,0 1 0,-3 1 0,1 3 0,-1 0 0,0 0 0,0 1 0,0 0 0,0 2 0,0-4 0,0 0 0,0 2 0,0-1 0,0 3 0,0-1 0,0-1 0,0-2 0,0 2 0,0-2 0,0 5 0,0-3 0,0 3 0,0-5 0,0 5 0,0-4 0,0 1 0,0-1 0,0 0 0,0 0 0,0 1 0,0-3 0,0 3 0,0-2 0,0 0 0,0 1 0,0-1 0,0 0 0,0 0 0,0 1 0,0 0 0,0-1 0,0-1 0,0 2 0,0 0 0,0-1 0,0 1 0,0 0 0,0 1 0,0-2 0,0 4 0,0-4 0,0 4 0,0-4 0,0 3 0,0-3 0,0 4 0,0-4 0,0 5 0,0-5 0,0 4 0,0-4 0,0 3 0,0-3 0,0 3 0,0-3 0,0 1 0,0 0 0,0 2 0,0-5 0,0 6 0,0-3 0,0 4 0,0-4 0,0 1 0,0-2 0,3 3 0,-3-3 0,4 2 0,-4-2 0,0 4 0,0-3 0,3 3 0,-3-5 0,7 5 0,-7-4 0,6 3 0,-6-3 0,0 0 0,0 1 0,2 2 0,1-1 0,0 0 0,0 0 0,-3-1 0,0-2 0,0 1 0,0 1 0,1-2 0,1 1 0,-1 1 0,-1-1 0,0 2 0,0-1 0,0 0 0,0-2 0,0 4 0,4-3 0,-4 2 0,2-1 0,0 0 0,-1 1 0,1 1 0,-2-3 0,3 1 0,-3 0 0,3-1 0,-3 0 0,0 0 0,0 2 0,0-3 0,2 1 0,-1 2 0,0-2 0,-1 2 0,3-2 0,-3 2 0,4-1 0,-4 3 0,0-5 0,0 2 0,0 0 0,0-1 0,0-1 0,0 3 0,0-2 0,1 1 0,1-1 0,-1 2 0,2-2 0,-3 0 0,3 1 0,-3 0 0,0-1 0,0 0 0,3 0 0,-3 1 0,3-1 0,-3 2 0,0-2 0,0 1 0,0 0 0,0 1 0,2-3 0,-2 0 0,3 2 0,-3-1 0,0 1 0,0 0 0,0-1 0,0 1 0,0-1 0,0-1 0,0 1 0,0 1 0,0-1 0,2 0 0,-2 0 0,4 2 0,-3-2 0,1 1 0,-1-2 0,3 4 0,-4-1 0,2-1 0,-2-1 0,2 1 0,1 0 0,0 0 0,2 0 0,-4 0 0,1-1 0,0-1 0,-2 1 0,3 0 0,-3 1 0,0-1 0,3 0 0,-2-1 0,3 2 0,-4-1 0,4-2 0,-4-1 0,1-2 0,0-2 0,4 1 0,-2-3 0,-1 4 0,6-3 0,-8 4 0,10-5 0,-7 2 0,1-4 0,1 5 0,-2-3 0,-1 3 0,1-2 0,-3 2 0,2-1 0,1 1 0,0-1 0,4 0 0,-5-3 0,3 2 0,-4-3 0,-1 5 0,4-1 0,-4 0 0,3 1 0,-3 1 0,1-1 0,0 2 0,1-4 0,1 3 0,-3-1 0,3 0 0,-1 1 0,-1 0 0,3-2 0,-4 3 0,4-3 0,-3 2 0,1 1 0,3-1 0,-3-2 0,4 0 0,-3-1 0,2 2 0,-5-4 0,3 3 0,-3-2 0,4 1 0,-4 3 0,2 0 0,0-1 0,-1 2 0,2-1 0,-3 0 0,5-2 0,-4 3 0,0-4 0,3 4 0,-4-1 0,5-2 0,-2 1 0,-1 0 0,-2 0 0,0 2 0,0-1 0,0 0 0,0 0 0,0 0 0,0 2 0,0-1 0,0 0 0,0 0 0,0-1 0,0 0 0,0-1 0,0 2 0,0-1 0,0 1 0,0-5 0,0 5 0,0-7 0,0 6 0,0-3 0,0 4 0,0-1 0,0 0 0,0 0 0,3 0 0,-3 1 0,3 1 0,-3-2 0,0 1 0,0 0 0,2 0 0,1-2 0,0 2 0,1-3 0,-2 4 0,-1-1 0,-1-1 0,0 2 0,4-1 0,-4 2 0,4 0 0,-3 3 0,4-1 0,-5 0 0,3 2 0,-1-1 0,-1 0 0,3 0 0,-4-1 0,4 0 0,-3 0 0,1 2 0,2 1 0,-4-3 0,5 2 0,-3-2 0,-1 2 0,2-1 0,0 2 0,2-2 0,4 1 0,-6-2 0,1 4 0,-4-3 0,0 0 0,3 1 0,0 1 0,0 0 0,-1-1 0,-2-1 0,3-1 0,-3-1 0,3 1 0,-3 1 0,2 0 0,-1-1 0,3 3 0,-4-3 0,4 1 0,-4 0 0,1 0 0,1 0 0,2 1 0,-1-1 0,0-1 0,2 0 0,-5 0 0,5 1 0,-4-1 0,3 1 0,-4-1 0,6 0 0,-6 0 0,4 0 0,-4 1 0,0-1 0,0-1 0,0 2 0,0-1 0,0 0 0,0-1 0,0 1 0,0 1 0,0-1 0,1 0 0,-1-1 0,6 2 0,-6-1 0,3 1 0,-3-2 0,2 1 0,-1 0 0,1 0 0,-2 1 0,0-3 0,0 4 0,0-2 0,0 1 0,2-1 0,-2 0 0,4 0 0,-3 1 0,0-2 0,4 1 0,-5 0 0,3 1 0,-3-2 0,0 2 0,0-1 0,0 0 0,0 0 0,0-1 0,0 2 0,0-1 0,0 0 0,0 0 0,0-1 0,0 2 0,-3-2 0,3-1 0,-3-1 0,3-3 0,3 0 0,-1-1 0,0-4 0,2 6 0,0-8 0,-1 8 0,1-5 0,-4 5 0,3-4 0,-3 4 0,4-9 0,-2 8 0,-1-3 0,2 4 0,-3-2 0,3 4 0,-3-3 0,0 2 0,0 0 0,0 1 0,0-2 0,0 0 0,0 2 0,0-1 0,0 0 0,0 0 0,0-1 0,0 1 0,2-3 0,-1 3 0,4-4 0,-4 4 0,7-7 0,-8 7 0,7-6 0,-4 4 0,2-1 0,-3 4 0,-2-2 0,0 1 0,2-4 0,-2 4 0,3-6 0,-1 6 0,1-2 0,0 2 0,4-3 0,-5 2 0,4-4 0,-1 2 0,-2-1 0,3 0 0,-3 4 0,0-1 0,0 1 0,1-3 0,-2 3 0,4-2 0,-5 2 0,4-1 0,-5 0 0,6-4 0,-4 2 0,0-1 0,-2 2 0,4 0 0,-4 0 0,1 1 0,2 1 0,-3-1 0,3 2 0,-3-2 0,0 2 0,0-2 0,0 1 0,0 0 0,0 0 0,0 1 0,0-2 0,0 1 0,0 0 0,0 0 0,0 0 0,0-1 0,0 1 0,0-2 0,0 2 0,0-2 0,0 2 0,0 0 0,0 0 0,0-1 0,0-1 0,0 2 0,0 0 0,0-2 0,0-3 0,0 2 0,0-5 0,0 7 0,0-3 0,0 3 0,0 0 0,0-1 0,4 1 0,-4 0 0,2-2 0,-2 3 0,0 0 0,0-2 0,0 1 0,2 1 0,-1-1 0,1 1 0,-2-1 0,3-1 0,-3 2 0,3-2 0,-3 1 0,3-3 0,-3 3 0,4-1 0,-4 2 0,0-1 0,0 1 0,0 0 0,3 0 0,-2-1 0,0-2 0,2 4 0,-3-2 0,3 1 0,-3-1 0,0 2 0,0-1 0,0 0 0,0 2 0,0 1 0,0 2 0,0 2 0,0-3 0,0 1 0,-3 0 0,3 1 0,-3 0 0,3-2 0,0 4 0,0-4 0,0 5 0,0-4 0,0 1 0,0-2 0,0 2 0,0-2 0,0 0 0,0 2 0,0-1 0,0-3 0,0 3 0,0 0 0,0 0 0,0-2 0,0 3 0,0-2 0,0 4 0,0-4 0,0 7 0,0-6 0,0 3 0,0-3 0,0 2 0,4-1 0,-4-1 0,4 2 0,-4-2 0,0-2 0,0 1 0,0 2 0,0-2 0,0 2 0,0-1 0,0 0 0,0-1 0,0 0 0,0 1 0,0-1 0,0 2 0,0 0 0,0 3 0,0-2 0,0 0 0,0-3 0,0 2 0,0-1 0,0-1 0,0 2 0,0-1 0,0 0 0,0-1 0,0 3 0,0-3 0,0 5 0,0-3 0,4 3 0,-4-2 0,5 1 0,-5-3 0,1 4 0,0-5 0,1 7 0,-2-6 0,0 3 0,0-3 0,0 1 0,0-1 0,0 1 0,0-1 0,4 0 0,-4 0 0,2 3 0,-2-2 0,2 0 0,-1-2 0,0 3 0,4 1 0,-5 0 0,3-1 0,-3-1 0,0-2 0,4 3 0,-4-3 0,2 3 0,-2-2 0,0 2 0,0-4 0,2 3 0,0-1 0,-1-1 0,-1 0 0,0 3 0,3-3 0,-3 3 0,3-3 0,0 0 0,-3 0 0,3 1 0,-3-1 0,0 0 0,0 1 0,2 0 0,-2-1 0,2 3 0,2-3 0,-4-1 0,3 2 0,-3-1 0,0 0 0,0 1 0,0-3 0,0 3 0,0-1 0,1 1 0,1-2 0,-1 3 0,-1-2 0,0 1 0,0-2 0,0 2 0,0-1 0,3 3 0,-3-2 0,4 1 0,-4-3 0,1 2 0,0 0 0,1-1 0,-2 1 0,3-1 0,-3 0 0,4 1 0,-2 0 0,0 1 0,-2-2 0,2 1 0,-2-1 0,3 2 0,-3-2 0,2 3 0,0-2 0,-1 0 0,-1 0 0,3-1 0,-3 1 0,3 0 0,-3-1 0,0-1 0,2 2 0,-1 0 0,1-1 0,1 0 0,-3 1 0,3-1 0,-3 0 0,0-1 0,0 2 0,0 0 0,0-1 0,0 1 0,0-1 0,0 0 0,3 1 0,-3-1 0,1 1 0,-1 0 0,0-1 0,0-1 0,4 2 0,-4 0 0,2-1 0,1 1 0,-3-2 0,4 2 0,-4-1 0,0-1 0,0 2 0,0 0 0,0-1 0,0 1 0,1-1 0,0 0 0,1 0 0,-2 1 0,0 0 0,0 0 0,0-3 0,0 3 0,0 0 0,0-1 0,0 0 0,0-1 0,0 1 0,3 1 0,-3-3 0,0-5 0,0 3 0,0-7 0,2 6 0,0-6 0,-2 7 0,0-4 0,5 0 0,-1 0 0,6-4 0,-5 4 0,5-10 0,-9 12 0,7-7 0,-8 8 0,3-8 0,-1 7 0,1-6 0,-3 8 0,0 0 0,0-1 0,0-1 0,3 0 0,-3 0 0,2 1 0,0 0 0,0-1 0,2 0 0,-1 2 0,1-4 0,3-1 0,-2 3 0,-3-2 0,-2 3 0,0 0 0,0-3 0,0 3 0,0-3 0,0 3 0,0 0 0,0 0 0,0 0 0,4 0 0,-3-1 0,2 0 0,0 0 0,-3 2 0,3-4 0,-3 3 0,4-6 0,-1 5 0,1-2 0,-1 1 0,-3 0 0,0 2 0,1-3 0,1 4 0,-1-5 0,-1 4 0,0-5 0,0 5 0,0-3 0,0 3 0,0 2 0,0-3 0,0 1 0,0 0 0,0 2 0,0-1 0,0-1 0,0 1 0,0 0 0,0-1 0,0 1 0,0-2 0,0 1 0,0 0 0,0 1 0,0-2 0,0 2 0,0-1 0,0-1 0,0 2 0,0-1 0,0-1 0,0 1 0,0-3 0,0 3 0,0-4 0,0 4 0,0-1 0,3 1 0,-3 1 0,4-1 0,-4 0 0,0 1 0,1-3 0,0 3 0,1-4 0,-2 4 0,0-2 0,0 1 0,0 1 0,0-1 0,2-1 0,-2 0 0,4 1 0,-4 1 0,1 0 0,1 0 0,-1 0 0,-1 0 0,0 2 0,0 1 0,0 1 0,0 1 0,3 0 0,-3-1 0,3 0 0,-3 1 0,4 5 0,-3-5 0,2 7 0,-3-8 0,3 3 0,-3-2 0,3 5 0,-3-6 0,2 5 0,-2-5 0,3 5 0,-3-4 0,0 4 0,0-5 0,0 4 0,0-3 0,0 3 0,0-4 0,0 2 0,2-1 0,2 2 0,-1-4 0,2 3 0,-5-2 0,2 0 0,-2 1 0,4 3 0,-3-3 0,5 5 0,-4-5 0,4 6 0,-5-8 0,5 5 0,-6-3 0,5 1 0,-4-1 0,3-1 0,-4 0 0,4 0 0,-4 1 0,0-2 0,0 2 0,0 0 0,0-1 0,0 1 0,0 1 0,0-1 0,0 2 0,3 1 0,-2-2 0,3 1 0,-4-1 0,0 1 0,4 1 0,-2-2 0,2 1 0,-4-3 0,0 2 0,0-2 0,3 2 0,-3-1 0,3 1 0,-3-2 0,0 2 0,2-2 0,-1-1 0,0 3 0,-1-2 0,0 0 0,0 0 0,0 1 0,0-1 0,0 1 0,0-2 0,3 1 0,-3 0 0,4 1 0,-4-3 0,0-2 0,0 0 0,0-1 0,1 1 0,1-1 0,5-4 0,-6 4 0,6-5 0,-6 4 0,4-4 0,-2 4 0,4-10 0,-7 11 0,5-10 0,-4 9 0,1 1 0,-1-1 0,3 1 0,-4-1 0,4-3 0,-2 5 0,2-5 0,-1 3 0,0-2 0,-1 2 0,-2-1 0,0 2 0,0 1 0,0-2 0,0 2 0,0 0 0,0-2 0,0 1 0,0 0 0,0-2 0,0 1 0,0 2 0,0 0 0,0-2 0,0 2 0,0-2 0,0 1 0,0-3 0,0 4 0,0-3 0,0 2 0,3-1 0,-3 1 0,2 0 0,-2 2 0,3-3 0,-2 0 0,5-2 0,-6 2 0,8-5 0,-8 5 0,7-3 0,-5 4 0,1-6 0,-3 7 0,2-4 0,-2 4 0,2-2 0,-2 1 0,4 1 0,-4-1 0,2 2 0,-2-2 0,3 1 0,-3 0 0,4 0 0,-4 0 0,1-1 0,0 0 0,0 1 0,3 0 0,-1 0 0,2-1 0,-2 2 0,1-2 0,-3 1 0,4 0 0,-2 0 0,0 1 0,1-2 0,0 1 0,-1 0 0,-2 2 0,-1 1 0,0 5 0,0-3 0,4 4 0,-2-5 0,1 6 0,-1-4 0,-2 2 0,0-3 0,3 5 0,-3-5 0,3 11 0,-3-11 0,3 6 0,-3-6 0,4 0 0,-4 0 0,7 1 0,-7-2 0,4 1 0,-3-1 0,4 0 0,-2 2 0,2 1 0,-3-1 0,2 2 0,-4-3 0,0 3 0,0-4 0,0 2 0,0-1 0,0 0 0,1 3 0,2-2 0,0 1 0,4 2 0,-6-3 0,5 5 0,-4-6 0,1 5 0,-3-5 0,2 6 0,0-7 0,6 6 0,-8-4 0,3 4 0,-3-6 0,0 3 0,0-1 0,0-2 0,0 3 0,0-4 0,0 2 0,0 0 0,0 1 0,0 2 0,3-3 0,-3 1 0,2-2 0,-2 5 0,0-3 0,0 5 0,0-4 0,0 2 0,0-4 0,0 5 0,0-6 0,0 4 0,0-4 0,0 4 0,0-3 0,0 6 0,0-5 0,0 5 0,0-6 0,0 2 0,0-3 0,0 0 0,0-1 0,0 4 0,0-2 0,0 1 0,0-2 0,0 2 0,0-3 0,0 0 0,0-2 0,0-3 0,0 1 0,4-1 0,-4 2 0,3-5 0,-3 4 0,1-4 0,-1 3 0,4 1 0,-4-3 0,5-3 0,-3 1 0,4-3 0,-6 5 0,2-4 0,-1 1 0,0 4 0,-1-2 0,0 5 0,0-3 0,0-3 0,0 5 0,0-6 0,0 6 0,0-3 0,0 3 0,0 0 0,0-3 0,0 3 0,0-2 0,4-1 0,-4 3 0,2-3 0,-2 4 0,0-5 0,0 5 0,4-7 0,-3 6 0,6-4 0,-6 4 0,9-6 0,-8 7 0,5-4 0,-7 5 0,0-3 0,2 0 0,-1-1 0,1-2 0,-2 5 0,0-3 0,0 1 0,3 1 0,0 0 0,2-2 0,1 2 0,-3-2 0,2 2 0,-3 1 0,1-2 0,2 3 0,-5 0 0,4-1 0,-1 1 0,0-2 0,0 1 0,-1 1 0,1-2 0,0 1 0,3 1 0,-6-1 0,3 1 0,-2-2 0,-1 2 0,6-1 0,-2 0 0,0-1 0,-1 1 0,2 1 0,-4-2 0,4 1 0,-5 0 0,5-1 0,-4 2 0,0 1 0</inkml:trace>
+  <inkml:trace contextRef="#ctx0" brushRef="#br0">0 336 24575,'0'-1'0,"2"-1"0,1-1 0,-1 1 0,2 0 0,-4 0 0,1 0 0,2 0 0,-2 1 0,-1-1 0,4-3 0,-3 3 0,5-1 0,-6 1 0,3-2 0,-3 3 0,4-4 0,-4 4 0,6-2 0,-6 1 0,4 0 0,-4-1 0,2 1 0,0 0 0,-2 0 0,3 1 0,-3 0 0,0-2 0,1 2 0,1-1 0,1-1 0,-3 1 0,2-1 0,0 3 0,-1-3 0,-1 2 0,0-2 0,0 3 0,3-2 0,-3 0 0,2 0 0,-2 1 0,2-1 0,-1 0 0,0-1 0,-1 2 0,0-1 0,0 1 0,0-1 0,0 0 0,0-1 0,0 3 0,0-3 0,0 2 0,0-2 0,0 2 0,0-1 0,0-1 0,0 2 0,0-1 0,0 1 0,0 0 0,0-2 0,0 1 0,0 0 0,0 2 0,2 0 0,1 2 0,-1 0 0,2 2 0,-4-3 0,2 5 0,-2-4 0,1 2 0,1-3 0,1 2 0,-1 0 0,-2-1 0,0 1 0,2 0 0,-2 0 0,2 0 0,0-2 0,-2 2 0,5-2 0,-5 2 0,1-3 0,1 4 0,-2-1 0,6-1 0,-6 0 0,3 1 0,-1-1 0,0 2 0,1-3 0,-3 0 0,1 2 0,1 0 0,1-1 0,0 3 0,-1-4 0,1 2 0,-3-2 0,4 1 0,-3-1 0,0 2 0,-1-1 0,2 2 0,-2-1 0,3 1 0,-3-3 0,0 4 0,0-3 0,0 2 0,0-3 0,0 1 0,0 5 0,0-1 0,0 3 0,0-5 0,0 0 0,0-2 0,0 0 0,0 0 0,0 0 0,0 0 0,0-1 0,0 3 0,0-2 0,0 2 0,0-1 0,0 0 0,0-2 0,0 1 0,0 0 0,0 1 0,0-2 0,0 0 0,0 1 0,0 0 0,0 0 0,0 0 0,0 2 0,0-3 0,0 2 0,0-1 0,-3 1 0,3-1 0,-2-1 0,2 1 0,0 0 0,0-1 0,0 1 0,0 0 0,0 2 0,0-3 0,0 3 0,0-2 0,0 2 0,0-1 0,0 1 0,0-3 0,0 0 0,0 1 0,0 0 0,0 0 0,0-1 0,0 1 0,0-1 0,0 1 0,0 0 0,0-2 0,0 2 0,0 0 0,0 0 0,0 0 0,0-1 0,2 0 0,-2 1 0,4 0 0,-3 0 0,0-1 0,-1 0 0,0-1 0,0-2 0,2-1 0,1-1 0,0 2 0,0-2 0,-3 3 0,5-4 0,-4 3 0,1-2 0,0 2 0,1-2 0,-1 3 0,1-4 0,0 3 0,0-2 0,-1 2 0,-1-1 0,-1 2 0,3-4 0,-3 3 0,3-4 0,-2 4 0,1 1 0,-2-1 0,0-1 0,0 1 0,0-1 0,0 1 0,1 0 0,-1 1 0,3-1 0,-3 0 0,0-1 0,0 2 0,0 0 0,0-2 0,0 2 0,0-1 0,0 1 0,0 0 0,0-1 0,0 0 0,0 0 0,0 1 0,0-1 0,0 0 0,0 0 0,0-1 0,0 2 0,0-2 0,0 1 0,0 1 0,0-3 0,0 3 0,0-3 0,0 2 0,0-1 0,1 1 0,0-1 0,1 2 0,-2-3 0,0 2 0,0-2 0,0 2 0,2-1 0,-2 1 0,3 0 0,-1 1 0,-1-1 0,-1 0 0,0 0 0,3-1 0,-3-1 0,3 2 0,-1-1 0,1 1 0,-1-1 0,0 1 0,-2 1 0,4-1 0,-4 0 0,2 0 0,1-2 0,-3 4 0,3-4 0,-3 4 0,1-3 0,-1 2 0,1-1 0,-1 2 0,3 0 0,-3 2 0,3-1 0,-3 2 0,0-1 0,0 0 0,0 0 0,1 3 0,1-4 0,0 5 0,-2-4 0,2 3 0,-2-3 0,4 2 0,-4-3 0,3 2 0,-1-2 0,-1 2 0,-1 0 0,3 0 0,-3-1 0,2 0 0,-2-1 0,2 3 0,-2-1 0,4 1 0,-2-3 0,0 3 0,1-2 0,-1 0 0,0 1 0,0-1 0,0-1 0,0 1 0,3 2 0,-5-2 0,1 0 0,-1-1 0,0 1 0,2 0 0,-2-1 0,2 0 0,-2 2 0,0-1 0,2 0 0,-2-1 0,3 1 0,-3 0 0,0-1 0,0 1 0,1 0 0,1 1 0,1-1 0,-2 2 0,1-2 0,0 1 0,-2-1 0,3-2 0,-3 3 0,3-2 0,-2 1 0,-1 0 0,2-1 0,-2 0 0,0 1 0,0 0 0,0-2 0,0-1 0,0-1 0,0-1 0,0-2 0,0-1 0,3-4 0,-3 2 0,7-4 0,-5 7 0,2-3 0,-1 3 0,0-1 0,2-2 0,-2 1 0,2-1 0,-1 1 0,-1 0 0,2 2 0,-3 0 0,1 3 0,0-4 0,-2 3 0,2-2 0,-1 3 0,-2-2 0,3 1 0,-3 1 0,0 0 0,1 1 0,0-2 0,2 0 0,-3 0 0,3 3 0,-3-2 0,1 0 0,0 0 0,1 0 0,-2 2 0,0-3 0,0 0 0,0-1 0,0 3 0,0-2 0,0 1 0,0 1 0,0-2 0,0 2 0,0-3 0,0-1 0,0 3 0,0-3 0,0 3 0,0-1 0,0-1 0,0 2 0,0-3 0,0 4 0,0-3 0,0 2 0,0-1 0,-2 1 0,1-2 0,0 3 0,1-2 0,0 2 0,0-2 0,0 2 0,0-3 0,0 2 0,0 0 0,0 0 0,0-1 0,0 1 0,0-1 0,0 0 0,0 0 0,0 1 0,0-3 0,0 3 0,0-2 0,0 2 0,0-1 0,0 2 0,0-3 0,0 1 0,0 0 0,0 1 0,0 0 0,0-1 0,0-1 0,0 3 0,0-4 0,0 3 0,0-1 0,0 2 0,0-1 0,0 0 0,0 1 0,0 0 0,0-1 0,0 0 0,0 0 0,0 1 0,0 0 0,0-2 0,0 2 0,0-1 0,0 0 0,0 0 0,0-1 0,0 1 0,0 0 0,0 1 0,0-1 0,0 0 0,0 1 0,0-1 0,0-1 0,0 0 0,0 3 0,0-2 0,0 0 0,0 2 0,-3 0 0,3 2 0,-2-2 0,2 2 0,0 0 0,0 2 0,0-2 0,0 2 0,2-3 0,2 5 0,0-4 0,-1 3 0,-2-3 0,2 0 0,-1-1 0,3 2 0,-5 2 0,1-2 0,1 0 0,-2-2 0,5 2 0,-5-2 0,3 1 0,-3 0 0,0 0 0,0-1 0,0 1 0,1 0 0,0 0 0,0 0 0,1 1 0,-2 0 0,3 0 0,-2-1 0,0 0 0,3 1 0,-4-2 0,3 1 0,-2 0 0,1 1 0,0-2 0,-2 2 0,2-1 0,-1 0 0,1-1 0,1 3 0,-1-2 0,2 3 0,1-2 0,-2 1 0,2-2 0,-3 1 0,2-2 0,-2 2 0,1-1 0,3 1 0,-4-1 0,2 3 0,0-3 0,-2 1 0,2-1 0,-1 1 0,-3 0 0,3 0 0,-2-2 0,3 0 0,-4 1 0,3 1 0,-1-2 0,-1 1 0,-1-1 0,3 0 0,-3 1 0,1 0 0,-1 0 0,0-2 0,2 3 0,-1-1 0,0 0 0,-1 2 0,3-3 0,-3 3 0,2-2 0,-2 1 0,0-3 0,2 4 0,-2-2 0,3 3 0,-3-5 0,0 4 0,4-1 0,-4 0 0,0-2 0,0 3 0,0-2 0,0-1 0,0 1 0,0 0 0,0 1 0,0-1 0,0 2 0,0-3 0,0 2 0,0-2 0,0 2 0,0-1 0,0-1 0,0 0 0,0 2 0,0-1 0,0-1 0,0 2 0,0-2 0,0 1 0,0 0 0,0-1 0,0 1 0,0 0 0,0 0 0,0 0 0,0-1 0,0 1 0,0 0 0,0 1 0,0-1 0,0 3 0,0-5 0,0 3 0,0-1 0,0 1 0,0-3 0,0 0 0,2 0 0,-2-1 0,3 0 0,-2-1 0,0 0 0,2 1 0,-3 0 0,2-3 0,0 0 0,-2 0 0,4 0 0,-4 3 0,3-2 0,-1 0 0,2 2 0,-3-3 0,2 1 0,1 1 0,-4 0 0,4-1 0,-4 1 0,4 0 0,-1-1 0,-1 0 0,-1 2 0,1-2 0,0 1 0,1 0 0,-1-2 0,-2 1 0,2 2 0,-2 0 0,2-1 0,-2 1 0,2-1 0,-2 0 0,3 0 0,-1 0 0,2 0 0,-4-1 0,3 3 0,-1-3 0,3-1 0,-3 4 0,2-4 0,-4 1 0,4 1 0,-3 0 0,5-1 0,-4 1 0,4-3 0,-1 4 0,-2-2 0,-1 0 0,4-1 0,-6 2 0,9-3 0,-7 3 0,4 0 0,-1-1 0,-2 0 0,0 2 0,0-2 0,-1 1 0,1 0 0,0 2 0,-3-2 0,0 0 0,0 2 0,0 1 0,0 1 0,0 0 0,0 2 0,0-2 0,0 0 0,0 1 0,0-1 0,0 0 0,0 3 0,0-1 0,0-1 0,0 3 0,0-4 0,0 4 0,0-5 0,3 2 0,-2-1 0,3 3 0,-4-1 0,0-1 0,0-2 0,2 2 0,-2 0 0,2-2 0,-1 2 0,-1 0 0,6 0 0,-6 0 0,3-1 0,-2 0 0,0-1 0,2 3 0,-3-2 0,2 2 0,-2-3 0,0 2 0,0 0 0,0 1 0,0-1 0,0 1 0,0-3 0,0 4 0,0-3 0,0 0 0,0 0 0,0 2 0,0-1 0,0 4 0,0-5 0,0 4 0,0-4 0,0 2 0,0-3 0,0 2 0,0-1 0,0 0 0,0 0 0,0 3 0,0-3 0,0 1 0,0-1 0,0 2 0,0-2 0,0 1 0,0-1 0,0 0 0,0 0 0,0 3 0,0-4 0,0 2 0,0-1 0,0 0 0,0 0 0,0 1 0,0-1 0,0-1 0,0 2 0,0-1 0,0-1 0,0 1 0,0 0 0,0-1 0,0 1 0,0-2 0,0-1 0,1-1 0,2 0 0,-1 0 0,0 1 0,-1-1 0,1 1 0,4-1 0,-3 2 0,2 0 0,-1 0 0,0 0 0,-1 0 0,0 0 0,-3 3 0,5-3 0,-2 1 0,-2 1 0,3 0 0,-4 0 0,0-1 0,0 0 0,-2 1 0,2 0 0,0 0 0,-3-1 0,3 1 0,-2 1 0,1-2 0,0 0 0,-1 1 0,0 0 0,2 0 0,-3-1 0,3 1 0,0-1 0,0 1 0,0 0 0,0-1 0,0 0 0,0 1 0,0 0 0,0-1 0,0 1 0,0 0 0,0 0 0,0-1 0,0-1 0,0-1 0,-2-1 0,1-1 0,1 0 0,0 1 0,0 0 0,0 0 0,0 0 0,0-1 0,0 0 0,0 0 0,0 0 0,0-1 0,0 1 0,0-1 0,0 1 0,0-1 0,0 2 0,0-3 0,0 4 0,0-4 0,0 3 0,0 0 0,0 0 0,0 0 0,0 1 0,0-2 0,0 3 0,0-2 0,0 0 0,0 1 0,0-1 0,0 1 0,0-1 0,0 0 0,0-1 0,0 2 0,0-1 0,1 0 0,1 0 0,-2 1 0,0 0 0,0-1 0,3-1 0,-3 2 0,2-2 0,-2 2 0,0-1 0,2-1 0,-1 2 0,0-2 0,-1 1 0,0-1 0,0 2 0,2-4 0,1 4 0,-1-3 0,0 2 0,0-1 0,-2 2 0,1 0 0,-1-1 0,3-1 0,-2 2 0,-1-1 0,0 0 0,0-1 0,0 1 0,0-1 0,0 1 0,0 0 0,3 0 0,-3-1 0,4 2 0,-4-1 0,4 0 0,-4 0 0,0-2 0,0 4 0,0-3 0,0 2 0,0-2 0,0 2 0,0-2 0,0 2 0,3-3 0,-3 2 0,0-2 0,0 1 0,0-1 0,2 3 0,-2-1 0,2-2 0,-2 1 0,0 1 0,0-2 0,0 3 0,0-3 0,0 1 0,2-1 0,-1 4 0,0-4 0,1 2 0,-2 1 0,3-2 0,-3-1 0,0 1 0,1-1 0,-1 0 0,2 0 0,0 2 0,-2 1 0,3-2 0,-3 0 0,0 0 0,0-1 0,0 3 0,0-5 0,3 4 0,-2-1 0,-1 1 0,0-1 0,2 1 0,-2-1 0,2 2 0,-2-3 0,1 2 0,1-2 0,-2 2 0,0-1 0,0 1 0,4-1 0,-4 2 0,3-2 0,-3 0 0,2 1 0,-2-1 0,0 0 0,0 1 0,0-1 0,0 1 0,0-1 0,2 1 0,1-1 0,-1 1 0,-1-2 0,-1 3 0,0-4 0,3 3 0,-3-2 0,2 2 0,1-1 0,-3 0 0,2-1 0,-2 2 0,0-2 0,0 2 0,0-1 0,0 0 0,1 0 0,0 0 0,0 2 0,-1-1 0,2-2 0,-2 3 0,3-2 0,-3 1 0,0 1 0,0-2 0,1 2 0,1-2 0,-1 1 0,1 0 0,-2 2 0,3-3 0,-1 2 0,2 0 0,-4 1 0,3 2 0,-2 2 0,0-1 0,-1 5 0,0-5 0,0 2 0,0 0 0,0 1 0,0-1 0,0 1 0,0-4 0,2 2 0,-2-2 0,3 1 0,-3-1 0,0 3 0,0-4 0,1 3 0,0-1 0,0 0 0,-1-1 0,0 0 0,0-1 0,0 1 0,0 0 0,0 2 0,0-2 0,0 1 0,0-1 0,0 1 0,0 0 0,0 0 0,0-2 0,0 2 0,0-2 0,0 3 0,0-2 0,0 1 0,0-1 0,0 1 0,0-1 0,0 1 0,0-1 0,0 2 0,0-1 0,0 1 0,0-2 0,0 2 0,0-3 0,0 3 0,0-1 0,0 0 0,0-2 0,0 2 0,3 0 0,-3 1 0,2-1 0,-1 1 0,1-1 0,-2-1 0,0 0 0,3 1 0,-3-2 0,3 3 0,-3-2 0,0 2 0,0-2 0,2 1 0,-2-1 0,3 2 0,-3-3 0,3 2 0,-3-1 0,0 2 0,0-2 0,0 3 0,2-4 0,-2 4 0,2-3 0,-2 4 0,0-3 0,0 1 0,0-3 0,0 2 0,1 1 0,2-2 0,-1 0 0,2 2 0,-3-3 0,0 1 0,-1 0 0,0-1 0,0 1 0,0-1 0,0 0 0,0 2 0,0-1 0,3 0 0,-3 0 0,2-1 0,-2 2 0,0-2 0,0 2 0,0 0 0,0-2 0,0 1 0,0 0 0,0 0 0,0-1 0,0 1 0,0-1 0,0 1 0,1-2 0,0 0 0,1-2 0,0-1 0,-2 2 0,4-1 0,-3 0 0,2 0 0,-3 0 0,4 0 0,3-6 0,-1 4 0,2-5 0,-6 6 0,2 0 0,-4 2 0,2-2 0,-2 1 0,0 0 0,1 2 0,1-3 0,1 2 0,-3-2 0,3 2 0,-2-1 0,1 1 0,1-2 0,-1 1 0,-1 1 0,2 0 0,-2-2 0,4 2 0,-2-2 0,-2 3 0,1-2 0,1 0 0,-3 1 0,4-1 0,-2-1 0,0 2 0,2-3 0,-3 3 0,3-1 0,-4 0 0,5 0 0,-3-1 0,3-1 0,-3 3 0,3-3 0,-3 2 0,-1-1 0,-1 2 0,2-1 0,0-1 0,5 0 0,-5 1 0,3-1 0,-5 0 0,0 2 0,2-1 0,-1-1 0,-1 1 0,0 2 0,3-2 0,-3 0 0,3 0 0,-1 1 0,-2-1 0,3-1 0,-3 1 0,2 0 0,0 1 0,-2 1 0,2 0 0,-2 1 0,0 1 0,0 0 0,0 0 0,0-1 0,0 2 0,0 1 0,0-2 0,0 1 0,2-1 0,-2 1 0,3 1 0,0 2 0,-1-1 0,0 1 0,-2-1 0,0 0 0,0-2 0,0 1 0,2-2 0,-1 0 0,3 1 0,-4-2 0,2 2 0,-1-1 0,0 0 0,2 3 0,-3-3 0,4 2 0,-4-2 0,0-1 0,0 2 0,1 0 0,-1 0 0,3-1 0,-2 1 0,1-1 0,1 0 0,1 1 0,-4 0 0,2 1 0,-2-2 0,2-1 0,-2 0 0,6 4 0,-5-3 0,3 1 0,-3 0 0,0-2 0,1 2 0,0-1 0,-2-1 0,2 0 0,-2 1 0,1 0 0,0-1 0,1 1 0,-2 1 0,0-2 0,2 1 0,-2 1 0,3-2 0,-3 2 0,2-1 0,-1 1 0,-1-2 0,2 1 0,-2 0 0,3 0 0,-3-1 0,0 2 0,1-1 0,0 1 0,0-2 0,-1 0 0,0 1 0,2 0 0,1 0 0,-1 0 0,1 0 0,-2 0 0,-1 0 0,2 1 0,1-2 0,-3 1 0,2 0 0,-2 1 0,0-2 0,1 0 0,0 1 0,0 0 0,-1-1 0,0 1 0,0 0 0,0 2 0,0-2 0,3-1 0,-3 1 0,2 0 0,-2 0 0,0 0 0,2 1 0,-1-1 0,-1 0 0,0-1 0,3 1 0,-3 0 0,3 0 0,-3 1 0,0-2 0,0 0 0,1 1 0,0 0 0,0-1 0,1 0 0,-2 0 0,3-1 0,-3-3 0,0-1 0,0-1 0,0 3 0,1 0 0,0 0 0,0-1 0,2 1 0,-3-2 0,2 3 0,-2-4 0,1 4 0,2-5 0,-1 3 0,0-4 0,-2 4 0,3-3 0,-2 3 0,1-1 0,1 1 0,-3 0 0,0 1 0,0-2 0,2 2 0,-2-3 0,2 3 0,-2-2 0,0 2 0,2-2 0,-1 2 0,0-3 0,-1 3 0,0-1 0,0 1 0,0 0 0,0-1 0,0 2 0,2-1 0,-2 1 0,3-1 0,-3 0 0,0 1 0,0-1 0,0 1 0,0-2 0,0 2 0,0-1 0,0 1 0,0 0 0,0-2 0,0 1 0,0 0 0,0-1 0,0 0 0,0 1 0,0 1 0,0-2 0,0 2 0,0-2 0,0 3 0,0-4 0,0 3 0,1-1 0,0 0 0,0 0 0,-1-1 0,0 3 0,2-2 0,-2 0 0,4 0 0,-3 1 0,1-1 0,0 0 0,-2-1 0,2 2 0,-2 0 0,0-1 0,1-1 0,1 2 0,-1-2 0,1 1 0,-2-2 0,2 3 0,-2-1 0,2 0 0,-1-1 0,1 2 0,-2-2 0,0 3 0,1-3 0,-1 2 0,3-1 0,-3 1 0,0-2 0,0 2 0,0-2 0,0 1 0,0-2 0,3 1 0,0 0 0,-3 1 0,2-1 0,-2 2 0,0-3 0,0 1 0,0 0 0,0 1 0,3-3 0,-2 4 0,1-4 0,1 3 0,-3-1 0,0 0 0,0-1 0,0 3 0,1-1 0,-1 0 0,4 0 0,-2 0 0,-1-1 0,-1 1 0,2-2 0,-2 1 0,2-1 0,0 2 0,-1 0 0,0-1 0,-1 1 0,0-1 0,0-1 0,0 1 0,3-1 0,-3 2 0,2-2 0,-2 3 0,0-2 0,1 2 0,-1-4 0,3 4 0,-2-4 0,-1 3 0,3 0 0,-3 0 0,0-3 0,0 3 0,0 0 0,0 0 0,0-1 0,0 0 0,4-2 0,-4 2 0,4 0 0,-4 1 0,0 0 0,0-1 0,1 0 0,1 2 0,-2-2 0,4 1 0,-4 0 0,3-1 0,-3-1 0,2 3 0,-2-2 0,2 2 0,-2-2 0,3 1 0,-3 1 0,0 0 0,0-1 0,2 0 0,-2 0 0,4 2 0,-2-3 0,3 2 0,-3-2 0,1 3 0,-3-2 0,3 0 0,-2 2 0,2-3 0,1 3 0,-1-2 0,-2 2 0,-1 0 0,0 2 0,0 1 0,0-2 0,0 2 0,0-1 0,0 0 0,0 1 0,0-1 0,0 0 0,3 0 0,-1-1 0,0 0 0,-1 1 0,-1-1 0,0 2 0,0-1 0,3 2 0,-3-3 0,3 3 0,0-4 0,-1 6 0,0-5 0,1 3 0,-3-2 0,3 1 0,0-1 0,-1 1 0,1 0 0,-3-1 0,0 0 0,0 1 0,1-2 0,3 1 0,-4 0 0,2 0 0,0-1 0,-1 0 0,0 1 0,-1 0 0,2-1 0,-2 0 0,4 2 0,-3-2 0,3 1 0,-4-1 0,3 2 0,0-1 0,1 1 0,-1 0 0,-2 0 0,-1-3 0,0 2 0,0 0 0,0-1 0,0 1 0,2-1 0,-2 2 0,2-1 0,-2 0 0,0 0 0,0 2 0,0-3 0,2 4 0,-1-3 0,0-1 0,-1 2 0,0-1 0,0 0 0,0 2 0,0-1 0,0 1 0,2-3 0,-2 2 0,3-1 0,-3 1 0,0 0 0,0 0 0,2 1 0,-2-2 0,3 0 0,-3 0 0,0-1 0,0 2 0,1-1 0,-1 2 0,2-2 0,-2 1 0,2-1 0,-2 0 0,3 0 0,-3 2 0,0-1 0,0 0 0,1-1 0,0 0 0,0 1 0,2-1 0,-3 0 0,2 2 0,-2-1 0,0 0 0,0-1 0,0 1 0,0-1 0,0 0 0,1 1 0,1 0 0,-1 0 0,-1-1 0,2 0 0,-2 0 0,3-1 0,-3 3 0,0-4 0,2 3 0,-1-2 0,-1 0 0,0 1 0,3 0 0,-3-1 0,1 2 0,-1-1 0,0 1 0,0-1 0,0-1 0,0 1 0,0 0 0,0-2 0,0 3 0,0-2 0,0 2 0,0-3 0,0 3 0,0-2 0,0 2 0,0-1 0,0-1 0,0 0 0,0 2 0,0-3 0,0 2 0,0 0 0,0 0 0,0-1 0,0 1 0,0 0 0,-1-1 0,1 1 0,-3-1 0,3 1 0,0-1 0,0 1 0,0-2 0,3 0 0,-3-2 0,3 2 0,-2-2 0,3 0 0,-2 0 0,0 0 0,-1-1 0,2 0 0,0 2 0,2-3 0,0 1 0,1-1 0,-1 2 0,-2 0 0,0 0 0,0-2 0,0 1 0,3-2 0,-5 2 0,5 0 0,-3 0 0,3-1 0,-1 2 0,-1-1 0,-2 1 0,-1-2 0,-1 3 0,7-3 0,-6 2 0,2-1 0,1 3 0,-3-3 0,1 2 0,0-2 0,0 2 0,-2-1 0,3 1 0,-2-3 0,0 3 0,3-3 0,-4 2 0,3-1 0,-1 2 0,1-2 0,0 1 0,2-2 0,-2 3 0,2-6 0,-5 6 0,5-3 0,-4 2 0,4-2 0,-2 2 0,-1-1 0,-2 1 0,1-1 0,0 0 0,1 0 0,-2 1 0,2-1 0,-2 1 0,2 0 0,-2 0 0,1 0 0,1 0 0,-2-1 0,0 2 0,0-1 0,0 1 0,0-1 0,3 0 0,-3 1 0,2-1 0,0 0 0,-1 0 0,0 0 0,1 1 0,-2 0 0,3 1 0,-2 1 0,0 2 0,1 0 0,-2-2 0,0 1 0,0 1 0,0-1 0,0 0 0,0 2 0,0-1 0,0 2 0,0-2 0,0 2 0,0-2 0,0 0 0,0-1 0,0 1 0,0-1 0,1 0 0,-1 1 0,3 0 0,-3-1 0,0 0 0,0 0 0,0-1 0,0 2 0,0-3 0,1 3 0,0-2 0,3 0 0,-4 1 0,2 3 0,-2-3 0,0 1 0,0-1 0,0 0 0,0 0 0,0 0 0,0 1 0,0-2 0,0 2 0,0 0 0,0-1 0,0 3 0,0-4 0,0 2 0,0 0 0,0 1 0,0-1 0,0-1 0,0 1 0,0 0 0,0-1 0,0 3 0,0-3 0,1 3 0,1-5 0,-1 4 0,-1-1 0,0-2 0,0 1 0,0 1 0,0 0 0,0-1 0,2 1 0,-2 0 0,3-2 0,-3 4 0,2-3 0,-2 0 0,1 0 0,-1 1 0,0 0 0,3 1 0,-3-2 0,2 1 0,-2-1 0,0 1 0,0-1 0,0 1 0,2-1 0,-2 0 0,4 0 0,-3 2 0,0-1 0,-1 0 0,0-1 0,0 0 0,0-1 0,0 2 0,2-2 0,-2 1 0,3-1 0,-3 2 0,0-2 0,0 2 0,0-2 0,1 3 0,0-2 0,0 1 0,-1-2 0,0 1 0,0 0 0,0 1 0,0-2 0,0 2 0,3-1 0,-3 0 0,2 0 0,-2 0 0,1 0 0,0-1 0,1 1 0,-2-1 0,2 2 0,-2-1 0,2 0 0,-2-1 0,0 1 0,0-1 0,0 1 0,0 0 0,2-1 0,-1 1 0,0-1 0,-1 1 0,2 0 0,-2 0 0,3-1 0,-3 2 0,1-1 0,0-1 0,0 0 0,1 1 0,-2 0 0,3 0 0,-3-1 0,0 0 0,0 1 0,0 0 0,0 0 0,0-1 0,0 1 0,0 0 0,0 0 0,0 1 0,1-1 0,0 0 0,0-1 0,-1-1 0,0-1 0,0-1 0,0 0 0,0-1 0,0 1 0,0 1 0,4-2 0,-4 2 0,4-3 0,-4 2 0,3-4 0,-1 4 0,1-1 0,0 0 0,0-1 0,1 0 0,-1 0 0,1 2 0,-2-3 0,-2 4 0,0-4 0,0 3 0,1 0 0,0 1 0,2-3 0,-3 3 0,4-4 0,-2 3 0,-1-1 0,-1 1 0,2-2 0,-2 3 0,2-2 0,-2 2 0,0-1 0,0 0 0,2 0 0,-1 2 0,0-2 0,-1 0 0,0-1 0,0 1 0,0-1 0,3-1 0,-3 0 0,4 1 0,-4-2 0,0 2 0,0 0 0,0 1 0,0-2 0,0 3 0,0-3 0,0 2 0,0-2 0,0 1 0,0-1 0,0 2 0,0 0 0,0 0 0,0-1 0,0 1 0,0-1 0,0 1 0,0-1 0,0 1 0,0-2 0,0 3 0,0-3 0,0 2 0,0-2 0,0 1 0,0 0 0,0 2 0,0 0 0,0-1 0,0 0 0,0 0 0,0-1 0,0 1 0,0 0 0,0-1 0,0 3 0,0-2 0,0-2 0,0 2 0,0-1 0,0 1 0,0 0 0,0-1 0,0-1 0,0 2 0,0 0 0,0 0 0,0-2 0,0 3 0,0-4 0,0 3 0,0-4 0,0 5 0,0-4 0,0 3 0,0-4 0,0 3 0,0-2 0,0 4 0,0-4 0,0 2 0,0-1 0,0 1 0,0 1 0,0 1 0,0-3 0,0 2 0,0-2 0,0 2 0,0-2 0,0 4 0,0-2 0,0 0 0,0-1 0,0 2 0,0-1 0,0 0 0,0-1 0,0 1 0,0-2 0,0 3 0,0-2 0,0 2 0,0-2 0,0 2 0,0-2 0,0 2 0,0-1 0,0 0 0,0 0 0,0 1 0,0 0 0,0-1 0,0 0 0,0 0 0,0 0 0,0 2 0,0-2 0,0 0 0,0 1 0,0-2 0,0 3 0,0-2 0,0 0 0,0 0 0,0 1 0,0 0 0,1-2 0,1 3 0,-2 2 0,0 0 0,0 0 0,0 1 0,0 3 0,0 0 0,0 2 0,0-2 0,0 3 0,0-4 0,0 4 0,0-5 0,3 1 0,-3-3 0,3 2 0,-2 0 0,0 1 0,0-1 0,-1 2 0,0-4 0,2 2 0,-2-2 0,3 2 0,-1-3 0,-1 3 0,-1-2 0,0 2 0,0-1 0,3 1 0,-3-3 0,1 2 0,-1-1 0,3 0 0,-2 0 0,-1 0 0,3 0 0,-1 1 0,2-1 0,-2 2 0,1-2 0,-3 2 0,0-2 0,2 0 0,-1 1 0,2 0 0,-3-1 0,4 1 0,-4-1 0,3 2 0,-3-1 0,1-2 0,-1 1 0,2-1 0,-2 2 0,0-3 0,0 2 0,2 2 0,-2-2 0,3 3 0,-1-3 0,0 2 0,-2-2 0,0 1 0,0 0 0,0-1 0,0 1 0,2 1 0,-2-2 0,1 2 0,-1-2 0,0 2 0,0-2 0,0-1 0,0 2 0,0 0 0,0-1 0,0 1 0,0-1 0,0 3 0,0-3 0,0 2 0,0-3 0,0 1 0,0 0 0,0 0 0,0 1 0,0 1 0,0-1 0,0 0 0,0-1 0,0 1 0,0 0 0,0 0 0,0-2 0,0 0 0,0 1 0,0 0 0,0 0 0,0-1 0,0 1 0,0-1 0,0 1 0,0-1 0,0 1 0,0 0 0,0-1 0,0 1 0,0-1 0,0 1 0,0 0 0,0 0 0,0-1 0,0 0 0,0 1 0,0 0 0,0 0 0,0-2 0,0 1 0,0-2 0,0-2 0,0 0 0,4-3 0,-4 3 0,3-2 0,-1 0 0,-1 2 0,4-2 0,-2 1 0,1-2 0,1 1 0,-3 1 0,1 1 0,-3 0 0,0 3 0,0-5 0,4 3 0,-3-5 0,3 4 0,-2-3 0,1 4 0,-1-2 0,2 1 0,-2-1 0,1 2 0,-3-2 0,0 0 0,3-1 0,-2 2 0,3-1 0,-4 1 0,2-2 0,-2 3 0,3-2 0,-3 2 0,1-1 0,0 2 0,0-5 0,-1 4 0,0-3 0,2 2 0,-2 0 0,3 1 0,-2 0 0,0 0 0,1 1 0,-2-1 0,2-1 0,-2 2 0,2-4 0,-2 3 0,0-2 0,0 2 0,1 1 0,1-3 0,1 1 0,-3 0 0,2-1 0,-2 2 0,0-3 0,1 3 0,1-2 0,-1 1 0,-1 1 0,2 0 0,-2 0 0,3-1 0,-2 0 0,1 0 0,1 0 0,-1 1 0,-2-3 0,0 4 0,2-2 0,-2 1 0,1-1 0,2 2 0,-1-4 0,1 1 0,0 2 0,-2-1 0,1 1 0,-2 1 0,0-2 0,0 1 0,0-1 0,0 1 0,2-3 0,-2 3 0,3-3 0,-2 2 0,1 0 0,-2 1 0,0 0 0,0 1 0,2-3 0,-2 1 0,2-2 0,-2 3 0,0-1 0,0 1 0,2-1 0,-1 1 0,0-2 0,-1 3 0,4-2 0,-3 2 0,2-2 0,-3 1 0,3 1 0,-3-1 0,2 1 0,-2-1 0,0 0 0,0 1 0,1-1 0,0 1 0,1-1 0,-2 0 0,0 1 0,0-1 0,3 1 0,-3-1 0,3-1 0,-1 3 0,0-2 0,1 0 0,-1 2 0,-2 0 0,1 2 0,-1 0 0,0 1 0,0 0 0,0 0 0,0 2 0,0-4 0,0 1 0,0 1 0,0-1 0,0 3 0,0-1 0,0-1 0,0-2 0,0 3 0,0-3 0,0 5 0,0-3 0,0 2 0,0-3 0,0 3 0,0-2 0,0 0 0,0-1 0,0 0 0,0 1 0,0 0 0,0-2 0,0 2 0,0-2 0,0 1 0,0 0 0,0 0 0,0-1 0,0 1 0,0 0 0,0 1 0,0-2 0,0 0 0,0 1 0,0 1 0,0-2 0,0 2 0,0-1 0,0 1 0,0-1 0,0 2 0,0-2 0,0 3 0,0-4 0,0 3 0,0-2 0,0 2 0,0-2 0,0 3 0,0-3 0,0 3 0,0-4 0,0 3 0,0-2 0,0 1 0,0-1 0,0 0 0,0 1 0,0 1 0,0-4 0,0 4 0,0-1 0,0 2 0,0-3 0,0 2 0,0-3 0,2 3 0,-2-2 0,3 1 0,-3-2 0,0 4 0,0-3 0,3 3 0,-3-4 0,5 3 0,-5-2 0,5 2 0,-5-3 0,0 1 0,0 0 0,1 2 0,2-1 0,-1 1 0,1-1 0,-3-1 0,0-1 0,0 0 0,0 2 0,0-3 0,2 2 0,-1 0 0,-1 0 0,0 1 0,0-1 0,0 1 0,0-2 0,0 2 0,3-1 0,-3 1 0,1-1 0,1 1 0,-1 0 0,0 1 0,-1-3 0,3 2 0,-3-1 0,2 0 0,-2-1 0,0 1 0,0 1 0,0-2 0,1 0 0,0 2 0,0-1 0,-1 1 0,2-1 0,-2 1 0,4-1 0,-4 3 0,0-4 0,0 1 0,0 0 0,0 0 0,0-1 0,0 2 0,0-2 0,0 2 0,2-2 0,-1 2 0,1-1 0,-2-1 0,2 2 0,-2-1 0,0 0 0,0-1 0,3 1 0,-3 0 0,2 0 0,-2 1 0,0-2 0,0 2 0,0-1 0,0 1 0,2-2 0,-2 0 0,2 1 0,-2 0 0,0 0 0,0 0 0,0 0 0,0 0 0,0 0 0,0-1 0,0 0 0,0 1 0,0 0 0,1 0 0,-1-1 0,4 2 0,-4-1 0,2 0 0,-1-1 0,2 3 0,-3-1 0,1-1 0,-1 0 0,2 0 0,0 1 0,1-1 0,1 0 0,-4 1 0,2-2 0,-1 0 0,-1 1 0,3-1 0,-3 1 0,0 0 0,2 0 0,-1-2 0,2 3 0,-3-2 0,3-1 0,-3-1 0,1-1 0,0-2 0,3 1 0,-2-2 0,0 2 0,4-1 0,-6 2 0,8-3 0,-6 1 0,1-3 0,1 3 0,-2-1 0,0 2 0,0-2 0,-2 2 0,2-1 0,0 1 0,0-1 0,4 0 0,-5-2 0,3 1 0,-3-2 0,-1 4 0,3-1 0,-3 0 0,3 1 0,-3 1 0,0-1 0,1 1 0,1-2 0,0 1 0,-2 0 0,2 0 0,0 1 0,-1-1 0,2-1 0,-3 3 0,3-3 0,-2 2 0,0 0 0,3 0 0,-2-2 0,3 0 0,-3-1 0,2 2 0,-4-3 0,2 2 0,-2-2 0,3 2 0,-3 1 0,2 1 0,-1-1 0,0 1 0,1 0 0,-2 0 0,4-2 0,-3 2 0,0-2 0,2 2 0,-3 0 0,4-2 0,-2 1 0,0-1 0,-2 1 0,0 2 0,0-2 0,0 1 0,0 0 0,0-1 0,0 3 0,0-2 0,0 0 0,0 1 0,0-1 0,0-1 0,0 0 0,0 2 0,0-2 0,0 2 0,0-5 0,0 5 0,0-6 0,0 4 0,0-1 0,0 2 0,0 0 0,0-1 0,0 1 0,2 0 0,-2 0 0,3 1 0,-3-1 0,0 0 0,0 1 0,1-1 0,1-1 0,1 2 0,0-3 0,-1 3 0,-2-1 0,0 0 0,0 1 0,3 0 0,-3 1 0,4 0 0,-4 2 0,4 0 0,-4-1 0,3 2 0,-2 0 0,0-1 0,2 0 0,-3 0 0,3-1 0,-2 1 0,1 1 0,1 1 0,-3-2 0,4 1 0,-3-2 0,0 2 0,1 0 0,1 1 0,0-2 0,4 1 0,-4-1 0,0 2 0,-3-1 0,0-1 0,2 1 0,1 1 0,-1 0 0,0-1 0,-2-1 0,2 0 0,-2-1 0,2 0 0,-2 2 0,2-1 0,-1 0 0,2 1 0,-3-1 0,3 0 0,-3 1 0,1-1 0,0 0 0,2 2 0,0-2 0,-1-1 0,2 1 0,-4 0 0,4 0 0,-3-1 0,2 2 0,-3-2 0,4 1 0,-4-1 0,4 1 0,-4 0 0,0 0 0,0-1 0,0 1 0,0 0 0,0-1 0,0 0 0,0 1 0,0 0 0,0-1 0,0 1 0,0-1 0,5 1 0,-5 0 0,2 0 0,-2-1 0,2 0 0,-1 1 0,0-1 0,-1 2 0,0-3 0,0 3 0,0-1 0,0 0 0,2-1 0,-2 1 0,3 0 0,-2 0 0,-1-1 0,4 0 0,-4 1 0,3 0 0,-3-1 0,0 1 0,0 0 0,0-1 0,0 1 0,0-1 0,0 1 0,0 0 0,0-1 0,0 1 0,0-1 0,0 1 0,-3-1 0,3-1 0,-2-1 0,2-2 0,2 0 0,0-1 0,-1-3 0,3 4 0,-1-5 0,-1 5 0,1-3 0,-3 4 0,3-4 0,-3 4 0,3-7 0,-2 6 0,0-3 0,1 4 0,-2-2 0,3 3 0,-3-2 0,0 1 0,0 1 0,0 0 0,0-1 0,0-1 0,0 3 0,0-2 0,0 0 0,0 1 0,0-1 0,0 0 0,1-2 0,0 2 0,3-2 0,-3 2 0,5-5 0,-6 6 0,5-6 0,-2 4 0,1-1 0,-3 4 0,-1-3 0,0 2 0,2-4 0,-2 3 0,2-4 0,0 5 0,0-3 0,0 3 0,4-3 0,-5 2 0,4-4 0,-1 2 0,-2 0 0,3-1 0,-3 3 0,1 0 0,-1 0 0,1-1 0,-1 1 0,2-1 0,-3 1 0,3 0 0,-4 0 0,5-4 0,-4 2 0,1 0 0,-2 0 0,3 1 0,-3 0 0,1 1 0,1 0 0,-2 0 0,3 1 0,-3-1 0,0 1 0,0-1 0,0 0 0,0 1 0,0-1 0,0 1 0,0-1 0,0 0 0,0 1 0,0-1 0,0 1 0,0-2 0,0 2 0,0-2 0,0 1 0,0-1 0,0 1 0,0 1 0,0-1 0,0 0 0,0-1 0,0 1 0,0 1 0,0-2 0,0-3 0,0 2 0,0-4 0,0 6 0,0-3 0,0 3 0,0 0 0,0-1 0,3 0 0,-3 1 0,1-2 0,-1 2 0,0 1 0,0-2 0,0 0 0,2 2 0,-1-2 0,0 2 0,-1-1 0,2-2 0,-2 3 0,3-2 0,-3 0 0,2-1 0,-2 1 0,3 0 0,-3 2 0,0-2 0,0 2 0,0-1 0,3 1 0,-3-2 0,1-1 0,2 4 0,-3-3 0,2 2 0,-2-2 0,0 3 0,0-2 0,0 0 0,0 2 0,0 1 0,0 2 0,0 0 0,0-1 0,0 0 0,-2 1 0,2 0 0,-3 0 0,3-1 0,0 2 0,0-2 0,0 3 0,0-2 0,0 0 0,0-2 0,0 2 0,0-1 0,0 0 0,0 1 0,0-1 0,0-2 0,0 2 0,0 1 0,0-1 0,0-1 0,0 2 0,0-1 0,0 2 0,0-2 0,0 5 0,0-5 0,0 3 0,0-3 0,0 2 0,3-1 0,-3 0 0,3 0 0,-3 0 0,0-2 0,0 0 0,0 2 0,0-1 0,0 1 0,0-1 0,0 1 0,0-2 0,0 1 0,0 0 0,0 0 0,0 1 0,0 0 0,0 2 0,0-1 0,0 0 0,0-2 0,0 1 0,0-1 0,0 0 0,0 1 0,0-1 0,0 1 0,0-2 0,0 3 0,0-2 0,0 3 0,0-2 0,4 3 0,-4-2 0,3 0 0,-3-1 0,1 2 0,0-3 0,1 5 0,-2-5 0,0 3 0,0-3 0,0 1 0,0-1 0,0 2 0,0-2 0,3 0 0,-3 1 0,1 1 0,-1-1 0,2 1 0,-1-3 0,-1 3 0,4 1 0,-4-1 0,3 0 0,-3-1 0,0-1 0,3 2 0,-3-3 0,1 3 0,-1-1 0,0 1 0,0-4 0,2 4 0,-1-2 0,0-1 0,-1 1 0,0 2 0,3-3 0,-3 3 0,2-2 0,0-1 0,-2 1 0,3 0 0,-3 0 0,0-1 0,0 2 0,1-1 0,-1 0 0,2 2 0,1-3 0,-3 0 0,2 1 0,-2 0 0,0-1 0,0 2 0,0-3 0,0 2 0,0 0 0,1 0 0,1-1 0,-2 2 0,0-1 0,0 0 0,0-1 0,0 1 0,0 0 0,3 1 0,-3 0 0,3 0 0,-3-2 0,1 1 0,-1 0 0,2 0 0,-2 0 0,2 0 0,-2-1 0,3 2 0,-1-1 0,-1 1 0,-1-1 0,2 0 0,-2 0 0,2 1 0,-2-2 0,2 3 0,0-1 0,-2-1 0,0 0 0,3 0 0,-3 0 0,2 1 0,-2-2 0,0 0 0,2 1 0,-2 1 0,2-2 0,0 1 0,-2 0 0,3 0 0,-3-1 0,0 0 0,0 1 0,0 1 0,0-2 0,0 2 0,0-2 0,0 1 0,2 0 0,-2 0 0,1 0 0,-1 0 0,0 0 0,0-1 0,3 1 0,-3 0 0,1 0 0,2 0 0,-3-1 0,3 1 0,-3 0 0,0-1 0,0 1 0,0 0 0,0 0 0,0 0 0,1 0 0,-1-1 0,2 1 0,-2 0 0,0 1 0,0-1 0,0-2 0,0 2 0,0 1 0,0-2 0,0 1 0,0-1 0,0 0 0,2 1 0,-2-2 0,0-3 0,0 1 0,0-5 0,2 5 0,-1-5 0,-1 5 0,0-3 0,4 1 0,-1-1 0,5-3 0,-4 3 0,4-7 0,-7 9 0,5-6 0,-6 7 0,2-7 0,0 6 0,0-5 0,-2 7 0,0-1 0,0 0 0,0-1 0,3 0 0,-3 0 0,1 0 0,1 1 0,-1-1 0,2 0 0,0 1 0,0-3 0,2 0 0,-1 2 0,-2-2 0,-2 3 0,0-1 0,0-1 0,0 1 0,0-1 0,0 1 0,0 1 0,0 0 0,0-1 0,3 1 0,-2-1 0,1 0 0,0 0 0,-2 1 0,3-3 0,-3 3 0,3-5 0,-1 4 0,1-2 0,0 1 0,-3 0 0,0 2 0,0-3 0,2 4 0,-1-5 0,-1 4 0,0-4 0,0 3 0,0-1 0,0 1 0,0 3 0,0-4 0,0 2 0,0 0 0,0 1 0,0-1 0,0 0 0,0 1 0,0-1 0,0 0 0,0 0 0,0-1 0,0 1 0,0-1 0,0 2 0,0-2 0,0 1 0,0 0 0,0-1 0,0 1 0,0 0 0,0-1 0,0 0 0,0-2 0,0 3 0,0-3 0,0 2 0,0 0 0,2 1 0,-2 0 0,3 0 0,-3 0 0,0 0 0,1-2 0,0 3 0,0-4 0,-1 3 0,0-1 0,0 1 0,0 0 0,0 0 0,2-1 0,-2 0 0,3 0 0,-3 2 0,1-1 0,0 1 0,0-1 0,-1 1 0,0 1 0,0 0 0,0 2 0,0 0 0,3 1 0,-3-2 0,2 1 0,-2 0 0,3 4 0,-2-3 0,1 4 0,-2-5 0,2 2 0,-2-2 0,3 5 0,-3-6 0,1 5 0,-1-5 0,3 5 0,-3-4 0,0 3 0,0-3 0,0 3 0,0-3 0,0 3 0,0-4 0,0 2 0,1 0 0,2 1 0,0-4 0,1 3 0,-4-1 0,1 0 0,-1 0 0,3 3 0,-2-3 0,4 4 0,-4-3 0,4 4 0,-4-7 0,4 5 0,-5-3 0,3 2 0,-2-2 0,2-1 0,-3 1 0,3 0 0,-3 0 0,0-1 0,0 1 0,0 0 0,0 0 0,0 0 0,0 1 0,0 0 0,0 1 0,3 0 0,-2-1 0,2 1 0,-3-1 0,0 1 0,3 1 0,-2-2 0,3 1 0,-4-2 0,0 1 0,0-2 0,2 2 0,-2 0 0,2 0 0,-2-1 0,0 1 0,2-2 0,-1 0 0,-1 2 0,0-1 0,0-1 0,0 1 0,0 0 0,0 0 0,0 0 0,0-1 0,3 0 0,-3 1 0,3 0 0,-3-2 0,0-1 0,0-1 0,0 0 0,1 0 0,0 0 0,5-4 0,-6 4 0,6-4 0,-5 3 0,3-4 0,-2 4 0,3-8 0,-5 9 0,4-8 0,-3 7 0,1 0 0,-2 0 0,4 1 0,-4-1 0,3-3 0,-2 5 0,2-5 0,0 3 0,-1-1 0,0 0 0,-2 1 0,0 0 0,0 2 0,0-2 0,0 1 0,0 0 0,0-1 0,0 1 0,0 0 0,0-2 0,0 1 0,0 1 0,0 0 0,0-1 0,0 2 0,0-2 0,0 0 0,0-1 0,0 2 0,0-2 0,0 2 0,2-1 0,-2 0 0,1 1 0,-1 1 0,3-2 0,-2 0 0,3-2 0,-4 2 0,7-4 0,-7 4 0,5-2 0,-3 2 0,0-4 0,-2 6 0,1-4 0,-1 3 0,2-1 0,-2 1 0,3 0 0,-3 0 0,2 1 0,-2-1 0,2 0 0,-2 1 0,3-1 0,-3 1 0,1-2 0,0 1 0,0 0 0,2 1 0,-1-1 0,2 0 0,-2 1 0,1-1 0,-2 0 0,3 1 0,-2-1 0,1 1 0,0-1 0,0 0 0,-1 1 0,-1 1 0,-1 1 0,0 3 0,0-1 0,3 2 0,-1-3 0,0 4 0,0-3 0,-2 2 0,0-3 0,2 4 0,-2-3 0,2 8 0,-2-9 0,3 5 0,-3-5 0,3 1 0,-3-1 0,5 1 0,-5-1 0,3 0 0,-2 0 0,3-1 0,-2 2 0,2 1 0,-2-1 0,1 2 0,-3-3 0,0 3 0,0-3 0,0 1 0,0-1 0,0 0 0,1 3 0,1-2 0,1 1 0,2 2 0,-4-3 0,3 4 0,-2-5 0,0 4 0,-2-3 0,2 4 0,-1-6 0,6 5 0,-7-2 0,2 2 0,-2-5 0,0 3 0,0-1 0,0-1 0,0 2 0,0-3 0,0 1 0,0 0 0,0 1 0,0 2 0,2-2 0,-2 0 0,2-2 0,-2 5 0,0-3 0,0 4 0,0-3 0,0 1 0,0-2 0,0 3 0,0-5 0,0 4 0,0-3 0,0 2 0,0-1 0,0 4 0,0-4 0,0 4 0,0-5 0,0 2 0,0-2 0,0-1 0,0 0 0,0 3 0,0-2 0,0 1 0,0-1 0,0 1 0,0-2 0,0 0 0,0-2 0,0-2 0,0 0 0,3 0 0,-3 2 0,2-5 0,-2 4 0,1-4 0,-1 3 0,3 1 0,-3-3 0,4-2 0,-2 1 0,2-3 0,-4 5 0,2-4 0,-1 1 0,0 3 0,-1-2 0,0 5 0,0-3 0,0-2 0,0 3 0,0-4 0,0 5 0,0-3 0,0 3 0,0 0 0,0-3 0,0 3 0,0-2 0,3-1 0,-3 3 0,1-3 0,-1 3 0,0-3 0,0 3 0,3-5 0,-2 5 0,5-3 0,-6 2 0,8-4 0,-6 6 0,3-4 0,-5 4 0,0-2 0,2 0 0,-1-1 0,0-1 0,-1 3 0,0-2 0,0 1 0,3 1 0,-1-1 0,2-1 0,0 2 0,-1-2 0,1 2 0,-3 0 0,2-1 0,1 2 0,-4 1 0,3-2 0,-1 1 0,0-1 0,1 0 0,-2 2 0,2-3 0,-1 2 0,3 0 0,-5-1 0,2 1 0,-1-1 0,-1 1 0,4 0 0,0-1 0,-1 0 0,-1 0 0,2 2 0,-3-3 0,3 2 0,-4-1 0,4 0 0,-4 1 0,1 1 0</inkml:trace>
 </inkml:ink>
 </file>
 
-<file path=ppt/ink/ink2.xml><?xml version="1.0" encoding="utf-8"?>
+<file path=ppt/ink/ink4.xml><?xml version="1.0" encoding="utf-8"?>
 <inkml:ink xmlns:inkml="http://www.w3.org/2003/InkML">
   <inkml:definitions>
     <inkml:context xml:id="ctx0">
@@ -167,7 +224,7 @@
       <inkml:brushProperty name="color" value="#4472C5"/>
     </inkml:brush>
   </inkml:definitions>
-  <inkml:trace contextRef="#ctx0" brushRef="#br0">11 458 24575,'0'-2'0,"-5"-3"0,3 3 0,-2-4 0,4 4 0,0-3 0,0 2 0,0-3 0,0 3 0,0-3 0,0 4 0,3-3 0,0 2 0,0-3 0,-1 2 0,-2 0 0,0 1 0,3 0 0,-3 1 0,2-2 0,-2 2 0,0-1 0,0-1 0,0 1 0,0 1 0,0-1 0,4 1 0,-4-2 0,4 2 0,-2-1 0,-1 1 0,-1-1 0,0 0 0,3-1 0,-3 2 0,4-2 0,-4 3 0,1-2 0,0 1 0,1-1 0,1 0 0,-3 0 0,5-1 0,-4 2 0,0 0 0,2-1 0,-3 1 0,7-1 0,-7 1 0,7-3 0,-6 1 0,6 1 0,-6 1 0,4-1 0,-5 1 0,10-4 0,-8 2 0,7-3 0,-9 2 0,6 1 0,-6 0 0,3 1 0,0-4 0,0 4 0,2-3 0,0 0 0,-5 0 0,5 0 0,-3 1 0,5-3 0,1 2 0,0-1 0,-7 3 0,-1 1 0,4-4 0,-4 4 0,4-4 0,-4 4 0,3-3 0,4 0 0,-2 1 0,4-3 0,-7 7 0,2-4 0,-4 1 0,6-2 0,-3 1 0,4-4 0,0 3 0,-1-1 0,-3 3 0,1-2 0,-2 2 0,-1-2 0,3 3 0,-4 1 0,2-2 0,1 2 0,-3 0 0,5 0 0,-3 1 0,2-2 0,-4 1 0,5 0 0,-4-1 0,4 1 0,-5 0 0,4 0 0,-3-1 0,4 1 0,-2 0 0,3-1 0,-2 2 0,0 0 0,-4 1 0,3 2 0,-3 2 0,0-1 0,0 0 0,0 0 0,0-1 0,0 2 0,0-1 0,0 2 0,0-3 0,0 4 0,0-2 0,0 1 0,0-1 0,0-3 0,0 2 0,0-1 0,0 1 0,0-1 0,0 0 0,0 0 0,0 1 0,0-1 0,0 0 0,0 0 0,0 1 0,0 0 0,0 0 0,0 0 0,0 0 0,0 2 0,0-3 0,0 3 0,0-2 0,0-1 0,0 2 0,0-1 0,0 1 0,0-1 0,0 0 0,0-1 0,0 6 0,0-3 0,0 2 0,0-3 0,0-2 0,0 1 0,0-1 0,0 1 0,0 1 0,0-1 0,0-1 0,0 0 0,0 1 0,0 1 0,0-1 0,0 0 0,0 2 0,0 1 0,0-2 0,0 2 0,0 0 0,0-1 0,0 3 0,0-3 0,0 8 0,0 1 0,0 5 0,0-7 0,1-4 0,1-5 0,2 4 0,-4-5 0,3 4 0,-3-4 0,0 4 0,0-2 0,0 1 0,0-2 0,0 1 0,0-2 0,0 3 0,4-3 0,-4 2 0,2-1 0,-2 2 0,0-1 0,0 0 0,2-1 0,0 3 0,-1-4 0,-1 1 0,0-1 0,0 1 0,0-1 0,0 0 0,0 1 0,0-1 0,0 0 0,0 1 0,0-1 0,3 1 0,-3 0 0,3-2 0,-3 2 0,0-1 0,0 1 0,0-1 0,0 0 0,0 0 0,0 1 0,0-1 0,0 0 0,0 0 0,0 1 0,0-1 0,0 1 0,0-1 0,0 1 0,0-1 0,2 1 0,1-1 0,-1 1 0,2-2 0,-4 2 0,0 0 0,2-1 0,0 2 0,1-1 0,4-1 0,-7 0 0,2 0 0,0 1 0,0 0 0,-1-1 0,2-1 0,-3 2 0,3-2 0,-3 1 0,0-2 0,0-1 0,2-3 0,0-1 0,2 1 0,0 0 0,-1 1 0,0-1 0,3 1 0,-3-3 0,7-2 0,0-2 0,0 2 0,0-1 0,-7 7 0,7-7 0,-10 5 0,12-5 0,-10 4 0,4 0 0,2 1 0,1-7 0,0 5 0,3-6 0,-10 10 0,5-5 0,-6 3 0,7-1 0,-8 1 0,4-1 0,-2 3 0,3-2 0,-2-1 0,0-1 0,0 2 0,-1 2 0,-1-1 0,1 1 0,-2 0 0,2-1 0,2 1 0,-2 0 0,0-1 0,1 0 0,-3 1 0,3 0 0,-2-2 0,1 2 0,0-1 0,1-1 0,-3 2 0,3-1 0,-3 0 0,0-1 0,0 2 0,0 0 0,0 0 0,0-1 0,0 1 0,0 0 0,0-1 0,0 1 0,0 0 0,0-1 0,0 0 0,0 1 0,0-1 0,0 1 0,0-1 0,3 0 0,-3 0 0,3 0 0,-3 3 0,0 2 0,0 0 0,0 2 0,0-2 0,0 1 0,0 0 0,0 1 0,0-1 0,0 3 0,0-1 0,1 2 0,1-5 0,2 7 0,-1-6 0,1 5 0,-3-4 0,5 3 0,-6-4 0,4 4 0,-1-4 0,-3 0 0,6 1 0,-6 2 0,4 1 0,-4 1 0,0-4 0,0 2 0,0-3 0,0 3 0,1-3 0,1 2 0,-1-1 0,-1-1 0,0 3 0,0 1 0,0-4 0,3 3 0,-3-3 0,3 0 0,-3 1 0,2-1 0,-1 1 0,3-2 0,-4 0 0,7 2 0,-4-3 0,0 3 0,-2-2 0,-1 1 0,0-1 0,0 0 0,0 0 0,4 2 0,-4-2 0,4 3 0,-3-1 0,1-1 0,-2-1 0,0 0 0,0 1 0,3 0 0,-3 0 0,5 1 0,-4-1 0,0-1 0,-1 1 0,0-1 0,3 0 0,-3 3 0,4-1 0,-4 5 0,0-6 0,3 4 0,-3-3 0,3-1 0,-2-1 0,0 3 0,2-4 0,-3 2 0,0-1 0,0 1 0,2 1 0,-2-3 0,5 1 0,-3 0 0,-1-1 0,-1-1 0,3-1 0,0-3 0,0 1 0,-2 1 0,-1-1 0,0 1 0,4 0 0,-4 0 0,3-1 0,-3 1 0,2 0 0,-2 0 0,5-1 0,-3 0 0,2 1 0,-4 0 0,3-1 0,-3 1 0,0-1 0,2 1 0,1-1 0,0 0 0,2-1 0,-5 1 0,3-1 0,-1 1 0,-2 1 0,3 0 0,0 0 0,-3-1 0,5 1 0,-3 0 0,-1 0 0,2-1 0,-3 0 0,5 0 0,-4 0 0,4 0 0,-5 1 0,6-1 0,-6 1 0,3-1 0,-2 1 0,1 0 0,-1 0 0,2-2 0,-3 1 0,4 0 0,-3 0 0,0 1 0,1-1 0,1 2 0,-3-2 0,3 1 0,0-5 0,-1-1 0,3-1 0,-5 3 0,4 3 0,-4 0 0,1-1 0,1 0 0,-1-1 0,-1 1 0,3-3 0,-3 5 0,4-3 0,-4 3 0,0-1 0,0-1 0,0 0 0,0 0 0,0-3 0,1 5 0,0-3 0,1 1 0,1-1 0,-3 3 0,3-1 0,-3-1 0,0 2 0,0-5 0,0 2 0,0-2 0,5 3 0,-4 1 0,7-3 0,-8 5 0,3-3 0,-1-2 0,1 1 0,2-2 0,0 3 0,-2 2 0,-1-1 0,2 2 0,-4-3 0,0 2 0,0-1 0,0 0 0,0 0 0,0-1 0,0 1 0,0 1 0,1-3 0,1 2 0,-1-2 0,3 2 0,-4 0 0,2 0 0,0 0 0,-1 0 0,1 1 0,1-4 0,0 4 0,0-3 0,1 3 0,-2 0 0,3-2 0,-5 1 0,4 0 0,-3 1 0,1 3 0,-2 0 0,0 2 0,0 0 0,0-1 0,0 0 0,0 2 0,0-1 0,0 0 0,0 0 0,0 2 0,6 7 0,-4-5 0,3 5 0,-5-10 0,0 0 0,0 2 0,0-1 0,0 2 0,0-3 0,0 3 0,0-2 0,0 2 0,0-3 0,0 2 0,0 0 0,0 1 0,0-1 0,3 1 0,-1-2 0,1 2 0,1-3 0,-3 1 0,0 0 0,1-1 0,1 3 0,-3-2 0,6 2 0,-6-2 0,5 3 0,-5-4 0,2 4 0,1-4 0,-3 1 0,5 1 0,-3-2 0,2 3 0,-4-2 0,3 1 0,-2-1 0,2 1 0,1 1 0,-4-3 0,2 2 0,2-2 0,-4 1 0,3 0 0,-2-1 0,1 4 0,-1 0 0,2 2 0,-3-3 0,4 0 0,-4-2 0,0-1 0,0 0 0,0 0 0,0 1 0,0-1 0,1 1 0,1 1 0,-1-1 0,-1 0 0,0 1 0,0-2 0,0 3 0,3-3 0,-3 0 0,3 1 0,-3 1 0,0 0 0,0-1 0,0 0 0,0 1 0,0-1 0,0 0 0,0 0 0,0-1 0,0 2 0,0 0 0,0-1 0,0 1 0,0-2 0,0 3 0,0-1 0,0 0 0,0-1 0,0-1 0,0 0 0,0 1 0,0 0 0,0 1 0,0-2 0,0 0 0,0 0 0,2 2 0,-1-1 0,1 0 0,-2 1 0,0-1 0,0-1 0,2 1 0,-2-1 0,4 0 0,-4 1 0,2-1 0,-2 0 0,4 1 0,-4-1 0,0 0 0,0 1 0,1-1 0,1 0 0,-1 1 0,-1 0 0,4-1 0,-4 1 0,2-2 0,0 2 0,-1-1 0,1 1 0,1-1 0,-3 0 0,3 0 0,-3 1 0,0-1 0,0 0 0,0-1 0,0-3 0,0-4 0,0 2 0,0-2 0,0 2 0,0 0 0,0-1 0,2 0 0,2-2 0,4-5 0,-3 4 0,0-2 0,-2 6 0,-3-1 0,2 0 0,-2 1 0,3-2 0,0-1 0,-3 3 0,3-4 0,-2 5 0,1-1 0,-1 1 0,-1 0 0,0 1 0,4-2 0,0-1 0,0 0 0,6-3 0,-6 4 0,2-1 0,-3 3 0,3-4 0,0 3 0,-4-2 0,4 2 0,-6 2 0,3-2 0,-2 0 0,1 0 0,-1 0 0,3-1 0,-1-1 0,2 1 0,0-2 0,1 5 0,-2-3 0,0 2 0,-1-1 0,2 1 0,-2-3 0,1 2 0,-1 1 0,3-1 0,-3 1 0,2-1 0,-2 2 0,3-2 0,-3 1 0,1-1 0,-1 1 0,2 0 0,1 0 0,0-2 0,-1 2 0,-2 0 0,1-1 0,-2 1 0,2 0 0,2-1 0,-3-1 0,7-1 0,-9 2 0,8-3 0,-4 4 0,2-3 0,-4 3 0,0-1 0,-3 1 0,0 5 0,0 0 0,0 2 0,0-1 0,0-1 0,0 6 0,0-4 0,0 2 0,3 1 0,-3-1 0,5 0 0,-5 0 0,0-5 0,0 5 0,0-2 0,0 1 0,0 0 0,0 0 0,0 0 0,0 0 0,0-1 0,0 2 0,0-2 0,0 4 0,0-5 0,1 9 0,2-9 0,0 3 0,1-5 0,-4 0 0,0 1 0,0 1 0,0-1 0,3 3 0,-3-3 0,2 0 0,-2 0 0,2 3 0,-2-3 0,3 2 0,-3-2 0,0 2 0,0-1 0,0 0 0,0-2 0,0 2 0,0-2 0,0 1 0,0 0 0,0-1 0,0 1 0,0-2 0,3 3 0,-3 0 0,3-1 0,-3 0 0,0 0 0,0 0 0,0-1 0,0 2 0,0-2 0,0 4 0,0-3 0,0 1 0,0-2 0,0 1 0,0 1 0,0-1 0,0-1 0,0 3 0,0-3 0,0 3 0,0-2 0,0-1 0,0-1 0,0 2 0,0 0 0,0-1 0,0 1 0,0 1 0,0-1 0,0-1 0,0 1 0,0-3 0,0-2 0,0 1 0,3-9 0,-2 7 0,13-13 0,-8 7 0,6-3 0,-4 3 0,2-10 0,18-16 0,-13 12 0,0 1 0,0 3 0,-7 3 0,20-22 0,-19 19 0,13-9 0,-22 20 0,4 0 0,-4 3 0,5-2 0,-3 3 0,4-6 0,-5 6 0,1 0 0,-2 0 0,3-2 0,-3 4 0,6-5 0,-5 3 0,2-2 0,-3 4 0,0 0 0,3-4 0,-3 5 0,3-3 0,-3 0 0,1 2 0,3-2 0,-1 1 0,3-1 0,-6 0 0,5 0 0,-4 2 0,3-4 0,-4 3 0,5-2 0,-2 1 0,0 1 0,2 0 0,-2-2 0,0 1 0,0 0 0,-3 0 0,0 3 0,0-4 0,0 1 0,0 1 0,0 1 0,0-1 0,0 0 0,0 0 0,0 0 0,0 1 0,0 0 0,0-1 0,0 0 0,0 0 0,3 1 0,0 0 0,0 0 0,-2-1 0,-1 1 0,4-1 0,-4 1 0,2 0 0,-2 0 0,0-1 0,0 0 0,0 1 0,2-1 0,1 1 0,0 0 0,0 0 0,-3-1 0,0-1 0,3 1 0,-3-2 0,3 2 0,-3 1 0,1-1 0,-1 0 0,4 2 0,-4 4 0,0-1 0,0 2 0,3 0 0,-3 0 0,3-1 0,-3-1 0,0 0 0,0 1 0,0-1 0,1 1 0,0 1 0,2 1 0,-3 0 0,0 1 0,0-1 0,0-2 0,0 0 0,0 5 0,0-3 0,0 2 0,0-3 0,0-1 0,0 3 0,0-2 0,0 3 0,0-4 0,0 1 0,0-1 0,0 4 0,0-2 0,0 5 0,0-4 0,0 0 0,0-1 0,0-3 0,0 3 0,0-1 0,0 1 0,0-1 0,0 1 0,0-1 0,0 3 0,0-4 0,0 6 0,0-5 0,0 4 0,0-5 0,0 0 0,0 4 0,0-3 0,0 2 0,0-2 0,0 0 0,0 0 0,0-2 0,0 4 0,0-4 0,0 15 0,0-13 0,0 8 0,0-8 0,0-1 0,0 1 0,0 2 0,0-4 0,0 4 0,0-3 0,0 3 0,0-1 0,0 0 0,0-1 0,0 2 0,0-3 0,0 3 0,0-2 0,0 3 0,0-5 0,0 2 0,0-2 0,0 0 0,0 4 0,0-1 0,0 1 0,0 0 0,0-3 0,0 2 0,2-3 0,-2 3 0,3-3 0,-3 0 0,2 2 0,0-1 0,-1-1 0,-1 1 0,6 1 0,-6-1 0,6 0 0,-4 1 0,-1-2 0,4 1 0,-5 0 0,2-1 0,-2 1 0,0 0 0,0-1 0,0 0 0,0 1 0,0-1 0,0 0 0,2 2 0,1-2 0,0 4 0,2-4 0,-4 3 0,0-1 0,-1-2 0,0 2 0,0-2 0,0 0 0,0 1 0,4-1 0,-4 0 0,6 0 0,-6 1 0,3 0 0,-3-1 0,1-1 0,1 2 0,0 0 0,-2-1 0,2 0 0,-2 0 0,3 2 0,-3 0 0,0-1 0,0-1 0,0 0 0,0 0 0,0 1 0,2-1 0,0 0 0,-1 1 0,-1-1 0,3 0 0,-3 0 0,3 1 0,-3-1 0,0 0 0,1 2 0,1-2 0,0 1 0,-2-3 0,0-3 0,0 0 0,4-8 0,1 5 0,0-5 0,0 2 0,3-9 0,10-15 0,-8 6 0,5-10 0,-10 26 0,0-7 0,-2 12 0,2-8 0,-5 10 0,6-7 0,-5 9 0,4-6 0,-5 5 0,3-5 0,-3 5 0,0-1 0,0 1 0,0-3 0,0 3 0,6-5 0,-5 5 0,7-6 0,-7 6 0,4-1 0,-5 2 0,4-4 0,-2 3 0,3-2 0,-3 1 0,1 1 0,2 0 0,-5 0 0,3 0 0,-3-1 0,3 2 0,0-4 0,2 3 0,-2-2 0,2 3 0,-3-1 0,1 0 0,2-3 0,-4 3 0,7-2 0,-5 2 0,3-3 0,-2 4 0,0-3 0,-1 2 0,1 0 0,-4 0 0,8 0 0,-7-1 0,4 1 0,-2 1 0,0-2 0,0 2 0,1-1 0,0-2 0,0 1 0,-1 0 0,3 2 0,-6-1 0,5 1 0,-4 0 0,1-1 0,0 2 0,-2 1 0,4 3 0,-4 0 0,0 0 0,0 5 0,0-4 0,0 8 0,0-6 0,0 5 0,0-3 0,0 0 0,0-4 0,0 1 0,0-1 0,0 5 0,0-4 0,0 1 0,0 0 0,0-1 0,0 1 0,0 1 0,0-4 0,0 1 0,0-1 0,0 1 0,0 0 0,0 1 0,0-3 0,0 3 0,0-2 0,0 3 0,0-4 0,0 3 0,0-2 0,0 2 0,0-2 0,0 2 0,0 1 0,0-1 0,0 1 0,0-2 0,0 0 0,0-1 0,0-1 0,0 2 0,0 0 0,0 1 0,1-1 0,1 0 0,-1-1 0,-1 3 0,0-4 0,0 2 0,0-1 0,0 0 0,0-1 0,0 2 0,0-2 0,0 1 0,0-1 0,0 1 0,0 1 0,0-1 0,0 1 0,0 0 0,0-2 0,0 1 0,0 2 0,0-2 0,0 5 0,0-7 0,0 4 0,0-2 0,0-1 0,0 0 0,4 2 0,-4-2 0,3 3 0,-3-1 0,0 1 0,0-2 0,0 0 0,0 0 0,0 0 0,0-1 0,0 2 0,0-2 0,0 0 0,0 1 0,0-1 0,0 0 0,0 1 0,0-3 0,1 0 0,0-3 0,1-3 0,-2 0 0,0 1 0,5-16 0,1 7 0,11-22 0,-4 11 0,5-6 0,-4 9 0,11-13-2184,-6 4 2184,5-2 0,-16 15-6061,2 0 6061,-9 13 0,13-15 0,-12 15 0,4-8 0,-3 6 0,0-4 0,1 3 1461,-2 2-1461,-2 3 6784,0-4-6784,0 4 0,0-6 0,0 6 0,3-5 0,-3 1 0,3 1 0,-3 2 0,0 1 0,0 0 0,0-2 0,3-3 0,-2 2 0,3 0 0,-2 2 0,-2 2 0,5-4 0,-2 4 0,3-2 0,-3 2 0,0-3 0,-3 3 0,2-2 0,1 2 0,0 0 0,0 0 0,-2-1 0,1 1 0,4-3 0,-5 1 0,7-2 0,-8 4 0,6-2 0,-6 2 0,4-1 0,0 1 0,-1-1 0,-1 1 0,0-1 0,0 0 0,0 1 0,-2 0 0,2 0 0,1 1 0,1 1 0,-3 0 0,-1 3 0,0-1 0,0 0 0,0 1 0,0 0 0,0 2 0,0-2 0,0 1 0,0-1 0,3 7 0,-3-6 0,3 8 0,-3-7 0,0 1 0,0 1 0,0 0 0,0 1 0,0 2 0,0-7 0,0 4 0,0-3 0,0 4 0,0-4 0,0 4 0,0-5 0,0 3 0,0-1 0,0 0 0,0 2 0,0-1 0,0 0 0,0-2 0,0 0 0,0 1 0,0-1 0,3 1 0,-3 0 0,3 0 0,-3-2 0,0 5 0,0-6 0,0 6 0,0-4 0,0 0 0,0 0 0,0 2 0,0-3 0,0 5 0,0-6 0,0 7 0,0-6 0,0 3 0,0-3 0,0 0 0,0 0 0,0 1 0,0 0 0,0 3 0,0-4 0,0 4 0,0-4 0,0 2 0,0-2 0,0 2 0,0-2 0,0 2 0,0-3 0,0 3 0,0-2 0,0 1 0,0 0 0,0 0 0,0-1 0,3 4 0,-1-2 0,0 3 0,-2-5 0,0 4 0,0-5 0,0 4 0,0-2 0,0 1 0,0-2 0,0 5 0,0-7 0,0 5 0,0-4 0,0 1 0,0 3 0,0-1 0,0 2 0,0-2 0,0-1 0,2-1 0,1 0 0,0 2 0,0-2 0,0 3 0,-3-3 0,5 2 0,-4-1 0,1 1 0,1-3 0,-3 2 0,3-2 0,-1 3 0,1-3 0,-1 2 0,2-1 0,-4 0 0,0 0 0,0 1 0,0 0 0,0-1 0,0 0 0,0 0 0,0 0 0,0 2 0,0-3 0,1 3 0,0-2 0,1 1 0,-2-2 0,0 0 0,3 2 0,-3-1 0,3 0 0,1 0 0,-4-1 0,2 1 0,-2-2 0,0 2 0,0 0 0,0 0 0,0 0 0,2-2 0,-1 1 0,1 0 0,-2 0 0,0 0 0,0 2 0,3-2 0,-3 0 0,3 1 0,-3-1 0,0 0 0,0 0 0,0-2 0,0-2 0,0-2 0,1-2 0,1 1 0,-1 2 0,2-2 0,-3 3 0,7-6 0,-3 1 0,3-7 0,-2 5 0,3-3 0,-7 8 0,8-9 0,-7 9 0,3-8 0,-3 8 0,0-4 0,-1 4 0,-1-2 0,0 3 0,0-2 0,3 3 0,2-5 0,-3 4 0,6-7 0,-6 7 0,6-6 0,-6 5 0,3-4 0,1 3 0,-1-3 0,-2 3 0,3 0 0,-3 1 0,2-2 0,0 1 0,0-2 0,-2 2 0,5 1 0,-7 0 0,4-2 0,-2 5 0,-3-3 0,5 0 0,-4 0 0,3-1 0,0-1 0,-2 2 0,0 0 0,-2 0 0,3 1 0,-3 0 0,3 1 0,0 0 0,-3 0 0,3-1 0,-3 1 0,2 0 0,-1-1 0,0 1 0,3-1 0,-4-1 0,4 0 0,-2 3 0,-1-3 0,-1 2 0,3-2 0,-3 2 0,3 0 0,-3-1 0,2 0 0,-1 0 0,1-2 0,-2 2 0,0 0 0,0 0 0,0 0 0,0 0 0,3 0 0,-1 0 0,2-1 0,0-1 0,-2 1 0,0-2 0,0-1 0,2 2 0,-2 0 0,0 1 0,-2 2 0,3 0 0,0-3 0,0 3 0,-2-4 0,-1 3 0,3-1 0,-3 2 0,4 0 0,-4-1 0,3 1 0,-3-1 0,3 3 0,-3 2 0,0 0 0,0 2 0,0-1 0,2 0 0,0 2 0,2-1 0,0 2 0,-3-1 0,0 3 0,-1-5 0,4 4 0,-4-6 0,3 10 0,-3-7 0,0 9 0,0-10 0,0 7 0,0-7 0,0 3 0,0-2 0,0 0 0,3-1 0,-3 0 0,3 2 0,-3 2 0,0-3 0,0 5 0,0-7 0,2 3 0,1-1 0,3-1 0,-3 1 0,1 0 0,-4-1 0,3 3 0,-2-4 0,2 4 0,-2-4 0,2 3 0,-3-1 0,3 1 0,-3-3 0,0 1 0,0 0 0,3 3 0,-3-3 0,3 3 0,-3-3 0,0 2 0,0-2 0,2 0 0,-1 1 0,3 2 0,-2-2 0,1 1 0,2 1 0,-5 0 0,4 0 0,-4 1 0,3 0 0,0-1 0,4 4 0,-3-6 0,0 2 0,0 0 0,-3-3 0,2 4 0,-3-5 0,2 4 0,-1 1 0,0-2 0,2 4 0,-3-6 0,4 1 0,-4-2 0,0 0 0,0 0 0,0 1 0,0-1 0,3 0 0,-3 1 0,2 0 0,-2 0 0,0 0 0,0-2 0,0-4 0,0-1 0,0-5 0,3 2 0,0-6 0,6-3 0,6-23 0,-2 9 0,2-3-1678,-3 8 1,0 0 1677,3-8 0,-1 3 0,0 7 0,1-9 0,-8 14 0,6-5 0,-12 9 0,8 2 0,-1-11 0,-1 9-5672,-1-8 5672,-1 14 0,-5 0 0,0 6 2243,3-5-2243,2 0 0,0-1 0,0 1 6784,-5 3-6784,5-1 0,-4 2 0,5-9 0,-6 9 0,5-9 0,-5 8 0,0-4 0,0 3 0,0-1 0,0 2 0,0-1 0,0 1 0,0-2 0,0 0 0,0 1 0,0-2 0,0 1 0,1 4 0,1-2 0,0 2 0,-2 0 0,3 1 0,-1-1 0,3 1 0,-2 0 0,2-1 0,-3 0 0,5 1 0,-1-1 0,-2-1 0,2 0 0,-2 1 0,0 1 0,-4 1 0,3 2 0,-3 1 0,0 0 0,0 0 0,0 1 0,0 2 0,3-2 0,-3 2 0,3 1 0,-3-1 0,0 2 0,0-3 0,0 0 0,0-1 0,0 0 0,0 4 0,0-6 0,0 3 0,0-3 0,0 2 0,0 0 0,0 3 0,0-1 0,0 0 0,0-3 0,0 0 0,0 0 0,0-1 0,0 0 0,0 1 0,0 1 0,0 0 0,0 0 0,0 3 0,0-5 0,0 4 0,0-4 0,0 4 0,0-3 0,0 2 0,0-1 0,0 1 0,0-1 0,0 5 0,0-7 0,0 8 0,0-6 0,0 4 0,0-4 0,0 5 0,0-5 0,0 5 0,0-4 0,0 0 0,0-1 0,0 0 0,0 0 0,0 3 0,0-4 0,0 5 0,0-2 0,0 0 0,0 0 0,0-2 0,0 3 0,0-5 0,3 4 0,-3-1 0,5 3 0,-4-4 0,0-1 0,1 1 0,-2-2 0,0 0 0,3 2 0,-3-1 0,3 1 0,-3 0 0,1-1 0,2 1 0,-2 0 0,-1-1 0,0 0 0,4 4 0,-4-3 0,5 1 0,-2 1 0,-1-1 0,3 4 0,-3-3 0,4 2 0,-6-4 0,3 1 0,-3-3 0,0 0 0,0 1 0,0 0 0,0-1 0,0 2 0,0-2 0,0 1 0,0-1 0,1 0 0,2 2 0,-2-2 0,-1 2 0,0 0 0,0-1 0,0-1 0,0 2 0,0-1 0,0-1 0,0 1 0,0-1 0,0 0 0,0 1 0,0-1 0,2 3 0,-2-2 0,4 2 0,-3-2 0,1 1 0,-1-2 0,-1 1 0,0 0 0,0 2 0,0 0 0,4 0 0,-4-1 0,2-1 0,-2 1 0,0-1 0,0 1 0,3-1 0,-3 1 0,3 0 0,-3-2 0,2 3 0,0-1 0,-1 0 0,2 2 0,-3 0 0,3-2 0,-3-1 0,0 0 0,0 3 0,2-3 0,-1 3 0,0-4 0,3 0 0,-4 1 0,3 1 0,-3-1 0,2-1 0,2 0 0,-3 0 0,2-1 0,0 2 0,-3-1 0,5 1 0,-4-1 0,4 0 0,-5 0 0,3 1 0,-3-1 0,1 0 0,3 3 0,1-2 0,2 2 0,-5-3 0,0 0 0,-2-2 0,0-2 0,0-2 0,0-3 0,0 3 0,0-3 0,0 3 0,0 0 0,0-3 0,0 4 0,0-2 0,0 2 0,0-3 0,0 3 0,0-9 0,0 6 0,0-5 0,0 9 0,0-6 0,0 5 0,0-3 0,0 2 0,0 1 0,3-1 0,0 1 0,0 0 0,-1-5 0,-2 5 0,0-6 0,0 6 0,0-4 0,2 3 0,-2 1 0,4-1 0,-3-3 0,1 4 0,-1-4 0,-1 4 0,0-4 0,5-1 0,-5 1 0,5 0 0,-5 4 0,0 0 0,1-4 0,0 4 0,1-3 0,1 2 0,0-4 0,0 5 0,-1-3 0,-2 4 0,2-4 0,-2 2 0,8-5 0,-6 7 0,6-5 0,-8 3 0,4 1 0,-1-1 0,0 1 0,0 1 0,-3-2 0,0 2 0,4-3 0,-2 1 0,2 0 0,0-2 0,-4 2 0,4 0 0,0 1 0,-2 1 0,2-1 0,0-1 0,-2 1 0,3 0 0,-3-1 0,2 2 0,0-1 0,-2 0 0,2-1 0,-1 2 0,1-1 0,-1-1 0,1 0 0,0 1 0,-1 0 0,-1 1 0,-2-1 0,5 2 0,-2-2 0,3 1 0,-1-2 0,1 1 0,-3-1 0,1 2 0,-1 0 0,1-1 0,0 1 0,-1 0 0,0-1 0,2 1 0,-2 1 0,3 0 0,-3 2 0,-2 1 0,2 6 0,-3-5 0,3 4 0,-3-2 0,0-1 0,0 3 0,0 1 0,0-3 0,0 4 0,0-6 0,3 2 0,-3-1 0,5 1 0,-4-1 0,3 3 0,-4-4 0,4 5 0,-4-4 0,0 4 0,0-6 0,0 3 0,0-2 0,0 5 0,0-5 0,0 3 0,0-3 0,0 0 0,0 2 0,0-1 0,0 0 0,0 0 0,0-1 0,0 3 0,0-3 0,0-1 0,0 2 0,0 1 0,0-1 0,0 5 0,0-7 0,0 4 0,0-4 0,0 5 0,0-3 0,0 2 0,0-3 0,0 3 0,0-4 0,-4 8 0,4-7 0,-2 4 0,2-4 0,0 4 0,0-5 0,0 2 0,0 0 0,0-1 0,0 2 0,0-3 0,0 1 0,0-1 0,0 1 0,0 1 0,0-3 0,0 3 0,0-2 0,0 3 0,0-3 0,0 2 0,0-2 0,0 0 0,0 0 0,0 1 0,0-1 0,0 1 0,0-2 0,0 3 0,0-2 0,0-2 0,2-1 0,-2-4 0,5 1 0,-3-1 0,4 0 0,-6 1 0,14-14 0,-7 3-520,9-10 520,-4 7 0,-4 2 0,3-1 0,0-4 0,-4 6-33,9-9 33,-15 17 0,13-13 0,-10 10 0,1-1 0,-2 4 0,-2-2 0,0 2 0,2-8 0,1 7 520,-4-5-520,5 7 33,-5-2-33,0 5 0,0-2 0,0 3 0,0-5 0,0 4 0,0-4 0,0 5 0,0-4 0,0 4 0,0-3 0,1 2 0,0-1 0,1 2 0,-2 0 0,0 0 0,3-1 0,-3 1 0,4-1 0,0 2 0,-1-3 0,0 3 0,-3-2 0,0 0 0,2 1 0,2-2 0,-1 2 0,2-1 0,-5 0 0,2 0 0,-2 1 0,1-2 0,2 2 0,1-2 0,-4-1 0,5-2 0,-2 2 0,6 0 0,-6 0 0,4 0 0,-3 1 0,0-1 0,-1 2 0,3-3 0,-6 3 0,4-3 0,-4 3 0,7-1 0,-7 2 0,3-2 0,-2 2 0,0-1 0,1 0 0,-2 1 0,0 0 0,3-2 0,-3 2 0,3 0 0,-3 2 0,0 1 0,3 6 0,-1-4 0,1 4 0,-3-4 0,0 5 0,0-3 0,2 4 0,0-2 0,1-1 0,-3 7 0,0-9 0,0 10 0,3-9 0,-3 4 0,4-6 0,-4 3 0,1-1 0,0 0 0,5 4 0,-1 1 0,-1-2 0,-1 2 0,-3-4 0,0 1 0,0-1 0,0-2 0,0 0 0,0 1 0,0 2 0,0-2 0,0 0 0,0-2 0,0-2 0,0 4 0,0-2 0,0 3 0,0-2 0,0-2 0,0 1 0,0 1 0,0 0 0,0 0 0,0-2 0,0 4 0,0-3 0,0 1 0,0-2 0,0 4 0,0-3 0,0 4 0,0-5 0,0 3 0,0-3 0,0 4 0,0-3 0,0 1 0,0-1 0,0 0 0,0 1 0,0 1 0,0-1 0,0 2 0,0-3 0,0 7 0,0-7 0,0 4 0,2-2 0,1 1 0,0-1 0,0 6 0,0-6 0,-3 4 0,3-4 0,-1-1 0,-1-1 0,1 3 0,1-3 0,-3 1 0,5 1 0,-4-1 0,3-1 0,0 1 0,-2 0 0,3 1 0,-2-2 0,0 1 0,0-1 0,-1 0 0,-1-1 0,0 2 0,-1-2 0,0 2 0,0 0 0,0-1 0,0 1 0,0-1 0,3 1 0,-3-2 0,4 3 0,-4-2 0,0 2 0,0-1 0,0-1 0,0 0 0,0-1 0,1 1 0,1 0 0,-1-1 0,-1 2 0,0-2 0,0 5 0,4-4 0,-4 2 0,2-7 0,-2 2 0,0-1 0,0-1 0,0-1 0,0 0 0,3-2 0,-3 0 0,5-4 0,0 1 0,0-6 0,0 5 0,3-11 0,-8 13 0,9-13 0,-8 13 0,3-7 0,0 10 0,-4-6 0,3 5 0,-3-6 0,0 7 0,0-5 0,0 6 0,0-2 0,0 3 0,1 0 0,1-1 0,-1 1 0,-1-2 0,0 3 0,0-2 0,0 1 0,0-1 0,0 1 0,0 0 0,0 0 0,0-1 0,0 1 0,0 0 0,3 0 0,-3-2 0,4 2 0,-4-1 0,1 1 0,0 0 0,4 0 0,-2-1 0,2 0 0,-3-1 0,5 2 0,-4-1 0,0 0 0,3 0 0,-5 1 0,7-2 0,-3 1 0,0 0 0,2 0 0,-3 1 0,0-1 0,1 0 0,2 1 0,0-1 0,1 2 0,-6-1 0,3 1 0,-3-1 0,2-1 0,-1 1 0,1 0 0,0-1 0,1 3 0,-5-3 0,5 2 0,-2-3 0,3 2 0,-2 0 0,0 0 0,-1-1 0,0 1 0,2-2 0,-3 1 0,4 0 0,-2 0 0,0-1 0,0 1 0,0 0 0,-1 1 0,1-2 0,-2 2 0,2 0 0,-1-1 0,4-1 0,-5 0 0,0 2 0,-2 0 0,0 1 0,0-1 0</inkml:trace>
+  <inkml:trace contextRef="#ctx0" brushRef="#br0">9 358 24575,'0'-2'0,"-4"-2"0,2 3 0,-1-4 0,3 3 0,0-2 0,0 2 0,0-3 0,0 3 0,0-3 0,0 4 0,2-3 0,1 2 0,-1-3 0,0 2 0,-2 0 0,0 0 0,2 1 0,-2 0 0,1-1 0,-1 2 0,0-2 0,0 0 0,0 1 0,0 0 0,0 0 0,4 0 0,-4-1 0,3 2 0,-2-2 0,0 2 0,-1-1 0,0-1 0,2 0 0,-2 2 0,4-3 0,-4 4 0,0-3 0,1 2 0,1-2 0,0 1 0,-2 0 0,4-1 0,-3 1 0,-1 0 0,3 0 0,-3 1 0,5-2 0,-5 2 0,6-3 0,-5 1 0,4 0 0,-4 2 0,3-2 0,-4 2 0,8-4 0,-7 2 0,6-2 0,-7 1 0,5 0 0,-5 1 0,2 1 0,0-3 0,1 2 0,1-1 0,0-1 0,-4 0 0,4 0 0,-3 2 0,5-4 0,0 3 0,0-2 0,-5 3 0,-1 1 0,3-4 0,-3 4 0,3-4 0,-3 4 0,2-3 0,4 1 0,-2 0 0,3-2 0,-6 5 0,2-3 0,-3 1 0,5-2 0,-2 1 0,2-3 0,0 2 0,0 0 0,-3 2 0,2-2 0,-3 2 0,0-2 0,2 3 0,-3 0 0,2-1 0,0 2 0,-2-1 0,4 1 0,-3 0 0,3-1 0,-4 0 0,3 0 0,-2 0 0,3 0 0,-4 1 0,3-1 0,-2 0 0,3 0 0,-2 1 0,3-1 0,-2 1 0,0 0 0,-3 1 0,3 2 0,-3 1 0,0-1 0,0 0 0,0 1 0,0-2 0,0 2 0,0 0 0,0 1 0,0-3 0,0 4 0,0-2 0,0 1 0,0-1 0,0-2 0,0 1 0,0 0 0,0 0 0,0 0 0,0-1 0,0 1 0,0 0 0,0 0 0,0-1 0,0 1 0,0 0 0,0 0 0,0 1 0,0-1 0,0 0 0,0 2 0,0-2 0,0 2 0,0-2 0,0 0 0,0 1 0,0-1 0,0 1 0,0 0 0,0-1 0,0 0 0,0 4 0,0-2 0,0 1 0,0-2 0,0-1 0,0 0 0,0 0 0,0 0 0,0 1 0,0 0 0,0-2 0,0 1 0,0 0 0,0 1 0,0 0 0,0-1 0,0 2 0,0 0 0,0 0 0,0 0 0,0 1 0,0-1 0,0 2 0,0-2 0,0 6 0,0 1 0,0 4 0,0-6 0,0-2 0,2-5 0,1 3 0,-3-3 0,2 3 0,-2-4 0,0 4 0,0-2 0,0 1 0,0-2 0,0 1 0,0-1 0,0 2 0,4-3 0,-4 3 0,1-2 0,-1 2 0,0-1 0,0 0 0,2-1 0,-1 3 0,0-3 0,-1 0 0,0 0 0,0 0 0,0-1 0,0 1 0,0 0 0,0 0 0,0-1 0,0 2 0,0-2 0,2 2 0,-2-1 0,3-1 0,-3 1 0,0 0 0,0 0 0,0 0 0,0-1 0,0 1 0,0 0 0,0 0 0,0-1 0,0 1 0,0 0 0,0 0 0,0 0 0,0 0 0,0 0 0,0 0 0,1 0 0,2-1 0,-2 2 0,2-2 0,-3 1 0,0 0 0,2 0 0,-1 1 0,2-1 0,2 0 0,-5-1 0,2 1 0,-1 0 0,1 1 0,-1-2 0,1 0 0,-2 1 0,2-1 0,-2 1 0,0-2 0,0-1 0,2-2 0,-1-1 0,3 1 0,-1 0 0,-1 0 0,0 0 0,3 1 0,-3-3 0,6-1 0,0-2 0,0 2 0,0-1 0,-6 5 0,6-5 0,-8 4 0,9-4 0,-7 3 0,2 0 0,3 1 0,0-6 0,0 5 0,2-6 0,-7 9 0,3-5 0,-4 3 0,5-1 0,-6 1 0,3-1 0,-1 3 0,2-2 0,-2-1 0,0-1 0,1 2 0,-2 1 0,0 0 0,1 0 0,-2 1 0,1-1 0,2 0 0,-1 0 0,0 0 0,0 0 0,-2 0 0,2 1 0,-1-2 0,1 1 0,-1 0 0,1-2 0,-2 3 0,3-1 0,-3-1 0,0 0 0,0 2 0,0-1 0,0 0 0,0 0 0,0 1 0,0-1 0,0 0 0,0 0 0,0 1 0,0-2 0,0 1 0,0 0 0,0 0 0,0 0 0,0 0 0,2 0 0,-2-1 0,2 1 0,-2 2 0,0 2 0,0-1 0,0 2 0,0-1 0,0 0 0,0 0 0,0 2 0,0-2 0,0 3 0,0-1 0,1 1 0,1-3 0,1 5 0,-1-5 0,1 4 0,-2-3 0,4 3 0,-5-4 0,3 4 0,-1-4 0,-2 0 0,5 1 0,-5 2 0,3 1 0,-3 0 0,0-3 0,0 2 0,0-3 0,0 3 0,1-3 0,0 2 0,0-1 0,-1-1 0,0 3 0,0 0 0,0-2 0,3 2 0,-3-3 0,2 0 0,-2 1 0,2 0 0,-2 0 0,3-2 0,-3 1 0,6 1 0,-4-2 0,1 2 0,-3-1 0,0 0 0,0-1 0,0 1 0,0 0 0,3 1 0,-3-2 0,4 3 0,-4-1 0,2 0 0,-2-2 0,0 1 0,0 0 0,2 0 0,-2 1 0,4 0 0,-3-1 0,0 0 0,-1 0 0,0 0 0,2-1 0,-2 3 0,3-1 0,-3 4 0,0-4 0,3 2 0,-3-2 0,2 0 0,-1-2 0,-1 3 0,3-3 0,-3 1 0,0 0 0,0 0 0,1 1 0,-1-2 0,4 1 0,-2-1 0,-1 0 0,-1-1 0,2-1 0,0-2 0,1 1 0,-3 0 0,0 0 0,0 0 0,4 1 0,-4-1 0,2 0 0,-2 0 0,1 1 0,-1-1 0,4 0 0,-2-1 0,1 2 0,-3-1 0,2 0 0,-2 0 0,0 0 0,2 0 0,0 0 0,1 0 0,1-1 0,-4 0 0,2 0 0,-1 1 0,-1 0 0,3 1 0,-1-1 0,-2 0 0,4 0 0,-2 1 0,-2-1 0,3 0 0,-3-1 0,4 1 0,-4 0 0,4-1 0,-4 2 0,5-2 0,-5 2 0,2-1 0,-1 0 0,1 0 0,-2 1 0,3-2 0,-3 0 0,3 1 0,-2 0 0,-1 0 0,2 0 0,0 1 0,-2-1 0,3 0 0,-1-3 0,0-2 0,2 0 0,-4 3 0,3 1 0,-3 1 0,0-1 0,2 0 0,-1-1 0,-1 1 0,2-3 0,-2 5 0,3-3 0,-3 2 0,0 0 0,0-1 0,0 0 0,0 0 0,0-3 0,1 4 0,0-1 0,0-1 0,2 1 0,-3 1 0,2 0 0,-2-1 0,0 1 0,0-4 0,0 3 0,0-3 0,4 3 0,-3 1 0,5-3 0,-6 4 0,2-2 0,0-2 0,0 1 0,2-1 0,0 2 0,-2 1 0,0 0 0,1 1 0,-3-2 0,0 2 0,0-2 0,0 1 0,0-1 0,0 0 0,0 1 0,0 0 0,1-1 0,0 0 0,0-1 0,2 2 0,-3 0 0,2-1 0,-1 1 0,0 0 0,1 0 0,0-3 0,0 4 0,1-3 0,0 2 0,-1 1 0,1-2 0,-3 0 0,4 1 0,-4 0 0,2 3 0,-2 0 0,0 1 0,0 1 0,0-2 0,0 1 0,0 1 0,0-1 0,0 1 0,0-1 0,0 2 0,5 5 0,-4-3 0,3 3 0,-4-7 0,0-1 0,0 2 0,0 0 0,0 1 0,0-3 0,0 3 0,0-2 0,0 2 0,0-2 0,0 1 0,0 0 0,0 1 0,0-1 0,2 1 0,0-2 0,0 2 0,1-2 0,-2 0 0,0 0 0,1 0 0,0 2 0,-2-2 0,5 2 0,-5-1 0,3 1 0,-3-2 0,2 2 0,0-2 0,-2 0 0,4 1 0,-2-1 0,1 2 0,-3-2 0,2 1 0,-1 0 0,1 0 0,2 1 0,-4-3 0,1 2 0,2-1 0,-3 0 0,3 1 0,-3-2 0,2 4 0,-1 0 0,1 1 0,-2-2 0,3 0 0,-3-2 0,0 0 0,0-1 0,0 1 0,0 0 0,0 0 0,1 0 0,1 1 0,-2-1 0,0 1 0,0 0 0,0-2 0,0 3 0,3-2 0,-3 0 0,2 0 0,-2 1 0,0 0 0,0-1 0,0 1 0,0 0 0,0-1 0,0 1 0,0-1 0,0 0 0,0 1 0,0 0 0,0-1 0,0 1 0,0-1 0,0 2 0,0-1 0,0 0 0,0-1 0,0 0 0,0-1 0,0 2 0,0-1 0,0 1 0,0-1 0,0-1 0,0 1 0,2 1 0,-2-1 0,2 1 0,-2 0 0,0-1 0,0 0 0,1 0 0,-1 0 0,4-1 0,-4 2 0,1-2 0,-1 1 0,3 0 0,-3 0 0,0-1 0,0 1 0,1 0 0,1 0 0,-2 0 0,0 0 0,4 0 0,-4 0 0,1-1 0,1 1 0,-2 0 0,2 0 0,0 0 0,-2-1 0,3 1 0,-3 0 0,0 0 0,0-1 0,0 0 0,0-2 0,0-4 0,0 2 0,0-2 0,0 2 0,0 0 0,0-1 0,1 0 0,2-1 0,4-5 0,-4 4 0,1-2 0,-1 5 0,-3-1 0,1 0 0,-1 1 0,3-2 0,-1 0 0,-2 2 0,2-3 0,-1 3 0,1 0 0,-2 1 0,0-1 0,0 2 0,4-2 0,-1-1 0,0 0 0,5-2 0,-5 3 0,1-1 0,-1 2 0,1-3 0,1 3 0,-3-2 0,2 2 0,-4 1 0,3-1 0,-2-1 0,0 1 0,0 0 0,2-1 0,-1-1 0,2 0 0,0 0 0,1 3 0,-2-2 0,0 1 0,-1 0 0,2 0 0,-1-1 0,0 0 0,-1 2 0,3-2 0,-3 2 0,2-2 0,-2 3 0,3-3 0,-3 2 0,2-2 0,-2 2 0,2-1 0,0 1 0,1-2 0,-1 1 0,-2 0 0,2 0 0,-3 1 0,2-1 0,2 0 0,-3-2 0,6 1 0,-7 0 0,6-1 0,-3 2 0,1-2 0,-2 3 0,-1-2 0,-2 2 0,0 3 0,0 0 0,0 2 0,0-1 0,0 0 0,0 4 0,0-3 0,0 1 0,2 1 0,-2 0 0,4-1 0,-4 1 0,0-5 0,0 5 0,0-2 0,0 0 0,0 1 0,0 0 0,0-1 0,0 1 0,0-1 0,0 1 0,0-1 0,0 3 0,0-3 0,1 6 0,1-7 0,1 2 0,0-3 0,-3-1 0,0 2 0,0 0 0,0-1 0,2 3 0,-2-3 0,2 1 0,-2-1 0,1 3 0,-1-3 0,3 2 0,-3-2 0,0 2 0,0-1 0,0 0 0,0-1 0,0 1 0,0-1 0,0 0 0,0 0 0,0 0 0,0 0 0,0-1 0,2 2 0,-2 0 0,2 0 0,-2-1 0,0 0 0,0 1 0,0-2 0,0 2 0,0-1 0,0 2 0,0-1 0,0 0 0,0-1 0,0 0 0,0 1 0,0-1 0,0 0 0,0 2 0,0-3 0,0 3 0,0-1 0,0-2 0,0 0 0,0 1 0,0 1 0,0-2 0,0 2 0,0 0 0,0-1 0,0 0 0,0 0 0,0-2 0,0-2 0,0 2 0,3-8 0,-3 5 0,11-9 0,-6 5 0,4-2 0,-2 1 0,0-6 0,15-14 0,-10 10 0,0 1 0,-1 2 0,-4 3 0,15-18 0,-15 15 0,10-7 0,-17 16 0,3 0 0,-3 2 0,4-1 0,-3 1 0,4-3 0,-4 4 0,0-1 0,-1 1 0,3-1 0,-3 2 0,4-3 0,-3 1 0,2 0 0,-3 2 0,0 1 0,2-4 0,-2 4 0,2-2 0,-2 0 0,1 1 0,2-1 0,-1 1 0,3-1 0,-5 0 0,4 0 0,-3 1 0,2-3 0,-3 3 0,4-2 0,-2 1 0,1 1 0,0-1 0,0-1 0,-1 1 0,0 0 0,-2 0 0,0 2 0,0-3 0,0 1 0,0 1 0,0 0 0,0 0 0,0 0 0,0-1 0,0 1 0,0 0 0,0 1 0,0-2 0,0 1 0,0 0 0,3 0 0,-1 1 0,1-1 0,-3 0 0,0 0 0,3 0 0,-3 0 0,2 1 0,-2-1 0,0 0 0,0-1 0,0 2 0,2-1 0,0 0 0,0 0 0,1 1 0,-3-2 0,0 0 0,2 1 0,-2-2 0,2 2 0,-2 0 0,1 0 0,-1 0 0,3 1 0,-3 3 0,0 0 0,0 1 0,3 0 0,-3 0 0,2-1 0,-2 0 0,0-1 0,0 2 0,0-2 0,1 2 0,-1 0 0,3 1 0,-3 0 0,0 0 0,0 0 0,0-1 0,0-1 0,0 4 0,0-2 0,0 2 0,0-3 0,0-1 0,0 3 0,0-2 0,0 2 0,0-2 0,0 0 0,0-1 0,0 4 0,0-3 0,0 5 0,0-3 0,0 0 0,0-1 0,0-3 0,0 3 0,0-1 0,0 1 0,0-1 0,0 1 0,0-1 0,0 3 0,0-4 0,0 5 0,0-4 0,0 3 0,0-3 0,0-1 0,0 4 0,0-3 0,0 1 0,0 0 0,0-1 0,0 0 0,0-2 0,0 4 0,0-3 0,0 11 0,0-10 0,0 6 0,0-6 0,0 0 0,0 0 0,0 2 0,0-4 0,0 4 0,0-3 0,0 3 0,0-1 0,0 0 0,0-1 0,0 2 0,0-3 0,0 3 0,0-2 0,0 2 0,0-3 0,0 1 0,0-2 0,0 1 0,0 3 0,0-1 0,0 0 0,0 1 0,0-3 0,0 2 0,1-2 0,-1 2 0,3-3 0,-3 1 0,1 1 0,1-1 0,-1 0 0,-1 0 0,4 1 0,-4 0 0,5-1 0,-3 1 0,-2-1 0,4 0 0,-4 0 0,2 0 0,-2 0 0,0 1 0,0-2 0,0 1 0,0 0 0,0 0 0,0-1 0,1 2 0,2-1 0,-1 2 0,2-2 0,-3 2 0,-1-1 0,0-1 0,0 1 0,0-2 0,0 1 0,0 0 0,4 0 0,-4-1 0,4 1 0,-4 0 0,3 1 0,-3-2 0,0 0 0,2 1 0,0 1 0,-2-2 0,1 1 0,-1-1 0,2 2 0,-2 1 0,0-2 0,0-1 0,0 1 0,0 0 0,0 0 0,2 0 0,0-1 0,-2 1 0,0 0 0,3 0 0,-3-1 0,2 1 0,-2 0 0,0 0 0,1 1 0,0-2 0,1 2 0,-2-3 0,0-3 0,0 1 0,3-7 0,1 5 0,0-5 0,0 2 0,2-7 0,8-12 0,-6 5 0,4-8 0,-9 21 0,1-6 0,-1 9 0,1-6 0,-4 8 0,4-6 0,-3 8 0,3-6 0,-4 5 0,2-4 0,-2 3 0,0 0 0,0 1 0,0-3 0,0 3 0,5-4 0,-4 3 0,5-4 0,-5 5 0,3-1 0,-4 1 0,3-2 0,-2 1 0,3-1 0,-2 1 0,0 1 0,2 0 0,-4-1 0,3 1 0,-3-1 0,2 1 0,0-2 0,2 1 0,-2-1 0,2 3 0,-2-2 0,0 1 0,2-3 0,-3 3 0,5-2 0,-3 2 0,1-3 0,-1 4 0,0-3 0,0 1 0,0 1 0,-3 0 0,6-1 0,-5 0 0,3 1 0,-2 0 0,1-1 0,-1 2 0,1-2 0,0-1 0,0 1 0,0 0 0,1 1 0,-4 0 0,4 1 0,-3-1 0,1 0 0,-1 1 0,-1 1 0,3 2 0,-3 1 0,0-1 0,0 4 0,0-3 0,0 7 0,0-6 0,0 5 0,0-3 0,0 0 0,0-2 0,0-1 0,0 1 0,0 3 0,0-3 0,0 0 0,0 1 0,0-1 0,0 0 0,0 2 0,0-4 0,0 1 0,0 0 0,0 0 0,0 0 0,0 1 0,0-3 0,0 3 0,0-1 0,0 1 0,0-2 0,0 2 0,0-2 0,0 2 0,0-2 0,0 2 0,0 1 0,0-1 0,0 1 0,0-2 0,0 0 0,0-1 0,0 0 0,0 1 0,0 0 0,0 1 0,1-1 0,1 0 0,-2 0 0,0 1 0,0-2 0,0 1 0,0-1 0,0 1 0,0-2 0,0 2 0,0-1 0,0 0 0,0 0 0,0 0 0,0 1 0,0 0 0,0 0 0,0 0 0,0-2 0,0 2 0,0 1 0,0-2 0,0 4 0,0-5 0,0 3 0,0-2 0,0 0 0,0-1 0,3 2 0,-3-1 0,3 2 0,-3-1 0,0 1 0,0-2 0,0 1 0,0-1 0,0 0 0,0 0 0,0 1 0,0-1 0,0-1 0,0 1 0,0 0 0,0 0 0,0 0 0,0-2 0,1 0 0,-1-2 0,2-3 0,-2 0 0,0 1 0,4-12 0,1 5 0,8-17 0,-3 8 0,4-4 0,-3 7 0,8-10-2184,-4 2 2184,4 0 0,-13 11-6061,2 0 6061,-7 10 0,10-12 0,-10 12 0,4-6 0,-3 5 0,1-4 0,0 3 1461,-2 1-1461,-1 3 6784,0-4-6784,0 4 0,0-5 0,0 4 0,3-3 0,-3 1 0,2 0 0,-2 2 0,0 1 0,0-1 0,0-1 0,2-2 0,-1 1 0,2 1 0,-1 1 0,-2 1 0,4-3 0,-2 4 0,3-2 0,-3 1 0,1-2 0,-3 3 0,1-2 0,1 1 0,1 0 0,-1 1 0,-1-2 0,0 2 0,4-3 0,-4 1 0,5-2 0,-6 4 0,5-2 0,-5 1 0,3 0 0,0 0 0,-1 0 0,0 0 0,0 0 0,-1-1 0,1 2 0,-2-1 0,1 1 0,2 0 0,0 1 0,-2 0 0,-1 2 0,0 0 0,0-1 0,0 2 0,0-1 0,0 2 0,0-2 0,0 2 0,0-2 0,2 6 0,-2-5 0,2 6 0,-2-5 0,0 1 0,0 0 0,0 1 0,0 0 0,0 2 0,0-6 0,0 4 0,0-3 0,0 3 0,0-3 0,0 3 0,0-3 0,0 1 0,0 0 0,0 0 0,0 2 0,0-2 0,0 1 0,0-2 0,0 0 0,0 1 0,0-1 0,3 1 0,-3 0 0,2 0 0,-2-2 0,0 5 0,0-6 0,0 5 0,0-3 0,0 1 0,0-1 0,0 1 0,0-1 0,0 3 0,0-4 0,0 5 0,0-5 0,0 3 0,0-3 0,0 0 0,0 1 0,0 0 0,0 0 0,0 2 0,0-2 0,0 2 0,0-2 0,0 0 0,0 0 0,0 1 0,0-2 0,0 2 0,0-3 0,0 3 0,0-1 0,0 0 0,0 0 0,0 0 0,0-1 0,2 4 0,0-2 0,-1 2 0,-1-4 0,0 4 0,0-5 0,0 4 0,0-2 0,0 1 0,0-1 0,0 3 0,0-5 0,0 3 0,0-2 0,0 0 0,0 3 0,0-1 0,0 1 0,0-1 0,0-1 0,2 0 0,0-1 0,1 2 0,-1-2 0,0 3 0,-2-3 0,4 2 0,-3-1 0,1 1 0,0-2 0,-2 1 0,2-2 0,0 3 0,0-2 0,0 1 0,1-1 0,-3 1 0,0-1 0,0 1 0,0 0 0,0 0 0,0-1 0,0 0 0,0 1 0,0 0 0,0-1 0,1 2 0,-1-2 0,2 1 0,-2-1 0,0 0 0,2 1 0,-2-1 0,3 0 0,0 1 0,-3-2 0,1 2 0,-1-3 0,0 3 0,0-1 0,0 0 0,0 1 0,2-2 0,-1 0 0,0 1 0,-1-1 0,0 1 0,0 1 0,3-2 0,-3 1 0,2 0 0,-2 0 0,0-1 0,0 1 0,0-2 0,0-2 0,0-1 0,1-1 0,0 0 0,0 1 0,1 0 0,-2 1 0,6-4 0,-3 0 0,2-5 0,-1 4 0,3-2 0,-7 6 0,7-7 0,-5 7 0,2-7 0,-3 7 0,1-3 0,-1 3 0,-1-2 0,0 3 0,0-2 0,2 2 0,2-3 0,-2 2 0,4-4 0,-5 4 0,6-4 0,-6 4 0,3-3 0,1 2 0,-1-2 0,-2 2 0,3 0 0,-3 1 0,2-2 0,0 1 0,0-1 0,-2 1 0,4 1 0,-5 0 0,3-2 0,-2 4 0,-2-2 0,4 0 0,-3 0 0,2-1 0,0-1 0,-1 2 0,-1 0 0,-1 0 0,3 0 0,-3 1 0,2 0 0,0 1 0,-2-1 0,3 0 0,-3 0 0,1 1 0,0-1 0,0 0 0,2 0 0,-3-1 0,3-1 0,-1 4 0,-1-4 0,-1 3 0,2-2 0,-2 1 0,2 1 0,-2-2 0,2 1 0,-1 0 0,0-2 0,-1 1 0,0 1 0,0 0 0,0-1 0,0 1 0,2 0 0,0-1 0,1 0 0,0-1 0,-1 1 0,-1-2 0,1 0 0,1 1 0,-1 0 0,-1 1 0,-1 2 0,3-1 0,-1-2 0,0 3 0,-1-4 0,-1 2 0,2 0 0,-2 2 0,3-1 0,-3 0 0,3 0 0,-3 0 0,2 2 0,-2 2 0,0-1 0,0 2 0,0 0 0,2-1 0,-1 2 0,2-1 0,1 2 0,-4-1 0,1 2 0,-1-4 0,3 4 0,-3-6 0,3 9 0,-3-6 0,0 7 0,0-7 0,0 4 0,0-4 0,0 1 0,0 0 0,0-1 0,2-1 0,-2 0 0,2 2 0,-2 2 0,0-3 0,0 4 0,0-6 0,2 3 0,0-1 0,3 0 0,-3 0 0,1 0 0,-3-1 0,3 3 0,-3-3 0,3 2 0,-2-2 0,1 2 0,-2-1 0,2 1 0,-2-3 0,0 2 0,0-1 0,3 3 0,-3-3 0,2 3 0,-2-3 0,0 2 0,0-2 0,1 1 0,0 0 0,2 2 0,-1-2 0,0 1 0,2 0 0,-4 1 0,3 0 0,-3 0 0,3 1 0,-1-2 0,3 4 0,-1-5 0,-1 2 0,0 0 0,-2-3 0,1 3 0,-2-3 0,2 3 0,-2 0 0,1-1 0,1 3 0,-2-5 0,4 1 0,-4-1 0,0 0 0,0-1 0,0 1 0,0 0 0,2 0 0,-2 0 0,1 0 0,-1 1 0,0-1 0,0-1 0,0-4 0,0 0 0,0-4 0,3 2 0,-1-5 0,5-3 0,5-17 0,-2 6 0,2-1-1678,-3 5 1,0 0 1677,3-5 0,-1 1 0,0 6 0,1-7 0,-7 11 0,5-4 0,-9 7 0,6 2 0,-1-9 0,0 7-5672,-1-6 5672,-1 11 0,-4-1 0,0 6 2243,2-5-2243,2 1 0,0-1 0,0 0 6784,-4 3-6784,3-1 0,-2 2 0,4-8 0,-5 8 0,4-7 0,-4 6 0,0-4 0,0 3 0,0 0 0,0 1 0,0-1 0,0 1 0,0-2 0,0 0 0,0 1 0,0-1 0,0 0 0,1 4 0,0-2 0,1 1 0,-2 0 0,2 2 0,0-2 0,2 1 0,-2 0 0,2 0 0,-3-1 0,5 2 0,-1-2 0,-2 0 0,1-1 0,-1 2 0,1 0 0,-4 1 0,2 2 0,-2 0 0,0 0 0,0 1 0,0 0 0,0 1 0,2 0 0,-2 0 0,3 2 0,-3-2 0,0 3 0,0-3 0,0-1 0,0 1 0,0-1 0,0 3 0,0-5 0,0 3 0,0-2 0,0 1 0,0 0 0,0 3 0,0-2 0,0 1 0,0-3 0,0 1 0,0-1 0,0 0 0,0-1 0,0 2 0,0 0 0,0 0 0,0 0 0,0 2 0,0-3 0,0 3 0,0-4 0,0 4 0,0-3 0,0 2 0,0-1 0,0 1 0,0-1 0,0 4 0,0-5 0,0 6 0,0-5 0,0 3 0,0-3 0,0 4 0,0-4 0,0 4 0,0-3 0,0 0 0,0-1 0,0 0 0,0 1 0,0 1 0,0-3 0,0 5 0,0-3 0,0 1 0,0 0 0,0-2 0,0 2 0,0-3 0,2 2 0,-2 0 0,4 3 0,-3-4 0,-1-1 0,2 1 0,-2-1 0,0-1 0,2 2 0,-2 0 0,3 0 0,-3 0 0,0-1 0,3 2 0,-2-1 0,-1-1 0,0 0 0,3 4 0,-3-3 0,4 1 0,-2 0 0,0 0 0,1 3 0,-1-2 0,3 1 0,-5-3 0,2 1 0,-2-2 0,0 0 0,0 0 0,0 0 0,0 0 0,0 1 0,0-2 0,0 2 0,0-2 0,1 1 0,1 1 0,-1-1 0,-1 1 0,0 0 0,0-1 0,0 0 0,0 1 0,0-1 0,0 0 0,0 0 0,0 0 0,0-1 0,0 2 0,0-2 0,1 3 0,-1-2 0,4 2 0,-4-1 0,2 0 0,-1-2 0,-1 2 0,0-1 0,0 2 0,0 0 0,3 0 0,-3-1 0,1-1 0,-1 1 0,0 0 0,0 0 0,3-1 0,-3 1 0,2 0 0,-2-1 0,2 2 0,-1-1 0,0 0 0,1 2 0,-2-1 0,3 0 0,-3-2 0,0 0 0,0 3 0,1-3 0,0 3 0,0-3 0,2-1 0,-3 1 0,2 2 0,-2-2 0,2-1 0,1 1 0,-2 0 0,1-2 0,0 3 0,-2-2 0,4 2 0,-3-2 0,3 1 0,-4-1 0,2 2 0,-2-2 0,1 1 0,2 2 0,1-2 0,2 2 0,-5-3 0,1 1 0,-2-2 0,0-2 0,0-1 0,0-2 0,0 2 0,0-3 0,0 3 0,0 0 0,0-2 0,0 2 0,0-1 0,0 2 0,0-3 0,0 3 0,0-7 0,0 4 0,0-4 0,0 8 0,0-5 0,0 3 0,0-2 0,0 2 0,0 1 0,2-1 0,0 1 0,1-1 0,-2-3 0,-1 4 0,0-5 0,0 4 0,0-2 0,2 2 0,-2 0 0,3 0 0,-2-2 0,0 2 0,0-2 0,-1 3 0,0-4 0,4 0 0,-4 0 0,4 1 0,-4 3 0,0-1 0,1-2 0,0 2 0,0-1 0,1 1 0,1-4 0,-1 5 0,0-3 0,-2 4 0,1-4 0,-1 2 0,6-4 0,-4 5 0,4-3 0,-6 2 0,3 0 0,0 0 0,-1 1 0,0 0 0,-2-1 0,0 2 0,4-3 0,-3 1 0,2 0 0,0-2 0,-3 2 0,3 0 0,1 0 0,-3 2 0,2-2 0,0 0 0,-1 1 0,2 0 0,-3-2 0,3 3 0,-1-1 0,-2-1 0,2 0 0,0 2 0,0-2 0,-1 0 0,1 0 0,0 1 0,0-1 0,-2 2 0,-1-2 0,4 3 0,-1-3 0,1 2 0,0-2 0,1 0 0,-3 0 0,1 2 0,0-1 0,0 0 0,0 0 0,-1 1 0,1-2 0,1 2 0,-2 0 0,3 0 0,-3 2 0,-1 0 0,1 6 0,-2-5 0,2 3 0,-2-1 0,0-1 0,0 3 0,0 0 0,0-2 0,0 3 0,0-5 0,3 2 0,-3-1 0,4 1 0,-4 0 0,4 1 0,-4-3 0,3 5 0,-3-4 0,0 3 0,0-4 0,0 1 0,0 0 0,0 3 0,0-4 0,0 3 0,0-3 0,0 1 0,0 1 0,0-1 0,0 0 0,0 0 0,0-1 0,0 3 0,0-3 0,0 0 0,0 1 0,0 1 0,0-1 0,0 4 0,0-5 0,0 2 0,0-2 0,0 3 0,0-1 0,0 0 0,0-1 0,0 1 0,0-2 0,-3 6 0,3-6 0,-2 3 0,2-2 0,0 2 0,0-3 0,0 1 0,0 0 0,0-1 0,0 2 0,0-2 0,0 0 0,0 0 0,0 0 0,0 1 0,0-2 0,0 2 0,0-1 0,0 2 0,0-3 0,0 2 0,0-1 0,0-1 0,0 1 0,0 0 0,0 0 0,0 0 0,0-1 0,0 2 0,0-1 0,0-2 0,2-1 0,-2-3 0,3 1 0,-1-1 0,3 0 0,-5 1 0,11-11 0,-6 2-520,8-7 520,-4 5 0,-3 1 0,3 0 0,-1-4 0,-2 6-33,6-8 33,-11 13 0,10-9 0,-8 7 0,1-1 0,-2 4 0,-1-2 0,0 1 0,1-5 0,1 5 520,-3-5-520,4 7 33,-4-3-33,0 5 0,0-2 0,0 3 0,0-5 0,0 4 0,0-4 0,0 5 0,0-4 0,0 4 0,0-3 0,1 1 0,0 0 0,0 2 0,-1-1 0,0 0 0,3 0 0,-3 1 0,3-2 0,0 2 0,-1-2 0,1 3 0,-3-3 0,0 1 0,1 0 0,2-1 0,0 2 0,1-2 0,-4 1 0,1 0 0,-1 0 0,1-1 0,1 1 0,1-1 0,-3-1 0,4-1 0,-1 1 0,4 0 0,-5 0 0,4 0 0,-3 1 0,0-1 0,-1 2 0,3-3 0,-5 3 0,3-3 0,-3 3 0,5-1 0,-5 1 0,3-1 0,-2 1 0,-1 0 0,2 0 0,-2 0 0,0 1 0,2-2 0,-2 1 0,3 0 0,-3 2 0,0 1 0,2 5 0,-1-4 0,2 3 0,-3-2 0,0 3 0,0-2 0,1 3 0,1-2 0,0 0 0,-2 5 0,0-7 0,0 8 0,3-7 0,-3 3 0,3-4 0,-3 1 0,1 0 0,-1 0 0,5 3 0,-1 1 0,-1-2 0,-1 2 0,-2-3 0,0 0 0,0 0 0,0-2 0,0 0 0,0 1 0,0 1 0,0-1 0,0 0 0,0-1 0,0-3 0,0 4 0,0-1 0,0 1 0,0-1 0,0-1 0,0 0 0,0 1 0,0 1 0,0-1 0,0-2 0,0 4 0,0-3 0,0 1 0,0-1 0,0 3 0,0-3 0,0 3 0,0-3 0,0 2 0,0-2 0,0 2 0,0-1 0,0 0 0,0-1 0,0 0 0,0 1 0,0 1 0,0-1 0,0 2 0,0-2 0,0 4 0,0-4 0,0 2 0,2-1 0,0 1 0,1-1 0,-1 4 0,0-4 0,-2 3 0,3-3 0,-2-1 0,0 0 0,1 1 0,0-1 0,-2 0 0,4 1 0,-3-1 0,2-1 0,0 1 0,-2 0 0,3 1 0,-1-1 0,-1 0 0,0-1 0,0 0 0,-1 0 0,-1 1 0,0-1 0,0 1 0,0 0 0,0-1 0,0 1 0,0 0 0,3 0 0,-3-2 0,3 3 0,-3-1 0,0 0 0,0 1 0,0-2 0,0 0 0,0 0 0,1 0 0,0 1 0,0-2 0,-1 2 0,0-1 0,0 3 0,3-2 0,-3 1 0,2-6 0,-2 2 0,0-1 0,0 0 0,0-2 0,0 1 0,2-2 0,-2 0 0,4-3 0,0 1 0,0-5 0,0 4 0,2-9 0,-6 11 0,7-11 0,-6 11 0,2-6 0,0 8 0,-3-5 0,2 4 0,-2-5 0,0 6 0,0-4 0,0 5 0,0-2 0,0 2 0,1 1 0,1-2 0,-2 2 0,0-2 0,0 2 0,0-1 0,0 0 0,0 0 0,0 0 0,0 1 0,0-1 0,0 0 0,0 0 0,0 1 0,3-1 0,-3-1 0,3 1 0,-3 0 0,1 0 0,-1 1 0,4-1 0,-1 0 0,1 0 0,-3-1 0,5 1 0,-4 0 0,0-1 0,3 1 0,-4 0 0,5-1 0,-2 1 0,0 0 0,1-1 0,-2 2 0,1-2 0,-1 1 0,3 0 0,-1 0 0,2 1 0,-6 0 0,3 0 0,-2-1 0,1 0 0,-1 0 0,1 1 0,0-1 0,1 2 0,-4-3 0,4 2 0,-1-2 0,1 2 0,-1-1 0,1 1 0,-2-2 0,0 2 0,2-2 0,-2 0 0,2 1 0,-1 0 0,1-2 0,-1 2 0,0 0 0,-1 0 0,1-1 0,-1 2 0,1-1 0,-1 0 0,4-1 0,-5-1 0,1 3 0,-2-1 0,0 1 0,0 0 0</inkml:trace>
 </inkml:ink>
 </file>
 
@@ -253,7 +310,7 @@
           <a:p>
             <a:fld id="{47BD582D-1AD2-864E-A43C-897C2CA540BC}" type="datetimeFigureOut">
               <a:rPr lang="en-AU" smtClean="0"/>
-              <a:t>20/3/2023</a:t>
+              <a:t>27/3/2023</a:t>
             </a:fld>
             <a:endParaRPr lang="en-AU"/>
           </a:p>
@@ -271,8 +328,8 @@
         </p:nvSpPr>
         <p:spPr>
           <a:xfrm>
-            <a:off x="685800" y="1143000"/>
-            <a:ext cx="5486400" cy="3086100"/>
+            <a:off x="1838325" y="1143000"/>
+            <a:ext cx="3181350" cy="3086100"/>
           </a:xfrm>
           <a:prstGeom prst="rect">
             <a:avLst/>
@@ -550,8 +607,8 @@
         </p:nvSpPr>
         <p:spPr>
           <a:xfrm>
-            <a:off x="685800" y="1143000"/>
-            <a:ext cx="5486400" cy="3086100"/>
+            <a:off x="1838325" y="1143000"/>
+            <a:ext cx="3181350" cy="3086100"/>
           </a:xfrm>
         </p:spPr>
       </p:sp>
@@ -600,6 +657,103 @@
             <a:fld id="{5790DE12-545C-5346-AC5D-41BCEA81F0BC}" type="slidenum">
               <a:rPr lang="en-AU" smtClean="0"/>
               <a:t>1</a:t>
+            </a:fld>
+            <a:endParaRPr lang="en-AU"/>
+          </a:p>
+        </p:txBody>
+      </p:sp>
+    </p:spTree>
+    <p:extLst>
+      <p:ext uri="{BB962C8B-B14F-4D97-AF65-F5344CB8AC3E}">
+        <p14:creationId xmlns:p14="http://schemas.microsoft.com/office/powerpoint/2010/main" val="1634862688"/>
+      </p:ext>
+    </p:extLst>
+  </p:cSld>
+  <p:clrMapOvr>
+    <a:masterClrMapping/>
+  </p:clrMapOvr>
+</p:notes>
+</file>
+
+<file path=ppt/notesSlides/notesSlide2.xml><?xml version="1.0" encoding="utf-8"?>
+<p:notes xmlns:a="http://schemas.openxmlformats.org/drawingml/2006/main" xmlns:r="http://schemas.openxmlformats.org/officeDocument/2006/relationships" xmlns:p="http://schemas.openxmlformats.org/presentationml/2006/main">
+  <p:cSld>
+    <p:spTree>
+      <p:nvGrpSpPr>
+        <p:cNvPr id="1" name=""/>
+        <p:cNvGrpSpPr/>
+        <p:nvPr/>
+      </p:nvGrpSpPr>
+      <p:grpSpPr>
+        <a:xfrm>
+          <a:off x="0" y="0"/>
+          <a:ext cx="0" cy="0"/>
+          <a:chOff x="0" y="0"/>
+          <a:chExt cx="0" cy="0"/>
+        </a:xfrm>
+      </p:grpSpPr>
+      <p:sp>
+        <p:nvSpPr>
+          <p:cNvPr id="2" name="Slide Image Placeholder 1"/>
+          <p:cNvSpPr>
+            <a:spLocks noGrp="1" noRot="1" noChangeAspect="1"/>
+          </p:cNvSpPr>
+          <p:nvPr>
+            <p:ph type="sldImg"/>
+          </p:nvPr>
+        </p:nvSpPr>
+        <p:spPr>
+          <a:xfrm>
+            <a:off x="1838325" y="1143000"/>
+            <a:ext cx="3181350" cy="3086100"/>
+          </a:xfrm>
+        </p:spPr>
+      </p:sp>
+      <p:sp>
+        <p:nvSpPr>
+          <p:cNvPr id="3" name="Notes Placeholder 2"/>
+          <p:cNvSpPr>
+            <a:spLocks noGrp="1"/>
+          </p:cNvSpPr>
+          <p:nvPr>
+            <p:ph type="body" idx="1"/>
+          </p:nvPr>
+        </p:nvSpPr>
+        <p:spPr/>
+        <p:txBody>
+          <a:bodyPr/>
+          <a:lstStyle/>
+          <a:p>
+            <a:r>
+              <a:rPr lang="en-AU" b="1" dirty="0"/>
+              <a:t>Figure 2.</a:t>
+            </a:r>
+            <a:r>
+              <a:rPr lang="en-AU" b="0" dirty="0"/>
+              <a:t> Univariate classification results for ASD and schizophrenia. A: Results from region-based classification analysis. For ASD, the bilateral superior frontal gyrus yielded a statistically significant balanced accuracy (55.95 +/- 0.52, p=4.58e-04, BH-adjusted p=2.20e-02). For schizophrenia, the all yielded significant balanced classification accuracies. right postcentral gyrus (67.23 +/- 2.49, p=1.00e-03, BH-adjusted p=4.07e-02), right amygdala (66.82 +/- 2.12, p=1.32e-03, BH-adjusted p=4.07e-02), and left banks of the superior temporal sulcus (66.64 +/- 1.97, p=1.49e-03, BH-adjusted p=4.07e-02)</a:t>
+            </a:r>
+            <a:endParaRPr lang="en-AU" b="1" dirty="0"/>
+          </a:p>
+        </p:txBody>
+      </p:sp>
+      <p:sp>
+        <p:nvSpPr>
+          <p:cNvPr id="4" name="Slide Number Placeholder 3"/>
+          <p:cNvSpPr>
+            <a:spLocks noGrp="1"/>
+          </p:cNvSpPr>
+          <p:nvPr>
+            <p:ph type="sldNum" sz="quarter" idx="5"/>
+          </p:nvPr>
+        </p:nvSpPr>
+        <p:spPr/>
+        <p:txBody>
+          <a:bodyPr/>
+          <a:lstStyle/>
+          <a:p>
+            <a:fld id="{5790DE12-545C-5346-AC5D-41BCEA81F0BC}" type="slidenum">
+              <a:rPr lang="en-AU" smtClean="0"/>
+              <a:t>2</a:t>
             </a:fld>
             <a:endParaRPr lang="en-AU"/>
           </a:p>
@@ -637,13 +791,7 @@
       </p:grpSpPr>
       <p:sp>
         <p:nvSpPr>
-          <p:cNvPr id="2" name="Title 1">
-            <a:extLst>
-              <a:ext uri="{FF2B5EF4-FFF2-40B4-BE49-F238E27FC236}">
-                <a16:creationId xmlns:a16="http://schemas.microsoft.com/office/drawing/2014/main" id="{AD8A828A-2EF5-B6EA-8C88-83525A943D25}"/>
-              </a:ext>
-            </a:extLst>
-          </p:cNvPr>
+          <p:cNvPr id="2" name="Title 1"/>
           <p:cNvSpPr>
             <a:spLocks noGrp="1"/>
           </p:cNvSpPr>
@@ -653,15 +801,15 @@
         </p:nvSpPr>
         <p:spPr>
           <a:xfrm>
-            <a:off x="1524000" y="1122363"/>
-            <a:ext cx="9144000" cy="2387600"/>
+            <a:off x="565785" y="1197187"/>
+            <a:ext cx="6412230" cy="2546773"/>
           </a:xfrm>
         </p:spPr>
         <p:txBody>
           <a:bodyPr anchor="b"/>
           <a:lstStyle>
             <a:lvl1pPr algn="ctr">
-              <a:defRPr sz="6000"/>
+              <a:defRPr sz="4950"/>
             </a:lvl1pPr>
           </a:lstStyle>
           <a:p>
@@ -669,19 +817,13 @@
               <a:rPr lang="en-US"/>
               <a:t>Click to edit Master title style</a:t>
             </a:r>
-            <a:endParaRPr lang="en-AU"/>
-          </a:p>
-        </p:txBody>
-      </p:sp>
-      <p:sp>
-        <p:nvSpPr>
-          <p:cNvPr id="3" name="Subtitle 2">
-            <a:extLst>
-              <a:ext uri="{FF2B5EF4-FFF2-40B4-BE49-F238E27FC236}">
-                <a16:creationId xmlns:a16="http://schemas.microsoft.com/office/drawing/2014/main" id="{DB980C5F-CFF3-E0CA-30CB-0F47180AFDAF}"/>
-              </a:ext>
-            </a:extLst>
-          </p:cNvPr>
+            <a:endParaRPr lang="en-US" dirty="0"/>
+          </a:p>
+        </p:txBody>
+      </p:sp>
+      <p:sp>
+        <p:nvSpPr>
+          <p:cNvPr id="3" name="Subtitle 2"/>
           <p:cNvSpPr>
             <a:spLocks noGrp="1"/>
           </p:cNvSpPr>
@@ -691,8 +833,8 @@
         </p:nvSpPr>
         <p:spPr>
           <a:xfrm>
-            <a:off x="1524000" y="3602038"/>
-            <a:ext cx="9144000" cy="1655762"/>
+            <a:off x="942975" y="3842174"/>
+            <a:ext cx="5657850" cy="1766146"/>
           </a:xfrm>
         </p:spPr>
         <p:txBody>
@@ -700,39 +842,39 @@
           <a:lstStyle>
             <a:lvl1pPr marL="0" indent="0" algn="ctr">
               <a:buNone/>
-              <a:defRPr sz="2400"/>
+              <a:defRPr sz="1980"/>
             </a:lvl1pPr>
-            <a:lvl2pPr marL="457200" indent="0" algn="ctr">
+            <a:lvl2pPr marL="377190" indent="0" algn="ctr">
               <a:buNone/>
-              <a:defRPr sz="2000"/>
+              <a:defRPr sz="1650"/>
             </a:lvl2pPr>
-            <a:lvl3pPr marL="914400" indent="0" algn="ctr">
+            <a:lvl3pPr marL="754380" indent="0" algn="ctr">
               <a:buNone/>
-              <a:defRPr sz="1800"/>
+              <a:defRPr sz="1485"/>
             </a:lvl3pPr>
-            <a:lvl4pPr marL="1371600" indent="0" algn="ctr">
+            <a:lvl4pPr marL="1131570" indent="0" algn="ctr">
               <a:buNone/>
-              <a:defRPr sz="1600"/>
+              <a:defRPr sz="1320"/>
             </a:lvl4pPr>
-            <a:lvl5pPr marL="1828800" indent="0" algn="ctr">
+            <a:lvl5pPr marL="1508760" indent="0" algn="ctr">
               <a:buNone/>
-              <a:defRPr sz="1600"/>
+              <a:defRPr sz="1320"/>
             </a:lvl5pPr>
-            <a:lvl6pPr marL="2286000" indent="0" algn="ctr">
+            <a:lvl6pPr marL="1885950" indent="0" algn="ctr">
               <a:buNone/>
-              <a:defRPr sz="1600"/>
+              <a:defRPr sz="1320"/>
             </a:lvl6pPr>
-            <a:lvl7pPr marL="2743200" indent="0" algn="ctr">
+            <a:lvl7pPr marL="2263140" indent="0" algn="ctr">
               <a:buNone/>
-              <a:defRPr sz="1600"/>
+              <a:defRPr sz="1320"/>
             </a:lvl7pPr>
-            <a:lvl8pPr marL="3200400" indent="0" algn="ctr">
+            <a:lvl8pPr marL="2640330" indent="0" algn="ctr">
               <a:buNone/>
-              <a:defRPr sz="1600"/>
+              <a:defRPr sz="1320"/>
             </a:lvl8pPr>
-            <a:lvl9pPr marL="3657600" indent="0" algn="ctr">
+            <a:lvl9pPr marL="3017520" indent="0" algn="ctr">
               <a:buNone/>
-              <a:defRPr sz="1600"/>
+              <a:defRPr sz="1320"/>
             </a:lvl9pPr>
           </a:lstStyle>
           <a:p>
@@ -740,19 +882,13 @@
               <a:rPr lang="en-US"/>
               <a:t>Click to edit Master subtitle style</a:t>
             </a:r>
-            <a:endParaRPr lang="en-AU"/>
-          </a:p>
-        </p:txBody>
-      </p:sp>
-      <p:sp>
-        <p:nvSpPr>
-          <p:cNvPr id="4" name="Date Placeholder 3">
-            <a:extLst>
-              <a:ext uri="{FF2B5EF4-FFF2-40B4-BE49-F238E27FC236}">
-                <a16:creationId xmlns:a16="http://schemas.microsoft.com/office/drawing/2014/main" id="{CCCD5B7A-2053-3F65-44DC-473DC8E5569B}"/>
-              </a:ext>
-            </a:extLst>
-          </p:cNvPr>
+            <a:endParaRPr lang="en-US" dirty="0"/>
+          </a:p>
+        </p:txBody>
+      </p:sp>
+      <p:sp>
+        <p:nvSpPr>
+          <p:cNvPr id="4" name="Date Placeholder 3"/>
           <p:cNvSpPr>
             <a:spLocks noGrp="1"/>
           </p:cNvSpPr>
@@ -767,7 +903,7 @@
           <a:p>
             <a:fld id="{7F85437B-6C8A-A94E-A4EF-E530FD0AEE96}" type="datetimeFigureOut">
               <a:rPr lang="en-AU" smtClean="0"/>
-              <a:t>20/3/2023</a:t>
+              <a:t>27/3/2023</a:t>
             </a:fld>
             <a:endParaRPr lang="en-AU"/>
           </a:p>
@@ -775,13 +911,7 @@
       </p:sp>
       <p:sp>
         <p:nvSpPr>
-          <p:cNvPr id="5" name="Footer Placeholder 4">
-            <a:extLst>
-              <a:ext uri="{FF2B5EF4-FFF2-40B4-BE49-F238E27FC236}">
-                <a16:creationId xmlns:a16="http://schemas.microsoft.com/office/drawing/2014/main" id="{EA3604D6-F251-2BBE-85CB-EB422223BD4F}"/>
-              </a:ext>
-            </a:extLst>
-          </p:cNvPr>
+          <p:cNvPr id="5" name="Footer Placeholder 4"/>
           <p:cNvSpPr>
             <a:spLocks noGrp="1"/>
           </p:cNvSpPr>
@@ -800,13 +930,7 @@
       </p:sp>
       <p:sp>
         <p:nvSpPr>
-          <p:cNvPr id="6" name="Slide Number Placeholder 5">
-            <a:extLst>
-              <a:ext uri="{FF2B5EF4-FFF2-40B4-BE49-F238E27FC236}">
-                <a16:creationId xmlns:a16="http://schemas.microsoft.com/office/drawing/2014/main" id="{282BAD7F-21E4-3F8A-649A-6DC14D161091}"/>
-              </a:ext>
-            </a:extLst>
-          </p:cNvPr>
+          <p:cNvPr id="6" name="Slide Number Placeholder 5"/>
           <p:cNvSpPr>
             <a:spLocks noGrp="1"/>
           </p:cNvSpPr>
@@ -830,7 +954,7 @@
     </p:spTree>
     <p:extLst>
       <p:ext uri="{BB962C8B-B14F-4D97-AF65-F5344CB8AC3E}">
-        <p14:creationId xmlns:p14="http://schemas.microsoft.com/office/powerpoint/2010/main" val="1646083043"/>
+        <p14:creationId xmlns:p14="http://schemas.microsoft.com/office/powerpoint/2010/main" val="3048594699"/>
       </p:ext>
     </p:extLst>
   </p:cSld>
@@ -859,13 +983,7 @@
       </p:grpSpPr>
       <p:sp>
         <p:nvSpPr>
-          <p:cNvPr id="2" name="Title 1">
-            <a:extLst>
-              <a:ext uri="{FF2B5EF4-FFF2-40B4-BE49-F238E27FC236}">
-                <a16:creationId xmlns:a16="http://schemas.microsoft.com/office/drawing/2014/main" id="{ABC0BBD3-D110-DAA3-6358-58FF262BC2C1}"/>
-              </a:ext>
-            </a:extLst>
-          </p:cNvPr>
+          <p:cNvPr id="2" name="Title 1"/>
           <p:cNvSpPr>
             <a:spLocks noGrp="1"/>
           </p:cNvSpPr>
@@ -882,19 +1000,13 @@
               <a:rPr lang="en-US"/>
               <a:t>Click to edit Master title style</a:t>
             </a:r>
-            <a:endParaRPr lang="en-AU"/>
-          </a:p>
-        </p:txBody>
-      </p:sp>
-      <p:sp>
-        <p:nvSpPr>
-          <p:cNvPr id="3" name="Vertical Text Placeholder 2">
-            <a:extLst>
-              <a:ext uri="{FF2B5EF4-FFF2-40B4-BE49-F238E27FC236}">
-                <a16:creationId xmlns:a16="http://schemas.microsoft.com/office/drawing/2014/main" id="{2B08EF3C-162C-9BF0-CA44-2F8B47CA751C}"/>
-              </a:ext>
-            </a:extLst>
-          </p:cNvPr>
+            <a:endParaRPr lang="en-US" dirty="0"/>
+          </a:p>
+        </p:txBody>
+      </p:sp>
+      <p:sp>
+        <p:nvSpPr>
+          <p:cNvPr id="3" name="Vertical Text Placeholder 2"/>
           <p:cNvSpPr>
             <a:spLocks noGrp="1"/>
           </p:cNvSpPr>
@@ -940,19 +1052,13 @@
               <a:rPr lang="en-US"/>
               <a:t>Fifth level</a:t>
             </a:r>
-            <a:endParaRPr lang="en-AU"/>
-          </a:p>
-        </p:txBody>
-      </p:sp>
-      <p:sp>
-        <p:nvSpPr>
-          <p:cNvPr id="4" name="Date Placeholder 3">
-            <a:extLst>
-              <a:ext uri="{FF2B5EF4-FFF2-40B4-BE49-F238E27FC236}">
-                <a16:creationId xmlns:a16="http://schemas.microsoft.com/office/drawing/2014/main" id="{92E601B1-2A2A-0822-6E24-36CB2D017FBF}"/>
-              </a:ext>
-            </a:extLst>
-          </p:cNvPr>
+            <a:endParaRPr lang="en-US" dirty="0"/>
+          </a:p>
+        </p:txBody>
+      </p:sp>
+      <p:sp>
+        <p:nvSpPr>
+          <p:cNvPr id="4" name="Date Placeholder 3"/>
           <p:cNvSpPr>
             <a:spLocks noGrp="1"/>
           </p:cNvSpPr>
@@ -967,7 +1073,7 @@
           <a:p>
             <a:fld id="{7F85437B-6C8A-A94E-A4EF-E530FD0AEE96}" type="datetimeFigureOut">
               <a:rPr lang="en-AU" smtClean="0"/>
-              <a:t>20/3/2023</a:t>
+              <a:t>27/3/2023</a:t>
             </a:fld>
             <a:endParaRPr lang="en-AU"/>
           </a:p>
@@ -975,13 +1081,7 @@
       </p:sp>
       <p:sp>
         <p:nvSpPr>
-          <p:cNvPr id="5" name="Footer Placeholder 4">
-            <a:extLst>
-              <a:ext uri="{FF2B5EF4-FFF2-40B4-BE49-F238E27FC236}">
-                <a16:creationId xmlns:a16="http://schemas.microsoft.com/office/drawing/2014/main" id="{3471F1F6-ADEB-BFEE-57F4-BDE81C5F00B8}"/>
-              </a:ext>
-            </a:extLst>
-          </p:cNvPr>
+          <p:cNvPr id="5" name="Footer Placeholder 4"/>
           <p:cNvSpPr>
             <a:spLocks noGrp="1"/>
           </p:cNvSpPr>
@@ -1000,13 +1100,7 @@
       </p:sp>
       <p:sp>
         <p:nvSpPr>
-          <p:cNvPr id="6" name="Slide Number Placeholder 5">
-            <a:extLst>
-              <a:ext uri="{FF2B5EF4-FFF2-40B4-BE49-F238E27FC236}">
-                <a16:creationId xmlns:a16="http://schemas.microsoft.com/office/drawing/2014/main" id="{21F39C72-A2B5-4962-56CD-E6F082F33ED5}"/>
-              </a:ext>
-            </a:extLst>
-          </p:cNvPr>
+          <p:cNvPr id="6" name="Slide Number Placeholder 5"/>
           <p:cNvSpPr>
             <a:spLocks noGrp="1"/>
           </p:cNvSpPr>
@@ -1030,7 +1124,7 @@
     </p:spTree>
     <p:extLst>
       <p:ext uri="{BB962C8B-B14F-4D97-AF65-F5344CB8AC3E}">
-        <p14:creationId xmlns:p14="http://schemas.microsoft.com/office/powerpoint/2010/main" val="1511854994"/>
+        <p14:creationId xmlns:p14="http://schemas.microsoft.com/office/powerpoint/2010/main" val="1784137616"/>
       </p:ext>
     </p:extLst>
   </p:cSld>
@@ -1059,13 +1153,7 @@
       </p:grpSpPr>
       <p:sp>
         <p:nvSpPr>
-          <p:cNvPr id="2" name="Vertical Title 1">
-            <a:extLst>
-              <a:ext uri="{FF2B5EF4-FFF2-40B4-BE49-F238E27FC236}">
-                <a16:creationId xmlns:a16="http://schemas.microsoft.com/office/drawing/2014/main" id="{D40BBCE3-04AE-5CFD-AE6D-2E07085EFF14}"/>
-              </a:ext>
-            </a:extLst>
-          </p:cNvPr>
+          <p:cNvPr id="2" name="Vertical Title 1"/>
           <p:cNvSpPr>
             <a:spLocks noGrp="1"/>
           </p:cNvSpPr>
@@ -1075,8 +1163,8 @@
         </p:nvSpPr>
         <p:spPr>
           <a:xfrm>
-            <a:off x="8724900" y="365125"/>
-            <a:ext cx="2628900" cy="5811838"/>
+            <a:off x="5398532" y="389467"/>
+            <a:ext cx="1626632" cy="6199294"/>
           </a:xfrm>
         </p:spPr>
         <p:txBody>
@@ -1087,19 +1175,13 @@
               <a:rPr lang="en-US"/>
               <a:t>Click to edit Master title style</a:t>
             </a:r>
-            <a:endParaRPr lang="en-AU"/>
-          </a:p>
-        </p:txBody>
-      </p:sp>
-      <p:sp>
-        <p:nvSpPr>
-          <p:cNvPr id="3" name="Vertical Text Placeholder 2">
-            <a:extLst>
-              <a:ext uri="{FF2B5EF4-FFF2-40B4-BE49-F238E27FC236}">
-                <a16:creationId xmlns:a16="http://schemas.microsoft.com/office/drawing/2014/main" id="{8A372286-31CF-2443-D811-1A10BAD22FE9}"/>
-              </a:ext>
-            </a:extLst>
-          </p:cNvPr>
+            <a:endParaRPr lang="en-US" dirty="0"/>
+          </a:p>
+        </p:txBody>
+      </p:sp>
+      <p:sp>
+        <p:nvSpPr>
+          <p:cNvPr id="3" name="Vertical Text Placeholder 2"/>
           <p:cNvSpPr>
             <a:spLocks noGrp="1"/>
           </p:cNvSpPr>
@@ -1109,8 +1191,8 @@
         </p:nvSpPr>
         <p:spPr>
           <a:xfrm>
-            <a:off x="838200" y="365125"/>
-            <a:ext cx="7734300" cy="5811838"/>
+            <a:off x="518637" y="389467"/>
+            <a:ext cx="4785598" cy="6199294"/>
           </a:xfrm>
         </p:spPr>
         <p:txBody>
@@ -1150,19 +1232,13 @@
               <a:rPr lang="en-US"/>
               <a:t>Fifth level</a:t>
             </a:r>
-            <a:endParaRPr lang="en-AU"/>
-          </a:p>
-        </p:txBody>
-      </p:sp>
-      <p:sp>
-        <p:nvSpPr>
-          <p:cNvPr id="4" name="Date Placeholder 3">
-            <a:extLst>
-              <a:ext uri="{FF2B5EF4-FFF2-40B4-BE49-F238E27FC236}">
-                <a16:creationId xmlns:a16="http://schemas.microsoft.com/office/drawing/2014/main" id="{E56405A5-620D-F687-7E90-50CCB25A4D69}"/>
-              </a:ext>
-            </a:extLst>
-          </p:cNvPr>
+            <a:endParaRPr lang="en-US" dirty="0"/>
+          </a:p>
+        </p:txBody>
+      </p:sp>
+      <p:sp>
+        <p:nvSpPr>
+          <p:cNvPr id="4" name="Date Placeholder 3"/>
           <p:cNvSpPr>
             <a:spLocks noGrp="1"/>
           </p:cNvSpPr>
@@ -1177,7 +1253,7 @@
           <a:p>
             <a:fld id="{7F85437B-6C8A-A94E-A4EF-E530FD0AEE96}" type="datetimeFigureOut">
               <a:rPr lang="en-AU" smtClean="0"/>
-              <a:t>20/3/2023</a:t>
+              <a:t>27/3/2023</a:t>
             </a:fld>
             <a:endParaRPr lang="en-AU"/>
           </a:p>
@@ -1185,13 +1261,7 @@
       </p:sp>
       <p:sp>
         <p:nvSpPr>
-          <p:cNvPr id="5" name="Footer Placeholder 4">
-            <a:extLst>
-              <a:ext uri="{FF2B5EF4-FFF2-40B4-BE49-F238E27FC236}">
-                <a16:creationId xmlns:a16="http://schemas.microsoft.com/office/drawing/2014/main" id="{78A33E7A-7696-AD41-B573-5753050DB410}"/>
-              </a:ext>
-            </a:extLst>
-          </p:cNvPr>
+          <p:cNvPr id="5" name="Footer Placeholder 4"/>
           <p:cNvSpPr>
             <a:spLocks noGrp="1"/>
           </p:cNvSpPr>
@@ -1210,13 +1280,7 @@
       </p:sp>
       <p:sp>
         <p:nvSpPr>
-          <p:cNvPr id="6" name="Slide Number Placeholder 5">
-            <a:extLst>
-              <a:ext uri="{FF2B5EF4-FFF2-40B4-BE49-F238E27FC236}">
-                <a16:creationId xmlns:a16="http://schemas.microsoft.com/office/drawing/2014/main" id="{F9A99C8A-11CE-B98F-31A0-7FC59FEAA882}"/>
-              </a:ext>
-            </a:extLst>
-          </p:cNvPr>
+          <p:cNvPr id="6" name="Slide Number Placeholder 5"/>
           <p:cNvSpPr>
             <a:spLocks noGrp="1"/>
           </p:cNvSpPr>
@@ -1240,7 +1304,7 @@
     </p:spTree>
     <p:extLst>
       <p:ext uri="{BB962C8B-B14F-4D97-AF65-F5344CB8AC3E}">
-        <p14:creationId xmlns:p14="http://schemas.microsoft.com/office/powerpoint/2010/main" val="2068463962"/>
+        <p14:creationId xmlns:p14="http://schemas.microsoft.com/office/powerpoint/2010/main" val="2230404387"/>
       </p:ext>
     </p:extLst>
   </p:cSld>
@@ -1269,13 +1333,7 @@
       </p:grpSpPr>
       <p:sp>
         <p:nvSpPr>
-          <p:cNvPr id="2" name="Title 1">
-            <a:extLst>
-              <a:ext uri="{FF2B5EF4-FFF2-40B4-BE49-F238E27FC236}">
-                <a16:creationId xmlns:a16="http://schemas.microsoft.com/office/drawing/2014/main" id="{267E9FAD-840F-5AC5-2C9A-F6DD24C5AACD}"/>
-              </a:ext>
-            </a:extLst>
-          </p:cNvPr>
+          <p:cNvPr id="2" name="Title 1"/>
           <p:cNvSpPr>
             <a:spLocks noGrp="1"/>
           </p:cNvSpPr>
@@ -1292,19 +1350,13 @@
               <a:rPr lang="en-US"/>
               <a:t>Click to edit Master title style</a:t>
             </a:r>
-            <a:endParaRPr lang="en-AU"/>
-          </a:p>
-        </p:txBody>
-      </p:sp>
-      <p:sp>
-        <p:nvSpPr>
-          <p:cNvPr id="3" name="Content Placeholder 2">
-            <a:extLst>
-              <a:ext uri="{FF2B5EF4-FFF2-40B4-BE49-F238E27FC236}">
-                <a16:creationId xmlns:a16="http://schemas.microsoft.com/office/drawing/2014/main" id="{5B3AE93B-C9FC-3F2F-E63C-E61D3E24EB29}"/>
-              </a:ext>
-            </a:extLst>
-          </p:cNvPr>
+            <a:endParaRPr lang="en-US" dirty="0"/>
+          </a:p>
+        </p:txBody>
+      </p:sp>
+      <p:sp>
+        <p:nvSpPr>
+          <p:cNvPr id="3" name="Content Placeholder 2"/>
           <p:cNvSpPr>
             <a:spLocks noGrp="1"/>
           </p:cNvSpPr>
@@ -1350,19 +1402,13 @@
               <a:rPr lang="en-US"/>
               <a:t>Fifth level</a:t>
             </a:r>
-            <a:endParaRPr lang="en-AU"/>
-          </a:p>
-        </p:txBody>
-      </p:sp>
-      <p:sp>
-        <p:nvSpPr>
-          <p:cNvPr id="4" name="Date Placeholder 3">
-            <a:extLst>
-              <a:ext uri="{FF2B5EF4-FFF2-40B4-BE49-F238E27FC236}">
-                <a16:creationId xmlns:a16="http://schemas.microsoft.com/office/drawing/2014/main" id="{AC930EC4-983C-ADED-1C16-E478DD8434A2}"/>
-              </a:ext>
-            </a:extLst>
-          </p:cNvPr>
+            <a:endParaRPr lang="en-US" dirty="0"/>
+          </a:p>
+        </p:txBody>
+      </p:sp>
+      <p:sp>
+        <p:nvSpPr>
+          <p:cNvPr id="4" name="Date Placeholder 3"/>
           <p:cNvSpPr>
             <a:spLocks noGrp="1"/>
           </p:cNvSpPr>
@@ -1377,7 +1423,7 @@
           <a:p>
             <a:fld id="{7F85437B-6C8A-A94E-A4EF-E530FD0AEE96}" type="datetimeFigureOut">
               <a:rPr lang="en-AU" smtClean="0"/>
-              <a:t>20/3/2023</a:t>
+              <a:t>27/3/2023</a:t>
             </a:fld>
             <a:endParaRPr lang="en-AU"/>
           </a:p>
@@ -1385,13 +1431,7 @@
       </p:sp>
       <p:sp>
         <p:nvSpPr>
-          <p:cNvPr id="5" name="Footer Placeholder 4">
-            <a:extLst>
-              <a:ext uri="{FF2B5EF4-FFF2-40B4-BE49-F238E27FC236}">
-                <a16:creationId xmlns:a16="http://schemas.microsoft.com/office/drawing/2014/main" id="{960B42CE-B321-79C2-D916-E59B6CA07F0C}"/>
-              </a:ext>
-            </a:extLst>
-          </p:cNvPr>
+          <p:cNvPr id="5" name="Footer Placeholder 4"/>
           <p:cNvSpPr>
             <a:spLocks noGrp="1"/>
           </p:cNvSpPr>
@@ -1410,13 +1450,7 @@
       </p:sp>
       <p:sp>
         <p:nvSpPr>
-          <p:cNvPr id="6" name="Slide Number Placeholder 5">
-            <a:extLst>
-              <a:ext uri="{FF2B5EF4-FFF2-40B4-BE49-F238E27FC236}">
-                <a16:creationId xmlns:a16="http://schemas.microsoft.com/office/drawing/2014/main" id="{9BA6AE6F-B746-365A-B5DB-05B87DE9BEE9}"/>
-              </a:ext>
-            </a:extLst>
-          </p:cNvPr>
+          <p:cNvPr id="6" name="Slide Number Placeholder 5"/>
           <p:cNvSpPr>
             <a:spLocks noGrp="1"/>
           </p:cNvSpPr>
@@ -1440,7 +1474,7 @@
     </p:spTree>
     <p:extLst>
       <p:ext uri="{BB962C8B-B14F-4D97-AF65-F5344CB8AC3E}">
-        <p14:creationId xmlns:p14="http://schemas.microsoft.com/office/powerpoint/2010/main" val="2474743459"/>
+        <p14:creationId xmlns:p14="http://schemas.microsoft.com/office/powerpoint/2010/main" val="2587166904"/>
       </p:ext>
     </p:extLst>
   </p:cSld>
@@ -1469,13 +1503,7 @@
       </p:grpSpPr>
       <p:sp>
         <p:nvSpPr>
-          <p:cNvPr id="2" name="Title 1">
-            <a:extLst>
-              <a:ext uri="{FF2B5EF4-FFF2-40B4-BE49-F238E27FC236}">
-                <a16:creationId xmlns:a16="http://schemas.microsoft.com/office/drawing/2014/main" id="{1F065531-FBF6-2770-4182-F79475E77447}"/>
-              </a:ext>
-            </a:extLst>
-          </p:cNvPr>
+          <p:cNvPr id="2" name="Title 1"/>
           <p:cNvSpPr>
             <a:spLocks noGrp="1"/>
           </p:cNvSpPr>
@@ -1485,15 +1513,15 @@
         </p:nvSpPr>
         <p:spPr>
           <a:xfrm>
-            <a:off x="831850" y="1709738"/>
-            <a:ext cx="10515600" cy="2852737"/>
+            <a:off x="514707" y="1823722"/>
+            <a:ext cx="6506528" cy="3042919"/>
           </a:xfrm>
         </p:spPr>
         <p:txBody>
           <a:bodyPr anchor="b"/>
           <a:lstStyle>
             <a:lvl1pPr>
-              <a:defRPr sz="6000"/>
+              <a:defRPr sz="4950"/>
             </a:lvl1pPr>
           </a:lstStyle>
           <a:p>
@@ -1501,19 +1529,13 @@
               <a:rPr lang="en-US"/>
               <a:t>Click to edit Master title style</a:t>
             </a:r>
-            <a:endParaRPr lang="en-AU"/>
-          </a:p>
-        </p:txBody>
-      </p:sp>
-      <p:sp>
-        <p:nvSpPr>
-          <p:cNvPr id="3" name="Text Placeholder 2">
-            <a:extLst>
-              <a:ext uri="{FF2B5EF4-FFF2-40B4-BE49-F238E27FC236}">
-                <a16:creationId xmlns:a16="http://schemas.microsoft.com/office/drawing/2014/main" id="{A4FE361F-18B5-ADD7-FD83-7A2306AEEF2E}"/>
-              </a:ext>
-            </a:extLst>
-          </p:cNvPr>
+            <a:endParaRPr lang="en-US" dirty="0"/>
+          </a:p>
+        </p:txBody>
+      </p:sp>
+      <p:sp>
+        <p:nvSpPr>
+          <p:cNvPr id="3" name="Text Placeholder 2"/>
           <p:cNvSpPr>
             <a:spLocks noGrp="1"/>
           </p:cNvSpPr>
@@ -1523,8 +1545,8 @@
         </p:nvSpPr>
         <p:spPr>
           <a:xfrm>
-            <a:off x="831850" y="4589463"/>
-            <a:ext cx="10515600" cy="1500187"/>
+            <a:off x="514707" y="4895429"/>
+            <a:ext cx="6506528" cy="1600199"/>
           </a:xfrm>
         </p:spPr>
         <p:txBody>
@@ -1532,17 +1554,15 @@
           <a:lstStyle>
             <a:lvl1pPr marL="0" indent="0">
               <a:buNone/>
-              <a:defRPr sz="2400">
+              <a:defRPr sz="1980">
                 <a:solidFill>
-                  <a:schemeClr val="tx1">
-                    <a:tint val="75000"/>
-                  </a:schemeClr>
+                  <a:schemeClr val="tx1"/>
                 </a:solidFill>
               </a:defRPr>
             </a:lvl1pPr>
-            <a:lvl2pPr marL="457200" indent="0">
+            <a:lvl2pPr marL="377190" indent="0">
               <a:buNone/>
-              <a:defRPr sz="2000">
+              <a:defRPr sz="1650">
                 <a:solidFill>
                   <a:schemeClr val="tx1">
                     <a:tint val="75000"/>
@@ -1550,9 +1570,9 @@
                 </a:solidFill>
               </a:defRPr>
             </a:lvl2pPr>
-            <a:lvl3pPr marL="914400" indent="0">
+            <a:lvl3pPr marL="754380" indent="0">
               <a:buNone/>
-              <a:defRPr sz="1800">
+              <a:defRPr sz="1485">
                 <a:solidFill>
                   <a:schemeClr val="tx1">
                     <a:tint val="75000"/>
@@ -1560,9 +1580,9 @@
                 </a:solidFill>
               </a:defRPr>
             </a:lvl3pPr>
-            <a:lvl4pPr marL="1371600" indent="0">
+            <a:lvl4pPr marL="1131570" indent="0">
               <a:buNone/>
-              <a:defRPr sz="1600">
+              <a:defRPr sz="1320">
                 <a:solidFill>
                   <a:schemeClr val="tx1">
                     <a:tint val="75000"/>
@@ -1570,9 +1590,9 @@
                 </a:solidFill>
               </a:defRPr>
             </a:lvl4pPr>
-            <a:lvl5pPr marL="1828800" indent="0">
+            <a:lvl5pPr marL="1508760" indent="0">
               <a:buNone/>
-              <a:defRPr sz="1600">
+              <a:defRPr sz="1320">
                 <a:solidFill>
                   <a:schemeClr val="tx1">
                     <a:tint val="75000"/>
@@ -1580,9 +1600,9 @@
                 </a:solidFill>
               </a:defRPr>
             </a:lvl5pPr>
-            <a:lvl6pPr marL="2286000" indent="0">
+            <a:lvl6pPr marL="1885950" indent="0">
               <a:buNone/>
-              <a:defRPr sz="1600">
+              <a:defRPr sz="1320">
                 <a:solidFill>
                   <a:schemeClr val="tx1">
                     <a:tint val="75000"/>
@@ -1590,9 +1610,9 @@
                 </a:solidFill>
               </a:defRPr>
             </a:lvl6pPr>
-            <a:lvl7pPr marL="2743200" indent="0">
+            <a:lvl7pPr marL="2263140" indent="0">
               <a:buNone/>
-              <a:defRPr sz="1600">
+              <a:defRPr sz="1320">
                 <a:solidFill>
                   <a:schemeClr val="tx1">
                     <a:tint val="75000"/>
@@ -1600,9 +1620,9 @@
                 </a:solidFill>
               </a:defRPr>
             </a:lvl7pPr>
-            <a:lvl8pPr marL="3200400" indent="0">
+            <a:lvl8pPr marL="2640330" indent="0">
               <a:buNone/>
-              <a:defRPr sz="1600">
+              <a:defRPr sz="1320">
                 <a:solidFill>
                   <a:schemeClr val="tx1">
                     <a:tint val="75000"/>
@@ -1610,9 +1630,9 @@
                 </a:solidFill>
               </a:defRPr>
             </a:lvl8pPr>
-            <a:lvl9pPr marL="3657600" indent="0">
+            <a:lvl9pPr marL="3017520" indent="0">
               <a:buNone/>
-              <a:defRPr sz="1600">
+              <a:defRPr sz="1320">
                 <a:solidFill>
                   <a:schemeClr val="tx1">
                     <a:tint val="75000"/>
@@ -1632,13 +1652,7 @@
       </p:sp>
       <p:sp>
         <p:nvSpPr>
-          <p:cNvPr id="4" name="Date Placeholder 3">
-            <a:extLst>
-              <a:ext uri="{FF2B5EF4-FFF2-40B4-BE49-F238E27FC236}">
-                <a16:creationId xmlns:a16="http://schemas.microsoft.com/office/drawing/2014/main" id="{BD0B5065-F450-4E5E-A095-77503BD14B3D}"/>
-              </a:ext>
-            </a:extLst>
-          </p:cNvPr>
+          <p:cNvPr id="4" name="Date Placeholder 3"/>
           <p:cNvSpPr>
             <a:spLocks noGrp="1"/>
           </p:cNvSpPr>
@@ -1653,7 +1667,7 @@
           <a:p>
             <a:fld id="{7F85437B-6C8A-A94E-A4EF-E530FD0AEE96}" type="datetimeFigureOut">
               <a:rPr lang="en-AU" smtClean="0"/>
-              <a:t>20/3/2023</a:t>
+              <a:t>27/3/2023</a:t>
             </a:fld>
             <a:endParaRPr lang="en-AU"/>
           </a:p>
@@ -1661,13 +1675,7 @@
       </p:sp>
       <p:sp>
         <p:nvSpPr>
-          <p:cNvPr id="5" name="Footer Placeholder 4">
-            <a:extLst>
-              <a:ext uri="{FF2B5EF4-FFF2-40B4-BE49-F238E27FC236}">
-                <a16:creationId xmlns:a16="http://schemas.microsoft.com/office/drawing/2014/main" id="{9496FD53-0133-2769-1AF9-FED237C9BDBC}"/>
-              </a:ext>
-            </a:extLst>
-          </p:cNvPr>
+          <p:cNvPr id="5" name="Footer Placeholder 4"/>
           <p:cNvSpPr>
             <a:spLocks noGrp="1"/>
           </p:cNvSpPr>
@@ -1686,13 +1694,7 @@
       </p:sp>
       <p:sp>
         <p:nvSpPr>
-          <p:cNvPr id="6" name="Slide Number Placeholder 5">
-            <a:extLst>
-              <a:ext uri="{FF2B5EF4-FFF2-40B4-BE49-F238E27FC236}">
-                <a16:creationId xmlns:a16="http://schemas.microsoft.com/office/drawing/2014/main" id="{260048BA-CB84-7AB8-5A4B-2E3351BD5F1F}"/>
-              </a:ext>
-            </a:extLst>
-          </p:cNvPr>
+          <p:cNvPr id="6" name="Slide Number Placeholder 5"/>
           <p:cNvSpPr>
             <a:spLocks noGrp="1"/>
           </p:cNvSpPr>
@@ -1716,7 +1718,7 @@
     </p:spTree>
     <p:extLst>
       <p:ext uri="{BB962C8B-B14F-4D97-AF65-F5344CB8AC3E}">
-        <p14:creationId xmlns:p14="http://schemas.microsoft.com/office/powerpoint/2010/main" val="1331918225"/>
+        <p14:creationId xmlns:p14="http://schemas.microsoft.com/office/powerpoint/2010/main" val="4000672043"/>
       </p:ext>
     </p:extLst>
   </p:cSld>
@@ -1745,13 +1747,7 @@
       </p:grpSpPr>
       <p:sp>
         <p:nvSpPr>
-          <p:cNvPr id="2" name="Title 1">
-            <a:extLst>
-              <a:ext uri="{FF2B5EF4-FFF2-40B4-BE49-F238E27FC236}">
-                <a16:creationId xmlns:a16="http://schemas.microsoft.com/office/drawing/2014/main" id="{B9648C68-BB8F-2B1B-CC05-F7829D89F489}"/>
-              </a:ext>
-            </a:extLst>
-          </p:cNvPr>
+          <p:cNvPr id="2" name="Title 1"/>
           <p:cNvSpPr>
             <a:spLocks noGrp="1"/>
           </p:cNvSpPr>
@@ -1768,19 +1764,13 @@
               <a:rPr lang="en-US"/>
               <a:t>Click to edit Master title style</a:t>
             </a:r>
-            <a:endParaRPr lang="en-AU"/>
-          </a:p>
-        </p:txBody>
-      </p:sp>
-      <p:sp>
-        <p:nvSpPr>
-          <p:cNvPr id="3" name="Content Placeholder 2">
-            <a:extLst>
-              <a:ext uri="{FF2B5EF4-FFF2-40B4-BE49-F238E27FC236}">
-                <a16:creationId xmlns:a16="http://schemas.microsoft.com/office/drawing/2014/main" id="{D64AF545-3C12-7700-75BB-A4074F6F3D0A}"/>
-              </a:ext>
-            </a:extLst>
-          </p:cNvPr>
+            <a:endParaRPr lang="en-US" dirty="0"/>
+          </a:p>
+        </p:txBody>
+      </p:sp>
+      <p:sp>
+        <p:nvSpPr>
+          <p:cNvPr id="3" name="Content Placeholder 2"/>
           <p:cNvSpPr>
             <a:spLocks noGrp="1"/>
           </p:cNvSpPr>
@@ -1790,8 +1780,8 @@
         </p:nvSpPr>
         <p:spPr>
           <a:xfrm>
-            <a:off x="838200" y="1825625"/>
-            <a:ext cx="5181600" cy="4351338"/>
+            <a:off x="518636" y="1947333"/>
+            <a:ext cx="3206115" cy="4641427"/>
           </a:xfrm>
         </p:spPr>
         <p:txBody>
@@ -1831,19 +1821,13 @@
               <a:rPr lang="en-US"/>
               <a:t>Fifth level</a:t>
             </a:r>
-            <a:endParaRPr lang="en-AU"/>
-          </a:p>
-        </p:txBody>
-      </p:sp>
-      <p:sp>
-        <p:nvSpPr>
-          <p:cNvPr id="4" name="Content Placeholder 3">
-            <a:extLst>
-              <a:ext uri="{FF2B5EF4-FFF2-40B4-BE49-F238E27FC236}">
-                <a16:creationId xmlns:a16="http://schemas.microsoft.com/office/drawing/2014/main" id="{8A1275C5-E592-A0EC-155F-C0EDBE8BD05E}"/>
-              </a:ext>
-            </a:extLst>
-          </p:cNvPr>
+            <a:endParaRPr lang="en-US" dirty="0"/>
+          </a:p>
+        </p:txBody>
+      </p:sp>
+      <p:sp>
+        <p:nvSpPr>
+          <p:cNvPr id="4" name="Content Placeholder 3"/>
           <p:cNvSpPr>
             <a:spLocks noGrp="1"/>
           </p:cNvSpPr>
@@ -1853,8 +1837,8 @@
         </p:nvSpPr>
         <p:spPr>
           <a:xfrm>
-            <a:off x="6172200" y="1825625"/>
-            <a:ext cx="5181600" cy="4351338"/>
+            <a:off x="3819049" y="1947333"/>
+            <a:ext cx="3206115" cy="4641427"/>
           </a:xfrm>
         </p:spPr>
         <p:txBody>
@@ -1894,19 +1878,13 @@
               <a:rPr lang="en-US"/>
               <a:t>Fifth level</a:t>
             </a:r>
-            <a:endParaRPr lang="en-AU"/>
-          </a:p>
-        </p:txBody>
-      </p:sp>
-      <p:sp>
-        <p:nvSpPr>
-          <p:cNvPr id="5" name="Date Placeholder 4">
-            <a:extLst>
-              <a:ext uri="{FF2B5EF4-FFF2-40B4-BE49-F238E27FC236}">
-                <a16:creationId xmlns:a16="http://schemas.microsoft.com/office/drawing/2014/main" id="{108F9CC7-6CB5-4D36-D442-CFE4676AD693}"/>
-              </a:ext>
-            </a:extLst>
-          </p:cNvPr>
+            <a:endParaRPr lang="en-US" dirty="0"/>
+          </a:p>
+        </p:txBody>
+      </p:sp>
+      <p:sp>
+        <p:nvSpPr>
+          <p:cNvPr id="5" name="Date Placeholder 4"/>
           <p:cNvSpPr>
             <a:spLocks noGrp="1"/>
           </p:cNvSpPr>
@@ -1921,7 +1899,7 @@
           <a:p>
             <a:fld id="{7F85437B-6C8A-A94E-A4EF-E530FD0AEE96}" type="datetimeFigureOut">
               <a:rPr lang="en-AU" smtClean="0"/>
-              <a:t>20/3/2023</a:t>
+              <a:t>27/3/2023</a:t>
             </a:fld>
             <a:endParaRPr lang="en-AU"/>
           </a:p>
@@ -1929,13 +1907,7 @@
       </p:sp>
       <p:sp>
         <p:nvSpPr>
-          <p:cNvPr id="6" name="Footer Placeholder 5">
-            <a:extLst>
-              <a:ext uri="{FF2B5EF4-FFF2-40B4-BE49-F238E27FC236}">
-                <a16:creationId xmlns:a16="http://schemas.microsoft.com/office/drawing/2014/main" id="{5BF0DDC5-F014-221B-EF8B-A7B321181F60}"/>
-              </a:ext>
-            </a:extLst>
-          </p:cNvPr>
+          <p:cNvPr id="6" name="Footer Placeholder 5"/>
           <p:cNvSpPr>
             <a:spLocks noGrp="1"/>
           </p:cNvSpPr>
@@ -1954,13 +1926,7 @@
       </p:sp>
       <p:sp>
         <p:nvSpPr>
-          <p:cNvPr id="7" name="Slide Number Placeholder 6">
-            <a:extLst>
-              <a:ext uri="{FF2B5EF4-FFF2-40B4-BE49-F238E27FC236}">
-                <a16:creationId xmlns:a16="http://schemas.microsoft.com/office/drawing/2014/main" id="{9E645E1C-A056-A08E-40DC-A81475E204E3}"/>
-              </a:ext>
-            </a:extLst>
-          </p:cNvPr>
+          <p:cNvPr id="7" name="Slide Number Placeholder 6"/>
           <p:cNvSpPr>
             <a:spLocks noGrp="1"/>
           </p:cNvSpPr>
@@ -1984,7 +1950,7 @@
     </p:spTree>
     <p:extLst>
       <p:ext uri="{BB962C8B-B14F-4D97-AF65-F5344CB8AC3E}">
-        <p14:creationId xmlns:p14="http://schemas.microsoft.com/office/powerpoint/2010/main" val="3661586492"/>
+        <p14:creationId xmlns:p14="http://schemas.microsoft.com/office/powerpoint/2010/main" val="3749833555"/>
       </p:ext>
     </p:extLst>
   </p:cSld>
@@ -2013,13 +1979,7 @@
       </p:grpSpPr>
       <p:sp>
         <p:nvSpPr>
-          <p:cNvPr id="2" name="Title 1">
-            <a:extLst>
-              <a:ext uri="{FF2B5EF4-FFF2-40B4-BE49-F238E27FC236}">
-                <a16:creationId xmlns:a16="http://schemas.microsoft.com/office/drawing/2014/main" id="{E595C1B0-5D1D-8B26-C7C7-62F4FD12A3E5}"/>
-              </a:ext>
-            </a:extLst>
-          </p:cNvPr>
+          <p:cNvPr id="2" name="Title 1"/>
           <p:cNvSpPr>
             <a:spLocks noGrp="1"/>
           </p:cNvSpPr>
@@ -2029,8 +1989,8 @@
         </p:nvSpPr>
         <p:spPr>
           <a:xfrm>
-            <a:off x="839788" y="365125"/>
-            <a:ext cx="10515600" cy="1325563"/>
+            <a:off x="519619" y="389468"/>
+            <a:ext cx="6506528" cy="1413934"/>
           </a:xfrm>
         </p:spPr>
         <p:txBody>
@@ -2041,19 +2001,13 @@
               <a:rPr lang="en-US"/>
               <a:t>Click to edit Master title style</a:t>
             </a:r>
-            <a:endParaRPr lang="en-AU"/>
-          </a:p>
-        </p:txBody>
-      </p:sp>
-      <p:sp>
-        <p:nvSpPr>
-          <p:cNvPr id="3" name="Text Placeholder 2">
-            <a:extLst>
-              <a:ext uri="{FF2B5EF4-FFF2-40B4-BE49-F238E27FC236}">
-                <a16:creationId xmlns:a16="http://schemas.microsoft.com/office/drawing/2014/main" id="{A73A02BC-6304-9920-9FAA-2AB6C68DF015}"/>
-              </a:ext>
-            </a:extLst>
-          </p:cNvPr>
+            <a:endParaRPr lang="en-US" dirty="0"/>
+          </a:p>
+        </p:txBody>
+      </p:sp>
+      <p:sp>
+        <p:nvSpPr>
+          <p:cNvPr id="3" name="Text Placeholder 2"/>
           <p:cNvSpPr>
             <a:spLocks noGrp="1"/>
           </p:cNvSpPr>
@@ -2063,8 +2017,8 @@
         </p:nvSpPr>
         <p:spPr>
           <a:xfrm>
-            <a:off x="839788" y="1681163"/>
-            <a:ext cx="5157787" cy="823912"/>
+            <a:off x="519619" y="1793241"/>
+            <a:ext cx="3191381" cy="878839"/>
           </a:xfrm>
         </p:spPr>
         <p:txBody>
@@ -2072,39 +2026,39 @@
           <a:lstStyle>
             <a:lvl1pPr marL="0" indent="0">
               <a:buNone/>
-              <a:defRPr sz="2400" b="1"/>
+              <a:defRPr sz="1980" b="1"/>
             </a:lvl1pPr>
-            <a:lvl2pPr marL="457200" indent="0">
+            <a:lvl2pPr marL="377190" indent="0">
               <a:buNone/>
-              <a:defRPr sz="2000" b="1"/>
+              <a:defRPr sz="1650" b="1"/>
             </a:lvl2pPr>
-            <a:lvl3pPr marL="914400" indent="0">
+            <a:lvl3pPr marL="754380" indent="0">
               <a:buNone/>
-              <a:defRPr sz="1800" b="1"/>
+              <a:defRPr sz="1485" b="1"/>
             </a:lvl3pPr>
-            <a:lvl4pPr marL="1371600" indent="0">
+            <a:lvl4pPr marL="1131570" indent="0">
               <a:buNone/>
-              <a:defRPr sz="1600" b="1"/>
+              <a:defRPr sz="1320" b="1"/>
             </a:lvl4pPr>
-            <a:lvl5pPr marL="1828800" indent="0">
+            <a:lvl5pPr marL="1508760" indent="0">
               <a:buNone/>
-              <a:defRPr sz="1600" b="1"/>
+              <a:defRPr sz="1320" b="1"/>
             </a:lvl5pPr>
-            <a:lvl6pPr marL="2286000" indent="0">
+            <a:lvl6pPr marL="1885950" indent="0">
               <a:buNone/>
-              <a:defRPr sz="1600" b="1"/>
+              <a:defRPr sz="1320" b="1"/>
             </a:lvl6pPr>
-            <a:lvl7pPr marL="2743200" indent="0">
+            <a:lvl7pPr marL="2263140" indent="0">
               <a:buNone/>
-              <a:defRPr sz="1600" b="1"/>
+              <a:defRPr sz="1320" b="1"/>
             </a:lvl7pPr>
-            <a:lvl8pPr marL="3200400" indent="0">
+            <a:lvl8pPr marL="2640330" indent="0">
               <a:buNone/>
-              <a:defRPr sz="1600" b="1"/>
+              <a:defRPr sz="1320" b="1"/>
             </a:lvl8pPr>
-            <a:lvl9pPr marL="3657600" indent="0">
+            <a:lvl9pPr marL="3017520" indent="0">
               <a:buNone/>
-              <a:defRPr sz="1600" b="1"/>
+              <a:defRPr sz="1320" b="1"/>
             </a:lvl9pPr>
           </a:lstStyle>
           <a:p>
@@ -2118,13 +2072,7 @@
       </p:sp>
       <p:sp>
         <p:nvSpPr>
-          <p:cNvPr id="4" name="Content Placeholder 3">
-            <a:extLst>
-              <a:ext uri="{FF2B5EF4-FFF2-40B4-BE49-F238E27FC236}">
-                <a16:creationId xmlns:a16="http://schemas.microsoft.com/office/drawing/2014/main" id="{695A067B-4CAD-E39C-B461-9627C004F653}"/>
-              </a:ext>
-            </a:extLst>
-          </p:cNvPr>
+          <p:cNvPr id="4" name="Content Placeholder 3"/>
           <p:cNvSpPr>
             <a:spLocks noGrp="1"/>
           </p:cNvSpPr>
@@ -2134,8 +2082,8 @@
         </p:nvSpPr>
         <p:spPr>
           <a:xfrm>
-            <a:off x="839788" y="2505075"/>
-            <a:ext cx="5157787" cy="3684588"/>
+            <a:off x="519619" y="2672080"/>
+            <a:ext cx="3191381" cy="3930227"/>
           </a:xfrm>
         </p:spPr>
         <p:txBody>
@@ -2175,19 +2123,13 @@
               <a:rPr lang="en-US"/>
               <a:t>Fifth level</a:t>
             </a:r>
-            <a:endParaRPr lang="en-AU"/>
-          </a:p>
-        </p:txBody>
-      </p:sp>
-      <p:sp>
-        <p:nvSpPr>
-          <p:cNvPr id="5" name="Text Placeholder 4">
-            <a:extLst>
-              <a:ext uri="{FF2B5EF4-FFF2-40B4-BE49-F238E27FC236}">
-                <a16:creationId xmlns:a16="http://schemas.microsoft.com/office/drawing/2014/main" id="{88A9C533-E6D9-A770-83C1-C6336267536C}"/>
-              </a:ext>
-            </a:extLst>
-          </p:cNvPr>
+            <a:endParaRPr lang="en-US" dirty="0"/>
+          </a:p>
+        </p:txBody>
+      </p:sp>
+      <p:sp>
+        <p:nvSpPr>
+          <p:cNvPr id="5" name="Text Placeholder 4"/>
           <p:cNvSpPr>
             <a:spLocks noGrp="1"/>
           </p:cNvSpPr>
@@ -2197,8 +2139,8 @@
         </p:nvSpPr>
         <p:spPr>
           <a:xfrm>
-            <a:off x="6172200" y="1681163"/>
-            <a:ext cx="5183188" cy="823912"/>
+            <a:off x="3819049" y="1793241"/>
+            <a:ext cx="3207098" cy="878839"/>
           </a:xfrm>
         </p:spPr>
         <p:txBody>
@@ -2206,39 +2148,39 @@
           <a:lstStyle>
             <a:lvl1pPr marL="0" indent="0">
               <a:buNone/>
-              <a:defRPr sz="2400" b="1"/>
+              <a:defRPr sz="1980" b="1"/>
             </a:lvl1pPr>
-            <a:lvl2pPr marL="457200" indent="0">
+            <a:lvl2pPr marL="377190" indent="0">
               <a:buNone/>
-              <a:defRPr sz="2000" b="1"/>
+              <a:defRPr sz="1650" b="1"/>
             </a:lvl2pPr>
-            <a:lvl3pPr marL="914400" indent="0">
+            <a:lvl3pPr marL="754380" indent="0">
               <a:buNone/>
-              <a:defRPr sz="1800" b="1"/>
+              <a:defRPr sz="1485" b="1"/>
             </a:lvl3pPr>
-            <a:lvl4pPr marL="1371600" indent="0">
+            <a:lvl4pPr marL="1131570" indent="0">
               <a:buNone/>
-              <a:defRPr sz="1600" b="1"/>
+              <a:defRPr sz="1320" b="1"/>
             </a:lvl4pPr>
-            <a:lvl5pPr marL="1828800" indent="0">
+            <a:lvl5pPr marL="1508760" indent="0">
               <a:buNone/>
-              <a:defRPr sz="1600" b="1"/>
+              <a:defRPr sz="1320" b="1"/>
             </a:lvl5pPr>
-            <a:lvl6pPr marL="2286000" indent="0">
+            <a:lvl6pPr marL="1885950" indent="0">
               <a:buNone/>
-              <a:defRPr sz="1600" b="1"/>
+              <a:defRPr sz="1320" b="1"/>
             </a:lvl6pPr>
-            <a:lvl7pPr marL="2743200" indent="0">
+            <a:lvl7pPr marL="2263140" indent="0">
               <a:buNone/>
-              <a:defRPr sz="1600" b="1"/>
+              <a:defRPr sz="1320" b="1"/>
             </a:lvl7pPr>
-            <a:lvl8pPr marL="3200400" indent="0">
+            <a:lvl8pPr marL="2640330" indent="0">
               <a:buNone/>
-              <a:defRPr sz="1600" b="1"/>
+              <a:defRPr sz="1320" b="1"/>
             </a:lvl8pPr>
-            <a:lvl9pPr marL="3657600" indent="0">
+            <a:lvl9pPr marL="3017520" indent="0">
               <a:buNone/>
-              <a:defRPr sz="1600" b="1"/>
+              <a:defRPr sz="1320" b="1"/>
             </a:lvl9pPr>
           </a:lstStyle>
           <a:p>
@@ -2252,13 +2194,7 @@
       </p:sp>
       <p:sp>
         <p:nvSpPr>
-          <p:cNvPr id="6" name="Content Placeholder 5">
-            <a:extLst>
-              <a:ext uri="{FF2B5EF4-FFF2-40B4-BE49-F238E27FC236}">
-                <a16:creationId xmlns:a16="http://schemas.microsoft.com/office/drawing/2014/main" id="{59D0CCF5-AA40-F1AE-B18C-5C9C3DE4E982}"/>
-              </a:ext>
-            </a:extLst>
-          </p:cNvPr>
+          <p:cNvPr id="6" name="Content Placeholder 5"/>
           <p:cNvSpPr>
             <a:spLocks noGrp="1"/>
           </p:cNvSpPr>
@@ -2268,8 +2204,8 @@
         </p:nvSpPr>
         <p:spPr>
           <a:xfrm>
-            <a:off x="6172200" y="2505075"/>
-            <a:ext cx="5183188" cy="3684588"/>
+            <a:off x="3819049" y="2672080"/>
+            <a:ext cx="3207098" cy="3930227"/>
           </a:xfrm>
         </p:spPr>
         <p:txBody>
@@ -2309,19 +2245,13 @@
               <a:rPr lang="en-US"/>
               <a:t>Fifth level</a:t>
             </a:r>
-            <a:endParaRPr lang="en-AU"/>
-          </a:p>
-        </p:txBody>
-      </p:sp>
-      <p:sp>
-        <p:nvSpPr>
-          <p:cNvPr id="7" name="Date Placeholder 6">
-            <a:extLst>
-              <a:ext uri="{FF2B5EF4-FFF2-40B4-BE49-F238E27FC236}">
-                <a16:creationId xmlns:a16="http://schemas.microsoft.com/office/drawing/2014/main" id="{7C206E50-7B7C-D024-0BD7-EA30708B61AA}"/>
-              </a:ext>
-            </a:extLst>
-          </p:cNvPr>
+            <a:endParaRPr lang="en-US" dirty="0"/>
+          </a:p>
+        </p:txBody>
+      </p:sp>
+      <p:sp>
+        <p:nvSpPr>
+          <p:cNvPr id="7" name="Date Placeholder 6"/>
           <p:cNvSpPr>
             <a:spLocks noGrp="1"/>
           </p:cNvSpPr>
@@ -2336,7 +2266,7 @@
           <a:p>
             <a:fld id="{7F85437B-6C8A-A94E-A4EF-E530FD0AEE96}" type="datetimeFigureOut">
               <a:rPr lang="en-AU" smtClean="0"/>
-              <a:t>20/3/2023</a:t>
+              <a:t>27/3/2023</a:t>
             </a:fld>
             <a:endParaRPr lang="en-AU"/>
           </a:p>
@@ -2344,13 +2274,7 @@
       </p:sp>
       <p:sp>
         <p:nvSpPr>
-          <p:cNvPr id="8" name="Footer Placeholder 7">
-            <a:extLst>
-              <a:ext uri="{FF2B5EF4-FFF2-40B4-BE49-F238E27FC236}">
-                <a16:creationId xmlns:a16="http://schemas.microsoft.com/office/drawing/2014/main" id="{87FF44CF-B7B4-C0CC-7287-F257A0DB6F74}"/>
-              </a:ext>
-            </a:extLst>
-          </p:cNvPr>
+          <p:cNvPr id="8" name="Footer Placeholder 7"/>
           <p:cNvSpPr>
             <a:spLocks noGrp="1"/>
           </p:cNvSpPr>
@@ -2369,13 +2293,7 @@
       </p:sp>
       <p:sp>
         <p:nvSpPr>
-          <p:cNvPr id="9" name="Slide Number Placeholder 8">
-            <a:extLst>
-              <a:ext uri="{FF2B5EF4-FFF2-40B4-BE49-F238E27FC236}">
-                <a16:creationId xmlns:a16="http://schemas.microsoft.com/office/drawing/2014/main" id="{59B20F39-A61E-C8D2-02A8-19E111ABAD5D}"/>
-              </a:ext>
-            </a:extLst>
-          </p:cNvPr>
+          <p:cNvPr id="9" name="Slide Number Placeholder 8"/>
           <p:cNvSpPr>
             <a:spLocks noGrp="1"/>
           </p:cNvSpPr>
@@ -2399,7 +2317,7 @@
     </p:spTree>
     <p:extLst>
       <p:ext uri="{BB962C8B-B14F-4D97-AF65-F5344CB8AC3E}">
-        <p14:creationId xmlns:p14="http://schemas.microsoft.com/office/powerpoint/2010/main" val="1731601601"/>
+        <p14:creationId xmlns:p14="http://schemas.microsoft.com/office/powerpoint/2010/main" val="3034507819"/>
       </p:ext>
     </p:extLst>
   </p:cSld>
@@ -2428,13 +2346,7 @@
       </p:grpSpPr>
       <p:sp>
         <p:nvSpPr>
-          <p:cNvPr id="2" name="Title 1">
-            <a:extLst>
-              <a:ext uri="{FF2B5EF4-FFF2-40B4-BE49-F238E27FC236}">
-                <a16:creationId xmlns:a16="http://schemas.microsoft.com/office/drawing/2014/main" id="{F61D1AAA-F346-D04D-954A-6C27BA8EB09D}"/>
-              </a:ext>
-            </a:extLst>
-          </p:cNvPr>
+          <p:cNvPr id="2" name="Title 1"/>
           <p:cNvSpPr>
             <a:spLocks noGrp="1"/>
           </p:cNvSpPr>
@@ -2451,19 +2363,13 @@
               <a:rPr lang="en-US"/>
               <a:t>Click to edit Master title style</a:t>
             </a:r>
-            <a:endParaRPr lang="en-AU"/>
-          </a:p>
-        </p:txBody>
-      </p:sp>
-      <p:sp>
-        <p:nvSpPr>
-          <p:cNvPr id="3" name="Date Placeholder 2">
-            <a:extLst>
-              <a:ext uri="{FF2B5EF4-FFF2-40B4-BE49-F238E27FC236}">
-                <a16:creationId xmlns:a16="http://schemas.microsoft.com/office/drawing/2014/main" id="{537249FF-3606-EAE4-10FC-FF67CD9FEC56}"/>
-              </a:ext>
-            </a:extLst>
-          </p:cNvPr>
+            <a:endParaRPr lang="en-US" dirty="0"/>
+          </a:p>
+        </p:txBody>
+      </p:sp>
+      <p:sp>
+        <p:nvSpPr>
+          <p:cNvPr id="3" name="Date Placeholder 2"/>
           <p:cNvSpPr>
             <a:spLocks noGrp="1"/>
           </p:cNvSpPr>
@@ -2478,7 +2384,7 @@
           <a:p>
             <a:fld id="{7F85437B-6C8A-A94E-A4EF-E530FD0AEE96}" type="datetimeFigureOut">
               <a:rPr lang="en-AU" smtClean="0"/>
-              <a:t>20/3/2023</a:t>
+              <a:t>27/3/2023</a:t>
             </a:fld>
             <a:endParaRPr lang="en-AU"/>
           </a:p>
@@ -2486,13 +2392,7 @@
       </p:sp>
       <p:sp>
         <p:nvSpPr>
-          <p:cNvPr id="4" name="Footer Placeholder 3">
-            <a:extLst>
-              <a:ext uri="{FF2B5EF4-FFF2-40B4-BE49-F238E27FC236}">
-                <a16:creationId xmlns:a16="http://schemas.microsoft.com/office/drawing/2014/main" id="{D515D132-34E8-823E-4D8D-8D607C493645}"/>
-              </a:ext>
-            </a:extLst>
-          </p:cNvPr>
+          <p:cNvPr id="4" name="Footer Placeholder 3"/>
           <p:cNvSpPr>
             <a:spLocks noGrp="1"/>
           </p:cNvSpPr>
@@ -2511,13 +2411,7 @@
       </p:sp>
       <p:sp>
         <p:nvSpPr>
-          <p:cNvPr id="5" name="Slide Number Placeholder 4">
-            <a:extLst>
-              <a:ext uri="{FF2B5EF4-FFF2-40B4-BE49-F238E27FC236}">
-                <a16:creationId xmlns:a16="http://schemas.microsoft.com/office/drawing/2014/main" id="{BA1C25E8-C248-35EC-166D-54C4553A2244}"/>
-              </a:ext>
-            </a:extLst>
-          </p:cNvPr>
+          <p:cNvPr id="5" name="Slide Number Placeholder 4"/>
           <p:cNvSpPr>
             <a:spLocks noGrp="1"/>
           </p:cNvSpPr>
@@ -2541,7 +2435,7 @@
     </p:spTree>
     <p:extLst>
       <p:ext uri="{BB962C8B-B14F-4D97-AF65-F5344CB8AC3E}">
-        <p14:creationId xmlns:p14="http://schemas.microsoft.com/office/powerpoint/2010/main" val="417831770"/>
+        <p14:creationId xmlns:p14="http://schemas.microsoft.com/office/powerpoint/2010/main" val="1467403273"/>
       </p:ext>
     </p:extLst>
   </p:cSld>
@@ -2570,13 +2464,7 @@
       </p:grpSpPr>
       <p:sp>
         <p:nvSpPr>
-          <p:cNvPr id="2" name="Date Placeholder 1">
-            <a:extLst>
-              <a:ext uri="{FF2B5EF4-FFF2-40B4-BE49-F238E27FC236}">
-                <a16:creationId xmlns:a16="http://schemas.microsoft.com/office/drawing/2014/main" id="{4818985D-6A93-8FC1-C3E9-016AEB597B5C}"/>
-              </a:ext>
-            </a:extLst>
-          </p:cNvPr>
+          <p:cNvPr id="2" name="Date Placeholder 1"/>
           <p:cNvSpPr>
             <a:spLocks noGrp="1"/>
           </p:cNvSpPr>
@@ -2591,7 +2479,7 @@
           <a:p>
             <a:fld id="{7F85437B-6C8A-A94E-A4EF-E530FD0AEE96}" type="datetimeFigureOut">
               <a:rPr lang="en-AU" smtClean="0"/>
-              <a:t>20/3/2023</a:t>
+              <a:t>27/3/2023</a:t>
             </a:fld>
             <a:endParaRPr lang="en-AU"/>
           </a:p>
@@ -2599,13 +2487,7 @@
       </p:sp>
       <p:sp>
         <p:nvSpPr>
-          <p:cNvPr id="3" name="Footer Placeholder 2">
-            <a:extLst>
-              <a:ext uri="{FF2B5EF4-FFF2-40B4-BE49-F238E27FC236}">
-                <a16:creationId xmlns:a16="http://schemas.microsoft.com/office/drawing/2014/main" id="{A3834B7D-E292-E360-233C-B5F038C04A9D}"/>
-              </a:ext>
-            </a:extLst>
-          </p:cNvPr>
+          <p:cNvPr id="3" name="Footer Placeholder 2"/>
           <p:cNvSpPr>
             <a:spLocks noGrp="1"/>
           </p:cNvSpPr>
@@ -2624,13 +2506,7 @@
       </p:sp>
       <p:sp>
         <p:nvSpPr>
-          <p:cNvPr id="4" name="Slide Number Placeholder 3">
-            <a:extLst>
-              <a:ext uri="{FF2B5EF4-FFF2-40B4-BE49-F238E27FC236}">
-                <a16:creationId xmlns:a16="http://schemas.microsoft.com/office/drawing/2014/main" id="{B5315722-0179-41B9-84B9-AE8806E8E2C9}"/>
-              </a:ext>
-            </a:extLst>
-          </p:cNvPr>
+          <p:cNvPr id="4" name="Slide Number Placeholder 3"/>
           <p:cNvSpPr>
             <a:spLocks noGrp="1"/>
           </p:cNvSpPr>
@@ -2654,7 +2530,7 @@
     </p:spTree>
     <p:extLst>
       <p:ext uri="{BB962C8B-B14F-4D97-AF65-F5344CB8AC3E}">
-        <p14:creationId xmlns:p14="http://schemas.microsoft.com/office/powerpoint/2010/main" val="747185581"/>
+        <p14:creationId xmlns:p14="http://schemas.microsoft.com/office/powerpoint/2010/main" val="521132290"/>
       </p:ext>
     </p:extLst>
   </p:cSld>
@@ -2683,13 +2559,7 @@
       </p:grpSpPr>
       <p:sp>
         <p:nvSpPr>
-          <p:cNvPr id="2" name="Title 1">
-            <a:extLst>
-              <a:ext uri="{FF2B5EF4-FFF2-40B4-BE49-F238E27FC236}">
-                <a16:creationId xmlns:a16="http://schemas.microsoft.com/office/drawing/2014/main" id="{D83D512C-E745-0881-5661-522A368C2A0C}"/>
-              </a:ext>
-            </a:extLst>
-          </p:cNvPr>
+          <p:cNvPr id="2" name="Title 1"/>
           <p:cNvSpPr>
             <a:spLocks noGrp="1"/>
           </p:cNvSpPr>
@@ -2699,15 +2569,15 @@
         </p:nvSpPr>
         <p:spPr>
           <a:xfrm>
-            <a:off x="839788" y="457200"/>
-            <a:ext cx="3932237" cy="1600200"/>
+            <a:off x="519619" y="487680"/>
+            <a:ext cx="2433072" cy="1706880"/>
           </a:xfrm>
         </p:spPr>
         <p:txBody>
           <a:bodyPr anchor="b"/>
           <a:lstStyle>
             <a:lvl1pPr>
-              <a:defRPr sz="3200"/>
+              <a:defRPr sz="2640"/>
             </a:lvl1pPr>
           </a:lstStyle>
           <a:p>
@@ -2715,19 +2585,13 @@
               <a:rPr lang="en-US"/>
               <a:t>Click to edit Master title style</a:t>
             </a:r>
-            <a:endParaRPr lang="en-AU"/>
-          </a:p>
-        </p:txBody>
-      </p:sp>
-      <p:sp>
-        <p:nvSpPr>
-          <p:cNvPr id="3" name="Content Placeholder 2">
-            <a:extLst>
-              <a:ext uri="{FF2B5EF4-FFF2-40B4-BE49-F238E27FC236}">
-                <a16:creationId xmlns:a16="http://schemas.microsoft.com/office/drawing/2014/main" id="{07759FFA-91DC-E3B0-9563-1A79BC84E180}"/>
-              </a:ext>
-            </a:extLst>
-          </p:cNvPr>
+            <a:endParaRPr lang="en-US" dirty="0"/>
+          </a:p>
+        </p:txBody>
+      </p:sp>
+      <p:sp>
+        <p:nvSpPr>
+          <p:cNvPr id="3" name="Content Placeholder 2"/>
           <p:cNvSpPr>
             <a:spLocks noGrp="1"/>
           </p:cNvSpPr>
@@ -2737,39 +2601,39 @@
         </p:nvSpPr>
         <p:spPr>
           <a:xfrm>
-            <a:off x="5183188" y="987425"/>
-            <a:ext cx="6172200" cy="4873625"/>
+            <a:off x="3207097" y="1053255"/>
+            <a:ext cx="3819049" cy="5198533"/>
           </a:xfrm>
         </p:spPr>
         <p:txBody>
           <a:bodyPr/>
           <a:lstStyle>
             <a:lvl1pPr>
-              <a:defRPr sz="3200"/>
+              <a:defRPr sz="2640"/>
             </a:lvl1pPr>
             <a:lvl2pPr>
-              <a:defRPr sz="2800"/>
+              <a:defRPr sz="2310"/>
             </a:lvl2pPr>
             <a:lvl3pPr>
-              <a:defRPr sz="2400"/>
+              <a:defRPr sz="1980"/>
             </a:lvl3pPr>
             <a:lvl4pPr>
-              <a:defRPr sz="2000"/>
+              <a:defRPr sz="1650"/>
             </a:lvl4pPr>
             <a:lvl5pPr>
-              <a:defRPr sz="2000"/>
+              <a:defRPr sz="1650"/>
             </a:lvl5pPr>
             <a:lvl6pPr>
-              <a:defRPr sz="2000"/>
+              <a:defRPr sz="1650"/>
             </a:lvl6pPr>
             <a:lvl7pPr>
-              <a:defRPr sz="2000"/>
+              <a:defRPr sz="1650"/>
             </a:lvl7pPr>
             <a:lvl8pPr>
-              <a:defRPr sz="2000"/>
+              <a:defRPr sz="1650"/>
             </a:lvl8pPr>
             <a:lvl9pPr>
-              <a:defRPr sz="2000"/>
+              <a:defRPr sz="1650"/>
             </a:lvl9pPr>
           </a:lstStyle>
           <a:p>
@@ -2806,19 +2670,13 @@
               <a:rPr lang="en-US"/>
               <a:t>Fifth level</a:t>
             </a:r>
-            <a:endParaRPr lang="en-AU"/>
-          </a:p>
-        </p:txBody>
-      </p:sp>
-      <p:sp>
-        <p:nvSpPr>
-          <p:cNvPr id="4" name="Text Placeholder 3">
-            <a:extLst>
-              <a:ext uri="{FF2B5EF4-FFF2-40B4-BE49-F238E27FC236}">
-                <a16:creationId xmlns:a16="http://schemas.microsoft.com/office/drawing/2014/main" id="{9CBAE15F-48BF-7449-BA22-B167E7BFBA3F}"/>
-              </a:ext>
-            </a:extLst>
-          </p:cNvPr>
+            <a:endParaRPr lang="en-US" dirty="0"/>
+          </a:p>
+        </p:txBody>
+      </p:sp>
+      <p:sp>
+        <p:nvSpPr>
+          <p:cNvPr id="4" name="Text Placeholder 3"/>
           <p:cNvSpPr>
             <a:spLocks noGrp="1"/>
           </p:cNvSpPr>
@@ -2828,8 +2686,8 @@
         </p:nvSpPr>
         <p:spPr>
           <a:xfrm>
-            <a:off x="839788" y="2057400"/>
-            <a:ext cx="3932237" cy="3811588"/>
+            <a:off x="519619" y="2194560"/>
+            <a:ext cx="2433072" cy="4065694"/>
           </a:xfrm>
         </p:spPr>
         <p:txBody>
@@ -2837,39 +2695,39 @@
           <a:lstStyle>
             <a:lvl1pPr marL="0" indent="0">
               <a:buNone/>
-              <a:defRPr sz="1600"/>
+              <a:defRPr sz="1320"/>
             </a:lvl1pPr>
-            <a:lvl2pPr marL="457200" indent="0">
+            <a:lvl2pPr marL="377190" indent="0">
               <a:buNone/>
-              <a:defRPr sz="1400"/>
+              <a:defRPr sz="1155"/>
             </a:lvl2pPr>
-            <a:lvl3pPr marL="914400" indent="0">
+            <a:lvl3pPr marL="754380" indent="0">
               <a:buNone/>
-              <a:defRPr sz="1200"/>
+              <a:defRPr sz="990"/>
             </a:lvl3pPr>
-            <a:lvl4pPr marL="1371600" indent="0">
+            <a:lvl4pPr marL="1131570" indent="0">
               <a:buNone/>
-              <a:defRPr sz="1000"/>
+              <a:defRPr sz="825"/>
             </a:lvl4pPr>
-            <a:lvl5pPr marL="1828800" indent="0">
+            <a:lvl5pPr marL="1508760" indent="0">
               <a:buNone/>
-              <a:defRPr sz="1000"/>
+              <a:defRPr sz="825"/>
             </a:lvl5pPr>
-            <a:lvl6pPr marL="2286000" indent="0">
+            <a:lvl6pPr marL="1885950" indent="0">
               <a:buNone/>
-              <a:defRPr sz="1000"/>
+              <a:defRPr sz="825"/>
             </a:lvl6pPr>
-            <a:lvl7pPr marL="2743200" indent="0">
+            <a:lvl7pPr marL="2263140" indent="0">
               <a:buNone/>
-              <a:defRPr sz="1000"/>
+              <a:defRPr sz="825"/>
             </a:lvl7pPr>
-            <a:lvl8pPr marL="3200400" indent="0">
+            <a:lvl8pPr marL="2640330" indent="0">
               <a:buNone/>
-              <a:defRPr sz="1000"/>
+              <a:defRPr sz="825"/>
             </a:lvl8pPr>
-            <a:lvl9pPr marL="3657600" indent="0">
+            <a:lvl9pPr marL="3017520" indent="0">
               <a:buNone/>
-              <a:defRPr sz="1000"/>
+              <a:defRPr sz="825"/>
             </a:lvl9pPr>
           </a:lstStyle>
           <a:p>
@@ -2883,13 +2741,7 @@
       </p:sp>
       <p:sp>
         <p:nvSpPr>
-          <p:cNvPr id="5" name="Date Placeholder 4">
-            <a:extLst>
-              <a:ext uri="{FF2B5EF4-FFF2-40B4-BE49-F238E27FC236}">
-                <a16:creationId xmlns:a16="http://schemas.microsoft.com/office/drawing/2014/main" id="{E209B098-68B6-27E3-FA1E-409B95CB0C29}"/>
-              </a:ext>
-            </a:extLst>
-          </p:cNvPr>
+          <p:cNvPr id="5" name="Date Placeholder 4"/>
           <p:cNvSpPr>
             <a:spLocks noGrp="1"/>
           </p:cNvSpPr>
@@ -2904,7 +2756,7 @@
           <a:p>
             <a:fld id="{7F85437B-6C8A-A94E-A4EF-E530FD0AEE96}" type="datetimeFigureOut">
               <a:rPr lang="en-AU" smtClean="0"/>
-              <a:t>20/3/2023</a:t>
+              <a:t>27/3/2023</a:t>
             </a:fld>
             <a:endParaRPr lang="en-AU"/>
           </a:p>
@@ -2912,13 +2764,7 @@
       </p:sp>
       <p:sp>
         <p:nvSpPr>
-          <p:cNvPr id="6" name="Footer Placeholder 5">
-            <a:extLst>
-              <a:ext uri="{FF2B5EF4-FFF2-40B4-BE49-F238E27FC236}">
-                <a16:creationId xmlns:a16="http://schemas.microsoft.com/office/drawing/2014/main" id="{5358A85A-9AA2-C5AC-4445-56620EE1A453}"/>
-              </a:ext>
-            </a:extLst>
-          </p:cNvPr>
+          <p:cNvPr id="6" name="Footer Placeholder 5"/>
           <p:cNvSpPr>
             <a:spLocks noGrp="1"/>
           </p:cNvSpPr>
@@ -2937,13 +2783,7 @@
       </p:sp>
       <p:sp>
         <p:nvSpPr>
-          <p:cNvPr id="7" name="Slide Number Placeholder 6">
-            <a:extLst>
-              <a:ext uri="{FF2B5EF4-FFF2-40B4-BE49-F238E27FC236}">
-                <a16:creationId xmlns:a16="http://schemas.microsoft.com/office/drawing/2014/main" id="{9C0C38E3-FFC2-D2F7-1D97-E9A94F5CAAFA}"/>
-              </a:ext>
-            </a:extLst>
-          </p:cNvPr>
+          <p:cNvPr id="7" name="Slide Number Placeholder 6"/>
           <p:cNvSpPr>
             <a:spLocks noGrp="1"/>
           </p:cNvSpPr>
@@ -2967,7 +2807,7 @@
     </p:spTree>
     <p:extLst>
       <p:ext uri="{BB962C8B-B14F-4D97-AF65-F5344CB8AC3E}">
-        <p14:creationId xmlns:p14="http://schemas.microsoft.com/office/powerpoint/2010/main" val="1783042772"/>
+        <p14:creationId xmlns:p14="http://schemas.microsoft.com/office/powerpoint/2010/main" val="4039954623"/>
       </p:ext>
     </p:extLst>
   </p:cSld>
@@ -2996,13 +2836,7 @@
       </p:grpSpPr>
       <p:sp>
         <p:nvSpPr>
-          <p:cNvPr id="2" name="Title 1">
-            <a:extLst>
-              <a:ext uri="{FF2B5EF4-FFF2-40B4-BE49-F238E27FC236}">
-                <a16:creationId xmlns:a16="http://schemas.microsoft.com/office/drawing/2014/main" id="{038EAD9F-FB9B-4251-8C21-B0F0421BFF0D}"/>
-              </a:ext>
-            </a:extLst>
-          </p:cNvPr>
+          <p:cNvPr id="2" name="Title 1"/>
           <p:cNvSpPr>
             <a:spLocks noGrp="1"/>
           </p:cNvSpPr>
@@ -3012,15 +2846,15 @@
         </p:nvSpPr>
         <p:spPr>
           <a:xfrm>
-            <a:off x="839788" y="457200"/>
-            <a:ext cx="3932237" cy="1600200"/>
+            <a:off x="519619" y="487680"/>
+            <a:ext cx="2433072" cy="1706880"/>
           </a:xfrm>
         </p:spPr>
         <p:txBody>
           <a:bodyPr anchor="b"/>
           <a:lstStyle>
             <a:lvl1pPr>
-              <a:defRPr sz="3200"/>
+              <a:defRPr sz="2640"/>
             </a:lvl1pPr>
           </a:lstStyle>
           <a:p>
@@ -3028,21 +2862,15 @@
               <a:rPr lang="en-US"/>
               <a:t>Click to edit Master title style</a:t>
             </a:r>
-            <a:endParaRPr lang="en-AU"/>
-          </a:p>
-        </p:txBody>
-      </p:sp>
-      <p:sp>
-        <p:nvSpPr>
-          <p:cNvPr id="3" name="Picture Placeholder 2">
-            <a:extLst>
-              <a:ext uri="{FF2B5EF4-FFF2-40B4-BE49-F238E27FC236}">
-                <a16:creationId xmlns:a16="http://schemas.microsoft.com/office/drawing/2014/main" id="{9A9B5C34-49E8-6551-0CF7-27E2A23ECC91}"/>
-              </a:ext>
-            </a:extLst>
-          </p:cNvPr>
-          <p:cNvSpPr>
-            <a:spLocks noGrp="1"/>
+            <a:endParaRPr lang="en-US" dirty="0"/>
+          </a:p>
+        </p:txBody>
+      </p:sp>
+      <p:sp>
+        <p:nvSpPr>
+          <p:cNvPr id="3" name="Picture Placeholder 2"/>
+          <p:cNvSpPr>
+            <a:spLocks noGrp="1" noChangeAspect="1"/>
           </p:cNvSpPr>
           <p:nvPr>
             <p:ph type="pic" idx="1"/>
@@ -3050,8 +2878,73 @@
         </p:nvSpPr>
         <p:spPr>
           <a:xfrm>
-            <a:off x="5183188" y="987425"/>
-            <a:ext cx="6172200" cy="4873625"/>
+            <a:off x="3207097" y="1053255"/>
+            <a:ext cx="3819049" cy="5198533"/>
+          </a:xfrm>
+        </p:spPr>
+        <p:txBody>
+          <a:bodyPr anchor="t"/>
+          <a:lstStyle>
+            <a:lvl1pPr marL="0" indent="0">
+              <a:buNone/>
+              <a:defRPr sz="2640"/>
+            </a:lvl1pPr>
+            <a:lvl2pPr marL="377190" indent="0">
+              <a:buNone/>
+              <a:defRPr sz="2310"/>
+            </a:lvl2pPr>
+            <a:lvl3pPr marL="754380" indent="0">
+              <a:buNone/>
+              <a:defRPr sz="1980"/>
+            </a:lvl3pPr>
+            <a:lvl4pPr marL="1131570" indent="0">
+              <a:buNone/>
+              <a:defRPr sz="1650"/>
+            </a:lvl4pPr>
+            <a:lvl5pPr marL="1508760" indent="0">
+              <a:buNone/>
+              <a:defRPr sz="1650"/>
+            </a:lvl5pPr>
+            <a:lvl6pPr marL="1885950" indent="0">
+              <a:buNone/>
+              <a:defRPr sz="1650"/>
+            </a:lvl6pPr>
+            <a:lvl7pPr marL="2263140" indent="0">
+              <a:buNone/>
+              <a:defRPr sz="1650"/>
+            </a:lvl7pPr>
+            <a:lvl8pPr marL="2640330" indent="0">
+              <a:buNone/>
+              <a:defRPr sz="1650"/>
+            </a:lvl8pPr>
+            <a:lvl9pPr marL="3017520" indent="0">
+              <a:buNone/>
+              <a:defRPr sz="1650"/>
+            </a:lvl9pPr>
+          </a:lstStyle>
+          <a:p>
+            <a:r>
+              <a:rPr lang="en-US"/>
+              <a:t>Click icon to add picture</a:t>
+            </a:r>
+            <a:endParaRPr lang="en-US" dirty="0"/>
+          </a:p>
+        </p:txBody>
+      </p:sp>
+      <p:sp>
+        <p:nvSpPr>
+          <p:cNvPr id="4" name="Text Placeholder 3"/>
+          <p:cNvSpPr>
+            <a:spLocks noGrp="1"/>
+          </p:cNvSpPr>
+          <p:nvPr>
+            <p:ph type="body" sz="half" idx="2"/>
+          </p:nvPr>
+        </p:nvSpPr>
+        <p:spPr>
+          <a:xfrm>
+            <a:off x="519619" y="2194560"/>
+            <a:ext cx="2433072" cy="4065694"/>
           </a:xfrm>
         </p:spPr>
         <p:txBody>
@@ -3059,109 +2952,42 @@
           <a:lstStyle>
             <a:lvl1pPr marL="0" indent="0">
               <a:buNone/>
-              <a:defRPr sz="3200"/>
+              <a:defRPr sz="1320"/>
             </a:lvl1pPr>
-            <a:lvl2pPr marL="457200" indent="0">
+            <a:lvl2pPr marL="377190" indent="0">
               <a:buNone/>
-              <a:defRPr sz="2800"/>
+              <a:defRPr sz="1155"/>
             </a:lvl2pPr>
-            <a:lvl3pPr marL="914400" indent="0">
+            <a:lvl3pPr marL="754380" indent="0">
               <a:buNone/>
-              <a:defRPr sz="2400"/>
+              <a:defRPr sz="990"/>
             </a:lvl3pPr>
-            <a:lvl4pPr marL="1371600" indent="0">
+            <a:lvl4pPr marL="1131570" indent="0">
               <a:buNone/>
-              <a:defRPr sz="2000"/>
+              <a:defRPr sz="825"/>
             </a:lvl4pPr>
-            <a:lvl5pPr marL="1828800" indent="0">
+            <a:lvl5pPr marL="1508760" indent="0">
               <a:buNone/>
-              <a:defRPr sz="2000"/>
+              <a:defRPr sz="825"/>
             </a:lvl5pPr>
-            <a:lvl6pPr marL="2286000" indent="0">
+            <a:lvl6pPr marL="1885950" indent="0">
               <a:buNone/>
-              <a:defRPr sz="2000"/>
+              <a:defRPr sz="825"/>
             </a:lvl6pPr>
-            <a:lvl7pPr marL="2743200" indent="0">
+            <a:lvl7pPr marL="2263140" indent="0">
               <a:buNone/>
-              <a:defRPr sz="2000"/>
+              <a:defRPr sz="825"/>
             </a:lvl7pPr>
-            <a:lvl8pPr marL="3200400" indent="0">
+            <a:lvl8pPr marL="2640330" indent="0">
               <a:buNone/>
-              <a:defRPr sz="2000"/>
+              <a:defRPr sz="825"/>
             </a:lvl8pPr>
-            <a:lvl9pPr marL="3657600" indent="0">
+            <a:lvl9pPr marL="3017520" indent="0">
               <a:buNone/>
-              <a:defRPr sz="2000"/>
+              <a:defRPr sz="825"/>
             </a:lvl9pPr>
           </a:lstStyle>
           <a:p>
-            <a:endParaRPr lang="en-AU"/>
-          </a:p>
-        </p:txBody>
-      </p:sp>
-      <p:sp>
-        <p:nvSpPr>
-          <p:cNvPr id="4" name="Text Placeholder 3">
-            <a:extLst>
-              <a:ext uri="{FF2B5EF4-FFF2-40B4-BE49-F238E27FC236}">
-                <a16:creationId xmlns:a16="http://schemas.microsoft.com/office/drawing/2014/main" id="{F926569A-06A0-16A5-1F70-12CC6AAB1EA3}"/>
-              </a:ext>
-            </a:extLst>
-          </p:cNvPr>
-          <p:cNvSpPr>
-            <a:spLocks noGrp="1"/>
-          </p:cNvSpPr>
-          <p:nvPr>
-            <p:ph type="body" sz="half" idx="2"/>
-          </p:nvPr>
-        </p:nvSpPr>
-        <p:spPr>
-          <a:xfrm>
-            <a:off x="839788" y="2057400"/>
-            <a:ext cx="3932237" cy="3811588"/>
-          </a:xfrm>
-        </p:spPr>
-        <p:txBody>
-          <a:bodyPr/>
-          <a:lstStyle>
-            <a:lvl1pPr marL="0" indent="0">
-              <a:buNone/>
-              <a:defRPr sz="1600"/>
-            </a:lvl1pPr>
-            <a:lvl2pPr marL="457200" indent="0">
-              <a:buNone/>
-              <a:defRPr sz="1400"/>
-            </a:lvl2pPr>
-            <a:lvl3pPr marL="914400" indent="0">
-              <a:buNone/>
-              <a:defRPr sz="1200"/>
-            </a:lvl3pPr>
-            <a:lvl4pPr marL="1371600" indent="0">
-              <a:buNone/>
-              <a:defRPr sz="1000"/>
-            </a:lvl4pPr>
-            <a:lvl5pPr marL="1828800" indent="0">
-              <a:buNone/>
-              <a:defRPr sz="1000"/>
-            </a:lvl5pPr>
-            <a:lvl6pPr marL="2286000" indent="0">
-              <a:buNone/>
-              <a:defRPr sz="1000"/>
-            </a:lvl6pPr>
-            <a:lvl7pPr marL="2743200" indent="0">
-              <a:buNone/>
-              <a:defRPr sz="1000"/>
-            </a:lvl7pPr>
-            <a:lvl8pPr marL="3200400" indent="0">
-              <a:buNone/>
-              <a:defRPr sz="1000"/>
-            </a:lvl8pPr>
-            <a:lvl9pPr marL="3657600" indent="0">
-              <a:buNone/>
-              <a:defRPr sz="1000"/>
-            </a:lvl9pPr>
-          </a:lstStyle>
-          <a:p>
             <a:pPr lvl="0"/>
             <a:r>
               <a:rPr lang="en-US"/>
@@ -3172,13 +2998,7 @@
       </p:sp>
       <p:sp>
         <p:nvSpPr>
-          <p:cNvPr id="5" name="Date Placeholder 4">
-            <a:extLst>
-              <a:ext uri="{FF2B5EF4-FFF2-40B4-BE49-F238E27FC236}">
-                <a16:creationId xmlns:a16="http://schemas.microsoft.com/office/drawing/2014/main" id="{11924A5E-6937-85B4-0DBA-3712882A4313}"/>
-              </a:ext>
-            </a:extLst>
-          </p:cNvPr>
+          <p:cNvPr id="5" name="Date Placeholder 4"/>
           <p:cNvSpPr>
             <a:spLocks noGrp="1"/>
           </p:cNvSpPr>
@@ -3193,7 +3013,7 @@
           <a:p>
             <a:fld id="{7F85437B-6C8A-A94E-A4EF-E530FD0AEE96}" type="datetimeFigureOut">
               <a:rPr lang="en-AU" smtClean="0"/>
-              <a:t>20/3/2023</a:t>
+              <a:t>27/3/2023</a:t>
             </a:fld>
             <a:endParaRPr lang="en-AU"/>
           </a:p>
@@ -3201,13 +3021,7 @@
       </p:sp>
       <p:sp>
         <p:nvSpPr>
-          <p:cNvPr id="6" name="Footer Placeholder 5">
-            <a:extLst>
-              <a:ext uri="{FF2B5EF4-FFF2-40B4-BE49-F238E27FC236}">
-                <a16:creationId xmlns:a16="http://schemas.microsoft.com/office/drawing/2014/main" id="{ED5C629A-80E8-FF05-1E03-14171A88FBD0}"/>
-              </a:ext>
-            </a:extLst>
-          </p:cNvPr>
+          <p:cNvPr id="6" name="Footer Placeholder 5"/>
           <p:cNvSpPr>
             <a:spLocks noGrp="1"/>
           </p:cNvSpPr>
@@ -3226,13 +3040,7 @@
       </p:sp>
       <p:sp>
         <p:nvSpPr>
-          <p:cNvPr id="7" name="Slide Number Placeholder 6">
-            <a:extLst>
-              <a:ext uri="{FF2B5EF4-FFF2-40B4-BE49-F238E27FC236}">
-                <a16:creationId xmlns:a16="http://schemas.microsoft.com/office/drawing/2014/main" id="{43F1E276-4776-C6FC-A934-DD04C3F3E260}"/>
-              </a:ext>
-            </a:extLst>
-          </p:cNvPr>
+          <p:cNvPr id="7" name="Slide Number Placeholder 6"/>
           <p:cNvSpPr>
             <a:spLocks noGrp="1"/>
           </p:cNvSpPr>
@@ -3256,7 +3064,7 @@
     </p:spTree>
     <p:extLst>
       <p:ext uri="{BB962C8B-B14F-4D97-AF65-F5344CB8AC3E}">
-        <p14:creationId xmlns:p14="http://schemas.microsoft.com/office/powerpoint/2010/main" val="499796483"/>
+        <p14:creationId xmlns:p14="http://schemas.microsoft.com/office/powerpoint/2010/main" val="3780116634"/>
       </p:ext>
     </p:extLst>
   </p:cSld>
@@ -3290,13 +3098,7 @@
       </p:grpSpPr>
       <p:sp>
         <p:nvSpPr>
-          <p:cNvPr id="2" name="Title Placeholder 1">
-            <a:extLst>
-              <a:ext uri="{FF2B5EF4-FFF2-40B4-BE49-F238E27FC236}">
-                <a16:creationId xmlns:a16="http://schemas.microsoft.com/office/drawing/2014/main" id="{5778B98F-86BC-6945-9BA9-572E188EDBEE}"/>
-              </a:ext>
-            </a:extLst>
-          </p:cNvPr>
+          <p:cNvPr id="2" name="Title Placeholder 1"/>
           <p:cNvSpPr>
             <a:spLocks noGrp="1"/>
           </p:cNvSpPr>
@@ -3306,8 +3108,8 @@
         </p:nvSpPr>
         <p:spPr>
           <a:xfrm>
-            <a:off x="838200" y="365125"/>
-            <a:ext cx="10515600" cy="1325563"/>
+            <a:off x="518636" y="389468"/>
+            <a:ext cx="6506528" cy="1413934"/>
           </a:xfrm>
           <a:prstGeom prst="rect">
             <a:avLst/>
@@ -3323,19 +3125,13 @@
               <a:rPr lang="en-US"/>
               <a:t>Click to edit Master title style</a:t>
             </a:r>
-            <a:endParaRPr lang="en-AU"/>
-          </a:p>
-        </p:txBody>
-      </p:sp>
-      <p:sp>
-        <p:nvSpPr>
-          <p:cNvPr id="3" name="Text Placeholder 2">
-            <a:extLst>
-              <a:ext uri="{FF2B5EF4-FFF2-40B4-BE49-F238E27FC236}">
-                <a16:creationId xmlns:a16="http://schemas.microsoft.com/office/drawing/2014/main" id="{EE0DA126-07C7-1CD6-5997-B6ACA446EF6F}"/>
-              </a:ext>
-            </a:extLst>
-          </p:cNvPr>
+            <a:endParaRPr lang="en-US" dirty="0"/>
+          </a:p>
+        </p:txBody>
+      </p:sp>
+      <p:sp>
+        <p:nvSpPr>
+          <p:cNvPr id="3" name="Text Placeholder 2"/>
           <p:cNvSpPr>
             <a:spLocks noGrp="1"/>
           </p:cNvSpPr>
@@ -3345,8 +3141,8 @@
         </p:nvSpPr>
         <p:spPr>
           <a:xfrm>
-            <a:off x="838200" y="1825625"/>
-            <a:ext cx="10515600" cy="4351338"/>
+            <a:off x="518636" y="1947333"/>
+            <a:ext cx="6506528" cy="4641427"/>
           </a:xfrm>
           <a:prstGeom prst="rect">
             <a:avLst/>
@@ -3391,19 +3187,13 @@
               <a:rPr lang="en-US"/>
               <a:t>Fifth level</a:t>
             </a:r>
-            <a:endParaRPr lang="en-AU"/>
-          </a:p>
-        </p:txBody>
-      </p:sp>
-      <p:sp>
-        <p:nvSpPr>
-          <p:cNvPr id="4" name="Date Placeholder 3">
-            <a:extLst>
-              <a:ext uri="{FF2B5EF4-FFF2-40B4-BE49-F238E27FC236}">
-                <a16:creationId xmlns:a16="http://schemas.microsoft.com/office/drawing/2014/main" id="{752B4181-71E9-4B58-BF07-6FB6ED937D86}"/>
-              </a:ext>
-            </a:extLst>
-          </p:cNvPr>
+            <a:endParaRPr lang="en-US" dirty="0"/>
+          </a:p>
+        </p:txBody>
+      </p:sp>
+      <p:sp>
+        <p:nvSpPr>
+          <p:cNvPr id="4" name="Date Placeholder 3"/>
           <p:cNvSpPr>
             <a:spLocks noGrp="1"/>
           </p:cNvSpPr>
@@ -3413,8 +3203,8 @@
         </p:nvSpPr>
         <p:spPr>
           <a:xfrm>
-            <a:off x="838200" y="6356350"/>
-            <a:ext cx="2743200" cy="365125"/>
+            <a:off x="518636" y="6780108"/>
+            <a:ext cx="1697355" cy="389467"/>
           </a:xfrm>
           <a:prstGeom prst="rect">
             <a:avLst/>
@@ -3424,7 +3214,7 @@
           <a:bodyPr vert="horz" lIns="91440" tIns="45720" rIns="91440" bIns="45720" rtlCol="0" anchor="ctr"/>
           <a:lstStyle>
             <a:lvl1pPr algn="l">
-              <a:defRPr sz="1200">
+              <a:defRPr sz="990">
                 <a:solidFill>
                   <a:schemeClr val="tx1">
                     <a:tint val="75000"/>
@@ -3436,7 +3226,7 @@
           <a:p>
             <a:fld id="{7F85437B-6C8A-A94E-A4EF-E530FD0AEE96}" type="datetimeFigureOut">
               <a:rPr lang="en-AU" smtClean="0"/>
-              <a:t>20/3/2023</a:t>
+              <a:t>27/3/2023</a:t>
             </a:fld>
             <a:endParaRPr lang="en-AU"/>
           </a:p>
@@ -3444,13 +3234,7 @@
       </p:sp>
       <p:sp>
         <p:nvSpPr>
-          <p:cNvPr id="5" name="Footer Placeholder 4">
-            <a:extLst>
-              <a:ext uri="{FF2B5EF4-FFF2-40B4-BE49-F238E27FC236}">
-                <a16:creationId xmlns:a16="http://schemas.microsoft.com/office/drawing/2014/main" id="{16C7CB68-F0F5-A447-F78F-3FD3761B18C8}"/>
-              </a:ext>
-            </a:extLst>
-          </p:cNvPr>
+          <p:cNvPr id="5" name="Footer Placeholder 4"/>
           <p:cNvSpPr>
             <a:spLocks noGrp="1"/>
           </p:cNvSpPr>
@@ -3460,8 +3244,8 @@
         </p:nvSpPr>
         <p:spPr>
           <a:xfrm>
-            <a:off x="4038600" y="6356350"/>
-            <a:ext cx="4114800" cy="365125"/>
+            <a:off x="2498884" y="6780108"/>
+            <a:ext cx="2546033" cy="389467"/>
           </a:xfrm>
           <a:prstGeom prst="rect">
             <a:avLst/>
@@ -3471,7 +3255,7 @@
           <a:bodyPr vert="horz" lIns="91440" tIns="45720" rIns="91440" bIns="45720" rtlCol="0" anchor="ctr"/>
           <a:lstStyle>
             <a:lvl1pPr algn="ctr">
-              <a:defRPr sz="1200">
+              <a:defRPr sz="990">
                 <a:solidFill>
                   <a:schemeClr val="tx1">
                     <a:tint val="75000"/>
@@ -3487,13 +3271,7 @@
       </p:sp>
       <p:sp>
         <p:nvSpPr>
-          <p:cNvPr id="6" name="Slide Number Placeholder 5">
-            <a:extLst>
-              <a:ext uri="{FF2B5EF4-FFF2-40B4-BE49-F238E27FC236}">
-                <a16:creationId xmlns:a16="http://schemas.microsoft.com/office/drawing/2014/main" id="{2075DEF8-6F83-7163-DD1D-D7E1A2DEC9E7}"/>
-              </a:ext>
-            </a:extLst>
-          </p:cNvPr>
+          <p:cNvPr id="6" name="Slide Number Placeholder 5"/>
           <p:cNvSpPr>
             <a:spLocks noGrp="1"/>
           </p:cNvSpPr>
@@ -3503,8 +3281,8 @@
         </p:nvSpPr>
         <p:spPr>
           <a:xfrm>
-            <a:off x="8610600" y="6356350"/>
-            <a:ext cx="2743200" cy="365125"/>
+            <a:off x="5327809" y="6780108"/>
+            <a:ext cx="1697355" cy="389467"/>
           </a:xfrm>
           <a:prstGeom prst="rect">
             <a:avLst/>
@@ -3514,7 +3292,7 @@
           <a:bodyPr vert="horz" lIns="91440" tIns="45720" rIns="91440" bIns="45720" rtlCol="0" anchor="ctr"/>
           <a:lstStyle>
             <a:lvl1pPr algn="r">
-              <a:defRPr sz="1200">
+              <a:defRPr sz="990">
                 <a:solidFill>
                   <a:schemeClr val="tx1">
                     <a:tint val="75000"/>
@@ -3535,27 +3313,27 @@
     </p:spTree>
     <p:extLst>
       <p:ext uri="{BB962C8B-B14F-4D97-AF65-F5344CB8AC3E}">
-        <p14:creationId xmlns:p14="http://schemas.microsoft.com/office/powerpoint/2010/main" val="2726395938"/>
+        <p14:creationId xmlns:p14="http://schemas.microsoft.com/office/powerpoint/2010/main" val="1532379049"/>
       </p:ext>
     </p:extLst>
   </p:cSld>
   <p:clrMap bg1="lt1" tx1="dk1" bg2="lt2" tx2="dk2" accent1="accent1" accent2="accent2" accent3="accent3" accent4="accent4" accent5="accent5" accent6="accent6" hlink="hlink" folHlink="folHlink"/>
   <p:sldLayoutIdLst>
-    <p:sldLayoutId id="2147483649" r:id="rId1"/>
-    <p:sldLayoutId id="2147483650" r:id="rId2"/>
-    <p:sldLayoutId id="2147483651" r:id="rId3"/>
-    <p:sldLayoutId id="2147483652" r:id="rId4"/>
-    <p:sldLayoutId id="2147483653" r:id="rId5"/>
-    <p:sldLayoutId id="2147483654" r:id="rId6"/>
-    <p:sldLayoutId id="2147483655" r:id="rId7"/>
-    <p:sldLayoutId id="2147483656" r:id="rId8"/>
-    <p:sldLayoutId id="2147483657" r:id="rId9"/>
-    <p:sldLayoutId id="2147483658" r:id="rId10"/>
-    <p:sldLayoutId id="2147483659" r:id="rId11"/>
+    <p:sldLayoutId id="2147483661" r:id="rId1"/>
+    <p:sldLayoutId id="2147483662" r:id="rId2"/>
+    <p:sldLayoutId id="2147483663" r:id="rId3"/>
+    <p:sldLayoutId id="2147483664" r:id="rId4"/>
+    <p:sldLayoutId id="2147483665" r:id="rId5"/>
+    <p:sldLayoutId id="2147483666" r:id="rId6"/>
+    <p:sldLayoutId id="2147483667" r:id="rId7"/>
+    <p:sldLayoutId id="2147483668" r:id="rId8"/>
+    <p:sldLayoutId id="2147483669" r:id="rId9"/>
+    <p:sldLayoutId id="2147483670" r:id="rId10"/>
+    <p:sldLayoutId id="2147483671" r:id="rId11"/>
   </p:sldLayoutIdLst>
   <p:txStyles>
     <p:titleStyle>
-      <a:lvl1pPr algn="l" defTabSz="914400" rtl="0" eaLnBrk="1" latinLnBrk="0" hangingPunct="1">
+      <a:lvl1pPr algn="l" defTabSz="754380" rtl="0" eaLnBrk="1" latinLnBrk="0" hangingPunct="1">
         <a:lnSpc>
           <a:spcPct val="90000"/>
         </a:lnSpc>
@@ -3563,7 +3341,7 @@
           <a:spcPct val="0"/>
         </a:spcBef>
         <a:buNone/>
-        <a:defRPr sz="4400" kern="1200">
+        <a:defRPr sz="3630" kern="1200">
           <a:solidFill>
             <a:schemeClr val="tx1"/>
           </a:solidFill>
@@ -3574,16 +3352,16 @@
       </a:lvl1pPr>
     </p:titleStyle>
     <p:bodyStyle>
-      <a:lvl1pPr marL="228600" indent="-228600" algn="l" defTabSz="914400" rtl="0" eaLnBrk="1" latinLnBrk="0" hangingPunct="1">
+      <a:lvl1pPr marL="188595" indent="-188595" algn="l" defTabSz="754380" rtl="0" eaLnBrk="1" latinLnBrk="0" hangingPunct="1">
         <a:lnSpc>
           <a:spcPct val="90000"/>
         </a:lnSpc>
         <a:spcBef>
-          <a:spcPts val="1000"/>
+          <a:spcPts val="825"/>
         </a:spcBef>
         <a:buFont typeface="Arial" panose="020B0604020202020204" pitchFamily="34" charset="0"/>
         <a:buChar char="•"/>
-        <a:defRPr sz="2800" kern="1200">
+        <a:defRPr sz="2310" kern="1200">
           <a:solidFill>
             <a:schemeClr val="tx1"/>
           </a:solidFill>
@@ -3592,16 +3370,16 @@
           <a:cs typeface="+mn-cs"/>
         </a:defRPr>
       </a:lvl1pPr>
-      <a:lvl2pPr marL="685800" indent="-228600" algn="l" defTabSz="914400" rtl="0" eaLnBrk="1" latinLnBrk="0" hangingPunct="1">
+      <a:lvl2pPr marL="565785" indent="-188595" algn="l" defTabSz="754380" rtl="0" eaLnBrk="1" latinLnBrk="0" hangingPunct="1">
         <a:lnSpc>
           <a:spcPct val="90000"/>
         </a:lnSpc>
         <a:spcBef>
-          <a:spcPts val="500"/>
+          <a:spcPts val="413"/>
         </a:spcBef>
         <a:buFont typeface="Arial" panose="020B0604020202020204" pitchFamily="34" charset="0"/>
         <a:buChar char="•"/>
-        <a:defRPr sz="2400" kern="1200">
+        <a:defRPr sz="1980" kern="1200">
           <a:solidFill>
             <a:schemeClr val="tx1"/>
           </a:solidFill>
@@ -3610,16 +3388,16 @@
           <a:cs typeface="+mn-cs"/>
         </a:defRPr>
       </a:lvl2pPr>
-      <a:lvl3pPr marL="1143000" indent="-228600" algn="l" defTabSz="914400" rtl="0" eaLnBrk="1" latinLnBrk="0" hangingPunct="1">
+      <a:lvl3pPr marL="942975" indent="-188595" algn="l" defTabSz="754380" rtl="0" eaLnBrk="1" latinLnBrk="0" hangingPunct="1">
         <a:lnSpc>
           <a:spcPct val="90000"/>
         </a:lnSpc>
         <a:spcBef>
-          <a:spcPts val="500"/>
+          <a:spcPts val="413"/>
         </a:spcBef>
         <a:buFont typeface="Arial" panose="020B0604020202020204" pitchFamily="34" charset="0"/>
         <a:buChar char="•"/>
-        <a:defRPr sz="2000" kern="1200">
+        <a:defRPr sz="1650" kern="1200">
           <a:solidFill>
             <a:schemeClr val="tx1"/>
           </a:solidFill>
@@ -3628,16 +3406,16 @@
           <a:cs typeface="+mn-cs"/>
         </a:defRPr>
       </a:lvl3pPr>
-      <a:lvl4pPr marL="1600200" indent="-228600" algn="l" defTabSz="914400" rtl="0" eaLnBrk="1" latinLnBrk="0" hangingPunct="1">
+      <a:lvl4pPr marL="1320165" indent="-188595" algn="l" defTabSz="754380" rtl="0" eaLnBrk="1" latinLnBrk="0" hangingPunct="1">
         <a:lnSpc>
           <a:spcPct val="90000"/>
         </a:lnSpc>
         <a:spcBef>
-          <a:spcPts val="500"/>
+          <a:spcPts val="413"/>
         </a:spcBef>
         <a:buFont typeface="Arial" panose="020B0604020202020204" pitchFamily="34" charset="0"/>
         <a:buChar char="•"/>
-        <a:defRPr sz="1800" kern="1200">
+        <a:defRPr sz="1485" kern="1200">
           <a:solidFill>
             <a:schemeClr val="tx1"/>
           </a:solidFill>
@@ -3646,16 +3424,16 @@
           <a:cs typeface="+mn-cs"/>
         </a:defRPr>
       </a:lvl4pPr>
-      <a:lvl5pPr marL="2057400" indent="-228600" algn="l" defTabSz="914400" rtl="0" eaLnBrk="1" latinLnBrk="0" hangingPunct="1">
+      <a:lvl5pPr marL="1697355" indent="-188595" algn="l" defTabSz="754380" rtl="0" eaLnBrk="1" latinLnBrk="0" hangingPunct="1">
         <a:lnSpc>
           <a:spcPct val="90000"/>
         </a:lnSpc>
         <a:spcBef>
-          <a:spcPts val="500"/>
+          <a:spcPts val="413"/>
         </a:spcBef>
         <a:buFont typeface="Arial" panose="020B0604020202020204" pitchFamily="34" charset="0"/>
         <a:buChar char="•"/>
-        <a:defRPr sz="1800" kern="1200">
+        <a:defRPr sz="1485" kern="1200">
           <a:solidFill>
             <a:schemeClr val="tx1"/>
           </a:solidFill>
@@ -3664,16 +3442,16 @@
           <a:cs typeface="+mn-cs"/>
         </a:defRPr>
       </a:lvl5pPr>
-      <a:lvl6pPr marL="2514600" indent="-228600" algn="l" defTabSz="914400" rtl="0" eaLnBrk="1" latinLnBrk="0" hangingPunct="1">
+      <a:lvl6pPr marL="2074545" indent="-188595" algn="l" defTabSz="754380" rtl="0" eaLnBrk="1" latinLnBrk="0" hangingPunct="1">
         <a:lnSpc>
           <a:spcPct val="90000"/>
         </a:lnSpc>
         <a:spcBef>
-          <a:spcPts val="500"/>
+          <a:spcPts val="413"/>
         </a:spcBef>
         <a:buFont typeface="Arial" panose="020B0604020202020204" pitchFamily="34" charset="0"/>
         <a:buChar char="•"/>
-        <a:defRPr sz="1800" kern="1200">
+        <a:defRPr sz="1485" kern="1200">
           <a:solidFill>
             <a:schemeClr val="tx1"/>
           </a:solidFill>
@@ -3682,16 +3460,16 @@
           <a:cs typeface="+mn-cs"/>
         </a:defRPr>
       </a:lvl6pPr>
-      <a:lvl7pPr marL="2971800" indent="-228600" algn="l" defTabSz="914400" rtl="0" eaLnBrk="1" latinLnBrk="0" hangingPunct="1">
+      <a:lvl7pPr marL="2451735" indent="-188595" algn="l" defTabSz="754380" rtl="0" eaLnBrk="1" latinLnBrk="0" hangingPunct="1">
         <a:lnSpc>
           <a:spcPct val="90000"/>
         </a:lnSpc>
         <a:spcBef>
-          <a:spcPts val="500"/>
+          <a:spcPts val="413"/>
         </a:spcBef>
         <a:buFont typeface="Arial" panose="020B0604020202020204" pitchFamily="34" charset="0"/>
         <a:buChar char="•"/>
-        <a:defRPr sz="1800" kern="1200">
+        <a:defRPr sz="1485" kern="1200">
           <a:solidFill>
             <a:schemeClr val="tx1"/>
           </a:solidFill>
@@ -3700,16 +3478,16 @@
           <a:cs typeface="+mn-cs"/>
         </a:defRPr>
       </a:lvl7pPr>
-      <a:lvl8pPr marL="3429000" indent="-228600" algn="l" defTabSz="914400" rtl="0" eaLnBrk="1" latinLnBrk="0" hangingPunct="1">
+      <a:lvl8pPr marL="2828925" indent="-188595" algn="l" defTabSz="754380" rtl="0" eaLnBrk="1" latinLnBrk="0" hangingPunct="1">
         <a:lnSpc>
           <a:spcPct val="90000"/>
         </a:lnSpc>
         <a:spcBef>
-          <a:spcPts val="500"/>
+          <a:spcPts val="413"/>
         </a:spcBef>
         <a:buFont typeface="Arial" panose="020B0604020202020204" pitchFamily="34" charset="0"/>
         <a:buChar char="•"/>
-        <a:defRPr sz="1800" kern="1200">
+        <a:defRPr sz="1485" kern="1200">
           <a:solidFill>
             <a:schemeClr val="tx1"/>
           </a:solidFill>
@@ -3718,16 +3496,16 @@
           <a:cs typeface="+mn-cs"/>
         </a:defRPr>
       </a:lvl8pPr>
-      <a:lvl9pPr marL="3886200" indent="-228600" algn="l" defTabSz="914400" rtl="0" eaLnBrk="1" latinLnBrk="0" hangingPunct="1">
+      <a:lvl9pPr marL="3206115" indent="-188595" algn="l" defTabSz="754380" rtl="0" eaLnBrk="1" latinLnBrk="0" hangingPunct="1">
         <a:lnSpc>
           <a:spcPct val="90000"/>
         </a:lnSpc>
         <a:spcBef>
-          <a:spcPts val="500"/>
+          <a:spcPts val="413"/>
         </a:spcBef>
         <a:buFont typeface="Arial" panose="020B0604020202020204" pitchFamily="34" charset="0"/>
         <a:buChar char="•"/>
-        <a:defRPr sz="1800" kern="1200">
+        <a:defRPr sz="1485" kern="1200">
           <a:solidFill>
             <a:schemeClr val="tx1"/>
           </a:solidFill>
@@ -3741,8 +3519,8 @@
       <a:defPPr>
         <a:defRPr lang="en-US"/>
       </a:defPPr>
-      <a:lvl1pPr marL="0" algn="l" defTabSz="914400" rtl="0" eaLnBrk="1" latinLnBrk="0" hangingPunct="1">
-        <a:defRPr sz="1800" kern="1200">
+      <a:lvl1pPr marL="0" algn="l" defTabSz="754380" rtl="0" eaLnBrk="1" latinLnBrk="0" hangingPunct="1">
+        <a:defRPr sz="1485" kern="1200">
           <a:solidFill>
             <a:schemeClr val="tx1"/>
           </a:solidFill>
@@ -3751,8 +3529,8 @@
           <a:cs typeface="+mn-cs"/>
         </a:defRPr>
       </a:lvl1pPr>
-      <a:lvl2pPr marL="457200" algn="l" defTabSz="914400" rtl="0" eaLnBrk="1" latinLnBrk="0" hangingPunct="1">
-        <a:defRPr sz="1800" kern="1200">
+      <a:lvl2pPr marL="377190" algn="l" defTabSz="754380" rtl="0" eaLnBrk="1" latinLnBrk="0" hangingPunct="1">
+        <a:defRPr sz="1485" kern="1200">
           <a:solidFill>
             <a:schemeClr val="tx1"/>
           </a:solidFill>
@@ -3761,8 +3539,8 @@
           <a:cs typeface="+mn-cs"/>
         </a:defRPr>
       </a:lvl2pPr>
-      <a:lvl3pPr marL="914400" algn="l" defTabSz="914400" rtl="0" eaLnBrk="1" latinLnBrk="0" hangingPunct="1">
-        <a:defRPr sz="1800" kern="1200">
+      <a:lvl3pPr marL="754380" algn="l" defTabSz="754380" rtl="0" eaLnBrk="1" latinLnBrk="0" hangingPunct="1">
+        <a:defRPr sz="1485" kern="1200">
           <a:solidFill>
             <a:schemeClr val="tx1"/>
           </a:solidFill>
@@ -3771,8 +3549,8 @@
           <a:cs typeface="+mn-cs"/>
         </a:defRPr>
       </a:lvl3pPr>
-      <a:lvl4pPr marL="1371600" algn="l" defTabSz="914400" rtl="0" eaLnBrk="1" latinLnBrk="0" hangingPunct="1">
-        <a:defRPr sz="1800" kern="1200">
+      <a:lvl4pPr marL="1131570" algn="l" defTabSz="754380" rtl="0" eaLnBrk="1" latinLnBrk="0" hangingPunct="1">
+        <a:defRPr sz="1485" kern="1200">
           <a:solidFill>
             <a:schemeClr val="tx1"/>
           </a:solidFill>
@@ -3781,8 +3559,8 @@
           <a:cs typeface="+mn-cs"/>
         </a:defRPr>
       </a:lvl4pPr>
-      <a:lvl5pPr marL="1828800" algn="l" defTabSz="914400" rtl="0" eaLnBrk="1" latinLnBrk="0" hangingPunct="1">
-        <a:defRPr sz="1800" kern="1200">
+      <a:lvl5pPr marL="1508760" algn="l" defTabSz="754380" rtl="0" eaLnBrk="1" latinLnBrk="0" hangingPunct="1">
+        <a:defRPr sz="1485" kern="1200">
           <a:solidFill>
             <a:schemeClr val="tx1"/>
           </a:solidFill>
@@ -3791,8 +3569,8 @@
           <a:cs typeface="+mn-cs"/>
         </a:defRPr>
       </a:lvl5pPr>
-      <a:lvl6pPr marL="2286000" algn="l" defTabSz="914400" rtl="0" eaLnBrk="1" latinLnBrk="0" hangingPunct="1">
-        <a:defRPr sz="1800" kern="1200">
+      <a:lvl6pPr marL="1885950" algn="l" defTabSz="754380" rtl="0" eaLnBrk="1" latinLnBrk="0" hangingPunct="1">
+        <a:defRPr sz="1485" kern="1200">
           <a:solidFill>
             <a:schemeClr val="tx1"/>
           </a:solidFill>
@@ -3801,8 +3579,8 @@
           <a:cs typeface="+mn-cs"/>
         </a:defRPr>
       </a:lvl6pPr>
-      <a:lvl7pPr marL="2743200" algn="l" defTabSz="914400" rtl="0" eaLnBrk="1" latinLnBrk="0" hangingPunct="1">
-        <a:defRPr sz="1800" kern="1200">
+      <a:lvl7pPr marL="2263140" algn="l" defTabSz="754380" rtl="0" eaLnBrk="1" latinLnBrk="0" hangingPunct="1">
+        <a:defRPr sz="1485" kern="1200">
           <a:solidFill>
             <a:schemeClr val="tx1"/>
           </a:solidFill>
@@ -3811,8 +3589,8 @@
           <a:cs typeface="+mn-cs"/>
         </a:defRPr>
       </a:lvl7pPr>
-      <a:lvl8pPr marL="3200400" algn="l" defTabSz="914400" rtl="0" eaLnBrk="1" latinLnBrk="0" hangingPunct="1">
-        <a:defRPr sz="1800" kern="1200">
+      <a:lvl8pPr marL="2640330" algn="l" defTabSz="754380" rtl="0" eaLnBrk="1" latinLnBrk="0" hangingPunct="1">
+        <a:defRPr sz="1485" kern="1200">
           <a:solidFill>
             <a:schemeClr val="tx1"/>
           </a:solidFill>
@@ -3821,8 +3599,8 @@
           <a:cs typeface="+mn-cs"/>
         </a:defRPr>
       </a:lvl8pPr>
-      <a:lvl9pPr marL="3657600" algn="l" defTabSz="914400" rtl="0" eaLnBrk="1" latinLnBrk="0" hangingPunct="1">
-        <a:defRPr sz="1800" kern="1200">
+      <a:lvl9pPr marL="3017520" algn="l" defTabSz="754380" rtl="0" eaLnBrk="1" latinLnBrk="0" hangingPunct="1">
+        <a:defRPr sz="1485" kern="1200">
           <a:solidFill>
             <a:schemeClr val="tx1"/>
           </a:solidFill>
@@ -3838,6 +3616,1438 @@
 
 <file path=ppt/slides/slide1.xml><?xml version="1.0" encoding="utf-8"?>
 <p:sld xmlns:a="http://schemas.openxmlformats.org/drawingml/2006/main" xmlns:r="http://schemas.openxmlformats.org/officeDocument/2006/relationships" xmlns:p="http://schemas.openxmlformats.org/presentationml/2006/main">
+  <p:cSld>
+    <p:spTree>
+      <p:nvGrpSpPr>
+        <p:cNvPr id="1" name=""/>
+        <p:cNvGrpSpPr/>
+        <p:nvPr/>
+      </p:nvGrpSpPr>
+      <p:grpSpPr>
+        <a:xfrm>
+          <a:off x="0" y="0"/>
+          <a:ext cx="0" cy="0"/>
+          <a:chOff x="0" y="0"/>
+          <a:chExt cx="0" cy="0"/>
+        </a:xfrm>
+      </p:grpSpPr>
+      <p:pic>
+        <p:nvPicPr>
+          <p:cNvPr id="79" name="Picture 78" descr="A picture containing background pattern&#10;&#10;Description automatically generated">
+            <a:extLst>
+              <a:ext uri="{FF2B5EF4-FFF2-40B4-BE49-F238E27FC236}">
+                <a16:creationId xmlns:a16="http://schemas.microsoft.com/office/drawing/2014/main" id="{6D6F1B4D-CA03-4EC7-85AC-2952E53DFEC0}"/>
+              </a:ext>
+            </a:extLst>
+          </p:cNvPr>
+          <p:cNvPicPr>
+            <a:picLocks noChangeAspect="1"/>
+          </p:cNvPicPr>
+          <p:nvPr/>
+        </p:nvPicPr>
+        <p:blipFill rotWithShape="1">
+          <a:blip r:embed="rId3"/>
+          <a:srcRect l="6779" r="87362" b="19756"/>
+          <a:stretch/>
+        </p:blipFill>
+        <p:spPr>
+          <a:xfrm flipH="1">
+            <a:off x="1540573" y="1811152"/>
+            <a:ext cx="149568" cy="2048547"/>
+          </a:xfrm>
+          <a:prstGeom prst="rect">
+            <a:avLst/>
+          </a:prstGeom>
+        </p:spPr>
+      </p:pic>
+      <p:pic>
+        <p:nvPicPr>
+          <p:cNvPr id="57" name="Picture 56">
+            <a:extLst>
+              <a:ext uri="{FF2B5EF4-FFF2-40B4-BE49-F238E27FC236}">
+                <a16:creationId xmlns:a16="http://schemas.microsoft.com/office/drawing/2014/main" id="{2BAD77FA-936B-14C0-074D-B89D4C6914BB}"/>
+              </a:ext>
+            </a:extLst>
+          </p:cNvPr>
+          <p:cNvPicPr>
+            <a:picLocks noChangeAspect="1"/>
+          </p:cNvPicPr>
+          <p:nvPr/>
+        </p:nvPicPr>
+        <p:blipFill>
+          <a:blip r:embed="rId4"/>
+          <a:stretch>
+            <a:fillRect/>
+          </a:stretch>
+        </p:blipFill>
+        <p:spPr>
+          <a:xfrm>
+            <a:off x="4697859" y="807686"/>
+            <a:ext cx="1048903" cy="888029"/>
+          </a:xfrm>
+          <a:prstGeom prst="rect">
+            <a:avLst/>
+          </a:prstGeom>
+        </p:spPr>
+      </p:pic>
+      <p:pic>
+        <p:nvPicPr>
+          <p:cNvPr id="56" name="Picture 55">
+            <a:extLst>
+              <a:ext uri="{FF2B5EF4-FFF2-40B4-BE49-F238E27FC236}">
+                <a16:creationId xmlns:a16="http://schemas.microsoft.com/office/drawing/2014/main" id="{E6461990-B343-4020-3FA0-D3A866329B24}"/>
+              </a:ext>
+            </a:extLst>
+          </p:cNvPr>
+          <p:cNvPicPr>
+            <a:picLocks noChangeAspect="1"/>
+          </p:cNvPicPr>
+          <p:nvPr/>
+        </p:nvPicPr>
+        <p:blipFill>
+          <a:blip r:embed="rId5"/>
+          <a:stretch>
+            <a:fillRect/>
+          </a:stretch>
+        </p:blipFill>
+        <p:spPr>
+          <a:xfrm>
+            <a:off x="3705626" y="593060"/>
+            <a:ext cx="679433" cy="710791"/>
+          </a:xfrm>
+          <a:prstGeom prst="rect">
+            <a:avLst/>
+          </a:prstGeom>
+        </p:spPr>
+      </p:pic>
+      <p:pic>
+        <p:nvPicPr>
+          <p:cNvPr id="70" name="Picture 69">
+            <a:extLst>
+              <a:ext uri="{FF2B5EF4-FFF2-40B4-BE49-F238E27FC236}">
+                <a16:creationId xmlns:a16="http://schemas.microsoft.com/office/drawing/2014/main" id="{23D7FB35-2A09-23A5-F225-1698132EB73F}"/>
+              </a:ext>
+            </a:extLst>
+          </p:cNvPr>
+          <p:cNvPicPr>
+            <a:picLocks noChangeAspect="1"/>
+          </p:cNvPicPr>
+          <p:nvPr/>
+        </p:nvPicPr>
+        <p:blipFill>
+          <a:blip r:embed="rId6"/>
+          <a:stretch>
+            <a:fillRect/>
+          </a:stretch>
+        </p:blipFill>
+        <p:spPr>
+          <a:xfrm>
+            <a:off x="1756114" y="645246"/>
+            <a:ext cx="1656354" cy="908322"/>
+          </a:xfrm>
+          <a:prstGeom prst="rect">
+            <a:avLst/>
+          </a:prstGeom>
+        </p:spPr>
+      </p:pic>
+      <p:sp>
+        <p:nvSpPr>
+          <p:cNvPr id="27" name="TextBox 26">
+            <a:extLst>
+              <a:ext uri="{FF2B5EF4-FFF2-40B4-BE49-F238E27FC236}">
+                <a16:creationId xmlns:a16="http://schemas.microsoft.com/office/drawing/2014/main" id="{A6530643-9C3C-819C-28D5-249BC2C37730}"/>
+              </a:ext>
+            </a:extLst>
+          </p:cNvPr>
+          <p:cNvSpPr txBox="1"/>
+          <p:nvPr/>
+        </p:nvSpPr>
+        <p:spPr>
+          <a:xfrm>
+            <a:off x="0" y="0"/>
+            <a:ext cx="613973" cy="391646"/>
+          </a:xfrm>
+          <a:prstGeom prst="rect">
+            <a:avLst/>
+          </a:prstGeom>
+          <a:noFill/>
+        </p:spPr>
+        <p:txBody>
+          <a:bodyPr wrap="square">
+            <a:spAutoFit/>
+          </a:bodyPr>
+          <a:lstStyle/>
+          <a:p>
+            <a:r>
+              <a:rPr lang="en-US" sz="1945" b="1" dirty="0">
+                <a:latin typeface="Tw Cen MT" panose="020B0602020104020603" pitchFamily="34" charset="77"/>
+                <a:ea typeface="Open Sans" pitchFamily="2" charset="0"/>
+                <a:cs typeface="Open Sans" pitchFamily="2" charset="0"/>
+              </a:rPr>
+              <a:t>A</a:t>
+            </a:r>
+            <a:endParaRPr lang="en-AU" sz="1945" b="1" dirty="0">
+              <a:latin typeface="Tw Cen MT" panose="020B0602020104020603" pitchFamily="34" charset="77"/>
+              <a:ea typeface="Open Sans" pitchFamily="2" charset="0"/>
+              <a:cs typeface="Open Sans" pitchFamily="2" charset="0"/>
+            </a:endParaRPr>
+          </a:p>
+        </p:txBody>
+      </p:sp>
+      <p:sp>
+        <p:nvSpPr>
+          <p:cNvPr id="28" name="TextBox 27">
+            <a:extLst>
+              <a:ext uri="{FF2B5EF4-FFF2-40B4-BE49-F238E27FC236}">
+                <a16:creationId xmlns:a16="http://schemas.microsoft.com/office/drawing/2014/main" id="{119C9298-3694-0F33-863D-82542D3F323C}"/>
+              </a:ext>
+            </a:extLst>
+          </p:cNvPr>
+          <p:cNvSpPr txBox="1"/>
+          <p:nvPr/>
+        </p:nvSpPr>
+        <p:spPr>
+          <a:xfrm>
+            <a:off x="3480591" y="1286497"/>
+            <a:ext cx="1092276" cy="272832"/>
+          </a:xfrm>
+          <a:prstGeom prst="rect">
+            <a:avLst/>
+          </a:prstGeom>
+          <a:noFill/>
+        </p:spPr>
+        <p:txBody>
+          <a:bodyPr wrap="square">
+            <a:spAutoFit/>
+          </a:bodyPr>
+          <a:lstStyle/>
+          <a:p>
+            <a:pPr algn="ctr"/>
+            <a:r>
+              <a:rPr lang="en-US" sz="1173" dirty="0">
+                <a:latin typeface="Tw Cen MT" panose="020B0602020104020603" pitchFamily="34" charset="77"/>
+                <a:ea typeface="Open Sans" pitchFamily="2" charset="0"/>
+                <a:cs typeface="Open Sans" pitchFamily="2" charset="0"/>
+              </a:rPr>
+              <a:t>Linear SVM</a:t>
+            </a:r>
+            <a:endParaRPr lang="en-AU" sz="1173" dirty="0">
+              <a:latin typeface="Tw Cen MT" panose="020B0602020104020603" pitchFamily="34" charset="77"/>
+              <a:ea typeface="Open Sans" pitchFamily="2" charset="0"/>
+              <a:cs typeface="Open Sans" pitchFamily="2" charset="0"/>
+            </a:endParaRPr>
+          </a:p>
+        </p:txBody>
+      </p:sp>
+      <p:cxnSp>
+        <p:nvCxnSpPr>
+          <p:cNvPr id="29" name="Straight Arrow Connector 28">
+            <a:extLst>
+              <a:ext uri="{FF2B5EF4-FFF2-40B4-BE49-F238E27FC236}">
+                <a16:creationId xmlns:a16="http://schemas.microsoft.com/office/drawing/2014/main" id="{335B4494-F76B-9B67-9186-B4A71FB8C942}"/>
+              </a:ext>
+            </a:extLst>
+          </p:cNvPr>
+          <p:cNvCxnSpPr>
+            <a:cxnSpLocks/>
+          </p:cNvCxnSpPr>
+          <p:nvPr/>
+        </p:nvCxnSpPr>
+        <p:spPr>
+          <a:xfrm>
+            <a:off x="3303064" y="928121"/>
+            <a:ext cx="322643" cy="0"/>
+          </a:xfrm>
+          <a:prstGeom prst="straightConnector1">
+            <a:avLst/>
+          </a:prstGeom>
+          <a:ln w="19050">
+            <a:solidFill>
+              <a:schemeClr val="tx1"/>
+            </a:solidFill>
+            <a:tailEnd type="triangle"/>
+          </a:ln>
+        </p:spPr>
+        <p:style>
+          <a:lnRef idx="1">
+            <a:schemeClr val="accent1"/>
+          </a:lnRef>
+          <a:fillRef idx="0">
+            <a:schemeClr val="accent1"/>
+          </a:fillRef>
+          <a:effectRef idx="0">
+            <a:schemeClr val="accent1"/>
+          </a:effectRef>
+          <a:fontRef idx="minor">
+            <a:schemeClr val="tx1"/>
+          </a:fontRef>
+        </p:style>
+      </p:cxnSp>
+      <p:sp>
+        <p:nvSpPr>
+          <p:cNvPr id="30" name="TextBox 29">
+            <a:extLst>
+              <a:ext uri="{FF2B5EF4-FFF2-40B4-BE49-F238E27FC236}">
+                <a16:creationId xmlns:a16="http://schemas.microsoft.com/office/drawing/2014/main" id="{77410778-C281-4E98-984A-D58A71F18B1B}"/>
+              </a:ext>
+            </a:extLst>
+          </p:cNvPr>
+          <p:cNvSpPr txBox="1"/>
+          <p:nvPr/>
+        </p:nvSpPr>
+        <p:spPr>
+          <a:xfrm>
+            <a:off x="4614980" y="302089"/>
+            <a:ext cx="1165425" cy="437043"/>
+          </a:xfrm>
+          <a:prstGeom prst="rect">
+            <a:avLst/>
+          </a:prstGeom>
+          <a:noFill/>
+        </p:spPr>
+        <p:txBody>
+          <a:bodyPr wrap="square">
+            <a:spAutoFit/>
+          </a:bodyPr>
+          <a:lstStyle/>
+          <a:p>
+            <a:r>
+              <a:rPr lang="en-US" sz="1120" dirty="0">
+                <a:latin typeface="Tw Cen MT" panose="020B0602020104020603" pitchFamily="34" charset="77"/>
+                <a:ea typeface="Open Sans" pitchFamily="2" charset="0"/>
+                <a:cs typeface="Open Sans" pitchFamily="2" charset="0"/>
+              </a:rPr>
+              <a:t>Repeat for all 14 SPIs</a:t>
+            </a:r>
+            <a:endParaRPr lang="en-AU" sz="1120" dirty="0">
+              <a:latin typeface="Tw Cen MT" panose="020B0602020104020603" pitchFamily="34" charset="77"/>
+              <a:ea typeface="Open Sans" pitchFamily="2" charset="0"/>
+              <a:cs typeface="Open Sans" pitchFamily="2" charset="0"/>
+            </a:endParaRPr>
+          </a:p>
+        </p:txBody>
+      </p:sp>
+      <p:cxnSp>
+        <p:nvCxnSpPr>
+          <p:cNvPr id="31" name="Straight Arrow Connector 30">
+            <a:extLst>
+              <a:ext uri="{FF2B5EF4-FFF2-40B4-BE49-F238E27FC236}">
+                <a16:creationId xmlns:a16="http://schemas.microsoft.com/office/drawing/2014/main" id="{1906E3B9-4CED-67CC-C715-9AD081F276D9}"/>
+              </a:ext>
+            </a:extLst>
+          </p:cNvPr>
+          <p:cNvCxnSpPr>
+            <a:cxnSpLocks/>
+          </p:cNvCxnSpPr>
+          <p:nvPr/>
+        </p:nvCxnSpPr>
+        <p:spPr>
+          <a:xfrm>
+            <a:off x="1621338" y="928121"/>
+            <a:ext cx="322643" cy="0"/>
+          </a:xfrm>
+          <a:prstGeom prst="straightConnector1">
+            <a:avLst/>
+          </a:prstGeom>
+          <a:ln w="19050">
+            <a:solidFill>
+              <a:schemeClr val="tx1"/>
+            </a:solidFill>
+            <a:tailEnd type="triangle"/>
+          </a:ln>
+        </p:spPr>
+        <p:style>
+          <a:lnRef idx="1">
+            <a:schemeClr val="accent1"/>
+          </a:lnRef>
+          <a:fillRef idx="0">
+            <a:schemeClr val="accent1"/>
+          </a:fillRef>
+          <a:effectRef idx="0">
+            <a:schemeClr val="accent1"/>
+          </a:effectRef>
+          <a:fontRef idx="minor">
+            <a:schemeClr val="tx1"/>
+          </a:fontRef>
+        </p:style>
+      </p:cxnSp>
+      <p:sp>
+        <p:nvSpPr>
+          <p:cNvPr id="34" name="TextBox 33">
+            <a:extLst>
+              <a:ext uri="{FF2B5EF4-FFF2-40B4-BE49-F238E27FC236}">
+                <a16:creationId xmlns:a16="http://schemas.microsoft.com/office/drawing/2014/main" id="{6B1175F2-DE4D-8CEA-10F3-A1CE4FAD715D}"/>
+              </a:ext>
+            </a:extLst>
+          </p:cNvPr>
+          <p:cNvSpPr txBox="1"/>
+          <p:nvPr/>
+        </p:nvSpPr>
+        <p:spPr>
+          <a:xfrm>
+            <a:off x="1861868" y="359919"/>
+            <a:ext cx="1092276" cy="272832"/>
+          </a:xfrm>
+          <a:prstGeom prst="rect">
+            <a:avLst/>
+          </a:prstGeom>
+          <a:noFill/>
+        </p:spPr>
+        <p:txBody>
+          <a:bodyPr wrap="square">
+            <a:spAutoFit/>
+          </a:bodyPr>
+          <a:lstStyle/>
+          <a:p>
+            <a:pPr algn="ctr"/>
+            <a:r>
+              <a:rPr lang="en-US" sz="1173" dirty="0">
+                <a:latin typeface="Tw Cen MT" panose="020B0602020104020603" pitchFamily="34" charset="77"/>
+                <a:ea typeface="Open Sans" pitchFamily="2" charset="0"/>
+                <a:cs typeface="Open Sans" pitchFamily="2" charset="0"/>
+              </a:rPr>
+              <a:t>SPI 1</a:t>
+            </a:r>
+            <a:endParaRPr lang="en-AU" sz="1173" dirty="0">
+              <a:latin typeface="Tw Cen MT" panose="020B0602020104020603" pitchFamily="34" charset="77"/>
+              <a:ea typeface="Open Sans" pitchFamily="2" charset="0"/>
+              <a:cs typeface="Open Sans" pitchFamily="2" charset="0"/>
+            </a:endParaRPr>
+          </a:p>
+        </p:txBody>
+      </p:sp>
+      <p:sp>
+        <p:nvSpPr>
+          <p:cNvPr id="35" name="TextBox 34">
+            <a:extLst>
+              <a:ext uri="{FF2B5EF4-FFF2-40B4-BE49-F238E27FC236}">
+                <a16:creationId xmlns:a16="http://schemas.microsoft.com/office/drawing/2014/main" id="{D974624D-0810-707C-F0D3-0A215937BB07}"/>
+              </a:ext>
+            </a:extLst>
+          </p:cNvPr>
+          <p:cNvSpPr txBox="1"/>
+          <p:nvPr/>
+        </p:nvSpPr>
+        <p:spPr>
+          <a:xfrm>
+            <a:off x="3465794" y="363666"/>
+            <a:ext cx="1092276" cy="272832"/>
+          </a:xfrm>
+          <a:prstGeom prst="rect">
+            <a:avLst/>
+          </a:prstGeom>
+          <a:noFill/>
+        </p:spPr>
+        <p:txBody>
+          <a:bodyPr wrap="square">
+            <a:spAutoFit/>
+          </a:bodyPr>
+          <a:lstStyle/>
+          <a:p>
+            <a:pPr algn="ctr"/>
+            <a:r>
+              <a:rPr lang="en-US" sz="1173" dirty="0">
+                <a:latin typeface="Tw Cen MT" panose="020B0602020104020603" pitchFamily="34" charset="77"/>
+                <a:ea typeface="Open Sans" pitchFamily="2" charset="0"/>
+                <a:cs typeface="Open Sans" pitchFamily="2" charset="0"/>
+              </a:rPr>
+              <a:t>SPI 1</a:t>
+            </a:r>
+            <a:endParaRPr lang="en-AU" sz="1173" dirty="0">
+              <a:latin typeface="Tw Cen MT" panose="020B0602020104020603" pitchFamily="34" charset="77"/>
+              <a:ea typeface="Open Sans" pitchFamily="2" charset="0"/>
+              <a:cs typeface="Open Sans" pitchFamily="2" charset="0"/>
+            </a:endParaRPr>
+          </a:p>
+        </p:txBody>
+      </p:sp>
+      <p:sp>
+        <p:nvSpPr>
+          <p:cNvPr id="36" name="Right Bracket 35">
+            <a:extLst>
+              <a:ext uri="{FF2B5EF4-FFF2-40B4-BE49-F238E27FC236}">
+                <a16:creationId xmlns:a16="http://schemas.microsoft.com/office/drawing/2014/main" id="{1F02A457-4C2A-3DDE-0405-0308F8AB14F8}"/>
+              </a:ext>
+            </a:extLst>
+          </p:cNvPr>
+          <p:cNvSpPr/>
+          <p:nvPr/>
+        </p:nvSpPr>
+        <p:spPr>
+          <a:xfrm>
+            <a:off x="4497646" y="369505"/>
+            <a:ext cx="69153" cy="1310713"/>
+          </a:xfrm>
+          <a:prstGeom prst="rightBracket">
+            <a:avLst/>
+          </a:prstGeom>
+          <a:ln w="19050">
+            <a:solidFill>
+              <a:schemeClr val="bg1">
+                <a:lumMod val="65000"/>
+              </a:schemeClr>
+            </a:solidFill>
+          </a:ln>
+        </p:spPr>
+        <p:style>
+          <a:lnRef idx="1">
+            <a:schemeClr val="accent1"/>
+          </a:lnRef>
+          <a:fillRef idx="0">
+            <a:schemeClr val="accent1"/>
+          </a:fillRef>
+          <a:effectRef idx="0">
+            <a:schemeClr val="accent1"/>
+          </a:effectRef>
+          <a:fontRef idx="minor">
+            <a:schemeClr val="tx1"/>
+          </a:fontRef>
+        </p:style>
+        <p:txBody>
+          <a:bodyPr rtlCol="0" anchor="ctr"/>
+          <a:lstStyle/>
+          <a:p>
+            <a:pPr algn="ctr"/>
+            <a:endParaRPr lang="en-AU" sz="1920"/>
+          </a:p>
+        </p:txBody>
+      </p:sp>
+      <p:pic>
+        <p:nvPicPr>
+          <p:cNvPr id="44" name="Picture 43" descr="A picture containing text&#10;&#10;Description automatically generated">
+            <a:extLst>
+              <a:ext uri="{FF2B5EF4-FFF2-40B4-BE49-F238E27FC236}">
+                <a16:creationId xmlns:a16="http://schemas.microsoft.com/office/drawing/2014/main" id="{C7C2D52E-0B32-D868-F43A-E87A115919D6}"/>
+              </a:ext>
+            </a:extLst>
+          </p:cNvPr>
+          <p:cNvPicPr>
+            <a:picLocks noChangeAspect="1"/>
+          </p:cNvPicPr>
+          <p:nvPr/>
+        </p:nvPicPr>
+        <p:blipFill>
+          <a:blip r:embed="rId7"/>
+          <a:stretch>
+            <a:fillRect/>
+          </a:stretch>
+        </p:blipFill>
+        <p:spPr>
+          <a:xfrm>
+            <a:off x="173948" y="242967"/>
+            <a:ext cx="714672" cy="476448"/>
+          </a:xfrm>
+          <a:prstGeom prst="rect">
+            <a:avLst/>
+          </a:prstGeom>
+        </p:spPr>
+      </p:pic>
+      <p:grpSp>
+        <p:nvGrpSpPr>
+          <p:cNvPr id="45" name="Group 44">
+            <a:extLst>
+              <a:ext uri="{FF2B5EF4-FFF2-40B4-BE49-F238E27FC236}">
+                <a16:creationId xmlns:a16="http://schemas.microsoft.com/office/drawing/2014/main" id="{E08E5BB9-971E-9CF4-E0FB-D6C3D7A327CB}"/>
+              </a:ext>
+            </a:extLst>
+          </p:cNvPr>
+          <p:cNvGrpSpPr/>
+          <p:nvPr/>
+        </p:nvGrpSpPr>
+        <p:grpSpPr>
+          <a:xfrm>
+            <a:off x="638092" y="703349"/>
+            <a:ext cx="848951" cy="106109"/>
+            <a:chOff x="357691" y="8449786"/>
+            <a:chExt cx="2703561" cy="441505"/>
+          </a:xfrm>
+        </p:grpSpPr>
+        <mc:AlternateContent xmlns:mc="http://schemas.openxmlformats.org/markup-compatibility/2006" xmlns:p14="http://schemas.microsoft.com/office/powerpoint/2010/main">
+          <mc:Choice Requires="p14">
+            <p:contentPart p14:bwMode="auto" r:id="rId8">
+              <p14:nvContentPartPr>
+                <p14:cNvPr id="46" name="Ink 45">
+                  <a:extLst>
+                    <a:ext uri="{FF2B5EF4-FFF2-40B4-BE49-F238E27FC236}">
+                      <a16:creationId xmlns:a16="http://schemas.microsoft.com/office/drawing/2014/main" id="{B413D95D-46B5-B5A7-B511-DFF5E393EF69}"/>
+                    </a:ext>
+                  </a:extLst>
+                </p14:cNvPr>
+                <p14:cNvContentPartPr/>
+                <p14:nvPr/>
+              </p14:nvContentPartPr>
+              <p14:xfrm>
+                <a:off x="357691" y="8475526"/>
+                <a:ext cx="2703561" cy="408396"/>
+              </p14:xfrm>
+            </p:contentPart>
+          </mc:Choice>
+          <mc:Fallback xmlns="">
+            <p:pic>
+              <p:nvPicPr>
+                <p:cNvPr id="512" name="Ink 511">
+                  <a:extLst>
+                    <a:ext uri="{FF2B5EF4-FFF2-40B4-BE49-F238E27FC236}">
+                      <a16:creationId xmlns:a16="http://schemas.microsoft.com/office/drawing/2014/main" id="{ACC73DFA-0AF2-E8AD-4972-74A617CF3B46}"/>
+                    </a:ext>
+                  </a:extLst>
+                </p:cNvPr>
+                <p:cNvPicPr/>
+                <p:nvPr/>
+              </p:nvPicPr>
+              <p:blipFill>
+                <a:blip r:embed="rId9"/>
+                <a:stretch>
+                  <a:fillRect/>
+                </a:stretch>
+              </p:blipFill>
+              <p:spPr>
+                <a:xfrm>
+                  <a:off x="346849" y="8461370"/>
+                  <a:ext cx="2724704" cy="436000"/>
+                </a:xfrm>
+                <a:prstGeom prst="rect">
+                  <a:avLst/>
+                </a:prstGeom>
+              </p:spPr>
+            </p:pic>
+          </mc:Fallback>
+        </mc:AlternateContent>
+        <mc:AlternateContent xmlns:mc="http://schemas.openxmlformats.org/markup-compatibility/2006" xmlns:p14="http://schemas.microsoft.com/office/powerpoint/2010/main">
+          <mc:Choice Requires="p14">
+            <p:contentPart p14:bwMode="auto" r:id="rId10">
+              <p14:nvContentPartPr>
+                <p14:cNvPr id="47" name="Ink 46">
+                  <a:extLst>
+                    <a:ext uri="{FF2B5EF4-FFF2-40B4-BE49-F238E27FC236}">
+                      <a16:creationId xmlns:a16="http://schemas.microsoft.com/office/drawing/2014/main" id="{F8E51F9B-BE38-C7ED-FDBB-B13EF802E73E}"/>
+                    </a:ext>
+                  </a:extLst>
+                </p14:cNvPr>
+                <p14:cNvContentPartPr/>
+                <p14:nvPr/>
+              </p14:nvContentPartPr>
+              <p14:xfrm>
+                <a:off x="372058" y="8449786"/>
+                <a:ext cx="2674210" cy="441505"/>
+              </p14:xfrm>
+            </p:contentPart>
+          </mc:Choice>
+          <mc:Fallback xmlns="">
+            <p:pic>
+              <p:nvPicPr>
+                <p:cNvPr id="513" name="Ink 512">
+                  <a:extLst>
+                    <a:ext uri="{FF2B5EF4-FFF2-40B4-BE49-F238E27FC236}">
+                      <a16:creationId xmlns:a16="http://schemas.microsoft.com/office/drawing/2014/main" id="{D6002E27-48BA-F829-7B04-7D36D2A3930B}"/>
+                    </a:ext>
+                  </a:extLst>
+                </p:cNvPr>
+                <p:cNvPicPr/>
+                <p:nvPr/>
+              </p:nvPicPr>
+              <p:blipFill>
+                <a:blip r:embed="rId11"/>
+                <a:stretch>
+                  <a:fillRect/>
+                </a:stretch>
+              </p:blipFill>
+              <p:spPr>
+                <a:xfrm>
+                  <a:off x="361217" y="8435624"/>
+                  <a:ext cx="2695350" cy="469121"/>
+                </a:xfrm>
+                <a:prstGeom prst="rect">
+                  <a:avLst/>
+                </a:prstGeom>
+              </p:spPr>
+            </p:pic>
+          </mc:Fallback>
+        </mc:AlternateContent>
+      </p:grpSp>
+      <p:pic>
+        <p:nvPicPr>
+          <p:cNvPr id="48" name="Picture 4">
+            <a:extLst>
+              <a:ext uri="{FF2B5EF4-FFF2-40B4-BE49-F238E27FC236}">
+                <a16:creationId xmlns:a16="http://schemas.microsoft.com/office/drawing/2014/main" id="{0C299F9B-50C9-8C4A-A515-136A26F6FE5E}"/>
+              </a:ext>
+            </a:extLst>
+          </p:cNvPr>
+          <p:cNvPicPr>
+            <a:picLocks noChangeAspect="1" noChangeArrowheads="1"/>
+          </p:cNvPicPr>
+          <p:nvPr/>
+        </p:nvPicPr>
+        <p:blipFill>
+          <a:blip r:embed="rId12">
+            <a:extLst>
+              <a:ext uri="{28A0092B-C50C-407E-A947-70E740481C1C}">
+                <a14:useLocalDpi xmlns:a14="http://schemas.microsoft.com/office/drawing/2010/main" val="0"/>
+              </a:ext>
+            </a:extLst>
+          </a:blip>
+          <a:srcRect/>
+          <a:stretch>
+            <a:fillRect/>
+          </a:stretch>
+        </p:blipFill>
+        <p:spPr bwMode="auto">
+          <a:xfrm>
+            <a:off x="991181" y="842534"/>
+            <a:ext cx="243260" cy="257767"/>
+          </a:xfrm>
+          <a:prstGeom prst="rect">
+            <a:avLst/>
+          </a:prstGeom>
+          <a:noFill/>
+          <a:extLst>
+            <a:ext uri="{909E8E84-426E-40DD-AFC4-6F175D3DCCD1}">
+              <a14:hiddenFill xmlns:a14="http://schemas.microsoft.com/office/drawing/2010/main">
+                <a:solidFill>
+                  <a:srgbClr val="FFFFFF"/>
+                </a:solidFill>
+              </a14:hiddenFill>
+            </a:ext>
+          </a:extLst>
+        </p:spPr>
+      </p:pic>
+      <p:cxnSp>
+        <p:nvCxnSpPr>
+          <p:cNvPr id="49" name="Straight Arrow Connector 48">
+            <a:extLst>
+              <a:ext uri="{FF2B5EF4-FFF2-40B4-BE49-F238E27FC236}">
+                <a16:creationId xmlns:a16="http://schemas.microsoft.com/office/drawing/2014/main" id="{3D80AFF5-6F11-3AA9-DF3F-AFA3773C2360}"/>
+              </a:ext>
+            </a:extLst>
+          </p:cNvPr>
+          <p:cNvCxnSpPr>
+            <a:cxnSpLocks/>
+          </p:cNvCxnSpPr>
+          <p:nvPr/>
+        </p:nvCxnSpPr>
+        <p:spPr>
+          <a:xfrm>
+            <a:off x="1276206" y="852336"/>
+            <a:ext cx="0" cy="284519"/>
+          </a:xfrm>
+          <a:prstGeom prst="straightConnector1">
+            <a:avLst/>
+          </a:prstGeom>
+          <a:ln w="19050">
+            <a:solidFill>
+              <a:schemeClr val="tx1"/>
+            </a:solidFill>
+            <a:tailEnd type="triangle" w="sm" len="sm"/>
+          </a:ln>
+        </p:spPr>
+        <p:style>
+          <a:lnRef idx="1">
+            <a:schemeClr val="accent1"/>
+          </a:lnRef>
+          <a:fillRef idx="0">
+            <a:schemeClr val="accent1"/>
+          </a:fillRef>
+          <a:effectRef idx="0">
+            <a:schemeClr val="accent1"/>
+          </a:effectRef>
+          <a:fontRef idx="minor">
+            <a:schemeClr val="tx1"/>
+          </a:fontRef>
+        </p:style>
+      </p:cxnSp>
+      <p:pic>
+        <p:nvPicPr>
+          <p:cNvPr id="50" name="Picture 49">
+            <a:extLst>
+              <a:ext uri="{FF2B5EF4-FFF2-40B4-BE49-F238E27FC236}">
+                <a16:creationId xmlns:a16="http://schemas.microsoft.com/office/drawing/2014/main" id="{4AA288BB-6CEA-D17A-1E0C-99530F6F0D66}"/>
+              </a:ext>
+            </a:extLst>
+          </p:cNvPr>
+          <p:cNvPicPr>
+            <a:picLocks noChangeAspect="1"/>
+          </p:cNvPicPr>
+          <p:nvPr/>
+        </p:nvPicPr>
+        <p:blipFill>
+          <a:blip r:embed="rId13"/>
+          <a:srcRect/>
+          <a:stretch/>
+        </p:blipFill>
+        <p:spPr>
+          <a:xfrm>
+            <a:off x="134920" y="1178859"/>
+            <a:ext cx="1422012" cy="92167"/>
+          </a:xfrm>
+          <a:prstGeom prst="rect">
+            <a:avLst/>
+          </a:prstGeom>
+        </p:spPr>
+      </p:pic>
+      <p:sp>
+        <p:nvSpPr>
+          <p:cNvPr id="51" name="TextBox 50">
+            <a:extLst>
+              <a:ext uri="{FF2B5EF4-FFF2-40B4-BE49-F238E27FC236}">
+                <a16:creationId xmlns:a16="http://schemas.microsoft.com/office/drawing/2014/main" id="{C285500A-4C9C-E9DD-C243-F981794DA861}"/>
+              </a:ext>
+            </a:extLst>
+          </p:cNvPr>
+          <p:cNvSpPr txBox="1"/>
+          <p:nvPr/>
+        </p:nvSpPr>
+        <p:spPr>
+          <a:xfrm>
+            <a:off x="632048" y="1220478"/>
+            <a:ext cx="410991" cy="261610"/>
+          </a:xfrm>
+          <a:prstGeom prst="rect">
+            <a:avLst/>
+          </a:prstGeom>
+          <a:noFill/>
+        </p:spPr>
+        <p:txBody>
+          <a:bodyPr wrap="square">
+            <a:spAutoFit/>
+          </a:bodyPr>
+          <a:lstStyle/>
+          <a:p>
+            <a:pPr algn="ctr"/>
+            <a:r>
+              <a:rPr lang="en-US" sz="1100" dirty="0">
+                <a:latin typeface="Tw Cen MT" panose="020B0602020104020603" pitchFamily="34" charset="77"/>
+                <a:ea typeface="Open Sans" pitchFamily="2" charset="0"/>
+                <a:cs typeface="Open Sans" pitchFamily="2" charset="0"/>
+              </a:rPr>
+              <a:t>SPIs</a:t>
+            </a:r>
+            <a:endParaRPr lang="en-AU" sz="1100" dirty="0">
+              <a:latin typeface="Tw Cen MT" panose="020B0602020104020603" pitchFamily="34" charset="77"/>
+              <a:ea typeface="Open Sans" pitchFamily="2" charset="0"/>
+              <a:cs typeface="Open Sans" pitchFamily="2" charset="0"/>
+            </a:endParaRPr>
+          </a:p>
+        </p:txBody>
+      </p:sp>
+      <p:cxnSp>
+        <p:nvCxnSpPr>
+          <p:cNvPr id="52" name="Straight Arrow Connector 51">
+            <a:extLst>
+              <a:ext uri="{FF2B5EF4-FFF2-40B4-BE49-F238E27FC236}">
+                <a16:creationId xmlns:a16="http://schemas.microsoft.com/office/drawing/2014/main" id="{9DC4FE7D-DA97-B5C0-C955-2AFBC6535CAB}"/>
+              </a:ext>
+            </a:extLst>
+          </p:cNvPr>
+          <p:cNvCxnSpPr>
+            <a:cxnSpLocks/>
+          </p:cNvCxnSpPr>
+          <p:nvPr/>
+        </p:nvCxnSpPr>
+        <p:spPr>
+          <a:xfrm>
+            <a:off x="1020235" y="1335794"/>
+            <a:ext cx="476795" cy="0"/>
+          </a:xfrm>
+          <a:prstGeom prst="straightConnector1">
+            <a:avLst/>
+          </a:prstGeom>
+          <a:ln w="19050">
+            <a:solidFill>
+              <a:schemeClr val="tx1"/>
+            </a:solidFill>
+            <a:tailEnd type="triangle" w="sm" len="sm"/>
+          </a:ln>
+        </p:spPr>
+        <p:style>
+          <a:lnRef idx="1">
+            <a:schemeClr val="accent1"/>
+          </a:lnRef>
+          <a:fillRef idx="0">
+            <a:schemeClr val="accent1"/>
+          </a:fillRef>
+          <a:effectRef idx="0">
+            <a:schemeClr val="accent1"/>
+          </a:effectRef>
+          <a:fontRef idx="minor">
+            <a:schemeClr val="tx1"/>
+          </a:fontRef>
+        </p:style>
+      </p:cxnSp>
+      <p:cxnSp>
+        <p:nvCxnSpPr>
+          <p:cNvPr id="54" name="Straight Arrow Connector 53">
+            <a:extLst>
+              <a:ext uri="{FF2B5EF4-FFF2-40B4-BE49-F238E27FC236}">
+                <a16:creationId xmlns:a16="http://schemas.microsoft.com/office/drawing/2014/main" id="{C153805A-3E34-212C-A778-0172B0907411}"/>
+              </a:ext>
+            </a:extLst>
+          </p:cNvPr>
+          <p:cNvCxnSpPr>
+            <a:cxnSpLocks/>
+          </p:cNvCxnSpPr>
+          <p:nvPr/>
+        </p:nvCxnSpPr>
+        <p:spPr>
+          <a:xfrm flipH="1">
+            <a:off x="191182" y="1345656"/>
+            <a:ext cx="456787" cy="0"/>
+          </a:xfrm>
+          <a:prstGeom prst="straightConnector1">
+            <a:avLst/>
+          </a:prstGeom>
+          <a:ln w="19050">
+            <a:solidFill>
+              <a:schemeClr val="tx1"/>
+            </a:solidFill>
+            <a:tailEnd type="triangle" w="sm" len="sm"/>
+          </a:ln>
+        </p:spPr>
+        <p:style>
+          <a:lnRef idx="1">
+            <a:schemeClr val="accent1"/>
+          </a:lnRef>
+          <a:fillRef idx="0">
+            <a:schemeClr val="accent1"/>
+          </a:fillRef>
+          <a:effectRef idx="0">
+            <a:schemeClr val="accent1"/>
+          </a:effectRef>
+          <a:fontRef idx="minor">
+            <a:schemeClr val="tx1"/>
+          </a:fontRef>
+        </p:style>
+      </p:cxnSp>
+      <p:sp>
+        <p:nvSpPr>
+          <p:cNvPr id="60" name="TextBox 59">
+            <a:extLst>
+              <a:ext uri="{FF2B5EF4-FFF2-40B4-BE49-F238E27FC236}">
+                <a16:creationId xmlns:a16="http://schemas.microsoft.com/office/drawing/2014/main" id="{81F5E6C0-482F-6E5E-2BA2-16F8E8F05444}"/>
+              </a:ext>
+            </a:extLst>
+          </p:cNvPr>
+          <p:cNvSpPr txBox="1"/>
+          <p:nvPr/>
+        </p:nvSpPr>
+        <p:spPr>
+          <a:xfrm>
+            <a:off x="24522" y="1705715"/>
+            <a:ext cx="553376" cy="372859"/>
+          </a:xfrm>
+          <a:prstGeom prst="rect">
+            <a:avLst/>
+          </a:prstGeom>
+          <a:noFill/>
+        </p:spPr>
+        <p:txBody>
+          <a:bodyPr wrap="square">
+            <a:spAutoFit/>
+          </a:bodyPr>
+          <a:lstStyle/>
+          <a:p>
+            <a:r>
+              <a:rPr lang="en-US" sz="1823" b="1" dirty="0">
+                <a:latin typeface="Tw Cen MT" panose="020B0602020104020603" pitchFamily="34" charset="77"/>
+                <a:ea typeface="Open Sans" pitchFamily="2" charset="0"/>
+                <a:cs typeface="Open Sans" pitchFamily="2" charset="0"/>
+              </a:rPr>
+              <a:t>B</a:t>
+            </a:r>
+            <a:endParaRPr lang="en-AU" sz="1823" b="1" dirty="0">
+              <a:latin typeface="Tw Cen MT" panose="020B0602020104020603" pitchFamily="34" charset="77"/>
+              <a:ea typeface="Open Sans" pitchFamily="2" charset="0"/>
+              <a:cs typeface="Open Sans" pitchFamily="2" charset="0"/>
+            </a:endParaRPr>
+          </a:p>
+        </p:txBody>
+      </p:sp>
+      <p:sp>
+        <p:nvSpPr>
+          <p:cNvPr id="64" name="TextBox 63">
+            <a:extLst>
+              <a:ext uri="{FF2B5EF4-FFF2-40B4-BE49-F238E27FC236}">
+                <a16:creationId xmlns:a16="http://schemas.microsoft.com/office/drawing/2014/main" id="{E29F1C46-9621-D588-482E-14C50E1DEAEE}"/>
+              </a:ext>
+            </a:extLst>
+          </p:cNvPr>
+          <p:cNvSpPr txBox="1"/>
+          <p:nvPr/>
+        </p:nvSpPr>
+        <p:spPr>
+          <a:xfrm>
+            <a:off x="5503717" y="4040955"/>
+            <a:ext cx="553376" cy="372859"/>
+          </a:xfrm>
+          <a:prstGeom prst="rect">
+            <a:avLst/>
+          </a:prstGeom>
+          <a:noFill/>
+        </p:spPr>
+        <p:txBody>
+          <a:bodyPr wrap="square">
+            <a:spAutoFit/>
+          </a:bodyPr>
+          <a:lstStyle/>
+          <a:p>
+            <a:r>
+              <a:rPr lang="en-US" sz="1823" b="1" dirty="0">
+                <a:latin typeface="Tw Cen MT" panose="020B0602020104020603" pitchFamily="34" charset="77"/>
+                <a:ea typeface="Open Sans" pitchFamily="2" charset="0"/>
+                <a:cs typeface="Open Sans" pitchFamily="2" charset="0"/>
+              </a:rPr>
+              <a:t>C</a:t>
+            </a:r>
+            <a:endParaRPr lang="en-AU" sz="1823" b="1" dirty="0">
+              <a:latin typeface="Tw Cen MT" panose="020B0602020104020603" pitchFamily="34" charset="77"/>
+              <a:ea typeface="Open Sans" pitchFamily="2" charset="0"/>
+              <a:cs typeface="Open Sans" pitchFamily="2" charset="0"/>
+            </a:endParaRPr>
+          </a:p>
+        </p:txBody>
+      </p:sp>
+      <p:grpSp>
+        <p:nvGrpSpPr>
+          <p:cNvPr id="65" name="Group 64">
+            <a:extLst>
+              <a:ext uri="{FF2B5EF4-FFF2-40B4-BE49-F238E27FC236}">
+                <a16:creationId xmlns:a16="http://schemas.microsoft.com/office/drawing/2014/main" id="{8AF09BC9-4EF2-2CF0-5DCB-DE1C35CC336E}"/>
+              </a:ext>
+            </a:extLst>
+          </p:cNvPr>
+          <p:cNvGrpSpPr/>
+          <p:nvPr/>
+        </p:nvGrpSpPr>
+        <p:grpSpPr>
+          <a:xfrm>
+            <a:off x="5711132" y="4161783"/>
+            <a:ext cx="1898433" cy="3149591"/>
+            <a:chOff x="3842988" y="1803716"/>
+            <a:chExt cx="1898433" cy="3149591"/>
+          </a:xfrm>
+        </p:grpSpPr>
+        <p:pic>
+          <p:nvPicPr>
+            <p:cNvPr id="66" name="Picture 65">
+              <a:extLst>
+                <a:ext uri="{FF2B5EF4-FFF2-40B4-BE49-F238E27FC236}">
+                  <a16:creationId xmlns:a16="http://schemas.microsoft.com/office/drawing/2014/main" id="{972D7265-2239-43BD-4FCE-D8608CED4D0C}"/>
+                </a:ext>
+              </a:extLst>
+            </p:cNvPr>
+            <p:cNvPicPr>
+              <a:picLocks noChangeAspect="1"/>
+            </p:cNvPicPr>
+            <p:nvPr/>
+          </p:nvPicPr>
+          <p:blipFill rotWithShape="1">
+            <a:blip r:embed="rId14"/>
+            <a:srcRect l="3014" t="71342" r="45208" b="6054"/>
+            <a:stretch/>
+          </p:blipFill>
+          <p:spPr>
+            <a:xfrm>
+              <a:off x="3842988" y="4214454"/>
+              <a:ext cx="967112" cy="738853"/>
+            </a:xfrm>
+            <a:prstGeom prst="rect">
+              <a:avLst/>
+            </a:prstGeom>
+          </p:spPr>
+        </p:pic>
+        <p:pic>
+          <p:nvPicPr>
+            <p:cNvPr id="67" name="Picture 66">
+              <a:extLst>
+                <a:ext uri="{FF2B5EF4-FFF2-40B4-BE49-F238E27FC236}">
+                  <a16:creationId xmlns:a16="http://schemas.microsoft.com/office/drawing/2014/main" id="{B2D1E267-F194-FF25-E5DD-A1F4545A9075}"/>
+                </a:ext>
+              </a:extLst>
+            </p:cNvPr>
+            <p:cNvPicPr>
+              <a:picLocks noChangeAspect="1"/>
+            </p:cNvPicPr>
+            <p:nvPr/>
+          </p:nvPicPr>
+          <p:blipFill rotWithShape="1">
+            <a:blip r:embed="rId14"/>
+            <a:srcRect l="3047" t="5056" r="45175" b="72340"/>
+            <a:stretch/>
+          </p:blipFill>
+          <p:spPr>
+            <a:xfrm>
+              <a:off x="3865682" y="1803716"/>
+              <a:ext cx="967112" cy="738853"/>
+            </a:xfrm>
+            <a:prstGeom prst="rect">
+              <a:avLst/>
+            </a:prstGeom>
+          </p:spPr>
+        </p:pic>
+        <p:pic>
+          <p:nvPicPr>
+            <p:cNvPr id="68" name="Picture 67">
+              <a:extLst>
+                <a:ext uri="{FF2B5EF4-FFF2-40B4-BE49-F238E27FC236}">
+                  <a16:creationId xmlns:a16="http://schemas.microsoft.com/office/drawing/2014/main" id="{6DD62429-13A3-2ABC-7275-36DADFF65DB0}"/>
+                </a:ext>
+              </a:extLst>
+            </p:cNvPr>
+            <p:cNvPicPr>
+              <a:picLocks noChangeAspect="1"/>
+            </p:cNvPicPr>
+            <p:nvPr/>
+          </p:nvPicPr>
+          <p:blipFill rotWithShape="1">
+            <a:blip r:embed="rId14"/>
+            <a:srcRect l="56786" t="5056" r="2943" b="72340"/>
+            <a:stretch/>
+          </p:blipFill>
+          <p:spPr>
+            <a:xfrm>
+              <a:off x="4846160" y="1929351"/>
+              <a:ext cx="410525" cy="403258"/>
+            </a:xfrm>
+            <a:prstGeom prst="rect">
+              <a:avLst/>
+            </a:prstGeom>
+          </p:spPr>
+        </p:pic>
+        <p:pic>
+          <p:nvPicPr>
+            <p:cNvPr id="69" name="Picture 68">
+              <a:extLst>
+                <a:ext uri="{FF2B5EF4-FFF2-40B4-BE49-F238E27FC236}">
+                  <a16:creationId xmlns:a16="http://schemas.microsoft.com/office/drawing/2014/main" id="{C78721C0-251D-7835-AA8F-9FD977DBC733}"/>
+                </a:ext>
+              </a:extLst>
+            </p:cNvPr>
+            <p:cNvPicPr>
+              <a:picLocks noChangeAspect="1"/>
+            </p:cNvPicPr>
+            <p:nvPr/>
+          </p:nvPicPr>
+          <p:blipFill rotWithShape="1">
+            <a:blip r:embed="rId14"/>
+            <a:srcRect l="3498" t="28115" r="44724" b="50514"/>
+            <a:stretch/>
+          </p:blipFill>
+          <p:spPr>
+            <a:xfrm>
+              <a:off x="3865682" y="2630109"/>
+              <a:ext cx="967112" cy="698527"/>
+            </a:xfrm>
+            <a:prstGeom prst="rect">
+              <a:avLst/>
+            </a:prstGeom>
+          </p:spPr>
+        </p:pic>
+        <p:pic>
+          <p:nvPicPr>
+            <p:cNvPr id="71" name="Picture 70">
+              <a:extLst>
+                <a:ext uri="{FF2B5EF4-FFF2-40B4-BE49-F238E27FC236}">
+                  <a16:creationId xmlns:a16="http://schemas.microsoft.com/office/drawing/2014/main" id="{BA814C90-F424-4D60-D704-9285BBFCDF7E}"/>
+                </a:ext>
+              </a:extLst>
+            </p:cNvPr>
+            <p:cNvPicPr>
+              <a:picLocks noChangeAspect="1"/>
+            </p:cNvPicPr>
+            <p:nvPr/>
+          </p:nvPicPr>
+          <p:blipFill rotWithShape="1">
+            <a:blip r:embed="rId14"/>
+            <a:srcRect l="56316" t="28045" r="3413" b="49351"/>
+            <a:stretch/>
+          </p:blipFill>
+          <p:spPr>
+            <a:xfrm>
+              <a:off x="4846160" y="2707105"/>
+              <a:ext cx="410525" cy="403258"/>
+            </a:xfrm>
+            <a:prstGeom prst="rect">
+              <a:avLst/>
+            </a:prstGeom>
+          </p:spPr>
+        </p:pic>
+        <p:pic>
+          <p:nvPicPr>
+            <p:cNvPr id="72" name="Picture 71">
+              <a:extLst>
+                <a:ext uri="{FF2B5EF4-FFF2-40B4-BE49-F238E27FC236}">
+                  <a16:creationId xmlns:a16="http://schemas.microsoft.com/office/drawing/2014/main" id="{3ED059F4-C33C-E2CD-DD2B-0516651B581A}"/>
+                </a:ext>
+              </a:extLst>
+            </p:cNvPr>
+            <p:cNvPicPr>
+              <a:picLocks noChangeAspect="1"/>
+            </p:cNvPicPr>
+            <p:nvPr/>
+          </p:nvPicPr>
+          <p:blipFill rotWithShape="1">
+            <a:blip r:embed="rId14"/>
+            <a:srcRect l="3182" t="48497" r="45040" b="28899"/>
+            <a:stretch/>
+          </p:blipFill>
+          <p:spPr>
+            <a:xfrm>
+              <a:off x="3865682" y="3388061"/>
+              <a:ext cx="967112" cy="738853"/>
+            </a:xfrm>
+            <a:prstGeom prst="rect">
+              <a:avLst/>
+            </a:prstGeom>
+          </p:spPr>
+        </p:pic>
+        <p:pic>
+          <p:nvPicPr>
+            <p:cNvPr id="73" name="Picture 72">
+              <a:extLst>
+                <a:ext uri="{FF2B5EF4-FFF2-40B4-BE49-F238E27FC236}">
+                  <a16:creationId xmlns:a16="http://schemas.microsoft.com/office/drawing/2014/main" id="{3658836B-E2E3-3F48-2E01-158132A89404}"/>
+                </a:ext>
+              </a:extLst>
+            </p:cNvPr>
+            <p:cNvPicPr>
+              <a:picLocks noChangeAspect="1"/>
+            </p:cNvPicPr>
+            <p:nvPr/>
+          </p:nvPicPr>
+          <p:blipFill rotWithShape="1">
+            <a:blip r:embed="rId14"/>
+            <a:srcRect l="56316" t="49941" r="3413" b="29354"/>
+            <a:stretch/>
+          </p:blipFill>
+          <p:spPr>
+            <a:xfrm>
+              <a:off x="4846160" y="3530432"/>
+              <a:ext cx="410525" cy="369394"/>
+            </a:xfrm>
+            <a:prstGeom prst="rect">
+              <a:avLst/>
+            </a:prstGeom>
+          </p:spPr>
+        </p:pic>
+        <p:pic>
+          <p:nvPicPr>
+            <p:cNvPr id="74" name="Picture 73" descr="A picture containing icon&#10;&#10;Description automatically generated">
+              <a:extLst>
+                <a:ext uri="{FF2B5EF4-FFF2-40B4-BE49-F238E27FC236}">
+                  <a16:creationId xmlns:a16="http://schemas.microsoft.com/office/drawing/2014/main" id="{2CD86DFA-799B-FA57-27AE-CCA3CF637EE7}"/>
+                </a:ext>
+              </a:extLst>
+            </p:cNvPr>
+            <p:cNvPicPr>
+              <a:picLocks noChangeAspect="1"/>
+            </p:cNvPicPr>
+            <p:nvPr/>
+          </p:nvPicPr>
+          <p:blipFill rotWithShape="1">
+            <a:blip r:embed="rId15"/>
+            <a:srcRect l="3057" t="23212" r="75800" b="20043"/>
+            <a:stretch/>
+          </p:blipFill>
+          <p:spPr>
+            <a:xfrm>
+              <a:off x="5304066" y="1833322"/>
+              <a:ext cx="437355" cy="704264"/>
+            </a:xfrm>
+            <a:prstGeom prst="rect">
+              <a:avLst/>
+            </a:prstGeom>
+          </p:spPr>
+        </p:pic>
+        <p:pic>
+          <p:nvPicPr>
+            <p:cNvPr id="75" name="Picture 74" descr="A picture containing icon&#10;&#10;Description automatically generated">
+              <a:extLst>
+                <a:ext uri="{FF2B5EF4-FFF2-40B4-BE49-F238E27FC236}">
+                  <a16:creationId xmlns:a16="http://schemas.microsoft.com/office/drawing/2014/main" id="{0E6E0E7B-6439-A1AC-AA70-9AF629051397}"/>
+                </a:ext>
+              </a:extLst>
+            </p:cNvPr>
+            <p:cNvPicPr>
+              <a:picLocks noChangeAspect="1"/>
+            </p:cNvPicPr>
+            <p:nvPr/>
+          </p:nvPicPr>
+          <p:blipFill rotWithShape="1">
+            <a:blip r:embed="rId15"/>
+            <a:srcRect l="29791" t="23642" r="54942" b="22573"/>
+            <a:stretch/>
+          </p:blipFill>
+          <p:spPr>
+            <a:xfrm>
+              <a:off x="5304066" y="2641356"/>
+              <a:ext cx="315799" cy="667525"/>
+            </a:xfrm>
+            <a:prstGeom prst="rect">
+              <a:avLst/>
+            </a:prstGeom>
+          </p:spPr>
+        </p:pic>
+        <p:pic>
+          <p:nvPicPr>
+            <p:cNvPr id="76" name="Picture 75" descr="A picture containing icon&#10;&#10;Description automatically generated">
+              <a:extLst>
+                <a:ext uri="{FF2B5EF4-FFF2-40B4-BE49-F238E27FC236}">
+                  <a16:creationId xmlns:a16="http://schemas.microsoft.com/office/drawing/2014/main" id="{1E82EF14-1E08-9AE9-6E5C-AC48CBF84C2A}"/>
+                </a:ext>
+              </a:extLst>
+            </p:cNvPr>
+            <p:cNvPicPr>
+              <a:picLocks noChangeAspect="1"/>
+            </p:cNvPicPr>
+            <p:nvPr/>
+          </p:nvPicPr>
+          <p:blipFill rotWithShape="1">
+            <a:blip r:embed="rId15"/>
+            <a:srcRect l="53888" t="23316" r="30556" b="22899"/>
+            <a:stretch/>
+          </p:blipFill>
+          <p:spPr>
+            <a:xfrm>
+              <a:off x="5304066" y="3412651"/>
+              <a:ext cx="321794" cy="667525"/>
+            </a:xfrm>
+            <a:prstGeom prst="rect">
+              <a:avLst/>
+            </a:prstGeom>
+          </p:spPr>
+        </p:pic>
+        <p:pic>
+          <p:nvPicPr>
+            <p:cNvPr id="77" name="Picture 76" descr="A picture containing icon&#10;&#10;Description automatically generated">
+              <a:extLst>
+                <a:ext uri="{FF2B5EF4-FFF2-40B4-BE49-F238E27FC236}">
+                  <a16:creationId xmlns:a16="http://schemas.microsoft.com/office/drawing/2014/main" id="{546D34D9-0103-C90C-458E-048A1BED125E}"/>
+                </a:ext>
+              </a:extLst>
+            </p:cNvPr>
+            <p:cNvPicPr>
+              <a:picLocks noChangeAspect="1"/>
+            </p:cNvPicPr>
+            <p:nvPr/>
+          </p:nvPicPr>
+          <p:blipFill rotWithShape="1">
+            <a:blip r:embed="rId15"/>
+            <a:srcRect l="77586" t="23356" r="6235" b="22859"/>
+            <a:stretch/>
+          </p:blipFill>
+          <p:spPr>
+            <a:xfrm>
+              <a:off x="5304066" y="4228595"/>
+              <a:ext cx="334652" cy="667525"/>
+            </a:xfrm>
+            <a:prstGeom prst="rect">
+              <a:avLst/>
+            </a:prstGeom>
+          </p:spPr>
+        </p:pic>
+      </p:grpSp>
+      <p:pic>
+        <p:nvPicPr>
+          <p:cNvPr id="83" name="Picture 82" descr="Graphical user interface, application, Teams&#10;&#10;Description automatically generated">
+            <a:extLst>
+              <a:ext uri="{FF2B5EF4-FFF2-40B4-BE49-F238E27FC236}">
+                <a16:creationId xmlns:a16="http://schemas.microsoft.com/office/drawing/2014/main" id="{1D7C0A7C-8DAC-05C5-8CDC-B1571604C426}"/>
+              </a:ext>
+            </a:extLst>
+          </p:cNvPr>
+          <p:cNvPicPr>
+            <a:picLocks noChangeAspect="1"/>
+          </p:cNvPicPr>
+          <p:nvPr/>
+        </p:nvPicPr>
+        <p:blipFill rotWithShape="1">
+          <a:blip r:embed="rId16"/>
+          <a:srcRect l="47296"/>
+          <a:stretch/>
+        </p:blipFill>
+        <p:spPr>
+          <a:xfrm>
+            <a:off x="1713332" y="1762397"/>
+            <a:ext cx="1807716" cy="3086966"/>
+          </a:xfrm>
+          <a:prstGeom prst="rect">
+            <a:avLst/>
+          </a:prstGeom>
+        </p:spPr>
+      </p:pic>
+      <p:pic>
+        <p:nvPicPr>
+          <p:cNvPr id="84" name="Picture 83" descr="Graphical user interface, application, Teams&#10;&#10;Description automatically generated">
+            <a:extLst>
+              <a:ext uri="{FF2B5EF4-FFF2-40B4-BE49-F238E27FC236}">
+                <a16:creationId xmlns:a16="http://schemas.microsoft.com/office/drawing/2014/main" id="{6FC4A681-E7BB-AC5B-E8E7-25FD2BD7547F}"/>
+              </a:ext>
+            </a:extLst>
+          </p:cNvPr>
+          <p:cNvPicPr>
+            <a:picLocks noChangeAspect="1"/>
+          </p:cNvPicPr>
+          <p:nvPr/>
+        </p:nvPicPr>
+        <p:blipFill rotWithShape="1">
+          <a:blip r:embed="rId16"/>
+          <a:srcRect l="5837" r="52704" b="34265"/>
+          <a:stretch/>
+        </p:blipFill>
+        <p:spPr>
+          <a:xfrm>
+            <a:off x="94474" y="1751911"/>
+            <a:ext cx="1422012" cy="2029203"/>
+          </a:xfrm>
+          <a:prstGeom prst="rect">
+            <a:avLst/>
+          </a:prstGeom>
+        </p:spPr>
+      </p:pic>
+      <p:pic>
+        <p:nvPicPr>
+          <p:cNvPr id="86" name="Picture 85" descr="A picture containing background pattern&#10;&#10;Description automatically generated">
+            <a:extLst>
+              <a:ext uri="{FF2B5EF4-FFF2-40B4-BE49-F238E27FC236}">
+                <a16:creationId xmlns:a16="http://schemas.microsoft.com/office/drawing/2014/main" id="{6BB1FDA9-C359-7854-BABE-919FA08C72D4}"/>
+              </a:ext>
+            </a:extLst>
+          </p:cNvPr>
+          <p:cNvPicPr>
+            <a:picLocks noChangeAspect="1"/>
+          </p:cNvPicPr>
+          <p:nvPr/>
+        </p:nvPicPr>
+        <p:blipFill rotWithShape="1">
+          <a:blip r:embed="rId3"/>
+          <a:srcRect l="18758" t="84740" r="17510" b="42"/>
+          <a:stretch/>
+        </p:blipFill>
+        <p:spPr>
+          <a:xfrm>
+            <a:off x="134920" y="3933533"/>
+            <a:ext cx="1621194" cy="387131"/>
+          </a:xfrm>
+          <a:prstGeom prst="rect">
+            <a:avLst/>
+          </a:prstGeom>
+        </p:spPr>
+      </p:pic>
+    </p:spTree>
+    <p:extLst>
+      <p:ext uri="{BB962C8B-B14F-4D97-AF65-F5344CB8AC3E}">
+        <p14:creationId xmlns:p14="http://schemas.microsoft.com/office/powerpoint/2010/main" val="1763270845"/>
+      </p:ext>
+    </p:extLst>
+  </p:cSld>
+  <p:clrMapOvr>
+    <a:masterClrMapping/>
+  </p:clrMapOvr>
+</p:sld>
+</file>
+
+<file path=ppt/slides/slide2.xml><?xml version="1.0" encoding="utf-8"?>
+<p:sld xmlns:a="http://schemas.openxmlformats.org/drawingml/2006/main" xmlns:r="http://schemas.openxmlformats.org/officeDocument/2006/relationships" xmlns:p="http://schemas.openxmlformats.org/presentationml/2006/main" show="0">
   <p:cSld>
     <p:spTree>
       <p:nvGrpSpPr>
@@ -3874,8 +5084,8 @@
         </p:blipFill>
         <p:spPr>
           <a:xfrm>
-            <a:off x="617066" y="2136990"/>
-            <a:ext cx="1933974" cy="1649344"/>
+            <a:off x="469500" y="2326349"/>
+            <a:ext cx="1510288" cy="1288013"/>
           </a:xfrm>
           <a:prstGeom prst="rect">
             <a:avLst/>
@@ -3896,8 +5106,8 @@
         </p:nvSpPr>
         <p:spPr>
           <a:xfrm>
-            <a:off x="-516712" y="-480472"/>
-            <a:ext cx="1896495" cy="461665"/>
+            <a:off x="-3281659" y="-512503"/>
+            <a:ext cx="2022928" cy="486287"/>
           </a:xfrm>
           <a:prstGeom prst="rect">
             <a:avLst/>
@@ -3911,7 +5121,7 @@
           <a:lstStyle/>
           <a:p>
             <a:r>
-              <a:rPr lang="en-US" sz="2400" b="1" dirty="0">
+              <a:rPr lang="en-US" sz="2560" b="1" dirty="0">
                 <a:solidFill>
                   <a:schemeClr val="bg1"/>
                 </a:solidFill>
@@ -3921,7 +5131,7 @@
               </a:rPr>
               <a:t>Figure 3</a:t>
             </a:r>
-            <a:endParaRPr lang="en-AU" sz="2400" b="1" dirty="0">
+            <a:endParaRPr lang="en-AU" sz="2560" b="1" dirty="0">
               <a:solidFill>
                 <a:schemeClr val="bg1"/>
               </a:solidFill>
@@ -3946,8 +5156,8 @@
         </p:nvSpPr>
         <p:spPr>
           <a:xfrm>
-            <a:off x="1320062" y="47028"/>
-            <a:ext cx="1708128" cy="403957"/>
+            <a:off x="1219362" y="97056"/>
+            <a:ext cx="1333919" cy="369332"/>
           </a:xfrm>
           <a:prstGeom prst="rect">
             <a:avLst/>
@@ -3961,14 +5171,14 @@
           <a:lstStyle/>
           <a:p>
             <a:r>
-              <a:rPr lang="en-US" sz="2025" b="1" dirty="0">
+              <a:rPr lang="en-US" b="1" dirty="0">
                 <a:latin typeface="Tw Cen MT" panose="020B0602020104020603" pitchFamily="34" charset="77"/>
                 <a:ea typeface="Open Sans" pitchFamily="2" charset="0"/>
                 <a:cs typeface="Open Sans" pitchFamily="2" charset="0"/>
               </a:rPr>
               <a:t>Bivariate</a:t>
             </a:r>
-            <a:endParaRPr lang="en-AU" sz="2025" b="1" dirty="0">
+            <a:endParaRPr lang="en-AU" b="1" dirty="0">
               <a:latin typeface="Tw Cen MT" panose="020B0602020104020603" pitchFamily="34" charset="77"/>
               <a:ea typeface="Open Sans" pitchFamily="2" charset="0"/>
               <a:cs typeface="Open Sans" pitchFamily="2" charset="0"/>
@@ -3997,8 +5207,8 @@
         </p:blipFill>
         <p:spPr>
           <a:xfrm>
-            <a:off x="1379783" y="1699941"/>
-            <a:ext cx="1557447" cy="169230"/>
+            <a:off x="1283065" y="1860163"/>
+            <a:ext cx="1216249" cy="132156"/>
           </a:xfrm>
           <a:prstGeom prst="rect">
             <a:avLst/>
@@ -4024,8 +5234,8 @@
         </p:nvGrpSpPr>
         <p:grpSpPr>
           <a:xfrm>
-            <a:off x="1333791" y="578482"/>
-            <a:ext cx="1520555" cy="248314"/>
+            <a:off x="1234007" y="663941"/>
+            <a:ext cx="1187439" cy="193914"/>
             <a:chOff x="5742870" y="3094155"/>
             <a:chExt cx="2397783" cy="518065"/>
           </a:xfrm>
@@ -4147,8 +5357,8 @@
         </p:nvGrpSpPr>
         <p:grpSpPr>
           <a:xfrm>
-            <a:off x="176910" y="607677"/>
-            <a:ext cx="1252453" cy="1064586"/>
+            <a:off x="0" y="695082"/>
+            <a:ext cx="978071" cy="831361"/>
             <a:chOff x="7992844" y="4027677"/>
             <a:chExt cx="1902323" cy="1616975"/>
           </a:xfrm>
@@ -4276,10 +5486,10 @@
               <a:bodyPr rtlCol="0" anchor="ctr"/>
               <a:lstStyle/>
               <a:p>
-                <a:pPr algn="ctr" defTabSz="257129">
+                <a:pPr algn="ctr" defTabSz="274280">
                   <a:defRPr/>
                 </a:pPr>
-                <a:endParaRPr lang="en-AU" sz="1012">
+                <a:endParaRPr lang="en-AU" sz="1000">
                   <a:solidFill>
                     <a:prstClr val="white"/>
                   </a:solidFill>
@@ -4335,10 +5545,10 @@
               <a:bodyPr rtlCol="0" anchor="ctr"/>
               <a:lstStyle/>
               <a:p>
-                <a:pPr algn="ctr" defTabSz="257129">
+                <a:pPr algn="ctr" defTabSz="274280">
                   <a:defRPr/>
                 </a:pPr>
-                <a:endParaRPr lang="en-AU" sz="1012">
+                <a:endParaRPr lang="en-AU" sz="1000">
                   <a:solidFill>
                     <a:prstClr val="white"/>
                   </a:solidFill>
@@ -4408,8 +5618,8 @@
         </p:nvCxnSpPr>
         <p:spPr>
           <a:xfrm>
-            <a:off x="1584053" y="928274"/>
-            <a:ext cx="0" cy="709082"/>
+            <a:off x="1500953" y="1037052"/>
+            <a:ext cx="0" cy="350404"/>
           </a:xfrm>
           <a:prstGeom prst="straightConnector1">
             <a:avLst/>
@@ -4450,8 +5660,8 @@
         </p:nvSpPr>
         <p:spPr>
           <a:xfrm>
-            <a:off x="4819764" y="2103662"/>
-            <a:ext cx="2031491" cy="300082"/>
+            <a:off x="4952378" y="2290800"/>
+            <a:ext cx="1586441" cy="276999"/>
           </a:xfrm>
           <a:prstGeom prst="rect">
             <a:avLst/>
@@ -4466,14 +5676,14 @@
           <a:p>
             <a:pPr algn="ctr"/>
             <a:r>
-              <a:rPr lang="en-US" sz="1350" dirty="0">
+              <a:rPr lang="en-US" sz="1200" dirty="0">
                 <a:latin typeface="Tw Cen MT" panose="020B0602020104020603" pitchFamily="34" charset="77"/>
                 <a:ea typeface="Open Sans" pitchFamily="2" charset="0"/>
                 <a:cs typeface="Open Sans" pitchFamily="2" charset="0"/>
               </a:rPr>
               <a:t>ASD</a:t>
             </a:r>
-            <a:endParaRPr lang="en-AU" sz="1350" dirty="0">
+            <a:endParaRPr lang="en-AU" sz="1200" dirty="0">
               <a:latin typeface="Tw Cen MT" panose="020B0602020104020603" pitchFamily="34" charset="77"/>
               <a:ea typeface="Open Sans" pitchFamily="2" charset="0"/>
               <a:cs typeface="Open Sans" pitchFamily="2" charset="0"/>
@@ -4502,8 +5712,8 @@
         </p:blipFill>
         <p:spPr>
           <a:xfrm>
-            <a:off x="2835462" y="453959"/>
-            <a:ext cx="4242656" cy="1647633"/>
+            <a:off x="2835789" y="531117"/>
+            <a:ext cx="3313194" cy="1286677"/>
           </a:xfrm>
           <a:prstGeom prst="rect">
             <a:avLst/>
@@ -4531,8 +5741,8 @@
         </p:blipFill>
         <p:spPr>
           <a:xfrm>
-            <a:off x="2937230" y="2277445"/>
-            <a:ext cx="4140888" cy="1702795"/>
+            <a:off x="2944341" y="2476168"/>
+            <a:ext cx="3233721" cy="1329755"/>
           </a:xfrm>
           <a:prstGeom prst="rect">
             <a:avLst/>
@@ -4553,8 +5763,8 @@
         </p:nvSpPr>
         <p:spPr>
           <a:xfrm>
-            <a:off x="4956790" y="286019"/>
-            <a:ext cx="2031491" cy="300082"/>
+            <a:off x="5098539" y="351981"/>
+            <a:ext cx="1586441" cy="276999"/>
           </a:xfrm>
           <a:prstGeom prst="rect">
             <a:avLst/>
@@ -4569,14 +5779,14 @@
           <a:p>
             <a:pPr algn="ctr"/>
             <a:r>
-              <a:rPr lang="en-US" sz="1350" dirty="0">
+              <a:rPr lang="en-US" sz="1200" dirty="0">
                 <a:latin typeface="Tw Cen MT" panose="020B0602020104020603" pitchFamily="34" charset="77"/>
                 <a:ea typeface="Open Sans" pitchFamily="2" charset="0"/>
                 <a:cs typeface="Open Sans" pitchFamily="2" charset="0"/>
               </a:rPr>
               <a:t>Schizophrenia</a:t>
             </a:r>
-            <a:endParaRPr lang="en-AU" sz="1350" dirty="0">
+            <a:endParaRPr lang="en-AU" sz="1200" dirty="0">
               <a:latin typeface="Tw Cen MT" panose="020B0602020104020603" pitchFamily="34" charset="77"/>
               <a:ea typeface="Open Sans" pitchFamily="2" charset="0"/>
               <a:cs typeface="Open Sans" pitchFamily="2" charset="0"/>
@@ -4605,8 +5815,8 @@
         </p:blipFill>
         <p:spPr>
           <a:xfrm>
-            <a:off x="1718384" y="953251"/>
-            <a:ext cx="507767" cy="539739"/>
+            <a:off x="1644240" y="1063694"/>
+            <a:ext cx="396528" cy="421496"/>
           </a:xfrm>
           <a:prstGeom prst="rect">
             <a:avLst/>
@@ -4627,8 +5837,8 @@
         </p:nvSpPr>
         <p:spPr>
           <a:xfrm>
-            <a:off x="176909" y="4006886"/>
-            <a:ext cx="3147047" cy="334707"/>
+            <a:off x="0" y="4320905"/>
+            <a:ext cx="2457606" cy="523220"/>
           </a:xfrm>
           <a:prstGeom prst="rect">
             <a:avLst/>
@@ -4642,7 +5852,7 @@
           <a:lstStyle/>
           <a:p>
             <a:r>
-              <a:rPr lang="en-US" sz="1575" dirty="0">
+              <a:rPr lang="en-US" sz="1400" dirty="0">
                 <a:highlight>
                   <a:srgbClr val="FFFF00"/>
                 </a:highlight>
@@ -4652,7 +5862,7 @@
               </a:rPr>
               <a:t>Try adding all pairwise combinations</a:t>
             </a:r>
-            <a:endParaRPr lang="en-AU" sz="1575" dirty="0">
+            <a:endParaRPr lang="en-AU" sz="1400" dirty="0">
               <a:highlight>
                 <a:srgbClr val="FFFF00"/>
               </a:highlight>
@@ -4677,8 +5887,8 @@
         </p:nvSpPr>
         <p:spPr>
           <a:xfrm>
-            <a:off x="4188638" y="1699942"/>
-            <a:ext cx="4425701" cy="819455"/>
+            <a:off x="4279177" y="1860164"/>
+            <a:ext cx="3456139" cy="954107"/>
           </a:xfrm>
           <a:prstGeom prst="rect">
             <a:avLst/>
@@ -4692,7 +5902,7 @@
           <a:lstStyle/>
           <a:p>
             <a:r>
-              <a:rPr lang="en-US" sz="1575" dirty="0">
+              <a:rPr lang="en-US" sz="1400" dirty="0">
                 <a:highlight>
                   <a:srgbClr val="FFFF00"/>
                 </a:highlight>
@@ -4702,7 +5912,7 @@
               </a:rPr>
               <a:t>Nulls should be 1000x of 10-repeat 10-fold CV, where each point in the histogram is one value from the 10-fold 10-repeat shuffled dataset</a:t>
             </a:r>
-            <a:endParaRPr lang="en-AU" sz="1575" dirty="0">
+            <a:endParaRPr lang="en-AU" sz="1400" dirty="0">
               <a:highlight>
                 <a:srgbClr val="FFFF00"/>
               </a:highlight>
@@ -4729,7 +5939,7 @@
 <file path=ppt/theme/theme1.xml><?xml version="1.0" encoding="utf-8"?>
 <a:theme xmlns:a="http://schemas.openxmlformats.org/drawingml/2006/main" name="Office Theme">
   <a:themeElements>
-    <a:clrScheme name="Office">
+    <a:clrScheme name="Office Theme">
       <a:dk1>
         <a:sysClr val="windowText" lastClr="000000"/>
       </a:dk1>
@@ -4767,7 +5977,7 @@
         <a:srgbClr val="954F72"/>
       </a:folHlink>
     </a:clrScheme>
-    <a:fontScheme name="Office">
+    <a:fontScheme name="Office Theme">
       <a:majorFont>
         <a:latin typeface="Calibri Light" panose="020F0302020204030204"/>
         <a:ea typeface=""/>
@@ -4802,23 +6012,6 @@
         <a:font script="Viet" typeface="Times New Roman"/>
         <a:font script="Uigh" typeface="Microsoft Uighur"/>
         <a:font script="Geor" typeface="Sylfaen"/>
-        <a:font script="Armn" typeface="Arial"/>
-        <a:font script="Bugi" typeface="Leelawadee UI"/>
-        <a:font script="Bopo" typeface="Microsoft JhengHei"/>
-        <a:font script="Java" typeface="Javanese Text"/>
-        <a:font script="Lisu" typeface="Segoe UI"/>
-        <a:font script="Mymr" typeface="Myanmar Text"/>
-        <a:font script="Nkoo" typeface="Ebrima"/>
-        <a:font script="Olck" typeface="Nirmala UI"/>
-        <a:font script="Osma" typeface="Ebrima"/>
-        <a:font script="Phag" typeface="Phagspa"/>
-        <a:font script="Syrn" typeface="Estrangelo Edessa"/>
-        <a:font script="Syrj" typeface="Estrangelo Edessa"/>
-        <a:font script="Syre" typeface="Estrangelo Edessa"/>
-        <a:font script="Sora" typeface="Nirmala UI"/>
-        <a:font script="Tale" typeface="Microsoft Tai Le"/>
-        <a:font script="Talu" typeface="Microsoft New Tai Lue"/>
-        <a:font script="Tfng" typeface="Ebrima"/>
       </a:majorFont>
       <a:minorFont>
         <a:latin typeface="Calibri" panose="020F0502020204030204"/>
@@ -4854,26 +6047,9 @@
         <a:font script="Viet" typeface="Arial"/>
         <a:font script="Uigh" typeface="Microsoft Uighur"/>
         <a:font script="Geor" typeface="Sylfaen"/>
-        <a:font script="Armn" typeface="Arial"/>
-        <a:font script="Bugi" typeface="Leelawadee UI"/>
-        <a:font script="Bopo" typeface="Microsoft JhengHei"/>
-        <a:font script="Java" typeface="Javanese Text"/>
-        <a:font script="Lisu" typeface="Segoe UI"/>
-        <a:font script="Mymr" typeface="Myanmar Text"/>
-        <a:font script="Nkoo" typeface="Ebrima"/>
-        <a:font script="Olck" typeface="Nirmala UI"/>
-        <a:font script="Osma" typeface="Ebrima"/>
-        <a:font script="Phag" typeface="Phagspa"/>
-        <a:font script="Syrn" typeface="Estrangelo Edessa"/>
-        <a:font script="Syrj" typeface="Estrangelo Edessa"/>
-        <a:font script="Syre" typeface="Estrangelo Edessa"/>
-        <a:font script="Sora" typeface="Nirmala UI"/>
-        <a:font script="Tale" typeface="Microsoft Tai Le"/>
-        <a:font script="Talu" typeface="Microsoft New Tai Lue"/>
-        <a:font script="Tfng" typeface="Ebrima"/>
       </a:minorFont>
     </a:fontScheme>
-    <a:fmtScheme name="Office">
+    <a:fmtScheme name="Office Theme">
       <a:fillStyleLst>
         <a:solidFill>
           <a:schemeClr val="phClr"/>
@@ -5015,7 +6191,7 @@
   <a:extraClrSchemeLst/>
   <a:extLst>
     <a:ext uri="{05A4C25C-085E-4340-85A3-A5531E510DB2}">
-      <thm15:themeFamily xmlns:thm15="http://schemas.microsoft.com/office/thememl/2012/main" name="Office Theme" id="{62F939B6-93AF-4DB8-9C6B-D6C7DFDC589F}" vid="{4A3C46E8-61CC-4603-A589-7422A47A8E4A}"/>
+      <thm15:themeFamily xmlns:thm15="http://schemas.microsoft.com/office/thememl/2012/main" name="Office Theme 2013 - 2022" id="{62F939B6-93AF-4DB8-9C6B-D6C7DFDC589F}" vid="{4A3C46E8-61CC-4603-A589-7422A47A8E4A}"/>
     </a:ext>
   </a:extLst>
 </a:theme>

--- a/plots/Manuscript_Draft/pairwise_results/pairwise_results.pptx
+++ b/plots/Manuscript_Draft/pairwise_results/pairwise_results.pptx
@@ -2,16 +2,16 @@
 <file path=ppt/presentation.xml><?xml version="1.0" encoding="utf-8"?>
 <p:presentation xmlns:a="http://schemas.openxmlformats.org/drawingml/2006/main" xmlns:r="http://schemas.openxmlformats.org/officeDocument/2006/relationships" xmlns:p="http://schemas.openxmlformats.org/presentationml/2006/main" saveSubsetFonts="1" autoCompressPictures="0">
   <p:sldMasterIdLst>
-    <p:sldMasterId id="2147483660" r:id="rId1"/>
+    <p:sldMasterId id="2147483672" r:id="rId1"/>
   </p:sldMasterIdLst>
   <p:notesMasterIdLst>
     <p:notesMasterId r:id="rId4"/>
   </p:notesMasterIdLst>
   <p:sldIdLst>
     <p:sldId id="298" r:id="rId2"/>
-    <p:sldId id="297" r:id="rId3"/>
+    <p:sldId id="299" r:id="rId3"/>
   </p:sldIdLst>
-  <p:sldSz cx="7543800" cy="7315200"/>
+  <p:sldSz cx="10972800" cy="7315200"/>
   <p:notesSz cx="6858000" cy="9144000"/>
   <p:defaultTextStyle>
     <a:defPPr>
@@ -188,15 +188,15 @@
           <inkml:channelProperty channel="F" name="resolution" value="0" units="1/dev"/>
         </inkml:channelProperties>
       </inkml:inkSource>
-      <inkml:timestamp xml:id="ts0" timeString="2023-01-26T07:55:47.811"/>
+      <inkml:timestamp xml:id="ts0" timeString="2023-03-27T05:42:04.067"/>
     </inkml:context>
     <inkml:brush xml:id="br0">
-      <inkml:brushProperty name="width" value="0.05292" units="cm"/>
-      <inkml:brushProperty name="height" value="0.05292" units="cm"/>
+      <inkml:brushProperty name="width" value="0.02646" units="cm"/>
+      <inkml:brushProperty name="height" value="0.02646" units="cm"/>
       <inkml:brushProperty name="color" value="#C10800"/>
     </inkml:brush>
   </inkml:definitions>
-  <inkml:trace contextRef="#ctx0" brushRef="#br0">0 336 24575,'0'-1'0,"2"-1"0,1-1 0,-1 1 0,2 0 0,-4 0 0,1 0 0,2 0 0,-2 1 0,-1-1 0,4-3 0,-3 3 0,5-1 0,-6 1 0,3-2 0,-3 3 0,4-4 0,-4 4 0,6-2 0,-6 1 0,4 0 0,-4-1 0,2 1 0,0 0 0,-2 0 0,3 1 0,-3 0 0,0-2 0,1 2 0,1-1 0,1-1 0,-3 1 0,2-1 0,0 3 0,-1-3 0,-1 2 0,0-2 0,0 3 0,3-2 0,-3 0 0,2 0 0,-2 1 0,2-1 0,-1 0 0,0-1 0,-1 2 0,0-1 0,0 1 0,0-1 0,0 0 0,0-1 0,0 3 0,0-3 0,0 2 0,0-2 0,0 2 0,0-1 0,0-1 0,0 2 0,0-1 0,0 1 0,0 0 0,0-2 0,0 1 0,0 0 0,0 2 0,2 0 0,1 2 0,-1 0 0,2 2 0,-4-3 0,2 5 0,-2-4 0,1 2 0,1-3 0,1 2 0,-1 0 0,-2-1 0,0 1 0,2 0 0,-2 0 0,2 0 0,0-2 0,-2 2 0,5-2 0,-5 2 0,1-3 0,1 4 0,-2-1 0,6-1 0,-6 0 0,3 1 0,-1-1 0,0 2 0,1-3 0,-3 0 0,1 2 0,1 0 0,1-1 0,0 3 0,-1-4 0,1 2 0,-3-2 0,4 1 0,-3-1 0,0 2 0,-1-1 0,2 2 0,-2-1 0,3 1 0,-3-3 0,0 4 0,0-3 0,0 2 0,0-3 0,0 1 0,0 5 0,0-1 0,0 3 0,0-5 0,0 0 0,0-2 0,0 0 0,0 0 0,0 0 0,0 0 0,0-1 0,0 3 0,0-2 0,0 2 0,0-1 0,0 0 0,0-2 0,0 1 0,0 0 0,0 1 0,0-2 0,0 0 0,0 1 0,0 0 0,0 0 0,0 0 0,0 2 0,0-3 0,0 2 0,0-1 0,-3 1 0,3-1 0,-2-1 0,2 1 0,0 0 0,0-1 0,0 1 0,0 0 0,0 2 0,0-3 0,0 3 0,0-2 0,0 2 0,0-1 0,0 1 0,0-3 0,0 0 0,0 1 0,0 0 0,0 0 0,0-1 0,0 1 0,0-1 0,0 1 0,0 0 0,0-2 0,0 2 0,0 0 0,0 0 0,0 0 0,0-1 0,2 0 0,-2 1 0,4 0 0,-3 0 0,0-1 0,-1 0 0,0-1 0,0-2 0,2-1 0,1-1 0,0 2 0,0-2 0,-3 3 0,5-4 0,-4 3 0,1-2 0,0 2 0,1-2 0,-1 3 0,1-4 0,0 3 0,0-2 0,-1 2 0,-1-1 0,-1 2 0,3-4 0,-3 3 0,3-4 0,-2 4 0,1 1 0,-2-1 0,0-1 0,0 1 0,0-1 0,0 1 0,1 0 0,-1 1 0,3-1 0,-3 0 0,0-1 0,0 2 0,0 0 0,0-2 0,0 2 0,0-1 0,0 1 0,0 0 0,0-1 0,0 0 0,0 0 0,0 1 0,0-1 0,0 0 0,0 0 0,0-1 0,0 2 0,0-2 0,0 1 0,0 1 0,0-3 0,0 3 0,0-3 0,0 2 0,0-1 0,1 1 0,0-1 0,1 2 0,-2-3 0,0 2 0,0-2 0,0 2 0,2-1 0,-2 1 0,3 0 0,-1 1 0,-1-1 0,-1 0 0,0 0 0,3-1 0,-3-1 0,3 2 0,-1-1 0,1 1 0,-1-1 0,0 1 0,-2 1 0,4-1 0,-4 0 0,2 0 0,1-2 0,-3 4 0,3-4 0,-3 4 0,1-3 0,-1 2 0,1-1 0,-1 2 0,3 0 0,-3 2 0,3-1 0,-3 2 0,0-1 0,0 0 0,0 0 0,1 3 0,1-4 0,0 5 0,-2-4 0,2 3 0,-2-3 0,4 2 0,-4-3 0,3 2 0,-1-2 0,-1 2 0,-1 0 0,3 0 0,-3-1 0,2 0 0,-2-1 0,2 3 0,-2-1 0,4 1 0,-2-3 0,0 3 0,1-2 0,-1 0 0,0 1 0,0-1 0,0-1 0,0 1 0,3 2 0,-5-2 0,1 0 0,-1-1 0,0 1 0,2 0 0,-2-1 0,2 0 0,-2 2 0,0-1 0,2 0 0,-2-1 0,3 1 0,-3 0 0,0-1 0,0 1 0,1 0 0,1 1 0,1-1 0,-2 2 0,1-2 0,0 1 0,-2-1 0,3-2 0,-3 3 0,3-2 0,-2 1 0,-1 0 0,2-1 0,-2 0 0,0 1 0,0 0 0,0-2 0,0-1 0,0-1 0,0-1 0,0-2 0,0-1 0,3-4 0,-3 2 0,7-4 0,-5 7 0,2-3 0,-1 3 0,0-1 0,2-2 0,-2 1 0,2-1 0,-1 1 0,-1 0 0,2 2 0,-3 0 0,1 3 0,0-4 0,-2 3 0,2-2 0,-1 3 0,-2-2 0,3 1 0,-3 1 0,0 0 0,1 1 0,0-2 0,2 0 0,-3 0 0,3 3 0,-3-2 0,1 0 0,0 0 0,1 0 0,-2 2 0,0-3 0,0 0 0,0-1 0,0 3 0,0-2 0,0 1 0,0 1 0,0-2 0,0 2 0,0-3 0,0-1 0,0 3 0,0-3 0,0 3 0,0-1 0,0-1 0,0 2 0,0-3 0,0 4 0,0-3 0,0 2 0,0-1 0,-2 1 0,1-2 0,0 3 0,1-2 0,0 2 0,0-2 0,0 2 0,0-3 0,0 2 0,0 0 0,0 0 0,0-1 0,0 1 0,0-1 0,0 0 0,0 0 0,0 1 0,0-3 0,0 3 0,0-2 0,0 2 0,0-1 0,0 2 0,0-3 0,0 1 0,0 0 0,0 1 0,0 0 0,0-1 0,0-1 0,0 3 0,0-4 0,0 3 0,0-1 0,0 2 0,0-1 0,0 0 0,0 1 0,0 0 0,0-1 0,0 0 0,0 0 0,0 1 0,0 0 0,0-2 0,0 2 0,0-1 0,0 0 0,0 0 0,0-1 0,0 1 0,0 0 0,0 1 0,0-1 0,0 0 0,0 1 0,0-1 0,0-1 0,0 0 0,0 3 0,0-2 0,0 0 0,0 2 0,-3 0 0,3 2 0,-2-2 0,2 2 0,0 0 0,0 2 0,0-2 0,0 2 0,2-3 0,2 5 0,0-4 0,-1 3 0,-2-3 0,2 0 0,-1-1 0,3 2 0,-5 2 0,1-2 0,1 0 0,-2-2 0,5 2 0,-5-2 0,3 1 0,-3 0 0,0 0 0,0-1 0,0 1 0,1 0 0,0 0 0,0 0 0,1 1 0,-2 0 0,3 0 0,-2-1 0,0 0 0,3 1 0,-4-2 0,3 1 0,-2 0 0,1 1 0,0-2 0,-2 2 0,2-1 0,-1 0 0,1-1 0,1 3 0,-1-2 0,2 3 0,1-2 0,-2 1 0,2-2 0,-3 1 0,2-2 0,-2 2 0,1-1 0,3 1 0,-4-1 0,2 3 0,0-3 0,-2 1 0,2-1 0,-1 1 0,-3 0 0,3 0 0,-2-2 0,3 0 0,-4 1 0,3 1 0,-1-2 0,-1 1 0,-1-1 0,3 0 0,-3 1 0,1 0 0,-1 0 0,0-2 0,2 3 0,-1-1 0,0 0 0,-1 2 0,3-3 0,-3 3 0,2-2 0,-2 1 0,0-3 0,2 4 0,-2-2 0,3 3 0,-3-5 0,0 4 0,4-1 0,-4 0 0,0-2 0,0 3 0,0-2 0,0-1 0,0 1 0,0 0 0,0 1 0,0-1 0,0 2 0,0-3 0,0 2 0,0-2 0,0 2 0,0-1 0,0-1 0,0 0 0,0 2 0,0-1 0,0-1 0,0 2 0,0-2 0,0 1 0,0 0 0,0-1 0,0 1 0,0 0 0,0 0 0,0 0 0,0-1 0,0 1 0,0 0 0,0 1 0,0-1 0,0 3 0,0-5 0,0 3 0,0-1 0,0 1 0,0-3 0,0 0 0,2 0 0,-2-1 0,3 0 0,-2-1 0,0 0 0,2 1 0,-3 0 0,2-3 0,0 0 0,-2 0 0,4 0 0,-4 3 0,3-2 0,-1 0 0,2 2 0,-3-3 0,2 1 0,1 1 0,-4 0 0,4-1 0,-4 1 0,4 0 0,-1-1 0,-1 0 0,-1 2 0,1-2 0,0 1 0,1 0 0,-1-2 0,-2 1 0,2 2 0,-2 0 0,2-1 0,-2 1 0,2-1 0,-2 0 0,3 0 0,-1 0 0,2 0 0,-4-1 0,3 3 0,-1-3 0,3-1 0,-3 4 0,2-4 0,-4 1 0,4 1 0,-3 0 0,5-1 0,-4 1 0,4-3 0,-1 4 0,-2-2 0,-1 0 0,4-1 0,-6 2 0,9-3 0,-7 3 0,4 0 0,-1-1 0,-2 0 0,0 2 0,0-2 0,-1 1 0,1 0 0,0 2 0,-3-2 0,0 0 0,0 2 0,0 1 0,0 1 0,0 0 0,0 2 0,0-2 0,0 0 0,0 1 0,0-1 0,0 0 0,0 3 0,0-1 0,0-1 0,0 3 0,0-4 0,0 4 0,0-5 0,3 2 0,-2-1 0,3 3 0,-4-1 0,0-1 0,0-2 0,2 2 0,-2 0 0,2-2 0,-1 2 0,-1 0 0,6 0 0,-6 0 0,3-1 0,-2 0 0,0-1 0,2 3 0,-3-2 0,2 2 0,-2-3 0,0 2 0,0 0 0,0 1 0,0-1 0,0 1 0,0-3 0,0 4 0,0-3 0,0 0 0,0 0 0,0 2 0,0-1 0,0 4 0,0-5 0,0 4 0,0-4 0,0 2 0,0-3 0,0 2 0,0-1 0,0 0 0,0 0 0,0 3 0,0-3 0,0 1 0,0-1 0,0 2 0,0-2 0,0 1 0,0-1 0,0 0 0,0 0 0,0 3 0,0-4 0,0 2 0,0-1 0,0 0 0,0 0 0,0 1 0,0-1 0,0-1 0,0 2 0,0-1 0,0-1 0,0 1 0,0 0 0,0-1 0,0 1 0,0-2 0,0-1 0,1-1 0,2 0 0,-1 0 0,0 1 0,-1-1 0,1 1 0,4-1 0,-3 2 0,2 0 0,-1 0 0,0 0 0,-1 0 0,0 0 0,-3 3 0,5-3 0,-2 1 0,-2 1 0,3 0 0,-4 0 0,0-1 0,0 0 0,-2 1 0,2 0 0,0 0 0,-3-1 0,3 1 0,-2 1 0,1-2 0,0 0 0,-1 1 0,0 0 0,2 0 0,-3-1 0,3 1 0,0-1 0,0 1 0,0 0 0,0-1 0,0 0 0,0 1 0,0 0 0,0-1 0,0 1 0,0 0 0,0 0 0,0-1 0,0-1 0,0-1 0,-2-1 0,1-1 0,1 0 0,0 1 0,0 0 0,0 0 0,0 0 0,0-1 0,0 0 0,0 0 0,0 0 0,0-1 0,0 1 0,0-1 0,0 1 0,0-1 0,0 2 0,0-3 0,0 4 0,0-4 0,0 3 0,0 0 0,0 0 0,0 0 0,0 1 0,0-2 0,0 3 0,0-2 0,0 0 0,0 1 0,0-1 0,0 1 0,0-1 0,0 0 0,0-1 0,0 2 0,0-1 0,1 0 0,1 0 0,-2 1 0,0 0 0,0-1 0,3-1 0,-3 2 0,2-2 0,-2 2 0,0-1 0,2-1 0,-1 2 0,0-2 0,-1 1 0,0-1 0,0 2 0,2-4 0,1 4 0,-1-3 0,0 2 0,0-1 0,-2 2 0,1 0 0,-1-1 0,3-1 0,-2 2 0,-1-1 0,0 0 0,0-1 0,0 1 0,0-1 0,0 1 0,0 0 0,3 0 0,-3-1 0,4 2 0,-4-1 0,4 0 0,-4 0 0,0-2 0,0 4 0,0-3 0,0 2 0,0-2 0,0 2 0,0-2 0,0 2 0,3-3 0,-3 2 0,0-2 0,0 1 0,0-1 0,2 3 0,-2-1 0,2-2 0,-2 1 0,0 1 0,0-2 0,0 3 0,0-3 0,0 1 0,2-1 0,-1 4 0,0-4 0,1 2 0,-2 1 0,3-2 0,-3-1 0,0 1 0,1-1 0,-1 0 0,2 0 0,0 2 0,-2 1 0,3-2 0,-3 0 0,0 0 0,0-1 0,0 3 0,0-5 0,3 4 0,-2-1 0,-1 1 0,0-1 0,2 1 0,-2-1 0,2 2 0,-2-3 0,1 2 0,1-2 0,-2 2 0,0-1 0,0 1 0,4-1 0,-4 2 0,3-2 0,-3 0 0,2 1 0,-2-1 0,0 0 0,0 1 0,0-1 0,0 1 0,0-1 0,2 1 0,1-1 0,-1 1 0,-1-2 0,-1 3 0,0-4 0,3 3 0,-3-2 0,2 2 0,1-1 0,-3 0 0,2-1 0,-2 2 0,0-2 0,0 2 0,0-1 0,0 0 0,1 0 0,0 0 0,0 2 0,-1-1 0,2-2 0,-2 3 0,3-2 0,-3 1 0,0 1 0,0-2 0,1 2 0,1-2 0,-1 1 0,1 0 0,-2 2 0,3-3 0,-1 2 0,2 0 0,-4 1 0,3 2 0,-2 2 0,0-1 0,-1 5 0,0-5 0,0 2 0,0 0 0,0 1 0,0-1 0,0 1 0,0-4 0,2 2 0,-2-2 0,3 1 0,-3-1 0,0 3 0,0-4 0,1 3 0,0-1 0,0 0 0,-1-1 0,0 0 0,0-1 0,0 1 0,0 0 0,0 2 0,0-2 0,0 1 0,0-1 0,0 1 0,0 0 0,0 0 0,0-2 0,0 2 0,0-2 0,0 3 0,0-2 0,0 1 0,0-1 0,0 1 0,0-1 0,0 1 0,0-1 0,0 2 0,0-1 0,0 1 0,0-2 0,0 2 0,0-3 0,0 3 0,0-1 0,0 0 0,0-2 0,0 2 0,3 0 0,-3 1 0,2-1 0,-1 1 0,1-1 0,-2-1 0,0 0 0,3 1 0,-3-2 0,3 3 0,-3-2 0,0 2 0,0-2 0,2 1 0,-2-1 0,3 2 0,-3-3 0,3 2 0,-3-1 0,0 2 0,0-2 0,0 3 0,2-4 0,-2 4 0,2-3 0,-2 4 0,0-3 0,0 1 0,0-3 0,0 2 0,1 1 0,2-2 0,-1 0 0,2 2 0,-3-3 0,0 1 0,-1 0 0,0-1 0,0 1 0,0-1 0,0 0 0,0 2 0,0-1 0,3 0 0,-3 0 0,2-1 0,-2 2 0,0-2 0,0 2 0,0 0 0,0-2 0,0 1 0,0 0 0,0 0 0,0-1 0,0 1 0,0-1 0,0 1 0,1-2 0,0 0 0,1-2 0,0-1 0,-2 2 0,4-1 0,-3 0 0,2 0 0,-3 0 0,4 0 0,3-6 0,-1 4 0,2-5 0,-6 6 0,2 0 0,-4 2 0,2-2 0,-2 1 0,0 0 0,1 2 0,1-3 0,1 2 0,-3-2 0,3 2 0,-2-1 0,1 1 0,1-2 0,-1 1 0,-1 1 0,2 0 0,-2-2 0,4 2 0,-2-2 0,-2 3 0,1-2 0,1 0 0,-3 1 0,4-1 0,-2-1 0,0 2 0,2-3 0,-3 3 0,3-1 0,-4 0 0,5 0 0,-3-1 0,3-1 0,-3 3 0,3-3 0,-3 2 0,-1-1 0,-1 2 0,2-1 0,0-1 0,5 0 0,-5 1 0,3-1 0,-5 0 0,0 2 0,2-1 0,-1-1 0,-1 1 0,0 2 0,3-2 0,-3 0 0,3 0 0,-1 1 0,-2-1 0,3-1 0,-3 1 0,2 0 0,0 1 0,-2 1 0,2 0 0,-2 1 0,0 1 0,0 0 0,0 0 0,0-1 0,0 2 0,0 1 0,0-2 0,0 1 0,2-1 0,-2 1 0,3 1 0,0 2 0,-1-1 0,0 1 0,-2-1 0,0 0 0,0-2 0,0 1 0,2-2 0,-1 0 0,3 1 0,-4-2 0,2 2 0,-1-1 0,0 0 0,2 3 0,-3-3 0,4 2 0,-4-2 0,0-1 0,0 2 0,1 0 0,-1 0 0,3-1 0,-2 1 0,1-1 0,1 0 0,1 1 0,-4 0 0,2 1 0,-2-2 0,2-1 0,-2 0 0,6 4 0,-5-3 0,3 1 0,-3 0 0,0-2 0,1 2 0,0-1 0,-2-1 0,2 0 0,-2 1 0,1 0 0,0-1 0,1 1 0,-2 1 0,0-2 0,2 1 0,-2 1 0,3-2 0,-3 2 0,2-1 0,-1 1 0,-1-2 0,2 1 0,-2 0 0,3 0 0,-3-1 0,0 2 0,1-1 0,0 1 0,0-2 0,-1 0 0,0 1 0,2 0 0,1 0 0,-1 0 0,1 0 0,-2 0 0,-1 0 0,2 1 0,1-2 0,-3 1 0,2 0 0,-2 1 0,0-2 0,1 0 0,0 1 0,0 0 0,-1-1 0,0 1 0,0 0 0,0 2 0,0-2 0,3-1 0,-3 1 0,2 0 0,-2 0 0,0 0 0,2 1 0,-1-1 0,-1 0 0,0-1 0,3 1 0,-3 0 0,3 0 0,-3 1 0,0-2 0,0 0 0,1 1 0,0 0 0,0-1 0,1 0 0,-2 0 0,3-1 0,-3-3 0,0-1 0,0-1 0,0 3 0,1 0 0,0 0 0,0-1 0,2 1 0,-3-2 0,2 3 0,-2-4 0,1 4 0,2-5 0,-1 3 0,0-4 0,-2 4 0,3-3 0,-2 3 0,1-1 0,1 1 0,-3 0 0,0 1 0,0-2 0,2 2 0,-2-3 0,2 3 0,-2-2 0,0 2 0,2-2 0,-1 2 0,0-3 0,-1 3 0,0-1 0,0 1 0,0 0 0,0-1 0,0 2 0,2-1 0,-2 1 0,3-1 0,-3 0 0,0 1 0,0-1 0,0 1 0,0-2 0,0 2 0,0-1 0,0 1 0,0 0 0,0-2 0,0 1 0,0 0 0,0-1 0,0 0 0,0 1 0,0 1 0,0-2 0,0 2 0,0-2 0,0 3 0,0-4 0,0 3 0,1-1 0,0 0 0,0 0 0,-1-1 0,0 3 0,2-2 0,-2 0 0,4 0 0,-3 1 0,1-1 0,0 0 0,-2-1 0,2 2 0,-2 0 0,0-1 0,1-1 0,1 2 0,-1-2 0,1 1 0,-2-2 0,2 3 0,-2-1 0,2 0 0,-1-1 0,1 2 0,-2-2 0,0 3 0,1-3 0,-1 2 0,3-1 0,-3 1 0,0-2 0,0 2 0,0-2 0,0 1 0,0-2 0,3 1 0,0 0 0,-3 1 0,2-1 0,-2 2 0,0-3 0,0 1 0,0 0 0,0 1 0,3-3 0,-2 4 0,1-4 0,1 3 0,-3-1 0,0 0 0,0-1 0,0 3 0,1-1 0,-1 0 0,4 0 0,-2 0 0,-1-1 0,-1 1 0,2-2 0,-2 1 0,2-1 0,0 2 0,-1 0 0,0-1 0,-1 1 0,0-1 0,0-1 0,0 1 0,3-1 0,-3 2 0,2-2 0,-2 3 0,0-2 0,1 2 0,-1-4 0,3 4 0,-2-4 0,-1 3 0,3 0 0,-3 0 0,0-3 0,0 3 0,0 0 0,0 0 0,0-1 0,0 0 0,4-2 0,-4 2 0,4 0 0,-4 1 0,0 0 0,0-1 0,1 0 0,1 2 0,-2-2 0,4 1 0,-4 0 0,3-1 0,-3-1 0,2 3 0,-2-2 0,2 2 0,-2-2 0,3 1 0,-3 1 0,0 0 0,0-1 0,2 0 0,-2 0 0,4 2 0,-2-3 0,3 2 0,-3-2 0,1 3 0,-3-2 0,3 0 0,-2 2 0,2-3 0,1 3 0,-1-2 0,-2 2 0,-1 0 0,0 2 0,0 1 0,0-2 0,0 2 0,0-1 0,0 0 0,0 1 0,0-1 0,0 0 0,3 0 0,-1-1 0,0 0 0,-1 1 0,-1-1 0,0 2 0,0-1 0,3 2 0,-3-3 0,3 3 0,0-4 0,-1 6 0,0-5 0,1 3 0,-3-2 0,3 1 0,0-1 0,-1 1 0,1 0 0,-3-1 0,0 0 0,0 1 0,1-2 0,3 1 0,-4 0 0,2 0 0,0-1 0,-1 0 0,0 1 0,-1 0 0,2-1 0,-2 0 0,4 2 0,-3-2 0,3 1 0,-4-1 0,3 2 0,0-1 0,1 1 0,-1 0 0,-2 0 0,-1-3 0,0 2 0,0 0 0,0-1 0,0 1 0,2-1 0,-2 2 0,2-1 0,-2 0 0,0 0 0,0 2 0,0-3 0,2 4 0,-1-3 0,0-1 0,-1 2 0,0-1 0,0 0 0,0 2 0,0-1 0,0 1 0,2-3 0,-2 2 0,3-1 0,-3 1 0,0 0 0,0 0 0,2 1 0,-2-2 0,3 0 0,-3 0 0,0-1 0,0 2 0,1-1 0,-1 2 0,2-2 0,-2 1 0,2-1 0,-2 0 0,3 0 0,-3 2 0,0-1 0,0 0 0,1-1 0,0 0 0,0 1 0,2-1 0,-3 0 0,2 2 0,-2-1 0,0 0 0,0-1 0,0 1 0,0-1 0,0 0 0,1 1 0,1 0 0,-1 0 0,-1-1 0,2 0 0,-2 0 0,3-1 0,-3 3 0,0-4 0,2 3 0,-1-2 0,-1 0 0,0 1 0,3 0 0,-3-1 0,1 2 0,-1-1 0,0 1 0,0-1 0,0-1 0,0 1 0,0 0 0,0-2 0,0 3 0,0-2 0,0 2 0,0-3 0,0 3 0,0-2 0,0 2 0,0-1 0,0-1 0,0 0 0,0 2 0,0-3 0,0 2 0,0 0 0,0 0 0,0-1 0,0 1 0,0 0 0,-1-1 0,1 1 0,-3-1 0,3 1 0,0-1 0,0 1 0,0-2 0,3 0 0,-3-2 0,3 2 0,-2-2 0,3 0 0,-2 0 0,0 0 0,-1-1 0,2 0 0,0 2 0,2-3 0,0 1 0,1-1 0,-1 2 0,-2 0 0,0 0 0,0-2 0,0 1 0,3-2 0,-5 2 0,5 0 0,-3 0 0,3-1 0,-1 2 0,-1-1 0,-2 1 0,-1-2 0,-1 3 0,7-3 0,-6 2 0,2-1 0,1 3 0,-3-3 0,1 2 0,0-2 0,0 2 0,-2-1 0,3 1 0,-2-3 0,0 3 0,3-3 0,-4 2 0,3-1 0,-1 2 0,1-2 0,0 1 0,2-2 0,-2 3 0,2-6 0,-5 6 0,5-3 0,-4 2 0,4-2 0,-2 2 0,-1-1 0,-2 1 0,1-1 0,0 0 0,1 0 0,-2 1 0,2-1 0,-2 1 0,2 0 0,-2 0 0,1 0 0,1 0 0,-2-1 0,0 2 0,0-1 0,0 1 0,0-1 0,3 0 0,-3 1 0,2-1 0,0 0 0,-1 0 0,0 0 0,1 1 0,-2 0 0,3 1 0,-2 1 0,0 2 0,1 0 0,-2-2 0,0 1 0,0 1 0,0-1 0,0 0 0,0 2 0,0-1 0,0 2 0,0-2 0,0 2 0,0-2 0,0 0 0,0-1 0,0 1 0,0-1 0,1 0 0,-1 1 0,3 0 0,-3-1 0,0 0 0,0 0 0,0-1 0,0 2 0,0-3 0,1 3 0,0-2 0,3 0 0,-4 1 0,2 3 0,-2-3 0,0 1 0,0-1 0,0 0 0,0 0 0,0 0 0,0 1 0,0-2 0,0 2 0,0 0 0,0-1 0,0 3 0,0-4 0,0 2 0,0 0 0,0 1 0,0-1 0,0-1 0,0 1 0,0 0 0,0-1 0,0 3 0,0-3 0,1 3 0,1-5 0,-1 4 0,-1-1 0,0-2 0,0 1 0,0 1 0,0 0 0,0-1 0,2 1 0,-2 0 0,3-2 0,-3 4 0,2-3 0,-2 0 0,1 0 0,-1 1 0,0 0 0,3 1 0,-3-2 0,2 1 0,-2-1 0,0 1 0,0-1 0,0 1 0,2-1 0,-2 0 0,4 0 0,-3 2 0,0-1 0,-1 0 0,0-1 0,0 0 0,0-1 0,0 2 0,2-2 0,-2 1 0,3-1 0,-3 2 0,0-2 0,0 2 0,0-2 0,1 3 0,0-2 0,0 1 0,-1-2 0,0 1 0,0 0 0,0 1 0,0-2 0,0 2 0,3-1 0,-3 0 0,2 0 0,-2 0 0,1 0 0,0-1 0,1 1 0,-2-1 0,2 2 0,-2-1 0,2 0 0,-2-1 0,0 1 0,0-1 0,0 1 0,0 0 0,2-1 0,-1 1 0,0-1 0,-1 1 0,2 0 0,-2 0 0,3-1 0,-3 2 0,1-1 0,0-1 0,0 0 0,1 1 0,-2 0 0,3 0 0,-3-1 0,0 0 0,0 1 0,0 0 0,0 0 0,0-1 0,0 1 0,0 0 0,0 0 0,0 1 0,1-1 0,0 0 0,0-1 0,-1-1 0,0-1 0,0-1 0,0 0 0,0-1 0,0 1 0,0 1 0,4-2 0,-4 2 0,4-3 0,-4 2 0,3-4 0,-1 4 0,1-1 0,0 0 0,0-1 0,1 0 0,-1 0 0,1 2 0,-2-3 0,-2 4 0,0-4 0,0 3 0,1 0 0,0 1 0,2-3 0,-3 3 0,4-4 0,-2 3 0,-1-1 0,-1 1 0,2-2 0,-2 3 0,2-2 0,-2 2 0,0-1 0,0 0 0,2 0 0,-1 2 0,0-2 0,-1 0 0,0-1 0,0 1 0,0-1 0,3-1 0,-3 0 0,4 1 0,-4-2 0,0 2 0,0 0 0,0 1 0,0-2 0,0 3 0,0-3 0,0 2 0,0-2 0,0 1 0,0-1 0,0 2 0,0 0 0,0 0 0,0-1 0,0 1 0,0-1 0,0 1 0,0-1 0,0 1 0,0-2 0,0 3 0,0-3 0,0 2 0,0-2 0,0 1 0,0 0 0,0 2 0,0 0 0,0-1 0,0 0 0,0 0 0,0-1 0,0 1 0,0 0 0,0-1 0,0 3 0,0-2 0,0-2 0,0 2 0,0-1 0,0 1 0,0 0 0,0-1 0,0-1 0,0 2 0,0 0 0,0 0 0,0-2 0,0 3 0,0-4 0,0 3 0,0-4 0,0 5 0,0-4 0,0 3 0,0-4 0,0 3 0,0-2 0,0 4 0,0-4 0,0 2 0,0-1 0,0 1 0,0 1 0,0 1 0,0-3 0,0 2 0,0-2 0,0 2 0,0-2 0,0 4 0,0-2 0,0 0 0,0-1 0,0 2 0,0-1 0,0 0 0,0-1 0,0 1 0,0-2 0,0 3 0,0-2 0,0 2 0,0-2 0,0 2 0,0-2 0,0 2 0,0-1 0,0 0 0,0 0 0,0 1 0,0 0 0,0-1 0,0 0 0,0 0 0,0 0 0,0 2 0,0-2 0,0 0 0,0 1 0,0-2 0,0 3 0,0-2 0,0 0 0,0 0 0,0 1 0,0 0 0,1-2 0,1 3 0,-2 2 0,0 0 0,0 0 0,0 1 0,0 3 0,0 0 0,0 2 0,0-2 0,0 3 0,0-4 0,0 4 0,0-5 0,3 1 0,-3-3 0,3 2 0,-2 0 0,0 1 0,0-1 0,-1 2 0,0-4 0,2 2 0,-2-2 0,3 2 0,-1-3 0,-1 3 0,-1-2 0,0 2 0,0-1 0,3 1 0,-3-3 0,1 2 0,-1-1 0,3 0 0,-2 0 0,-1 0 0,3 0 0,-1 1 0,2-1 0,-2 2 0,1-2 0,-3 2 0,0-2 0,2 0 0,-1 1 0,2 0 0,-3-1 0,4 1 0,-4-1 0,3 2 0,-3-1 0,1-2 0,-1 1 0,2-1 0,-2 2 0,0-3 0,0 2 0,2 2 0,-2-2 0,3 3 0,-1-3 0,0 2 0,-2-2 0,0 1 0,0 0 0,0-1 0,0 1 0,2 1 0,-2-2 0,1 2 0,-1-2 0,0 2 0,0-2 0,0-1 0,0 2 0,0 0 0,0-1 0,0 1 0,0-1 0,0 3 0,0-3 0,0 2 0,0-3 0,0 1 0,0 0 0,0 0 0,0 1 0,0 1 0,0-1 0,0 0 0,0-1 0,0 1 0,0 0 0,0 0 0,0-2 0,0 0 0,0 1 0,0 0 0,0 0 0,0-1 0,0 1 0,0-1 0,0 1 0,0-1 0,0 1 0,0 0 0,0-1 0,0 1 0,0-1 0,0 1 0,0 0 0,0 0 0,0-1 0,0 0 0,0 1 0,0 0 0,0 0 0,0-2 0,0 1 0,0-2 0,0-2 0,0 0 0,4-3 0,-4 3 0,3-2 0,-1 0 0,-1 2 0,4-2 0,-2 1 0,1-2 0,1 1 0,-3 1 0,1 1 0,-3 0 0,0 3 0,0-5 0,4 3 0,-3-5 0,3 4 0,-2-3 0,1 4 0,-1-2 0,2 1 0,-2-1 0,1 2 0,-3-2 0,0 0 0,3-1 0,-2 2 0,3-1 0,-4 1 0,2-2 0,-2 3 0,3-2 0,-3 2 0,1-1 0,0 2 0,0-5 0,-1 4 0,0-3 0,2 2 0,-2 0 0,3 1 0,-2 0 0,0 0 0,1 1 0,-2-1 0,2-1 0,-2 2 0,2-4 0,-2 3 0,0-2 0,0 2 0,1 1 0,1-3 0,1 1 0,-3 0 0,2-1 0,-2 2 0,0-3 0,1 3 0,1-2 0,-1 1 0,-1 1 0,2 0 0,-2 0 0,3-1 0,-2 0 0,1 0 0,1 0 0,-1 1 0,-2-3 0,0 4 0,2-2 0,-2 1 0,1-1 0,2 2 0,-1-4 0,1 1 0,0 2 0,-2-1 0,1 1 0,-2 1 0,0-2 0,0 1 0,0-1 0,0 1 0,2-3 0,-2 3 0,3-3 0,-2 2 0,1 0 0,-2 1 0,0 0 0,0 1 0,2-3 0,-2 1 0,2-2 0,-2 3 0,0-1 0,0 1 0,2-1 0,-1 1 0,0-2 0,-1 3 0,4-2 0,-3 2 0,2-2 0,-3 1 0,3 1 0,-3-1 0,2 1 0,-2-1 0,0 0 0,0 1 0,1-1 0,0 1 0,1-1 0,-2 0 0,0 1 0,0-1 0,3 1 0,-3-1 0,3-1 0,-1 3 0,0-2 0,1 0 0,-1 2 0,-2 0 0,1 2 0,-1 0 0,0 1 0,0 0 0,0 0 0,0 2 0,0-4 0,0 1 0,0 1 0,0-1 0,0 3 0,0-1 0,0-1 0,0-2 0,0 3 0,0-3 0,0 5 0,0-3 0,0 2 0,0-3 0,0 3 0,0-2 0,0 0 0,0-1 0,0 0 0,0 1 0,0 0 0,0-2 0,0 2 0,0-2 0,0 1 0,0 0 0,0 0 0,0-1 0,0 1 0,0 0 0,0 1 0,0-2 0,0 0 0,0 1 0,0 1 0,0-2 0,0 2 0,0-1 0,0 1 0,0-1 0,0 2 0,0-2 0,0 3 0,0-4 0,0 3 0,0-2 0,0 2 0,0-2 0,0 3 0,0-3 0,0 3 0,0-4 0,0 3 0,0-2 0,0 1 0,0-1 0,0 0 0,0 1 0,0 1 0,0-4 0,0 4 0,0-1 0,0 2 0,0-3 0,0 2 0,0-3 0,2 3 0,-2-2 0,3 1 0,-3-2 0,0 4 0,0-3 0,3 3 0,-3-4 0,5 3 0,-5-2 0,5 2 0,-5-3 0,0 1 0,0 0 0,1 2 0,2-1 0,-1 1 0,1-1 0,-3-1 0,0-1 0,0 0 0,0 2 0,0-3 0,2 2 0,-1 0 0,-1 0 0,0 1 0,0-1 0,0 1 0,0-2 0,0 2 0,3-1 0,-3 1 0,1-1 0,1 1 0,-1 0 0,0 1 0,-1-3 0,3 2 0,-3-1 0,2 0 0,-2-1 0,0 1 0,0 1 0,0-2 0,1 0 0,0 2 0,0-1 0,-1 1 0,2-1 0,-2 1 0,4-1 0,-4 3 0,0-4 0,0 1 0,0 0 0,0 0 0,0-1 0,0 2 0,0-2 0,0 2 0,2-2 0,-1 2 0,1-1 0,-2-1 0,2 2 0,-2-1 0,0 0 0,0-1 0,3 1 0,-3 0 0,2 0 0,-2 1 0,0-2 0,0 2 0,0-1 0,0 1 0,2-2 0,-2 0 0,2 1 0,-2 0 0,0 0 0,0 0 0,0 0 0,0 0 0,0 0 0,0-1 0,0 0 0,0 1 0,0 0 0,1 0 0,-1-1 0,4 2 0,-4-1 0,2 0 0,-1-1 0,2 3 0,-3-1 0,1-1 0,-1 0 0,2 0 0,0 1 0,1-1 0,1 0 0,-4 1 0,2-2 0,-1 0 0,-1 1 0,3-1 0,-3 1 0,0 0 0,2 0 0,-1-2 0,2 3 0,-3-2 0,3-1 0,-3-1 0,1-1 0,0-2 0,3 1 0,-2-2 0,0 2 0,4-1 0,-6 2 0,8-3 0,-6 1 0,1-3 0,1 3 0,-2-1 0,0 2 0,0-2 0,-2 2 0,2-1 0,0 1 0,0-1 0,4 0 0,-5-2 0,3 1 0,-3-2 0,-1 4 0,3-1 0,-3 0 0,3 1 0,-3 1 0,0-1 0,1 1 0,1-2 0,0 1 0,-2 0 0,2 0 0,0 1 0,-1-1 0,2-1 0,-3 3 0,3-3 0,-2 2 0,0 0 0,3 0 0,-2-2 0,3 0 0,-3-1 0,2 2 0,-4-3 0,2 2 0,-2-2 0,3 2 0,-3 1 0,2 1 0,-1-1 0,0 1 0,1 0 0,-2 0 0,4-2 0,-3 2 0,0-2 0,2 2 0,-3 0 0,4-2 0,-2 1 0,0-1 0,-2 1 0,0 2 0,0-2 0,0 1 0,0 0 0,0-1 0,0 3 0,0-2 0,0 0 0,0 1 0,0-1 0,0-1 0,0 0 0,0 2 0,0-2 0,0 2 0,0-5 0,0 5 0,0-6 0,0 4 0,0-1 0,0 2 0,0 0 0,0-1 0,0 1 0,2 0 0,-2 0 0,3 1 0,-3-1 0,0 0 0,0 1 0,1-1 0,1-1 0,1 2 0,0-3 0,-1 3 0,-2-1 0,0 0 0,0 1 0,3 0 0,-3 1 0,4 0 0,-4 2 0,4 0 0,-4-1 0,3 2 0,-2 0 0,0-1 0,2 0 0,-3 0 0,3-1 0,-2 1 0,1 1 0,1 1 0,-3-2 0,4 1 0,-3-2 0,0 2 0,1 0 0,1 1 0,0-2 0,4 1 0,-4-1 0,0 2 0,-3-1 0,0-1 0,2 1 0,1 1 0,-1 0 0,0-1 0,-2-1 0,2 0 0,-2-1 0,2 0 0,-2 2 0,2-1 0,-1 0 0,2 1 0,-3-1 0,3 0 0,-3 1 0,1-1 0,0 0 0,2 2 0,0-2 0,-1-1 0,2 1 0,-4 0 0,4 0 0,-3-1 0,2 2 0,-3-2 0,4 1 0,-4-1 0,4 1 0,-4 0 0,0 0 0,0-1 0,0 1 0,0 0 0,0-1 0,0 0 0,0 1 0,0 0 0,0-1 0,0 1 0,0-1 0,5 1 0,-5 0 0,2 0 0,-2-1 0,2 0 0,-1 1 0,0-1 0,-1 2 0,0-3 0,0 3 0,0-1 0,0 0 0,2-1 0,-2 1 0,3 0 0,-2 0 0,-1-1 0,4 0 0,-4 1 0,3 0 0,-3-1 0,0 1 0,0 0 0,0-1 0,0 1 0,0-1 0,0 1 0,0 0 0,0-1 0,0 1 0,0-1 0,0 1 0,-3-1 0,3-1 0,-2-1 0,2-2 0,2 0 0,0-1 0,-1-3 0,3 4 0,-1-5 0,-1 5 0,1-3 0,-3 4 0,3-4 0,-3 4 0,3-7 0,-2 6 0,0-3 0,1 4 0,-2-2 0,3 3 0,-3-2 0,0 1 0,0 1 0,0 0 0,0-1 0,0-1 0,0 3 0,0-2 0,0 0 0,0 1 0,0-1 0,0 0 0,1-2 0,0 2 0,3-2 0,-3 2 0,5-5 0,-6 6 0,5-6 0,-2 4 0,1-1 0,-3 4 0,-1-3 0,0 2 0,2-4 0,-2 3 0,2-4 0,0 5 0,0-3 0,0 3 0,4-3 0,-5 2 0,4-4 0,-1 2 0,-2 0 0,3-1 0,-3 3 0,1 0 0,-1 0 0,1-1 0,-1 1 0,2-1 0,-3 1 0,3 0 0,-4 0 0,5-4 0,-4 2 0,1 0 0,-2 0 0,3 1 0,-3 0 0,1 1 0,1 0 0,-2 0 0,3 1 0,-3-1 0,0 1 0,0-1 0,0 0 0,0 1 0,0-1 0,0 1 0,0-1 0,0 0 0,0 1 0,0-1 0,0 1 0,0-2 0,0 2 0,0-2 0,0 1 0,0-1 0,0 1 0,0 1 0,0-1 0,0 0 0,0-1 0,0 1 0,0 1 0,0-2 0,0-3 0,0 2 0,0-4 0,0 6 0,0-3 0,0 3 0,0 0 0,0-1 0,3 0 0,-3 1 0,1-2 0,-1 2 0,0 1 0,0-2 0,0 0 0,2 2 0,-1-2 0,0 2 0,-1-1 0,2-2 0,-2 3 0,3-2 0,-3 0 0,2-1 0,-2 1 0,3 0 0,-3 2 0,0-2 0,0 2 0,0-1 0,3 1 0,-3-2 0,1-1 0,2 4 0,-3-3 0,2 2 0,-2-2 0,0 3 0,0-2 0,0 0 0,0 2 0,0 1 0,0 2 0,0 0 0,0-1 0,0 0 0,-2 1 0,2 0 0,-3 0 0,3-1 0,0 2 0,0-2 0,0 3 0,0-2 0,0 0 0,0-2 0,0 2 0,0-1 0,0 0 0,0 1 0,0-1 0,0-2 0,0 2 0,0 1 0,0-1 0,0-1 0,0 2 0,0-1 0,0 2 0,0-2 0,0 5 0,0-5 0,0 3 0,0-3 0,0 2 0,3-1 0,-3 0 0,3 0 0,-3 0 0,0-2 0,0 0 0,0 2 0,0-1 0,0 1 0,0-1 0,0 1 0,0-2 0,0 1 0,0 0 0,0 0 0,0 1 0,0 0 0,0 2 0,0-1 0,0 0 0,0-2 0,0 1 0,0-1 0,0 0 0,0 1 0,0-1 0,0 1 0,0-2 0,0 3 0,0-2 0,0 3 0,0-2 0,4 3 0,-4-2 0,3 0 0,-3-1 0,1 2 0,0-3 0,1 5 0,-2-5 0,0 3 0,0-3 0,0 1 0,0-1 0,0 2 0,0-2 0,3 0 0,-3 1 0,1 1 0,-1-1 0,2 1 0,-1-3 0,-1 3 0,4 1 0,-4-1 0,3 0 0,-3-1 0,0-1 0,3 2 0,-3-3 0,1 3 0,-1-1 0,0 1 0,0-4 0,2 4 0,-1-2 0,0-1 0,-1 1 0,0 2 0,3-3 0,-3 3 0,2-2 0,0-1 0,-2 1 0,3 0 0,-3 0 0,0-1 0,0 2 0,1-1 0,-1 0 0,2 2 0,1-3 0,-3 0 0,2 1 0,-2 0 0,0-1 0,0 2 0,0-3 0,0 2 0,0 0 0,1 0 0,1-1 0,-2 2 0,0-1 0,0 0 0,0-1 0,0 1 0,0 0 0,3 1 0,-3 0 0,3 0 0,-3-2 0,1 1 0,-1 0 0,2 0 0,-2 0 0,2 0 0,-2-1 0,3 2 0,-1-1 0,-1 1 0,-1-1 0,2 0 0,-2 0 0,2 1 0,-2-2 0,2 3 0,0-1 0,-2-1 0,0 0 0,3 0 0,-3 0 0,2 1 0,-2-2 0,0 0 0,2 1 0,-2 1 0,2-2 0,0 1 0,-2 0 0,3 0 0,-3-1 0,0 0 0,0 1 0,0 1 0,0-2 0,0 2 0,0-2 0,0 1 0,2 0 0,-2 0 0,1 0 0,-1 0 0,0 0 0,0-1 0,3 1 0,-3 0 0,1 0 0,2 0 0,-3-1 0,3 1 0,-3 0 0,0-1 0,0 1 0,0 0 0,0 0 0,0 0 0,1 0 0,-1-1 0,2 1 0,-2 0 0,0 1 0,0-1 0,0-2 0,0 2 0,0 1 0,0-2 0,0 1 0,0-1 0,0 0 0,2 1 0,-2-2 0,0-3 0,0 1 0,0-5 0,2 5 0,-1-5 0,-1 5 0,0-3 0,4 1 0,-1-1 0,5-3 0,-4 3 0,4-7 0,-7 9 0,5-6 0,-6 7 0,2-7 0,0 6 0,0-5 0,-2 7 0,0-1 0,0 0 0,0-1 0,3 0 0,-3 0 0,1 0 0,1 1 0,-1-1 0,2 0 0,0 1 0,0-3 0,2 0 0,-1 2 0,-2-2 0,-2 3 0,0-1 0,0-1 0,0 1 0,0-1 0,0 1 0,0 1 0,0 0 0,0-1 0,3 1 0,-2-1 0,1 0 0,0 0 0,-2 1 0,3-3 0,-3 3 0,3-5 0,-1 4 0,1-2 0,0 1 0,-3 0 0,0 2 0,0-3 0,2 4 0,-1-5 0,-1 4 0,0-4 0,0 3 0,0-1 0,0 1 0,0 3 0,0-4 0,0 2 0,0 0 0,0 1 0,0-1 0,0 0 0,0 1 0,0-1 0,0 0 0,0 0 0,0-1 0,0 1 0,0-1 0,0 2 0,0-2 0,0 1 0,0 0 0,0-1 0,0 1 0,0 0 0,0-1 0,0 0 0,0-2 0,0 3 0,0-3 0,0 2 0,0 0 0,2 1 0,-2 0 0,3 0 0,-3 0 0,0 0 0,1-2 0,0 3 0,0-4 0,-1 3 0,0-1 0,0 1 0,0 0 0,0 0 0,2-1 0,-2 0 0,3 0 0,-3 2 0,1-1 0,0 1 0,0-1 0,-1 1 0,0 1 0,0 0 0,0 2 0,0 0 0,3 1 0,-3-2 0,2 1 0,-2 0 0,3 4 0,-2-3 0,1 4 0,-2-5 0,2 2 0,-2-2 0,3 5 0,-3-6 0,1 5 0,-1-5 0,3 5 0,-3-4 0,0 3 0,0-3 0,0 3 0,0-3 0,0 3 0,0-4 0,0 2 0,1 0 0,2 1 0,0-4 0,1 3 0,-4-1 0,1 0 0,-1 0 0,3 3 0,-2-3 0,4 4 0,-4-3 0,4 4 0,-4-7 0,4 5 0,-5-3 0,3 2 0,-2-2 0,2-1 0,-3 1 0,3 0 0,-3 0 0,0-1 0,0 1 0,0 0 0,0 0 0,0 0 0,0 1 0,0 0 0,0 1 0,3 0 0,-2-1 0,2 1 0,-3-1 0,0 1 0,3 1 0,-2-2 0,3 1 0,-4-2 0,0 1 0,0-2 0,2 2 0,-2 0 0,2 0 0,-2-1 0,0 1 0,2-2 0,-1 0 0,-1 2 0,0-1 0,0-1 0,0 1 0,0 0 0,0 0 0,0 0 0,0-1 0,3 0 0,-3 1 0,3 0 0,-3-2 0,0-1 0,0-1 0,0 0 0,1 0 0,0 0 0,5-4 0,-6 4 0,6-4 0,-5 3 0,3-4 0,-2 4 0,3-8 0,-5 9 0,4-8 0,-3 7 0,1 0 0,-2 0 0,4 1 0,-4-1 0,3-3 0,-2 5 0,2-5 0,0 3 0,-1-1 0,0 0 0,-2 1 0,0 0 0,0 2 0,0-2 0,0 1 0,0 0 0,0-1 0,0 1 0,0 0 0,0-2 0,0 1 0,0 1 0,0 0 0,0-1 0,0 2 0,0-2 0,0 0 0,0-1 0,0 2 0,0-2 0,0 2 0,2-1 0,-2 0 0,1 1 0,-1 1 0,3-2 0,-2 0 0,3-2 0,-4 2 0,7-4 0,-7 4 0,5-2 0,-3 2 0,0-4 0,-2 6 0,1-4 0,-1 3 0,2-1 0,-2 1 0,3 0 0,-3 0 0,2 1 0,-2-1 0,2 0 0,-2 1 0,3-1 0,-3 1 0,1-2 0,0 1 0,0 0 0,2 1 0,-1-1 0,2 0 0,-2 1 0,1-1 0,-2 0 0,3 1 0,-2-1 0,1 1 0,0-1 0,0 0 0,-1 1 0,-1 1 0,-1 1 0,0 3 0,0-1 0,3 2 0,-1-3 0,0 4 0,0-3 0,-2 2 0,0-3 0,2 4 0,-2-3 0,2 8 0,-2-9 0,3 5 0,-3-5 0,3 1 0,-3-1 0,5 1 0,-5-1 0,3 0 0,-2 0 0,3-1 0,-2 2 0,2 1 0,-2-1 0,1 2 0,-3-3 0,0 3 0,0-3 0,0 1 0,0-1 0,0 0 0,1 3 0,1-2 0,1 1 0,2 2 0,-4-3 0,3 4 0,-2-5 0,0 4 0,-2-3 0,2 4 0,-1-6 0,6 5 0,-7-2 0,2 2 0,-2-5 0,0 3 0,0-1 0,0-1 0,0 2 0,0-3 0,0 1 0,0 0 0,0 1 0,0 2 0,2-2 0,-2 0 0,2-2 0,-2 5 0,0-3 0,0 4 0,0-3 0,0 1 0,0-2 0,0 3 0,0-5 0,0 4 0,0-3 0,0 2 0,0-1 0,0 4 0,0-4 0,0 4 0,0-5 0,0 2 0,0-2 0,0-1 0,0 0 0,0 3 0,0-2 0,0 1 0,0-1 0,0 1 0,0-2 0,0 0 0,0-2 0,0-2 0,0 0 0,3 0 0,-3 2 0,2-5 0,-2 4 0,1-4 0,-1 3 0,3 1 0,-3-3 0,4-2 0,-2 1 0,2-3 0,-4 5 0,2-4 0,-1 1 0,0 3 0,-1-2 0,0 5 0,0-3 0,0-2 0,0 3 0,0-4 0,0 5 0,0-3 0,0 3 0,0 0 0,0-3 0,0 3 0,0-2 0,3-1 0,-3 3 0,1-3 0,-1 3 0,0-3 0,0 3 0,3-5 0,-2 5 0,5-3 0,-6 2 0,8-4 0,-6 6 0,3-4 0,-5 4 0,0-2 0,2 0 0,-1-1 0,0-1 0,-1 3 0,0-2 0,0 1 0,3 1 0,-1-1 0,2-1 0,0 2 0,-1-2 0,1 2 0,-3 0 0,2-1 0,1 2 0,-4 1 0,3-2 0,-1 1 0,0-1 0,1 0 0,-2 2 0,2-3 0,-1 2 0,3 0 0,-5-1 0,2 1 0,-1-1 0,-1 1 0,4 0 0,0-1 0,-1 0 0,-1 0 0,2 2 0,-3-3 0,3 2 0,-4-1 0,4 0 0,-4 1 0,1 1 0</inkml:trace>
+  <inkml:trace contextRef="#ctx0" brushRef="#br0">0 184 24575,'0'-1'0,"2"0"0,0 0 0,-1 0 0,2-1 0,-3 1 0,1 0 0,0 0 0,0 0 0,0 0 0,1-1 0,-1 1 0,3-1 0,-4 1 0,2-1 0,-2 1 0,3-2 0,-2 2 0,3 0 0,-4 0 0,2 0 0,-2 0 0,2-1 0,0 1 0,-2 0 0,1 1 0,-1-1 0,0 0 0,1 0 0,0 0 0,2-1 0,-3 1 0,1-1 0,0 2 0,0-1 0,0 0 0,-1 0 0,0 0 0,2 1 0,-2-1 0,1 0 0,-1-1 0,1 1 0,0 1 0,0-2 0,-1 1 0,0 0 0,0 1 0,0-1 0,0-1 0,0 1 0,0 1 0,0-2 0,0 1 0,0 0 0,0 0 0,0 0 0,0 0 0,0 0 0,0 0 0,0 1 0,0-1 0,0-1 0,0 1 0,0 1 0,0 0 0,1 0 0,1 0 0,0 1 0,0 2 0,-2-3 0,2 3 0,-2-2 0,1 1 0,1-1 0,-1 1 0,1-1 0,-2 1 0,0-1 0,1 1 0,0-1 0,0 1 0,0-1 0,-1 0 0,4 0 0,-4 0 0,0 0 0,2 1 0,-2-1 0,4 0 0,-4 0 0,2 1 0,0-1 0,-1 1 0,1-1 0,-2 0 0,1 0 0,1 1 0,-1-1 0,2 2 0,-2-2 0,1-1 0,-2 1 0,3 0 0,-3 0 0,2 0 0,-2 1 0,1 0 0,-1-1 0,2 2 0,-2-2 0,0 1 0,0-1 0,0 1 0,0-1 0,0 0 0,0 3 0,0-1 0,0 2 0,0-3 0,0 1 0,0-2 0,0 0 0,0 0 0,0 0 0,0 0 0,0 0 0,0 0 0,0 0 0,0 2 0,0-1 0,0-1 0,0 0 0,0 0 0,0 0 0,0 0 0,0 0 0,0 0 0,0 0 0,0 0 0,0 0 0,0 0 0,0 1 0,0-1 0,0 1 0,0-1 0,-2 0 0,2 0 0,-1 0 0,1 0 0,0 0 0,0-1 0,0 2 0,0-1 0,0 1 0,0-1 0,0 1 0,0-1 0,0 1 0,0 0 0,0 0 0,0-2 0,0 1 0,0 0 0,0 0 0,0 0 0,0 0 0,0 0 0,0 0 0,0-1 0,0 2 0,0-2 0,0 1 0,0 0 0,0 0 0,0 0 0,0-1 0,1 1 0,-1 0 0,3 0 0,-3 0 0,1 0 0,-1 0 0,0-1 0,0-2 0,2 1 0,0-2 0,0 2 0,0-1 0,-2 1 0,3-1 0,-2 1 0,1-2 0,-1 2 0,1-1 0,0 2 0,0-3 0,0 2 0,0-1 0,0 1 0,-2-1 0,0 2 0,2-3 0,-2 2 0,3-3 0,-3 3 0,2 1 0,-2-1 0,0-1 0,0 1 0,0-1 0,0 1 0,1 0 0,-1 1 0,2-2 0,-2 1 0,0 0 0,0 0 0,0 0 0,0 0 0,0 0 0,0 1 0,0-1 0,0 0 0,0 0 0,0 0 0,0 0 0,0 0 0,0 0 0,0 0 0,0 0 0,0 0 0,0 0 0,0-1 0,0 1 0,0 1 0,0-2 0,0 1 0,0-1 0,0 1 0,0-1 0,1 1 0,-1-1 0,1 1 0,-1-1 0,0 2 0,0-3 0,0 2 0,2 0 0,-2-1 0,2 1 0,0 1 0,-2-1 0,0 0 0,0-1 0,2 1 0,-2-1 0,2 1 0,0-1 0,0 1 0,-1-1 0,1 1 0,-2 0 0,3 0 0,-3 0 0,1 0 0,1-1 0,-2 2 0,2-2 0,-2 2 0,1-1 0,-1 0 0,1 0 0,-1 1 0,2 0 0,-2 1 0,2 0 0,-2 0 0,0 0 0,0 0 0,0 0 0,1 1 0,0-1 0,1 3 0,-2-3 0,1 2 0,0-2 0,1 1 0,-2-1 0,3 0 0,-2 0 0,-1 0 0,0 1 0,2 0 0,-2-1 0,2 0 0,-2-1 0,1 3 0,-1-2 0,3 1 0,-1-1 0,-1 1 0,2-1 0,-2 0 0,0 1 0,0-1 0,1 0 0,-1 0 0,3 1 0,-4-1 0,1 0 0,-1 0 0,0 0 0,1-1 0,0 1 0,0 0 0,-1 0 0,0 1 0,1-1 0,-1-1 0,2 1 0,-2 1 0,0-2 0,0 1 0,1 0 0,0 1 0,1-1 0,0 1 0,-1-1 0,0 1 0,-1-1 0,2-1 0,-2 1 0,2 0 0,-1 0 0,-1 0 0,1 0 0,-1-1 0,0 1 0,0 0 0,0-1 0,0 0 0,0-1 0,0-1 0,0-1 0,0 0 0,3-2 0,-3 1 0,5-3 0,-4 4 0,2-1 0,-1 1 0,0 0 0,2-2 0,-2 2 0,1-2 0,0 1 0,0 1 0,0 0 0,-1 0 0,0 2 0,0-3 0,-1 3 0,1-2 0,-1 2 0,-1-1 0,2 1 0,-2-1 0,0 1 0,1 0 0,0 0 0,1-1 0,-2 1 0,2 0 0,-2 0 0,1 0 0,0 0 0,0 0 0,-1 1 0,0-2 0,0 1 0,0-1 0,0 1 0,0 0 0,0-1 0,0 2 0,0-2 0,0 1 0,0-1 0,0 0 0,0 0 0,0 0 0,0 0 0,0 1 0,0-1 0,0 1 0,0-1 0,0 1 0,0-1 0,0 1 0,0-1 0,-1 1 0,0-1 0,0 1 0,1-1 0,0 1 0,0 0 0,0 0 0,0-1 0,0 1 0,0 0 0,0 0 0,0-1 0,0 1 0,0-1 0,0 1 0,0-1 0,0 1 0,0-1 0,0 0 0,0 0 0,0 1 0,0 0 0,0 0 0,0-1 0,0 0 0,0 0 0,0 2 0,0-2 0,0 1 0,0-1 0,0 1 0,0-2 0,0 2 0,0 0 0,0 0 0,0 0 0,0 0 0,0 0 0,0 0 0,0 0 0,0 1 0,0-1 0,0 0 0,0 0 0,0 0 0,0 0 0,0 0 0,0 0 0,0 0 0,0-1 0,0 1 0,0 0 0,0 0 0,0 0 0,0 0 0,0 1 0,0-2 0,0 1 0,0 0 0,0 0 0,0 0 0,0 0 0,0 1 0,-2 0 0,2 1 0,-1-1 0,1 1 0,0 0 0,0 1 0,0 0 0,0 0 0,1-2 0,2 4 0,-1-3 0,1 1 0,-2 0 0,0-2 0,1 1 0,1 1 0,-3 0 0,1 0 0,1 0 0,-2-1 0,3 0 0,-3 0 0,2 0 0,-2 0 0,0 0 0,0 0 0,0-1 0,1 2 0,0-1 0,-1 0 0,2 0 0,-2 1 0,2 0 0,-1-1 0,0 0 0,1 0 0,-2 0 0,3 0 0,-3 0 0,1 1 0,1-1 0,-2 0 0,2 0 0,-1 1 0,0-2 0,1 2 0,0-1 0,0 2 0,2-1 0,-2 0 0,2-1 0,-3 0 0,2 0 0,-2 1 0,1-1 0,3 1 0,-4-2 0,2 3 0,0-2 0,-1 1 0,-1-1 0,2 1 0,-3-1 0,2 1 0,0-1 0,0-1 0,-2 1 0,3 0 0,-3 0 0,1 0 0,-1 0 0,2 0 0,-2 0 0,1 0 0,-1 0 0,0-1 0,1 1 0,0 1 0,0-1 0,-1 1 0,2-2 0,-2 2 0,1-1 0,-1 1 0,0-1 0,2 0 0,-2 1 0,2 0 0,-1-1 0,-1 1 0,2-1 0,-2 1 0,0-1 0,0 1 0,0-1 0,0-1 0,0 1 0,0 1 0,0-1 0,0 0 0,0 1 0,0-1 0,0 0 0,0 0 0,0 0 0,0 1 0,0-2 0,0 1 0,0 1 0,0-2 0,0 1 0,0 1 0,0-2 0,0 1 0,0 0 0,0 0 0,0 0 0,0 0 0,0 0 0,0 1 0,0-2 0,0 1 0,0 0 0,0 1 0,0-1 0,0 1 0,0-1 0,0 0 0,0 0 0,0 1 0,0-2 0,0 0 0,1 0 0,-1-1 0,3 1 0,-3-1 0,1 0 0,1 0 0,-2 0 0,2-1 0,-2 0 0,1 0 0,2 0 0,-3 1 0,2 0 0,-1-1 0,2 1 0,-1-1 0,-1 1 0,2-1 0,-3 2 0,2-2 0,-1 1 0,2-1 0,-2 1 0,1-1 0,-1 2 0,0-1 0,1-1 0,0 1 0,0-1 0,-2 1 0,1 0 0,-1 0 0,1 0 0,-1 0 0,2 0 0,-2 0 0,2 0 0,-1 0 0,2 0 0,-3 0 0,2 0 0,0 0 0,1-1 0,-1 1 0,1-1 0,-3 1 0,2-1 0,-1 2 0,3-2 0,-2 1 0,2-2 0,-1 2 0,0 0 0,-1-1 0,2 0 0,-4 1 0,6-2 0,-4 2 0,2 0 0,-1-1 0,0 1 0,-1 0 0,0 0 0,0 0 0,-1 0 0,1 0 0,-2 0 0,0 0 0,0 1 0,0 1 0,0 0 0,0 0 0,0 1 0,0-1 0,0 0 0,0 1 0,0-1 0,0 0 0,0 2 0,0-1 0,0 0 0,0 1 0,0-2 0,0 2 0,0-2 0,3 1 0,-3-2 0,3 4 0,-3-3 0,0 1 0,0-1 0,1 1 0,-1-1 0,2 0 0,-1 0 0,-1 1 0,4-1 0,-4 1 0,2-1 0,-1 0 0,0 0 0,1 1 0,-2-1 0,1 1 0,-1-1 0,0 0 0,0 1 0,0 0 0,0 0 0,0 0 0,0-1 0,0 1 0,0-1 0,0 1 0,0-1 0,0 1 0,0 0 0,0 2 0,0-4 0,0 4 0,0-3 0,0 1 0,0-1 0,0 0 0,0 0 0,0 1 0,0-1 0,0 1 0,0-1 0,0 1 0,0-1 0,0 1 0,0-1 0,0 1 0,0-1 0,0 0 0,0 1 0,0 0 0,0-1 0,0 0 0,0 0 0,0 1 0,0-1 0,0 0 0,0 0 0,0 0 0,0 1 0,0-1 0,0-1 0,0 1 0,0 0 0,0 0 0,0 0 0,0-1 0,0-1 0,1 0 0,1 0 0,-1 0 0,1 1 0,-1-1 0,0 0 0,3 0 0,-1 1 0,0 0 0,0 0 0,0 0 0,-2 0 0,2 0 0,-3 1 0,4 0 0,-3-1 0,1 1 0,0 0 0,-2 0 0,0 0 0,0-1 0,-1 1 0,1 0 0,0 1 0,-2-2 0,2 1 0,-2 1 0,2-1 0,-2-1 0,2 1 0,-2 0 0,2 0 0,-2 0 0,2 0 0,0 0 0,0 0 0,0 0 0,0-1 0,0 1 0,0 0 0,0 0 0,0-1 0,0 1 0,0 1 0,0-1 0,0 0 0,0-1 0,-1-1 0,1 0 0,-1-1 0,1 1 0,0-1 0,0 1 0,0 0 0,0 0 0,0-1 0,0 1 0,0-1 0,0 1 0,0-2 0,0 2 0,0-2 0,0 2 0,0-1 0,0 1 0,0-2 0,0 2 0,0-1 0,0 1 0,0-1 0,0 1 0,0 0 0,0 0 0,0 0 0,0 1 0,0-1 0,0 0 0,0 0 0,0 0 0,0 1 0,0-1 0,0-1 0,0 1 0,0 0 0,0 0 0,1 0 0,-1 0 0,1 0 0,-1 1 0,0-1 0,2-1 0,-2 1 0,2 0 0,-2 0 0,0 0 0,0 0 0,2 0 0,-2-1 0,0 1 0,0 0 0,0 0 0,2-1 0,0 1 0,-1-1 0,0 1 0,1-1 0,-2 1 0,2 1 0,-2-1 0,1-1 0,-1 1 0,1 0 0,-1 0 0,0 0 0,0 0 0,0-1 0,0 1 0,0 0 0,2-1 0,-2 1 0,3 0 0,-3 0 0,2 0 0,-2 0 0,0-1 0,0 2 0,0-1 0,0 0 0,0 0 0,0 0 0,1-1 0,-1 1 0,2-1 0,-2 1 0,0-1 0,0 1 0,0-2 0,1 3 0,-1-2 0,2 1 0,-2-1 0,0 0 0,0 0 0,0 2 0,0-3 0,0 2 0,1-1 0,-1 2 0,2-2 0,-1 1 0,-1 0 0,2-1 0,-2 0 0,0 1 0,1-2 0,-1 2 0,1-2 0,1 2 0,-2 0 0,2 0 0,-2-1 0,0 1 0,0-2 0,0 2 0,0-2 0,2 2 0,-2 0 0,0 0 0,0-1 0,2 1 0,-2-1 0,2 1 0,-2 0 0,0 0 0,1-2 0,0 2 0,-1-1 0,0 1 0,2 0 0,-2 0 0,3-1 0,-3 1 0,1 0 0,-1-1 0,0 0 0,0 2 0,0-2 0,0 1 0,0-1 0,2 1 0,-1-1 0,1 1 0,-1-1 0,-1 1 0,0-1 0,2 1 0,-2-1 0,2 1 0,-1-2 0,-1 2 0,2-1 0,-2 1 0,0-1 0,0 1 0,0-1 0,0 0 0,1 0 0,-1 1 0,1 0 0,-1 0 0,2-1 0,-2 1 0,2 0 0,-2 0 0,0 0 0,0 0 0,0 0 0,2 0 0,-2-1 0,2 1 0,-2 1 0,2-1 0,0 0 0,0 0 0,-2 1 0,2 2 0,-1 0 0,0 0 0,-1 2 0,0-3 0,0 2 0,0 0 0,0 0 0,0 0 0,0 0 0,0-2 0,2 1 0,-2 0 0,1-1 0,-1 1 0,0 0 0,0-1 0,2 1 0,-2-1 0,1 1 0,-1-1 0,0 0 0,0 0 0,0 0 0,0 0 0,0 1 0,0-1 0,0 1 0,0-1 0,0 1 0,0-1 0,0 1 0,0-1 0,0 0 0,0 0 0,0 1 0,0-1 0,0 1 0,0-1 0,0 1 0,0-1 0,0 0 0,0 0 0,0 1 0,0 0 0,0 0 0,0-1 0,0 1 0,0-1 0,0 1 0,0 0 0,0-1 0,0 0 0,0 1 0,2-1 0,-2 2 0,1-1 0,0-1 0,0 1 0,0-1 0,-1 0 0,2 0 0,-2 0 0,2 2 0,-2-2 0,0 1 0,0-1 0,1 1 0,-1-1 0,3 1 0,-3-2 0,1 2 0,-1-1 0,0 1 0,0 0 0,0 0 0,2-1 0,-2 1 0,2-1 0,-2 3 0,0-3 0,0 2 0,0-2 0,0 0 0,0 1 0,2-1 0,0 1 0,0-1 0,-1 0 0,0 0 0,-1 0 0,0 0 0,0 0 0,0-1 0,0 1 0,0 1 0,0-1 0,2 0 0,-2 0 0,1 0 0,-1 0 0,0 0 0,0 0 0,0 1 0,0-2 0,0 2 0,0-1 0,0 0 0,0-1 0,0 1 0,0 0 0,0 0 0,2-1 0,-2 0 0,1-1 0,1-1 0,-2 2 0,2-1 0,-1 0 0,2-1 0,-3 1 0,2 0 0,4-3 0,-2 2 0,1-4 0,-3 5 0,1-1 0,-3 1 0,1 0 0,-1 0 0,0 0 0,1 1 0,0-1 0,2 0 0,-3 0 0,2 0 0,-2 0 0,2 0 0,0-1 0,-1 1 0,0 1 0,1-1 0,-1 0 0,3 0 0,-3 0 0,0 0 0,1 0 0,0 0 0,-2 1 0,2-2 0,0 1 0,0 0 0,0-1 0,-1 1 0,2 1 0,-3-2 0,4 1 0,-4 0 0,4-1 0,-2 1 0,1-1 0,-1 1 0,-2-1 0,0 1 0,2 0 0,0 0 0,2-1 0,-2 1 0,1-1 0,-3 1 0,1 0 0,0 0 0,0 0 0,-1 0 0,0 0 0,2 0 0,-2 0 0,2 0 0,-1 0 0,0 0 0,1 0 0,-2 0 0,1 0 0,0 0 0,0 1 0,0 0 0,-1 1 0,0 0 0,0 0 0,0 0 0,0 0 0,0 0 0,0 1 0,0 0 0,0-1 0,1 0 0,-1 1 0,3 0 0,-2 1 0,1 0 0,0 0 0,-2 0 0,0 0 0,0-2 0,0 2 0,1-3 0,0 1 0,1 1 0,-2-1 0,2 0 0,-1 1 0,0-1 0,1 1 0,-2-1 0,2 2 0,-2-2 0,0 0 0,0 0 0,1 1 0,-1-1 0,2 1 0,-1-1 0,0 0 0,1 0 0,1 1 0,-2-1 0,0 1 0,-1 0 0,2-2 0,-2 1 0,4 1 0,-4 0 0,3 0 0,-2-1 0,0 0 0,0 0 0,0 0 0,-1 0 0,2-1 0,-2 2 0,0-1 0,1-1 0,0 1 0,-1 1 0,0-1 0,2-1 0,-2 2 0,2-1 0,-1 0 0,0 0 0,0 1 0,-1-1 0,1 0 0,-1 0 0,2 0 0,-2 0 0,0 0 0,1 0 0,-1 1 0,1-2 0,-1 1 0,0 0 0,2 0 0,-1 0 0,1 0 0,0 0 0,-1 1 0,-1-1 0,1 0 0,1 0 0,-2 0 0,2 0 0,-2 0 0,0 0 0,1 0 0,0 0 0,0 0 0,-1 0 0,0 0 0,0-1 0,0 3 0,0-2 0,1 0 0,-1 0 0,2 0 0,-2 0 0,0 0 0,1 0 0,0 0 0,-1 1 0,0-2 0,2 1 0,-2 0 0,2 1 0,-2-1 0,0 0 0,0-1 0,0 1 0,1 0 0,0 0 0,1 0 0,-2-1 0,2 0 0,-2-2 0,0 0 0,0 0 0,0 0 0,0 1 0,1 0 0,0-1 0,1 1 0,-2-1 0,2 2 0,-2-3 0,1 2 0,0-2 0,1 2 0,-1-3 0,-1 2 0,2-1 0,-1 1 0,1 0 0,-1 0 0,-1 0 0,0 2 0,0-3 0,2 2 0,-2-1 0,1 1 0,-1-2 0,0 2 0,2-1 0,-2 1 0,1-2 0,-1 2 0,0 0 0,0-1 0,0 1 0,0 0 0,0 0 0,2 0 0,-2 0 0,2 0 0,-2 0 0,0 1 0,0-1 0,0 0 0,0 0 0,0 0 0,0 0 0,0 0 0,0 0 0,0 0 0,0 0 0,0 0 0,0-1 0,0 0 0,0 1 0,0 0 0,0 1 0,0-1 0,0-1 0,0 2 0,0-2 0,0 1 0,1 0 0,0 0 0,-1 0 0,0 0 0,0 0 0,2 0 0,-2 0 0,2 0 0,-1 0 0,0 0 0,1 0 0,-2 0 0,2 0 0,-2 1 0,0-2 0,0 1 0,1 0 0,0-1 0,1 1 0,-2-1 0,1 2 0,-1-1 0,1 0 0,0-1 0,0 1 0,-1 0 0,0 1 0,2-2 0,-2 1 0,1 1 0,-1-1 0,0-1 0,0 1 0,0 0 0,0 0 0,1-1 0,0 0 0,2 1 0,-3 0 0,1-1 0,-1 1 0,0-1 0,0 0 0,0 1 0,0 0 0,2-2 0,-1 2 0,1-1 0,-1 1 0,-1-1 0,0 0 0,0 0 0,0 1 0,2 1 0,-2-1 0,2-1 0,-1 1 0,0 0 0,-1 0 0,2-2 0,-2 2 0,2-2 0,-2 2 0,1 0 0,0 0 0,-1-1 0,0 1 0,0-1 0,0 0 0,2 0 0,-2 1 0,2-1 0,-2 1 0,0-1 0,0 2 0,1-3 0,0 2 0,0-1 0,-1 1 0,2-1 0,-2 2 0,0-3 0,0 2 0,0 0 0,0 0 0,0-1 0,0 0 0,3-1 0,-2 2 0,1-1 0,-2 1 0,0 0 0,0 0 0,1-1 0,0 1 0,0-1 0,1 2 0,-2-2 0,3 1 0,-3-1 0,1 1 0,-1 0 0,2 0 0,-2-1 0,1 1 0,-1 1 0,0-1 0,0 0 0,2 0 0,-2 0 0,2 1 0,0-1 0,2-1 0,-3 1 0,2 0 0,-3 1 0,1-1 0,0 0 0,1 0 0,1 1 0,-1-1 0,-1 1 0,-1 0 0,0 1 0,0 0 0,0 0 0,0 0 0,0 1 0,0 0 0,0-1 0,0 0 0,0 0 0,2 0 0,-1-1 0,1 1 0,-1 0 0,-1 0 0,0 1 0,0-2 0,2 3 0,-2-3 0,2 2 0,0-1 0,0 2 0,-1-3 0,1 2 0,-2-1 0,2 1 0,0-1 0,0 1 0,0-1 0,-2 1 0,0-1 0,0 0 0,1 0 0,2 0 0,-3 0 0,1 0 0,0 0 0,0-1 0,0 1 0,-1 0 0,1 0 0,-1 0 0,3 0 0,-2 0 0,2 0 0,-3 0 0,2 0 0,0 0 0,1 1 0,-1-1 0,-1 1 0,-1-2 0,0 1 0,0 0 0,0 0 0,0 0 0,1 0 0,-1 0 0,2 0 0,-2 1 0,0-1 0,0 0 0,0 0 0,1 2 0,0-2 0,-1 0 0,0 0 0,0 0 0,0 0 0,0 2 0,0-2 0,0 1 0,2-1 0,-2 1 0,2-2 0,-2 2 0,0 0 0,0 0 0,2 0 0,-2-1 0,1 0 0,-1 0 0,0 0 0,0 0 0,1 0 0,-1 1 0,2 0 0,-2-1 0,1 0 0,-1 1 0,2-1 0,-2 1 0,0-1 0,0 1 0,1-1 0,0 0 0,0 0 0,0 1 0,-1-1 0,2 1 0,-2 0 0,0 0 0,0-1 0,0 0 0,0 0 0,0 0 0,1 1 0,0-1 0,0 2 0,-1-2 0,2-1 0,-2 2 0,1-2 0,-1 2 0,1-1 0,0 0 0,0-1 0,-1 1 0,0 0 0,2 0 0,-2 0 0,1 0 0,-1 1 0,0-1 0,0 0 0,0 0 0,0 0 0,0 0 0,0-1 0,0 2 0,0-1 0,0-1 0,0 1 0,0 0 0,0 0 0,0 0 0,0 1 0,0-2 0,0 1 0,0 1 0,0-2 0,0 1 0,0 0 0,0 0 0,0-1 0,0 1 0,0 0 0,-1 0 0,1 0 0,-2 0 0,2 0 0,0-1 0,0 2 0,0-2 0,2 0 0,-2-2 0,2 2 0,-1-1 0,1 0 0,0 0 0,0 0 0,-2 0 0,2-1 0,0 1 0,2-1 0,-1 0 0,2 0 0,-2 1 0,-1 0 0,1-1 0,-1 1 0,0-1 0,2-1 0,-3 2 0,3-1 0,-2 1 0,3-2 0,-2 2 0,0-1 0,-2 1 0,1-1 0,-2 2 0,4-2 0,-3 1 0,1-1 0,0 1 0,0 0 0,0 0 0,-1 0 0,0 0 0,-1 0 0,2 0 0,-1 0 0,0 0 0,1-1 0,-2 1 0,3-1 0,-2 1 0,1 0 0,0 0 0,2-1 0,-2 1 0,2-2 0,-4 2 0,3-1 0,-2 1 0,2-2 0,-1 2 0,0-1 0,-2 1 0,1-1 0,-1 1 0,1-1 0,-1 1 0,2 0 0,-2 0 0,2-1 0,-2 1 0,1 0 0,0 0 0,-1 0 0,0 0 0,0 0 0,0 0 0,0 0 0,2 0 0,-2 1 0,2-1 0,-1-1 0,0 1 0,-1 0 0,2 1 0,-2-1 0,2 1 0,-2 1 0,1 0 0,0 1 0,-1-1 0,0 0 0,0 0 0,0 1 0,0-1 0,0 0 0,0 1 0,0 1 0,0-1 0,0 0 0,0 0 0,0 0 0,0-1 0,0 0 0,0 0 0,2 1 0,-2-1 0,1 1 0,-1-1 0,0 0 0,0 0 0,0 0 0,0 0 0,0-1 0,1 2 0,0-1 0,2-1 0,-3 1 0,2 2 0,-2-2 0,0 1 0,0-1 0,0 0 0,0 0 0,0 0 0,0 0 0,0 0 0,0 1 0,0-1 0,0 0 0,0 2 0,0-2 0,0 1 0,0-1 0,0 1 0,0 0 0,0-1 0,0 1 0,0-1 0,0 0 0,0 2 0,0-2 0,0 2 0,1-3 0,0 3 0,-1-3 0,0 1 0,0 0 0,0 1 0,0 0 0,0-1 0,2 1 0,-2-1 0,1 0 0,-1 1 0,2-1 0,-2 1 0,1-1 0,-1 0 0,0 1 0,2 0 0,-2-1 0,1 1 0,-1-1 0,0 1 0,0-1 0,0 0 0,2 0 0,-2 1 0,2-1 0,-1 1 0,0-1 0,-1 1 0,0-1 0,0 0 0,0 0 0,0 1 0,2-2 0,-2 1 0,2 0 0,-2 0 0,0 0 0,0 1 0,0-2 0,1 3 0,-1-3 0,1 2 0,-1-1 0,0 0 0,0 0 0,0 0 0,0 0 0,0 0 0,2 1 0,-2-1 0,2 0 0,-2 0 0,0 0 0,1 0 0,0 0 0,-1-1 0,2 2 0,-2-1 0,1 0 0,-1 0 0,0 0 0,0-1 0,0 1 0,0 1 0,1-2 0,0 1 0,0 0 0,-1 0 0,1 0 0,-1 0 0,2 0 0,-2 0 0,1 0 0,0 0 0,0-1 0,1 2 0,-2-2 0,1 1 0,-1 0 0,0 0 0,0 0 0,0 0 0,0 0 0,0 0 0,0-1 0,0 2 0,0-1 0,0 0 0,1 1 0,0-1 0,0-1 0,-1 0 0,0 0 0,0-1 0,0-1 0,0 1 0,0 0 0,0 0 0,2 0 0,-2 0 0,3-1 0,-3 1 0,2-2 0,0 1 0,0 1 0,0-1 0,0 0 0,2 0 0,-2 0 0,0 0 0,-1 0 0,-1 1 0,0-2 0,0 2 0,1 0 0,0 1 0,1-2 0,-2 1 0,3-2 0,-2 2 0,0-1 0,-1 1 0,1-1 0,-1 1 0,2 0 0,-2 0 0,0 1 0,0-2 0,1 1 0,0 1 0,0-1 0,-1 0 0,0-1 0,0 1 0,0 0 0,2-2 0,-2 1 0,3 0 0,-3 0 0,0 0 0,0 0 0,0 1 0,0-1 0,0 1 0,0-1 0,0 2 0,0-3 0,0 2 0,0-2 0,0 2 0,0 0 0,0 0 0,0-1 0,0 1 0,0 0 0,0-1 0,0 1 0,0 0 0,0-1 0,0 1 0,0-1 0,0 1 0,0-1 0,0 0 0,0 1 0,0 0 0,0 0 0,0 0 0,0 0 0,0 0 0,0 0 0,0-1 0,0 1 0,0 0 0,0 0 0,0 0 0,0-1 0,0 1 0,0 0 0,0 0 0,0-1 0,0 0 0,0 1 0,0-1 0,0 1 0,0 0 0,0-1 0,0 1 0,0-1 0,0 0 0,0-1 0,0 2 0,0-1 0,0 1 0,0-2 0,0 1 0,0 0 0,0 1 0,0-2 0,0 2 0,0-2 0,0 2 0,0-1 0,0 2 0,0-2 0,0 1 0,0-2 0,0 2 0,0-1 0,0 2 0,0-1 0,0 0 0,0 0 0,0 0 0,0 0 0,0 0 0,0-1 0,0 1 0,0-1 0,0 1 0,0-1 0,0 2 0,0-2 0,0 2 0,0-2 0,0 1 0,0 0 0,0 1 0,0-1 0,0 0 0,0 0 0,0 0 0,0 0 0,0 0 0,0 0 0,0 1 0,0-1 0,0 0 0,0 0 0,0 0 0,0 0 0,0 0 0,0 0 0,0 0 0,0 0 0,0 1 0,1-1 0,-1 1 0,1 0 0,-1 1 0,0 1 0,0-1 0,0 3 0,0-1 0,0 2 0,0-3 0,0 3 0,0-2 0,0 2 0,0-2 0,2-1 0,-2-1 0,2 1 0,-2 1 0,2-1 0,-2 0 0,0 2 0,0-3 0,2 1 0,-2-1 0,2 1 0,-1-1 0,0 1 0,-1 0 0,0-1 0,0 1 0,2 0 0,-2-1 0,2 0 0,-2 0 0,1 1 0,-1-2 0,1 2 0,1-1 0,-1 1 0,2-1 0,-1 1 0,-1-1 0,-1 1 0,1-1 0,0 1 0,0-1 0,1 0 0,-2 1 0,3-1 0,-3 1 0,2 0 0,-2-1 0,1 0 0,-1 0 0,1 0 0,-1 0 0,0-1 0,0 1 0,2 1 0,-2 0 0,2 0 0,-1 0 0,0-1 0,-1 0 0,0 1 0,0 0 0,0-1 0,0 1 0,2 0 0,-2-1 0,1 1 0,-1-1 0,0 1 0,0-1 0,0 0 0,0 1 0,0-1 0,0 0 0,0 1 0,0 0 0,0 0 0,0-1 0,0 1 0,0-1 0,0 0 0,0 0 0,0 0 0,0 1 0,0 0 0,0-1 0,0 1 0,0-1 0,0 1 0,0-1 0,0 1 0,0-1 0,0-1 0,0 1 0,0 1 0,0-2 0,0 1 0,0 0 0,0 0 0,0 0 0,0-1 0,0 1 0,0 0 0,0 0 0,0 0 0,0-1 0,0 2 0,0-1 0,0 0 0,0-1 0,0 1 0,0 0 0,0 0 0,0 0 0,0-1 0,0 1 0,0-2 0,0 0 0,0-1 0,2-1 0,-1 1 0,1-1 0,-1 1 0,0 0 0,3-1 0,-3 1 0,3-1 0,-1 0 0,-1 1 0,-1 0 0,-1 1 0,0 0 0,1-1 0,1 1 0,-1-3 0,2 2 0,-2-1 0,2 2 0,-2-1 0,2 0 0,-1 0 0,-1 1 0,-1-2 0,0 2 0,3-3 0,-2 3 0,1-1 0,-2 0 0,2-1 0,-2 2 0,2-1 0,-2 1 0,0 0 0,1 0 0,0-2 0,-1 1 0,0 0 0,2 0 0,-2 0 0,2 1 0,-2 0 0,1 0 0,0 1 0,-1-2 0,2 1 0,-2 0 0,1-2 0,-1 2 0,0-1 0,0 1 0,1 0 0,0 0 0,1-1 0,-2 0 0,2 0 0,-2 1 0,0-2 0,1 2 0,0-1 0,0 0 0,-1 1 0,2 0 0,-2 0 0,1-1 0,0 1 0,1-1 0,0 0 0,-1 1 0,-1-1 0,0 1 0,2-1 0,-2 1 0,1 0 0,0 0 0,1-2 0,0 1 0,0 1 0,-1 0 0,0 0 0,-1 0 0,0-1 0,0 1 0,0-1 0,0 1 0,2-2 0,-2 2 0,2-1 0,-1 0 0,0 0 0,-1 2 0,0-1 0,0 0 0,1-2 0,-1 2 0,2-2 0,-2 2 0,0-1 0,0 1 0,1 0 0,0 0 0,0-1 0,-1 1 0,3-1 0,-3 1 0,3 0 0,-3 0 0,2 0 0,-2 0 0,1 1 0,-1-1 0,0 0 0,0 0 0,1 0 0,0 0 0,0 0 0,-1 0 0,0 1 0,0-2 0,2 2 0,-2-1 0,2 0 0,0 0 0,-1 0 0,1 0 0,0 1 0,-2 0 0,0 1 0,0 0 0,0 1 0,0-1 0,0 1 0,0 1 0,0-2 0,0 0 0,0 0 0,0 0 0,0 2 0,0-1 0,0 0 0,0-1 0,0 0 0,0 0 0,0 2 0,0-1 0,0 1 0,0-2 0,0 2 0,0-2 0,0 1 0,0-1 0,0 0 0,0 1 0,0-1 0,0 0 0,0 0 0,0 0 0,0 0 0,0 0 0,0 0 0,0 0 0,0 0 0,0 0 0,0 1 0,0-1 0,0-1 0,0 1 0,0 0 0,0 0 0,0 1 0,0-1 0,0 1 0,0-1 0,0 1 0,0-1 0,0 1 0,0-1 0,0 1 0,0-1 0,0 2 0,0-2 0,0 2 0,0-2 0,0 1 0,0-1 0,0 1 0,0-1 0,0 1 0,0-1 0,0 0 0,0 0 0,0 2 0,0-3 0,0 2 0,0 0 0,0 0 0,0 0 0,0-1 0,0 1 0,2 0 0,-2-2 0,2 2 0,-2-1 0,0 1 0,0 0 0,2 0 0,-2-1 0,4 1 0,-4-1 0,3 1 0,-3-1 0,0 0 0,0 0 0,1 2 0,1-2 0,0 1 0,-1-1 0,-1 1 0,0-2 0,0 1 0,0 1 0,1-2 0,0 1 0,0 0 0,-1 0 0,0 0 0,0 1 0,0-1 0,0 0 0,0 0 0,2 1 0,-2-1 0,1 0 0,0 1 0,0-1 0,0 1 0,-1-1 0,1 1 0,-1-1 0,2 0 0,-2 0 0,0 0 0,0 0 0,0 0 0,1 0 0,0 0 0,-1 0 0,0 1 0,2-1 0,-2 1 0,2-2 0,-2 3 0,0-2 0,0 0 0,0 0 0,0 0 0,0 0 0,0 0 0,0 0 0,1 0 0,0 0 0,-1 1 0,2-1 0,-2 0 0,2 0 0,-2 0 0,0 0 0,0 0 0,2 0 0,-2 0 0,1 0 0,-1 1 0,0-2 0,0 2 0,0-1 0,0 1 0,1-2 0,-1 1 0,2 0 0,-2 0 0,0 0 0,0 0 0,0 0 0,0 0 0,0 0 0,0 0 0,0 0 0,0 0 0,0 0 0,1 0 0,-1-1 0,2 2 0,-1-1 0,0 0 0,0 0 0,1 1 0,-2 0 0,1-1 0,-1 0 0,1 0 0,1 0 0,0 1 0,0-1 0,-1 0 0,0 0 0,0 0 0,-1-1 0,2 1 0,-2 0 0,0 0 0,1 0 0,0 0 0,1 0 0,-2 0 0,2-1 0,-2-1 0,1 0 0,0-1 0,1 0 0,0-1 0,-1 2 0,4-2 0,-5 2 0,5-2 0,-4 1 0,2-2 0,0 3 0,-1-2 0,-1 1 0,0-1 0,-1 2 0,2-1 0,-1 0 0,1 0 0,1-1 0,-1 0 0,0 1 0,-1-3 0,-1 4 0,2-1 0,-2 0 0,2 0 0,-2 1 0,1-1 0,-1 1 0,2-1 0,-1 0 0,-1 0 0,2 1 0,-1 0 0,-1-1 0,3 0 0,-3 1 0,2-1 0,-2 1 0,1 0 0,2 0 0,-2-1 0,3-1 0,-2 1 0,0 0 0,-2-1 0,2 1 0,-2-1 0,2 0 0,-2 2 0,1 0 0,0-1 0,0 1 0,1 0 0,-2-1 0,2 0 0,-1 1 0,0-1 0,0 1 0,-1 0 0,4-1 0,-3 0 0,1 0 0,-2 1 0,0 0 0,0-1 0,0 1 0,0 0 0,0 0 0,0 0 0,0 0 0,0 0 0,0 1 0,0-2 0,0 1 0,0 0 0,0-1 0,0 1 0,0 0 0,0-2 0,0 2 0,0-2 0,0 1 0,0 0 0,0 1 0,0-1 0,0 1 0,0 0 0,1 0 0,-1 0 0,2 0 0,-2 0 0,0 1 0,0-1 0,1 0 0,0-1 0,1 1 0,0-1 0,-1 2 0,0-2 0,-1 2 0,0-1 0,2 0 0,-2 1 0,2 0 0,-1 1 0,2 0 0,-3 0 0,2 1 0,-1-1 0,-1 1 0,3-1 0,-3 0 0,2 0 0,-2-1 0,1 2 0,2 0 0,-3-1 0,2 0 0,-1 0 0,0 1 0,1-1 0,-1 2 0,2-2 0,2 1 0,-3-1 0,0 1 0,-2-1 0,0 0 0,2 2 0,-1-1 0,1 0 0,-1-1 0,-1 0 0,1 0 0,-1 0 0,2 0 0,-2 0 0,1 0 0,0 0 0,2 1 0,-3-1 0,2 1 0,-2-1 0,0 0 0,1 0 0,2 1 0,-2-1 0,1 0 0,1 0 0,-3 0 0,2 0 0,-1 0 0,1 0 0,-2 0 0,4 0 0,-4 0 0,2 0 0,-2 0 0,0 0 0,0-1 0,0 1 0,0 0 0,0 0 0,0 0 0,0 0 0,0 0 0,0-1 0,0 2 0,0-2 0,4 1 0,-4 0 0,1 0 0,-1 0 0,1 0 0,0-1 0,0 2 0,-1-2 0,0 1 0,0 0 0,0 0 0,0 0 0,1 0 0,-1 0 0,2 0 0,-1 0 0,0 0 0,1 0 0,-2 0 0,2 0 0,-2-1 0,0 1 0,0 0 0,0 0 0,0 0 0,0 0 0,0-1 0,0 1 0,0 0 0,0 0 0,0 0 0,0 0 0,-2 0 0,2-1 0,-1-1 0,1-1 0,1 0 0,0 1 0,1-3 0,0 2 0,0-2 0,0 2 0,0-1 0,-2 2 0,2-2 0,-2 1 0,2-3 0,-1 4 0,-1-3 0,2 3 0,-2-1 0,2 1 0,-2 0 0,0 0 0,0 0 0,0 1 0,0-2 0,0 1 0,0 1 0,0-1 0,0 0 0,0 0 0,0 0 0,0 0 0,1-1 0,0 1 0,1-1 0,-1 1 0,3-3 0,-4 3 0,4-3 0,-2 3 0,1-1 0,-2 1 0,-1 0 0,0 0 0,1-2 0,-1 3 0,2-4 0,-1 3 0,0 0 0,1 0 0,2-1 0,-3 0 0,3-1 0,-2 1 0,0 0 0,1-1 0,-1 3 0,0-2 0,-1 1 0,2-1 0,-2 1 0,2 0 0,-2-1 0,1 1 0,-2 0 0,4-2 0,-3 1 0,0 0 0,-1-1 0,2 2 0,-2-1 0,1 1 0,1 0 0,-2 0 0,1 0 0,-1 0 0,0 1 0,0-1 0,0 0 0,0 0 0,0 0 0,0 0 0,0 0 0,0 0 0,0 0 0,0 0 0,0 1 0,0-2 0,0 2 0,0-2 0,0 1 0,0 0 0,0 0 0,0 0 0,0 0 0,0-1 0,0 1 0,0 0 0,0 0 0,0 0 0,0-3 0,0 2 0,0-2 0,0 2 0,0 0 0,0 1 0,0 0 0,0-1 0,2 1 0,-2-1 0,1 0 0,-1 1 0,0 0 0,0 0 0,0 0 0,2 0 0,-2-1 0,2 1 0,-2 0 0,1-1 0,-1 2 0,2-2 0,-2 1 0,1-2 0,-1 2 0,3-1 0,-3 1 0,0 0 0,0 0 0,0 0 0,1 0 0,0 0 0,-1-1 0,2 2 0,-2-1 0,2-1 0,-2 1 0,0 0 0,0 1 0,0-1 0,0 1 0,0 0 0,0 1 0,0 2 0,0-2 0,0 0 0,-2 0 0,2 1 0,-2 0 0,2-1 0,0 1 0,0-1 0,0 2 0,0-2 0,0 1 0,0-1 0,0 0 0,0 0 0,0 0 0,0 1 0,0-1 0,0-1 0,0 1 0,0 1 0,0-1 0,0-1 0,0 2 0,0-1 0,0 2 0,0-2 0,0 2 0,0-2 0,0 2 0,0-1 0,0-1 0,3 1 0,-3 0 0,2 0 0,-2-1 0,0 0 0,0-1 0,0 2 0,0-1 0,0 0 0,0 1 0,0-1 0,0 0 0,0 0 0,0 0 0,0 0 0,0 1 0,0-1 0,0 2 0,0-1 0,0 1 0,0-2 0,0 0 0,0 0 0,0 1 0,0-1 0,0 0 0,0 1 0,0-2 0,0 3 0,0-2 0,0 1 0,0 0 0,2 1 0,-2-1 0,3 1 0,-3-2 0,1 2 0,-1-2 0,1 3 0,-1-3 0,0 1 0,0 0 0,0 0 0,0-1 0,0 1 0,0-1 0,2 0 0,-2 1 0,2 0 0,-2 0 0,1-1 0,-1 1 0,1 0 0,2 0 0,-3 0 0,1 1 0,-1-2 0,0 0 0,2 1 0,-2-1 0,2 2 0,-2-2 0,0 1 0,0-2 0,1 2 0,0-1 0,-1 0 0,0 0 0,0 1 0,2-1 0,-2 1 0,2-1 0,-1 0 0,-1 0 0,2 0 0,-2 0 0,0 0 0,0 0 0,1 0 0,-1 0 0,1 1 0,1-1 0,-2 0 0,2 0 0,-2 0 0,0-1 0,0 2 0,0-2 0,0 1 0,0 0 0,1 0 0,0 0 0,0 0 0,-1 0 0,0 0 0,0 0 0,0 0 0,0 0 0,1 1 0,-1-1 0,2 1 0,-2-1 0,1 0 0,-1 0 0,2 0 0,-2 0 0,1 0 0,-1 0 0,3 0 0,-2 1 0,0-1 0,-1 0 0,1 1 0,-1-2 0,2 2 0,-2-1 0,1 1 0,0-1 0,-1 1 0,0-2 0,2 2 0,-2-1 0,2 0 0,-2 0 0,0 0 0,1 0 0,0 0 0,-1 0 0,2 0 0,-2 0 0,2 0 0,-2 0 0,0-1 0,0 1 0,0 1 0,0-1 0,0 0 0,0 0 0,0 0 0,1 0 0,-1 0 0,1 0 0,-1 0 0,0 0 0,0 0 0,2 0 0,-2 0 0,1 0 0,1 0 0,-2 0 0,2 0 0,-2 0 0,0-1 0,0 2 0,0-1 0,0 0 0,0 0 0,1 0 0,0 0 0,0 0 0,-1 0 0,0 0 0,0 0 0,0 0 0,0 0 0,0 0 0,0 0 0,0 0 0,0-1 0,0 1 0,1 0 0,-1-1 0,0-2 0,0 1 0,0-3 0,1 3 0,1-3 0,-2 3 0,0-1 0,2-1 0,1 1 0,2-3 0,-2 3 0,3-5 0,-6 5 0,4-3 0,-4 4 0,2-3 0,-1 2 0,1-2 0,-2 3 0,0 0 0,0 0 0,0-1 0,1 0 0,-1 1 0,2-1 0,-1 1 0,0-1 0,1 0 0,0 1 0,0-1 0,2-1 0,-2 1 0,0 0 0,-2 1 0,0-1 0,0 0 0,0 0 0,0 0 0,0 1 0,0-1 0,0 1 0,0 0 0,2 0 0,-1-1 0,0 0 0,1 0 0,-2 1 0,2-1 0,-2 0 0,2-1 0,0 1 0,0-1 0,-1 2 0,-1-2 0,0 2 0,1-1 0,0 1 0,0-2 0,-1 1 0,0-1 0,0 2 0,0-2 0,0 2 0,0 0 0,0 0 0,0 0 0,0-1 0,0 1 0,0 1 0,0-2 0,0 2 0,0-1 0,0 0 0,0 0 0,0-1 0,0 1 0,0-1 0,0 1 0,0 0 0,0 0 0,0-1 0,0 1 0,0 0 0,0 0 0,0-1 0,0 1 0,0-2 0,0 2 0,0-2 0,0 1 0,0 1 0,2 0 0,-2 0 0,1 0 0,-1-1 0,0 1 0,1-1 0,0 2 0,0-3 0,-1 2 0,0-1 0,0 1 0,0 0 0,0 0 0,1-1 0,-1 1 0,2-1 0,-2 1 0,1 0 0,0 1 0,0-1 0,-1 0 0,0 1 0,0 0 0,0 1 0,0 0 0,1 1 0,-1-1 0,2 0 0,-2 0 0,2 2 0,-1-2 0,0 3 0,-1-2 0,2 0 0,-2-1 0,2 2 0,-2-2 0,0 2 0,0-2 0,2 2 0,-2-1 0,0 1 0,0-3 0,0 3 0,0-2 0,0 1 0,0-1 0,0 1 0,2-1 0,-1 2 0,1-3 0,1 2 0,-3-1 0,2 0 0,-2 0 0,1 1 0,0-1 0,3 3 0,-4-3 0,4 3 0,-4-3 0,4 1 0,-4-1 0,2 1 0,-1-1 0,2 0 0,-3 0 0,2 0 0,-2 0 0,0 0 0,0 0 0,0 0 0,0 0 0,0 1 0,0-1 0,0 0 0,0 1 0,1 1 0,0-1 0,1 0 0,-2 0 0,0 0 0,2 0 0,-1 0 0,2 0 0,-3-1 0,0 1 0,0-1 0,1 1 0,-1-2 0,2 2 0,-2-1 0,0 1 0,1-1 0,0-1 0,-1 2 0,0-1 0,0 0 0,0 0 0,0 0 0,0 0 0,0 0 0,0-1 0,2 1 0,-2 0 0,2 0 0,-2-1 0,0 0 0,0-1 0,0-1 0,1 1 0,0 0 0,3-2 0,-3 2 0,2-3 0,-2 3 0,1-2 0,0 1 0,2-5 0,-4 6 0,3-4 0,-2 3 0,0 1 0,0-1 0,0 1 0,-1-1 0,3-1 0,-2 2 0,1-2 0,0 2 0,-1-2 0,0 1 0,-1 0 0,0 1 0,0 0 0,0-1 0,0 1 0,0 0 0,0 0 0,0 0 0,0-1 0,0 0 0,0 0 0,0 1 0,0 1 0,0-2 0,0 1 0,0-1 0,0 1 0,0-1 0,0 1 0,0-1 0,0 0 0,2 0 0,-2 1 0,1 0 0,-1 1 0,2-2 0,-2 0 0,4 0 0,-4 0 0,4-2 0,-4 3 0,4-3 0,-3 3 0,1-3 0,-2 4 0,1-3 0,-1 2 0,1-1 0,-1 1 0,2 0 0,-2 0 0,1 0 0,-1 0 0,2 0 0,-2 1 0,2-1 0,-2 0 0,1-1 0,0 1 0,0 0 0,0 0 0,1 0 0,1 0 0,-2 1 0,2-1 0,-3 0 0,3 0 0,-1 0 0,0 0 0,0 1 0,0-1 0,0 0 0,-2 1 0,0 0 0,0 2 0,0 0 0,2 1 0,0-2 0,-1 2 0,0-1 0,-1 1 0,0-2 0,2 2 0,-2-2 0,1 6 0,-1-6 0,2 3 0,-2-3 0,3 0 0,-3 0 0,3 1 0,-3-1 0,3 0 0,-2 0 0,1 0 0,0 1 0,0 0 0,0-1 0,0 2 0,-2-2 0,0 2 0,0-2 0,0 0 0,0 1 0,0-1 0,0 2 0,2-2 0,0 1 0,2 1 0,-4-1 0,4 2 0,-3-3 0,0 3 0,-1-3 0,2 3 0,-1-3 0,3 2 0,-4-1 0,2 1 0,-2-2 0,0 1 0,0 0 0,0-1 0,0 1 0,0-1 0,0-1 0,0 2 0,0 0 0,0 0 0,1 0 0,-1-1 0,2 0 0,-2 2 0,0-1 0,0 2 0,0-2 0,0 1 0,0-2 0,0 2 0,0-2 0,0 2 0,0-2 0,0 1 0,0-1 0,0 4 0,0-4 0,0 3 0,0-3 0,0 1 0,0-1 0,0 0 0,0 0 0,0 1 0,0-1 0,0 1 0,0-1 0,0 0 0,0 0 0,0-1 0,0 0 0,0-2 0,0 1 0,2-1 0,-2 1 0,2-2 0,-2 2 0,0-2 0,0 1 0,2 1 0,-2-2 0,3-1 0,-2 1 0,2-2 0,-3 3 0,2-3 0,-2 2 0,1 0 0,-1 0 0,0 3 0,0-2 0,0-2 0,0 3 0,0-3 0,0 3 0,0-2 0,0 2 0,0-1 0,0 0 0,0 0 0,0 1 0,2-2 0,-2 2 0,1-2 0,-1 2 0,0-2 0,0 2 0,2-2 0,-1 1 0,3-1 0,-4 2 0,6-3 0,-5 3 0,3-1 0,-4 1 0,0 0 0,1-1 0,0 0 0,0-1 0,-1 2 0,0-1 0,0 0 0,1 1 0,1-1 0,1 1 0,0-1 0,-1 0 0,1 1 0,-2 0 0,1-1 0,0 1 0,-2 1 0,3 0 0,-2-1 0,1 0 0,0 0 0,-1 0 0,0 0 0,1 0 0,1 1 0,-3-1 0,2 0 0,-1 0 0,-1 1 0,3-1 0,-1 0 0,1 0 0,-2 0 0,2 1 0,-2-2 0,1 1 0,-2 1 0,3-1 0,-2 0 0,-1 1 0</inkml:trace>
 </inkml:ink>
 </file>
 
@@ -216,15 +216,99 @@
           <inkml:channelProperty channel="F" name="resolution" value="0" units="1/dev"/>
         </inkml:channelProperties>
       </inkml:inkSource>
-      <inkml:timestamp xml:id="ts0" timeString="2023-01-26T07:55:47.812"/>
+      <inkml:timestamp xml:id="ts0" timeString="2023-03-27T05:42:04.068"/>
     </inkml:context>
     <inkml:brush xml:id="br0">
-      <inkml:brushProperty name="width" value="0.05292" units="cm"/>
-      <inkml:brushProperty name="height" value="0.05292" units="cm"/>
+      <inkml:brushProperty name="width" value="0.02646" units="cm"/>
+      <inkml:brushProperty name="height" value="0.02646" units="cm"/>
       <inkml:brushProperty name="color" value="#4472C5"/>
     </inkml:brush>
   </inkml:definitions>
-  <inkml:trace contextRef="#ctx0" brushRef="#br0">9 358 24575,'0'-2'0,"-4"-2"0,2 3 0,-1-4 0,3 3 0,0-2 0,0 2 0,0-3 0,0 3 0,0-3 0,0 4 0,2-3 0,1 2 0,-1-3 0,0 2 0,-2 0 0,0 0 0,2 1 0,-2 0 0,1-1 0,-1 2 0,0-2 0,0 0 0,0 1 0,0 0 0,0 0 0,4 0 0,-4-1 0,3 2 0,-2-2 0,0 2 0,-1-1 0,0-1 0,2 0 0,-2 2 0,4-3 0,-4 4 0,0-3 0,1 2 0,1-2 0,0 1 0,-2 0 0,4-1 0,-3 1 0,-1 0 0,3 0 0,-3 1 0,5-2 0,-5 2 0,6-3 0,-5 1 0,4 0 0,-4 2 0,3-2 0,-4 2 0,8-4 0,-7 2 0,6-2 0,-7 1 0,5 0 0,-5 1 0,2 1 0,0-3 0,1 2 0,1-1 0,0-1 0,-4 0 0,4 0 0,-3 2 0,5-4 0,0 3 0,0-2 0,-5 3 0,-1 1 0,3-4 0,-3 4 0,3-4 0,-3 4 0,2-3 0,4 1 0,-2 0 0,3-2 0,-6 5 0,2-3 0,-3 1 0,5-2 0,-2 1 0,2-3 0,0 2 0,0 0 0,-3 2 0,2-2 0,-3 2 0,0-2 0,2 3 0,-3 0 0,2-1 0,0 2 0,-2-1 0,4 1 0,-3 0 0,3-1 0,-4 0 0,3 0 0,-2 0 0,3 0 0,-4 1 0,3-1 0,-2 0 0,3 0 0,-2 1 0,3-1 0,-2 1 0,0 0 0,-3 1 0,3 2 0,-3 1 0,0-1 0,0 0 0,0 1 0,0-2 0,0 2 0,0 0 0,0 1 0,0-3 0,0 4 0,0-2 0,0 1 0,0-1 0,0-2 0,0 1 0,0 0 0,0 0 0,0 0 0,0-1 0,0 1 0,0 0 0,0 0 0,0-1 0,0 1 0,0 0 0,0 0 0,0 1 0,0-1 0,0 0 0,0 2 0,0-2 0,0 2 0,0-2 0,0 0 0,0 1 0,0-1 0,0 1 0,0 0 0,0-1 0,0 0 0,0 4 0,0-2 0,0 1 0,0-2 0,0-1 0,0 0 0,0 0 0,0 0 0,0 1 0,0 0 0,0-2 0,0 1 0,0 0 0,0 1 0,0 0 0,0-1 0,0 2 0,0 0 0,0 0 0,0 0 0,0 1 0,0-1 0,0 2 0,0-2 0,0 6 0,0 1 0,0 4 0,0-6 0,0-2 0,2-5 0,1 3 0,-3-3 0,2 3 0,-2-4 0,0 4 0,0-2 0,0 1 0,0-2 0,0 1 0,0-1 0,0 2 0,4-3 0,-4 3 0,1-2 0,-1 2 0,0-1 0,0 0 0,2-1 0,-1 3 0,0-3 0,-1 0 0,0 0 0,0 0 0,0-1 0,0 1 0,0 0 0,0 0 0,0-1 0,0 2 0,0-2 0,2 2 0,-2-1 0,3-1 0,-3 1 0,0 0 0,0 0 0,0 0 0,0-1 0,0 1 0,0 0 0,0 0 0,0-1 0,0 1 0,0 0 0,0 0 0,0 0 0,0 0 0,0 0 0,0 0 0,1 0 0,2-1 0,-2 2 0,2-2 0,-3 1 0,0 0 0,2 0 0,-1 1 0,2-1 0,2 0 0,-5-1 0,2 1 0,-1 0 0,1 1 0,-1-2 0,1 0 0,-2 1 0,2-1 0,-2 1 0,0-2 0,0-1 0,2-2 0,-1-1 0,3 1 0,-1 0 0,-1 0 0,0 0 0,3 1 0,-3-3 0,6-1 0,0-2 0,0 2 0,0-1 0,-6 5 0,6-5 0,-8 4 0,9-4 0,-7 3 0,2 0 0,3 1 0,0-6 0,0 5 0,2-6 0,-7 9 0,3-5 0,-4 3 0,5-1 0,-6 1 0,3-1 0,-1 3 0,2-2 0,-2-1 0,0-1 0,1 2 0,-2 1 0,0 0 0,1 0 0,-2 1 0,1-1 0,2 0 0,-1 0 0,0 0 0,0 0 0,-2 0 0,2 1 0,-1-2 0,1 1 0,-1 0 0,1-2 0,-2 3 0,3-1 0,-3-1 0,0 0 0,0 2 0,0-1 0,0 0 0,0 0 0,0 1 0,0-1 0,0 0 0,0 0 0,0 1 0,0-2 0,0 1 0,0 0 0,0 0 0,0 0 0,0 0 0,2 0 0,-2-1 0,2 1 0,-2 2 0,0 2 0,0-1 0,0 2 0,0-1 0,0 0 0,0 0 0,0 2 0,0-2 0,0 3 0,0-1 0,1 1 0,1-3 0,1 5 0,-1-5 0,1 4 0,-2-3 0,4 3 0,-5-4 0,3 4 0,-1-4 0,-2 0 0,5 1 0,-5 2 0,3 1 0,-3 0 0,0-3 0,0 2 0,0-3 0,0 3 0,1-3 0,0 2 0,0-1 0,-1-1 0,0 3 0,0 0 0,0-2 0,3 2 0,-3-3 0,2 0 0,-2 1 0,2 0 0,-2 0 0,3-2 0,-3 1 0,6 1 0,-4-2 0,1 2 0,-3-1 0,0 0 0,0-1 0,0 1 0,0 0 0,3 1 0,-3-2 0,4 3 0,-4-1 0,2 0 0,-2-2 0,0 1 0,0 0 0,2 0 0,-2 1 0,4 0 0,-3-1 0,0 0 0,-1 0 0,0 0 0,2-1 0,-2 3 0,3-1 0,-3 4 0,0-4 0,3 2 0,-3-2 0,2 0 0,-1-2 0,-1 3 0,3-3 0,-3 1 0,0 0 0,0 0 0,1 1 0,-1-2 0,4 1 0,-2-1 0,-1 0 0,-1-1 0,2-1 0,0-2 0,1 1 0,-3 0 0,0 0 0,0 0 0,4 1 0,-4-1 0,2 0 0,-2 0 0,1 1 0,-1-1 0,4 0 0,-2-1 0,1 2 0,-3-1 0,2 0 0,-2 0 0,0 0 0,2 0 0,0 0 0,1 0 0,1-1 0,-4 0 0,2 0 0,-1 1 0,-1 0 0,3 1 0,-1-1 0,-2 0 0,4 0 0,-2 1 0,-2-1 0,3 0 0,-3-1 0,4 1 0,-4 0 0,4-1 0,-4 2 0,5-2 0,-5 2 0,2-1 0,-1 0 0,1 0 0,-2 1 0,3-2 0,-3 0 0,3 1 0,-2 0 0,-1 0 0,2 0 0,0 1 0,-2-1 0,3 0 0,-1-3 0,0-2 0,2 0 0,-4 3 0,3 1 0,-3 1 0,0-1 0,2 0 0,-1-1 0,-1 1 0,2-3 0,-2 5 0,3-3 0,-3 2 0,0 0 0,0-1 0,0 0 0,0 0 0,0-3 0,1 4 0,0-1 0,0-1 0,2 1 0,-3 1 0,2 0 0,-2-1 0,0 1 0,0-4 0,0 3 0,0-3 0,4 3 0,-3 1 0,5-3 0,-6 4 0,2-2 0,0-2 0,0 1 0,2-1 0,0 2 0,-2 1 0,0 0 0,1 1 0,-3-2 0,0 2 0,0-2 0,0 1 0,0-1 0,0 0 0,0 1 0,0 0 0,1-1 0,0 0 0,0-1 0,2 2 0,-3 0 0,2-1 0,-1 1 0,0 0 0,1 0 0,0-3 0,0 4 0,1-3 0,0 2 0,-1 1 0,1-2 0,-3 0 0,4 1 0,-4 0 0,2 3 0,-2 0 0,0 1 0,0 1 0,0-2 0,0 1 0,0 1 0,0-1 0,0 1 0,0-1 0,0 2 0,5 5 0,-4-3 0,3 3 0,-4-7 0,0-1 0,0 2 0,0 0 0,0 1 0,0-3 0,0 3 0,0-2 0,0 2 0,0-2 0,0 1 0,0 0 0,0 1 0,0-1 0,2 1 0,0-2 0,0 2 0,1-2 0,-2 0 0,0 0 0,1 0 0,0 2 0,-2-2 0,5 2 0,-5-1 0,3 1 0,-3-2 0,2 2 0,0-2 0,-2 0 0,4 1 0,-2-1 0,1 2 0,-3-2 0,2 1 0,-1 0 0,1 0 0,2 1 0,-4-3 0,1 2 0,2-1 0,-3 0 0,3 1 0,-3-2 0,2 4 0,-1 0 0,1 1 0,-2-2 0,3 0 0,-3-2 0,0 0 0,0-1 0,0 1 0,0 0 0,0 0 0,1 0 0,1 1 0,-2-1 0,0 1 0,0 0 0,0-2 0,0 3 0,3-2 0,-3 0 0,2 0 0,-2 1 0,0 0 0,0-1 0,0 1 0,0 0 0,0-1 0,0 1 0,0-1 0,0 0 0,0 1 0,0 0 0,0-1 0,0 1 0,0-1 0,0 2 0,0-1 0,0 0 0,0-1 0,0 0 0,0-1 0,0 2 0,0-1 0,0 1 0,0-1 0,0-1 0,0 1 0,2 1 0,-2-1 0,2 1 0,-2 0 0,0-1 0,0 0 0,1 0 0,-1 0 0,4-1 0,-4 2 0,1-2 0,-1 1 0,3 0 0,-3 0 0,0-1 0,0 1 0,1 0 0,1 0 0,-2 0 0,0 0 0,4 0 0,-4 0 0,1-1 0,1 1 0,-2 0 0,2 0 0,0 0 0,-2-1 0,3 1 0,-3 0 0,0 0 0,0-1 0,0 0 0,0-2 0,0-4 0,0 2 0,0-2 0,0 2 0,0 0 0,0-1 0,1 0 0,2-1 0,4-5 0,-4 4 0,1-2 0,-1 5 0,-3-1 0,1 0 0,-1 1 0,3-2 0,-1 0 0,-2 2 0,2-3 0,-1 3 0,1 0 0,-2 1 0,0-1 0,0 2 0,4-2 0,-1-1 0,0 0 0,5-2 0,-5 3 0,1-1 0,-1 2 0,1-3 0,1 3 0,-3-2 0,2 2 0,-4 1 0,3-1 0,-2-1 0,0 1 0,0 0 0,2-1 0,-1-1 0,2 0 0,0 0 0,1 3 0,-2-2 0,0 1 0,-1 0 0,2 0 0,-1-1 0,0 0 0,-1 2 0,3-2 0,-3 2 0,2-2 0,-2 3 0,3-3 0,-3 2 0,2-2 0,-2 2 0,2-1 0,0 1 0,1-2 0,-1 1 0,-2 0 0,2 0 0,-3 1 0,2-1 0,2 0 0,-3-2 0,6 1 0,-7 0 0,6-1 0,-3 2 0,1-2 0,-2 3 0,-1-2 0,-2 2 0,0 3 0,0 0 0,0 2 0,0-1 0,0 0 0,0 4 0,0-3 0,0 1 0,2 1 0,-2 0 0,4-1 0,-4 1 0,0-5 0,0 5 0,0-2 0,0 0 0,0 1 0,0 0 0,0-1 0,0 1 0,0-1 0,0 1 0,0-1 0,0 3 0,0-3 0,1 6 0,1-7 0,1 2 0,0-3 0,-3-1 0,0 2 0,0 0 0,0-1 0,2 3 0,-2-3 0,2 1 0,-2-1 0,1 3 0,-1-3 0,3 2 0,-3-2 0,0 2 0,0-1 0,0 0 0,0-1 0,0 1 0,0-1 0,0 0 0,0 0 0,0 0 0,0 0 0,0-1 0,2 2 0,-2 0 0,2 0 0,-2-1 0,0 0 0,0 1 0,0-2 0,0 2 0,0-1 0,0 2 0,0-1 0,0 0 0,0-1 0,0 0 0,0 1 0,0-1 0,0 0 0,0 2 0,0-3 0,0 3 0,0-1 0,0-2 0,0 0 0,0 1 0,0 1 0,0-2 0,0 2 0,0 0 0,0-1 0,0 0 0,0 0 0,0-2 0,0-2 0,0 2 0,3-8 0,-3 5 0,11-9 0,-6 5 0,4-2 0,-2 1 0,0-6 0,15-14 0,-10 10 0,0 1 0,-1 2 0,-4 3 0,15-18 0,-15 15 0,10-7 0,-17 16 0,3 0 0,-3 2 0,4-1 0,-3 1 0,4-3 0,-4 4 0,0-1 0,-1 1 0,3-1 0,-3 2 0,4-3 0,-3 1 0,2 0 0,-3 2 0,0 1 0,2-4 0,-2 4 0,2-2 0,-2 0 0,1 1 0,2-1 0,-1 1 0,3-1 0,-5 0 0,4 0 0,-3 1 0,2-3 0,-3 3 0,4-2 0,-2 1 0,1 1 0,0-1 0,0-1 0,-1 1 0,0 0 0,-2 0 0,0 2 0,0-3 0,0 1 0,0 1 0,0 0 0,0 0 0,0 0 0,0-1 0,0 1 0,0 0 0,0 1 0,0-2 0,0 1 0,0 0 0,3 0 0,-1 1 0,1-1 0,-3 0 0,0 0 0,3 0 0,-3 0 0,2 1 0,-2-1 0,0 0 0,0-1 0,0 2 0,2-1 0,0 0 0,0 0 0,1 1 0,-3-2 0,0 0 0,2 1 0,-2-2 0,2 2 0,-2 0 0,1 0 0,-1 0 0,3 1 0,-3 3 0,0 0 0,0 1 0,3 0 0,-3 0 0,2-1 0,-2 0 0,0-1 0,0 2 0,0-2 0,1 2 0,-1 0 0,3 1 0,-3 0 0,0 0 0,0 0 0,0-1 0,0-1 0,0 4 0,0-2 0,0 2 0,0-3 0,0-1 0,0 3 0,0-2 0,0 2 0,0-2 0,0 0 0,0-1 0,0 4 0,0-3 0,0 5 0,0-3 0,0 0 0,0-1 0,0-3 0,0 3 0,0-1 0,0 1 0,0-1 0,0 1 0,0-1 0,0 3 0,0-4 0,0 5 0,0-4 0,0 3 0,0-3 0,0-1 0,0 4 0,0-3 0,0 1 0,0 0 0,0-1 0,0 0 0,0-2 0,0 4 0,0-3 0,0 11 0,0-10 0,0 6 0,0-6 0,0 0 0,0 0 0,0 2 0,0-4 0,0 4 0,0-3 0,0 3 0,0-1 0,0 0 0,0-1 0,0 2 0,0-3 0,0 3 0,0-2 0,0 2 0,0-3 0,0 1 0,0-2 0,0 1 0,0 3 0,0-1 0,0 0 0,0 1 0,0-3 0,0 2 0,1-2 0,-1 2 0,3-3 0,-3 1 0,1 1 0,1-1 0,-1 0 0,-1 0 0,4 1 0,-4 0 0,5-1 0,-3 1 0,-2-1 0,4 0 0,-4 0 0,2 0 0,-2 0 0,0 1 0,0-2 0,0 1 0,0 0 0,0 0 0,0-1 0,1 2 0,2-1 0,-1 2 0,2-2 0,-3 2 0,-1-1 0,0-1 0,0 1 0,0-2 0,0 1 0,0 0 0,4 0 0,-4-1 0,4 1 0,-4 0 0,3 1 0,-3-2 0,0 0 0,2 1 0,0 1 0,-2-2 0,1 1 0,-1-1 0,2 2 0,-2 1 0,0-2 0,0-1 0,0 1 0,0 0 0,0 0 0,2 0 0,0-1 0,-2 1 0,0 0 0,3 0 0,-3-1 0,2 1 0,-2 0 0,0 0 0,1 1 0,0-2 0,1 2 0,-2-3 0,0-3 0,0 1 0,3-7 0,1 5 0,0-5 0,0 2 0,2-7 0,8-12 0,-6 5 0,4-8 0,-9 21 0,1-6 0,-1 9 0,1-6 0,-4 8 0,4-6 0,-3 8 0,3-6 0,-4 5 0,2-4 0,-2 3 0,0 0 0,0 1 0,0-3 0,0 3 0,5-4 0,-4 3 0,5-4 0,-5 5 0,3-1 0,-4 1 0,3-2 0,-2 1 0,3-1 0,-2 1 0,0 1 0,2 0 0,-4-1 0,3 1 0,-3-1 0,2 1 0,0-2 0,2 1 0,-2-1 0,2 3 0,-2-2 0,0 1 0,2-3 0,-3 3 0,5-2 0,-3 2 0,1-3 0,-1 4 0,0-3 0,0 1 0,0 1 0,-3 0 0,6-1 0,-5 0 0,3 1 0,-2 0 0,1-1 0,-1 2 0,1-2 0,0-1 0,0 1 0,0 0 0,1 1 0,-4 0 0,4 1 0,-3-1 0,1 0 0,-1 1 0,-1 1 0,3 2 0,-3 1 0,0-1 0,0 4 0,0-3 0,0 7 0,0-6 0,0 5 0,0-3 0,0 0 0,0-2 0,0-1 0,0 1 0,0 3 0,0-3 0,0 0 0,0 1 0,0-1 0,0 0 0,0 2 0,0-4 0,0 1 0,0 0 0,0 0 0,0 0 0,0 1 0,0-3 0,0 3 0,0-1 0,0 1 0,0-2 0,0 2 0,0-2 0,0 2 0,0-2 0,0 2 0,0 1 0,0-1 0,0 1 0,0-2 0,0 0 0,0-1 0,0 0 0,0 1 0,0 0 0,0 1 0,1-1 0,1 0 0,-2 0 0,0 1 0,0-2 0,0 1 0,0-1 0,0 1 0,0-2 0,0 2 0,0-1 0,0 0 0,0 0 0,0 0 0,0 1 0,0 0 0,0 0 0,0 0 0,0-2 0,0 2 0,0 1 0,0-2 0,0 4 0,0-5 0,0 3 0,0-2 0,0 0 0,0-1 0,3 2 0,-3-1 0,3 2 0,-3-1 0,0 1 0,0-2 0,0 1 0,0-1 0,0 0 0,0 0 0,0 1 0,0-1 0,0-1 0,0 1 0,0 0 0,0 0 0,0 0 0,0-2 0,1 0 0,-1-2 0,2-3 0,-2 0 0,0 1 0,4-12 0,1 5 0,8-17 0,-3 8 0,4-4 0,-3 7 0,8-10-2184,-4 2 2184,4 0 0,-13 11-6061,2 0 6061,-7 10 0,10-12 0,-10 12 0,4-6 0,-3 5 0,1-4 0,0 3 1461,-2 1-1461,-1 3 6784,0-4-6784,0 4 0,0-5 0,0 4 0,3-3 0,-3 1 0,2 0 0,-2 2 0,0 1 0,0-1 0,0-1 0,2-2 0,-1 1 0,2 1 0,-1 1 0,-2 1 0,4-3 0,-2 4 0,3-2 0,-3 1 0,1-2 0,-3 3 0,1-2 0,1 1 0,1 0 0,-1 1 0,-1-2 0,0 2 0,4-3 0,-4 1 0,5-2 0,-6 4 0,5-2 0,-5 1 0,3 0 0,0 0 0,-1 0 0,0 0 0,0 0 0,-1-1 0,1 2 0,-2-1 0,1 1 0,2 0 0,0 1 0,-2 0 0,-1 2 0,0 0 0,0-1 0,0 2 0,0-1 0,0 2 0,0-2 0,0 2 0,0-2 0,2 6 0,-2-5 0,2 6 0,-2-5 0,0 1 0,0 0 0,0 1 0,0 0 0,0 2 0,0-6 0,0 4 0,0-3 0,0 3 0,0-3 0,0 3 0,0-3 0,0 1 0,0 0 0,0 0 0,0 2 0,0-2 0,0 1 0,0-2 0,0 0 0,0 1 0,0-1 0,3 1 0,-3 0 0,2 0 0,-2-2 0,0 5 0,0-6 0,0 5 0,0-3 0,0 1 0,0-1 0,0 1 0,0-1 0,0 3 0,0-4 0,0 5 0,0-5 0,0 3 0,0-3 0,0 0 0,0 1 0,0 0 0,0 0 0,0 2 0,0-2 0,0 2 0,0-2 0,0 0 0,0 0 0,0 1 0,0-2 0,0 2 0,0-3 0,0 3 0,0-1 0,0 0 0,0 0 0,0 0 0,0-1 0,2 4 0,0-2 0,-1 2 0,-1-4 0,0 4 0,0-5 0,0 4 0,0-2 0,0 1 0,0-1 0,0 3 0,0-5 0,0 3 0,0-2 0,0 0 0,0 3 0,0-1 0,0 1 0,0-1 0,0-1 0,2 0 0,0-1 0,1 2 0,-1-2 0,0 3 0,-2-3 0,4 2 0,-3-1 0,1 1 0,0-2 0,-2 1 0,2-2 0,0 3 0,0-2 0,0 1 0,1-1 0,-3 1 0,0-1 0,0 1 0,0 0 0,0 0 0,0-1 0,0 0 0,0 1 0,0 0 0,0-1 0,1 2 0,-1-2 0,2 1 0,-2-1 0,0 0 0,2 1 0,-2-1 0,3 0 0,0 1 0,-3-2 0,1 2 0,-1-3 0,0 3 0,0-1 0,0 0 0,0 1 0,2-2 0,-1 0 0,0 1 0,-1-1 0,0 1 0,0 1 0,3-2 0,-3 1 0,2 0 0,-2 0 0,0-1 0,0 1 0,0-2 0,0-2 0,0-1 0,1-1 0,0 0 0,0 1 0,1 0 0,-2 1 0,6-4 0,-3 0 0,2-5 0,-1 4 0,3-2 0,-7 6 0,7-7 0,-5 7 0,2-7 0,-3 7 0,1-3 0,-1 3 0,-1-2 0,0 3 0,0-2 0,2 2 0,2-3 0,-2 2 0,4-4 0,-5 4 0,6-4 0,-6 4 0,3-3 0,1 2 0,-1-2 0,-2 2 0,3 0 0,-3 1 0,2-2 0,0 1 0,0-1 0,-2 1 0,4 1 0,-5 0 0,3-2 0,-2 4 0,-2-2 0,4 0 0,-3 0 0,2-1 0,0-1 0,-1 2 0,-1 0 0,-1 0 0,3 0 0,-3 1 0,2 0 0,0 1 0,-2-1 0,3 0 0,-3 0 0,1 1 0,0-1 0,0 0 0,2 0 0,-3-1 0,3-1 0,-1 4 0,-1-4 0,-1 3 0,2-2 0,-2 1 0,2 1 0,-2-2 0,2 1 0,-1 0 0,0-2 0,-1 1 0,0 1 0,0 0 0,0-1 0,0 1 0,2 0 0,0-1 0,1 0 0,0-1 0,-1 1 0,-1-2 0,1 0 0,1 1 0,-1 0 0,-1 1 0,-1 2 0,3-1 0,-1-2 0,0 3 0,-1-4 0,-1 2 0,2 0 0,-2 2 0,3-1 0,-3 0 0,3 0 0,-3 0 0,2 2 0,-2 2 0,0-1 0,0 2 0,0 0 0,2-1 0,-1 2 0,2-1 0,1 2 0,-4-1 0,1 2 0,-1-4 0,3 4 0,-3-6 0,3 9 0,-3-6 0,0 7 0,0-7 0,0 4 0,0-4 0,0 1 0,0 0 0,0-1 0,2-1 0,-2 0 0,2 2 0,-2 2 0,0-3 0,0 4 0,0-6 0,2 3 0,0-1 0,3 0 0,-3 0 0,1 0 0,-3-1 0,3 3 0,-3-3 0,3 2 0,-2-2 0,1 2 0,-2-1 0,2 1 0,-2-3 0,0 2 0,0-1 0,3 3 0,-3-3 0,2 3 0,-2-3 0,0 2 0,0-2 0,1 1 0,0 0 0,2 2 0,-1-2 0,0 1 0,2 0 0,-4 1 0,3 0 0,-3 0 0,3 1 0,-1-2 0,3 4 0,-1-5 0,-1 2 0,0 0 0,-2-3 0,1 3 0,-2-3 0,2 3 0,-2 0 0,1-1 0,1 3 0,-2-5 0,4 1 0,-4-1 0,0 0 0,0-1 0,0 1 0,0 0 0,2 0 0,-2 0 0,1 0 0,-1 1 0,0-1 0,0-1 0,0-4 0,0 0 0,0-4 0,3 2 0,-1-5 0,5-3 0,5-17 0,-2 6 0,2-1-1678,-3 5 1,0 0 1677,3-5 0,-1 1 0,0 6 0,1-7 0,-7 11 0,5-4 0,-9 7 0,6 2 0,-1-9 0,0 7-5672,-1-6 5672,-1 11 0,-4-1 0,0 6 2243,2-5-2243,2 1 0,0-1 0,0 0 6784,-4 3-6784,3-1 0,-2 2 0,4-8 0,-5 8 0,4-7 0,-4 6 0,0-4 0,0 3 0,0 0 0,0 1 0,0-1 0,0 1 0,0-2 0,0 0 0,0 1 0,0-1 0,0 0 0,1 4 0,0-2 0,1 1 0,-2 0 0,2 2 0,0-2 0,2 1 0,-2 0 0,2 0 0,-3-1 0,5 2 0,-1-2 0,-2 0 0,1-1 0,-1 2 0,1 0 0,-4 1 0,2 2 0,-2 0 0,0 0 0,0 1 0,0 0 0,0 1 0,2 0 0,-2 0 0,3 2 0,-3-2 0,0 3 0,0-3 0,0-1 0,0 1 0,0-1 0,0 3 0,0-5 0,0 3 0,0-2 0,0 1 0,0 0 0,0 3 0,0-2 0,0 1 0,0-3 0,0 1 0,0-1 0,0 0 0,0-1 0,0 2 0,0 0 0,0 0 0,0 0 0,0 2 0,0-3 0,0 3 0,0-4 0,0 4 0,0-3 0,0 2 0,0-1 0,0 1 0,0-1 0,0 4 0,0-5 0,0 6 0,0-5 0,0 3 0,0-3 0,0 4 0,0-4 0,0 4 0,0-3 0,0 0 0,0-1 0,0 0 0,0 1 0,0 1 0,0-3 0,0 5 0,0-3 0,0 1 0,0 0 0,0-2 0,0 2 0,0-3 0,2 2 0,-2 0 0,4 3 0,-3-4 0,-1-1 0,2 1 0,-2-1 0,0-1 0,2 2 0,-2 0 0,3 0 0,-3 0 0,0-1 0,3 2 0,-2-1 0,-1-1 0,0 0 0,3 4 0,-3-3 0,4 1 0,-2 0 0,0 0 0,1 3 0,-1-2 0,3 1 0,-5-3 0,2 1 0,-2-2 0,0 0 0,0 0 0,0 0 0,0 0 0,0 1 0,0-2 0,0 2 0,0-2 0,1 1 0,1 1 0,-1-1 0,-1 1 0,0 0 0,0-1 0,0 0 0,0 1 0,0-1 0,0 0 0,0 0 0,0 0 0,0-1 0,0 2 0,0-2 0,1 3 0,-1-2 0,4 2 0,-4-1 0,2 0 0,-1-2 0,-1 2 0,0-1 0,0 2 0,0 0 0,3 0 0,-3-1 0,1-1 0,-1 1 0,0 0 0,0 0 0,3-1 0,-3 1 0,2 0 0,-2-1 0,2 2 0,-1-1 0,0 0 0,1 2 0,-2-1 0,3 0 0,-3-2 0,0 0 0,0 3 0,1-3 0,0 3 0,0-3 0,2-1 0,-3 1 0,2 2 0,-2-2 0,2-1 0,1 1 0,-2 0 0,1-2 0,0 3 0,-2-2 0,4 2 0,-3-2 0,3 1 0,-4-1 0,2 2 0,-2-2 0,1 1 0,2 2 0,1-2 0,2 2 0,-5-3 0,1 1 0,-2-2 0,0-2 0,0-1 0,0-2 0,0 2 0,0-3 0,0 3 0,0 0 0,0-2 0,0 2 0,0-1 0,0 2 0,0-3 0,0 3 0,0-7 0,0 4 0,0-4 0,0 8 0,0-5 0,0 3 0,0-2 0,0 2 0,0 1 0,2-1 0,0 1 0,1-1 0,-2-3 0,-1 4 0,0-5 0,0 4 0,0-2 0,2 2 0,-2 0 0,3 0 0,-2-2 0,0 2 0,0-2 0,-1 3 0,0-4 0,4 0 0,-4 0 0,4 1 0,-4 3 0,0-1 0,1-2 0,0 2 0,0-1 0,1 1 0,1-4 0,-1 5 0,0-3 0,-2 4 0,1-4 0,-1 2 0,6-4 0,-4 5 0,4-3 0,-6 2 0,3 0 0,0 0 0,-1 1 0,0 0 0,-2-1 0,0 2 0,4-3 0,-3 1 0,2 0 0,0-2 0,-3 2 0,3 0 0,1 0 0,-3 2 0,2-2 0,0 0 0,-1 1 0,2 0 0,-3-2 0,3 3 0,-1-1 0,-2-1 0,2 0 0,0 2 0,0-2 0,-1 0 0,1 0 0,0 1 0,0-1 0,-2 2 0,-1-2 0,4 3 0,-1-3 0,1 2 0,0-2 0,1 0 0,-3 0 0,1 2 0,0-1 0,0 0 0,0 0 0,-1 1 0,1-2 0,1 2 0,-2 0 0,3 0 0,-3 2 0,-1 0 0,1 6 0,-2-5 0,2 3 0,-2-1 0,0-1 0,0 3 0,0 0 0,0-2 0,0 3 0,0-5 0,3 2 0,-3-1 0,4 1 0,-4 0 0,4 1 0,-4-3 0,3 5 0,-3-4 0,0 3 0,0-4 0,0 1 0,0 0 0,0 3 0,0-4 0,0 3 0,0-3 0,0 1 0,0 1 0,0-1 0,0 0 0,0 0 0,0-1 0,0 3 0,0-3 0,0 0 0,0 1 0,0 1 0,0-1 0,0 4 0,0-5 0,0 2 0,0-2 0,0 3 0,0-1 0,0 0 0,0-1 0,0 1 0,0-2 0,-3 6 0,3-6 0,-2 3 0,2-2 0,0 2 0,0-3 0,0 1 0,0 0 0,0-1 0,0 2 0,0-2 0,0 0 0,0 0 0,0 0 0,0 1 0,0-2 0,0 2 0,0-1 0,0 2 0,0-3 0,0 2 0,0-1 0,0-1 0,0 1 0,0 0 0,0 0 0,0 0 0,0-1 0,0 2 0,0-1 0,0-2 0,2-1 0,-2-3 0,3 1 0,-1-1 0,3 0 0,-5 1 0,11-11 0,-6 2-520,8-7 520,-4 5 0,-3 1 0,3 0 0,-1-4 0,-2 6-33,6-8 33,-11 13 0,10-9 0,-8 7 0,1-1 0,-2 4 0,-1-2 0,0 1 0,1-5 0,1 5 520,-3-5-520,4 7 33,-4-3-33,0 5 0,0-2 0,0 3 0,0-5 0,0 4 0,0-4 0,0 5 0,0-4 0,0 4 0,0-3 0,1 1 0,0 0 0,0 2 0,-1-1 0,0 0 0,3 0 0,-3 1 0,3-2 0,0 2 0,-1-2 0,1 3 0,-3-3 0,0 1 0,1 0 0,2-1 0,0 2 0,1-2 0,-4 1 0,1 0 0,-1 0 0,1-1 0,1 1 0,1-1 0,-3-1 0,4-1 0,-1 1 0,4 0 0,-5 0 0,4 0 0,-3 1 0,0-1 0,-1 2 0,3-3 0,-5 3 0,3-3 0,-3 3 0,5-1 0,-5 1 0,3-1 0,-2 1 0,-1 0 0,2 0 0,-2 0 0,0 1 0,2-2 0,-2 1 0,3 0 0,-3 2 0,0 1 0,2 5 0,-1-4 0,2 3 0,-3-2 0,0 3 0,0-2 0,1 3 0,1-2 0,0 0 0,-2 5 0,0-7 0,0 8 0,3-7 0,-3 3 0,3-4 0,-3 1 0,1 0 0,-1 0 0,5 3 0,-1 1 0,-1-2 0,-1 2 0,-2-3 0,0 0 0,0 0 0,0-2 0,0 0 0,0 1 0,0 1 0,0-1 0,0 0 0,0-1 0,0-3 0,0 4 0,0-1 0,0 1 0,0-1 0,0-1 0,0 0 0,0 1 0,0 1 0,0-1 0,0-2 0,0 4 0,0-3 0,0 1 0,0-1 0,0 3 0,0-3 0,0 3 0,0-3 0,0 2 0,0-2 0,0 2 0,0-1 0,0 0 0,0-1 0,0 0 0,0 1 0,0 1 0,0-1 0,0 2 0,0-2 0,0 4 0,0-4 0,0 2 0,2-1 0,0 1 0,1-1 0,-1 4 0,0-4 0,-2 3 0,3-3 0,-2-1 0,0 0 0,1 1 0,0-1 0,-2 0 0,4 1 0,-3-1 0,2-1 0,0 1 0,-2 0 0,3 1 0,-1-1 0,-1 0 0,0-1 0,0 0 0,-1 0 0,-1 1 0,0-1 0,0 1 0,0 0 0,0-1 0,0 1 0,0 0 0,3 0 0,-3-2 0,3 3 0,-3-1 0,0 0 0,0 1 0,0-2 0,0 0 0,0 0 0,1 0 0,0 1 0,0-2 0,-1 2 0,0-1 0,0 3 0,3-2 0,-3 1 0,2-6 0,-2 2 0,0-1 0,0 0 0,0-2 0,0 1 0,2-2 0,-2 0 0,4-3 0,0 1 0,0-5 0,0 4 0,2-9 0,-6 11 0,7-11 0,-6 11 0,2-6 0,0 8 0,-3-5 0,2 4 0,-2-5 0,0 6 0,0-4 0,0 5 0,0-2 0,0 2 0,1 1 0,1-2 0,-2 2 0,0-2 0,0 2 0,0-1 0,0 0 0,0 0 0,0 0 0,0 1 0,0-1 0,0 0 0,0 0 0,0 1 0,3-1 0,-3-1 0,3 1 0,-3 0 0,1 0 0,-1 1 0,4-1 0,-1 0 0,1 0 0,-3-1 0,5 1 0,-4 0 0,0-1 0,3 1 0,-4 0 0,5-1 0,-2 1 0,0 0 0,1-1 0,-2 2 0,1-2 0,-1 1 0,3 0 0,-1 0 0,2 1 0,-6 0 0,3 0 0,-2-1 0,1 0 0,-1 0 0,1 1 0,0-1 0,1 2 0,-4-3 0,4 2 0,-1-2 0,1 2 0,-1-1 0,1 1 0,-2-2 0,0 2 0,2-2 0,-2 0 0,2 1 0,-1 0 0,1-2 0,-1 2 0,0 0 0,-1 0 0,1-1 0,-1 2 0,1-1 0,-1 0 0,4-1 0,-5-1 0,1 3 0,-2-1 0,0 1 0,0 0 0</inkml:trace>
+  <inkml:trace contextRef="#ctx0" brushRef="#br0">6 196 24575,'0'-1'0,"-2"-1"0,1 1 0,-2-2 0,3 2 0,0 0 0,0-1 0,0-1 0,0 2 0,0-2 0,0 3 0,2-2 0,0 0 0,-1 0 0,0 0 0,-1 1 0,0-1 0,2 1 0,-2 0 0,1-1 0,-1 1 0,0 0 0,0 0 0,0-1 0,0 1 0,0 0 0,2 0 0,-2 0 0,2 0 0,-1-1 0,0 1 0,-1 0 0,0 0 0,2-1 0,-2 1 0,2 0 0,-2 0 0,0 0 0,1 0 0,0 0 0,1 0 0,-2-1 0,3 0 0,-3 1 0,1 1 0,1-2 0,-2 2 0,3-2 0,-3 1 0,4-1 0,-3 1 0,3-1 0,-4 1 0,3 0 0,-3 0 0,6-1 0,-5 0 0,4-1 0,-5 1 0,3 0 0,-3 1 0,2-1 0,0-1 0,-1 2 0,2-2 0,0 1 0,-3-1 0,3 0 0,-2 2 0,3-3 0,0 2 0,0-1 0,-3 1 0,-1 1 0,3-2 0,-3 1 0,1-1 0,-1 2 0,2-1 0,2-1 0,-1 1 0,2-1 0,-4 2 0,1-1 0,-2 0 0,4-1 0,-3 2 0,3-4 0,0 3 0,-1-1 0,-1 1 0,0 0 0,0 0 0,-2 0 0,2 0 0,-2 1 0,2 0 0,-1 0 0,-1 0 0,3 0 0,-2 1 0,1-2 0,-2 2 0,3-1 0,-2-1 0,1 1 0,-2 1 0,3-1 0,-3-1 0,3 2 0,-1-1 0,1 0 0,-1 0 0,1 1 0,-3 0 0,1 1 0,-1 0 0,0 0 0,0 1 0,0-1 0,0 0 0,0 1 0,0-1 0,0 1 0,0-1 0,0 1 0,0 0 0,0 0 0,0 0 0,0-2 0,0 2 0,0-1 0,0 0 0,0 0 0,0 0 0,0 0 0,0 0 0,0 0 0,0-1 0,0 1 0,0 0 0,0 1 0,0-1 0,0 1 0,0-1 0,0 1 0,0-1 0,0 1 0,0-1 0,0 0 0,0 1 0,0-1 0,0 1 0,0-1 0,0 0 0,0 0 0,0 2 0,0 0 0,0 0 0,0-2 0,0 0 0,0 0 0,0 0 0,0 1 0,0-1 0,0 1 0,0-1 0,0 0 0,0 0 0,0 0 0,0 1 0,0-1 0,0 1 0,0 0 0,0 0 0,0 1 0,0 0 0,0-1 0,0 1 0,0-1 0,0 4 0,0 0 0,0 2 0,0-3 0,1-2 0,0-1 0,1 0 0,-2-1 0,2 2 0,-2-2 0,0 1 0,0 0 0,0 0 0,0 0 0,0-1 0,0 0 0,0 1 0,2-1 0,-2 1 0,1-1 0,-1 1 0,0 0 0,0 0 0,1-1 0,0 1 0,0-1 0,-1 1 0,0-1 0,0 0 0,0-1 0,0 2 0,0-1 0,0 0 0,0-1 0,0 2 0,0-1 0,2 0 0,-2 0 0,1 0 0,-1 0 0,0 0 0,0 0 0,0 0 0,0 0 0,0 0 0,0 0 0,0 0 0,0 0 0,0 0 0,0 0 0,0 0 0,0 0 0,0 0 0,0 0 0,0 0 0,1 0 0,1 0 0,-1 0 0,1 0 0,-2 0 0,0 0 0,1 0 0,1 1 0,-1-1 0,3 0 0,-4 0 0,1 0 0,0 0 0,0 0 0,0 0 0,1 0 0,-2-1 0,1 1 0,-1 0 0,0-1 0,0 0 0,2-2 0,-1 0 0,1 0 0,0 0 0,0 1 0,0 0 0,1-1 0,-1 0 0,3-2 0,1 0 0,-1 0 0,1 1 0,-5 2 0,5-3 0,-6 2 0,7-2 0,-6 2 0,2 0 0,2 0 0,0-2 0,0 1 0,2-2 0,-6 4 0,3-2 0,-4 2 0,5-2 0,-5 2 0,2-1 0,-1 1 0,2-1 0,-2 0 0,1-1 0,0 1 0,-2 1 0,1 0 0,0 0 0,-1 1 0,2-2 0,0 2 0,-1-1 0,0 0 0,1-1 0,-2 1 0,2 0 0,-2 0 0,1 0 0,0-1 0,1 1 0,-2 0 0,2 0 0,-2-1 0,0 1 0,0 0 0,0 0 0,0 0 0,0 0 0,0 0 0,0 0 0,0 0 0,0 0 0,0 0 0,0 0 0,0 0 0,0 0 0,0 0 0,0 0 0,0-1 0,1 1 0,-1-1 0,2 2 0,-2 0 0,0 0 0,0 1 0,0 1 0,0-1 0,0 0 0,0 0 0,0 1 0,0-1 0,0 2 0,0-1 0,0 1 0,1-2 0,2 3 0,-1-3 0,0 2 0,-2-1 0,4 1 0,-4-1 0,2 0 0,0 0 0,-2-1 0,3 1 0,-3 0 0,2 1 0,-2 1 0,0-3 0,0 2 0,0-2 0,0 1 0,1 0 0,0 0 0,-1 0 0,0-1 0,0 1 0,0 2 0,0-3 0,2 2 0,-2-2 0,2 0 0,-2 1 0,1-1 0,-1 1 0,3-1 0,-3-1 0,4 2 0,-3-1 0,1 0 0,-1 0 0,-1 0 0,0 0 0,0 0 0,0 0 0,1 1 0,-1-1 0,3 1 0,-2-1 0,-1 1 0,0-1 0,0 0 0,0-1 0,2 2 0,-2-1 0,3 1 0,-2-1 0,-1 0 0,0 1 0,0-2 0,2 1 0,-2 1 0,2 0 0,-2 1 0,0-1 0,2 1 0,-2-1 0,1-1 0,0 0 0,0 1 0,0-2 0,-1 2 0,0-1 0,0 0 0,1 1 0,-1-2 0,3 1 0,-2 0 0,0-1 0,-1 0 0,1 0 0,1-2 0,0 1 0,-1 0 0,-1 0 0,0 0 0,2 0 0,-2 0 0,1 0 0,-1 0 0,2 0 0,-2 0 0,2 0 0,-1 0 0,2 0 0,-3 0 0,1 0 0,-1-1 0,0 2 0,1-1 0,1-1 0,-1 1 0,3-1 0,-4 1 0,1 0 0,1-1 0,-2 1 0,1 1 0,1-1 0,-2-1 0,2 1 0,-1 0 0,0 0 0,1 1 0,-2-2 0,2 1 0,-1 0 0,2-1 0,-3 1 0,3 0 0,-3 0 0,2 0 0,-1 0 0,0 0 0,-1 0 0,2 0 0,-2-1 0,2 1 0,-1 0 0,-1 0 0,1 0 0,1 0 0,-2 0 0,2 0 0,-1-2 0,0 0 0,2-1 0,-3 2 0,2 0 0,-2 1 0,1-1 0,0 0 0,0 0 0,-1 1 0,2-2 0,-2 2 0,1-1 0,-1 1 0,0-1 0,0 1 0,0-1 0,0 0 0,0-1 0,1 2 0,0-1 0,0 1 0,0-2 0,-1 2 0,2 0 0,-2 0 0,0 0 0,0-2 0,0 1 0,0-1 0,3 1 0,-3 0 0,5 0 0,-5 2 0,1-2 0,1 0 0,0-1 0,0 0 0,1 2 0,-1-1 0,-1 2 0,1-1 0,-2-1 0,0 1 0,0 0 0,0 0 0,0-1 0,0 1 0,0 0 0,0-1 0,1 1 0,0-1 0,-1 0 0,2 1 0,-2 0 0,2-1 0,-1 1 0,-1 0 0,1 0 0,1-2 0,0 2 0,0-1 0,0 1 0,-1 1 0,1-2 0,-2 0 0,3 2 0,-2-1 0,0 1 0,-1 1 0,0-1 0,0 2 0,0-1 0,0 0 0,0 0 0,0 1 0,0-1 0,0 0 0,0 1 0,3 4 0,-2-4 0,2 4 0,-3-5 0,0-1 0,0 2 0,0-1 0,0 1 0,0-1 0,0 2 0,0-3 0,0 3 0,0-2 0,0 1 0,0-1 0,0 1 0,0 0 0,1 0 0,1-1 0,-1 1 0,1-1 0,-1 1 0,0-1 0,0 0 0,0 1 0,-1-1 0,4 1 0,-4 0 0,2 0 0,-2-1 0,2 2 0,-1-2 0,-1 0 0,3 0 0,-2 0 0,2 1 0,-3 0 0,1-1 0,0 1 0,0-1 0,2 2 0,-3-2 0,1 0 0,1 0 0,-2 0 0,1 1 0,0-1 0,0 1 0,0 0 0,1 2 0,-2-2 0,2 0 0,-2-1 0,0 0 0,0 0 0,0 0 0,0 0 0,0 0 0,0 1 0,1-1 0,0 0 0,-1 1 0,0-1 0,0 1 0,0-1 0,2 0 0,-2 0 0,1 0 0,-1 1 0,0 0 0,0-1 0,0 1 0,0-1 0,0 0 0,0 1 0,0-1 0,0 0 0,0 0 0,0 1 0,0 0 0,0-1 0,0 0 0,0 1 0,0 0 0,0 0 0,0-1 0,0 0 0,0 0 0,0 0 0,0 0 0,0 1 0,0-1 0,0 0 0,0 0 0,1 0 0,0 0 0,0 1 0,-1-1 0,0 1 0,0-1 0,2 0 0,-2 0 0,1 0 0,-1 0 0,2 0 0,-2 0 0,2 0 0,-2 0 0,0 0 0,0 0 0,0 0 0,2 0 0,-2 0 0,0 0 0,2 0 0,-2 0 0,1 0 0,1 0 0,-2 0 0,1 0 0,1 0 0,-2 0 0,1 0 0,-1 0 0,0 0 0,0 0 0,0-1 0,0-1 0,0-1 0,0 0 0,0 0 0,0 0 0,0 0 0,0 0 0,2 0 0,0-1 0,2-2 0,-1 1 0,0 0 0,-1 2 0,-2 0 0,1 0 0,-1 0 0,1 0 0,1-1 0,-2 1 0,2-1 0,-2 1 0,2 1 0,-2-1 0,0 1 0,0 0 0,2 0 0,0-2 0,1 1 0,2-1 0,-2 1 0,0 0 0,-1 1 0,1-2 0,0 2 0,-1-1 0,1 1 0,-3 0 0,1 0 0,0 0 0,0 0 0,0-1 0,1 1 0,0-2 0,0 2 0,1-2 0,1 2 0,-2 0 0,0 0 0,0 0 0,0 0 0,0-1 0,1 0 0,-2 1 0,2 1 0,-1-1 0,1-1 0,-1 2 0,1-1 0,-2 0 0,2 0 0,-1 0 0,0 0 0,2 0 0,-1-1 0,0 1 0,-2 0 0,2 0 0,-2 0 0,1 0 0,2 0 0,-3-1 0,5 0 0,-6 1 0,5-2 0,-2 2 0,1-1 0,-2 2 0,-1-2 0,-1 2 0,0 1 0,0 0 0,0 1 0,0 0 0,0-1 0,0 3 0,0-2 0,0 1 0,2 1 0,-2-1 0,3 0 0,-3 0 0,0-2 0,0 1 0,0 0 0,0 1 0,0 0 0,0-1 0,0 1 0,0-1 0,0 1 0,0-1 0,0 1 0,0 0 0,0-1 0,0 4 0,2-5 0,0 2 0,0-2 0,-2 0 0,0 1 0,0-1 0,0 0 0,1 2 0,-1-2 0,2 1 0,-2-1 0,1 1 0,-1 0 0,1 0 0,-1-1 0,0 1 0,0 0 0,0 0 0,0-1 0,0 0 0,0 0 0,0 0 0,0 0 0,0 0 0,0 1 0,0-2 0,2 2 0,-2 0 0,2-1 0,-2 0 0,0 0 0,0 1 0,0-1 0,0 0 0,0 0 0,0 2 0,0-2 0,0 1 0,0-1 0,0 0 0,0 1 0,0-1 0,0 0 0,0 1 0,0-1 0,0 1 0,0-1 0,0 0 0,0 0 0,0 0 0,0 0 0,0 0 0,0 0 0,0 1 0,0-1 0,0 0 0,0 0 0,0-1 0,0-1 0,0 1 0,1-4 0,0 2 0,7-4 0,-5 2 0,4-1 0,-3 1 0,2-4 0,9-7 0,-6 5 0,-1 0 0,1 2 0,-5 1 0,12-9 0,-11 8 0,7-4 0,-12 9 0,2-1 0,-2 2 0,3-1 0,-2 1 0,2-2 0,-2 2 0,0 1 0,-1-1 0,2 0 0,-2 1 0,3-2 0,-2 1 0,0-1 0,-1 2 0,0 0 0,2-1 0,-2 2 0,2-2 0,-2 0 0,0 2 0,2-2 0,0 1 0,2-1 0,-4 0 0,2 0 0,-1 1 0,1-1 0,-2 1 0,3-2 0,-1 2 0,-1 0 0,2-1 0,-1 0 0,-1 0 0,1 1 0,-2-1 0,0 1 0,0-1 0,0 1 0,0-1 0,0 1 0,0 0 0,0 0 0,0 0 0,0-1 0,0 1 0,0 1 0,0-2 0,0 1 0,0 0 0,2 0 0,0 0 0,-1 0 0,0 0 0,-1 0 0,2 0 0,-2 0 0,1 0 0,-1 0 0,0 0 0,0 0 0,0 0 0,1 0 0,1 0 0,0 0 0,-1 0 0,-1 0 0,0-1 0,2 0 0,-2 0 0,2 1 0,-2 0 0,0 0 0,0 0 0,2 1 0,-2 1 0,0 0 0,0 0 0,2 1 0,-2-1 0,2 1 0,-2-1 0,0 0 0,0 0 0,0 0 0,0 0 0,1 1 0,0 0 0,-1 0 0,0 1 0,0-1 0,0-1 0,0 1 0,0 1 0,0-1 0,0 1 0,0-1 0,0-1 0,0 2 0,0-2 0,0 2 0,0-2 0,0 1 0,0-1 0,0 3 0,0-3 0,0 4 0,0-3 0,0 1 0,0-1 0,0-1 0,0 1 0,0 0 0,0 0 0,0 0 0,0 0 0,0-1 0,0 2 0,0-1 0,0 2 0,0-3 0,0 3 0,0-3 0,0 1 0,0 0 0,0 0 0,0 0 0,0 0 0,0 0 0,0 0 0,0-1 0,0 1 0,0-1 0,0 6 0,0-5 0,0 3 0,0-3 0,0-1 0,0 1 0,0 0 0,0-1 0,0 2 0,0-2 0,0 2 0,0-1 0,0 0 0,0 0 0,0 0 0,0-1 0,0 2 0,0-1 0,0 1 0,0-2 0,0 0 0,0 0 0,0 0 0,0 1 0,0 1 0,0-1 0,0 1 0,0-2 0,0 1 0,2-1 0,-2 1 0,1-1 0,-1 0 0,1 1 0,0-1 0,0 0 0,-1 0 0,3 1 0,-3-1 0,4 0 0,-3 1 0,-1-1 0,3 0 0,-3 0 0,2 0 0,-2 1 0,0-1 0,0 0 0,0 0 0,0 0 0,0 0 0,0 0 0,1 0 0,0 0 0,1 2 0,1-3 0,-3 3 0,1-1 0,-1-2 0,0 2 0,0-1 0,0 0 0,0 0 0,2 0 0,-2 0 0,3 0 0,-3 0 0,2 0 0,-2 0 0,1 0 0,-1 0 0,2 0 0,-2 0 0,1 0 0,-1 0 0,2 0 0,-2 1 0,0-1 0,0 0 0,0 0 0,0 0 0,0 0 0,1 0 0,0 0 0,-1 0 0,0 0 0,2 0 0,-2 0 0,2 0 0,-2 0 0,0 0 0,0 0 0,2 0 0,-2 0 0,0-1 0,0-1 0,0 0 0,3-4 0,-1 3 0,1-3 0,0 1 0,2-4 0,5-6 0,-5 3 0,4-5 0,-7 11 0,1-2 0,-1 4 0,1-3 0,-3 4 0,3-2 0,-2 3 0,1-3 0,-2 3 0,2-2 0,-2 2 0,0-1 0,0 0 0,0 0 0,0 1 0,3-3 0,-2 3 0,3-3 0,-3 3 0,2-1 0,-3 1 0,2-2 0,-1 2 0,2-1 0,-2 1 0,1-1 0,0 1 0,-2 0 0,2-1 0,-2 1 0,2 0 0,0-2 0,0 2 0,0-1 0,0 1 0,0-1 0,0 1 0,1-1 0,-3 1 0,5-1 0,-4 0 0,2-1 0,0 3 0,-1-3 0,-1 2 0,2 0 0,-3 0 0,4-1 0,-3 1 0,2-1 0,-2 1 0,1 0 0,0 0 0,0 0 0,0-2 0,0 2 0,0-1 0,1 1 0,-3 0 0,3 0 0,-2 0 0,0 0 0,0 1 0,-1 0 0,2 1 0,-2 0 0,0 1 0,0 1 0,0-2 0,0 4 0,0-2 0,0 2 0,0-2 0,0 1 0,0-3 0,0 2 0,0-2 0,0 3 0,0-2 0,0 1 0,0-1 0,0 1 0,0-1 0,0 1 0,0-1 0,0-1 0,0 0 0,0 1 0,0 0 0,0 0 0,0-1 0,0 1 0,0-1 0,0 2 0,0-2 0,0 1 0,0-1 0,0 1 0,0-1 0,0 2 0,0-1 0,0 0 0,0 1 0,0-1 0,0-1 0,0 1 0,0-1 0,0 0 0,0 1 0,0 0 0,1-1 0,0 1 0,0 0 0,-1 0 0,0-1 0,0 1 0,0-1 0,0 0 0,0 0 0,0 1 0,0-1 0,0 0 0,0 0 0,0 0 0,0 1 0,0-1 0,0 1 0,0 0 0,0-2 0,0 2 0,0 0 0,0-1 0,0 3 0,0-4 0,0 2 0,0-1 0,0 0 0,0 0 0,1 1 0,-1-1 0,2 1 0,-2-1 0,0 2 0,0-2 0,0 0 0,0 1 0,0-1 0,0 0 0,0 0 0,0 0 0,0 0 0,0 0 0,0 0 0,0 0 0,0 1 0,0-2 0,1-1 0,0 0 0,-1-1 0,0-1 0,0 1 0,3-7 0,1 3 0,5-9 0,-2 4 0,4-2 0,-4 3 0,8-5-2184,-5 2 2184,3-1 0,-9 6-6061,2 0 6061,-5 6 0,7-6 0,-7 6 0,2-4 0,-1 3 0,-1-1 0,2 0 1461,-2 2-1461,-1 0 6784,0-1-6784,0 2 0,0-3 0,0 2 0,1-1 0,-1 1 0,2-1 0,-2 1 0,0 1 0,0-1 0,0 0 0,2-1 0,-1 0 0,1 1 0,-1 0 0,-1 1 0,3-1 0,-2 1 0,3-1 0,-3 1 0,1-1 0,-2 1 0,1 0 0,0 0 0,1 0 0,0 0 0,-1 0 0,0 0 0,2-2 0,-2 2 0,3-2 0,-4 3 0,3-2 0,-3 1 0,3 0 0,-1 0 0,0 0 0,-1 0 0,0-1 0,0 1 0,0 0 0,-1 0 0,2 1 0,-1-1 0,1 1 0,-1 0 0,-1 1 0,0 0 0,0 0 0,0 0 0,0 1 0,0 0 0,0-1 0,0 1 0,0-1 0,1 4 0,-1-4 0,2 4 0,-2-3 0,0 1 0,0 0 0,0 0 0,0 1 0,0 0 0,0-3 0,0 2 0,0-1 0,0 1 0,0-1 0,0 1 0,0-2 0,0 2 0,0-1 0,0 0 0,0 1 0,0 0 0,0 0 0,0-2 0,0 1 0,0 0 0,0 0 0,2 0 0,-2 0 0,1 0 0,-1-1 0,0 3 0,0-3 0,0 2 0,0-1 0,0 0 0,0-1 0,0 2 0,0-2 0,0 3 0,0-4 0,0 4 0,0-3 0,0 2 0,0-2 0,0 1 0,0-1 0,0 1 0,0-1 0,0 2 0,0-1 0,0 0 0,0 0 0,0 0 0,0-1 0,0 2 0,0-3 0,0 3 0,0-2 0,0 1 0,0-1 0,0 1 0,0 0 0,0-1 0,0 0 0,2 2 0,-1-1 0,0 2 0,-1-3 0,0 2 0,0-2 0,0 2 0,0-2 0,0 2 0,0-2 0,0 2 0,0-2 0,0 1 0,0-1 0,0 1 0,0 0 0,0 0 0,0 1 0,0-1 0,0 0 0,1-1 0,1 1 0,0 0 0,0-1 0,-1 1 0,-1 0 0,3 0 0,-2 0 0,-1 0 0,2-1 0,-2 0 0,2 0 0,-1 1 0,1-1 0,-1 1 0,1-1 0,-2 0 0,0 1 0,0 0 0,0-1 0,0 0 0,0 1 0,0-1 0,0 0 0,0 1 0,0-1 0,0 2 0,1-2 0,0 0 0,-1 0 0,0 0 0,2 1 0,-2-1 0,2 0 0,0 0 0,-2 0 0,1 1 0,-1-2 0,0 1 0,0 1 0,0-1 0,0 0 0,1 0 0,0 0 0,0-1 0,-1 1 0,0 0 0,0 1 0,1-1 0,-1 0 0,2 0 0,-2 0 0,0-1 0,0 2 0,0-2 0,0-2 0,0 1 0,1-2 0,0 1 0,-1 1 0,2-1 0,-2 1 0,4-3 0,-2 1 0,2-2 0,-1 1 0,1-1 0,-3 3 0,4-4 0,-4 5 0,2-5 0,-2 5 0,0-3 0,0 3 0,-1-2 0,0 2 0,0-1 0,2 1 0,0-2 0,0 1 0,2-2 0,-3 3 0,3-3 0,-3 2 0,2-1 0,1 1 0,-2-1 0,0 0 0,1 1 0,-1 1 0,1-2 0,0 1 0,-1-1 0,0 1 0,2 0 0,-3 0 0,2 0 0,-2 1 0,-1-1 0,3 1 0,-2-1 0,1 0 0,0-1 0,0 2 0,-1-1 0,-1 0 0,1 1 0,-1 0 0,2 0 0,0 0 0,-2 0 0,1 0 0,-1 0 0,1 0 0,0 0 0,0 0 0,1-1 0,-2 1 0,2-1 0,-1 2 0,0-2 0,-1 1 0,2 0 0,-2 0 0,1 0 0,-1 0 0,1-1 0,0 1 0,0-1 0,-1 0 0,0 1 0,0 0 0,0 0 0,0 0 0,2-1 0,-1 1 0,1-1 0,0 0 0,-1 0 0,0 0 0,1-1 0,0 1 0,-1-1 0,0 2 0,-1 0 0,2 0 0,-1-1 0,1 1 0,-1-1 0,-1 0 0,1 1 0,-1 0 0,2 0 0,-2 0 0,2-1 0,-2 2 0,2 0 0,-2 0 0,0 1 0,0 1 0,0-1 0,1 1 0,0 0 0,1-1 0,1 2 0,-3-1 0,1 1 0,-1-1 0,2 1 0,-2-3 0,2 5 0,-2-4 0,0 5 0,0-5 0,0 3 0,0-2 0,0 0 0,0 0 0,0 0 0,1-1 0,-1 1 0,2 0 0,-2 1 0,0-2 0,0 3 0,0-3 0,1 1 0,1 0 0,1-1 0,-1 1 0,0-1 0,-2 1 0,2 0 0,-2-1 0,2 2 0,-2-2 0,2 1 0,-2-1 0,2 1 0,-2-1 0,0 1 0,0-1 0,1 2 0,-1-2 0,2 2 0,-2-2 0,0 1 0,0-1 0,1 1 0,0-1 0,1 2 0,-1-1 0,1 0 0,1 0 0,-3 1 0,2-1 0,-2 1 0,2 0 0,-1 0 0,3 1 0,-2-2 0,1 0 0,-1 1 0,-2-2 0,2 2 0,-2-2 0,1 2 0,0-1 0,-1 1 0,2 1 0,-2-3 0,2 0 0,-2 0 0,0 0 0,0 0 0,0 0 0,0 0 0,2 0 0,-2 0 0,1 1 0,-1-1 0,0 0 0,0 0 0,0-3 0,0 1 0,0-3 0,2 1 0,-1-3 0,4-1 0,4-9 0,-2 3 0,1-1-1678,-1 3 1,0 0 1677,1-2 0,0 0 0,-1 3 0,2-4 0,-5 6 0,3-2 0,-6 5 0,4-1 0,-1-3 0,1 3-5672,-2-4 5672,-1 7 0,-2-1 0,0 3 2243,2-1-2243,1-2 0,-1 1 0,2 0 6784,-4 1-6784,2 0 0,-1 1 0,2-4 0,-3 3 0,3-2 0,-3 2 0,0-2 0,0 2 0,0 0 0,0 0 0,0 0 0,0 0 0,0 0 0,0-1 0,0 1 0,0-1 0,0 0 0,1 2 0,-1 0 0,1 0 0,-1 0 0,2 1 0,-1-1 0,2 1 0,-1-1 0,1 0 0,-2 0 0,3 0 0,-1 1 0,-1-2 0,2 1 0,-2 0 0,0 1 0,-2 0 0,2 1 0,-2 0 0,0 0 0,0 1 0,0-1 0,0 2 0,2-1 0,-2 0 0,1 1 0,-1 0 0,0 0 0,0-1 0,0 0 0,0 0 0,0 0 0,0 1 0,0-2 0,0 1 0,0-1 0,0 1 0,0 0 0,0 1 0,0-1 0,0 0 0,0 0 0,0 0 0,0-2 0,0 1 0,0 0 0,0 1 0,0-1 0,0 1 0,0 0 0,0 1 0,0-3 0,0 3 0,0-2 0,0 1 0,0 0 0,0 0 0,0-1 0,0 2 0,0-2 0,0 3 0,0-3 0,0 3 0,0-2 0,0 2 0,0-3 0,0 3 0,0-2 0,0 1 0,0 0 0,0-1 0,0 0 0,0 0 0,0-1 0,0 2 0,0-2 0,0 3 0,0-2 0,0 1 0,0 0 0,0-2 0,0 2 0,0-2 0,2 2 0,-2-1 0,2 1 0,-1-1 0,0-1 0,0 1 0,-1-1 0,0 0 0,1 0 0,-1 1 0,2-1 0,-2 1 0,1-1 0,0 1 0,0-1 0,-1 1 0,0-1 0,2 2 0,-2-1 0,3 0 0,-1 1 0,-1-1 0,2 1 0,-2 0 0,2 1 0,-3-2 0,2-1 0,-2 0 0,0 0 0,0 0 0,0 1 0,0-1 0,0 0 0,0 0 0,0 0 0,0 0 0,0 0 0,2 1 0,-2-1 0,0 1 0,0-1 0,0 0 0,0 0 0,0 1 0,0-1 0,0 0 0,0 1 0,0-2 0,0 1 0,0 0 0,0 0 0,2 1 0,-2 0 0,2-1 0,-2 1 0,1 0 0,0-1 0,-1 0 0,0 0 0,0 1 0,0 0 0,2 1 0,-2-2 0,2 1 0,-2-1 0,0 1 0,0-1 0,1 1 0,-1-1 0,2 1 0,-2-1 0,1 1 0,0 0 0,-1 0 0,2 0 0,-2 0 0,2 0 0,-2 0 0,0-1 0,0 1 0,1 0 0,-1 0 0,1-1 0,1 0 0,-2 0 0,2 1 0,-2-1 0,1 0 0,1 0 0,-1 0 0,1-1 0,-1 1 0,-1 1 0,3-1 0,-2-1 0,2 1 0,-3 0 0,1 0 0,-1 0 0,1 0 0,1 1 0,1 0 0,1 0 0,-3-2 0,0 2 0,-1-2 0,0-2 0,0 1 0,0-2 0,0 1 0,0-1 0,0 1 0,0 1 0,0-2 0,0 1 0,0 0 0,0 1 0,0-1 0,0 0 0,0-3 0,0 3 0,0-3 0,0 4 0,0-2 0,0 1 0,0 0 0,0 0 0,0 1 0,2-1 0,-1 1 0,1-1 0,-1-1 0,-1 2 0,0-3 0,0 2 0,0 0 0,1 0 0,-1 1 0,2-1 0,-1-1 0,0 2 0,0-2 0,-1 1 0,0 0 0,2-2 0,-2 1 0,3 0 0,-3 2 0,0-1 0,1 0 0,-1 0 0,1 0 0,1 0 0,0-2 0,-1 3 0,1-1 0,-2 1 0,1-2 0,-1 2 0,4-3 0,-3 3 0,4-2 0,-5 1 0,2 1 0,0-1 0,-1 1 0,1 0 0,-2-1 0,0 1 0,2-1 0,0 1 0,0-1 0,0-1 0,-2 2 0,2-1 0,0 1 0,-1 0 0,2-1 0,-1 1 0,-1-1 0,2 1 0,-2-1 0,1 2 0,0-2 0,0 1 0,0 0 0,-1-1 0,2 1 0,-2-1 0,2 1 0,-1 0 0,0-1 0,-1 1 0,-1 0 0,2 1 0,0-2 0,2 1 0,-2 0 0,2-1 0,-3 1 0,1 0 0,0 0 0,0 0 0,1 0 0,-2 0 0,1 0 0,1 0 0,-2 1 0,3-1 0,-3 2 0,0 0 0,1 2 0,-2-2 0,2 2 0,-2-1 0,0 0 0,0 1 0,0 0 0,0-1 0,0 3 0,0-4 0,1 1 0,-1-1 0,3 2 0,-3-2 0,3 2 0,-3-1 0,2 1 0,-2-1 0,0 1 0,0-2 0,0 1 0,0-1 0,0 3 0,0-3 0,0 2 0,0-2 0,0 0 0,0 1 0,0 0 0,0 0 0,0 0 0,0-1 0,0 1 0,0 0 0,0-2 0,0 2 0,0 0 0,0 0 0,0 2 0,0-3 0,0 1 0,0-1 0,0 2 0,0-1 0,0 0 0,0 0 0,0 0 0,0-1 0,-2 3 0,2-2 0,-1 1 0,1-2 0,0 2 0,0-2 0,0 1 0,0-1 0,0 0 0,0 1 0,0-1 0,0 1 0,0-1 0,0 0 0,0 1 0,0-2 0,0 2 0,0-1 0,0 1 0,0-1 0,0 0 0,0 0 0,0 0 0,0 0 0,0 0 0,0 0 0,0 0 0,0 0 0,0 1 0,0-2 0,0 0 0,1 0 0,-1-2 0,3 0 0,-2 0 0,2 0 0,-3 0 0,8-6 0,-4 2-520,5-5 520,-3 4 0,-1-1 0,1 2 0,0-4 0,-2 4-33,5-4 33,-8 7 0,6-6 0,-4 5 0,-1-1 0,0 2 0,-2-1 0,1 1 0,0-3 0,2 3 520,-3-3-520,3 3 33,-3 0-33,0 2 0,0-1 0,0 1 0,0-2 0,0 2 0,0-2 0,0 2 0,0-2 0,0 2 0,0-1 0,1 1 0,-1-1 0,1 1 0,-1 0 0,0 0 0,2 0 0,-2 1 0,2-2 0,0 1 0,-1 0 0,1 1 0,-2-2 0,0 1 0,2 0 0,-1 0 0,1 0 0,1-1 0,-3 1 0,2 0 0,-2 0 0,0-1 0,1 1 0,2-1 0,-3 0 0,2-1 0,0 2 0,3-2 0,-3 1 0,2 0 0,-2 0 0,0 0 0,0 1 0,1-2 0,-3 2 0,3-1 0,-3 0 0,3 1 0,-3-1 0,2 1 0,-1 0 0,-1 0 0,1 0 0,-1 0 0,0 0 0,2-1 0,-2 1 0,2 0 0,-2 1 0,0 1 0,2 2 0,-1-2 0,0 2 0,-1-2 0,0 2 0,0 0 0,2 1 0,-1-1 0,0-1 0,-1 4 0,0-4 0,0 3 0,2-3 0,-2 2 0,2-2 0,-2 0 0,0 0 0,1 1 0,2 0 0,0 2 0,0-2 0,-1 1 0,-2-1 0,0 0 0,0 0 0,0-2 0,0 1 0,0 0 0,0 1 0,0-1 0,0 0 0,0 0 0,0-2 0,0 2 0,0 0 0,0 0 0,0 0 0,0-2 0,0 2 0,0 0 0,0-1 0,0 1 0,0-1 0,0 1 0,0 0 0,0-1 0,0 0 0,0 2 0,0-2 0,0 2 0,0-2 0,0 1 0,0-1 0,0 1 0,0 0 0,0-1 0,0 1 0,0-1 0,0 1 0,0 0 0,0 0 0,0 0 0,0 0 0,0 2 0,0-3 0,0 2 0,0-1 0,2 1 0,0-1 0,-1 3 0,1-3 0,-2 2 0,2-3 0,-1 1 0,-1 0 0,1 0 0,1 0 0,-2-1 0,3 1 0,-3 0 0,3-1 0,-1 1 0,-1-1 0,2 2 0,-1-2 0,-1 1 0,1-1 0,-1 0 0,-1 0 0,1 1 0,-1-1 0,0 1 0,0-1 0,0 1 0,0-1 0,0 1 0,2-1 0,-2 0 0,2 1 0,-2 0 0,0 0 0,0-1 0,0 1 0,0-1 0,0 0 0,0 0 0,2 0 0,-2 0 0,0 1 0,0-1 0,0 2 0,2-2 0,-2 1 0,2-2 0,-2 0 0,0-1 0,0 0 0,0 0 0,0 0 0,2-2 0,-2 1 0,2-1 0,1-1 0,0-2 0,0 2 0,1-5 0,-4 7 0,5-7 0,-4 6 0,1-3 0,0 5 0,-2-4 0,2 3 0,-2-3 0,0 4 0,0-3 0,0 2 0,0 0 0,0 1 0,0 0 0,1 1 0,0-2 0,-1 1 0,0 0 0,0 0 0,0 0 0,0 0 0,0 0 0,0 0 0,0 0 0,0 0 0,0 0 0,0 0 0,2 0 0,-2 0 0,2 0 0,-2 0 0,0 0 0,1 0 0,2 0 0,-2 0 0,2-1 0,-1 1 0,1 0 0,-1-1 0,-1 2 0,3-2 0,-4 1 0,5 0 0,-2-1 0,0 1 0,0 0 0,0 0 0,-1 0 0,1-1 0,1 1 0,0 0 0,0 1 0,-3-1 0,2 0 0,-2 0 0,1 0 0,0 0 0,0 1 0,0-2 0,1 2 0,-3-1 0,3 1 0,-1-2 0,1 1 0,-1 0 0,1 0 0,-2 0 0,1 0 0,0 0 0,0-1 0,1 1 0,-1 0 0,1-1 0,-1 1 0,0-1 0,0 1 0,0 0 0,-1 0 0,1 0 0,0 0 0,2-1 0,-3 1 0,0 0 0,-1 0 0,0 0 0,0 1 0</inkml:trace>
+</inkml:ink>
+</file>
+
+<file path=ppt/ink/ink5.xml><?xml version="1.0" encoding="utf-8"?>
+<inkml:ink xmlns:inkml="http://www.w3.org/2003/InkML">
+  <inkml:definitions>
+    <inkml:context xml:id="ctx0">
+      <inkml:inkSource xml:id="inkSrc0">
+        <inkml:traceFormat>
+          <inkml:channel name="X" type="integer" min="-2.14748E9" max="2.14748E9" units="cm"/>
+          <inkml:channel name="Y" type="integer" min="-2.14748E9" max="2.14748E9" units="cm"/>
+          <inkml:channel name="F" type="integer" max="32767" units="dev"/>
+        </inkml:traceFormat>
+        <inkml:channelProperties>
+          <inkml:channelProperty channel="X" name="resolution" value="1000" units="1/cm"/>
+          <inkml:channelProperty channel="Y" name="resolution" value="1000" units="1/cm"/>
+          <inkml:channelProperty channel="F" name="resolution" value="0" units="1/dev"/>
+        </inkml:channelProperties>
+      </inkml:inkSource>
+      <inkml:timestamp xml:id="ts0" timeString="2023-03-28T00:28:52.285"/>
+    </inkml:context>
+    <inkml:brush xml:id="br0">
+      <inkml:brushProperty name="width" value="0.02646" units="cm"/>
+      <inkml:brushProperty name="height" value="0.02646" units="cm"/>
+      <inkml:brushProperty name="color" value="#C10800"/>
+    </inkml:brush>
+  </inkml:definitions>
+  <inkml:trace contextRef="#ctx0" brushRef="#br0">0 193 24575,'0'0'0,"2"-1"0,0-1 0,-1 1 0,2-1 0,-3 1 0,2 0 0,-1 0 0,-1 0 0,1 0 0,2-1 0,-2 0 0,3 1 0,-4 0 0,2-2 0,-2 2 0,3-1 0,-2 1 0,3-1 0,-4 1 0,3 0 0,-3 0 0,2-1 0,-1 1 0,-1 0 0,2 1 0,-2-1 0,0-1 0,1 1 0,0 0 0,2 0 0,-3-1 0,1 1 0,0 0 0,0 0 0,0 0 0,-1 0 0,0 0 0,2 1 0,-2-1 0,1 0 0,-1-1 0,2 1 0,-2 0 0,1 0 0,-1 0 0,0 0 0,0 0 0,0 0 0,0 0 0,0 0 0,0 0 0,0 0 0,0 0 0,0 0 0,0 0 0,0 0 0,0-1 0,0 1 0,0 0 0,0 1 0,0-1 0,0-1 0,0 1 0,0 0 0,0 1 0,2 0 0,0 1 0,0 0 0,0 2 0,-2-3 0,2 4 0,-2-3 0,1 1 0,1-1 0,0 0 0,-1 1 0,-1-1 0,0 1 0,1 0 0,0-1 0,0 1 0,1-1 0,-2 0 0,4 0 0,-4 1 0,0-2 0,2 2 0,-2-1 0,4 1 0,-4-1 0,3 1 0,-2-1 0,1 1 0,-1-1 0,-1 0 0,1 0 0,1 1 0,0-1 0,1 2 0,-2-2 0,1 0 0,-2 0 0,3 0 0,-2 0 0,0 0 0,-1 1 0,1 0 0,-1-1 0,2 2 0,-2-3 0,0 3 0,0-2 0,0 1 0,0-1 0,0 0 0,0 3 0,0 0 0,0 1 0,0-3 0,0 1 0,0-2 0,0 0 0,0 0 0,0 0 0,0 0 0,0 0 0,0 1 0,0-1 0,0 2 0,0-1 0,0-1 0,0 0 0,0 0 0,0 0 0,0 0 0,0 0 0,0 0 0,0 0 0,0 0 0,0 0 0,0 0 0,0 2 0,0-2 0,0 0 0,0 0 0,-2 1 0,2-1 0,-1 0 0,1 0 0,0 0 0,0-1 0,0 2 0,0-1 0,0 1 0,0-1 0,0 1 0,0-1 0,0 2 0,0-2 0,0 1 0,0-1 0,0 0 0,0 0 0,0 0 0,0 0 0,0 0 0,0 0 0,0 0 0,0-1 0,0 2 0,0-2 0,0 1 0,0 0 0,0 0 0,0 0 0,0 0 0,1 0 0,-1 0 0,3 0 0,-2-1 0,0 1 0,-1 0 0,0-1 0,0-1 0,2-1 0,0 0 0,0 1 0,0-1 0,-2 1 0,4-2 0,-3 2 0,1-2 0,-1 2 0,1-1 0,0 1 0,-1-1 0,2 1 0,-1-2 0,-1 2 0,0 0 0,-1 0 0,2-2 0,-2 2 0,3-3 0,-2 3 0,0 0 0,-1 0 0,0 0 0,0-1 0,0 1 0,0 0 0,1-1 0,-1 2 0,2-2 0,-2 1 0,0 0 0,0 0 0,0 0 0,0 0 0,0 0 0,0 0 0,0 1 0,0-1 0,0 0 0,0 0 0,0 0 0,0 0 0,0 0 0,0 0 0,0 0 0,0-1 0,0 1 0,0 0 0,0-1 0,0 2 0,0-2 0,0 1 0,0-1 0,0 1 0,0-1 0,1 1 0,0-1 0,0 1 0,-1-1 0,0 1 0,0-1 0,0 0 0,2 1 0,-2 0 0,2-1 0,0 2 0,-2-1 0,0 0 0,0-1 0,2 1 0,-2-2 0,3 2 0,-1 0 0,0 0 0,-1-2 0,1 3 0,-2-1 0,2 0 0,-2-1 0,2 1 0,0 0 0,-2 0 0,2-1 0,-2 2 0,1-1 0,-1 0 0,1 0 0,-1 1 0,2 0 0,-2 1 0,2 0 0,-2 0 0,0 0 0,0 0 0,0 0 0,2 2 0,-1-2 0,0 2 0,-1-1 0,1 0 0,0-1 0,2 2 0,-3-3 0,2 2 0,-1-1 0,0 0 0,-1 1 0,2 0 0,-2-1 0,2 0 0,-2 0 0,1 1 0,-1 0 0,3 0 0,-1-1 0,0 1 0,0-1 0,-1 0 0,0 1 0,1-1 0,0 0 0,-1 0 0,2 1 0,-3-1 0,2 0 0,-2 0 0,0 0 0,1 0 0,0 0 0,0 0 0,-1 0 0,0 1 0,1-1 0,-1-1 0,2 1 0,-2 0 0,0 0 0,0 0 0,1 0 0,1 1 0,0-1 0,-1 1 0,0-1 0,0 1 0,0-1 0,1 0 0,-2 0 0,2 0 0,-1 0 0,-1 0 0,1-1 0,-1 1 0,0 0 0,0 0 0,0-1 0,0 0 0,0-1 0,0-1 0,0-1 0,0 0 0,3-3 0,-3 1 0,5-1 0,-4 3 0,3-2 0,-2 2 0,0 0 0,2-2 0,-2 1 0,2-1 0,-1 1 0,-1 0 0,2 1 0,-2 1 0,0 0 0,0-1 0,-1 1 0,1-1 0,0 2 0,-2-1 0,2 1 0,-2-1 0,0 1 0,0 0 0,2-1 0,0 1 0,-2-1 0,2 2 0,-2-1 0,1 0 0,0 0 0,0 0 0,-1 0 0,0-1 0,0 1 0,0-1 0,0 1 0,0-1 0,0 1 0,0 1 0,0-2 0,0 1 0,0-1 0,0-1 0,0 2 0,0-2 0,0 2 0,0 0 0,0-2 0,0 2 0,0-2 0,0 2 0,0-1 0,0 1 0,0-1 0,-1 1 0,0-1 0,0 1 0,1 0 0,0 0 0,0-1 0,0 1 0,0-1 0,0 1 0,0 0 0,0 0 0,0-1 0,0 1 0,0-1 0,0 0 0,0 1 0,0 0 0,0-2 0,0 2 0,0-2 0,0 2 0,0 0 0,0 0 0,0-1 0,0 0 0,0 0 0,0 1 0,0 0 0,0-1 0,0 0 0,0 1 0,0-2 0,0 2 0,0 0 0,0 0 0,0 0 0,0 0 0,0 0 0,0 0 0,0 0 0,0 0 0,0 0 0,0 0 0,0 0 0,0 0 0,0 0 0,0 0 0,0 0 0,0 0 0,0-1 0,0 1 0,0 0 0,0 0 0,0 0 0,0 0 0,0 1 0,0-2 0,0 1 0,0-1 0,0 2 0,0-1 0,0 0 0,0 1 0,-2-1 0,2 3 0,-2-2 0,2 1 0,0 0 0,0 1 0,0 0 0,0 0 0,2-2 0,1 4 0,-1-3 0,1 2 0,-2-2 0,1 0 0,-1 0 0,3 0 0,-4 2 0,1-1 0,1 0 0,-2-1 0,3 0 0,-3 0 0,2 0 0,-2 0 0,0 0 0,0 0 0,0 0 0,1 0 0,0 0 0,-1 1 0,2-1 0,-2 1 0,2-1 0,-1 1 0,0-1 0,2 0 0,-3 0 0,2 0 0,-1 1 0,0-1 0,1 0 0,-2 1 0,2-1 0,-1 0 0,0-1 0,1 2 0,0 0 0,0 1 0,2-2 0,-1 2 0,0-2 0,-1 0 0,1 0 0,-2 1 0,1-1 0,3 1 0,-4-1 0,3 2 0,-1-2 0,-2 1 0,1-1 0,1 1 0,-3-1 0,2 1 0,0-1 0,0-1 0,-2 1 0,3 1 0,-2-1 0,0 0 0,-1-1 0,2 1 0,-2 0 0,1 0 0,-1 0 0,0 0 0,1 0 0,0 0 0,0 0 0,-1 1 0,1-1 0,-1 1 0,2-1 0,-2 1 0,0-1 0,2 1 0,-2-1 0,2 1 0,-1-1 0,-1 1 0,2-1 0,-2 1 0,0-1 0,0 2 0,0-2 0,0-1 0,0 1 0,0 1 0,0-1 0,0 0 0,0 1 0,0-1 0,0 1 0,0-1 0,0 0 0,0 0 0,0 0 0,0 0 0,0 0 0,0 0 0,0 0 0,0 1 0,0-2 0,0 1 0,0 0 0,0 0 0,0 0 0,0 0 0,0 0 0,0 1 0,0-2 0,0 1 0,0 1 0,0-1 0,0 1 0,0 0 0,0-2 0,0 2 0,0-1 0,0 1 0,0-2 0,0 0 0,1 0 0,-1-1 0,3 1 0,-2-1 0,0 0 0,0 0 0,-1 0 0,2-1 0,-1 0 0,0-1 0,2 1 0,-3 1 0,2 0 0,0-1 0,0 1 0,0-1 0,0 1 0,1-1 0,-3 1 0,2 0 0,-1 0 0,1-1 0,0 1 0,0-1 0,-1 1 0,1 0 0,0-1 0,-1 1 0,1-1 0,-2 1 0,1 0 0,0 0 0,0 0 0,-1 0 0,1 0 0,-1 0 0,3 0 0,-2 0 0,2-1 0,-3 1 0,2 0 0,0 0 0,2-1 0,-2 1 0,1-1 0,-3 1 0,2-1 0,-1 1 0,3-1 0,-2 1 0,3-1 0,-2 1 0,0-1 0,-2 1 0,4-1 0,-5 0 0,6 0 0,-4 0 0,3 1 0,-2-1 0,0 1 0,-1 0 0,0-1 0,0 1 0,0 0 0,0 1 0,-2-1 0,0-1 0,0 2 0,0 1 0,0 0 0,0 1 0,0 0 0,0-1 0,0 0 0,0 1 0,0-1 0,0 0 0,0 2 0,0-1 0,0 0 0,0 1 0,0-1 0,0 1 0,0-2 0,2 0 0,-1 0 0,2 3 0,-3-3 0,0 1 0,0-1 0,1 1 0,-1-1 0,2 0 0,-1 0 0,-1 1 0,4 0 0,-4 0 0,2-1 0,-1 0 0,0 0 0,1 1 0,-2-1 0,1 1 0,-1-1 0,0 1 0,0-1 0,0 2 0,0-1 0,0 0 0,0-1 0,0 1 0,0-1 0,0 1 0,0-1 0,0 1 0,0 0 0,0 2 0,0-3 0,0 3 0,0-3 0,0 1 0,0-1 0,0 0 0,0 0 0,0 1 0,0-1 0,0 2 0,0-2 0,0 1 0,0-1 0,0 1 0,0-1 0,0 1 0,0-1 0,0 0 0,0 0 0,0 2 0,0-2 0,0 0 0,0 0 0,0 1 0,0-1 0,0 1 0,0-1 0,0 0 0,0 0 0,0 0 0,0 0 0,0 0 0,0 0 0,0 0 0,0 0 0,0-1 0,0-1 0,2 0 0,-1 0 0,1 0 0,0 0 0,-1 0 0,0 0 0,3 1 0,-1-1 0,1 1 0,-2 0 0,1 0 0,-1 1 0,1-1 0,-3 1 0,4-1 0,-3 1 0,1 0 0,1 0 0,-3 0 0,0 0 0,0-1 0,-2 1 0,2 0 0,0 1 0,-2-2 0,2 1 0,-2 1 0,2-1 0,-2 0 0,2 0 0,-2 0 0,2 0 0,-2-1 0,2 1 0,0 0 0,0 0 0,0 0 0,0 0 0,0 0 0,0 0 0,0 0 0,0-1 0,0 1 0,0 1 0,0-1 0,0 0 0,0-1 0,-1-1 0,0 0 0,0-1 0,1 1 0,0-1 0,0 1 0,0 0 0,0 0 0,0-1 0,0 0 0,0 0 0,0 1 0,0-2 0,0 2 0,0-2 0,0 2 0,0-2 0,0 2 0,0-1 0,0 1 0,0-2 0,0 2 0,0-1 0,0 1 0,0 0 0,0 0 0,0 0 0,0 1 0,0-1 0,0 0 0,0 0 0,0 0 0,0 1 0,0-1 0,0-1 0,0 1 0,0 0 0,0 0 0,1 0 0,0 0 0,0 0 0,-1 0 0,0 0 0,2 0 0,-2 0 0,2-1 0,-2 1 0,0 0 0,0 0 0,2 0 0,-2-1 0,0 1 0,0-1 0,0 2 0,2-3 0,0 2 0,0-1 0,-1 1 0,1-1 0,-2 2 0,1-1 0,-1 0 0,1-1 0,0 1 0,0 0 0,-1 0 0,0 0 0,0-1 0,0 1 0,0 0 0,0-1 0,2 1 0,-2 0 0,3 0 0,-3 0 0,2-1 0,-2 1 0,0-1 0,0 2 0,0-1 0,0 0 0,0 0 0,0 0 0,1-1 0,-1 1 0,2-1 0,-2 1 0,0-2 0,0 2 0,0-1 0,2 1 0,-2-1 0,1 1 0,-1-1 0,0 0 0,0 0 0,0 1 0,0-1 0,0 1 0,1-1 0,0 1 0,0-1 0,0 1 0,-1 0 0,2 0 0,-2-2 0,0 2 0,1-2 0,0 1 0,0 0 0,1 1 0,-2 0 0,2-1 0,-2 1 0,0-1 0,0 0 0,0 1 0,0-3 0,2 3 0,-2-1 0,0 1 0,0 0 0,2-1 0,-2 1 0,2 0 0,-2-1 0,1 1 0,0-1 0,0 1 0,-1-1 0,0 1 0,2-1 0,-2 1 0,2-1 0,-1 1 0,0-1 0,-1 1 0,0-1 0,0 1 0,0-1 0,0 1 0,0-1 0,2 1 0,-1-1 0,1 1 0,-1-1 0,-1 1 0,0-1 0,2 1 0,-2-2 0,2 2 0,0-1 0,-2 0 0,1 0 0,-1 1 0,0-1 0,0 1 0,0-1 0,0 0 0,1 0 0,0 1 0,0 0 0,-1 0 0,2-1 0,-2 1 0,2-1 0,-2 1 0,0 0 0,0 0 0,0 0 0,1 0 0,0-1 0,1 1 0,-2 1 0,2-1 0,0 0 0,0 0 0,-2 1 0,3 2 0,-2 0 0,0 0 0,-1 2 0,0-2 0,0 1 0,0 0 0,0 0 0,0 0 0,0 0 0,0-1 0,1 0 0,-1-1 0,2 1 0,-2-1 0,0 2 0,0-2 0,1 1 0,0-1 0,0 1 0,-1-1 0,0 0 0,0 0 0,0 0 0,0 0 0,0 2 0,0-2 0,0 1 0,0-1 0,0 1 0,0-1 0,0 1 0,0-1 0,0 0 0,0 0 0,0 1 0,0-1 0,0 1 0,0-1 0,0 1 0,0-1 0,0 0 0,0 1 0,0 0 0,0 0 0,0 0 0,0-1 0,0 1 0,0-1 0,0 2 0,0-2 0,0 1 0,0-1 0,0 0 0,2 1 0,-2 0 0,1 0 0,0 0 0,0 0 0,0-1 0,-1 0 0,2 1 0,-2-1 0,2 1 0,-2-1 0,0 1 0,0-1 0,1 1 0,-1-1 0,3 1 0,-3-1 0,2 1 0,-2-1 0,0 1 0,0 0 0,0 0 0,2-1 0,-2 2 0,2-2 0,-2 2 0,0-1 0,0 1 0,0-2 0,0 0 0,0 1 0,2-1 0,0 1 0,0 0 0,-1-2 0,0 1 0,-1 0 0,0 0 0,0 1 0,0-2 0,0 1 0,0 1 0,0-2 0,2 2 0,-2-1 0,2-1 0,-2 2 0,0-1 0,0 0 0,0 1 0,0-1 0,0 0 0,0 0 0,0 0 0,0 0 0,0 0 0,0-1 0,0 2 0,1-2 0,0 0 0,0-2 0,0 1 0,-1 0 0,3 0 0,-2 0 0,2-1 0,-3 1 0,2 0 0,4-3 0,-2 1 0,2-2 0,-4 4 0,1-1 0,-3 1 0,1-1 0,-1 1 0,0 0 0,1 1 0,0-1 0,2 0 0,-3 0 0,2 0 0,-2 0 0,2 0 0,0-1 0,0 1 0,-1 0 0,1 0 0,-1 0 0,3 0 0,-2 0 0,-2 1 0,2-1 0,0 0 0,-2 0 0,3 0 0,-1-1 0,-1 1 0,2-1 0,-2 1 0,2 0 0,-3 0 0,4 0 0,-3-1 0,2 0 0,-1 1 0,2-1 0,-3 1 0,0-1 0,-1 2 0,2-1 0,0-1 0,2 0 0,-2 1 0,2-1 0,-4 1 0,1 0 0,0 0 0,-1-1 0,0 1 0,0 1 0,2-1 0,-2-1 0,3 2 0,-2-1 0,0 0 0,1-1 0,-2 1 0,1 0 0,0 0 0,0 1 0,0 0 0,-1 1 0,0 0 0,0 0 0,0 0 0,0 0 0,0 1 0,0 0 0,0-1 0,0 1 0,2-1 0,-2 1 0,3 0 0,-2 1 0,1 0 0,0 1 0,-2-2 0,0 1 0,0-1 0,0 0 0,1-1 0,-1 0 0,3 1 0,-3-1 0,2 0 0,-1 1 0,0-1 0,1 2 0,-2-2 0,2 1 0,-2-1 0,0 0 0,0 1 0,2 0 0,-2-1 0,2 1 0,-1-1 0,0 0 0,1 0 0,1 1 0,-2 0 0,0 0 0,-1-1 0,2 0 0,-2 0 0,4 1 0,-3 0 0,1-1 0,0 1 0,-2-1 0,2 0 0,-1 0 0,-1 0 0,2 0 0,-2 0 0,0 0 0,1-1 0,0 2 0,-1-1 0,0 0 0,2 0 0,-2 1 0,2-2 0,-1 2 0,0-1 0,0 1 0,-1-1 0,1 0 0,-1 0 0,2 0 0,-2 0 0,0 1 0,1-2 0,0 2 0,0-1 0,-1 0 0,0 0 0,1 0 0,1 0 0,0 0 0,0 0 0,-1 1 0,-1-1 0,1 0 0,1 0 0,-2 0 0,2 0 0,-2 0 0,0 0 0,1 0 0,0 0 0,0 0 0,-1 0 0,0 0 0,0 0 0,0 1 0,0-1 0,1 0 0,-1 0 0,2 0 0,-2 0 0,0 1 0,1-1 0,0 0 0,0 1 0,-1-2 0,2 1 0,-2 0 0,2 1 0,-2-1 0,0 0 0,0 0 0,0 0 0,1 0 0,0 0 0,1-1 0,-2 1 0,2-1 0,-2-2 0,0 0 0,0-1 0,0 1 0,0 1 0,1 0 0,0-1 0,1 1 0,-2-1 0,2 1 0,-2-1 0,1 1 0,1-2 0,-1 1 0,1-2 0,-2 2 0,2-1 0,-1 1 0,1 0 0,-1 0 0,-1 0 0,0 1 0,0-1 0,2 1 0,-2-2 0,2 2 0,-2-2 0,0 2 0,1-1 0,0 1 0,0-2 0,-1 2 0,0-1 0,0 1 0,0 0 0,0-1 0,0 1 0,1 0 0,-1 0 0,2 0 0,-2 0 0,0 1 0,0-1 0,0 0 0,0-1 0,0 2 0,0-1 0,0 0 0,0 0 0,0 0 0,0 0 0,0-1 0,0 0 0,0 1 0,0 0 0,0 0 0,0 0 0,0 0 0,0 0 0,0 0 0,0-1 0,0 1 0,1 0 0,0 0 0,0 0 0,-1-1 0,0 2 0,2-1 0,-2 0 0,2 0 0,-1 0 0,0 0 0,1-1 0,-2 1 0,2 0 0,-2 1 0,0-1 0,0-1 0,1 1 0,0-1 0,1 1 0,-2-1 0,2 1 0,-2 0 0,1 0 0,0 0 0,0 0 0,-1 0 0,0 0 0,1 0 0,-1 0 0,2 0 0,-2 0 0,0 0 0,0 0 0,0 0 0,0-1 0,1 0 0,0 0 0,2 0 0,-3 1 0,1 0 0,-1 0 0,0-2 0,0 2 0,0-1 0,0 1 0,2-2 0,0 2 0,-1-1 0,1 1 0,-2-1 0,0 0 0,0 0 0,0 1 0,1 0 0,-1 0 0,3 0 0,-2 0 0,0-1 0,-1 1 0,2-1 0,-2 0 0,2-1 0,-2 2 0,1 0 0,0 0 0,-1-1 0,0 1 0,0-2 0,0 2 0,2-2 0,-2 2 0,2-1 0,-2 1 0,0-1 0,1 2 0,-1-3 0,2 2 0,-1-2 0,-1 2 0,2 0 0,-2 0 0,0-2 0,0 2 0,0 0 0,0 0 0,0-1 0,0 0 0,2-1 0,-1 2 0,2-1 0,-3 1 0,0-1 0,0 1 0,1-1 0,0 1 0,0 0 0,1 0 0,-2-1 0,3 1 0,-3-1 0,1 1 0,-1-1 0,2 1 0,-2 0 0,1 0 0,-1 0 0,0 0 0,0 0 0,2 0 0,-2 0 0,3 1 0,-1-1 0,2-1 0,-3 1 0,2 1 0,-3-1 0,2 0 0,-1 0 0,1 0 0,1 1 0,-1-1 0,-2 1 0,0 0 0,0 1 0,0 0 0,0 0 0,0 1 0,0-1 0,0 1 0,0-1 0,0 0 0,0 0 0,2 0 0,0 0 0,0 0 0,-1 0 0,-1 0 0,0 0 0,0 0 0,2 2 0,-2-3 0,2 2 0,0-1 0,0 2 0,-1-2 0,1 1 0,-2-1 0,3 1 0,-1-1 0,-1 1 0,1-1 0,-2 1 0,0-1 0,1 0 0,0 0 0,2 0 0,-3 0 0,1 0 0,0 0 0,0 0 0,0 0 0,-1 0 0,2-1 0,-2 1 0,2 0 0,0 0 0,0 0 0,-2 0 0,3 1 0,-2-1 0,3 1 0,-2-1 0,-1 1 0,-1-2 0,0 1 0,0 0 0,0 0 0,0 0 0,1 0 0,-1 1 0,2-1 0,-2 0 0,0 0 0,0 1 0,0-1 0,1 2 0,0-2 0,0 0 0,-1 0 0,0 0 0,0 1 0,0 0 0,0 0 0,0 0 0,2-2 0,-2 2 0,2-1 0,-2 1 0,0 0 0,0-1 0,1 2 0,-1-2 0,2 0 0,-2 0 0,0 0 0,0 1 0,1-2 0,-1 3 0,2-2 0,-2 1 0,1-1 0,-1 0 0,2 0 0,-2 2 0,0-2 0,0 1 0,1-1 0,0 1 0,0-1 0,1 0 0,-2 1 0,2 0 0,-2-1 0,0 1 0,0-1 0,0 1 0,0-1 0,0 0 0,0 1 0,2-1 0,-2 2 0,0-2 0,2 0 0,-2 0 0,2 0 0,-2 0 0,1 0 0,-1 0 0,1 0 0,-1 0 0,0 0 0,2 0 0,-2-1 0,2 2 0,-2 0 0,0-1 0,0 0 0,0 0 0,0 0 0,0 0 0,0 0 0,0 0 0,0 0 0,0 0 0,0-1 0,0 2 0,0-1 0,0 0 0,0 0 0,0 0 0,0 0 0,0 0 0,0 0 0,0-1 0,0 2 0,0-1 0,0-1 0,0 1 0,0 0 0,-2 0 0,2 0 0,-2 0 0,2 0 0,0 0 0,0 0 0,0-1 0,2 0 0,-2-1 0,3 0 0,-2 0 0,1 0 0,0 0 0,0 0 0,-1-1 0,1 1 0,0 0 0,2-1 0,-1 0 0,2-1 0,-1 2 0,-2 0 0,0 0 0,1-1 0,-1 0 0,2-1 0,-3 2 0,3-1 0,-1 0 0,1 0 0,0 1 0,-1-1 0,-1 1 0,-1-1 0,-1 1 0,5-1 0,-4 1 0,1-1 0,0 1 0,0 0 0,0 0 0,-1-1 0,0 2 0,-1-1 0,2 0 0,-1-1 0,0 1 0,1-1 0,-2 1 0,3 0 0,-2 0 0,2-1 0,-1 1 0,2-1 0,-2 1 0,2-3 0,-4 3 0,4-1 0,-3 1 0,2-2 0,-1 3 0,-1-2 0,-1 0 0,2 1 0,-2-1 0,1 0 0,-1 1 0,2-1 0,-2 1 0,2 0 0,-2 0 0,1 0 0,0 0 0,-1-1 0,0 1 0,0 0 0,0 1 0,0-1 0,2 0 0,-2 0 0,2 0 0,-1 0 0,0 0 0,0-1 0,1 2 0,-2-1 0,1 1 0,0 1 0,0 1 0,0-1 0,-1 0 0,0 0 0,0 1 0,0-1 0,0 0 0,0 1 0,0 0 0,0 1 0,0-1 0,0 0 0,0 0 0,0 0 0,0-1 0,0 1 0,0-1 0,1 0 0,-1 1 0,2 0 0,-2-1 0,0 0 0,0 0 0,0 0 0,0 0 0,0-1 0,1 2 0,0-1 0,2-1 0,-3 2 0,2 0 0,-2-1 0,0 1 0,0-1 0,0 0 0,0 0 0,0 1 0,0-1 0,0 0 0,0 0 0,0 1 0,0-1 0,0 2 0,0-2 0,0 1 0,0-1 0,0 2 0,0-2 0,0 1 0,0-1 0,0 1 0,0-1 0,0 2 0,0-2 0,0 2 0,2-2 0,-2 1 0,0-1 0,0 0 0,0 0 0,0 0 0,0 1 0,0 0 0,2-1 0,-2 1 0,2-1 0,-2 1 0,2-1 0,-2 1 0,1-1 0,-1 1 0,0-1 0,2 2 0,-2-2 0,1 1 0,-1-1 0,0 0 0,0 1 0,0-1 0,2 0 0,-2 1 0,3-1 0,-2 1 0,-1 0 0,0-1 0,0 1 0,0-1 0,0 0 0,0 0 0,2 0 0,-2 0 0,2 0 0,-2 0 0,0 0 0,0 1 0,0-2 0,1 2 0,0-1 0,0 1 0,-1-1 0,0 0 0,0 0 0,0 0 0,0 0 0,0 1 0,1-1 0,-1 0 0,2 0 0,-2 1 0,1-1 0,0-1 0,0 1 0,-1 0 0,1 1 0,-1-1 0,2 0 0,-2 0 0,0 0 0,0-1 0,0 1 0,0 1 0,1-1 0,0 0 0,0-1 0,-1 1 0,2 0 0,-2 0 0,2 0 0,-2 1 0,0-1 0,2 0 0,-2-1 0,2 2 0,-2-2 0,2 1 0,-2 0 0,0 0 0,0 0 0,0 0 0,0 0 0,0 0 0,0 0 0,0 0 0,0 0 0,0 1 0,1-1 0,0 0 0,0 0 0,-1-1 0,0-1 0,0 0 0,0 0 0,0-1 0,0 1 0,0 1 0,2-2 0,-2 1 0,3-1 0,-3 1 0,3-2 0,-2 1 0,1 0 0,1 1 0,-1-2 0,1 1 0,-1 0 0,0 0 0,0 0 0,-2 1 0,0-2 0,0 2 0,1 0 0,0 0 0,2-1 0,-3 1 0,2-1 0,0 0 0,-2 0 0,0 1 0,2-1 0,-2 1 0,2 0 0,-2 0 0,0 0 0,0 0 0,1 0 0,0 1 0,0-1 0,-1 0 0,0-1 0,0 1 0,0-1 0,2 0 0,-2-1 0,3 2 0,-3-2 0,0 1 0,0 0 0,0 1 0,0-1 0,0 1 0,0-1 0,0 1 0,0-1 0,0 0 0,0-1 0,0 2 0,0 0 0,0 0 0,0-1 0,0 1 0,0 0 0,0-1 0,0 1 0,0 0 0,0-2 0,0 2 0,0-1 0,0 1 0,0-1 0,0 1 0,0-1 0,0 1 0,0 0 0,0 0 0,0 0 0,0 0 0,0-1 0,0 1 0,0 0 0,0-1 0,0 2 0,0-1 0,0-1 0,0 1 0,0-1 0,0 1 0,0-1 0,0 0 0,0 0 0,0 1 0,0 0 0,0 0 0,0-1 0,0 1 0,0-2 0,0 2 0,0-2 0,0 2 0,0-2 0,0 2 0,0-2 0,0 1 0,0-1 0,0 2 0,0-1 0,0 0 0,0 0 0,0 0 0,0 0 0,0 2 0,0-2 0,0 1 0,0-2 0,0 2 0,0-1 0,0 2 0,0-2 0,0 1 0,0 0 0,0 0 0,0 0 0,0 0 0,0-1 0,0 1 0,0-1 0,0 1 0,0-1 0,0 2 0,0-2 0,0 1 0,0 0 0,0 0 0,0 0 0,0 0 0,0 0 0,0 0 0,0 1 0,0-1 0,0-1 0,0 1 0,0 0 0,0 1 0,0-1 0,0 0 0,0 0 0,0 0 0,0 0 0,0 0 0,0 0 0,0 0 0,0 0 0,0 1 0,1-1 0,0 1 0,0 0 0,-1 1 0,0 1 0,0-1 0,0 3 0,0-1 0,0 2 0,0-2 0,0 2 0,0-2 0,0 3 0,0-4 0,1 0 0,-1 0 0,2 0 0,-1 0 0,0 1 0,0-1 0,-1 2 0,0-3 0,2 2 0,-2-3 0,2 3 0,-1-2 0,0 1 0,-1-1 0,0 1 0,0 0 0,2 0 0,-2-1 0,1 1 0,-1-1 0,2 0 0,-2 0 0,1 0 0,1 0 0,0 1 0,0-1 0,0 1 0,0-1 0,-2 2 0,1-2 0,0 1 0,0-1 0,1 0 0,-2 1 0,3 0 0,-3-1 0,2 1 0,-2-1 0,1 0 0,-1 0 0,2 0 0,-2 1 0,0-2 0,0 1 0,1 1 0,-1 0 0,3 0 0,-3 0 0,2 0 0,-2-1 0,0 0 0,0 1 0,0 0 0,0 0 0,1 0 0,-1-1 0,2 1 0,-2-1 0,0 1 0,0-1 0,0 0 0,0 1 0,0 0 0,0-1 0,0 1 0,0-1 0,0 2 0,0-2 0,0 1 0,0-1 0,0 0 0,0 0 0,0 0 0,0 1 0,0 0 0,0 0 0,0 0 0,0-1 0,0 1 0,0-1 0,0 1 0,0-1 0,0-1 0,0 1 0,0 0 0,0 0 0,0 0 0,0 0 0,0 0 0,0 0 0,0-1 0,0 1 0,0 0 0,0 0 0,0 0 0,0 0 0,0 0 0,0 0 0,0 0 0,0 0 0,0 0 0,0 0 0,0 0 0,0 0 0,0-1 0,0 1 0,0-2 0,0-1 0,0 1 0,2-3 0,-1 2 0,1-1 0,-1 1 0,0 0 0,3-1 0,-2 1 0,1-1 0,1 0 0,-3 0 0,1 1 0,-2 1 0,0 1 0,1-3 0,1 2 0,-1-3 0,2 2 0,-2-1 0,2 1 0,-1 0 0,0 0 0,0 0 0,0 1 0,-2-2 0,0 1 0,3-1 0,-2 2 0,1-2 0,-2 1 0,2 0 0,-2 0 0,2 0 0,-2 1 0,1 0 0,-1 0 0,1-2 0,-1 1 0,0-1 0,2 2 0,-2-1 0,2 1 0,-1 0 0,-1 0 0,2 0 0,-2 0 0,1-1 0,-1 1 0,2-2 0,-2 2 0,0-1 0,0 1 0,1 0 0,0-1 0,1 0 0,-2 1 0,2-2 0,-2 2 0,0-1 0,1 0 0,0 0 0,0 0 0,-1 1 0,2 0 0,-2 0 0,2-1 0,-1 0 0,0 1 0,1-1 0,0 0 0,-2 0 0,0 1 0,2-1 0,-2 1 0,1 0 0,0 0 0,1-2 0,0 1 0,1 0 0,-2 1 0,0 0 0,-1 0 0,0 0 0,0 0 0,0-1 0,0 1 0,1-3 0,-1 3 0,3-1 0,-3 0 0,2 0 0,-2 1 0,0 0 0,0 0 0,1-1 0,-1 0 0,2-1 0,-2 2 0,0-1 0,0 1 0,1 0 0,0 0 0,0-1 0,-1 0 0,3 1 0,-3 0 0,3-1 0,-3 1 0,2 1 0,-2-1 0,2 0 0,-2 0 0,0 0 0,0 0 0,1 0 0,-1 0 0,1 0 0,-1 0 0,0 1 0,0-2 0,2 2 0,-2-1 0,3-1 0,-1 2 0,-1-1 0,1 0 0,0 0 0,-2 1 0,1 2 0,-1-1 0,0 1 0,0-1 0,0 1 0,0 1 0,0-2 0,0 0 0,0 0 0,0 1 0,0 0 0,0 0 0,0 0 0,0 0 0,0-1 0,0 0 0,0 2 0,0-1 0,0 1 0,0-2 0,0 2 0,0-1 0,0 0 0,0-1 0,0 0 0,0 0 0,0 1 0,0-1 0,0 0 0,0 0 0,0 0 0,0 1 0,0-1 0,0 0 0,0 0 0,0 0 0,0 0 0,0 0 0,0-1 0,0 1 0,0 1 0,0-1 0,0 0 0,0 1 0,0-1 0,0 0 0,0 2 0,0-2 0,0 2 0,0-2 0,0 1 0,0-1 0,0 1 0,0-1 0,0 2 0,0-2 0,0 2 0,0-2 0,0 1 0,0-1 0,0 1 0,0-1 0,0 1 0,0-1 0,0 1 0,0-2 0,0 3 0,0-2 0,0 2 0,0-2 0,0 1 0,0 0 0,2 0 0,-2-1 0,2 0 0,-2 0 0,0 2 0,0-2 0,1 2 0,-1-3 0,5 3 0,-5-2 0,3 1 0,-3-1 0,0 0 0,0 0 0,1 2 0,1-2 0,0 1 0,-1 0 0,-1-1 0,0 0 0,0 0 0,0 0 0,1 0 0,0-1 0,0 2 0,-1-1 0,0 0 0,0 1 0,0-1 0,0 0 0,0 1 0,2-1 0,-2 0 0,2 1 0,-1-1 0,-1 1 0,1 0 0,-1-1 0,2 1 0,-2-1 0,2 0 0,-2 0 0,0 0 0,0 0 0,0 0 0,1 0 0,0 1 0,-1-2 0,0 2 0,2-1 0,-2 1 0,2-1 0,-2 2 0,0-2 0,0 0 0,0 0 0,0 0 0,0 0 0,0 0 0,0 0 0,1 0 0,0 0 0,0 1 0,0-1 0,-1 0 0,2 0 0,-2 1 0,0-1 0,0-1 0,2 1 0,-2 1 0,2-1 0,-2 0 0,0 0 0,0 1 0,0-1 0,0 1 0,1-2 0,-1 1 0,1 0 0,-1 0 0,0 1 0,0-1 0,0 0 0,0 0 0,0 0 0,0-1 0,0 1 0,0 0 0,0 0 0,2 0 0,-2 0 0,2 1 0,-1-1 0,0 0 0,0 0 0,1 1 0,-2 0 0,1-1 0,-1 0 0,1 0 0,1 1 0,0-1 0,0 0 0,-1 0 0,0 0 0,1 0 0,-2 0 0,1 0 0,-1 0 0,0 0 0,2 0 0,-2 0 0,3 0 0,-3 0 0,2-1 0,-2-1 0,1 0 0,0-1 0,1 0 0,0-1 0,0 1 0,2 0 0,-4 1 0,6-2 0,-5 0 0,2-1 0,0 3 0,-1-3 0,-1 3 0,0-2 0,-1 1 0,2 0 0,0 0 0,-1 0 0,3-1 0,-2 0 0,1 0 0,-3-1 0,0 2 0,2 0 0,-2 0 0,2 0 0,-2 1 0,1-1 0,0 1 0,0-1 0,1 0 0,-2 0 0,1 1 0,0-1 0,0 1 0,2-1 0,-3 1 0,2-2 0,-2 2 0,2 0 0,0 0 0,0-1 0,1-1 0,-1 1 0,1 0 0,-3-2 0,1 2 0,-1-1 0,3 0 0,-3 2 0,1-1 0,0 1 0,0 0 0,1-1 0,-2 1 0,2-1 0,-1 1 0,0-2 0,1 2 0,-2 0 0,3-1 0,-1 0 0,-1 0 0,-1 0 0,0 1 0,0 0 0,0 0 0,0-1 0,0 1 0,0 0 0,0 1 0,0-1 0,0 0 0,0-1 0,0 1 0,0 0 0,0-1 0,0 1 0,0 0 0,0-2 0,0 2 0,0-3 0,0 3 0,0-2 0,0 2 0,0 0 0,0 0 0,0-1 0,2 1 0,-2 0 0,2 0 0,-2 0 0,0 0 0,0 0 0,1 0 0,0 0 0,1 0 0,1-2 0,-2 3 0,0-1 0,-1 0 0,0 0 0,1 0 0,-1 1 0,3 0 0,-2 2 0,2-1 0,-3 0 0,1 0 0,0 1 0,0-1 0,2 0 0,-3 0 0,2 0 0,-2 0 0,2 1 0,0 0 0,-2-1 0,3 1 0,-2-1 0,0 1 0,1-1 0,-1 1 0,2-1 0,2 1 0,-3-1 0,0 2 0,-2-2 0,0 0 0,2 2 0,0-1 0,0 0 0,-1 0 0,-1-1 0,1 0 0,-1-1 0,2 1 0,-2 0 0,1 1 0,0-1 0,2 1 0,-3-1 0,2 1 0,-2-1 0,0 0 0,1 0 0,2 1 0,-1-1 0,-1 0 0,2 0 0,-3 0 0,3 0 0,-2 0 0,1 1 0,-2-1 0,4 0 0,-4 0 0,2-1 0,-2 2 0,0-1 0,0-1 0,0 1 0,0 0 0,0 0 0,0 0 0,0 0 0,0 0 0,0 0 0,1 0 0,-1-1 0,3 1 0,-3 1 0,2-1 0,-2-1 0,1 1 0,0 0 0,0 0 0,-1 0 0,0-1 0,0 2 0,0-1 0,0 0 0,1 0 0,-1 0 0,2 0 0,-1 0 0,0 0 0,1 0 0,-2 0 0,2 0 0,-2-1 0,0 2 0,0-1 0,0 0 0,0 0 0,0-1 0,0 1 0,0 0 0,0 0 0,0 0 0,0 0 0,0 0 0,-2 0 0,2-1 0,-1-1 0,1-1 0,1 0 0,0 0 0,1-2 0,0 3 0,1-4 0,-2 3 0,1-1 0,-2 1 0,2-1 0,-2 2 0,3-5 0,-2 5 0,-1-3 0,2 3 0,-2-1 0,2 1 0,-2 0 0,0 0 0,0 0 0,0 0 0,0 0 0,0 0 0,0 0 0,0 0 0,0 0 0,0 0 0,0 0 0,0 0 0,1-1 0,0 1 0,2-1 0,-3 1 0,5-4 0,-5 4 0,4-2 0,-2 1 0,1 0 0,-2 1 0,-1 0 0,0 0 0,1-2 0,-1 2 0,2-2 0,-1 2 0,1-1 0,0 1 0,2-1 0,-3 1 0,3-2 0,-2 1 0,0-1 0,2 0 0,-3 2 0,1 0 0,0 0 0,1-1 0,-2 1 0,2-1 0,-2 1 0,2 0 0,-3-1 0,3-1 0,-2 1 0,1-1 0,-2 1 0,2 0 0,-2 1 0,0-1 0,2 1 0,-2 0 0,2 1 0,-2-1 0,0 0 0,0 0 0,0 0 0,0 0 0,0 0 0,0 1 0,0-2 0,0 1 0,0 0 0,0 0 0,0 1 0,0-2 0,0 1 0,0 0 0,0 0 0,0-1 0,0 1 0,0 0 0,0 0 0,0 0 0,0-1 0,0 1 0,0 0 0,0 0 0,0-3 0,0 2 0,0-3 0,0 4 0,0-2 0,0 2 0,0 0 0,0-1 0,2 1 0,-2-1 0,1 0 0,-1 1 0,0 0 0,0 0 0,0-1 0,2 1 0,-2 0 0,2 0 0,-2 0 0,1-1 0,-1 1 0,2-1 0,-2 1 0,2-2 0,-2 2 0,2-1 0,-2 1 0,0 0 0,0 0 0,0 0 0,2 0 0,-2 0 0,1-1 0,1 1 0,-2 0 0,2-1 0,-2 1 0,0 1 0,0-1 0,0 0 0,0 1 0,0 0 0,0 2 0,0 0 0,0-1 0,0 0 0,-2 1 0,2-1 0,-2 1 0,2-1 0,0 2 0,0-2 0,0 2 0,0-2 0,0 1 0,0-1 0,0 1 0,0-1 0,0 0 0,0 0 0,0 1 0,0-2 0,0 1 0,0 1 0,0-1 0,0-1 0,0 2 0,0-1 0,0 2 0,0-2 0,0 3 0,0-3 0,0 2 0,0-2 0,0 1 0,3 0 0,-3 0 0,2 0 0,-2-1 0,0 0 0,0-1 0,0 2 0,0-1 0,0 1 0,0-1 0,0 1 0,0-1 0,0 0 0,0 0 0,0 0 0,0 0 0,0 1 0,0 1 0,0 0 0,0-1 0,0-1 0,0 1 0,0-1 0,0 0 0,0 0 0,0 1 0,0-1 0,0 0 0,0 1 0,0-1 0,0 2 0,0-1 0,2 1 0,-2 0 0,3-1 0,-3 0 0,1 1 0,-1-2 0,1 3 0,-1-3 0,0 2 0,0-2 0,0 1 0,0-1 0,0 1 0,0-1 0,2 1 0,-2-1 0,2 2 0,-2-2 0,1 1 0,0 0 0,-1 0 0,3 0 0,-3 1 0,2-1 0,-2 0 0,0-1 0,2 1 0,-2-1 0,2 2 0,-2-2 0,0 1 0,0-1 0,1 0 0,0 0 0,-1 0 0,0 0 0,0 1 0,2-1 0,-2 2 0,2-2 0,-1 0 0,-1-1 0,2 2 0,-2-1 0,0-1 0,0 2 0,1-1 0,-1 0 0,2 1 0,0-1 0,-2 0 0,2 0 0,-2 0 0,0 0 0,0 0 0,0-1 0,0 2 0,0-1 0,0 0 0,1-1 0,0 2 0,-1-1 0,0 0 0,0 0 0,0 0 0,0 0 0,2 1 0,-2 0 0,2-1 0,-2 0 0,1 0 0,-1 1 0,2-1 0,-2 0 0,1 0 0,-1 0 0,3 0 0,-2 1 0,0-1 0,-1 0 0,1 0 0,-1 0 0,2 1 0,-2-1 0,1 1 0,0-1 0,0 1 0,-1-1 0,2 0 0,-2 0 0,1 1 0,-1-1 0,0-1 0,1 1 0,0 1 0,0-1 0,1 0 0,-2 0 0,2 0 0,-2 0 0,0-1 0,0 1 0,0 1 0,0-1 0,0 0 0,0 0 0,0 0 0,1 0 0,-1 0 0,1 1 0,-1-1 0,0 0 0,0-1 0,2 2 0,-2-1 0,2 0 0,0 0 0,-2 0 0,2 0 0,-2 0 0,0-1 0,0 2 0,0-1 0,0 0 0,0 0 0,0 0 0,1 0 0,0 0 0,-1 0 0,0 1 0,0-1 0,0-1 0,0 2 0,0-1 0,0 0 0,0 0 0,0-1 0,0 1 0,2 0 0,-2-1 0,0-2 0,0 1 0,0-3 0,1 2 0,1-1 0,-2 2 0,0-2 0,2 0 0,1 1 0,3-3 0,-4 2 0,4-3 0,-5 3 0,4-2 0,-5 4 0,1-4 0,0 4 0,1-4 0,-2 4 0,0 0 0,0 0 0,0-1 0,2 0 0,-2 1 0,1-1 0,1 1 0,-2-1 0,3 0 0,-1 1 0,0-1 0,2-2 0,-1 3 0,-1-2 0,-2 2 0,0-1 0,0 0 0,0 0 0,0 0 0,0 0 0,0 1 0,0 0 0,0-1 0,2 1 0,-2-1 0,2 0 0,0 0 0,-2 1 0,2-1 0,-2 0 0,2-1 0,0 0 0,0 1 0,0 0 0,-2 0 0,0 0 0,0 0 0,1 1 0,0-3 0,-1 3 0,0-3 0,0 3 0,0-2 0,0 2 0,0 0 0,0 0 0,0 0 0,0-1 0,0 1 0,0 0 0,0 0 0,0 0 0,0 0 0,0 0 0,0 0 0,0-1 0,0 1 0,0 0 0,0 0 0,0-1 0,0 1 0,0 0 0,0-1 0,0 1 0,0 0 0,0-1 0,0 1 0,0-2 0,0 2 0,0-3 0,0 3 0,0-1 0,2 1 0,-2 0 0,2 0 0,-2-1 0,0 1 0,1-1 0,-1 1 0,2-1 0,-2 0 0,0 1 0,0-1 0,0 1 0,0 0 0,1 0 0,-1-1 0,2 1 0,-2 0 0,1 0 0,0 0 0,0 0 0,-1 0 0,0 1 0,0 0 0,0 1 0,0 1 0,1-1 0,-1 0 0,2 0 0,-2 0 0,2 2 0,-1-1 0,1 2 0,-2-3 0,2 2 0,-2-2 0,1 3 0,-1-3 0,1 2 0,-1-2 0,2 2 0,-2-2 0,0 2 0,0-2 0,0 2 0,0-2 0,0 2 0,0-2 0,0 1 0,2-1 0,-1 1 0,1-1 0,1 0 0,-3 0 0,2 0 0,-2 0 0,2 2 0,-2-2 0,4 3 0,-3-3 0,3 3 0,-4-3 0,4 2 0,-4-2 0,2 1 0,-1-1 0,2 0 0,-3 0 0,2 0 0,-2 0 0,0 0 0,0 0 0,0 0 0,0 0 0,0 1 0,0-1 0,0 1 0,0 0 0,2 1 0,-2-1 0,2 0 0,-2-1 0,0 2 0,3-1 0,-2 0 0,2 0 0,-3 0 0,0-1 0,0 0 0,1 1 0,-1-1 0,2 1 0,-2-1 0,0 1 0,1-1 0,0-1 0,0 2 0,-1-1 0,0 0 0,0 0 0,0 0 0,0 0 0,0 0 0,0 0 0,1 0 0,-1 0 0,2 0 0,-2-1 0,0-1 0,0 0 0,0 0 0,1 0 0,0-1 0,3-1 0,-3 2 0,3-3 0,-3 3 0,1-3 0,0 2 0,3-4 0,-5 4 0,2-3 0,-1 3 0,0 1 0,0-1 0,1 0 0,-2 0 0,2-1 0,0 2 0,0-2 0,0 2 0,0-2 0,-1 1 0,-1 0 0,0 0 0,0 1 0,0 0 0,0 0 0,0 0 0,0-1 0,0 1 0,0-1 0,0 0 0,0 0 0,0 1 0,0 0 0,0 0 0,0 0 0,0-1 0,0 1 0,0-2 0,0 2 0,0-1 0,0 1 0,1-1 0,-1 1 0,2-1 0,-2 2 0,1-2 0,0 0 0,2-1 0,-3 2 0,5-3 0,-5 2 0,4-1 0,-3 1 0,1-2 0,-2 3 0,2-1 0,-2 0 0,1 1 0,-1-1 0,2 1 0,-2 0 0,1 1 0,-1-1 0,2 0 0,-2 0 0,2 0 0,-2 0 0,1 0 0,0-1 0,-1 1 0,2 0 0,0 0 0,1 0 0,-1 1 0,0-1 0,-1 0 0,2 0 0,-1 0 0,-1 0 0,2 0 0,-1 0 0,0 0 0,-2 1 0,0 1 0,0 1 0,0 0 0,2 1 0,0-2 0,0 2 0,-1-1 0,-1 1 0,0-2 0,1 2 0,-1-1 0,2 4 0,-2-4 0,2 2 0,-2-3 0,3 0 0,-3 1 0,3 0 0,-3-2 0,3 2 0,-2-1 0,1 0 0,0 0 0,1 2 0,-1-2 0,0 2 0,-2-1 0,0 0 0,0-1 0,0 1 0,0-1 0,0 1 0,0 0 0,2 0 0,0 0 0,2 1 0,-4-1 0,4 2 0,-3-2 0,1 1 0,-2-2 0,1 4 0,0-4 0,4 2 0,-5-1 0,1 1 0,-1-2 0,0 2 0,0-2 0,0 1 0,0 0 0,0-2 0,0 1 0,0 1 0,0-1 0,0 2 0,2-1 0,-2-1 0,2 0 0,-2 3 0,0-3 0,0 3 0,0-1 0,0 0 0,0-2 0,0 3 0,0-3 0,0 1 0,0-1 0,0 2 0,0-2 0,0 4 0,0-4 0,0 3 0,0-3 0,0 1 0,0-1 0,0 0 0,0 0 0,0 1 0,0-1 0,0 1 0,0-1 0,0 1 0,0-2 0,0 1 0,0-2 0,0 0 0,0-1 0,2 1 0,-2 0 0,2-3 0,-2 3 0,0-2 0,0 1 0,2 1 0,-2-2 0,4-1 0,-3 1 0,2-2 0,-3 2 0,1-2 0,0 1 0,0 2 0,-1-1 0,0 2 0,0-1 0,0-2 0,0 3 0,0-3 0,0 2 0,0 0 0,0 1 0,0-1 0,0-1 0,0 2 0,0-1 0,2-1 0,-2 2 0,1-2 0,-1 2 0,0-2 0,0 2 0,2-3 0,-1 3 0,3-3 0,-4 3 0,7-3 0,-7 3 0,5-2 0,-5 3 0,0-2 0,1 0 0,0 0 0,0-1 0,-1 2 0,0-1 0,0 0 0,1 1 0,1-1 0,1 0 0,1 1 0,-3-1 0,2 0 0,-1 1 0,0 0 0,0 0 0,-2 1 0,3-1 0,-2 0 0,1 0 0,0 0 0,-1 1 0,1-2 0,0 1 0,1 1 0,-3-1 0,2 0 0,-1 0 0,-1 1 0,3-1 0,-1 0 0,1 0 0,-1-1 0,0 2 0,-1-1 0,2 0 0,-3 0 0,3 0 0,-2 0 0,-1 1 0</inkml:trace>
+</inkml:ink>
+</file>
+
+<file path=ppt/ink/ink6.xml><?xml version="1.0" encoding="utf-8"?>
+<inkml:ink xmlns:inkml="http://www.w3.org/2003/InkML">
+  <inkml:definitions>
+    <inkml:context xml:id="ctx0">
+      <inkml:inkSource xml:id="inkSrc0">
+        <inkml:traceFormat>
+          <inkml:channel name="X" type="integer" min="-2.14748E9" max="2.14748E9" units="cm"/>
+          <inkml:channel name="Y" type="integer" min="-2.14748E9" max="2.14748E9" units="cm"/>
+          <inkml:channel name="F" type="integer" max="32767" units="dev"/>
+        </inkml:traceFormat>
+        <inkml:channelProperties>
+          <inkml:channelProperty channel="X" name="resolution" value="1000" units="1/cm"/>
+          <inkml:channelProperty channel="Y" name="resolution" value="1000" units="1/cm"/>
+          <inkml:channelProperty channel="F" name="resolution" value="0" units="1/dev"/>
+        </inkml:channelProperties>
+      </inkml:inkSource>
+      <inkml:timestamp xml:id="ts0" timeString="2023-03-28T00:28:52.286"/>
+    </inkml:context>
+    <inkml:brush xml:id="br0">
+      <inkml:brushProperty name="width" value="0.02646" units="cm"/>
+      <inkml:brushProperty name="height" value="0.02646" units="cm"/>
+      <inkml:brushProperty name="color" value="#4472C5"/>
+    </inkml:brush>
+  </inkml:definitions>
+  <inkml:trace contextRef="#ctx0" brushRef="#br0">6 206 24575,'0'-1'0,"-2"-1"0,1 1 0,-2-2 0,3 2 0,0-1 0,0 1 0,0-2 0,0 1 0,0 0 0,0 1 0,2-1 0,0 0 0,-1 0 0,0 0 0,-1 0 0,0 1 0,2 0 0,-2-1 0,2 1 0,-2 0 0,0-1 0,0 1 0,0-1 0,0 1 0,0 0 0,1 0 0,-1 0 0,3 0 0,-2-1 0,0 1 0,-1 0 0,0-1 0,2 1 0,-2 0 0,2-1 0,-2 1 0,0 0 0,1 0 0,0 0 0,1 0 0,-2-1 0,3 0 0,-3 1 0,1 0 0,1 0 0,-2 0 0,4 0 0,-4 0 0,4-1 0,-3 0 0,3 1 0,-3 0 0,1 0 0,-2 0 0,6-2 0,-5 1 0,5-1 0,-6 1 0,3 0 0,-3 0 0,2 1 0,0-2 0,0 1 0,0 0 0,2-1 0,-4 0 0,2 0 0,0 1 0,2-2 0,1 2 0,-1-1 0,-4 1 0,0 1 0,3-2 0,-3 1 0,2-1 0,-2 2 0,2-2 0,2 1 0,-1-1 0,2 0 0,-4 2 0,2-1 0,-3 0 0,3-1 0,-1 1 0,3-2 0,-1 1 0,-1 0 0,-1 1 0,0 0 0,-1 0 0,0-1 0,1 2 0,-2 0 0,1-1 0,1 1 0,-2 0 0,3 0 0,-2 1 0,2-1 0,-3 0 0,2 0 0,-1-1 0,2 1 0,-3 1 0,3-1 0,-3-1 0,3 1 0,-1 0 0,2 0 0,-2 1 0,0-1 0,-2 1 0,1 1 0,-1 1 0,0-1 0,0 1 0,0-1 0,0 0 0,0 1 0,0-1 0,0 1 0,0-1 0,0 2 0,0-1 0,0 0 0,0 0 0,0-2 0,0 2 0,0-1 0,0 0 0,0 0 0,0 0 0,0 0 0,0 0 0,0 0 0,0 0 0,0 0 0,0 0 0,0 0 0,0 0 0,0 1 0,0 0 0,0 0 0,0-1 0,0 1 0,0-1 0,0 0 0,0 1 0,0-1 0,0 1 0,0 0 0,0-1 0,0 0 0,0 2 0,0-1 0,0 2 0,0-3 0,0 0 0,0 1 0,0-1 0,0 0 0,0 1 0,0-1 0,0 0 0,0 0 0,0 0 0,0 1 0,0-1 0,0 1 0,0 0 0,0 0 0,0 0 0,0 1 0,0 0 0,0-1 0,0 2 0,0-2 0,0 4 0,0 0 0,0 2 0,0-2 0,1-3 0,0-1 0,2 1 0,-3-2 0,2 1 0,-2-1 0,0 2 0,0-1 0,0 0 0,0 0 0,0-1 0,0 0 0,0 1 0,2-1 0,-2 1 0,1-1 0,-1 2 0,0-1 0,0-1 0,1 1 0,0 0 0,0-1 0,-1 1 0,0-1 0,0 0 0,0 0 0,0 0 0,0 0 0,0 0 0,0 0 0,0 0 0,0 0 0,2 1 0,-2-1 0,2-1 0,-2 2 0,0-1 0,0 0 0,0 0 0,0 0 0,0 0 0,0 0 0,0 0 0,0 0 0,0 0 0,0 0 0,0 0 0,0 0 0,0 0 0,0 1 0,0-1 0,1 0 0,0 0 0,1 0 0,0 0 0,-2 0 0,0 0 0,1 0 0,0 1 0,1-1 0,2 0 0,-4 0 0,1 0 0,0 0 0,0 0 0,0 0 0,1 0 0,-2 0 0,2 0 0,-2 0 0,0-1 0,0-1 0,1-1 0,0 0 0,1 0 0,1 0 0,-1 1 0,0-1 0,1 1 0,-1-1 0,3-2 0,1-1 0,0 2 0,0-1 0,-4 3 0,4-3 0,-6 2 0,7-2 0,-6 1 0,2 1 0,2 0 0,0-3 0,1 3 0,1-4 0,-6 5 0,3-2 0,-3 2 0,4-2 0,-5 2 0,2-1 0,-1 1 0,2-2 0,-1 1 0,-1 0 0,1 0 0,-1 1 0,0 0 0,0 0 0,-1 0 0,1 0 0,1 0 0,0 0 0,-1 0 0,1-1 0,-2 1 0,2 0 0,-2-1 0,1 1 0,0 0 0,1-1 0,-2 1 0,2 0 0,-2 0 0,0-1 0,0 1 0,0 0 0,0 0 0,0 0 0,0 0 0,0 0 0,0 0 0,0 0 0,0 0 0,0 0 0,0-1 0,0 1 0,0 0 0,0 0 0,0 0 0,2-1 0,-2 1 0,1 0 0,-1 1 0,0 1 0,0 0 0,0 0 0,0 0 0,0 1 0,0-1 0,0 1 0,0-1 0,0 2 0,0-1 0,1 1 0,0-2 0,2 3 0,-1-3 0,0 3 0,-2-2 0,4 1 0,-4-1 0,2 1 0,0-2 0,-2 0 0,4 1 0,-4 1 0,2 0 0,-2 1 0,0-3 0,0 2 0,0-2 0,0 2 0,0-2 0,1 1 0,0 0 0,-1 0 0,0 0 0,0 1 0,0-1 0,2 1 0,-2-2 0,2 0 0,-2 1 0,1 0 0,-1-1 0,3 0 0,-3 0 0,4 1 0,-3-2 0,1 2 0,-1-1 0,-1 0 0,0 0 0,0 0 0,0 0 0,2 1 0,-2-1 0,3 1 0,-3 0 0,1-1 0,-1 0 0,0 0 0,0 0 0,2 1 0,-2-1 0,3 1 0,-2-1 0,-1 0 0,0 0 0,0 0 0,2 0 0,-2 1 0,2 0 0,-2 2 0,0-2 0,2 1 0,-2-2 0,2 1 0,-1-1 0,-1 1 0,2-2 0,-2 2 0,0-1 0,0 0 0,1 1 0,-1-1 0,3-1 0,-2 1 0,-1 0 0,0-1 0,2-1 0,0 0 0,0-1 0,-1 1 0,-1 0 0,0 0 0,2 0 0,-2 0 0,1 0 0,-1 0 0,2 0 0,-2 0 0,3 0 0,-2-1 0,1 1 0,-2 0 0,2 0 0,-2 0 0,0 0 0,1 0 0,1-1 0,0 1 0,1-1 0,-3 1 0,1-1 0,1 1 0,-2 0 0,2 1 0,-1-1 0,-1-1 0,3 1 0,-2 0 0,0 0 0,1 0 0,-2 0 0,2-1 0,-1 1 0,2 0 0,-3 0 0,3-1 0,-3 1 0,2 0 0,-1 0 0,0 0 0,0 0 0,1 0 0,-2-1 0,2 1 0,-2 0 0,1 0 0,0-1 0,1 2 0,-2-1 0,2-1 0,-1-1 0,1 0 0,1-1 0,-3 1 0,2 2 0,-2 0 0,1-2 0,0 2 0,0-2 0,-1 2 0,1-2 0,-1 2 0,2-1 0,-2 1 0,0-1 0,0 0 0,0 0 0,0 1 0,0-2 0,1 2 0,0-2 0,0 2 0,1-2 0,-2 2 0,1 0 0,-1-1 0,0 1 0,0-2 0,0 1 0,0-1 0,3 1 0,-2 1 0,3-2 0,-4 3 0,2-2 0,0-1 0,-1 1 0,2-1 0,0 1 0,-1 1 0,-1 0 0,1 0 0,-2 0 0,0 0 0,0-1 0,0 1 0,0-1 0,0 1 0,0-1 0,0 1 0,1-1 0,0 1 0,0-2 0,1 2 0,-2 0 0,2 0 0,-1 0 0,-1-1 0,1 1 0,1-2 0,0 2 0,0-1 0,0 1 0,-1 0 0,2 0 0,-3-1 0,2 1 0,-1 0 0,0 2 0,-1-1 0,0 1 0,0 1 0,0-1 0,0 0 0,0 0 0,0 1 0,0-1 0,0 0 0,0 2 0,4 2 0,-3-2 0,2 2 0,-3-4 0,0 0 0,0 1 0,0-1 0,0 2 0,0-2 0,0 1 0,0-1 0,0 1 0,0-1 0,0 1 0,0 0 0,0 0 0,0 0 0,1 0 0,1 0 0,-1 0 0,1-1 0,-1 0 0,0 0 0,0 0 0,1 1 0,-2 0 0,3 0 0,-3-1 0,3 2 0,-3-2 0,2 2 0,-1-2 0,-1 0 0,3 1 0,-2-1 0,2 1 0,-3-1 0,2 1 0,-2-1 0,2 1 0,0 1 0,-2-2 0,1 0 0,1 0 0,-2 0 0,2 1 0,-1-1 0,0 1 0,0 1 0,1 1 0,-2-2 0,2 0 0,-2-1 0,0 0 0,0 0 0,0 0 0,0 0 0,0 0 0,0 1 0,1-1 0,0 1 0,-1-1 0,0 1 0,0-1 0,0 1 0,2-1 0,-2 0 0,2 0 0,-2 1 0,0 0 0,0-1 0,0 1 0,0-1 0,0 1 0,0-1 0,0 1 0,0-1 0,0 0 0,0 1 0,0 0 0,0-1 0,0 0 0,0 1 0,0 0 0,0 0 0,0-1 0,0 0 0,0 0 0,0 0 0,0 1 0,0-1 0,0 0 0,0 0 0,0 0 0,1 1 0,-1-1 0,2 1 0,-2-1 0,0 1 0,0-1 0,1 0 0,-1 0 0,2 0 0,-2 0 0,2 0 0,-2 0 0,2 0 0,-2 0 0,0 0 0,0 0 0,0 0 0,2 0 0,-2 1 0,0-1 0,2 0 0,-2 0 0,2 0 0,-1 0 0,0 0 0,0 0 0,0 0 0,-1 0 0,2 0 0,-2 0 0,0 0 0,0 0 0,0 0 0,0-2 0,0-2 0,0 1 0,0 0 0,0 0 0,0 0 0,0 0 0,1-1 0,2 0 0,1-2 0,-1 1 0,0 0 0,-1 2 0,-2 0 0,1 0 0,-1 0 0,2-1 0,-1 0 0,-1 1 0,2-1 0,-1 1 0,0 1 0,0-1 0,-1 1 0,0 0 0,2-1 0,0 0 0,1-1 0,3 0 0,-4 1 0,2 0 0,-2 1 0,1-2 0,0 2 0,-1-1 0,1 0 0,-3 2 0,2-1 0,-1-1 0,0 1 0,-1-1 0,2 1 0,0-2 0,1 1 0,0 0 0,1 1 0,-2 0 0,0 0 0,0 0 0,1-1 0,-1 0 0,1 1 0,-2 0 0,2 0 0,-1 0 0,1 0 0,-1 0 0,1 0 0,-1 0 0,1 0 0,-1 0 0,0 0 0,2-1 0,-1 1 0,0 0 0,-1 0 0,0 0 0,-1 0 0,2 0 0,1-1 0,-3 1 0,5-1 0,-6 0 0,6-1 0,-3 2 0,1-1 0,-2 1 0,-1 0 0,-1 0 0,0 2 0,0 1 0,0 0 0,0 0 0,0-1 0,0 3 0,0-2 0,0 2 0,2-1 0,-2 1 0,3-1 0,-3 0 0,0-2 0,0 2 0,0-1 0,0 1 0,0-1 0,0 1 0,0 0 0,0-1 0,0 1 0,0 0 0,0-1 0,0 2 0,0-2 0,1 4 0,1-4 0,-1 1 0,1-2 0,-2 0 0,0 0 0,0 1 0,0-1 0,2 2 0,-2-2 0,2 1 0,-2-1 0,1 1 0,-1 0 0,1 0 0,-1-1 0,0 2 0,0-2 0,0 1 0,0-1 0,0 1 0,0-1 0,0 0 0,0 0 0,0 0 0,0 1 0,0-2 0,2 2 0,-2 0 0,2-1 0,-2 1 0,0-1 0,0 0 0,0 0 0,0 1 0,0-1 0,0 2 0,0-2 0,0 1 0,0-1 0,0 0 0,0 1 0,0-1 0,0 0 0,0 1 0,0-1 0,0 1 0,0-1 0,0 0 0,0 0 0,0 1 0,0-1 0,0 0 0,0 0 0,0 1 0,0-1 0,0 0 0,0 0 0,0-1 0,0 0 0,0-1 0,2-3 0,-2 2 0,9-5 0,-6 3 0,4-1 0,-2 1 0,1-5 0,10-7 0,-7 6 0,0 0 0,0 2 0,-5 0 0,13-9 0,-12 9 0,8-5 0,-13 10 0,2-1 0,-2 2 0,3-2 0,-2 3 0,3-4 0,-4 3 0,1 0 0,-1 1 0,2-2 0,-2 2 0,4-2 0,-3 1 0,0 0 0,-1 1 0,0 0 0,2-2 0,-2 3 0,2-2 0,-2 0 0,0 1 0,2-1 0,0 1 0,2-1 0,-4 0 0,3 1 0,-3 0 0,3-2 0,-3 2 0,3-2 0,-1 2 0,-1-1 0,2 1 0,-1-2 0,0 2 0,-1-1 0,-1 0 0,0 2 0,0-2 0,0 0 0,0 1 0,0 0 0,0-1 0,0 1 0,0 0 0,0-1 0,0 1 0,0 0 0,0 0 0,0 0 0,0 0 0,2 0 0,0 0 0,0 0 0,-1 0 0,-1-1 0,2 1 0,-2 0 0,1 0 0,-1 0 0,0 0 0,0 0 0,0 0 0,1 0 0,1 0 0,0 0 0,-1 0 0,-1 0 0,0-2 0,2 2 0,-2-1 0,2 1 0,-2 0 0,1-1 0,-1 1 0,2 1 0,-2 1 0,0 0 0,0 1 0,1-1 0,-1 1 0,2-1 0,-2 0 0,0 1 0,0-1 0,0 0 0,1 0 0,0 1 0,0 0 0,-1 0 0,0 1 0,0-1 0,0 0 0,0-1 0,0 3 0,0-2 0,0 1 0,0-1 0,0-1 0,0 2 0,0-1 0,0 0 0,0 0 0,0 0 0,0-1 0,0 2 0,0-1 0,0 3 0,0-2 0,0-1 0,0 1 0,0-2 0,0 1 0,0 0 0,0 0 0,0 0 0,0 0 0,0 0 0,0 1 0,0-2 0,0 3 0,0-2 0,0 1 0,0-1 0,0 0 0,0 0 0,0 0 0,0 1 0,0-1 0,0-1 0,0 1 0,0-1 0,0 2 0,0-2 0,0 6 0,0-5 0,0 4 0,0-4 0,0-1 0,0 1 0,0 0 0,0-1 0,0 2 0,0-2 0,0 2 0,0-1 0,0 1 0,0-2 0,0 2 0,0-2 0,0 2 0,0-1 0,0 1 0,0-2 0,0 1 0,0-1 0,0 0 0,0 1 0,0 1 0,0-1 0,0 1 0,0-2 0,0 1 0,2-1 0,-2 1 0,1-1 0,-1 0 0,1 1 0,0-1 0,0 0 0,-1 1 0,4-1 0,-4 1 0,3-1 0,-2 1 0,0-1 0,2 0 0,-3 0 0,1 0 0,-1 1 0,0-1 0,0 0 0,0 0 0,0 0 0,0 0 0,0 0 0,2 1 0,-1-1 0,1 2 0,1-3 0,-2 3 0,-1-1 0,0-2 0,0 2 0,0-1 0,0 0 0,0 0 0,2 0 0,-2 0 0,4 0 0,-4 0 0,1 0 0,-1 0 0,1 0 0,0 1 0,0-1 0,-1 0 0,2 0 0,-2 0 0,2 0 0,-2 1 0,0-1 0,0 0 0,0 0 0,0 0 0,0 0 0,1 1 0,0-2 0,-1 2 0,0-1 0,2 0 0,-2 0 0,2 0 0,-2 0 0,0 0 0,1 0 0,0 0 0,0 0 0,-1-1 0,0-1 0,0 0 0,2-4 0,1 2 0,0-2 0,0 1 0,2-4 0,5-7 0,-4 3 0,3-4 0,-6 10 0,0-1 0,-2 4 0,2-3 0,-3 4 0,4-3 0,-3 4 0,1-3 0,-2 3 0,2-3 0,-2 3 0,0-1 0,0 1 0,0-2 0,0 2 0,4-3 0,-4 3 0,5-3 0,-4 2 0,1 1 0,-2 0 0,3-2 0,-2 2 0,2-2 0,-2 2 0,1-1 0,1 1 0,-3 0 0,2-1 0,-2 1 0,2 0 0,-1-2 0,2 1 0,-1 0 0,1 1 0,-2 0 0,1 0 0,1-2 0,-2 2 0,3-1 0,-2 0 0,1-1 0,0 2 0,-1-1 0,0 1 0,0-1 0,-2 1 0,5 0 0,-5-1 0,3 1 0,-1 0 0,0-1 0,0 1 0,0 0 0,0-2 0,1 2 0,-1-1 0,1 1 0,-3 0 0,3 0 0,-2 0 0,0-1 0,0 2 0,-1 0 0,2 1 0,-2 1 0,0-1 0,0 3 0,0-3 0,0 5 0,0-3 0,0 1 0,0 0 0,0-1 0,0-1 0,0 1 0,0-1 0,0 1 0,0 0 0,0-1 0,0 1 0,0 0 0,0-1 0,0 1 0,0-1 0,0-1 0,0 1 0,0-1 0,0 1 0,0 1 0,0-2 0,0 1 0,0-1 0,0 2 0,0-2 0,0 1 0,0-1 0,0 1 0,0 0 0,0 0 0,0 1 0,0-1 0,0 1 0,0-1 0,0-1 0,0 1 0,0-1 0,0 0 0,0 1 0,0 1 0,1-2 0,0 1 0,0 0 0,-1 0 0,0-1 0,0 1 0,0-1 0,0 0 0,0 0 0,0 1 0,0-1 0,0 0 0,0 0 0,0 1 0,0 0 0,0-1 0,0 1 0,0-1 0,0 0 0,0 1 0,0 0 0,0-1 0,0 3 0,0-3 0,0 1 0,0-1 0,0 0 0,0 0 0,2 0 0,-2 0 0,1 2 0,-1-2 0,0 2 0,0-2 0,0 0 0,0 1 0,0-1 0,0 0 0,0 1 0,0-1 0,0 0 0,0 0 0,0 0 0,0 0 0,0 0 0,0-1 0,1 0 0,0-2 0,0 0 0,-1-1 0,0 1 0,3-7 0,0 2 0,7-9 0,-2 5 0,3-3 0,-3 4 0,7-6-2184,-4 2 2184,3-1 0,-10 7-6061,2 0 6061,-5 6 0,7-7 0,-7 7 0,3-4 0,-3 3 0,1-2 0,1 1 1461,-2 2-1461,-1 0 6784,0-1-6784,0 2 0,0-3 0,0 2 0,2-1 0,-2 0 0,1 0 0,-1 2 0,0-1 0,0 1 0,0-2 0,2 0 0,-1 0 0,1 1 0,0 0 0,-2 1 0,2-2 0,0 2 0,1-1 0,-1 1 0,0-1 0,-2 1 0,1 0 0,1 0 0,0 0 0,0 0 0,-2 0 0,1-1 0,3 0 0,-3 0 0,3 0 0,-4 1 0,4-1 0,-4 1 0,2 0 0,0 0 0,0 0 0,0 0 0,-1-1 0,0 1 0,0 0 0,-1 0 0,1 0 0,1 1 0,0 0 0,-2 0 0,0 1 0,0 0 0,0 0 0,0 0 0,0 1 0,0 0 0,0-1 0,0 1 0,0-1 0,2 4 0,-2-4 0,2 5 0,-2-4 0,0 1 0,0 0 0,0 1 0,0-1 0,0 1 0,0-2 0,0 1 0,0-1 0,0 2 0,0-3 0,0 2 0,0-1 0,0 0 0,0 1 0,0-1 0,0 1 0,0 0 0,0 0 0,0-1 0,0-1 0,0 2 0,0-2 0,2 2 0,-2-1 0,2 0 0,-2 0 0,0 1 0,0-2 0,0 3 0,0-3 0,0 1 0,0 0 0,0 0 0,0 0 0,0 2 0,0-3 0,0 2 0,0-1 0,0 0 0,0 0 0,0-1 0,0 0 0,0 2 0,0-2 0,0 3 0,0-3 0,0 2 0,0-2 0,0 1 0,0 0 0,0 0 0,0-1 0,0 2 0,0-3 0,0 3 0,0-2 0,0 1 0,0 0 0,0-1 0,0 1 0,1 1 0,1-1 0,-1 2 0,-1-3 0,0 2 0,0-2 0,0 2 0,0-1 0,0 0 0,0 0 0,0 1 0,0-2 0,0 1 0,0-1 0,0 0 0,0 2 0,0-1 0,0 1 0,0 0 0,0-2 0,1 1 0,1-1 0,0 1 0,-1 0 0,1 0 0,-2 0 0,3 0 0,-2 0 0,0 0 0,1-1 0,-2 1 0,1-1 0,0 1 0,1-1 0,0 1 0,0-1 0,-2 0 0,0 1 0,0 0 0,0-1 0,0 1 0,0-1 0,0 0 0,0 1 0,0 0 0,0-1 0,0 1 0,1 0 0,0-1 0,-1 0 0,0 0 0,2 1 0,-2-1 0,2 1 0,0-1 0,-2 0 0,1 0 0,-1 0 0,0 0 0,0 0 0,0 1 0,0-1 0,1 0 0,0 0 0,0-1 0,-1 1 0,0 0 0,0 1 0,2-1 0,-2 0 0,1 0 0,-1 0 0,0 0 0,0 0 0,0-1 0,0-1 0,0-1 0,1-1 0,0 1 0,0 1 0,1-1 0,-2 1 0,4-3 0,-2 1 0,3-3 0,-3 2 0,3-2 0,-5 4 0,6-4 0,-5 5 0,2-5 0,-2 4 0,0-1 0,0 1 0,-1 0 0,0 0 0,0 0 0,2 1 0,1-2 0,-2 1 0,3-2 0,-3 2 0,4-2 0,-4 2 0,2-1 0,1 1 0,-1-1 0,-2 0 0,3 1 0,-2 0 0,1-1 0,0 1 0,0-1 0,-2 1 0,4 0 0,-5 0 0,3-1 0,-1 3 0,-2-2 0,3 0 0,-2 1 0,1-2 0,0 0 0,0 2 0,-1-1 0,-1 0 0,2 1 0,-2-1 0,2 2 0,-1-1 0,-1 0 0,2 0 0,-2-1 0,1 1 0,0 0 0,0 0 0,1 0 0,-2-1 0,2 1 0,-1 0 0,0-1 0,-1 1 0,2 0 0,-2 0 0,2-1 0,-2 1 0,1 0 0,-1-1 0,1 0 0,-1 1 0,0 0 0,0-1 0,0 1 0,0 0 0,2-1 0,-1 1 0,1-1 0,1 0 0,-2 0 0,0-1 0,1 0 0,0 1 0,-1 0 0,0 0 0,-1 1 0,2 0 0,0-1 0,0 1 0,-2-2 0,0 2 0,2-1 0,-2 1 0,2 0 0,-2 0 0,2 0 0,-2 0 0,2 1 0,-2 1 0,0 0 0,0 0 0,0 1 0,1-1 0,0 1 0,1 0 0,1 1 0,-2-1 0,-1 2 0,0-3 0,2 2 0,-2-2 0,2 3 0,-2-2 0,0 4 0,0-4 0,0 2 0,0-3 0,0 2 0,0-1 0,0-1 0,2 1 0,-2 0 0,2 0 0,-2 1 0,0-2 0,0 3 0,0-3 0,0 2 0,2-1 0,2-1 0,-2 1 0,0-1 0,-2 1 0,2 0 0,-1-1 0,0 2 0,0-2 0,1 1 0,-2 0 0,1 0 0,-1-1 0,0 1 0,0-1 0,2 2 0,-2-2 0,2 2 0,-2-2 0,0 1 0,0 0 0,1-1 0,0 1 0,1 1 0,-1-1 0,1 0 0,1 0 0,-3 1 0,2-1 0,-2 2 0,2-1 0,0-1 0,2 3 0,-2-3 0,1 0 0,-1 1 0,-2-1 0,2 1 0,-2-2 0,1 1 0,0 1 0,0 0 0,0 1 0,-1-3 0,2 1 0,-2-1 0,0 0 0,0 0 0,0 0 0,0 0 0,2 0 0,-2 0 0,2 1 0,-2-1 0,0 0 0,0 0 0,0-3 0,0 1 0,0-4 0,1 2 0,1-3 0,3-1 0,4-10 0,-1 3 0,0 0-1678,0 2 1,-1 1 1677,2-4 0,-1 2 0,0 2 0,1-3 0,-5 6 0,3-3 0,-6 5 0,5 1 0,-2-6 0,1 5-5672,-2-4 5672,0 7 0,-3-1 0,0 3 2243,1-2-2243,2 0 0,0-1 0,0 1 6784,-3 1-6784,3 0 0,-2 1 0,2-5 0,-3 5 0,3-4 0,-3 3 0,0-2 0,0 2 0,0-1 0,0 1 0,0 0 0,0 0 0,0 0 0,0-1 0,0 1 0,0-2 0,0 2 0,1 1 0,0-1 0,0 1 0,-1 0 0,2 1 0,-1-1 0,2 1 0,-1-1 0,1 0 0,-2 0 0,3 1 0,-1-1 0,0-1 0,1 1 0,-2 0 0,0 1 0,-2 0 0,2 1 0,-2 0 0,0 0 0,0 1 0,0-1 0,0 2 0,2-1 0,-2 1 0,1 0 0,-1 0 0,0 0 0,0 0 0,0-1 0,0 0 0,0-1 0,0 3 0,0-3 0,0 1 0,0-1 0,0 1 0,0 0 0,0 1 0,0-1 0,0 1 0,0-2 0,0 1 0,0-1 0,0 0 0,0 0 0,0 1 0,0-1 0,0 1 0,0 0 0,0 1 0,0-2 0,0 2 0,0-2 0,0 1 0,0 0 0,0 0 0,0-1 0,0 2 0,0-1 0,0 2 0,0-3 0,0 3 0,0-2 0,0 1 0,0-1 0,0 2 0,0-2 0,0 2 0,0-2 0,0 1 0,0-2 0,0 1 0,0 0 0,0 1 0,0-1 0,0 1 0,0 0 0,0-1 0,0 1 0,0-1 0,0 1 0,0-2 0,2 2 0,-2-1 0,3 1 0,-2-1 0,-1 0 0,1-1 0,-1 0 0,0 0 0,2 1 0,-2 0 0,2-1 0,-2 1 0,1 0 0,0-1 0,0 1 0,-1-1 0,0 1 0,2 1 0,-2-1 0,3 0 0,-1 0 0,-1 1 0,2 1 0,-2-2 0,3 2 0,-4-2 0,2 0 0,-2-1 0,0 0 0,0 0 0,0 1 0,0-1 0,0 0 0,0 0 0,0 1 0,0-1 0,0-1 0,1 2 0,0-1 0,-1 1 0,0 0 0,0-1 0,0 0 0,0 1 0,0-1 0,0 0 0,0 0 0,0 0 0,0 0 0,0 0 0,0 0 0,2 1 0,-2 0 0,2 0 0,-2 0 0,1-1 0,0 0 0,-1 1 0,0-1 0,0 1 0,0 0 0,2 1 0,-2-2 0,2 1 0,-2 0 0,0-1 0,0 1 0,2-1 0,-2 1 0,1 0 0,-1-1 0,1 1 0,0 0 0,0 0 0,1 0 0,-2 1 0,2-1 0,-2-1 0,0 0 0,0 2 0,1-1 0,-1 0 0,1-1 0,1 0 0,-2 0 0,2 1 0,-2-1 0,2 0 0,0 0 0,-2 0 0,2 0 0,0 0 0,-2 0 0,3 0 0,-2 0 0,2 0 0,-3 0 0,1 0 0,-1 0 0,1 0 0,1 1 0,1 0 0,1 0 0,-3-1 0,0 0 0,-1-1 0,0-1 0,0-1 0,0-1 0,0 1 0,0-1 0,0 1 0,0 0 0,0-1 0,0 2 0,0-1 0,0 0 0,0 0 0,0 0 0,0-4 0,0 4 0,0-3 0,0 4 0,0-2 0,0 1 0,0 0 0,0 0 0,0 0 0,2 1 0,0-1 0,0 1 0,-1-2 0,-1 1 0,0-2 0,0 2 0,0-1 0,1 2 0,-1-1 0,2 0 0,-1-1 0,0 2 0,0-2 0,-1 1 0,0-1 0,3 0 0,-3 0 0,3 0 0,-3 1 0,0 1 0,0-2 0,1 1 0,0 0 0,1 0 0,0-2 0,-1 3 0,1-2 0,-2 2 0,1-2 0,-1 2 0,4-3 0,-3 3 0,4-2 0,-5 1 0,2 1 0,0-1 0,0 1 0,0-1 0,-2 1 0,0 0 0,2-2 0,0 2 0,0-1 0,0-1 0,-2 2 0,3-2 0,-1 2 0,-1 0 0,2 0 0,-1-1 0,-1 1 0,2-1 0,-2 1 0,1 0 0,0-1 0,0 1 0,0 0 0,0-1 0,0 1 0,0-1 0,1 0 0,-1 1 0,0 0 0,-1 0 0,-1 0 0,2 0 0,0 0 0,2 0 0,-1-1 0,0 1 0,-1-1 0,0 1 0,0 0 0,0 0 0,1 0 0,-1 0 0,0 0 0,0 0 0,0 0 0,1 1 0,-1 0 0,-1 1 0,1 3 0,-2-3 0,2 2 0,-2 0 0,0-2 0,0 2 0,0 1 0,0-2 0,0 3 0,0-4 0,1 1 0,-1 0 0,3 0 0,-2 0 0,1 1 0,-2-2 0,2 3 0,-2-2 0,0 1 0,0-2 0,0 1 0,0 0 0,0 1 0,0-1 0,0 0 0,0 0 0,0-1 0,0 1 0,0 0 0,0 0 0,0 0 0,0-1 0,0 2 0,0-2 0,0 0 0,0 1 0,0 0 0,0 0 0,0 2 0,0-3 0,0 2 0,0-3 0,0 4 0,0-2 0,0 0 0,0 0 0,0 0 0,0-1 0,-2 3 0,2-2 0,-1 1 0,1-2 0,0 2 0,0-2 0,0 1 0,0 0 0,0-1 0,0 1 0,0-1 0,0 1 0,0-1 0,0 0 0,0 1 0,0-1 0,0 0 0,0 0 0,0 1 0,0-1 0,0 1 0,0-1 0,0 0 0,0 0 0,0 0 0,0 0 0,0 0 0,0 0 0,0 1 0,0-2 0,0 0 0,1 0 0,-1-2 0,3 0 0,-2 0 0,3-1 0,-4 2 0,8-8 0,-4 3-520,6-6 520,-4 5 0,-1-1 0,2 1 0,-1-3 0,-1 4-33,3-5 33,-7 8 0,7-7 0,-5 6 0,0-1 0,-1 2 0,-2-1 0,1 1 0,0-4 0,2 3 520,-3-1-520,3 2 33,-3-1-33,0 3 0,0-1 0,0 1 0,0-2 0,0 1 0,0-1 0,0 2 0,0-1 0,0 1 0,0-2 0,1 2 0,-1-1 0,1 1 0,-1 0 0,0 0 0,2 0 0,-2 0 0,3 0 0,-1 0 0,-1-1 0,1 2 0,-2-1 0,0-1 0,2 1 0,-1 0 0,1 0 0,1 0 0,-3 0 0,2-1 0,-2 1 0,0-1 0,2 1 0,0-1 0,-2 0 0,3-1 0,-1 1 0,3 0 0,-3-1 0,2 1 0,-2 0 0,1 0 0,-2 1 0,3-2 0,-4 2 0,2-2 0,-2 1 0,4 1 0,-4 0 0,2-1 0,-1 1 0,0 0 0,0 0 0,-1 0 0,0 0 0,1-1 0,-1 1 0,2 0 0,-2 1 0,0 1 0,2 2 0,-1-2 0,0 2 0,-1-1 0,0 1 0,0-1 0,2 3 0,-1-2 0,1-1 0,-2 4 0,0-4 0,0 4 0,2-4 0,-2 3 0,2-4 0,-2 2 0,0-1 0,1 0 0,3 2 0,-2 1 0,1-2 0,-1 2 0,-2-3 0,0 2 0,0-2 0,0 0 0,0 0 0,0 0 0,0 1 0,0 0 0,0-1 0,0-1 0,0 0 0,0 1 0,0-1 0,0 2 0,0-2 0,0 0 0,0 1 0,0 0 0,0-1 0,0 1 0,0-1 0,0 2 0,0-2 0,0 1 0,0-1 0,0 1 0,0 0 0,0 1 0,0-2 0,0 1 0,0-1 0,0 2 0,0-2 0,0 1 0,0 0 0,0-1 0,0 1 0,0 0 0,0-1 0,0 2 0,0-1 0,0 2 0,0-2 0,0 1 0,1-1 0,1 1 0,-1-1 0,1 3 0,0-3 0,-2 2 0,2-2 0,-1 0 0,0 0 0,0 0 0,0 0 0,-1-1 0,3 1 0,-2 0 0,1-1 0,0 1 0,0 0 0,1 0 0,-1 0 0,-1 0 0,1-1 0,-1 0 0,0 0 0,0 1 0,-1-1 0,0 1 0,0-1 0,0 1 0,0 0 0,0-1 0,1 1 0,-1-1 0,2 1 0,-2-1 0,0 2 0,0-2 0,0 1 0,0-1 0,0 0 0,1 0 0,0 1 0,0-1 0,-1 0 0,0 0 0,0 2 0,2-2 0,-2 2 0,2-4 0,-2 1 0,0-1 0,0 0 0,0 0 0,0 0 0,1-1 0,-1 0 0,3-2 0,0 0 0,0-2 0,0 2 0,1-6 0,-4 7 0,6-6 0,-6 6 0,3-3 0,-1 5 0,-2-4 0,2 3 0,-2-3 0,0 3 0,0-2 0,0 2 0,0 0 0,0 1 0,1 0 0,0 0 0,-1 0 0,0-1 0,0 2 0,0-1 0,0-1 0,0 1 0,0 0 0,0 0 0,0 0 0,0 0 0,0 0 0,0 0 0,2 0 0,-2 0 0,2 0 0,-2-1 0,1 2 0,0-1 0,2 0 0,-2-1 0,2 1 0,-1-1 0,2 1 0,-3 0 0,1 0 0,2-1 0,-4 1 0,5 0 0,-2-1 0,0 1 0,1 0 0,-2-1 0,0 1 0,2 0 0,0 0 0,0 0 0,0 0 0,-2 0 0,1 1 0,-3-1 0,3 0 0,-1 0 0,0 0 0,0 0 0,1 0 0,-3 0 0,3 1 0,-1-2 0,2 1 0,-2 0 0,0 0 0,0 0 0,0 0 0,1-1 0,-2 1 0,3-1 0,-2 1 0,0-1 0,0 1 0,1 0 0,-1 0 0,0-1 0,-1 1 0,1 0 0,0 0 0,2-1 0,-2 0 0,-1 1 0,-1 0 0,0 1 0,0-1 0</inkml:trace>
+</inkml:ink>
+</file>
+
+<file path=ppt/ink/ink7.xml><?xml version="1.0" encoding="utf-8"?>
+<inkml:ink xmlns:inkml="http://www.w3.org/2003/InkML">
+  <inkml:definitions>
+    <inkml:context xml:id="ctx0">
+      <inkml:inkSource xml:id="inkSrc0">
+        <inkml:traceFormat>
+          <inkml:channel name="X" type="integer" min="-2.14748E9" max="2.14748E9" units="cm"/>
+          <inkml:channel name="Y" type="integer" min="-2.14748E9" max="2.14748E9" units="cm"/>
+          <inkml:channel name="F" type="integer" max="32767" units="dev"/>
+        </inkml:traceFormat>
+        <inkml:channelProperties>
+          <inkml:channelProperty channel="X" name="resolution" value="1000" units="1/cm"/>
+          <inkml:channelProperty channel="Y" name="resolution" value="1000" units="1/cm"/>
+          <inkml:channelProperty channel="F" name="resolution" value="0" units="1/dev"/>
+        </inkml:channelProperties>
+      </inkml:inkSource>
+      <inkml:timestamp xml:id="ts0" timeString="2023-03-28T00:28:52.287"/>
+    </inkml:context>
+    <inkml:brush xml:id="br0">
+      <inkml:brushProperty name="width" value="0.02646" units="cm"/>
+      <inkml:brushProperty name="height" value="0.02646" units="cm"/>
+      <inkml:brushProperty name="color" value="#FB6601"/>
+    </inkml:brush>
+  </inkml:definitions>
+  <inkml:trace contextRef="#ctx0" brushRef="#br0">0 126 24575,'0'-1'0,"0"0"0,0 0 0,2 0 0,-2 0 0,1-1 0,-1 1 0,1 0 0,1 0 0,-1 0 0,1 0 0,-2 0 0,1 1 0,0-1 0,0-1 0,0 2 0,2-1 0,-3 0 0,1 0 0,-1 0 0,0 0 0,0 0 0,2 0 0,-2 0 0,2 0 0,-2 0 0,0 0 0,0 0 0,0 0 0,1 0 0,-1 0 0,2-1 0,-1 2 0,0-1 0,-1-1 0,0 2 0,0-1 0,0 0 0,0 0 0,1 0 0,1-1 0,0 1 0,0-2 0,-2 2 0,3-1 0,-3 1 0,2-2 0,-1 2 0,0 0 0,-1-1 0,0 1 0,0 0 0,0-1 0,0 1 0,1-1 0,0 1 0,2-1 0,-3 1 0,3-1 0,-3 1 0,1 0 0,-1 0 0,0 0 0,0 0 0,0-1 0,0 1 0,0 0 0,1-1 0,-1 1 0,2 0 0,-2 0 0,0 0 0,0-1 0,0 1 0,0 1 0,1-1 0,-1 0 0,2-1 0,-2 0 0,0 1 0,0 0 0,0 0 0,1 0 0,0 0 0,1-2 0,-2 2 0,1 0 0,-1 0 0,0-1 0,0 2 0,2-2 0,-2 1 0,1-1 0,-1 1 0,0 0 0,0-1 0,0 1 0,0 0 0,0 0 0,2 0 0,0 1 0,-1 0 0,0 0 0,-2 1 0,0 1 0,-1 0 0,0-1 0,2 1 0,0 0 0,0 1 0,0-1 0,0 1 0,0-2 0,0 1 0,0 0 0,0 0 0,0 0 0,0 0 0,0 1 0,0-1 0,0 1 0,0-2 0,0 0 0,0 1 0,0-1 0,0 0 0,0 0 0,0 0 0,0 1 0,0-1 0,0 2 0,0-2 0,0 1 0,0-1 0,0 1 0,0-1 0,0 2 0,0-1 0,0 0 0,0-2 0,0 2 0,0-1 0,0 2 0,0-3 0,0 2 0,0 0 0,2 0 0,-2-1 0,2 2 0,-2-1 0,1 0 0,-1-1 0,1 1 0,-1-1 0,0 2 0,1-2 0,0 2 0,0-2 0,-1 1 0,0-1 0,1 1 0,0-1 0,0 2 0,1-2 0,-2 0 0,2 0 0,-2 0 0,2 0 0,-2 1 0,1-1 0,-1 2 0,3-2 0,-2 1 0,0-1 0,-1 0 0,0 0 0,0 1 0,0-1 0,0 1 0,0 0 0,1 0 0,-1 0 0,1 0 0,-1-1 0,0 0 0,0 0 0,0 2 0,2-2 0,-2 2 0,1-2 0,0 1 0,-1-1 0,1 0 0,-1 0 0,0 0 0,0 0 0,0 1 0,0-1 0,0 1 0,0-1 0,0 0 0,0 1 0,0-2 0,0 1 0,0 1 0,0-2 0,0 2 0,0 0 0,0 0 0,0-1 0,0 0 0,0 0 0,0-1 0,0 2 0,0-1 0,0-1 0,0 1 0,2 0 0,-2 0 0,3 0 0,-3 0 0,2 0 0,-1 0 0,0 0 0,0 0 0,-1 0 0,0 0 0,0 0 0,0 0 0,0 0 0,0 1 0,1-1 0,0 0 0,1 1 0,-2-1 0,3 0 0,-3 0 0,2 0 0,-2 0 0,0 0 0,0 0 0,0 1 0,0-1 0,0-1 0,0 1 0,2 1 0,-2-1 0,1 1 0,0 0 0,0-1 0,-1 0 0,0 1 0,0-2 0,0 1 0,0 1 0,0-2 0,0 1 0,0 0 0,0 0 0,0 0 0,0-1 0,0 0 0,0-2 0,1 1 0,0-1 0,0 1 0,-1 0 0,0 0 0,0-1 0,0 1 0,0-2 0,0 1 0,0 0 0,1 0 0,-1 1 0,2-2 0,-2 2 0,1-2 0,1 2 0,-1-1 0,1 1 0,-2 0 0,0 0 0,1 0 0,0 0 0,0-1 0,1 0 0,0 0 0,-1 1 0,0-1 0,-1 1 0,3 0 0,-3 0 0,2 0 0,-1-1 0,0 0 0,1 0 0,-1 1 0,1-1 0,-2 1 0,3-1 0,-3 1 0,1 0 0,-1 0 0,2-1 0,-2 0 0,1 0 0,0 1 0,-1-2 0,2 2 0,-1 0 0,1-1 0,1 1 0,-1-1 0,-2 1 0,0 0 0,0-1 0,2 2 0,-2-2 0,3 0 0,-3 1 0,2 0 0,-2-1 0,0 1 0,0-2 0,0 2 0,0 0 0,1 0 0,-1-1 0,2 0 0,-1 0 0,0 1 0,-1-1 0,0 1 0,0-1 0,2 1 0,-2 0 0,1 0 0,-1-1 0,1 1 0,-1 1 0,2 0 0,-2 2 0,0-1 0,0 0 0,0 1 0,1 0 0,1 0 0,1 2 0,-1-2 0,1 1 0,-3-2 0,3 2 0,-2-2 0,-1 2 0,0-2 0,0 1 0,0-2 0,2 3 0,-1-2 0,-1 1 0,0-1 0,0 0 0,0 0 0,0 0 0,2 0 0,-2 0 0,1 1 0,-1-1 0,0 1 0,0-1 0,0-1 0,0 1 0,0 0 0,0 0 0,0 0 0,0 0 0,0 0 0,0 0 0,0 0 0,0 0 0,0 0 0,0 0 0,0 0 0,-1-1 0,1 2 0,-2-1 0,2-1 0,0 1 0,0 0 0,0 0 0,0 0 0,0-1 0,0-2 0,0 1 0,0-2 0,0 2 0,0-1 0,0 0 0,0 0 0,2-1 0,-1 1 0,2-1 0,-1 0 0,0-2 0,0 1 0,-1 0 0,2 2 0,-3-1 0,4 0 0,-4 2 0,2-1 0,-2 0 0,0-2 0,0 2 0,0-1 0,0 2 0,1-2 0,-1 2 0,2-1 0,-1 1 0,2 0 0,-3 0 0,1-1 0,-1 0 0,3 0 0,-3 1 0,4-1 0,-4 1 0,2 0 0,-1-1 0,0 1 0,0 1 0,0-1 0,0 0 0,-1-1 0,0 1 0,0 0 0,0 0 0,0-1 0,0 1 0,0 0 0,0 0 0,0 0 0,0 1 0,0-2 0,0 1 0,0 0 0,2-1 0,-1 0 0,1 0 0,0 1 0,-2 0 0,0 0 0,0 0 0,0-1 0,0 1 0,0-1 0,0 1 0,0 0 0,1-1 0,-1 1 0,1 0 0,-1 0 0,0-1 0,1 1 0,0-2 0,1 2 0,-1-2 0,0 2 0,-1-1 0,0 1 0,0-1 0,0 2 0,2-2 0,-2 1 0,1-2 0,-1 2 0,0-1 0,1 1 0,1-1 0,-1 1 0,2-1 0,-3 1 0,1 0 0,-1 0 0,1-1 0,0 1 0,0 0 0,1 0 0,-2-1 0,1 1 0,0 0 0,-1 0 0,3 0 0,-3 0 0,0 0 0,0 0 0,2 1 0,-1-1 0,1-1 0,0 2 0,-1-1 0,-1 0 0,1 0 0,-1-1 0,1 2 0,-1 0 0,0 2 0,0 1 0,0-1 0,0 0 0,0 0 0,0 1 0,0 0 0,0 0 0,0 0 0,2-1 0,-2 0 0,1-1 0,-1 1 0,0 0 0,0 0 0,0 0 0,0-1 0,0 1 0,0-2 0,0 2 0,0-2 0,0 2 0,0 0 0,0 0 0,0-1 0,0 2 0,0-2 0,0 2 0,0-2 0,0 1 0,0-1 0,2 1 0,-2-1 0,2 1 0,-2-1 0,0 1 0,0 0 0,0 2 0,0-2 0,0 0 0,0-1 0,0 1 0,0 0 0,0 0 0,0-1 0,0 2 0,0-2 0,0 1 0,0-1 0,0 1 0,0-1 0,0 0 0,0 1 0,0 0 0,0-1 0,0 1 0,0-1 0,0 1 0,0 0 0,0 0 0,0-2 0,0 1 0,0 1 0,0-2 0,0 1 0,0 0 0,0 0 0,0 0 0,0 0 0,0 0 0,0 0 0,0 0 0,0 0 0,0 0 0,0 1 0,0-1 0,2 1 0,-2-2 0,0 2 0,0-1 0,0 0 0,0 0 0,1 1 0,0-1 0,0 2 0,-1-2 0,1 1 0,0-1 0,0 1 0,-1-1 0,0 1 0,0-1 0,0 0 0,0 0 0,0 2 0,0-2 0,0 2 0,0-1 0,0-1 0,0 1 0,0-1 0,0 0 0,0 0 0,0-1 0,0 3 0,0-2 0,0 0 0,1 0 0,-1 0 0,1 0 0,-1 0 0,0 0 0,0 0 0,0 0 0,0 0 0,0 0 0,0 0 0,0-1 0,0 2 0,0-1 0,0 0 0,0 0 0,0 0 0,0 0 0,0 0 0,0 0 0,0 0 0,0 0 0,0 0 0,0 0 0,0 0 0,0 0 0,0-1 0,0 2 0,0-2 0,-1 0 0,1-2 0,-1 1 0,1 0 0,0-1 0,0 1 0,2-2 0,3 0 0,-1 1 0,1-1 0,-4 1 0,1 1 0,-2-1 0,2 1 0,1-1 0,0 0 0,1 0 0,-2 0 0,1 1 0,-3 0 0,3 0 0,-2-1 0,0 1 0,1 0 0,-1 0 0,0 0 0,0-1 0,0 1 0,0 0 0,1-1 0,-2 2 0,3-2 0,-3 1 0,2 0 0,-1 0 0,-1 0 0,2 1 0,-1-1 0,1 0 0,-1-1 0,1 1 0,1 0 0,-1 0 0,2-1 0,-3 1 0,2-1 0,0 0 0,1 0 0,-1 1 0,0-1 0,-1 1 0,0 0 0,0 1 0,-1-1 0,1 0 0,0-1 0,-2 1 0,3 0 0,-2 0 0,1-1 0,0 2 0,0-2 0,0 1 0,1-1 0,-1 1 0,0-1 0,0 1 0,1-1 0,-3 1 0,3-1 0,-3 1 0,1 1 0,0-1 0,-1 0 0,2-1 0,-1 1 0,1 0 0,0 0 0,-2-1 0,0 2 0,0 1 0,0 1 0,0 0 0,2 1 0,-1-2 0,2 3 0,-2-2 0,1 2 0,-1-3 0,2 2 0,-3-2 0,2 2 0,-2-1 0,0 1 0,0-2 0,0 2 0,1-2 0,-1 1 0,1-1 0,0 0 0,0 0 0,0 1 0,-1-1 0,0 2 0,0-2 0,0 0 0,0 1 0,2-2 0,-2 1 0,1 0 0,-1 0 0,0 0 0,2 0 0,-2 0 0,2 1 0,-2-1 0,1 1 0,-1-1 0,2 0 0,-1 0 0,0 0 0,-1 0 0,0 0 0,1 0 0,0 0 0,0 0 0,-1 0 0,0 0 0,1 0 0,-1 1 0,1-1 0,-1 0 0,0 0 0,0 1 0,0-2 0,0 1 0,0 0 0,0 0 0,0 0 0,0 0 0,0 0 0,0 0 0,0 0 0,0-1 0,0 1 0,0-1 0,0-1 0,0-1 0,2-2 0,-1 1 0,1 0 0,-2-1 0,0 3 0,0-3 0,2 2 0,-2-3 0,2 1 0,0-1 0,0 2 0,2-3 0,-1 3 0,-1 0 0,-2 1 0,0 0 0,0 1 0,0-1 0,0 0 0,0 0 0,0 1 0,1-2 0,-1 2 0,3-1 0,-2 1 0,-1 0 0,0 1 0,0-1 0,1-1 0,0 1 0,2 0 0,-3 0 0,1 0 0,-1 0 0,0-1 0,0 2 0,0-2 0,0 1 0,0 0 0,0 0 0,0 0 0,0 1 0,0-2 0,0 1 0,0 0 0,0 0 0,2-1 0,-2 2 0,1-2 0,-1 1 0,0 0 0,0-1 0,1 0 0,-1 1 0,3-1 0,-2 1 0,1-1 0,-1 1 0,-1 0 0,0 0 0,0-1 0,0 1 0,3-1 0,-3 1 0,2-1 0,0 1 0,-2 0 0,1 0 0,-1-2 0,2 2 0,-1-1 0,0 1 0,-1 0 0,0 0 0,1 0 0,0 0 0,0-1 0,-1 1 0,0 0 0,0 0 0,0 0 0,0 0 0,1-1 0,-1 2 0,1-2 0,-1 1 0,0 0 0,0-1 0,2 2 0,-2-2 0,2 2 0,-2-1 0,0 0 0,1-1 0,-1 0 0,2 1 0,-2 0 0,0 1 0,0-2 0,0 1 0,1 0 0,-1-2 0,2 2 0,-2 0 0,0 0 0,0 0 0,0-1 0,0 1 0,0 0 0,0 1 0,0 1 0,0 0 0,0 2 0,0-2 0,0 2 0,0-1 0,0 1 0,0-1 0,1 0 0,0 0 0,-1-1 0,0 0 0,0 0 0,0 1 0,0-2 0,0 1 0,0 1 0,0-1 0,0 1 0,0-1 0,0 1 0,0-1 0,0 1 0,0-1 0,0 1 0,0-1 0,0 2 0,0-2 0,0 1 0,0-1 0,0 1 0,0-1 0,0 0 0,0 0 0,0 1 0,0-1 0,0 0 0,0 0 0,0 1 0,0-1 0,0 1 0,0-1 0,0 1 0,0-1 0,0 0 0,0 1 0,0 0 0,0-1 0,0 1 0,0-1 0,0 1 0,0-1 0,0 1 0,0-1 0,0 1 0,0 0 0,0 2 0,0-3 0,0 1 0,0-1 0,0 2 0,0-2 0,0 2 0,0-2 0,0 1 0,0 0 0,0-1 0,0 0 0,0 2 0,0-2 0,0 1 0,0-1 0,0 1 0,0-2 0,0 2 0,0-1 0,0 1 0,0-1 0,0 1 0,0 0 0,0-1 0,0 1 0,0 0 0,0-1 0,0 0 0,0 1 0,0-1 0,0 0 0,0 1 0,0-1 0,0 0 0,0 0 0,0 1 0,0 0 0,0 0 0,0-1 0,0 1 0,0-1 0,0 1 0,0-1 0,0 1 0,0-2 0,0 1 0,0 1 0,0-1 0,0 0 0,0 1 0,0-1 0,0 1 0,0-1 0,0 0 0,0 1 0,0 0 0,0-1 0,0 1 0,0-1 0,0 0 0,0 0 0,0 1 0,0-1 0,0 0 0,0 0 0,0 0 0,0 0 0,0 0 0,0-1 0,0 1 0,2-2 0,-2 0 0,1-1 0,2 0 0,-2 0 0,2 0 0,-3 1 0,3 0 0,-1-1 0,0 1 0,-1-1 0,0 2 0,-1-2 0,3 1 0,-2 0 0,3-2 0,-2 1 0,3 0 0,-5 0 0,2 0 0,-2 1 0,2-1 0,-2 1 0,0 0 0,0 0 0,0-1 0,0 1 0,0 0 0,1-1 0,-1 0 0,2 1 0,-2 0 0,1 0 0,0 0 0,-1 0 0,1 0 0,0 0 0,2-2 0,-3 2 0,1 0 0,1-1 0,-2 1 0,3 0 0,-2-2 0,4 0 0,-2 0 0,0 1 0,-2 1 0,0 1 0,-1-2 0,1 0 0,1 0 0,-2 0 0,0 1 0,0 0 0,0-1 0,1 1 0,0-1 0,1 0 0,0 1 0,-1 0 0,-1-1 0,1 1 0,0 0 0,-1 0 0,2-1 0,-2 2 0,0-1 0,1 0 0,0 1 0,0 0 0,-1 2 0,0 0 0,0 0 0,0-1 0,0 1 0,0 0 0,2 1 0,-2-1 0,2 2 0,-2-3 0,0 2 0,0-1 0,0 3 0,1-2 0,0 2 0,0-3 0,-1 2 0,0-3 0,0 2 0,0-1 0,0-1 0,0 1 0,1 0 0,0 1 0,2-1 0,-3-1 0,2 2 0,-2-2 0,1 2 0,-1-2 0,0 0 0,0 0 0,0 2 0,0-2 0,2 2 0,-2-2 0,2-1 0,-2 1 0,0 0 0,0 0 0,0 1 0,1-1 0,1 1 0,-1 0 0,0 0 0,-1-1 0,0 1 0,1-1 0,0 0 0,2 0 0,-3 0 0,1-1 0,-1 0 0,1 0 0,1-2 0,2 0 0,-2 0 0,4-1 0,-5 1 0,7-1 0,-6 1 0,3-2 0,1 1 0,-3 1 0,3-2 0,-2 1 0,0 1 0,2-3 0,-2 3 0,-1-2 0,0 3 0,-2-1 0,1 1 0,1-3 0,-1 3 0,1-3 0,0 3 0,-2-1 0,2 1 0,-2-1 0,1 1 0,1-2 0,-3 2 0,3 0 0,-3 0 0,3-1 0,-2 1 0,0 0 0,2 0 0,-2-1 0,0 1 0,1 0 0,-2 0 0,0 0 0,2 0 0,-2 0 0,3-1 0,-3 1 0,2 0 0,-1-1 0,-1 1 0,2-1 0,-1 1 0,0-1 0,2 0 0,-2 1 0,2 0 0,-3-1 0,2 1 0,-2 1 0,0-1 0,1 0 0,-1 0 0,2 0 0,-2 1 0,0 2 0,0-1 0,0 2 0,0 0 0,0-1 0,0 2 0,1-1 0,-1 1 0,2-1 0,-2-1 0,0 2 0,0-3 0,0 3 0,3 1 0,-3-1 0,2 1 0,-2-2 0,2 2 0,-2-4 0,1 2 0,-1-2 0,1 1 0,1 0 0,1 0 0,-2-1 0,3 2 0,-4-2 0,5 3 0,-4-3 0,1 0 0,0 1 0,1 0 0,-1-1 0,2 2 0,-3-3 0,2 2 0,0-1 0,-1 2 0,-1-2 0,0 0 0,0 1 0,2-1 0,-3 1 0,2 0 0,-2-1 0,2 0 0,-1 0 0,-1 1 0,2-1 0,-1-1 0,0 1 0,2 1 0,-3-1 0,3 1 0,-1-1 0,-2 0 0,2 0 0,-1 0 0,-1 0 0,1 1 0,-1-1 0,1 0 0,-1-1 0,2-1 0,-2 0 0,0-2 0,0 2 0,0-3 0,0 1 0,0-1 0,0 1 0,0 0 0,0 0 0,0 0 0,0 0 0,0 2 0,0-2 0,0 0 0,0 0 0,0-1 0,0 1 0,0 1 0,0-1 0,0 1 0,0-1 0,0 2 0,0-2 0,0 0 0,0 0 0,0-2 0,0 4 0,0-3 0,0 3 0,0-2 0,0 1 0,0-1 0,0 2 0,0-2 0,0 2 0,0-4 0,0 4 0,0-2 0,0 1 0,0-1 0,0 1 0,0 0 0,1 1 0,1-2 0,-1 1 0,0-2 0,-1 3 0,0-1 0,0 1 0,0-2 0,0 1 0,0 0 0,0 1 0,0-1 0,0 1 0,0 0 0,0 0 0,0-2 0,0 2 0,0 0 0,0-1 0,0 1 0,0 0 0,0 0 0,0-1 0,0 1 0,0 0 0,0 0 0,0 0 0,0-1 0,0 1 0,0-1 0,0 1 0,0-1 0,0 0 0,0-1 0,0 2 0,0-7 0,0 6 0,0-6 0,0 6 0,0-2 0,0 1 0,0 0 0,0 1 0,0 0 0,0 1 0,0-1 0,0 2 0,0 1 0,0 7 0,0-4 0,0 4 0,0 1 0,0-1 0,0 7 0,0-9 0,0 4 0,0-7 0,0 13 0,0-8 0,0 6 0,2-7 0,1-3 0,0-1 0,-2 0 0,-1-1 0,1 0 0,-1 1 0,2 0 0,-2-2 0,1 1 0,0-1 0,1 2 0,-2-2 0,3 0 0,-3 0 0,1 1 0,-1 0 0,0 1 0,2-1 0,-2 0 0,4 0 0,-4-1 0,3 2 0,-3-2 0,3 2 0,-2-2 0,2 2 0,-3-3 0,1 3 0,-1-2 0,0 2 0,0-2 0,0 0 0,0 0 0,2 0 0,-2 0 0,1 0 0,1 0 0,-2 0 0,2 1 0,-2-1 0,0 1 0,0-1 0,2 0 0,-2 0 0,1-1 0,0 1 0,0 1 0,0-1 0,0 0 0,1 0 0,-2 0 0,3 0 0,-3 0 0,2-1 0,-2 1 0,0 0 0,1 0 0,-1 0 0,2 1 0,-1-2 0,0 2 0,0-1 0,0 0 0,0-2 0,-1 1 0,2-2 0,-2 1 0,1 0 0,1-2 0,-2 2 0,1-1 0,3-1 0,0-1 0,0 0 0,0-1 0,-3 2 0,0-1 0,1 3 0,1-2 0,-3 2 0,2-2 0,-2 2 0,3-1 0,-3 1 0,3-2 0,-1 2 0,0 0 0,-1-1 0,-1 1 0,0 0 0,0 0 0,0 1 0,0-2 0,0 1 0,0 1 0,0-1 0,0 0 0,0-1 0,1 2 0,-1-1 0,3 0 0,-3 0 0,1-1 0,1 1 0,-2 0 0,1-1 0,0 1 0,1-1 0,1 1 0,0-1 0,-2 1 0,2-1 0,-3 1 0,3-1 0,-3 1 0,2-1 0,0 1 0,1-1 0,-1 1 0,-2 0 0,2-1 0,-2 1 0,3-1 0,-3 1 0,3 0 0,-2 0 0,1 0 0,-1 0 0,-1 0 0,0 0 0,0 0 0,0 0 0,2 0 0,-2-1 0,1 1 0,1-1 0,-2 1 0,2 0 0,-2 0 0,0 0 0,0-1 0,0 1 0,0 0 0,0-1 0,0 1 0,0-1 0,0 1 0,0 0 0,0 0 0,0-1 0,0 1 0,-2-1 0,2 1 0,-3-1 0,2 1 0,0-1 0,1 1 0,0 0 0,0 0 0,0-1 0,0 1 0,0 0 0,0 0 0,0 0 0,0-1 0,0 2 0,-1-1 0,0 0 0,1 0 0,0 0 0,0 2 0,0 1 0,0-1 0,0 0 0,0 1 0,0-1 0,0 1 0,0-1 0,0 1 0,1-1 0,0 2 0,-1-1 0,0-1 0,0 0 0,0 1 0,0-1 0,0 0 0,0 0 0,0 1 0,0-1 0,0 1 0,0 0 0,1 0 0,0-1 0,0 1 0,-1-1 0,0 0 0,0 1 0,0 0 0,0 0 0,0 1 0,0-2 0,0 3 0,0-3 0,0 2 0,0-2 0,0 1 0,0 0 0,0 0 0,0-1 0,0 1 0,0 0 0,0 1 0,0-2 0,0 3 0,0-3 0,2 1 0,-2 0 0,1-1 0,-1 0 0,0 0 0,0 1 0,2-1 0,-2 0 0,1 1 0,-1-1 0,1 0 0,-1 0 0,2 0 0,-2 1 0,0-1 0,0 0 0,0 0 0,1 0 0,0 0 0,0 0 0,0 0 0,0-1 0,0 1 0,-1 1 0,1-2 0,0 2 0,1-1 0,0 0 0,-2 0 0,0 0 0,1 0 0,0 0 0,3 0 0,-3 0 0,0 0 0,-1 0 0,0-1 0,0 1 0,2 0 0,-2 2 0,1-2 0,0 1 0,-1-1 0,1-1 0,-1 1 0,0 0 0,0 0 0,2 0 0,-2 0 0,2 0 0,-2-1 0,0 1 0,1 1 0,-1-2 0,2 1 0,-2 0 0,0 0 0,0 0 0,0 0 0,0 0 0,0 0 0,0 0 0,0 0 0,0 0 0,0 0 0,0 0 0,0-1 0,0 1 0,0 1 0,0-2 0,0 1 0,0-1 0,-2 0 0,2-1 0,-1 1 0,1-2 0,0 1 0,0-1 0,0 0 0,0 0 0,0 1 0,0-1 0,0-1 0,0 1 0,0-3 0,0 4 0,0-2 0,0 1 0,0 1 0,1-1 0,-1 1 0,2 0 0,-2-1 0,1 1 0,1-1 0,-1 1 0,0-1 0,-1 1 0,3-1 0,-3 0 0,4 0 0,-4 0 0,2 0 0,1 0 0,-1 0 0,0 0 0,-2 1 0,1-2 0,1 1 0,-2-1 0,4 0 0,-4 1 0,1-2 0,-1 3 0,0-2 0,0 1 0,0 1 0,0 0 0,2-2 0,-2 2 0,3-2 0,-3 2 0,2-2 0,-2 2 0,0-1 0,2 1 0,0-1 0,-1 0 0,0 0 0,1 0 0,-1 1 0,2 0 0,-3 0 0,3-1 0,-1 0 0,-1 1 0,1-1 0,-2 2 0,0-2 0,2 1 0,0-1 0,-1 1 0,-1-1 0,0 0 0,2-1 0,-1 1 0,2-3 0,-2 4 0,1-3 0,-2 3 0,0-1 0,2-1 0,-2 0 0,1 0 0,2-1 0,-2 3 0,2-1 0,-3 1 0,0 0 0,0 0 0,0 0 0,1-1 0,0 0 0,1 0 0,-1 0 0,-1 1 0,0-1 0,0 1 0,0 0 0,0 0 0,0-1 0,1 1 0,0-1 0,1 0 0,-2 1 0,2-1 0,-1 1 0,-1 1 0,2-1 0,-1-1 0,1 2 0,1-1 0,-2 0 0,0 0 0,1-1 0,-1 0 0,1 1 0,0-1 0,-2 1 0,3 0 0,-2 0 0,0 1 0,0-2 0,0 1 0,1-1 0,-2 1 0,1 0 0,1 0 0,-2 0 0,2 0 0,-1 0 0,0 0 0,0 0 0,1 0 0,-2 0 0,0 0 0,0 1 0,0 1 0,0 0 0,0 1 0,0 0 0,0-1 0,0 0 0,0 0 0,0 3 0,0-1 0,0 2 0,0-4 0,0 0 0,1 0 0,0 2 0,2-2 0,-3 2 0,1-2 0,-1 1 0,0-2 0,0 3 0,0-2 0,0 4 0,0-4 0,0 3 0,0-2 0,0 0 0,0-1 0,2 1 0,-2-1 0,3 2 0,-2-1 0,2 1 0,-2-1 0,0 2 0,-1-1 0,0 1 0,0 0 0,0-2 0,0 0 0,0 0 0,0 1 0,1 0 0,0-1 0,0 1 0,-1-2 0,2 1 0,-1 0 0,3 0 0,-3 0 0,1 0 0,-1-1 0,2 3 0,-2-2 0,3 4 0,-4-4 0,0 2 0,0-1 0,1-1 0,0 0 0,3-1 0,-4 0 0,4 2 0,-4-2 0,2 2 0,-1-2 0,-1 2 0,1-2 0,-1 0 0,1 2 0,0-2 0,0 1 0,-1-1 0,0 0 0,0 1 0,0-1 0,0 1 0,2 1 0,0-1 0,-1 0 0,1 0 0,-2 0 0,0-1 0,0 1 0,0-2 0,0 2 0,0-1 0,0 0 0,0 1 0,0 0 0,1 1 0,0-2 0,0 1 0,-1-1 0,0 0 0,0 1 0,1 0 0,0 0 0,2-1 0,-3-1 0,1 1 0,-1 0 0,0 0 0,1 0 0,-1 0 0,2 0 0,-2 0 0,0 0 0,1 0 0,1-1 0,-1 1 0,0 1 0,0-2 0,0 1 0,2-1 0,-3 1 0,1-2 0,1 1 0,-2-1 0,3-1 0,-3 0 0,4-2 0,-3 3 0,2-4 0,-1 4 0,2-3 0,-2 2 0,-1 0 0,0 1 0,-1-2 0,3 2 0,-3-3 0,1 3 0,-1-1 0,0 0 0,0 0 0,0 0 0,0 0 0,0 1 0,0 0 0,0 0 0,2-1 0,-1 1 0,2-2 0,0 1 0,0-2 0,-2 3 0,0-3 0,-1 3 0,2-2 0,-2 1 0,1-1 0,-1 2 0,0 0 0,0-1 0,2 1 0,0 0 0,0-1 0,0 1 0,0 0 0,-1 0 0,0 0 0,0 0 0,0 0 0,1 0 0,0 0 0,-2 0 0,0 0 0,1 1 0,-1-1 0,3-1 0,-2 1 0,0 1 0,0-1 0,0-1 0,1 2 0,-1-1 0,2 0 0,0 0 0,0-1 0,-1 1 0,0 0 0,1 0 0,-3 0 0,3 0 0,-3 1 0,1 1 0,0 0 0,-1 0 0,2 1 0,-2-1 0,2 2 0,-2-2 0,3 3 0,-3-3 0,0 1 0,0 1 0,0-1 0,0 1 0,0-2 0,0 1 0,0 0 0,0 0 0,0 0 0,0-1 0,0 3 0,0-3 0,0 3 0,0-2 0,0 1 0,0-2 0,0 1 0,1 0 0,-1-1 0,2 1 0,-2 1 0,0-1 0,2 1 0,-2 0 0,1-1 0,0 1 0,0-2 0,-1 0 0,0 0 0,0 0 0,0 1 0,0-1 0,0 2 0,0-2 0,0 1 0,0-1 0,0 0 0,0 0 0,0 0 0,0 0 0,0 0 0,0 1 0,0-1 0,0 1 0,0-1 0,0 1 0,0-2 0,0 2 0,0-1 0,0 1 0,0-1 0,2 1 0,-2-1 0,1 0 0,-1 0 0,0 0 0,0 0 0,0 0 0,1-1 0,-1 0 0,1 0 0,-1-1 0,0-2 0,0 2 0,3-5 0,0 0 0,3-7 0,-3 3 0,3-2 0,-3 0 0,2 5 0,-2-1 0,-1 0 0,-1 4 0,2-8 0,-1 8 0,1-7 0,1 7 0,-2-1 0,1 1 0,0 0 0,0 2 0,-2-4 0,-1 4 0,0-3 0,0 3 0,0-1 0,2 1 0,-2 1 0,2-3 0,-2 2 0,0 0 0,0-1 0,0 2 0,0-3 0,0 3 0,0-3 0,0 2 0,2 1 0,-2 0 0,2-2 0,-2 2 0,1 0 0,-1-1 0,2 2 0,-2-1 0,0 0 0,0 0 0,0-1 0,2 1 0,-2 0 0,0 0 0,0 0 0,0 0 0,1 0 0,0 0 0,0-1 0,1 1 0,-2-2 0,1 3 0,-1-2 0,0 1 0,0 1 0,0 1 0,1 1 0,-1-1 0,4 1 0,-3 0 0,5 2 0,-6-3 0,2 2 0,0 0 0,0 0 0,3 3 0,-3-1 0,5 4 0,-3-1 0,1 1 0,1 0 0,2 2 0,0 3 0,-4-9 0,0 1 0,-4-4 0,2 4 0,-1-4 0,-1 0 0,3 1 0,-3-1 0,2 0 0,-2-1 0,0 1 0,0 0 0,0 0 0,1 0 0,0-1 0,-1 1 0,1-1 0,1 1 0,0-1 0,-1 1 0,1-1 0,-2 1 0,1-1 0,1 1 0,-2 1 0,1-1 0,-1 0 0,0 0 0,1-1 0,0 2 0,0-2 0,0 2 0,1-2 0,0 1 0,0 0 0,0 0 0,-1-1 0,2 0 0,-3 1 0,1-1 0,-1 0 0,0 0 0,0 0 0,0 0 0,1 0 0,0 0 0,0 0 0,-1 0 0,0 0 0,0 0 0,0 0 0,0 0 0,0 0 0,2 0 0,-2 0 0,3 0 0,-3 0 0,0 0 0,0 0 0,0 0 0,0 0 0,0-1 0,0 2 0,0-1 0,0-1 0,0 1 0,0 0 0,0 0 0,0 0 0,0 0 0,0 0 0,0-1 0,0-1 0,0 0 0,2-2 0,-2 2 0,2-1 0,-2 1 0,2-2 0,-2 1 0,3-1 0,-3 1 0,2 0 0,2-3 0,-3 3 0,3-4 0,-2 4 0,3-1 0,-4 2 0,4-3 0,-3 3 0,-1-2 0,0 2 0,-1-1 0,0 1 0,0-2 0,2 2 0,-2-1 0,2 1 0,-2-1 0,0 1 0,1 0 0,-1 0 0,2 0 0,1-1 0,0 0 0,-1 0 0,-2 2 0,2-2 0,-2 1 0,1 0 0,-1 0 0,0 0 0,0 0 0,0 0 0,0 0 0,0-1 0,0 1 0,0-1 0,0 1 0,0 0 0,0 0 0,0-1 0,0 1 0,0 0 0,0 0 0,0-1 0,0 1 0,0 0 0,0 0 0,0 0 0,0 0 0,0 0 0,0 0 0,0 1 0,0 1 0,1 0 0,-1 0 0,2 0 0,-1 0 0,1 0 0,0 0 0,-1 1 0,0-1 0,-1 0 0,3 1 0,0 0 0,-2-1 0,5 3 0,-4-3 0,2 2 0,-3-1 0,3 0 0,-4 0 0,4 0 0,-2-2 0,0 2 0,1-1 0,-1 1 0,0-1 0,2 2 0,-2-1 0,1 0 0,0 0 0,-2 0 0,-1-1 0,0 1 0,0-1 0,1 2 0,0 0 0,0 0 0,-1-2 0,0 1 0,0-1 0,1 2 0,0-1 0,1 0 0,-1-1 0,0 1 0,-1-1 0,2 1 0,-2 0 0,0-1 0,1 0 0,1 1 0,0-1 0,-1 0 0,-1 0 0,0-1 0,0 2 0,0-1 0,0 1 0,0-1 0,0 0 0,0 0 0,0 0 0,0 0 0,0 0 0,0 0 0,0 0 0,0 0 0,2 0 0,-2-1 0,0 2 0,0-1 0,2-1 0,-2 0 0,3 0 0,-3-1 0,2-1 0,-1 1 0,-1 0 0,2 0 0,-1 0 0,2-1 0,-2 1 0,2-2 0,-2 2 0,2-1 0,-2 1 0,3-1 0,-3 0 0,4-1 0,-3 2 0,2-2 0,-2 2 0,1-1 0,-2 0 0,2 1 0,-3 0 0,4-2 0,-3 2 0,2-1 0,-1 0 0,1 0 0,0 1 0,0-1 0,0 1 0,0-1 0,-2 2 0,3-3 0,-2 2 0,2-2 0,-2 2 0,1-1 0,-3 1 0,3-2 0,1 2 0,-3-1 0,1 1 0,0-1 0,1 0 0,0-1 0,-1 1 0,0 1 0,0 0 0,0-1 0,-1 1 0,0-1 0,-1 1 0,4 0 0,-3-1 0,2 1 0,-3 0 0,0 0 0,0-1 0,0 1 0,0 0 0,0 0 0,0-1 0,0 1 0,0 0 0,0-1 0,0 1 0,0 0 0,0 0 0,0-1 0,0 1 0,0 0 0,0 0 0,0-1 0,0 2 0,0-1 0,0 0 0,0 0 0,0 1 0,0 0 0,0 1 0,0 1 0,0-1 0,0 0 0,0 1 0,0 1 0,0 1 0,0 1 0,0 0 0,0-2 0,1 1 0,1-1 0,3 2 0,-3 1 0,1-3 0,-3 0 0,3-1 0,-1 0 0,1 2 0,0-2 0,0 2 0,-2-3 0,-1 1 0,2 0 0,1 0 0,-1-1 0,0 1 0,-2-1 0,3 1 0,-1 0 0,1 0 0,-2-1 0,2 0 0,-3 1 0,2-1 0,-2-1 0,0 1 0,0 0 0,1 1 0,0-1 0,0 0 0,1 1 0,-2-1 0,0 0 0,0 0 0,0 1 0,0-1 0,0 1 0,0-1 0,3 1 0,-3-1 0,5 2 0,-5-2 0,2 0 0,0 0 0,-2 1 0,1-1 0,-1 0 0,3-1 0,-2 1 0,0 1 0,0-2 0,0 0 0,-2 0 0,0-3 0,0 2 0,1-2 0,0-1 0,1 1 0,0-1 0,0 1 0,3-3 0,-2 1 0,3-2 0,-1 3 0,-1-1 0,-1 3 0,-1-1 0,1 1 0,0 0 0,1-1 0,-1 1 0,-1 0 0,1-2 0,0 3 0,0-1 0,-1 1 0,-1 0 0,2 0 0,-2 0 0,1 0 0,0 0 0,-1 0 0,2 0 0,-1 0 0,1-1 0,1 1 0,-2-1 0,0 1 0,1 0 0,-2 0 0,1 1 0,-1-1 0,0 0 0,0 0 0,0 0 0,2 0 0,-2 0 0,1 0 0,-1 0 0,1 0 0,-1 0 0,2 0 0,-2 0 0,1 0 0,0 1 0,1-2 0,0 1 0,0 0 0,-2-1 0,0 1 0,2 0 0,-2 0 0,2 0 0,-2 0 0,0 0 0,0 0 0,1 0 0,-1 0 0,2 0 0,-2 0 0,0 0 0,0 1 0,0 1 0,0 0 0,0 2 0,0 2 0,0-1 0,0 2 0,0-3 0,0 1 0,0-1 0,0 0 0,0 3 0,0-3 0,0 6 0,0-2 0,0 6 0,0-7 0,0 3 0,1-5 0,1-1 0,1 2 0,0-2 0,-2 0 0,0 0 0,-1-1 0,0 1 0,0-1 0,0 3 0,0-3 0,0 1 0,0-1 0,0-1 0,2 1 0,-2 0 0,0-1 0,0 0 0,0 1 0,0-1 0,0 1 0,0-2 0,2 2 0,-2-1 0,3 0 0,-3 0 0,2 1 0,-2 0 0,0-1 0,0 1 0,0-1 0,0 1 0,1 0 0,0-1 0,-1 0 0,0 1 0,0-1 0,1 0 0,0 1 0,2 0 0,-3-1 0,1 1 0,-1-1 0,0 1 0,0-1 0,0 0 0,1 0 0,-1 1 0,2-1 0,-2 1 0,0-1 0,0 1 0,0-1 0,0 0 0,0 0 0,2 1 0,-1-1 0,3 0 0,-3 0 0,2 0 0,-1 0 0,0 0 0,-2 0 0,0 0 0,3 0 0,-3 0 0,0 0 0,0 0 0,2 0 0,-2-1 0,0-1 0,0-1 0,0 1 0,0-1 0,0 0 0,3-2 0,-2 1 0,3-4 0,-3 2 0,1 0 0,-1 1 0,0 0 0,-1 2 0,3-4 0,0 3 0,1-3 0,-3 4 0,0-1 0,-1 2 0,2-2 0,-1 1 0,0-4 0,0 3 0,0-3 0,2 3 0,1 0 0,-2 0 0,0 1 0,-2 1 0,0-2 0,1 0 0,1 0 0,1 0 0,-1 0 0,-1 1 0,0 0 0,1-1 0,0 1 0,2-2 0,-4 2 0,2-1 0,-2 0 0,0 1 0,2-2 0,-2 2 0,1 0 0,-1 0 0,2 1 0,-2-1 0,3-1 0,-2 1 0,3-2 0,-2 3 0,0-3 0,-2 3 0,2-2 0,-2 2 0,0 0 0,0 0 0,0 0 0,0 0 0,0 0 0,0 0 0,0 1 0,0-1 0,0-1 0,0 1 0,0-1 0,0 0 0,0 1 0,0 0 0,0-1 0,0 1 0,0-1 0,0 0 0,0 0 0,0 1 0,0-1 0,0 1 0,0-2 0,0 2 0,0-1 0,0-1 0,0 2 0,0-2 0,0 2 0,0-2 0,0 1 0,0 0 0,0 1 0,0-1 0,0 0 0,0 1 0,0-2 0,1 2 0,-1-1 0,2 0 0,-2 0 0,0 2 0,0 1 0,0 0 0,0 1 0,0 0 0,0 0 0,0 2 0,0-1 0,0 1 0,0 2 0,0 5 0,0-2 0,0 2 0,0-6 0,0 5 0,0-6 0,0 7 0,1-7 0,0-1 0,0-1 0,-1 0 0,0-1 0,0 2 0,0-2 0,0 0 0,1 0 0,0 1 0,1-1 0,-1 1 0,-1-1 0,0 0 0,0 0 0,0 0 0,0 0 0,0 0 0,2 0 0,-2 0 0,2 0 0,-2 0 0,3 1 0,-2-1 0,1-1 0,-1 1 0,1 1 0,-2-2 0,1 1 0,-1 1 0,0-2 0,0 2 0,0-1 0,0 0 0,0 0 0,2 0 0,-2 0 0,3 0 0,-2 0 0,2 0 0,-1 1 0,-1-2 0,1 1 0,-2 0 0,1 0 0,1 0 0,-2 0 0,2 0 0,-2 0 0,3 1 0,-2-1 0,1-1 0,-1 2 0,2-2 0,-1 1 0,1-1 0,-1 1 0,0 0 0,1 0 0,-2 0 0,2 0 0,-2-1 0,3 2 0,-3-1 0,1-1 0,-1 0 0,0 0 0,1-3 0,-1 2 0,2-3 0,-1 1 0,1 1 0,1-1 0,-3 1 0,5-3 0,-3 2 0,0-1 0,0 0 0,0 1 0,1-2 0,1-1 0,0 2 0,2-3 0,-4 3 0,0 1 0,-2 0 0,0 2 0,1-2 0,-1 1 0,0 1 0,0-3 0,-1 3 0,0-3 0,0 3 0,0-2 0,0 2 0,0 0 0,0-1 0,3 1 0,-3 0 0,3-2 0,-3 2 0,0-1 0,1 1 0,1-1 0,0 1 0,0 0 0,1-1 0,-3 1 0,3-1 0,-3 1 0,5-2 0,-4 2 0,6-3 0,-6 3 0,3-1 0,-4 1 0,0 0 0,2-2 0,-1 2 0,2-1 0,-2 0 0,-1 1 0,2 0 0,-1 0 0,-1-1 0,1 1 0,-1 0 0,1 0 0,0-1 0,0 2 0,-1-1 0,0 0 0,0 0 0,0 0 0,0 0 0,0 0 0,0 0 0,0 0 0,0 0 0,0-1 0,0 1 0,0 0 0,0 0 0,2-1 0,-2 1 0,3-1 0,-3 0 0,1 1 0,-1 0 0,0 0 0,1-1 0,1 1 0,1 0 0,-2 1 0,0 1 0,1 0 0,-2 1 0,1-1 0,-1 1 0,0 0 0,0 1 0,0-1 0,0 2 0,0-2 0,0 3 0,0-3 0,2 4 0,-1-3 0,2 2 0,-2-3 0,2 2 0,-2-3 0,2 2 0,-3-2 0,1 0 0,0 1 0,2 1 0,-1-1 0,-1 0 0,-1-1 0,0 1 0,2-1 0,-2 1 0,3-1 0,-3 1 0,2-1 0,0 1 0,-1-1 0,1 1 0,1 1 0,0-2 0,1 3 0,-3-3 0,2 1 0,-3 0 0,0-1 0,0 0 0,0 0 0,0 2 0,0-2 0,2 1 0,-1-1 0,2 2 0,-1-1 0,1 0 0,-2-1 0,2 2 0,-3-2 0,3 1 0,-1-1 0,1 1 0,-2-1 0,0 0 0,1 1 0,-1-1 0,0 0 0,5 1 0,-5-1 0,5 2 0,-5-2 0,2 1 0,-3 0 0,1 0 0,0-2 0,1 1 0,-1 0 0,0 1 0,3-1 0,-3 0 0,2 0 0,-3 0 0,0 0 0,0 0 0,0 0 0,0-1 0,0 1 0,0 1 0,0-2 0,0 1 0,0 0 0,0 0 0,0 0 0,0 0 0,0 0 0,0 0 0,0 1 0,0-1 0,0-1 0,0 2 0,0-2 0,0 1 0,0 1 0,0-1 0,0 1 0,0-1 0,0 1 0,0 0 0,0-1 0,0 1 0,0-1 0,0-1 0,0 1 0,0 0 0,0 0 0,0-1 0</inkml:trace>
 </inkml:ink>
 </file>
 
@@ -310,7 +394,7 @@
           <a:p>
             <a:fld id="{47BD582D-1AD2-864E-A43C-897C2CA540BC}" type="datetimeFigureOut">
               <a:rPr lang="en-AU" smtClean="0"/>
-              <a:t>27/3/2023</a:t>
+              <a:t>28/3/2023</a:t>
             </a:fld>
             <a:endParaRPr lang="en-AU"/>
           </a:p>
@@ -328,8 +412,8 @@
         </p:nvSpPr>
         <p:spPr>
           <a:xfrm>
-            <a:off x="1838325" y="1143000"/>
-            <a:ext cx="3181350" cy="3086100"/>
+            <a:off x="1114425" y="1143000"/>
+            <a:ext cx="4629150" cy="3086100"/>
           </a:xfrm>
           <a:prstGeom prst="rect">
             <a:avLst/>
@@ -607,8 +691,8 @@
         </p:nvSpPr>
         <p:spPr>
           <a:xfrm>
-            <a:off x="1838325" y="1143000"/>
-            <a:ext cx="3181350" cy="3086100"/>
+            <a:off x="1114425" y="1143000"/>
+            <a:ext cx="4629150" cy="3086100"/>
           </a:xfrm>
         </p:spPr>
       </p:sp>
@@ -704,8 +788,8 @@
         </p:nvSpPr>
         <p:spPr>
           <a:xfrm>
-            <a:off x="1838325" y="1143000"/>
-            <a:ext cx="3181350" cy="3086100"/>
+            <a:off x="1114425" y="1143000"/>
+            <a:ext cx="4629150" cy="3086100"/>
           </a:xfrm>
         </p:spPr>
       </p:sp>
@@ -762,7 +846,7 @@
     </p:spTree>
     <p:extLst>
       <p:ext uri="{BB962C8B-B14F-4D97-AF65-F5344CB8AC3E}">
-        <p14:creationId xmlns:p14="http://schemas.microsoft.com/office/powerpoint/2010/main" val="2277146537"/>
+        <p14:creationId xmlns:p14="http://schemas.microsoft.com/office/powerpoint/2010/main" val="1105606382"/>
       </p:ext>
     </p:extLst>
   </p:cSld>
@@ -801,15 +885,15 @@
         </p:nvSpPr>
         <p:spPr>
           <a:xfrm>
-            <a:off x="565785" y="1197187"/>
-            <a:ext cx="6412230" cy="2546773"/>
+            <a:off x="822960" y="1197187"/>
+            <a:ext cx="9326880" cy="2546773"/>
           </a:xfrm>
         </p:spPr>
         <p:txBody>
           <a:bodyPr anchor="b"/>
           <a:lstStyle>
             <a:lvl1pPr algn="ctr">
-              <a:defRPr sz="4950"/>
+              <a:defRPr sz="6400"/>
             </a:lvl1pPr>
           </a:lstStyle>
           <a:p>
@@ -833,8 +917,8 @@
         </p:nvSpPr>
         <p:spPr>
           <a:xfrm>
-            <a:off x="942975" y="3842174"/>
-            <a:ext cx="5657850" cy="1766146"/>
+            <a:off x="1371600" y="3842174"/>
+            <a:ext cx="8229600" cy="1766146"/>
           </a:xfrm>
         </p:spPr>
         <p:txBody>
@@ -842,39 +926,39 @@
           <a:lstStyle>
             <a:lvl1pPr marL="0" indent="0" algn="ctr">
               <a:buNone/>
-              <a:defRPr sz="1980"/>
+              <a:defRPr sz="2560"/>
             </a:lvl1pPr>
-            <a:lvl2pPr marL="377190" indent="0" algn="ctr">
+            <a:lvl2pPr marL="487695" indent="0" algn="ctr">
               <a:buNone/>
-              <a:defRPr sz="1650"/>
+              <a:defRPr sz="2133"/>
             </a:lvl2pPr>
-            <a:lvl3pPr marL="754380" indent="0" algn="ctr">
+            <a:lvl3pPr marL="975390" indent="0" algn="ctr">
               <a:buNone/>
-              <a:defRPr sz="1485"/>
+              <a:defRPr sz="1920"/>
             </a:lvl3pPr>
-            <a:lvl4pPr marL="1131570" indent="0" algn="ctr">
+            <a:lvl4pPr marL="1463086" indent="0" algn="ctr">
               <a:buNone/>
-              <a:defRPr sz="1320"/>
+              <a:defRPr sz="1707"/>
             </a:lvl4pPr>
-            <a:lvl5pPr marL="1508760" indent="0" algn="ctr">
+            <a:lvl5pPr marL="1950781" indent="0" algn="ctr">
               <a:buNone/>
-              <a:defRPr sz="1320"/>
+              <a:defRPr sz="1707"/>
             </a:lvl5pPr>
-            <a:lvl6pPr marL="1885950" indent="0" algn="ctr">
+            <a:lvl6pPr marL="2438476" indent="0" algn="ctr">
               <a:buNone/>
-              <a:defRPr sz="1320"/>
+              <a:defRPr sz="1707"/>
             </a:lvl6pPr>
-            <a:lvl7pPr marL="2263140" indent="0" algn="ctr">
+            <a:lvl7pPr marL="2926171" indent="0" algn="ctr">
               <a:buNone/>
-              <a:defRPr sz="1320"/>
+              <a:defRPr sz="1707"/>
             </a:lvl7pPr>
-            <a:lvl8pPr marL="2640330" indent="0" algn="ctr">
+            <a:lvl8pPr marL="3413867" indent="0" algn="ctr">
               <a:buNone/>
-              <a:defRPr sz="1320"/>
+              <a:defRPr sz="1707"/>
             </a:lvl8pPr>
-            <a:lvl9pPr marL="3017520" indent="0" algn="ctr">
+            <a:lvl9pPr marL="3901562" indent="0" algn="ctr">
               <a:buNone/>
-              <a:defRPr sz="1320"/>
+              <a:defRPr sz="1707"/>
             </a:lvl9pPr>
           </a:lstStyle>
           <a:p>
@@ -903,7 +987,7 @@
           <a:p>
             <a:fld id="{7F85437B-6C8A-A94E-A4EF-E530FD0AEE96}" type="datetimeFigureOut">
               <a:rPr lang="en-AU" smtClean="0"/>
-              <a:t>27/3/2023</a:t>
+              <a:t>28/3/2023</a:t>
             </a:fld>
             <a:endParaRPr lang="en-AU"/>
           </a:p>
@@ -954,7 +1038,7 @@
     </p:spTree>
     <p:extLst>
       <p:ext uri="{BB962C8B-B14F-4D97-AF65-F5344CB8AC3E}">
-        <p14:creationId xmlns:p14="http://schemas.microsoft.com/office/powerpoint/2010/main" val="3048594699"/>
+        <p14:creationId xmlns:p14="http://schemas.microsoft.com/office/powerpoint/2010/main" val="24022098"/>
       </p:ext>
     </p:extLst>
   </p:cSld>
@@ -1073,7 +1157,7 @@
           <a:p>
             <a:fld id="{7F85437B-6C8A-A94E-A4EF-E530FD0AEE96}" type="datetimeFigureOut">
               <a:rPr lang="en-AU" smtClean="0"/>
-              <a:t>27/3/2023</a:t>
+              <a:t>28/3/2023</a:t>
             </a:fld>
             <a:endParaRPr lang="en-AU"/>
           </a:p>
@@ -1124,7 +1208,7 @@
     </p:spTree>
     <p:extLst>
       <p:ext uri="{BB962C8B-B14F-4D97-AF65-F5344CB8AC3E}">
-        <p14:creationId xmlns:p14="http://schemas.microsoft.com/office/powerpoint/2010/main" val="1784137616"/>
+        <p14:creationId xmlns:p14="http://schemas.microsoft.com/office/powerpoint/2010/main" val="3910694390"/>
       </p:ext>
     </p:extLst>
   </p:cSld>
@@ -1163,8 +1247,8 @@
         </p:nvSpPr>
         <p:spPr>
           <a:xfrm>
-            <a:off x="5398532" y="389467"/>
-            <a:ext cx="1626632" cy="6199294"/>
+            <a:off x="7852411" y="389467"/>
+            <a:ext cx="2366010" cy="6199294"/>
           </a:xfrm>
         </p:spPr>
         <p:txBody>
@@ -1191,8 +1275,8 @@
         </p:nvSpPr>
         <p:spPr>
           <a:xfrm>
-            <a:off x="518637" y="389467"/>
-            <a:ext cx="4785598" cy="6199294"/>
+            <a:off x="754381" y="389467"/>
+            <a:ext cx="6960870" cy="6199294"/>
           </a:xfrm>
         </p:spPr>
         <p:txBody>
@@ -1253,7 +1337,7 @@
           <a:p>
             <a:fld id="{7F85437B-6C8A-A94E-A4EF-E530FD0AEE96}" type="datetimeFigureOut">
               <a:rPr lang="en-AU" smtClean="0"/>
-              <a:t>27/3/2023</a:t>
+              <a:t>28/3/2023</a:t>
             </a:fld>
             <a:endParaRPr lang="en-AU"/>
           </a:p>
@@ -1304,7 +1388,7 @@
     </p:spTree>
     <p:extLst>
       <p:ext uri="{BB962C8B-B14F-4D97-AF65-F5344CB8AC3E}">
-        <p14:creationId xmlns:p14="http://schemas.microsoft.com/office/powerpoint/2010/main" val="2230404387"/>
+        <p14:creationId xmlns:p14="http://schemas.microsoft.com/office/powerpoint/2010/main" val="3113785576"/>
       </p:ext>
     </p:extLst>
   </p:cSld>
@@ -1423,7 +1507,7 @@
           <a:p>
             <a:fld id="{7F85437B-6C8A-A94E-A4EF-E530FD0AEE96}" type="datetimeFigureOut">
               <a:rPr lang="en-AU" smtClean="0"/>
-              <a:t>27/3/2023</a:t>
+              <a:t>28/3/2023</a:t>
             </a:fld>
             <a:endParaRPr lang="en-AU"/>
           </a:p>
@@ -1474,7 +1558,7 @@
     </p:spTree>
     <p:extLst>
       <p:ext uri="{BB962C8B-B14F-4D97-AF65-F5344CB8AC3E}">
-        <p14:creationId xmlns:p14="http://schemas.microsoft.com/office/powerpoint/2010/main" val="2587166904"/>
+        <p14:creationId xmlns:p14="http://schemas.microsoft.com/office/powerpoint/2010/main" val="461580682"/>
       </p:ext>
     </p:extLst>
   </p:cSld>
@@ -1513,15 +1597,15 @@
         </p:nvSpPr>
         <p:spPr>
           <a:xfrm>
-            <a:off x="514707" y="1823722"/>
-            <a:ext cx="6506528" cy="3042919"/>
+            <a:off x="748666" y="1823722"/>
+            <a:ext cx="9464040" cy="3042919"/>
           </a:xfrm>
         </p:spPr>
         <p:txBody>
           <a:bodyPr anchor="b"/>
           <a:lstStyle>
             <a:lvl1pPr>
-              <a:defRPr sz="4950"/>
+              <a:defRPr sz="6400"/>
             </a:lvl1pPr>
           </a:lstStyle>
           <a:p>
@@ -1545,8 +1629,8 @@
         </p:nvSpPr>
         <p:spPr>
           <a:xfrm>
-            <a:off x="514707" y="4895429"/>
-            <a:ext cx="6506528" cy="1600199"/>
+            <a:off x="748666" y="4895429"/>
+            <a:ext cx="9464040" cy="1600199"/>
           </a:xfrm>
         </p:spPr>
         <p:txBody>
@@ -1554,15 +1638,15 @@
           <a:lstStyle>
             <a:lvl1pPr marL="0" indent="0">
               <a:buNone/>
-              <a:defRPr sz="1980">
+              <a:defRPr sz="2560">
                 <a:solidFill>
                   <a:schemeClr val="tx1"/>
                 </a:solidFill>
               </a:defRPr>
             </a:lvl1pPr>
-            <a:lvl2pPr marL="377190" indent="0">
+            <a:lvl2pPr marL="487695" indent="0">
               <a:buNone/>
-              <a:defRPr sz="1650">
+              <a:defRPr sz="2133">
                 <a:solidFill>
                   <a:schemeClr val="tx1">
                     <a:tint val="75000"/>
@@ -1570,9 +1654,9 @@
                 </a:solidFill>
               </a:defRPr>
             </a:lvl2pPr>
-            <a:lvl3pPr marL="754380" indent="0">
+            <a:lvl3pPr marL="975390" indent="0">
               <a:buNone/>
-              <a:defRPr sz="1485">
+              <a:defRPr sz="1920">
                 <a:solidFill>
                   <a:schemeClr val="tx1">
                     <a:tint val="75000"/>
@@ -1580,9 +1664,9 @@
                 </a:solidFill>
               </a:defRPr>
             </a:lvl3pPr>
-            <a:lvl4pPr marL="1131570" indent="0">
+            <a:lvl4pPr marL="1463086" indent="0">
               <a:buNone/>
-              <a:defRPr sz="1320">
+              <a:defRPr sz="1707">
                 <a:solidFill>
                   <a:schemeClr val="tx1">
                     <a:tint val="75000"/>
@@ -1590,9 +1674,9 @@
                 </a:solidFill>
               </a:defRPr>
             </a:lvl4pPr>
-            <a:lvl5pPr marL="1508760" indent="0">
+            <a:lvl5pPr marL="1950781" indent="0">
               <a:buNone/>
-              <a:defRPr sz="1320">
+              <a:defRPr sz="1707">
                 <a:solidFill>
                   <a:schemeClr val="tx1">
                     <a:tint val="75000"/>
@@ -1600,9 +1684,9 @@
                 </a:solidFill>
               </a:defRPr>
             </a:lvl5pPr>
-            <a:lvl6pPr marL="1885950" indent="0">
+            <a:lvl6pPr marL="2438476" indent="0">
               <a:buNone/>
-              <a:defRPr sz="1320">
+              <a:defRPr sz="1707">
                 <a:solidFill>
                   <a:schemeClr val="tx1">
                     <a:tint val="75000"/>
@@ -1610,9 +1694,9 @@
                 </a:solidFill>
               </a:defRPr>
             </a:lvl6pPr>
-            <a:lvl7pPr marL="2263140" indent="0">
+            <a:lvl7pPr marL="2926171" indent="0">
               <a:buNone/>
-              <a:defRPr sz="1320">
+              <a:defRPr sz="1707">
                 <a:solidFill>
                   <a:schemeClr val="tx1">
                     <a:tint val="75000"/>
@@ -1620,9 +1704,9 @@
                 </a:solidFill>
               </a:defRPr>
             </a:lvl7pPr>
-            <a:lvl8pPr marL="2640330" indent="0">
+            <a:lvl8pPr marL="3413867" indent="0">
               <a:buNone/>
-              <a:defRPr sz="1320">
+              <a:defRPr sz="1707">
                 <a:solidFill>
                   <a:schemeClr val="tx1">
                     <a:tint val="75000"/>
@@ -1630,9 +1714,9 @@
                 </a:solidFill>
               </a:defRPr>
             </a:lvl8pPr>
-            <a:lvl9pPr marL="3017520" indent="0">
+            <a:lvl9pPr marL="3901562" indent="0">
               <a:buNone/>
-              <a:defRPr sz="1320">
+              <a:defRPr sz="1707">
                 <a:solidFill>
                   <a:schemeClr val="tx1">
                     <a:tint val="75000"/>
@@ -1667,7 +1751,7 @@
           <a:p>
             <a:fld id="{7F85437B-6C8A-A94E-A4EF-E530FD0AEE96}" type="datetimeFigureOut">
               <a:rPr lang="en-AU" smtClean="0"/>
-              <a:t>27/3/2023</a:t>
+              <a:t>28/3/2023</a:t>
             </a:fld>
             <a:endParaRPr lang="en-AU"/>
           </a:p>
@@ -1718,7 +1802,7 @@
     </p:spTree>
     <p:extLst>
       <p:ext uri="{BB962C8B-B14F-4D97-AF65-F5344CB8AC3E}">
-        <p14:creationId xmlns:p14="http://schemas.microsoft.com/office/powerpoint/2010/main" val="4000672043"/>
+        <p14:creationId xmlns:p14="http://schemas.microsoft.com/office/powerpoint/2010/main" val="148449214"/>
       </p:ext>
     </p:extLst>
   </p:cSld>
@@ -1780,8 +1864,8 @@
         </p:nvSpPr>
         <p:spPr>
           <a:xfrm>
-            <a:off x="518636" y="1947333"/>
-            <a:ext cx="3206115" cy="4641427"/>
+            <a:off x="754380" y="1947333"/>
+            <a:ext cx="4663440" cy="4641427"/>
           </a:xfrm>
         </p:spPr>
         <p:txBody>
@@ -1837,8 +1921,8 @@
         </p:nvSpPr>
         <p:spPr>
           <a:xfrm>
-            <a:off x="3819049" y="1947333"/>
-            <a:ext cx="3206115" cy="4641427"/>
+            <a:off x="5554980" y="1947333"/>
+            <a:ext cx="4663440" cy="4641427"/>
           </a:xfrm>
         </p:spPr>
         <p:txBody>
@@ -1899,7 +1983,7 @@
           <a:p>
             <a:fld id="{7F85437B-6C8A-A94E-A4EF-E530FD0AEE96}" type="datetimeFigureOut">
               <a:rPr lang="en-AU" smtClean="0"/>
-              <a:t>27/3/2023</a:t>
+              <a:t>28/3/2023</a:t>
             </a:fld>
             <a:endParaRPr lang="en-AU"/>
           </a:p>
@@ -1950,7 +2034,7 @@
     </p:spTree>
     <p:extLst>
       <p:ext uri="{BB962C8B-B14F-4D97-AF65-F5344CB8AC3E}">
-        <p14:creationId xmlns:p14="http://schemas.microsoft.com/office/powerpoint/2010/main" val="3749833555"/>
+        <p14:creationId xmlns:p14="http://schemas.microsoft.com/office/powerpoint/2010/main" val="2817876419"/>
       </p:ext>
     </p:extLst>
   </p:cSld>
@@ -1989,8 +2073,8 @@
         </p:nvSpPr>
         <p:spPr>
           <a:xfrm>
-            <a:off x="519619" y="389468"/>
-            <a:ext cx="6506528" cy="1413934"/>
+            <a:off x="755809" y="389468"/>
+            <a:ext cx="9464040" cy="1413934"/>
           </a:xfrm>
         </p:spPr>
         <p:txBody>
@@ -2017,8 +2101,8 @@
         </p:nvSpPr>
         <p:spPr>
           <a:xfrm>
-            <a:off x="519619" y="1793241"/>
-            <a:ext cx="3191381" cy="878839"/>
+            <a:off x="755810" y="1793241"/>
+            <a:ext cx="4642008" cy="878839"/>
           </a:xfrm>
         </p:spPr>
         <p:txBody>
@@ -2026,39 +2110,39 @@
           <a:lstStyle>
             <a:lvl1pPr marL="0" indent="0">
               <a:buNone/>
-              <a:defRPr sz="1980" b="1"/>
+              <a:defRPr sz="2560" b="1"/>
             </a:lvl1pPr>
-            <a:lvl2pPr marL="377190" indent="0">
+            <a:lvl2pPr marL="487695" indent="0">
               <a:buNone/>
-              <a:defRPr sz="1650" b="1"/>
+              <a:defRPr sz="2133" b="1"/>
             </a:lvl2pPr>
-            <a:lvl3pPr marL="754380" indent="0">
+            <a:lvl3pPr marL="975390" indent="0">
               <a:buNone/>
-              <a:defRPr sz="1485" b="1"/>
+              <a:defRPr sz="1920" b="1"/>
             </a:lvl3pPr>
-            <a:lvl4pPr marL="1131570" indent="0">
+            <a:lvl4pPr marL="1463086" indent="0">
               <a:buNone/>
-              <a:defRPr sz="1320" b="1"/>
+              <a:defRPr sz="1707" b="1"/>
             </a:lvl4pPr>
-            <a:lvl5pPr marL="1508760" indent="0">
+            <a:lvl5pPr marL="1950781" indent="0">
               <a:buNone/>
-              <a:defRPr sz="1320" b="1"/>
+              <a:defRPr sz="1707" b="1"/>
             </a:lvl5pPr>
-            <a:lvl6pPr marL="1885950" indent="0">
+            <a:lvl6pPr marL="2438476" indent="0">
               <a:buNone/>
-              <a:defRPr sz="1320" b="1"/>
+              <a:defRPr sz="1707" b="1"/>
             </a:lvl6pPr>
-            <a:lvl7pPr marL="2263140" indent="0">
+            <a:lvl7pPr marL="2926171" indent="0">
               <a:buNone/>
-              <a:defRPr sz="1320" b="1"/>
+              <a:defRPr sz="1707" b="1"/>
             </a:lvl7pPr>
-            <a:lvl8pPr marL="2640330" indent="0">
+            <a:lvl8pPr marL="3413867" indent="0">
               <a:buNone/>
-              <a:defRPr sz="1320" b="1"/>
+              <a:defRPr sz="1707" b="1"/>
             </a:lvl8pPr>
-            <a:lvl9pPr marL="3017520" indent="0">
+            <a:lvl9pPr marL="3901562" indent="0">
               <a:buNone/>
-              <a:defRPr sz="1320" b="1"/>
+              <a:defRPr sz="1707" b="1"/>
             </a:lvl9pPr>
           </a:lstStyle>
           <a:p>
@@ -2082,8 +2166,8 @@
         </p:nvSpPr>
         <p:spPr>
           <a:xfrm>
-            <a:off x="519619" y="2672080"/>
-            <a:ext cx="3191381" cy="3930227"/>
+            <a:off x="755810" y="2672080"/>
+            <a:ext cx="4642008" cy="3930227"/>
           </a:xfrm>
         </p:spPr>
         <p:txBody>
@@ -2139,8 +2223,8 @@
         </p:nvSpPr>
         <p:spPr>
           <a:xfrm>
-            <a:off x="3819049" y="1793241"/>
-            <a:ext cx="3207098" cy="878839"/>
+            <a:off x="5554981" y="1793241"/>
+            <a:ext cx="4664869" cy="878839"/>
           </a:xfrm>
         </p:spPr>
         <p:txBody>
@@ -2148,39 +2232,39 @@
           <a:lstStyle>
             <a:lvl1pPr marL="0" indent="0">
               <a:buNone/>
-              <a:defRPr sz="1980" b="1"/>
+              <a:defRPr sz="2560" b="1"/>
             </a:lvl1pPr>
-            <a:lvl2pPr marL="377190" indent="0">
+            <a:lvl2pPr marL="487695" indent="0">
               <a:buNone/>
-              <a:defRPr sz="1650" b="1"/>
+              <a:defRPr sz="2133" b="1"/>
             </a:lvl2pPr>
-            <a:lvl3pPr marL="754380" indent="0">
+            <a:lvl3pPr marL="975390" indent="0">
               <a:buNone/>
-              <a:defRPr sz="1485" b="1"/>
+              <a:defRPr sz="1920" b="1"/>
             </a:lvl3pPr>
-            <a:lvl4pPr marL="1131570" indent="0">
+            <a:lvl4pPr marL="1463086" indent="0">
               <a:buNone/>
-              <a:defRPr sz="1320" b="1"/>
+              <a:defRPr sz="1707" b="1"/>
             </a:lvl4pPr>
-            <a:lvl5pPr marL="1508760" indent="0">
+            <a:lvl5pPr marL="1950781" indent="0">
               <a:buNone/>
-              <a:defRPr sz="1320" b="1"/>
+              <a:defRPr sz="1707" b="1"/>
             </a:lvl5pPr>
-            <a:lvl6pPr marL="1885950" indent="0">
+            <a:lvl6pPr marL="2438476" indent="0">
               <a:buNone/>
-              <a:defRPr sz="1320" b="1"/>
+              <a:defRPr sz="1707" b="1"/>
             </a:lvl6pPr>
-            <a:lvl7pPr marL="2263140" indent="0">
+            <a:lvl7pPr marL="2926171" indent="0">
               <a:buNone/>
-              <a:defRPr sz="1320" b="1"/>
+              <a:defRPr sz="1707" b="1"/>
             </a:lvl7pPr>
-            <a:lvl8pPr marL="2640330" indent="0">
+            <a:lvl8pPr marL="3413867" indent="0">
               <a:buNone/>
-              <a:defRPr sz="1320" b="1"/>
+              <a:defRPr sz="1707" b="1"/>
             </a:lvl8pPr>
-            <a:lvl9pPr marL="3017520" indent="0">
+            <a:lvl9pPr marL="3901562" indent="0">
               <a:buNone/>
-              <a:defRPr sz="1320" b="1"/>
+              <a:defRPr sz="1707" b="1"/>
             </a:lvl9pPr>
           </a:lstStyle>
           <a:p>
@@ -2204,8 +2288,8 @@
         </p:nvSpPr>
         <p:spPr>
           <a:xfrm>
-            <a:off x="3819049" y="2672080"/>
-            <a:ext cx="3207098" cy="3930227"/>
+            <a:off x="5554981" y="2672080"/>
+            <a:ext cx="4664869" cy="3930227"/>
           </a:xfrm>
         </p:spPr>
         <p:txBody>
@@ -2266,7 +2350,7 @@
           <a:p>
             <a:fld id="{7F85437B-6C8A-A94E-A4EF-E530FD0AEE96}" type="datetimeFigureOut">
               <a:rPr lang="en-AU" smtClean="0"/>
-              <a:t>27/3/2023</a:t>
+              <a:t>28/3/2023</a:t>
             </a:fld>
             <a:endParaRPr lang="en-AU"/>
           </a:p>
@@ -2317,7 +2401,7 @@
     </p:spTree>
     <p:extLst>
       <p:ext uri="{BB962C8B-B14F-4D97-AF65-F5344CB8AC3E}">
-        <p14:creationId xmlns:p14="http://schemas.microsoft.com/office/powerpoint/2010/main" val="3034507819"/>
+        <p14:creationId xmlns:p14="http://schemas.microsoft.com/office/powerpoint/2010/main" val="979726419"/>
       </p:ext>
     </p:extLst>
   </p:cSld>
@@ -2384,7 +2468,7 @@
           <a:p>
             <a:fld id="{7F85437B-6C8A-A94E-A4EF-E530FD0AEE96}" type="datetimeFigureOut">
               <a:rPr lang="en-AU" smtClean="0"/>
-              <a:t>27/3/2023</a:t>
+              <a:t>28/3/2023</a:t>
             </a:fld>
             <a:endParaRPr lang="en-AU"/>
           </a:p>
@@ -2435,7 +2519,7 @@
     </p:spTree>
     <p:extLst>
       <p:ext uri="{BB962C8B-B14F-4D97-AF65-F5344CB8AC3E}">
-        <p14:creationId xmlns:p14="http://schemas.microsoft.com/office/powerpoint/2010/main" val="1467403273"/>
+        <p14:creationId xmlns:p14="http://schemas.microsoft.com/office/powerpoint/2010/main" val="4004464499"/>
       </p:ext>
     </p:extLst>
   </p:cSld>
@@ -2479,7 +2563,7 @@
           <a:p>
             <a:fld id="{7F85437B-6C8A-A94E-A4EF-E530FD0AEE96}" type="datetimeFigureOut">
               <a:rPr lang="en-AU" smtClean="0"/>
-              <a:t>27/3/2023</a:t>
+              <a:t>28/3/2023</a:t>
             </a:fld>
             <a:endParaRPr lang="en-AU"/>
           </a:p>
@@ -2530,7 +2614,7 @@
     </p:spTree>
     <p:extLst>
       <p:ext uri="{BB962C8B-B14F-4D97-AF65-F5344CB8AC3E}">
-        <p14:creationId xmlns:p14="http://schemas.microsoft.com/office/powerpoint/2010/main" val="521132290"/>
+        <p14:creationId xmlns:p14="http://schemas.microsoft.com/office/powerpoint/2010/main" val="290626794"/>
       </p:ext>
     </p:extLst>
   </p:cSld>
@@ -2569,15 +2653,15 @@
         </p:nvSpPr>
         <p:spPr>
           <a:xfrm>
-            <a:off x="519619" y="487680"/>
-            <a:ext cx="2433072" cy="1706880"/>
+            <a:off x="755809" y="487680"/>
+            <a:ext cx="3539014" cy="1706880"/>
           </a:xfrm>
         </p:spPr>
         <p:txBody>
           <a:bodyPr anchor="b"/>
           <a:lstStyle>
             <a:lvl1pPr>
-              <a:defRPr sz="2640"/>
+              <a:defRPr sz="3413"/>
             </a:lvl1pPr>
           </a:lstStyle>
           <a:p>
@@ -2601,39 +2685,39 @@
         </p:nvSpPr>
         <p:spPr>
           <a:xfrm>
-            <a:off x="3207097" y="1053255"/>
-            <a:ext cx="3819049" cy="5198533"/>
+            <a:off x="4664869" y="1053255"/>
+            <a:ext cx="5554980" cy="5198533"/>
           </a:xfrm>
         </p:spPr>
         <p:txBody>
           <a:bodyPr/>
           <a:lstStyle>
             <a:lvl1pPr>
-              <a:defRPr sz="2640"/>
+              <a:defRPr sz="3413"/>
             </a:lvl1pPr>
             <a:lvl2pPr>
-              <a:defRPr sz="2310"/>
+              <a:defRPr sz="2987"/>
             </a:lvl2pPr>
             <a:lvl3pPr>
-              <a:defRPr sz="1980"/>
+              <a:defRPr sz="2560"/>
             </a:lvl3pPr>
             <a:lvl4pPr>
-              <a:defRPr sz="1650"/>
+              <a:defRPr sz="2133"/>
             </a:lvl4pPr>
             <a:lvl5pPr>
-              <a:defRPr sz="1650"/>
+              <a:defRPr sz="2133"/>
             </a:lvl5pPr>
             <a:lvl6pPr>
-              <a:defRPr sz="1650"/>
+              <a:defRPr sz="2133"/>
             </a:lvl6pPr>
             <a:lvl7pPr>
-              <a:defRPr sz="1650"/>
+              <a:defRPr sz="2133"/>
             </a:lvl7pPr>
             <a:lvl8pPr>
-              <a:defRPr sz="1650"/>
+              <a:defRPr sz="2133"/>
             </a:lvl8pPr>
             <a:lvl9pPr>
-              <a:defRPr sz="1650"/>
+              <a:defRPr sz="2133"/>
             </a:lvl9pPr>
           </a:lstStyle>
           <a:p>
@@ -2686,8 +2770,8 @@
         </p:nvSpPr>
         <p:spPr>
           <a:xfrm>
-            <a:off x="519619" y="2194560"/>
-            <a:ext cx="2433072" cy="4065694"/>
+            <a:off x="755809" y="2194560"/>
+            <a:ext cx="3539014" cy="4065694"/>
           </a:xfrm>
         </p:spPr>
         <p:txBody>
@@ -2695,39 +2779,39 @@
           <a:lstStyle>
             <a:lvl1pPr marL="0" indent="0">
               <a:buNone/>
-              <a:defRPr sz="1320"/>
+              <a:defRPr sz="1707"/>
             </a:lvl1pPr>
-            <a:lvl2pPr marL="377190" indent="0">
+            <a:lvl2pPr marL="487695" indent="0">
               <a:buNone/>
-              <a:defRPr sz="1155"/>
+              <a:defRPr sz="1493"/>
             </a:lvl2pPr>
-            <a:lvl3pPr marL="754380" indent="0">
+            <a:lvl3pPr marL="975390" indent="0">
               <a:buNone/>
-              <a:defRPr sz="990"/>
+              <a:defRPr sz="1280"/>
             </a:lvl3pPr>
-            <a:lvl4pPr marL="1131570" indent="0">
+            <a:lvl4pPr marL="1463086" indent="0">
               <a:buNone/>
-              <a:defRPr sz="825"/>
+              <a:defRPr sz="1067"/>
             </a:lvl4pPr>
-            <a:lvl5pPr marL="1508760" indent="0">
+            <a:lvl5pPr marL="1950781" indent="0">
               <a:buNone/>
-              <a:defRPr sz="825"/>
+              <a:defRPr sz="1067"/>
             </a:lvl5pPr>
-            <a:lvl6pPr marL="1885950" indent="0">
+            <a:lvl6pPr marL="2438476" indent="0">
               <a:buNone/>
-              <a:defRPr sz="825"/>
+              <a:defRPr sz="1067"/>
             </a:lvl6pPr>
-            <a:lvl7pPr marL="2263140" indent="0">
+            <a:lvl7pPr marL="2926171" indent="0">
               <a:buNone/>
-              <a:defRPr sz="825"/>
+              <a:defRPr sz="1067"/>
             </a:lvl7pPr>
-            <a:lvl8pPr marL="2640330" indent="0">
+            <a:lvl8pPr marL="3413867" indent="0">
               <a:buNone/>
-              <a:defRPr sz="825"/>
+              <a:defRPr sz="1067"/>
             </a:lvl8pPr>
-            <a:lvl9pPr marL="3017520" indent="0">
+            <a:lvl9pPr marL="3901562" indent="0">
               <a:buNone/>
-              <a:defRPr sz="825"/>
+              <a:defRPr sz="1067"/>
             </a:lvl9pPr>
           </a:lstStyle>
           <a:p>
@@ -2756,7 +2840,7 @@
           <a:p>
             <a:fld id="{7F85437B-6C8A-A94E-A4EF-E530FD0AEE96}" type="datetimeFigureOut">
               <a:rPr lang="en-AU" smtClean="0"/>
-              <a:t>27/3/2023</a:t>
+              <a:t>28/3/2023</a:t>
             </a:fld>
             <a:endParaRPr lang="en-AU"/>
           </a:p>
@@ -2807,7 +2891,7 @@
     </p:spTree>
     <p:extLst>
       <p:ext uri="{BB962C8B-B14F-4D97-AF65-F5344CB8AC3E}">
-        <p14:creationId xmlns:p14="http://schemas.microsoft.com/office/powerpoint/2010/main" val="4039954623"/>
+        <p14:creationId xmlns:p14="http://schemas.microsoft.com/office/powerpoint/2010/main" val="4081519551"/>
       </p:ext>
     </p:extLst>
   </p:cSld>
@@ -2846,15 +2930,15 @@
         </p:nvSpPr>
         <p:spPr>
           <a:xfrm>
-            <a:off x="519619" y="487680"/>
-            <a:ext cx="2433072" cy="1706880"/>
+            <a:off x="755809" y="487680"/>
+            <a:ext cx="3539014" cy="1706880"/>
           </a:xfrm>
         </p:spPr>
         <p:txBody>
           <a:bodyPr anchor="b"/>
           <a:lstStyle>
             <a:lvl1pPr>
-              <a:defRPr sz="2640"/>
+              <a:defRPr sz="3413"/>
             </a:lvl1pPr>
           </a:lstStyle>
           <a:p>
@@ -2878,8 +2962,8 @@
         </p:nvSpPr>
         <p:spPr>
           <a:xfrm>
-            <a:off x="3207097" y="1053255"/>
-            <a:ext cx="3819049" cy="5198533"/>
+            <a:off x="4664869" y="1053255"/>
+            <a:ext cx="5554980" cy="5198533"/>
           </a:xfrm>
         </p:spPr>
         <p:txBody>
@@ -2887,39 +2971,39 @@
           <a:lstStyle>
             <a:lvl1pPr marL="0" indent="0">
               <a:buNone/>
-              <a:defRPr sz="2640"/>
+              <a:defRPr sz="3413"/>
             </a:lvl1pPr>
-            <a:lvl2pPr marL="377190" indent="0">
+            <a:lvl2pPr marL="487695" indent="0">
               <a:buNone/>
-              <a:defRPr sz="2310"/>
+              <a:defRPr sz="2987"/>
             </a:lvl2pPr>
-            <a:lvl3pPr marL="754380" indent="0">
+            <a:lvl3pPr marL="975390" indent="0">
               <a:buNone/>
-              <a:defRPr sz="1980"/>
+              <a:defRPr sz="2560"/>
             </a:lvl3pPr>
-            <a:lvl4pPr marL="1131570" indent="0">
+            <a:lvl4pPr marL="1463086" indent="0">
               <a:buNone/>
-              <a:defRPr sz="1650"/>
+              <a:defRPr sz="2133"/>
             </a:lvl4pPr>
-            <a:lvl5pPr marL="1508760" indent="0">
+            <a:lvl5pPr marL="1950781" indent="0">
               <a:buNone/>
-              <a:defRPr sz="1650"/>
+              <a:defRPr sz="2133"/>
             </a:lvl5pPr>
-            <a:lvl6pPr marL="1885950" indent="0">
+            <a:lvl6pPr marL="2438476" indent="0">
               <a:buNone/>
-              <a:defRPr sz="1650"/>
+              <a:defRPr sz="2133"/>
             </a:lvl6pPr>
-            <a:lvl7pPr marL="2263140" indent="0">
+            <a:lvl7pPr marL="2926171" indent="0">
               <a:buNone/>
-              <a:defRPr sz="1650"/>
+              <a:defRPr sz="2133"/>
             </a:lvl7pPr>
-            <a:lvl8pPr marL="2640330" indent="0">
+            <a:lvl8pPr marL="3413867" indent="0">
               <a:buNone/>
-              <a:defRPr sz="1650"/>
+              <a:defRPr sz="2133"/>
             </a:lvl8pPr>
-            <a:lvl9pPr marL="3017520" indent="0">
+            <a:lvl9pPr marL="3901562" indent="0">
               <a:buNone/>
-              <a:defRPr sz="1650"/>
+              <a:defRPr sz="2133"/>
             </a:lvl9pPr>
           </a:lstStyle>
           <a:p>
@@ -2943,8 +3027,8 @@
         </p:nvSpPr>
         <p:spPr>
           <a:xfrm>
-            <a:off x="519619" y="2194560"/>
-            <a:ext cx="2433072" cy="4065694"/>
+            <a:off x="755809" y="2194560"/>
+            <a:ext cx="3539014" cy="4065694"/>
           </a:xfrm>
         </p:spPr>
         <p:txBody>
@@ -2952,39 +3036,39 @@
           <a:lstStyle>
             <a:lvl1pPr marL="0" indent="0">
               <a:buNone/>
-              <a:defRPr sz="1320"/>
+              <a:defRPr sz="1707"/>
             </a:lvl1pPr>
-            <a:lvl2pPr marL="377190" indent="0">
+            <a:lvl2pPr marL="487695" indent="0">
               <a:buNone/>
-              <a:defRPr sz="1155"/>
+              <a:defRPr sz="1493"/>
             </a:lvl2pPr>
-            <a:lvl3pPr marL="754380" indent="0">
+            <a:lvl3pPr marL="975390" indent="0">
               <a:buNone/>
-              <a:defRPr sz="990"/>
+              <a:defRPr sz="1280"/>
             </a:lvl3pPr>
-            <a:lvl4pPr marL="1131570" indent="0">
+            <a:lvl4pPr marL="1463086" indent="0">
               <a:buNone/>
-              <a:defRPr sz="825"/>
+              <a:defRPr sz="1067"/>
             </a:lvl4pPr>
-            <a:lvl5pPr marL="1508760" indent="0">
+            <a:lvl5pPr marL="1950781" indent="0">
               <a:buNone/>
-              <a:defRPr sz="825"/>
+              <a:defRPr sz="1067"/>
             </a:lvl5pPr>
-            <a:lvl6pPr marL="1885950" indent="0">
+            <a:lvl6pPr marL="2438476" indent="0">
               <a:buNone/>
-              <a:defRPr sz="825"/>
+              <a:defRPr sz="1067"/>
             </a:lvl6pPr>
-            <a:lvl7pPr marL="2263140" indent="0">
+            <a:lvl7pPr marL="2926171" indent="0">
               <a:buNone/>
-              <a:defRPr sz="825"/>
+              <a:defRPr sz="1067"/>
             </a:lvl7pPr>
-            <a:lvl8pPr marL="2640330" indent="0">
+            <a:lvl8pPr marL="3413867" indent="0">
               <a:buNone/>
-              <a:defRPr sz="825"/>
+              <a:defRPr sz="1067"/>
             </a:lvl8pPr>
-            <a:lvl9pPr marL="3017520" indent="0">
+            <a:lvl9pPr marL="3901562" indent="0">
               <a:buNone/>
-              <a:defRPr sz="825"/>
+              <a:defRPr sz="1067"/>
             </a:lvl9pPr>
           </a:lstStyle>
           <a:p>
@@ -3013,7 +3097,7 @@
           <a:p>
             <a:fld id="{7F85437B-6C8A-A94E-A4EF-E530FD0AEE96}" type="datetimeFigureOut">
               <a:rPr lang="en-AU" smtClean="0"/>
-              <a:t>27/3/2023</a:t>
+              <a:t>28/3/2023</a:t>
             </a:fld>
             <a:endParaRPr lang="en-AU"/>
           </a:p>
@@ -3064,7 +3148,7 @@
     </p:spTree>
     <p:extLst>
       <p:ext uri="{BB962C8B-B14F-4D97-AF65-F5344CB8AC3E}">
-        <p14:creationId xmlns:p14="http://schemas.microsoft.com/office/powerpoint/2010/main" val="3780116634"/>
+        <p14:creationId xmlns:p14="http://schemas.microsoft.com/office/powerpoint/2010/main" val="1465472558"/>
       </p:ext>
     </p:extLst>
   </p:cSld>
@@ -3108,8 +3192,8 @@
         </p:nvSpPr>
         <p:spPr>
           <a:xfrm>
-            <a:off x="518636" y="389468"/>
-            <a:ext cx="6506528" cy="1413934"/>
+            <a:off x="754380" y="389468"/>
+            <a:ext cx="9464040" cy="1413934"/>
           </a:xfrm>
           <a:prstGeom prst="rect">
             <a:avLst/>
@@ -3141,8 +3225,8 @@
         </p:nvSpPr>
         <p:spPr>
           <a:xfrm>
-            <a:off x="518636" y="1947333"/>
-            <a:ext cx="6506528" cy="4641427"/>
+            <a:off x="754380" y="1947333"/>
+            <a:ext cx="9464040" cy="4641427"/>
           </a:xfrm>
           <a:prstGeom prst="rect">
             <a:avLst/>
@@ -3203,8 +3287,8 @@
         </p:nvSpPr>
         <p:spPr>
           <a:xfrm>
-            <a:off x="518636" y="6780108"/>
-            <a:ext cx="1697355" cy="389467"/>
+            <a:off x="754380" y="6780108"/>
+            <a:ext cx="2468880" cy="389467"/>
           </a:xfrm>
           <a:prstGeom prst="rect">
             <a:avLst/>
@@ -3214,7 +3298,7 @@
           <a:bodyPr vert="horz" lIns="91440" tIns="45720" rIns="91440" bIns="45720" rtlCol="0" anchor="ctr"/>
           <a:lstStyle>
             <a:lvl1pPr algn="l">
-              <a:defRPr sz="990">
+              <a:defRPr sz="1280">
                 <a:solidFill>
                   <a:schemeClr val="tx1">
                     <a:tint val="75000"/>
@@ -3226,7 +3310,7 @@
           <a:p>
             <a:fld id="{7F85437B-6C8A-A94E-A4EF-E530FD0AEE96}" type="datetimeFigureOut">
               <a:rPr lang="en-AU" smtClean="0"/>
-              <a:t>27/3/2023</a:t>
+              <a:t>28/3/2023</a:t>
             </a:fld>
             <a:endParaRPr lang="en-AU"/>
           </a:p>
@@ -3244,8 +3328,8 @@
         </p:nvSpPr>
         <p:spPr>
           <a:xfrm>
-            <a:off x="2498884" y="6780108"/>
-            <a:ext cx="2546033" cy="389467"/>
+            <a:off x="3634740" y="6780108"/>
+            <a:ext cx="3703320" cy="389467"/>
           </a:xfrm>
           <a:prstGeom prst="rect">
             <a:avLst/>
@@ -3255,7 +3339,7 @@
           <a:bodyPr vert="horz" lIns="91440" tIns="45720" rIns="91440" bIns="45720" rtlCol="0" anchor="ctr"/>
           <a:lstStyle>
             <a:lvl1pPr algn="ctr">
-              <a:defRPr sz="990">
+              <a:defRPr sz="1280">
                 <a:solidFill>
                   <a:schemeClr val="tx1">
                     <a:tint val="75000"/>
@@ -3281,8 +3365,8 @@
         </p:nvSpPr>
         <p:spPr>
           <a:xfrm>
-            <a:off x="5327809" y="6780108"/>
-            <a:ext cx="1697355" cy="389467"/>
+            <a:off x="7749540" y="6780108"/>
+            <a:ext cx="2468880" cy="389467"/>
           </a:xfrm>
           <a:prstGeom prst="rect">
             <a:avLst/>
@@ -3292,7 +3376,7 @@
           <a:bodyPr vert="horz" lIns="91440" tIns="45720" rIns="91440" bIns="45720" rtlCol="0" anchor="ctr"/>
           <a:lstStyle>
             <a:lvl1pPr algn="r">
-              <a:defRPr sz="990">
+              <a:defRPr sz="1280">
                 <a:solidFill>
                   <a:schemeClr val="tx1">
                     <a:tint val="75000"/>
@@ -3313,27 +3397,27 @@
     </p:spTree>
     <p:extLst>
       <p:ext uri="{BB962C8B-B14F-4D97-AF65-F5344CB8AC3E}">
-        <p14:creationId xmlns:p14="http://schemas.microsoft.com/office/powerpoint/2010/main" val="1532379049"/>
+        <p14:creationId xmlns:p14="http://schemas.microsoft.com/office/powerpoint/2010/main" val="2488580012"/>
       </p:ext>
     </p:extLst>
   </p:cSld>
   <p:clrMap bg1="lt1" tx1="dk1" bg2="lt2" tx2="dk2" accent1="accent1" accent2="accent2" accent3="accent3" accent4="accent4" accent5="accent5" accent6="accent6" hlink="hlink" folHlink="folHlink"/>
   <p:sldLayoutIdLst>
-    <p:sldLayoutId id="2147483661" r:id="rId1"/>
-    <p:sldLayoutId id="2147483662" r:id="rId2"/>
-    <p:sldLayoutId id="2147483663" r:id="rId3"/>
-    <p:sldLayoutId id="2147483664" r:id="rId4"/>
-    <p:sldLayoutId id="2147483665" r:id="rId5"/>
-    <p:sldLayoutId id="2147483666" r:id="rId6"/>
-    <p:sldLayoutId id="2147483667" r:id="rId7"/>
-    <p:sldLayoutId id="2147483668" r:id="rId8"/>
-    <p:sldLayoutId id="2147483669" r:id="rId9"/>
-    <p:sldLayoutId id="2147483670" r:id="rId10"/>
-    <p:sldLayoutId id="2147483671" r:id="rId11"/>
+    <p:sldLayoutId id="2147483673" r:id="rId1"/>
+    <p:sldLayoutId id="2147483674" r:id="rId2"/>
+    <p:sldLayoutId id="2147483675" r:id="rId3"/>
+    <p:sldLayoutId id="2147483676" r:id="rId4"/>
+    <p:sldLayoutId id="2147483677" r:id="rId5"/>
+    <p:sldLayoutId id="2147483678" r:id="rId6"/>
+    <p:sldLayoutId id="2147483679" r:id="rId7"/>
+    <p:sldLayoutId id="2147483680" r:id="rId8"/>
+    <p:sldLayoutId id="2147483681" r:id="rId9"/>
+    <p:sldLayoutId id="2147483682" r:id="rId10"/>
+    <p:sldLayoutId id="2147483683" r:id="rId11"/>
   </p:sldLayoutIdLst>
   <p:txStyles>
     <p:titleStyle>
-      <a:lvl1pPr algn="l" defTabSz="754380" rtl="0" eaLnBrk="1" latinLnBrk="0" hangingPunct="1">
+      <a:lvl1pPr algn="l" defTabSz="975390" rtl="0" eaLnBrk="1" latinLnBrk="0" hangingPunct="1">
         <a:lnSpc>
           <a:spcPct val="90000"/>
         </a:lnSpc>
@@ -3341,7 +3425,7 @@
           <a:spcPct val="0"/>
         </a:spcBef>
         <a:buNone/>
-        <a:defRPr sz="3630" kern="1200">
+        <a:defRPr sz="4693" kern="1200">
           <a:solidFill>
             <a:schemeClr val="tx1"/>
           </a:solidFill>
@@ -3352,16 +3436,16 @@
       </a:lvl1pPr>
     </p:titleStyle>
     <p:bodyStyle>
-      <a:lvl1pPr marL="188595" indent="-188595" algn="l" defTabSz="754380" rtl="0" eaLnBrk="1" latinLnBrk="0" hangingPunct="1">
+      <a:lvl1pPr marL="243848" indent="-243848" algn="l" defTabSz="975390" rtl="0" eaLnBrk="1" latinLnBrk="0" hangingPunct="1">
         <a:lnSpc>
           <a:spcPct val="90000"/>
         </a:lnSpc>
         <a:spcBef>
-          <a:spcPts val="825"/>
+          <a:spcPts val="1067"/>
         </a:spcBef>
         <a:buFont typeface="Arial" panose="020B0604020202020204" pitchFamily="34" charset="0"/>
         <a:buChar char="•"/>
-        <a:defRPr sz="2310" kern="1200">
+        <a:defRPr sz="2987" kern="1200">
           <a:solidFill>
             <a:schemeClr val="tx1"/>
           </a:solidFill>
@@ -3370,16 +3454,16 @@
           <a:cs typeface="+mn-cs"/>
         </a:defRPr>
       </a:lvl1pPr>
-      <a:lvl2pPr marL="565785" indent="-188595" algn="l" defTabSz="754380" rtl="0" eaLnBrk="1" latinLnBrk="0" hangingPunct="1">
+      <a:lvl2pPr marL="731543" indent="-243848" algn="l" defTabSz="975390" rtl="0" eaLnBrk="1" latinLnBrk="0" hangingPunct="1">
         <a:lnSpc>
           <a:spcPct val="90000"/>
         </a:lnSpc>
         <a:spcBef>
-          <a:spcPts val="413"/>
+          <a:spcPts val="533"/>
         </a:spcBef>
         <a:buFont typeface="Arial" panose="020B0604020202020204" pitchFamily="34" charset="0"/>
         <a:buChar char="•"/>
-        <a:defRPr sz="1980" kern="1200">
+        <a:defRPr sz="2560" kern="1200">
           <a:solidFill>
             <a:schemeClr val="tx1"/>
           </a:solidFill>
@@ -3388,16 +3472,16 @@
           <a:cs typeface="+mn-cs"/>
         </a:defRPr>
       </a:lvl2pPr>
-      <a:lvl3pPr marL="942975" indent="-188595" algn="l" defTabSz="754380" rtl="0" eaLnBrk="1" latinLnBrk="0" hangingPunct="1">
+      <a:lvl3pPr marL="1219238" indent="-243848" algn="l" defTabSz="975390" rtl="0" eaLnBrk="1" latinLnBrk="0" hangingPunct="1">
         <a:lnSpc>
           <a:spcPct val="90000"/>
         </a:lnSpc>
         <a:spcBef>
-          <a:spcPts val="413"/>
+          <a:spcPts val="533"/>
         </a:spcBef>
         <a:buFont typeface="Arial" panose="020B0604020202020204" pitchFamily="34" charset="0"/>
         <a:buChar char="•"/>
-        <a:defRPr sz="1650" kern="1200">
+        <a:defRPr sz="2133" kern="1200">
           <a:solidFill>
             <a:schemeClr val="tx1"/>
           </a:solidFill>
@@ -3406,16 +3490,16 @@
           <a:cs typeface="+mn-cs"/>
         </a:defRPr>
       </a:lvl3pPr>
-      <a:lvl4pPr marL="1320165" indent="-188595" algn="l" defTabSz="754380" rtl="0" eaLnBrk="1" latinLnBrk="0" hangingPunct="1">
+      <a:lvl4pPr marL="1706933" indent="-243848" algn="l" defTabSz="975390" rtl="0" eaLnBrk="1" latinLnBrk="0" hangingPunct="1">
         <a:lnSpc>
           <a:spcPct val="90000"/>
         </a:lnSpc>
         <a:spcBef>
-          <a:spcPts val="413"/>
+          <a:spcPts val="533"/>
         </a:spcBef>
         <a:buFont typeface="Arial" panose="020B0604020202020204" pitchFamily="34" charset="0"/>
         <a:buChar char="•"/>
-        <a:defRPr sz="1485" kern="1200">
+        <a:defRPr sz="1920" kern="1200">
           <a:solidFill>
             <a:schemeClr val="tx1"/>
           </a:solidFill>
@@ -3424,16 +3508,16 @@
           <a:cs typeface="+mn-cs"/>
         </a:defRPr>
       </a:lvl4pPr>
-      <a:lvl5pPr marL="1697355" indent="-188595" algn="l" defTabSz="754380" rtl="0" eaLnBrk="1" latinLnBrk="0" hangingPunct="1">
+      <a:lvl5pPr marL="2194629" indent="-243848" algn="l" defTabSz="975390" rtl="0" eaLnBrk="1" latinLnBrk="0" hangingPunct="1">
         <a:lnSpc>
           <a:spcPct val="90000"/>
         </a:lnSpc>
         <a:spcBef>
-          <a:spcPts val="413"/>
+          <a:spcPts val="533"/>
         </a:spcBef>
         <a:buFont typeface="Arial" panose="020B0604020202020204" pitchFamily="34" charset="0"/>
         <a:buChar char="•"/>
-        <a:defRPr sz="1485" kern="1200">
+        <a:defRPr sz="1920" kern="1200">
           <a:solidFill>
             <a:schemeClr val="tx1"/>
           </a:solidFill>
@@ -3442,16 +3526,16 @@
           <a:cs typeface="+mn-cs"/>
         </a:defRPr>
       </a:lvl5pPr>
-      <a:lvl6pPr marL="2074545" indent="-188595" algn="l" defTabSz="754380" rtl="0" eaLnBrk="1" latinLnBrk="0" hangingPunct="1">
+      <a:lvl6pPr marL="2682324" indent="-243848" algn="l" defTabSz="975390" rtl="0" eaLnBrk="1" latinLnBrk="0" hangingPunct="1">
         <a:lnSpc>
           <a:spcPct val="90000"/>
         </a:lnSpc>
         <a:spcBef>
-          <a:spcPts val="413"/>
+          <a:spcPts val="533"/>
         </a:spcBef>
         <a:buFont typeface="Arial" panose="020B0604020202020204" pitchFamily="34" charset="0"/>
         <a:buChar char="•"/>
-        <a:defRPr sz="1485" kern="1200">
+        <a:defRPr sz="1920" kern="1200">
           <a:solidFill>
             <a:schemeClr val="tx1"/>
           </a:solidFill>
@@ -3460,16 +3544,16 @@
           <a:cs typeface="+mn-cs"/>
         </a:defRPr>
       </a:lvl6pPr>
-      <a:lvl7pPr marL="2451735" indent="-188595" algn="l" defTabSz="754380" rtl="0" eaLnBrk="1" latinLnBrk="0" hangingPunct="1">
+      <a:lvl7pPr marL="3170019" indent="-243848" algn="l" defTabSz="975390" rtl="0" eaLnBrk="1" latinLnBrk="0" hangingPunct="1">
         <a:lnSpc>
           <a:spcPct val="90000"/>
         </a:lnSpc>
         <a:spcBef>
-          <a:spcPts val="413"/>
+          <a:spcPts val="533"/>
         </a:spcBef>
         <a:buFont typeface="Arial" panose="020B0604020202020204" pitchFamily="34" charset="0"/>
         <a:buChar char="•"/>
-        <a:defRPr sz="1485" kern="1200">
+        <a:defRPr sz="1920" kern="1200">
           <a:solidFill>
             <a:schemeClr val="tx1"/>
           </a:solidFill>
@@ -3478,16 +3562,16 @@
           <a:cs typeface="+mn-cs"/>
         </a:defRPr>
       </a:lvl7pPr>
-      <a:lvl8pPr marL="2828925" indent="-188595" algn="l" defTabSz="754380" rtl="0" eaLnBrk="1" latinLnBrk="0" hangingPunct="1">
+      <a:lvl8pPr marL="3657714" indent="-243848" algn="l" defTabSz="975390" rtl="0" eaLnBrk="1" latinLnBrk="0" hangingPunct="1">
         <a:lnSpc>
           <a:spcPct val="90000"/>
         </a:lnSpc>
         <a:spcBef>
-          <a:spcPts val="413"/>
+          <a:spcPts val="533"/>
         </a:spcBef>
         <a:buFont typeface="Arial" panose="020B0604020202020204" pitchFamily="34" charset="0"/>
         <a:buChar char="•"/>
-        <a:defRPr sz="1485" kern="1200">
+        <a:defRPr sz="1920" kern="1200">
           <a:solidFill>
             <a:schemeClr val="tx1"/>
           </a:solidFill>
@@ -3496,16 +3580,16 @@
           <a:cs typeface="+mn-cs"/>
         </a:defRPr>
       </a:lvl8pPr>
-      <a:lvl9pPr marL="3206115" indent="-188595" algn="l" defTabSz="754380" rtl="0" eaLnBrk="1" latinLnBrk="0" hangingPunct="1">
+      <a:lvl9pPr marL="4145410" indent="-243848" algn="l" defTabSz="975390" rtl="0" eaLnBrk="1" latinLnBrk="0" hangingPunct="1">
         <a:lnSpc>
           <a:spcPct val="90000"/>
         </a:lnSpc>
         <a:spcBef>
-          <a:spcPts val="413"/>
+          <a:spcPts val="533"/>
         </a:spcBef>
         <a:buFont typeface="Arial" panose="020B0604020202020204" pitchFamily="34" charset="0"/>
         <a:buChar char="•"/>
-        <a:defRPr sz="1485" kern="1200">
+        <a:defRPr sz="1920" kern="1200">
           <a:solidFill>
             <a:schemeClr val="tx1"/>
           </a:solidFill>
@@ -3519,8 +3603,8 @@
       <a:defPPr>
         <a:defRPr lang="en-US"/>
       </a:defPPr>
-      <a:lvl1pPr marL="0" algn="l" defTabSz="754380" rtl="0" eaLnBrk="1" latinLnBrk="0" hangingPunct="1">
-        <a:defRPr sz="1485" kern="1200">
+      <a:lvl1pPr marL="0" algn="l" defTabSz="975390" rtl="0" eaLnBrk="1" latinLnBrk="0" hangingPunct="1">
+        <a:defRPr sz="1920" kern="1200">
           <a:solidFill>
             <a:schemeClr val="tx1"/>
           </a:solidFill>
@@ -3529,8 +3613,8 @@
           <a:cs typeface="+mn-cs"/>
         </a:defRPr>
       </a:lvl1pPr>
-      <a:lvl2pPr marL="377190" algn="l" defTabSz="754380" rtl="0" eaLnBrk="1" latinLnBrk="0" hangingPunct="1">
-        <a:defRPr sz="1485" kern="1200">
+      <a:lvl2pPr marL="487695" algn="l" defTabSz="975390" rtl="0" eaLnBrk="1" latinLnBrk="0" hangingPunct="1">
+        <a:defRPr sz="1920" kern="1200">
           <a:solidFill>
             <a:schemeClr val="tx1"/>
           </a:solidFill>
@@ -3539,8 +3623,8 @@
           <a:cs typeface="+mn-cs"/>
         </a:defRPr>
       </a:lvl2pPr>
-      <a:lvl3pPr marL="754380" algn="l" defTabSz="754380" rtl="0" eaLnBrk="1" latinLnBrk="0" hangingPunct="1">
-        <a:defRPr sz="1485" kern="1200">
+      <a:lvl3pPr marL="975390" algn="l" defTabSz="975390" rtl="0" eaLnBrk="1" latinLnBrk="0" hangingPunct="1">
+        <a:defRPr sz="1920" kern="1200">
           <a:solidFill>
             <a:schemeClr val="tx1"/>
           </a:solidFill>
@@ -3549,8 +3633,8 @@
           <a:cs typeface="+mn-cs"/>
         </a:defRPr>
       </a:lvl3pPr>
-      <a:lvl4pPr marL="1131570" algn="l" defTabSz="754380" rtl="0" eaLnBrk="1" latinLnBrk="0" hangingPunct="1">
-        <a:defRPr sz="1485" kern="1200">
+      <a:lvl4pPr marL="1463086" algn="l" defTabSz="975390" rtl="0" eaLnBrk="1" latinLnBrk="0" hangingPunct="1">
+        <a:defRPr sz="1920" kern="1200">
           <a:solidFill>
             <a:schemeClr val="tx1"/>
           </a:solidFill>
@@ -3559,8 +3643,8 @@
           <a:cs typeface="+mn-cs"/>
         </a:defRPr>
       </a:lvl4pPr>
-      <a:lvl5pPr marL="1508760" algn="l" defTabSz="754380" rtl="0" eaLnBrk="1" latinLnBrk="0" hangingPunct="1">
-        <a:defRPr sz="1485" kern="1200">
+      <a:lvl5pPr marL="1950781" algn="l" defTabSz="975390" rtl="0" eaLnBrk="1" latinLnBrk="0" hangingPunct="1">
+        <a:defRPr sz="1920" kern="1200">
           <a:solidFill>
             <a:schemeClr val="tx1"/>
           </a:solidFill>
@@ -3569,8 +3653,8 @@
           <a:cs typeface="+mn-cs"/>
         </a:defRPr>
       </a:lvl5pPr>
-      <a:lvl6pPr marL="1885950" algn="l" defTabSz="754380" rtl="0" eaLnBrk="1" latinLnBrk="0" hangingPunct="1">
-        <a:defRPr sz="1485" kern="1200">
+      <a:lvl6pPr marL="2438476" algn="l" defTabSz="975390" rtl="0" eaLnBrk="1" latinLnBrk="0" hangingPunct="1">
+        <a:defRPr sz="1920" kern="1200">
           <a:solidFill>
             <a:schemeClr val="tx1"/>
           </a:solidFill>
@@ -3579,8 +3663,8 @@
           <a:cs typeface="+mn-cs"/>
         </a:defRPr>
       </a:lvl6pPr>
-      <a:lvl7pPr marL="2263140" algn="l" defTabSz="754380" rtl="0" eaLnBrk="1" latinLnBrk="0" hangingPunct="1">
-        <a:defRPr sz="1485" kern="1200">
+      <a:lvl7pPr marL="2926171" algn="l" defTabSz="975390" rtl="0" eaLnBrk="1" latinLnBrk="0" hangingPunct="1">
+        <a:defRPr sz="1920" kern="1200">
           <a:solidFill>
             <a:schemeClr val="tx1"/>
           </a:solidFill>
@@ -3589,8 +3673,8 @@
           <a:cs typeface="+mn-cs"/>
         </a:defRPr>
       </a:lvl7pPr>
-      <a:lvl8pPr marL="2640330" algn="l" defTabSz="754380" rtl="0" eaLnBrk="1" latinLnBrk="0" hangingPunct="1">
-        <a:defRPr sz="1485" kern="1200">
+      <a:lvl8pPr marL="3413867" algn="l" defTabSz="975390" rtl="0" eaLnBrk="1" latinLnBrk="0" hangingPunct="1">
+        <a:defRPr sz="1920" kern="1200">
           <a:solidFill>
             <a:schemeClr val="tx1"/>
           </a:solidFill>
@@ -3599,8 +3683,8 @@
           <a:cs typeface="+mn-cs"/>
         </a:defRPr>
       </a:lvl8pPr>
-      <a:lvl9pPr marL="3017520" algn="l" defTabSz="754380" rtl="0" eaLnBrk="1" latinLnBrk="0" hangingPunct="1">
-        <a:defRPr sz="1485" kern="1200">
+      <a:lvl9pPr marL="3901562" algn="l" defTabSz="975390" rtl="0" eaLnBrk="1" latinLnBrk="0" hangingPunct="1">
+        <a:defRPr sz="1920" kern="1200">
           <a:solidFill>
             <a:schemeClr val="tx1"/>
           </a:solidFill>
@@ -3633,10 +3717,10 @@
       </p:grpSpPr>
       <p:pic>
         <p:nvPicPr>
-          <p:cNvPr id="79" name="Picture 78" descr="A picture containing background pattern&#10;&#10;Description automatically generated">
+          <p:cNvPr id="107" name="Picture 106" descr="Diagram&#10;&#10;Description automatically generated">
             <a:extLst>
               <a:ext uri="{FF2B5EF4-FFF2-40B4-BE49-F238E27FC236}">
-                <a16:creationId xmlns:a16="http://schemas.microsoft.com/office/drawing/2014/main" id="{6D6F1B4D-CA03-4EC7-85AC-2952E53DFEC0}"/>
+                <a16:creationId xmlns:a16="http://schemas.microsoft.com/office/drawing/2014/main" id="{8C799E6B-D751-8A36-66D6-1A53BC48BDF6}"/>
               </a:ext>
             </a:extLst>
           </p:cNvPr>
@@ -3645,15 +3729,16 @@
           </p:cNvPicPr>
           <p:nvPr/>
         </p:nvPicPr>
-        <p:blipFill rotWithShape="1">
+        <p:blipFill>
           <a:blip r:embed="rId3"/>
-          <a:srcRect l="6779" r="87362" b="19756"/>
-          <a:stretch/>
+          <a:stretch>
+            <a:fillRect/>
+          </a:stretch>
         </p:blipFill>
         <p:spPr>
-          <a:xfrm flipH="1">
-            <a:off x="1540573" y="1811152"/>
-            <a:ext cx="149568" cy="2048547"/>
+          <a:xfrm>
+            <a:off x="3507159" y="1825175"/>
+            <a:ext cx="2424173" cy="2666591"/>
           </a:xfrm>
           <a:prstGeom prst="rect">
             <a:avLst/>
@@ -3682,7 +3767,7 @@
         </p:blipFill>
         <p:spPr>
           <a:xfrm>
-            <a:off x="4697859" y="807686"/>
+            <a:off x="4697859" y="807687"/>
             <a:ext cx="1048903" cy="888029"/>
           </a:xfrm>
           <a:prstGeom prst="rect">
@@ -3712,7 +3797,7 @@
         </p:blipFill>
         <p:spPr>
           <a:xfrm>
-            <a:off x="3705626" y="593060"/>
+            <a:off x="3705626" y="593061"/>
             <a:ext cx="679433" cy="710791"/>
           </a:xfrm>
           <a:prstGeom prst="rect">
@@ -3742,7 +3827,7 @@
         </p:blipFill>
         <p:spPr>
           <a:xfrm>
-            <a:off x="1756114" y="645246"/>
+            <a:off x="1756113" y="645246"/>
             <a:ext cx="1656354" cy="908322"/>
           </a:xfrm>
           <a:prstGeom prst="rect">
@@ -3808,7 +3893,7 @@
         </p:nvSpPr>
         <p:spPr>
           <a:xfrm>
-            <a:off x="3480591" y="1286497"/>
+            <a:off x="3480590" y="1286497"/>
             <a:ext cx="1092276" cy="272832"/>
           </a:xfrm>
           <a:prstGeom prst="rect">
@@ -3897,7 +3982,7 @@
         </p:nvSpPr>
         <p:spPr>
           <a:xfrm>
-            <a:off x="4614980" y="302089"/>
+            <a:off x="4614980" y="302090"/>
             <a:ext cx="1165425" cy="437043"/>
           </a:xfrm>
           <a:prstGeom prst="rect">
@@ -3985,7 +4070,7 @@
         </p:nvSpPr>
         <p:spPr>
           <a:xfrm>
-            <a:off x="1861868" y="359919"/>
+            <a:off x="1861867" y="359919"/>
             <a:ext cx="1092276" cy="272832"/>
           </a:xfrm>
           <a:prstGeom prst="rect">
@@ -4030,7 +4115,7 @@
         </p:nvSpPr>
         <p:spPr>
           <a:xfrm>
-            <a:off x="3465794" y="363666"/>
+            <a:off x="3465793" y="363666"/>
             <a:ext cx="1092276" cy="272832"/>
           </a:xfrm>
           <a:prstGeom prst="rect">
@@ -4075,7 +4160,7 @@
         </p:nvSpPr>
         <p:spPr>
           <a:xfrm>
-            <a:off x="4497646" y="369505"/>
+            <a:off x="4497646" y="369506"/>
             <a:ext cx="69153" cy="1310713"/>
           </a:xfrm>
           <a:prstGeom prst="rightBracket">
@@ -4134,7 +4219,7 @@
         </p:blipFill>
         <p:spPr>
           <a:xfrm>
-            <a:off x="173948" y="242967"/>
+            <a:off x="173947" y="242967"/>
             <a:ext cx="714672" cy="476448"/>
           </a:xfrm>
           <a:prstGeom prst="rect">
@@ -4156,7 +4241,7 @@
         </p:nvGrpSpPr>
         <p:grpSpPr>
           <a:xfrm>
-            <a:off x="638092" y="703349"/>
+            <a:off x="638092" y="703350"/>
             <a:ext cx="848951" cy="106109"/>
             <a:chOff x="357691" y="8449786"/>
             <a:chExt cx="2703561" cy="441505"/>
@@ -4294,7 +4379,7 @@
         </p:blipFill>
         <p:spPr bwMode="auto">
           <a:xfrm>
-            <a:off x="991181" y="842534"/>
+            <a:off x="991180" y="842535"/>
             <a:ext cx="243260" cy="257767"/>
           </a:xfrm>
           <a:prstGeom prst="rect">
@@ -4328,7 +4413,7 @@
         </p:nvCxnSpPr>
         <p:spPr>
           <a:xfrm>
-            <a:off x="1276206" y="852336"/>
+            <a:off x="1276205" y="852337"/>
             <a:ext cx="0" cy="284519"/>
           </a:xfrm>
           <a:prstGeom prst="straightConnector1">
@@ -4377,7 +4462,7 @@
         </p:blipFill>
         <p:spPr>
           <a:xfrm>
-            <a:off x="134920" y="1178859"/>
+            <a:off x="134919" y="1178860"/>
             <a:ext cx="1422012" cy="92167"/>
           </a:xfrm>
           <a:prstGeom prst="rect">
@@ -4532,7 +4617,7 @@
         </p:nvSpPr>
         <p:spPr>
           <a:xfrm>
-            <a:off x="24522" y="1705715"/>
+            <a:off x="24521" y="1705716"/>
             <a:ext cx="553376" cy="372859"/>
           </a:xfrm>
           <a:prstGeom prst="rect">
@@ -4576,7 +4661,7 @@
         </p:nvSpPr>
         <p:spPr>
           <a:xfrm>
-            <a:off x="5503717" y="4040955"/>
+            <a:off x="144089" y="4564217"/>
             <a:ext cx="553376" cy="372859"/>
           </a:xfrm>
           <a:prstGeom prst="rect">
@@ -4608,10 +4693,10 @@
       </p:sp>
       <p:grpSp>
         <p:nvGrpSpPr>
-          <p:cNvPr id="65" name="Group 64">
+          <p:cNvPr id="87" name="Group 86">
             <a:extLst>
               <a:ext uri="{FF2B5EF4-FFF2-40B4-BE49-F238E27FC236}">
-                <a16:creationId xmlns:a16="http://schemas.microsoft.com/office/drawing/2014/main" id="{8AF09BC9-4EF2-2CF0-5DCB-DE1C35CC336E}"/>
+                <a16:creationId xmlns:a16="http://schemas.microsoft.com/office/drawing/2014/main" id="{BCB396B3-DE02-31B4-C21F-58EF84AE7D83}"/>
               </a:ext>
             </a:extLst>
           </p:cNvPr>
@@ -4620,18 +4705,18 @@
         </p:nvGrpSpPr>
         <p:grpSpPr>
           <a:xfrm>
-            <a:off x="5711132" y="4161783"/>
-            <a:ext cx="1898433" cy="3149591"/>
-            <a:chOff x="3842988" y="1803716"/>
-            <a:chExt cx="1898433" cy="3149591"/>
+            <a:off x="94473" y="1751912"/>
+            <a:ext cx="3101880" cy="2803945"/>
+            <a:chOff x="94474" y="1751911"/>
+            <a:chExt cx="3426574" cy="3097452"/>
           </a:xfrm>
         </p:grpSpPr>
         <p:pic>
           <p:nvPicPr>
-            <p:cNvPr id="66" name="Picture 65">
+            <p:cNvPr id="79" name="Picture 78" descr="A picture containing background pattern&#10;&#10;Description automatically generated">
               <a:extLst>
                 <a:ext uri="{FF2B5EF4-FFF2-40B4-BE49-F238E27FC236}">
-                  <a16:creationId xmlns:a16="http://schemas.microsoft.com/office/drawing/2014/main" id="{972D7265-2239-43BD-4FCE-D8608CED4D0C}"/>
+                  <a16:creationId xmlns:a16="http://schemas.microsoft.com/office/drawing/2014/main" id="{6D6F1B4D-CA03-4EC7-85AC-2952E53DFEC0}"/>
                 </a:ext>
               </a:extLst>
             </p:cNvPr>
@@ -4642,6 +4727,310 @@
           </p:nvPicPr>
           <p:blipFill rotWithShape="1">
             <a:blip r:embed="rId14"/>
+            <a:srcRect l="6779" r="87362" b="19756"/>
+            <a:stretch/>
+          </p:blipFill>
+          <p:spPr>
+            <a:xfrm flipH="1">
+              <a:off x="1540573" y="1811152"/>
+              <a:ext cx="149568" cy="2048547"/>
+            </a:xfrm>
+            <a:prstGeom prst="rect">
+              <a:avLst/>
+            </a:prstGeom>
+          </p:spPr>
+        </p:pic>
+        <p:pic>
+          <p:nvPicPr>
+            <p:cNvPr id="83" name="Picture 82" descr="Graphical user interface, application, Teams&#10;&#10;Description automatically generated">
+              <a:extLst>
+                <a:ext uri="{FF2B5EF4-FFF2-40B4-BE49-F238E27FC236}">
+                  <a16:creationId xmlns:a16="http://schemas.microsoft.com/office/drawing/2014/main" id="{1D7C0A7C-8DAC-05C5-8CDC-B1571604C426}"/>
+                </a:ext>
+              </a:extLst>
+            </p:cNvPr>
+            <p:cNvPicPr>
+              <a:picLocks noChangeAspect="1"/>
+            </p:cNvPicPr>
+            <p:nvPr/>
+          </p:nvPicPr>
+          <p:blipFill rotWithShape="1">
+            <a:blip r:embed="rId15"/>
+            <a:srcRect l="47296"/>
+            <a:stretch/>
+          </p:blipFill>
+          <p:spPr>
+            <a:xfrm>
+              <a:off x="1713332" y="1762397"/>
+              <a:ext cx="1807716" cy="3086966"/>
+            </a:xfrm>
+            <a:prstGeom prst="rect">
+              <a:avLst/>
+            </a:prstGeom>
+          </p:spPr>
+        </p:pic>
+        <p:pic>
+          <p:nvPicPr>
+            <p:cNvPr id="84" name="Picture 83" descr="Graphical user interface, application, Teams&#10;&#10;Description automatically generated">
+              <a:extLst>
+                <a:ext uri="{FF2B5EF4-FFF2-40B4-BE49-F238E27FC236}">
+                  <a16:creationId xmlns:a16="http://schemas.microsoft.com/office/drawing/2014/main" id="{6FC4A681-E7BB-AC5B-E8E7-25FD2BD7547F}"/>
+                </a:ext>
+              </a:extLst>
+            </p:cNvPr>
+            <p:cNvPicPr>
+              <a:picLocks noChangeAspect="1"/>
+            </p:cNvPicPr>
+            <p:nvPr/>
+          </p:nvPicPr>
+          <p:blipFill rotWithShape="1">
+            <a:blip r:embed="rId15"/>
+            <a:srcRect l="5837" r="52704" b="34265"/>
+            <a:stretch/>
+          </p:blipFill>
+          <p:spPr>
+            <a:xfrm>
+              <a:off x="94474" y="1751911"/>
+              <a:ext cx="1422012" cy="2029203"/>
+            </a:xfrm>
+            <a:prstGeom prst="rect">
+              <a:avLst/>
+            </a:prstGeom>
+          </p:spPr>
+        </p:pic>
+        <p:pic>
+          <p:nvPicPr>
+            <p:cNvPr id="86" name="Picture 85" descr="A picture containing background pattern&#10;&#10;Description automatically generated">
+              <a:extLst>
+                <a:ext uri="{FF2B5EF4-FFF2-40B4-BE49-F238E27FC236}">
+                  <a16:creationId xmlns:a16="http://schemas.microsoft.com/office/drawing/2014/main" id="{6BB1FDA9-C359-7854-BABE-919FA08C72D4}"/>
+                </a:ext>
+              </a:extLst>
+            </p:cNvPr>
+            <p:cNvPicPr>
+              <a:picLocks noChangeAspect="1"/>
+            </p:cNvPicPr>
+            <p:nvPr/>
+          </p:nvPicPr>
+          <p:blipFill rotWithShape="1">
+            <a:blip r:embed="rId14"/>
+            <a:srcRect l="18758" t="84740" r="17510" b="42"/>
+            <a:stretch/>
+          </p:blipFill>
+          <p:spPr>
+            <a:xfrm>
+              <a:off x="134920" y="3933533"/>
+              <a:ext cx="1621194" cy="387131"/>
+            </a:xfrm>
+            <a:prstGeom prst="rect">
+              <a:avLst/>
+            </a:prstGeom>
+          </p:spPr>
+        </p:pic>
+      </p:grpSp>
+      <p:sp>
+        <p:nvSpPr>
+          <p:cNvPr id="88" name="TextBox 87">
+            <a:extLst>
+              <a:ext uri="{FF2B5EF4-FFF2-40B4-BE49-F238E27FC236}">
+                <a16:creationId xmlns:a16="http://schemas.microsoft.com/office/drawing/2014/main" id="{BFD78A67-634E-A608-37F4-F0F28CF251B4}"/>
+              </a:ext>
+            </a:extLst>
+          </p:cNvPr>
+          <p:cNvSpPr txBox="1"/>
+          <p:nvPr/>
+        </p:nvSpPr>
+        <p:spPr>
+          <a:xfrm>
+            <a:off x="3227757" y="1748450"/>
+            <a:ext cx="553376" cy="372859"/>
+          </a:xfrm>
+          <a:prstGeom prst="rect">
+            <a:avLst/>
+          </a:prstGeom>
+          <a:noFill/>
+        </p:spPr>
+        <p:txBody>
+          <a:bodyPr wrap="square">
+            <a:spAutoFit/>
+          </a:bodyPr>
+          <a:lstStyle/>
+          <a:p>
+            <a:r>
+              <a:rPr lang="en-US" sz="1823" b="1" dirty="0">
+                <a:latin typeface="Tw Cen MT" panose="020B0602020104020603" pitchFamily="34" charset="77"/>
+                <a:ea typeface="Open Sans" pitchFamily="2" charset="0"/>
+                <a:cs typeface="Open Sans" pitchFamily="2" charset="0"/>
+              </a:rPr>
+              <a:t>C</a:t>
+            </a:r>
+            <a:endParaRPr lang="en-AU" sz="1823" b="1" dirty="0">
+              <a:latin typeface="Tw Cen MT" panose="020B0602020104020603" pitchFamily="34" charset="77"/>
+              <a:ea typeface="Open Sans" pitchFamily="2" charset="0"/>
+              <a:cs typeface="Open Sans" pitchFamily="2" charset="0"/>
+            </a:endParaRPr>
+          </a:p>
+        </p:txBody>
+      </p:sp>
+      <p:sp>
+        <p:nvSpPr>
+          <p:cNvPr id="90" name="TextBox 89">
+            <a:extLst>
+              <a:ext uri="{FF2B5EF4-FFF2-40B4-BE49-F238E27FC236}">
+                <a16:creationId xmlns:a16="http://schemas.microsoft.com/office/drawing/2014/main" id="{846A98A8-47C5-BE6E-EDE7-C0961870430B}"/>
+              </a:ext>
+            </a:extLst>
+          </p:cNvPr>
+          <p:cNvSpPr txBox="1"/>
+          <p:nvPr/>
+        </p:nvSpPr>
+        <p:spPr>
+          <a:xfrm>
+            <a:off x="1782659" y="5012971"/>
+            <a:ext cx="2193405" cy="954107"/>
+          </a:xfrm>
+          <a:prstGeom prst="rect">
+            <a:avLst/>
+          </a:prstGeom>
+          <a:noFill/>
+        </p:spPr>
+        <p:txBody>
+          <a:bodyPr wrap="square">
+            <a:spAutoFit/>
+          </a:bodyPr>
+          <a:lstStyle/>
+          <a:p>
+            <a:r>
+              <a:rPr lang="en-US" sz="1400" dirty="0">
+                <a:highlight>
+                  <a:srgbClr val="FFFF00"/>
+                </a:highlight>
+                <a:latin typeface="Tw Cen MT" panose="020B0602020104020603" pitchFamily="34" charset="77"/>
+                <a:ea typeface="Open Sans" pitchFamily="2" charset="0"/>
+                <a:cs typeface="Open Sans" pitchFamily="2" charset="0"/>
+              </a:rPr>
+              <a:t>Brain regions most disrupted as measured via (1) Pearson correlation and (2) gaussian DI</a:t>
+            </a:r>
+            <a:endParaRPr lang="en-AU" sz="1400" dirty="0">
+              <a:highlight>
+                <a:srgbClr val="FFFF00"/>
+              </a:highlight>
+              <a:latin typeface="Tw Cen MT" panose="020B0602020104020603" pitchFamily="34" charset="77"/>
+              <a:ea typeface="Open Sans" pitchFamily="2" charset="0"/>
+              <a:cs typeface="Open Sans" pitchFamily="2" charset="0"/>
+            </a:endParaRPr>
+          </a:p>
+        </p:txBody>
+      </p:sp>
+      <p:sp>
+        <p:nvSpPr>
+          <p:cNvPr id="91" name="TextBox 90">
+            <a:extLst>
+              <a:ext uri="{FF2B5EF4-FFF2-40B4-BE49-F238E27FC236}">
+                <a16:creationId xmlns:a16="http://schemas.microsoft.com/office/drawing/2014/main" id="{3EC76725-FB53-5D6C-67C4-9D5610D4E142}"/>
+              </a:ext>
+            </a:extLst>
+          </p:cNvPr>
+          <p:cNvSpPr txBox="1"/>
+          <p:nvPr/>
+        </p:nvSpPr>
+        <p:spPr>
+          <a:xfrm>
+            <a:off x="5950948" y="67017"/>
+            <a:ext cx="553376" cy="372859"/>
+          </a:xfrm>
+          <a:prstGeom prst="rect">
+            <a:avLst/>
+          </a:prstGeom>
+          <a:noFill/>
+        </p:spPr>
+        <p:txBody>
+          <a:bodyPr wrap="square">
+            <a:spAutoFit/>
+          </a:bodyPr>
+          <a:lstStyle/>
+          <a:p>
+            <a:r>
+              <a:rPr lang="en-US" sz="1823" b="1" dirty="0">
+                <a:latin typeface="Tw Cen MT" panose="020B0602020104020603" pitchFamily="34" charset="77"/>
+                <a:ea typeface="Open Sans" pitchFamily="2" charset="0"/>
+                <a:cs typeface="Open Sans" pitchFamily="2" charset="0"/>
+              </a:rPr>
+              <a:t>D</a:t>
+            </a:r>
+            <a:endParaRPr lang="en-AU" sz="1823" b="1" dirty="0">
+              <a:latin typeface="Tw Cen MT" panose="020B0602020104020603" pitchFamily="34" charset="77"/>
+              <a:ea typeface="Open Sans" pitchFamily="2" charset="0"/>
+              <a:cs typeface="Open Sans" pitchFamily="2" charset="0"/>
+            </a:endParaRPr>
+          </a:p>
+        </p:txBody>
+      </p:sp>
+      <p:pic>
+        <p:nvPicPr>
+          <p:cNvPr id="93" name="Picture 92">
+            <a:extLst>
+              <a:ext uri="{FF2B5EF4-FFF2-40B4-BE49-F238E27FC236}">
+                <a16:creationId xmlns:a16="http://schemas.microsoft.com/office/drawing/2014/main" id="{486EB098-A250-167A-611B-1A38EE0D56FB}"/>
+              </a:ext>
+            </a:extLst>
+          </p:cNvPr>
+          <p:cNvPicPr>
+            <a:picLocks noChangeAspect="1"/>
+          </p:cNvPicPr>
+          <p:nvPr/>
+        </p:nvPicPr>
+        <p:blipFill>
+          <a:blip r:embed="rId16"/>
+          <a:srcRect/>
+          <a:stretch/>
+        </p:blipFill>
+        <p:spPr>
+          <a:xfrm>
+            <a:off x="6043919" y="391646"/>
+            <a:ext cx="2754564" cy="4131847"/>
+          </a:xfrm>
+          <a:prstGeom prst="rect">
+            <a:avLst/>
+          </a:prstGeom>
+        </p:spPr>
+      </p:pic>
+      <p:grpSp>
+        <p:nvGrpSpPr>
+          <p:cNvPr id="94" name="Group 93">
+            <a:extLst>
+              <a:ext uri="{FF2B5EF4-FFF2-40B4-BE49-F238E27FC236}">
+                <a16:creationId xmlns:a16="http://schemas.microsoft.com/office/drawing/2014/main" id="{08A2AE32-AA06-BE4C-657C-9DE57A1AC15D}"/>
+              </a:ext>
+            </a:extLst>
+          </p:cNvPr>
+          <p:cNvGrpSpPr/>
+          <p:nvPr/>
+        </p:nvGrpSpPr>
+        <p:grpSpPr>
+          <a:xfrm>
+            <a:off x="613973" y="4933942"/>
+            <a:ext cx="795949" cy="1382867"/>
+            <a:chOff x="3842988" y="1803716"/>
+            <a:chExt cx="1898433" cy="3149591"/>
+          </a:xfrm>
+        </p:grpSpPr>
+        <p:pic>
+          <p:nvPicPr>
+            <p:cNvPr id="95" name="Picture 94">
+              <a:extLst>
+                <a:ext uri="{FF2B5EF4-FFF2-40B4-BE49-F238E27FC236}">
+                  <a16:creationId xmlns:a16="http://schemas.microsoft.com/office/drawing/2014/main" id="{33720422-7181-17C4-EB91-E0DF55344FAD}"/>
+                </a:ext>
+              </a:extLst>
+            </p:cNvPr>
+            <p:cNvPicPr>
+              <a:picLocks noChangeAspect="1"/>
+            </p:cNvPicPr>
+            <p:nvPr/>
+          </p:nvPicPr>
+          <p:blipFill rotWithShape="1">
+            <a:blip r:embed="rId17"/>
             <a:srcRect l="3014" t="71342" r="45208" b="6054"/>
             <a:stretch/>
           </p:blipFill>
@@ -4657,10 +5046,10 @@
         </p:pic>
         <p:pic>
           <p:nvPicPr>
-            <p:cNvPr id="67" name="Picture 66">
+            <p:cNvPr id="96" name="Picture 95">
               <a:extLst>
                 <a:ext uri="{FF2B5EF4-FFF2-40B4-BE49-F238E27FC236}">
-                  <a16:creationId xmlns:a16="http://schemas.microsoft.com/office/drawing/2014/main" id="{B2D1E267-F194-FF25-E5DD-A1F4545A9075}"/>
+                  <a16:creationId xmlns:a16="http://schemas.microsoft.com/office/drawing/2014/main" id="{13C4363C-DE0B-DCDE-F9B9-71D986CCC6BB}"/>
                 </a:ext>
               </a:extLst>
             </p:cNvPr>
@@ -4670,7 +5059,7 @@
             <p:nvPr/>
           </p:nvPicPr>
           <p:blipFill rotWithShape="1">
-            <a:blip r:embed="rId14"/>
+            <a:blip r:embed="rId17"/>
             <a:srcRect l="3047" t="5056" r="45175" b="72340"/>
             <a:stretch/>
           </p:blipFill>
@@ -4686,10 +5075,10 @@
         </p:pic>
         <p:pic>
           <p:nvPicPr>
-            <p:cNvPr id="68" name="Picture 67">
+            <p:cNvPr id="97" name="Picture 96">
               <a:extLst>
                 <a:ext uri="{FF2B5EF4-FFF2-40B4-BE49-F238E27FC236}">
-                  <a16:creationId xmlns:a16="http://schemas.microsoft.com/office/drawing/2014/main" id="{6DD62429-13A3-2ABC-7275-36DADFF65DB0}"/>
+                  <a16:creationId xmlns:a16="http://schemas.microsoft.com/office/drawing/2014/main" id="{A11E721B-EB88-3E93-899F-B8DF672142DE}"/>
                 </a:ext>
               </a:extLst>
             </p:cNvPr>
@@ -4699,7 +5088,7 @@
             <p:nvPr/>
           </p:nvPicPr>
           <p:blipFill rotWithShape="1">
-            <a:blip r:embed="rId14"/>
+            <a:blip r:embed="rId17"/>
             <a:srcRect l="56786" t="5056" r="2943" b="72340"/>
             <a:stretch/>
           </p:blipFill>
@@ -4715,10 +5104,10 @@
         </p:pic>
         <p:pic>
           <p:nvPicPr>
-            <p:cNvPr id="69" name="Picture 68">
+            <p:cNvPr id="98" name="Picture 97">
               <a:extLst>
                 <a:ext uri="{FF2B5EF4-FFF2-40B4-BE49-F238E27FC236}">
-                  <a16:creationId xmlns:a16="http://schemas.microsoft.com/office/drawing/2014/main" id="{C78721C0-251D-7835-AA8F-9FD977DBC733}"/>
+                  <a16:creationId xmlns:a16="http://schemas.microsoft.com/office/drawing/2014/main" id="{E2A84708-E505-4C61-D092-DD461BE6445C}"/>
                 </a:ext>
               </a:extLst>
             </p:cNvPr>
@@ -4728,7 +5117,7 @@
             <p:nvPr/>
           </p:nvPicPr>
           <p:blipFill rotWithShape="1">
-            <a:blip r:embed="rId14"/>
+            <a:blip r:embed="rId17"/>
             <a:srcRect l="3498" t="28115" r="44724" b="50514"/>
             <a:stretch/>
           </p:blipFill>
@@ -4744,10 +5133,10 @@
         </p:pic>
         <p:pic>
           <p:nvPicPr>
-            <p:cNvPr id="71" name="Picture 70">
+            <p:cNvPr id="99" name="Picture 98">
               <a:extLst>
                 <a:ext uri="{FF2B5EF4-FFF2-40B4-BE49-F238E27FC236}">
-                  <a16:creationId xmlns:a16="http://schemas.microsoft.com/office/drawing/2014/main" id="{BA814C90-F424-4D60-D704-9285BBFCDF7E}"/>
+                  <a16:creationId xmlns:a16="http://schemas.microsoft.com/office/drawing/2014/main" id="{CB8A6380-85B9-BE95-9A91-2348F283409D}"/>
                 </a:ext>
               </a:extLst>
             </p:cNvPr>
@@ -4757,7 +5146,7 @@
             <p:nvPr/>
           </p:nvPicPr>
           <p:blipFill rotWithShape="1">
-            <a:blip r:embed="rId14"/>
+            <a:blip r:embed="rId17"/>
             <a:srcRect l="56316" t="28045" r="3413" b="49351"/>
             <a:stretch/>
           </p:blipFill>
@@ -4773,10 +5162,10 @@
         </p:pic>
         <p:pic>
           <p:nvPicPr>
-            <p:cNvPr id="72" name="Picture 71">
+            <p:cNvPr id="100" name="Picture 99">
               <a:extLst>
                 <a:ext uri="{FF2B5EF4-FFF2-40B4-BE49-F238E27FC236}">
-                  <a16:creationId xmlns:a16="http://schemas.microsoft.com/office/drawing/2014/main" id="{3ED059F4-C33C-E2CD-DD2B-0516651B581A}"/>
+                  <a16:creationId xmlns:a16="http://schemas.microsoft.com/office/drawing/2014/main" id="{817ED971-F7CE-6C63-435A-E01872E0FB68}"/>
                 </a:ext>
               </a:extLst>
             </p:cNvPr>
@@ -4786,7 +5175,7 @@
             <p:nvPr/>
           </p:nvPicPr>
           <p:blipFill rotWithShape="1">
-            <a:blip r:embed="rId14"/>
+            <a:blip r:embed="rId17"/>
             <a:srcRect l="3182" t="48497" r="45040" b="28899"/>
             <a:stretch/>
           </p:blipFill>
@@ -4802,10 +5191,10 @@
         </p:pic>
         <p:pic>
           <p:nvPicPr>
-            <p:cNvPr id="73" name="Picture 72">
+            <p:cNvPr id="101" name="Picture 100">
               <a:extLst>
                 <a:ext uri="{FF2B5EF4-FFF2-40B4-BE49-F238E27FC236}">
-                  <a16:creationId xmlns:a16="http://schemas.microsoft.com/office/drawing/2014/main" id="{3658836B-E2E3-3F48-2E01-158132A89404}"/>
+                  <a16:creationId xmlns:a16="http://schemas.microsoft.com/office/drawing/2014/main" id="{7F0BC5C6-A80A-9CE8-4F73-6AAB343BE0B1}"/>
                 </a:ext>
               </a:extLst>
             </p:cNvPr>
@@ -4815,7 +5204,7 @@
             <p:nvPr/>
           </p:nvPicPr>
           <p:blipFill rotWithShape="1">
-            <a:blip r:embed="rId14"/>
+            <a:blip r:embed="rId17"/>
             <a:srcRect l="56316" t="49941" r="3413" b="29354"/>
             <a:stretch/>
           </p:blipFill>
@@ -4831,10 +5220,10 @@
         </p:pic>
         <p:pic>
           <p:nvPicPr>
-            <p:cNvPr id="74" name="Picture 73" descr="A picture containing icon&#10;&#10;Description automatically generated">
+            <p:cNvPr id="102" name="Picture 101" descr="A picture containing icon&#10;&#10;Description automatically generated">
               <a:extLst>
                 <a:ext uri="{FF2B5EF4-FFF2-40B4-BE49-F238E27FC236}">
-                  <a16:creationId xmlns:a16="http://schemas.microsoft.com/office/drawing/2014/main" id="{2CD86DFA-799B-FA57-27AE-CCA3CF637EE7}"/>
+                  <a16:creationId xmlns:a16="http://schemas.microsoft.com/office/drawing/2014/main" id="{6ADD4F83-B385-2189-B00B-0AF8AADDC8E4}"/>
                 </a:ext>
               </a:extLst>
             </p:cNvPr>
@@ -4844,7 +5233,7 @@
             <p:nvPr/>
           </p:nvPicPr>
           <p:blipFill rotWithShape="1">
-            <a:blip r:embed="rId15"/>
+            <a:blip r:embed="rId18"/>
             <a:srcRect l="3057" t="23212" r="75800" b="20043"/>
             <a:stretch/>
           </p:blipFill>
@@ -4860,10 +5249,10 @@
         </p:pic>
         <p:pic>
           <p:nvPicPr>
-            <p:cNvPr id="75" name="Picture 74" descr="A picture containing icon&#10;&#10;Description automatically generated">
+            <p:cNvPr id="103" name="Picture 102" descr="A picture containing icon&#10;&#10;Description automatically generated">
               <a:extLst>
                 <a:ext uri="{FF2B5EF4-FFF2-40B4-BE49-F238E27FC236}">
-                  <a16:creationId xmlns:a16="http://schemas.microsoft.com/office/drawing/2014/main" id="{0E6E0E7B-6439-A1AC-AA70-9AF629051397}"/>
+                  <a16:creationId xmlns:a16="http://schemas.microsoft.com/office/drawing/2014/main" id="{6CDA6705-3E77-30F8-B117-AC30411EE389}"/>
                 </a:ext>
               </a:extLst>
             </p:cNvPr>
@@ -4873,7 +5262,7 @@
             <p:nvPr/>
           </p:nvPicPr>
           <p:blipFill rotWithShape="1">
-            <a:blip r:embed="rId15"/>
+            <a:blip r:embed="rId18"/>
             <a:srcRect l="29791" t="23642" r="54942" b="22573"/>
             <a:stretch/>
           </p:blipFill>
@@ -4889,10 +5278,10 @@
         </p:pic>
         <p:pic>
           <p:nvPicPr>
-            <p:cNvPr id="76" name="Picture 75" descr="A picture containing icon&#10;&#10;Description automatically generated">
+            <p:cNvPr id="104" name="Picture 103" descr="A picture containing icon&#10;&#10;Description automatically generated">
               <a:extLst>
                 <a:ext uri="{FF2B5EF4-FFF2-40B4-BE49-F238E27FC236}">
-                  <a16:creationId xmlns:a16="http://schemas.microsoft.com/office/drawing/2014/main" id="{1E82EF14-1E08-9AE9-6E5C-AC48CBF84C2A}"/>
+                  <a16:creationId xmlns:a16="http://schemas.microsoft.com/office/drawing/2014/main" id="{968C16C4-67B3-B4C9-8AE6-C4C471BA44C3}"/>
                 </a:ext>
               </a:extLst>
             </p:cNvPr>
@@ -4902,7 +5291,7 @@
             <p:nvPr/>
           </p:nvPicPr>
           <p:blipFill rotWithShape="1">
-            <a:blip r:embed="rId15"/>
+            <a:blip r:embed="rId18"/>
             <a:srcRect l="53888" t="23316" r="30556" b="22899"/>
             <a:stretch/>
           </p:blipFill>
@@ -4918,10 +5307,10 @@
         </p:pic>
         <p:pic>
           <p:nvPicPr>
-            <p:cNvPr id="77" name="Picture 76" descr="A picture containing icon&#10;&#10;Description automatically generated">
+            <p:cNvPr id="105" name="Picture 104" descr="A picture containing icon&#10;&#10;Description automatically generated">
               <a:extLst>
                 <a:ext uri="{FF2B5EF4-FFF2-40B4-BE49-F238E27FC236}">
-                  <a16:creationId xmlns:a16="http://schemas.microsoft.com/office/drawing/2014/main" id="{546D34D9-0103-C90C-458E-048A1BED125E}"/>
+                  <a16:creationId xmlns:a16="http://schemas.microsoft.com/office/drawing/2014/main" id="{65F4BBA4-B146-F668-6967-958447FF9B1F}"/>
                 </a:ext>
               </a:extLst>
             </p:cNvPr>
@@ -4931,7 +5320,7 @@
             <p:nvPr/>
           </p:nvPicPr>
           <p:blipFill rotWithShape="1">
-            <a:blip r:embed="rId15"/>
+            <a:blip r:embed="rId18"/>
             <a:srcRect l="77586" t="23356" r="6235" b="22859"/>
             <a:stretch/>
           </p:blipFill>
@@ -4946,93 +5335,106 @@
           </p:spPr>
         </p:pic>
       </p:grpSp>
-      <p:pic>
-        <p:nvPicPr>
-          <p:cNvPr id="83" name="Picture 82" descr="Graphical user interface, application, Teams&#10;&#10;Description automatically generated">
+      <p:sp>
+        <p:nvSpPr>
+          <p:cNvPr id="89" name="TextBox 88">
             <a:extLst>
               <a:ext uri="{FF2B5EF4-FFF2-40B4-BE49-F238E27FC236}">
-                <a16:creationId xmlns:a16="http://schemas.microsoft.com/office/drawing/2014/main" id="{1D7C0A7C-8DAC-05C5-8CDC-B1571604C426}"/>
+                <a16:creationId xmlns:a16="http://schemas.microsoft.com/office/drawing/2014/main" id="{29F24B8D-74BE-C283-DF0E-FB1B3DD4E7E9}"/>
               </a:ext>
             </a:extLst>
           </p:cNvPr>
-          <p:cNvPicPr>
-            <a:picLocks noChangeAspect="1"/>
-          </p:cNvPicPr>
+          <p:cNvSpPr txBox="1"/>
           <p:nvPr/>
-        </p:nvPicPr>
-        <p:blipFill rotWithShape="1">
-          <a:blip r:embed="rId16"/>
-          <a:srcRect l="47296"/>
-          <a:stretch/>
-        </p:blipFill>
-        <p:spPr>
-          <a:xfrm>
-            <a:off x="1713332" y="1762397"/>
-            <a:ext cx="1807716" cy="3086966"/>
+        </p:nvSpPr>
+        <p:spPr>
+          <a:xfrm>
+            <a:off x="6676884" y="1153481"/>
+            <a:ext cx="2363297" cy="738664"/>
           </a:xfrm>
           <a:prstGeom prst="rect">
             <a:avLst/>
           </a:prstGeom>
-        </p:spPr>
-      </p:pic>
-      <p:pic>
-        <p:nvPicPr>
-          <p:cNvPr id="84" name="Picture 83" descr="Graphical user interface, application, Teams&#10;&#10;Description automatically generated">
+          <a:noFill/>
+        </p:spPr>
+        <p:txBody>
+          <a:bodyPr wrap="square">
+            <a:spAutoFit/>
+          </a:bodyPr>
+          <a:lstStyle/>
+          <a:p>
+            <a:r>
+              <a:rPr lang="en-US" sz="1400" dirty="0">
+                <a:highlight>
+                  <a:srgbClr val="FFFF00"/>
+                </a:highlight>
+                <a:latin typeface="Tw Cen MT" panose="020B0602020104020603" pitchFamily="34" charset="77"/>
+                <a:ea typeface="Open Sans" pitchFamily="2" charset="0"/>
+                <a:cs typeface="Open Sans" pitchFamily="2" charset="0"/>
+              </a:rPr>
+              <a:t>Distribution of t-statistics across the whole brain for each SPI and clinical group  </a:t>
+            </a:r>
+            <a:endParaRPr lang="en-AU" sz="1400" dirty="0">
+              <a:highlight>
+                <a:srgbClr val="FFFF00"/>
+              </a:highlight>
+              <a:latin typeface="Tw Cen MT" panose="020B0602020104020603" pitchFamily="34" charset="77"/>
+              <a:ea typeface="Open Sans" pitchFamily="2" charset="0"/>
+              <a:cs typeface="Open Sans" pitchFamily="2" charset="0"/>
+            </a:endParaRPr>
+          </a:p>
+        </p:txBody>
+      </p:sp>
+      <p:sp>
+        <p:nvSpPr>
+          <p:cNvPr id="2" name="TextBox 1">
             <a:extLst>
               <a:ext uri="{FF2B5EF4-FFF2-40B4-BE49-F238E27FC236}">
-                <a16:creationId xmlns:a16="http://schemas.microsoft.com/office/drawing/2014/main" id="{6FC4A681-E7BB-AC5B-E8E7-25FD2BD7547F}"/>
+                <a16:creationId xmlns:a16="http://schemas.microsoft.com/office/drawing/2014/main" id="{F7DB7B59-572D-7796-49D7-D2E0473225FF}"/>
               </a:ext>
             </a:extLst>
           </p:cNvPr>
-          <p:cNvPicPr>
-            <a:picLocks noChangeAspect="1"/>
-          </p:cNvPicPr>
+          <p:cNvSpPr txBox="1"/>
           <p:nvPr/>
-        </p:nvPicPr>
-        <p:blipFill rotWithShape="1">
-          <a:blip r:embed="rId16"/>
-          <a:srcRect l="5837" r="52704" b="34265"/>
-          <a:stretch/>
-        </p:blipFill>
-        <p:spPr>
-          <a:xfrm>
-            <a:off x="94474" y="1751911"/>
-            <a:ext cx="1422012" cy="2029203"/>
+        </p:nvSpPr>
+        <p:spPr>
+          <a:xfrm>
+            <a:off x="3801724" y="2962206"/>
+            <a:ext cx="2363297" cy="738664"/>
           </a:xfrm>
           <a:prstGeom prst="rect">
             <a:avLst/>
           </a:prstGeom>
-        </p:spPr>
-      </p:pic>
-      <p:pic>
-        <p:nvPicPr>
-          <p:cNvPr id="86" name="Picture 85" descr="A picture containing background pattern&#10;&#10;Description automatically generated">
-            <a:extLst>
-              <a:ext uri="{FF2B5EF4-FFF2-40B4-BE49-F238E27FC236}">
-                <a16:creationId xmlns:a16="http://schemas.microsoft.com/office/drawing/2014/main" id="{6BB1FDA9-C359-7854-BABE-919FA08C72D4}"/>
-              </a:ext>
-            </a:extLst>
-          </p:cNvPr>
-          <p:cNvPicPr>
-            <a:picLocks noChangeAspect="1"/>
-          </p:cNvPicPr>
-          <p:nvPr/>
-        </p:nvPicPr>
-        <p:blipFill rotWithShape="1">
-          <a:blip r:embed="rId3"/>
-          <a:srcRect l="18758" t="84740" r="17510" b="42"/>
-          <a:stretch/>
-        </p:blipFill>
-        <p:spPr>
-          <a:xfrm>
-            <a:off x="134920" y="3933533"/>
-            <a:ext cx="1621194" cy="387131"/>
-          </a:xfrm>
-          <a:prstGeom prst="rect">
-            <a:avLst/>
-          </a:prstGeom>
-        </p:spPr>
-      </p:pic>
+          <a:noFill/>
+        </p:spPr>
+        <p:txBody>
+          <a:bodyPr wrap="square">
+            <a:spAutoFit/>
+          </a:bodyPr>
+          <a:lstStyle/>
+          <a:p>
+            <a:r>
+              <a:rPr lang="en-US" sz="1400" dirty="0">
+                <a:highlight>
+                  <a:srgbClr val="FFFF00"/>
+                </a:highlight>
+                <a:latin typeface="Tw Cen MT" panose="020B0602020104020603" pitchFamily="34" charset="77"/>
+                <a:ea typeface="Open Sans" pitchFamily="2" charset="0"/>
+                <a:cs typeface="Open Sans" pitchFamily="2" charset="0"/>
+              </a:rPr>
+              <a:t>Color based on if there’s a significant differences with corrected t-stat</a:t>
+            </a:r>
+            <a:endParaRPr lang="en-AU" sz="1400" dirty="0">
+              <a:highlight>
+                <a:srgbClr val="FFFF00"/>
+              </a:highlight>
+              <a:latin typeface="Tw Cen MT" panose="020B0602020104020603" pitchFamily="34" charset="77"/>
+              <a:ea typeface="Open Sans" pitchFamily="2" charset="0"/>
+              <a:cs typeface="Open Sans" pitchFamily="2" charset="0"/>
+            </a:endParaRPr>
+          </a:p>
+        </p:txBody>
+      </p:sp>
     </p:spTree>
     <p:extLst>
       <p:ext uri="{BB962C8B-B14F-4D97-AF65-F5344CB8AC3E}">
@@ -5047,7 +5449,7 @@
 </file>
 
 <file path=ppt/slides/slide2.xml><?xml version="1.0" encoding="utf-8"?>
-<p:sld xmlns:a="http://schemas.openxmlformats.org/drawingml/2006/main" xmlns:r="http://schemas.openxmlformats.org/officeDocument/2006/relationships" xmlns:p="http://schemas.openxmlformats.org/presentationml/2006/main" show="0">
+<p:sld xmlns:a="http://schemas.openxmlformats.org/drawingml/2006/main" xmlns:r="http://schemas.openxmlformats.org/officeDocument/2006/relationships" xmlns:p="http://schemas.openxmlformats.org/presentationml/2006/main">
   <p:cSld>
     <p:spTree>
       <p:nvGrpSpPr>
@@ -5065,10 +5467,10 @@
       </p:grpSpPr>
       <p:pic>
         <p:nvPicPr>
-          <p:cNvPr id="15" name="Picture 14" descr="Graphical user interface&#10;&#10;Description automatically generated">
+          <p:cNvPr id="188" name="Picture 187">
             <a:extLst>
               <a:ext uri="{FF2B5EF4-FFF2-40B4-BE49-F238E27FC236}">
-                <a16:creationId xmlns:a16="http://schemas.microsoft.com/office/drawing/2014/main" id="{D5E66948-81C3-DAC9-5A8B-FDB5184B4560}"/>
+                <a16:creationId xmlns:a16="http://schemas.microsoft.com/office/drawing/2014/main" id="{2F949FBC-B6CD-FA93-5334-4BBB754638E7}"/>
               </a:ext>
             </a:extLst>
           </p:cNvPr>
@@ -5077,121 +5479,28 @@
           </p:cNvPicPr>
           <p:nvPr/>
         </p:nvPicPr>
-        <p:blipFill rotWithShape="1">
+        <p:blipFill>
           <a:blip r:embed="rId3"/>
-          <a:srcRect l="6384" t="9362" r="74467" b="52486"/>
-          <a:stretch/>
+          <a:stretch>
+            <a:fillRect/>
+          </a:stretch>
         </p:blipFill>
         <p:spPr>
           <a:xfrm>
-            <a:off x="469500" y="2326349"/>
-            <a:ext cx="1510288" cy="1288013"/>
+            <a:off x="4123051" y="589374"/>
+            <a:ext cx="523328" cy="547481"/>
           </a:xfrm>
           <a:prstGeom prst="rect">
             <a:avLst/>
           </a:prstGeom>
         </p:spPr>
       </p:pic>
-      <p:sp>
-        <p:nvSpPr>
-          <p:cNvPr id="53" name="TextBox 52">
+      <p:pic>
+        <p:nvPicPr>
+          <p:cNvPr id="134" name="Picture 133">
             <a:extLst>
               <a:ext uri="{FF2B5EF4-FFF2-40B4-BE49-F238E27FC236}">
-                <a16:creationId xmlns:a16="http://schemas.microsoft.com/office/drawing/2014/main" id="{24646164-E8E0-9630-9027-5B33BFCB130D}"/>
-              </a:ext>
-            </a:extLst>
-          </p:cNvPr>
-          <p:cNvSpPr txBox="1"/>
-          <p:nvPr/>
-        </p:nvSpPr>
-        <p:spPr>
-          <a:xfrm>
-            <a:off x="-3281659" y="-512503"/>
-            <a:ext cx="2022928" cy="486287"/>
-          </a:xfrm>
-          <a:prstGeom prst="rect">
-            <a:avLst/>
-          </a:prstGeom>
-          <a:noFill/>
-        </p:spPr>
-        <p:txBody>
-          <a:bodyPr wrap="square">
-            <a:spAutoFit/>
-          </a:bodyPr>
-          <a:lstStyle/>
-          <a:p>
-            <a:r>
-              <a:rPr lang="en-US" sz="2560" b="1" dirty="0">
-                <a:solidFill>
-                  <a:schemeClr val="bg1"/>
-                </a:solidFill>
-                <a:latin typeface="Tw Cen MT" panose="020B0602020104020603" pitchFamily="34" charset="77"/>
-                <a:ea typeface="Open Sans" pitchFamily="2" charset="0"/>
-                <a:cs typeface="Open Sans" pitchFamily="2" charset="0"/>
-              </a:rPr>
-              <a:t>Figure 3</a:t>
-            </a:r>
-            <a:endParaRPr lang="en-AU" sz="2560" b="1" dirty="0">
-              <a:solidFill>
-                <a:schemeClr val="bg1"/>
-              </a:solidFill>
-              <a:latin typeface="Tw Cen MT" panose="020B0602020104020603" pitchFamily="34" charset="77"/>
-              <a:ea typeface="Open Sans" pitchFamily="2" charset="0"/>
-              <a:cs typeface="Open Sans" pitchFamily="2" charset="0"/>
-            </a:endParaRPr>
-          </a:p>
-        </p:txBody>
-      </p:sp>
-      <p:sp>
-        <p:nvSpPr>
-          <p:cNvPr id="37" name="TextBox 36">
-            <a:extLst>
-              <a:ext uri="{FF2B5EF4-FFF2-40B4-BE49-F238E27FC236}">
-                <a16:creationId xmlns:a16="http://schemas.microsoft.com/office/drawing/2014/main" id="{65B8EFC3-E11D-F190-1C28-264070DDADB7}"/>
-              </a:ext>
-            </a:extLst>
-          </p:cNvPr>
-          <p:cNvSpPr txBox="1"/>
-          <p:nvPr/>
-        </p:nvSpPr>
-        <p:spPr>
-          <a:xfrm>
-            <a:off x="1219362" y="97056"/>
-            <a:ext cx="1333919" cy="369332"/>
-          </a:xfrm>
-          <a:prstGeom prst="rect">
-            <a:avLst/>
-          </a:prstGeom>
-          <a:noFill/>
-        </p:spPr>
-        <p:txBody>
-          <a:bodyPr wrap="square">
-            <a:spAutoFit/>
-          </a:bodyPr>
-          <a:lstStyle/>
-          <a:p>
-            <a:r>
-              <a:rPr lang="en-US" b="1" dirty="0">
-                <a:latin typeface="Tw Cen MT" panose="020B0602020104020603" pitchFamily="34" charset="77"/>
-                <a:ea typeface="Open Sans" pitchFamily="2" charset="0"/>
-                <a:cs typeface="Open Sans" pitchFamily="2" charset="0"/>
-              </a:rPr>
-              <a:t>Bivariate</a:t>
-            </a:r>
-            <a:endParaRPr lang="en-AU" b="1" dirty="0">
-              <a:latin typeface="Tw Cen MT" panose="020B0602020104020603" pitchFamily="34" charset="77"/>
-              <a:ea typeface="Open Sans" pitchFamily="2" charset="0"/>
-              <a:cs typeface="Open Sans" pitchFamily="2" charset="0"/>
-            </a:endParaRPr>
-          </a:p>
-        </p:txBody>
-      </p:sp>
-      <p:pic>
-        <p:nvPicPr>
-          <p:cNvPr id="2" name="Picture 1">
-            <a:extLst>
-              <a:ext uri="{FF2B5EF4-FFF2-40B4-BE49-F238E27FC236}">
-                <a16:creationId xmlns:a16="http://schemas.microsoft.com/office/drawing/2014/main" id="{C375184D-7582-9530-6085-81E9E5ABEB38}"/>
+                <a16:creationId xmlns:a16="http://schemas.microsoft.com/office/drawing/2014/main" id="{6D87E0ED-60EC-B70B-15FF-A32D3027B2A4}"/>
               </a:ext>
             </a:extLst>
           </p:cNvPr>
@@ -5200,32 +5509,102 @@
           </p:cNvPicPr>
           <p:nvPr/>
         </p:nvPicPr>
-        <p:blipFill rotWithShape="1">
+        <p:blipFill>
           <a:blip r:embed="rId4"/>
-          <a:srcRect l="6165" t="5273" r="6149" b="82093"/>
-          <a:stretch/>
+          <a:stretch>
+            <a:fillRect/>
+          </a:stretch>
         </p:blipFill>
         <p:spPr>
           <a:xfrm>
-            <a:off x="1283065" y="1860163"/>
-            <a:ext cx="1216249" cy="132156"/>
+            <a:off x="1755816" y="255030"/>
+            <a:ext cx="1973545" cy="1153457"/>
           </a:xfrm>
           <a:prstGeom prst="rect">
             <a:avLst/>
           </a:prstGeom>
-          <a:ln>
-            <a:solidFill>
-              <a:schemeClr val="tx1"/>
-            </a:solidFill>
-          </a:ln>
+        </p:spPr>
+      </p:pic>
+      <p:sp>
+        <p:nvSpPr>
+          <p:cNvPr id="27" name="TextBox 26">
+            <a:extLst>
+              <a:ext uri="{FF2B5EF4-FFF2-40B4-BE49-F238E27FC236}">
+                <a16:creationId xmlns:a16="http://schemas.microsoft.com/office/drawing/2014/main" id="{A6530643-9C3C-819C-28D5-249BC2C37730}"/>
+              </a:ext>
+            </a:extLst>
+          </p:cNvPr>
+          <p:cNvSpPr txBox="1"/>
+          <p:nvPr/>
+        </p:nvSpPr>
+        <p:spPr>
+          <a:xfrm>
+            <a:off x="0" y="0"/>
+            <a:ext cx="613973" cy="391646"/>
+          </a:xfrm>
+          <a:prstGeom prst="rect">
+            <a:avLst/>
+          </a:prstGeom>
+          <a:noFill/>
+        </p:spPr>
+        <p:txBody>
+          <a:bodyPr wrap="square">
+            <a:spAutoFit/>
+          </a:bodyPr>
+          <a:lstStyle/>
+          <a:p>
+            <a:r>
+              <a:rPr lang="en-US" sz="1945" b="1" dirty="0">
+                <a:latin typeface="Tw Cen MT" panose="020B0602020104020603" pitchFamily="34" charset="77"/>
+                <a:ea typeface="Open Sans" pitchFamily="2" charset="0"/>
+                <a:cs typeface="Open Sans" pitchFamily="2" charset="0"/>
+              </a:rPr>
+              <a:t>A</a:t>
+            </a:r>
+            <a:endParaRPr lang="en-AU" sz="1945" b="1" dirty="0">
+              <a:latin typeface="Tw Cen MT" panose="020B0602020104020603" pitchFamily="34" charset="77"/>
+              <a:ea typeface="Open Sans" pitchFamily="2" charset="0"/>
+              <a:cs typeface="Open Sans" pitchFamily="2" charset="0"/>
+            </a:endParaRPr>
+          </a:p>
+        </p:txBody>
+      </p:sp>
+      <p:pic>
+        <p:nvPicPr>
+          <p:cNvPr id="44" name="Picture 43" descr="A picture containing text&#10;&#10;Description automatically generated">
+            <a:extLst>
+              <a:ext uri="{FF2B5EF4-FFF2-40B4-BE49-F238E27FC236}">
+                <a16:creationId xmlns:a16="http://schemas.microsoft.com/office/drawing/2014/main" id="{C7C2D52E-0B32-D868-F43A-E87A115919D6}"/>
+              </a:ext>
+            </a:extLst>
+          </p:cNvPr>
+          <p:cNvPicPr>
+            <a:picLocks noChangeAspect="1"/>
+          </p:cNvPicPr>
+          <p:nvPr/>
+        </p:nvPicPr>
+        <p:blipFill>
+          <a:blip r:embed="rId5"/>
+          <a:stretch>
+            <a:fillRect/>
+          </a:stretch>
+        </p:blipFill>
+        <p:spPr>
+          <a:xfrm>
+            <a:off x="173947" y="242967"/>
+            <a:ext cx="714672" cy="476448"/>
+          </a:xfrm>
+          <a:prstGeom prst="rect">
+            <a:avLst/>
+          </a:prstGeom>
         </p:spPr>
       </p:pic>
       <p:grpSp>
         <p:nvGrpSpPr>
-          <p:cNvPr id="3" name="Group 2">
+          <p:cNvPr id="45" name="Group 44">
             <a:extLst>
               <a:ext uri="{FF2B5EF4-FFF2-40B4-BE49-F238E27FC236}">
-                <a16:creationId xmlns:a16="http://schemas.microsoft.com/office/drawing/2014/main" id="{812B73E4-44D9-9A86-BE46-AC6C11D0E0AE}"/>
+                <a16:creationId xmlns:a16="http://schemas.microsoft.com/office/drawing/2014/main" id="{E08E5BB9-971E-9CF4-E0FB-D6C3D7A327CB}"/>
               </a:ext>
             </a:extLst>
           </p:cNvPr>
@@ -5234,20 +5613,20 @@
         </p:nvGrpSpPr>
         <p:grpSpPr>
           <a:xfrm>
-            <a:off x="1234007" y="663941"/>
-            <a:ext cx="1187439" cy="193914"/>
-            <a:chOff x="5742870" y="3094155"/>
-            <a:chExt cx="2397783" cy="518065"/>
+            <a:off x="638092" y="703350"/>
+            <a:ext cx="848951" cy="106109"/>
+            <a:chOff x="357691" y="8449786"/>
+            <a:chExt cx="2703561" cy="441505"/>
           </a:xfrm>
         </p:grpSpPr>
         <mc:AlternateContent xmlns:mc="http://schemas.openxmlformats.org/markup-compatibility/2006" xmlns:p14="http://schemas.microsoft.com/office/powerpoint/2010/main">
           <mc:Choice Requires="p14">
-            <p:contentPart p14:bwMode="auto" r:id="rId5">
+            <p:contentPart p14:bwMode="auto" r:id="rId6">
               <p14:nvContentPartPr>
-                <p14:cNvPr id="5" name="Ink 4">
+                <p14:cNvPr id="46" name="Ink 45">
                   <a:extLst>
                     <a:ext uri="{FF2B5EF4-FFF2-40B4-BE49-F238E27FC236}">
-                      <a16:creationId xmlns:a16="http://schemas.microsoft.com/office/drawing/2014/main" id="{4571632C-F800-814C-B032-D4287B9BA2CF}"/>
+                      <a16:creationId xmlns:a16="http://schemas.microsoft.com/office/drawing/2014/main" id="{B413D95D-46B5-B5A7-B511-DFF5E393EF69}"/>
                     </a:ext>
                   </a:extLst>
                 </p14:cNvPr>
@@ -5255,18 +5634,18 @@
                 <p14:nvPr/>
               </p14:nvContentPartPr>
               <p14:xfrm>
-                <a:off x="5742870" y="3124359"/>
-                <a:ext cx="2397783" cy="479215"/>
+                <a:off x="357691" y="8475526"/>
+                <a:ext cx="2703561" cy="408396"/>
               </p14:xfrm>
             </p:contentPart>
           </mc:Choice>
           <mc:Fallback xmlns="">
             <p:pic>
               <p:nvPicPr>
-                <p:cNvPr id="1070" name="Ink 1069">
+                <p:cNvPr id="46" name="Ink 45">
                   <a:extLst>
                     <a:ext uri="{FF2B5EF4-FFF2-40B4-BE49-F238E27FC236}">
-                      <a16:creationId xmlns:a16="http://schemas.microsoft.com/office/drawing/2014/main" id="{2F38F21E-6F48-9F12-3173-48DC0C6D2DEB}"/>
+                      <a16:creationId xmlns:a16="http://schemas.microsoft.com/office/drawing/2014/main" id="{B413D95D-46B5-B5A7-B511-DFF5E393EF69}"/>
                     </a:ext>
                   </a:extLst>
                 </p:cNvPr>
@@ -5274,15 +5653,15 @@
                 <p:nvPr/>
               </p:nvPicPr>
               <p:blipFill>
-                <a:blip r:embed="rId8"/>
+                <a:blip r:embed="rId7"/>
                 <a:stretch>
                   <a:fillRect/>
                 </a:stretch>
               </p:blipFill>
               <p:spPr>
                 <a:xfrm>
-                  <a:off x="5733868" y="3115365"/>
-                  <a:ext cx="2415427" cy="496844"/>
+                  <a:off x="342786" y="8456150"/>
+                  <a:ext cx="2732225" cy="445658"/>
                 </a:xfrm>
                 <a:prstGeom prst="rect">
                   <a:avLst/>
@@ -5293,12 +5672,12 @@
         </mc:AlternateContent>
         <mc:AlternateContent xmlns:mc="http://schemas.openxmlformats.org/markup-compatibility/2006" xmlns:p14="http://schemas.microsoft.com/office/powerpoint/2010/main">
           <mc:Choice Requires="p14">
-            <p:contentPart p14:bwMode="auto" r:id="rId9">
+            <p:contentPart p14:bwMode="auto" r:id="rId8">
               <p14:nvContentPartPr>
-                <p14:cNvPr id="6" name="Ink 5">
+                <p14:cNvPr id="47" name="Ink 46">
                   <a:extLst>
                     <a:ext uri="{FF2B5EF4-FFF2-40B4-BE49-F238E27FC236}">
-                      <a16:creationId xmlns:a16="http://schemas.microsoft.com/office/drawing/2014/main" id="{5DD33D19-7C11-F3E9-3FB1-DE2DD5D8CF55}"/>
+                      <a16:creationId xmlns:a16="http://schemas.microsoft.com/office/drawing/2014/main" id="{F8E51F9B-BE38-C7ED-FDBB-B13EF802E73E}"/>
                     </a:ext>
                   </a:extLst>
                 </p14:cNvPr>
@@ -5306,18 +5685,18 @@
                 <p14:nvPr/>
               </p14:nvContentPartPr>
               <p14:xfrm>
-                <a:off x="5755612" y="3094155"/>
-                <a:ext cx="2371752" cy="518065"/>
+                <a:off x="372058" y="8449786"/>
+                <a:ext cx="2674210" cy="441505"/>
               </p14:xfrm>
             </p:contentPart>
           </mc:Choice>
           <mc:Fallback xmlns="">
             <p:pic>
               <p:nvPicPr>
-                <p:cNvPr id="1071" name="Ink 1070">
+                <p:cNvPr id="47" name="Ink 46">
                   <a:extLst>
                     <a:ext uri="{FF2B5EF4-FFF2-40B4-BE49-F238E27FC236}">
-                      <a16:creationId xmlns:a16="http://schemas.microsoft.com/office/drawing/2014/main" id="{D16D5DBE-BD9F-B270-EBEA-D3A7AC3133FE}"/>
+                      <a16:creationId xmlns:a16="http://schemas.microsoft.com/office/drawing/2014/main" id="{F8E51F9B-BE38-C7ED-FDBB-B13EF802E73E}"/>
                     </a:ext>
                   </a:extLst>
                 </p:cNvPr>
@@ -5325,15 +5704,15 @@
                 <p:nvPr/>
               </p:nvPicPr>
               <p:blipFill>
-                <a:blip r:embed="rId10"/>
+                <a:blip r:embed="rId9"/>
                 <a:stretch>
                   <a:fillRect/>
                 </a:stretch>
               </p:blipFill>
               <p:spPr>
                 <a:xfrm>
-                  <a:off x="5746612" y="3085155"/>
-                  <a:ext cx="2389393" cy="535706"/>
+                  <a:off x="357157" y="8430396"/>
+                  <a:ext cx="2702866" cy="478794"/>
                 </a:xfrm>
                 <a:prstGeom prst="rect">
                   <a:avLst/>
@@ -5343,271 +5722,59 @@
           </mc:Fallback>
         </mc:AlternateContent>
       </p:grpSp>
-      <p:grpSp>
-        <p:nvGrpSpPr>
-          <p:cNvPr id="7" name="Group 6">
+      <p:pic>
+        <p:nvPicPr>
+          <p:cNvPr id="48" name="Picture 4">
             <a:extLst>
               <a:ext uri="{FF2B5EF4-FFF2-40B4-BE49-F238E27FC236}">
-                <a16:creationId xmlns:a16="http://schemas.microsoft.com/office/drawing/2014/main" id="{41CFC417-B4CD-D4F7-FAF3-7DE045FB9D75}"/>
+                <a16:creationId xmlns:a16="http://schemas.microsoft.com/office/drawing/2014/main" id="{0C299F9B-50C9-8C4A-A515-136A26F6FE5E}"/>
               </a:ext>
             </a:extLst>
           </p:cNvPr>
-          <p:cNvGrpSpPr/>
+          <p:cNvPicPr>
+            <a:picLocks noChangeAspect="1" noChangeArrowheads="1"/>
+          </p:cNvPicPr>
           <p:nvPr/>
-        </p:nvGrpSpPr>
-        <p:grpSpPr>
-          <a:xfrm>
-            <a:off x="0" y="695082"/>
-            <a:ext cx="978071" cy="831361"/>
-            <a:chOff x="7992844" y="4027677"/>
-            <a:chExt cx="1902323" cy="1616975"/>
-          </a:xfrm>
-        </p:grpSpPr>
-        <p:pic>
-          <p:nvPicPr>
-            <p:cNvPr id="8" name="Picture 2" descr="Vector image of side view of human brain in pink">
-              <a:extLst>
-                <a:ext uri="{FF2B5EF4-FFF2-40B4-BE49-F238E27FC236}">
-                  <a16:creationId xmlns:a16="http://schemas.microsoft.com/office/drawing/2014/main" id="{806BB955-9DFB-F412-A06C-9861BF5BD111}"/>
-                </a:ext>
-              </a:extLst>
-            </p:cNvPr>
-            <p:cNvPicPr>
-              <a:picLocks noChangeAspect="1" noChangeArrowheads="1"/>
-            </p:cNvPicPr>
-            <p:nvPr/>
-          </p:nvPicPr>
-          <p:blipFill>
-            <a:blip r:embed="rId11">
-              <a:extLst>
-                <a:ext uri="{BEBA8EAE-BF5A-486C-A8C5-ECC9F3942E4B}">
-                  <a14:imgProps xmlns:a14="http://schemas.microsoft.com/office/drawing/2010/main">
-                    <a14:imgLayer r:embed="rId12">
-                      <a14:imgEffect>
-                        <a14:saturation sat="0"/>
-                      </a14:imgEffect>
-                    </a14:imgLayer>
-                  </a14:imgProps>
-                </a:ext>
-                <a:ext uri="{28A0092B-C50C-407E-A947-70E740481C1C}">
-                  <a14:useLocalDpi xmlns:a14="http://schemas.microsoft.com/office/drawing/2010/main" val="0"/>
-                </a:ext>
-              </a:extLst>
-            </a:blip>
-            <a:srcRect/>
-            <a:stretch>
-              <a:fillRect/>
-            </a:stretch>
-          </p:blipFill>
-          <p:spPr bwMode="auto">
-            <a:xfrm>
-              <a:off x="7992844" y="4027677"/>
-              <a:ext cx="1902323" cy="1616975"/>
-            </a:xfrm>
-            <a:prstGeom prst="rect">
-              <a:avLst/>
-            </a:prstGeom>
-            <a:noFill/>
+        </p:nvPicPr>
+        <p:blipFill>
+          <a:blip r:embed="rId10">
             <a:extLst>
-              <a:ext uri="{909E8E84-426E-40DD-AFC4-6F175D3DCCD1}">
-                <a14:hiddenFill xmlns:a14="http://schemas.microsoft.com/office/drawing/2010/main">
-                  <a:solidFill>
-                    <a:srgbClr val="FFFFFF"/>
-                  </a:solidFill>
-                </a14:hiddenFill>
+              <a:ext uri="{28A0092B-C50C-407E-A947-70E740481C1C}">
+                <a14:useLocalDpi xmlns:a14="http://schemas.microsoft.com/office/drawing/2010/main" val="0"/>
               </a:ext>
             </a:extLst>
-          </p:spPr>
-        </p:pic>
-        <p:grpSp>
-          <p:nvGrpSpPr>
-            <p:cNvPr id="9" name="Group 8">
-              <a:extLst>
-                <a:ext uri="{FF2B5EF4-FFF2-40B4-BE49-F238E27FC236}">
-                  <a16:creationId xmlns:a16="http://schemas.microsoft.com/office/drawing/2014/main" id="{D2F04149-EBF7-7D88-537D-0CFBE4AFE3E6}"/>
-                </a:ext>
-              </a:extLst>
-            </p:cNvPr>
-            <p:cNvGrpSpPr/>
-            <p:nvPr/>
-          </p:nvGrpSpPr>
-          <p:grpSpPr>
-            <a:xfrm>
-              <a:off x="8327201" y="4149757"/>
-              <a:ext cx="967379" cy="764319"/>
-              <a:chOff x="8770765" y="3266014"/>
-              <a:chExt cx="1147924" cy="906966"/>
-            </a:xfrm>
-          </p:grpSpPr>
-          <p:sp>
-            <p:nvSpPr>
-              <p:cNvPr id="12" name="Oval 11">
-                <a:extLst>
-                  <a:ext uri="{FF2B5EF4-FFF2-40B4-BE49-F238E27FC236}">
-                    <a16:creationId xmlns:a16="http://schemas.microsoft.com/office/drawing/2014/main" id="{2C671C08-54AF-4307-F297-D8944A8BDFEB}"/>
-                  </a:ext>
-                </a:extLst>
-              </p:cNvPr>
-              <p:cNvSpPr/>
-              <p:nvPr/>
-            </p:nvSpPr>
-            <p:spPr>
-              <a:xfrm>
-                <a:off x="8770765" y="3944271"/>
-                <a:ext cx="228709" cy="228709"/>
-              </a:xfrm>
-              <a:prstGeom prst="ellipse">
-                <a:avLst/>
-              </a:prstGeom>
-              <a:solidFill>
-                <a:srgbClr val="4471C5"/>
-              </a:solidFill>
-              <a:ln>
-                <a:noFill/>
-              </a:ln>
-            </p:spPr>
-            <p:style>
-              <a:lnRef idx="2">
-                <a:schemeClr val="accent1">
-                  <a:shade val="50000"/>
-                </a:schemeClr>
-              </a:lnRef>
-              <a:fillRef idx="1">
-                <a:schemeClr val="accent1"/>
-              </a:fillRef>
-              <a:effectRef idx="0">
-                <a:schemeClr val="accent1"/>
-              </a:effectRef>
-              <a:fontRef idx="minor">
-                <a:schemeClr val="lt1"/>
-              </a:fontRef>
-            </p:style>
-            <p:txBody>
-              <a:bodyPr rtlCol="0" anchor="ctr"/>
-              <a:lstStyle/>
-              <a:p>
-                <a:pPr algn="ctr" defTabSz="274280">
-                  <a:defRPr/>
-                </a:pPr>
-                <a:endParaRPr lang="en-AU" sz="1000">
-                  <a:solidFill>
-                    <a:prstClr val="white"/>
-                  </a:solidFill>
-                  <a:latin typeface="Calibri" panose="020F0502020204030204"/>
-                </a:endParaRPr>
-              </a:p>
-            </p:txBody>
-          </p:sp>
-          <p:sp>
-            <p:nvSpPr>
-              <p:cNvPr id="13" name="Oval 12">
-                <a:extLst>
-                  <a:ext uri="{FF2B5EF4-FFF2-40B4-BE49-F238E27FC236}">
-                    <a16:creationId xmlns:a16="http://schemas.microsoft.com/office/drawing/2014/main" id="{DEBA88F9-76D9-F1C2-ACE2-FD5BC77634D8}"/>
-                  </a:ext>
-                </a:extLst>
-              </p:cNvPr>
-              <p:cNvSpPr/>
-              <p:nvPr/>
-            </p:nvSpPr>
-            <p:spPr>
-              <a:xfrm>
-                <a:off x="9689980" y="3266014"/>
-                <a:ext cx="228709" cy="228709"/>
-              </a:xfrm>
-              <a:prstGeom prst="ellipse">
-                <a:avLst/>
-              </a:prstGeom>
-              <a:solidFill>
-                <a:srgbClr val="C10800"/>
-              </a:solidFill>
-              <a:ln>
-                <a:noFill/>
-              </a:ln>
-            </p:spPr>
-            <p:style>
-              <a:lnRef idx="2">
-                <a:schemeClr val="accent1">
-                  <a:shade val="50000"/>
-                </a:schemeClr>
-              </a:lnRef>
-              <a:fillRef idx="1">
-                <a:schemeClr val="accent1"/>
-              </a:fillRef>
-              <a:effectRef idx="0">
-                <a:schemeClr val="accent1"/>
-              </a:effectRef>
-              <a:fontRef idx="minor">
-                <a:schemeClr val="lt1"/>
-              </a:fontRef>
-            </p:style>
-            <p:txBody>
-              <a:bodyPr rtlCol="0" anchor="ctr"/>
-              <a:lstStyle/>
-              <a:p>
-                <a:pPr algn="ctr" defTabSz="274280">
-                  <a:defRPr/>
-                </a:pPr>
-                <a:endParaRPr lang="en-AU" sz="1000">
-                  <a:solidFill>
-                    <a:prstClr val="white"/>
-                  </a:solidFill>
-                  <a:latin typeface="Calibri" panose="020F0502020204030204"/>
-                </a:endParaRPr>
-              </a:p>
-            </p:txBody>
-          </p:sp>
-        </p:grpSp>
-        <p:cxnSp>
-          <p:nvCxnSpPr>
-            <p:cNvPr id="10" name="Straight Connector 9">
-              <a:extLst>
-                <a:ext uri="{FF2B5EF4-FFF2-40B4-BE49-F238E27FC236}">
-                  <a16:creationId xmlns:a16="http://schemas.microsoft.com/office/drawing/2014/main" id="{16DD745E-C6AD-36ED-FA01-C50F145F684E}"/>
-                </a:ext>
-              </a:extLst>
-            </p:cNvPr>
-            <p:cNvCxnSpPr>
-              <a:cxnSpLocks/>
-            </p:cNvCxnSpPr>
-            <p:nvPr/>
-          </p:nvCxnSpPr>
-          <p:spPr>
-            <a:xfrm flipV="1">
-              <a:off x="8514557" y="4326298"/>
-              <a:ext cx="595994" cy="426117"/>
-            </a:xfrm>
-            <a:prstGeom prst="line">
-              <a:avLst/>
-            </a:prstGeom>
-            <a:ln w="28575">
-              <a:solidFill>
-                <a:schemeClr val="tx1"/>
-              </a:solidFill>
-            </a:ln>
-          </p:spPr>
-          <p:style>
-            <a:lnRef idx="1">
-              <a:schemeClr val="accent1"/>
-            </a:lnRef>
-            <a:fillRef idx="0">
-              <a:schemeClr val="accent1"/>
-            </a:fillRef>
-            <a:effectRef idx="0">
-              <a:schemeClr val="accent1"/>
-            </a:effectRef>
-            <a:fontRef idx="minor">
-              <a:schemeClr val="tx1"/>
-            </a:fontRef>
-          </p:style>
-        </p:cxnSp>
-      </p:grpSp>
+          </a:blip>
+          <a:srcRect/>
+          <a:stretch>
+            <a:fillRect/>
+          </a:stretch>
+        </p:blipFill>
+        <p:spPr bwMode="auto">
+          <a:xfrm>
+            <a:off x="991180" y="842535"/>
+            <a:ext cx="243260" cy="257767"/>
+          </a:xfrm>
+          <a:prstGeom prst="rect">
+            <a:avLst/>
+          </a:prstGeom>
+          <a:noFill/>
+          <a:extLst>
+            <a:ext uri="{909E8E84-426E-40DD-AFC4-6F175D3DCCD1}">
+              <a14:hiddenFill xmlns:a14="http://schemas.microsoft.com/office/drawing/2010/main">
+                <a:solidFill>
+                  <a:srgbClr val="FFFFFF"/>
+                </a:solidFill>
+              </a14:hiddenFill>
+            </a:ext>
+          </a:extLst>
+        </p:spPr>
+      </p:pic>
       <p:cxnSp>
         <p:nvCxnSpPr>
-          <p:cNvPr id="14" name="Straight Arrow Connector 13">
+          <p:cNvPr id="49" name="Straight Arrow Connector 48">
             <a:extLst>
               <a:ext uri="{FF2B5EF4-FFF2-40B4-BE49-F238E27FC236}">
-                <a16:creationId xmlns:a16="http://schemas.microsoft.com/office/drawing/2014/main" id="{90E6B7A7-8A71-8C24-1C2D-124C4CC45000}"/>
+                <a16:creationId xmlns:a16="http://schemas.microsoft.com/office/drawing/2014/main" id="{3D80AFF5-6F11-3AA9-DF3F-AFA3773C2360}"/>
               </a:ext>
             </a:extLst>
           </p:cNvPr>
@@ -5618,17 +5785,17 @@
         </p:nvCxnSpPr>
         <p:spPr>
           <a:xfrm>
-            <a:off x="1500953" y="1037052"/>
-            <a:ext cx="0" cy="350404"/>
+            <a:off x="1276205" y="852337"/>
+            <a:ext cx="0" cy="284519"/>
           </a:xfrm>
           <a:prstGeom prst="straightConnector1">
             <a:avLst/>
           </a:prstGeom>
-          <a:ln w="57150">
+          <a:ln w="19050">
             <a:solidFill>
               <a:schemeClr val="tx1"/>
             </a:solidFill>
-            <a:tailEnd type="triangle"/>
+            <a:tailEnd type="triangle" w="sm" len="sm"/>
           </a:ln>
         </p:spPr>
         <p:style>
@@ -5646,12 +5813,41 @@
           </a:fontRef>
         </p:style>
       </p:cxnSp>
-      <p:sp>
-        <p:nvSpPr>
-          <p:cNvPr id="59" name="TextBox 58">
+      <p:pic>
+        <p:nvPicPr>
+          <p:cNvPr id="50" name="Picture 49">
             <a:extLst>
               <a:ext uri="{FF2B5EF4-FFF2-40B4-BE49-F238E27FC236}">
-                <a16:creationId xmlns:a16="http://schemas.microsoft.com/office/drawing/2014/main" id="{308C585C-583B-547A-2914-BDC284C1A720}"/>
+                <a16:creationId xmlns:a16="http://schemas.microsoft.com/office/drawing/2014/main" id="{4AA288BB-6CEA-D17A-1E0C-99530F6F0D66}"/>
+              </a:ext>
+            </a:extLst>
+          </p:cNvPr>
+          <p:cNvPicPr>
+            <a:picLocks noChangeAspect="1"/>
+          </p:cNvPicPr>
+          <p:nvPr/>
+        </p:nvPicPr>
+        <p:blipFill>
+          <a:blip r:embed="rId11"/>
+          <a:srcRect/>
+          <a:stretch/>
+        </p:blipFill>
+        <p:spPr>
+          <a:xfrm>
+            <a:off x="134919" y="1178860"/>
+            <a:ext cx="1422012" cy="92167"/>
+          </a:xfrm>
+          <a:prstGeom prst="rect">
+            <a:avLst/>
+          </a:prstGeom>
+        </p:spPr>
+      </p:pic>
+      <p:sp>
+        <p:nvSpPr>
+          <p:cNvPr id="51" name="TextBox 50">
+            <a:extLst>
+              <a:ext uri="{FF2B5EF4-FFF2-40B4-BE49-F238E27FC236}">
+                <a16:creationId xmlns:a16="http://schemas.microsoft.com/office/drawing/2014/main" id="{C285500A-4C9C-E9DD-C243-F981794DA861}"/>
               </a:ext>
             </a:extLst>
           </p:cNvPr>
@@ -5660,8 +5856,8 @@
         </p:nvSpPr>
         <p:spPr>
           <a:xfrm>
-            <a:off x="4952378" y="2290800"/>
-            <a:ext cx="1586441" cy="276999"/>
+            <a:off x="632048" y="1220478"/>
+            <a:ext cx="410991" cy="261610"/>
           </a:xfrm>
           <a:prstGeom prst="rect">
             <a:avLst/>
@@ -5676,14 +5872,14 @@
           <a:p>
             <a:pPr algn="ctr"/>
             <a:r>
-              <a:rPr lang="en-US" sz="1200" dirty="0">
+              <a:rPr lang="en-US" sz="1100" dirty="0">
                 <a:latin typeface="Tw Cen MT" panose="020B0602020104020603" pitchFamily="34" charset="77"/>
                 <a:ea typeface="Open Sans" pitchFamily="2" charset="0"/>
                 <a:cs typeface="Open Sans" pitchFamily="2" charset="0"/>
               </a:rPr>
-              <a:t>ASD</a:t>
-            </a:r>
-            <a:endParaRPr lang="en-AU" sz="1200" dirty="0">
+              <a:t>SPIs</a:t>
+            </a:r>
+            <a:endParaRPr lang="en-AU" sz="1100" dirty="0">
               <a:latin typeface="Tw Cen MT" panose="020B0602020104020603" pitchFamily="34" charset="77"/>
               <a:ea typeface="Open Sans" pitchFamily="2" charset="0"/>
               <a:cs typeface="Open Sans" pitchFamily="2" charset="0"/>
@@ -5691,12 +5887,441 @@
           </a:p>
         </p:txBody>
       </p:sp>
+      <p:cxnSp>
+        <p:nvCxnSpPr>
+          <p:cNvPr id="52" name="Straight Arrow Connector 51">
+            <a:extLst>
+              <a:ext uri="{FF2B5EF4-FFF2-40B4-BE49-F238E27FC236}">
+                <a16:creationId xmlns:a16="http://schemas.microsoft.com/office/drawing/2014/main" id="{9DC4FE7D-DA97-B5C0-C955-2AFBC6535CAB}"/>
+              </a:ext>
+            </a:extLst>
+          </p:cNvPr>
+          <p:cNvCxnSpPr>
+            <a:cxnSpLocks/>
+          </p:cNvCxnSpPr>
+          <p:nvPr/>
+        </p:nvCxnSpPr>
+        <p:spPr>
+          <a:xfrm>
+            <a:off x="1020235" y="1390792"/>
+            <a:ext cx="476795" cy="0"/>
+          </a:xfrm>
+          <a:prstGeom prst="straightConnector1">
+            <a:avLst/>
+          </a:prstGeom>
+          <a:ln w="19050">
+            <a:solidFill>
+              <a:schemeClr val="tx1"/>
+            </a:solidFill>
+            <a:tailEnd type="triangle" w="sm" len="sm"/>
+          </a:ln>
+        </p:spPr>
+        <p:style>
+          <a:lnRef idx="1">
+            <a:schemeClr val="accent1"/>
+          </a:lnRef>
+          <a:fillRef idx="0">
+            <a:schemeClr val="accent1"/>
+          </a:fillRef>
+          <a:effectRef idx="0">
+            <a:schemeClr val="accent1"/>
+          </a:effectRef>
+          <a:fontRef idx="minor">
+            <a:schemeClr val="tx1"/>
+          </a:fontRef>
+        </p:style>
+      </p:cxnSp>
+      <p:cxnSp>
+        <p:nvCxnSpPr>
+          <p:cNvPr id="54" name="Straight Arrow Connector 53">
+            <a:extLst>
+              <a:ext uri="{FF2B5EF4-FFF2-40B4-BE49-F238E27FC236}">
+                <a16:creationId xmlns:a16="http://schemas.microsoft.com/office/drawing/2014/main" id="{C153805A-3E34-212C-A778-0172B0907411}"/>
+              </a:ext>
+            </a:extLst>
+          </p:cNvPr>
+          <p:cNvCxnSpPr>
+            <a:cxnSpLocks/>
+          </p:cNvCxnSpPr>
+          <p:nvPr/>
+        </p:nvCxnSpPr>
+        <p:spPr>
+          <a:xfrm flipH="1">
+            <a:off x="191182" y="1400654"/>
+            <a:ext cx="456787" cy="0"/>
+          </a:xfrm>
+          <a:prstGeom prst="straightConnector1">
+            <a:avLst/>
+          </a:prstGeom>
+          <a:ln w="19050">
+            <a:solidFill>
+              <a:schemeClr val="tx1"/>
+            </a:solidFill>
+            <a:tailEnd type="triangle" w="sm" len="sm"/>
+          </a:ln>
+        </p:spPr>
+        <p:style>
+          <a:lnRef idx="1">
+            <a:schemeClr val="accent1"/>
+          </a:lnRef>
+          <a:fillRef idx="0">
+            <a:schemeClr val="accent1"/>
+          </a:fillRef>
+          <a:effectRef idx="0">
+            <a:schemeClr val="accent1"/>
+          </a:effectRef>
+          <a:fontRef idx="minor">
+            <a:schemeClr val="tx1"/>
+          </a:fontRef>
+        </p:style>
+      </p:cxnSp>
+      <p:sp>
+        <p:nvSpPr>
+          <p:cNvPr id="3" name="TextBox 2">
+            <a:extLst>
+              <a:ext uri="{FF2B5EF4-FFF2-40B4-BE49-F238E27FC236}">
+                <a16:creationId xmlns:a16="http://schemas.microsoft.com/office/drawing/2014/main" id="{6D383BBE-B4DB-216E-8434-C8E1D1416C02}"/>
+              </a:ext>
+            </a:extLst>
+          </p:cNvPr>
+          <p:cNvSpPr txBox="1"/>
+          <p:nvPr/>
+        </p:nvSpPr>
+        <p:spPr>
+          <a:xfrm>
+            <a:off x="47152" y="1527544"/>
+            <a:ext cx="553376" cy="372859"/>
+          </a:xfrm>
+          <a:prstGeom prst="rect">
+            <a:avLst/>
+          </a:prstGeom>
+          <a:noFill/>
+        </p:spPr>
+        <p:txBody>
+          <a:bodyPr wrap="square">
+            <a:spAutoFit/>
+          </a:bodyPr>
+          <a:lstStyle/>
+          <a:p>
+            <a:r>
+              <a:rPr lang="en-US" sz="1823" b="1" dirty="0">
+                <a:latin typeface="Tw Cen MT" panose="020B0602020104020603" pitchFamily="34" charset="77"/>
+                <a:ea typeface="Open Sans" pitchFamily="2" charset="0"/>
+                <a:cs typeface="Open Sans" pitchFamily="2" charset="0"/>
+              </a:rPr>
+              <a:t>B</a:t>
+            </a:r>
+            <a:endParaRPr lang="en-AU" sz="1823" b="1" dirty="0">
+              <a:latin typeface="Tw Cen MT" panose="020B0602020104020603" pitchFamily="34" charset="77"/>
+              <a:ea typeface="Open Sans" pitchFamily="2" charset="0"/>
+              <a:cs typeface="Open Sans" pitchFamily="2" charset="0"/>
+            </a:endParaRPr>
+          </a:p>
+        </p:txBody>
+      </p:sp>
+      <p:cxnSp>
+        <p:nvCxnSpPr>
+          <p:cNvPr id="4" name="Straight Arrow Connector 3">
+            <a:extLst>
+              <a:ext uri="{FF2B5EF4-FFF2-40B4-BE49-F238E27FC236}">
+                <a16:creationId xmlns:a16="http://schemas.microsoft.com/office/drawing/2014/main" id="{09182F41-D4DF-7094-7DE6-7546CE10C8BA}"/>
+              </a:ext>
+            </a:extLst>
+          </p:cNvPr>
+          <p:cNvCxnSpPr>
+            <a:cxnSpLocks/>
+          </p:cNvCxnSpPr>
+          <p:nvPr/>
+        </p:nvCxnSpPr>
+        <p:spPr>
+          <a:xfrm>
+            <a:off x="1497332" y="933372"/>
+            <a:ext cx="263454" cy="0"/>
+          </a:xfrm>
+          <a:prstGeom prst="straightConnector1">
+            <a:avLst/>
+          </a:prstGeom>
+          <a:ln w="19050">
+            <a:solidFill>
+              <a:schemeClr val="tx1"/>
+            </a:solidFill>
+            <a:tailEnd type="triangle"/>
+          </a:ln>
+        </p:spPr>
+        <p:style>
+          <a:lnRef idx="1">
+            <a:schemeClr val="accent1"/>
+          </a:lnRef>
+          <a:fillRef idx="0">
+            <a:schemeClr val="accent1"/>
+          </a:fillRef>
+          <a:effectRef idx="0">
+            <a:schemeClr val="accent1"/>
+          </a:effectRef>
+          <a:fontRef idx="minor">
+            <a:schemeClr val="tx1"/>
+          </a:fontRef>
+        </p:style>
+      </p:cxnSp>
+      <p:sp>
+        <p:nvSpPr>
+          <p:cNvPr id="6" name="TextBox 5">
+            <a:extLst>
+              <a:ext uri="{FF2B5EF4-FFF2-40B4-BE49-F238E27FC236}">
+                <a16:creationId xmlns:a16="http://schemas.microsoft.com/office/drawing/2014/main" id="{A314AA27-75F6-5BD5-650A-CF128EB8C4A3}"/>
+              </a:ext>
+            </a:extLst>
+          </p:cNvPr>
+          <p:cNvSpPr txBox="1"/>
+          <p:nvPr/>
+        </p:nvSpPr>
+        <p:spPr>
+          <a:xfrm>
+            <a:off x="3862233" y="1103126"/>
+            <a:ext cx="1024009" cy="261610"/>
+          </a:xfrm>
+          <a:prstGeom prst="rect">
+            <a:avLst/>
+          </a:prstGeom>
+          <a:noFill/>
+        </p:spPr>
+        <p:txBody>
+          <a:bodyPr wrap="square">
+            <a:spAutoFit/>
+          </a:bodyPr>
+          <a:lstStyle/>
+          <a:p>
+            <a:pPr algn="ctr"/>
+            <a:r>
+              <a:rPr lang="en-US" sz="1050" dirty="0">
+                <a:latin typeface="Tw Cen MT" panose="020B0602020104020603" pitchFamily="34" charset="77"/>
+                <a:ea typeface="Open Sans" pitchFamily="2" charset="0"/>
+                <a:cs typeface="Open Sans" pitchFamily="2" charset="0"/>
+              </a:rPr>
+              <a:t>Linear SVM</a:t>
+            </a:r>
+            <a:endParaRPr lang="en-AU" sz="1050" dirty="0">
+              <a:latin typeface="Tw Cen MT" panose="020B0602020104020603" pitchFamily="34" charset="77"/>
+              <a:ea typeface="Open Sans" pitchFamily="2" charset="0"/>
+              <a:cs typeface="Open Sans" pitchFamily="2" charset="0"/>
+            </a:endParaRPr>
+          </a:p>
+        </p:txBody>
+      </p:sp>
+      <p:cxnSp>
+        <p:nvCxnSpPr>
+          <p:cNvPr id="7" name="Straight Arrow Connector 6">
+            <a:extLst>
+              <a:ext uri="{FF2B5EF4-FFF2-40B4-BE49-F238E27FC236}">
+                <a16:creationId xmlns:a16="http://schemas.microsoft.com/office/drawing/2014/main" id="{C6AE7FD4-E6FF-7433-FEF5-27922CD9CBA1}"/>
+              </a:ext>
+            </a:extLst>
+          </p:cNvPr>
+          <p:cNvCxnSpPr>
+            <a:cxnSpLocks/>
+          </p:cNvCxnSpPr>
+          <p:nvPr/>
+        </p:nvCxnSpPr>
+        <p:spPr>
+          <a:xfrm>
+            <a:off x="3726725" y="915818"/>
+            <a:ext cx="263454" cy="0"/>
+          </a:xfrm>
+          <a:prstGeom prst="straightConnector1">
+            <a:avLst/>
+          </a:prstGeom>
+          <a:ln w="19050">
+            <a:solidFill>
+              <a:schemeClr val="tx1"/>
+            </a:solidFill>
+            <a:tailEnd type="triangle"/>
+          </a:ln>
+        </p:spPr>
+        <p:style>
+          <a:lnRef idx="1">
+            <a:schemeClr val="accent1"/>
+          </a:lnRef>
+          <a:fillRef idx="0">
+            <a:schemeClr val="accent1"/>
+          </a:fillRef>
+          <a:effectRef idx="0">
+            <a:schemeClr val="accent1"/>
+          </a:effectRef>
+          <a:fontRef idx="minor">
+            <a:schemeClr val="tx1"/>
+          </a:fontRef>
+        </p:style>
+      </p:cxnSp>
       <p:pic>
         <p:nvPicPr>
-          <p:cNvPr id="23" name="Picture 22">
+          <p:cNvPr id="9" name="Picture 8">
             <a:extLst>
               <a:ext uri="{FF2B5EF4-FFF2-40B4-BE49-F238E27FC236}">
-                <a16:creationId xmlns:a16="http://schemas.microsoft.com/office/drawing/2014/main" id="{699667D4-64D1-B3B6-014E-12429CAACE5D}"/>
+                <a16:creationId xmlns:a16="http://schemas.microsoft.com/office/drawing/2014/main" id="{50E7FF5A-A6FD-FE7D-FCD4-7B42B479065A}"/>
+              </a:ext>
+            </a:extLst>
+          </p:cNvPr>
+          <p:cNvPicPr>
+            <a:picLocks noChangeAspect="1"/>
+          </p:cNvPicPr>
+          <p:nvPr/>
+        </p:nvPicPr>
+        <p:blipFill>
+          <a:blip r:embed="rId12"/>
+          <a:srcRect/>
+          <a:stretch/>
+        </p:blipFill>
+        <p:spPr>
+          <a:xfrm>
+            <a:off x="286056" y="1647029"/>
+            <a:ext cx="2392561" cy="1305034"/>
+          </a:xfrm>
+          <a:prstGeom prst="rect">
+            <a:avLst/>
+          </a:prstGeom>
+        </p:spPr>
+      </p:pic>
+      <p:sp>
+        <p:nvSpPr>
+          <p:cNvPr id="10" name="TextBox 9">
+            <a:extLst>
+              <a:ext uri="{FF2B5EF4-FFF2-40B4-BE49-F238E27FC236}">
+                <a16:creationId xmlns:a16="http://schemas.microsoft.com/office/drawing/2014/main" id="{10D80381-3D51-3050-45F7-8EF2EB762138}"/>
+              </a:ext>
+            </a:extLst>
+          </p:cNvPr>
+          <p:cNvSpPr txBox="1"/>
+          <p:nvPr/>
+        </p:nvSpPr>
+        <p:spPr>
+          <a:xfrm>
+            <a:off x="764873" y="1580020"/>
+            <a:ext cx="402285" cy="215444"/>
+          </a:xfrm>
+          <a:prstGeom prst="rect">
+            <a:avLst/>
+          </a:prstGeom>
+          <a:noFill/>
+        </p:spPr>
+        <p:txBody>
+          <a:bodyPr wrap="square">
+            <a:spAutoFit/>
+          </a:bodyPr>
+          <a:lstStyle/>
+          <a:p>
+            <a:pPr algn="ctr"/>
+            <a:r>
+              <a:rPr lang="en-US" sz="800" dirty="0">
+                <a:latin typeface="Calibri" panose="020F0502020204030204" pitchFamily="34" charset="0"/>
+                <a:ea typeface="Open Sans" pitchFamily="2" charset="0"/>
+                <a:cs typeface="Calibri" panose="020F0502020204030204" pitchFamily="34" charset="0"/>
+              </a:rPr>
+              <a:t>***</a:t>
+            </a:r>
+            <a:endParaRPr lang="en-AU" sz="800" dirty="0">
+              <a:latin typeface="Calibri" panose="020F0502020204030204" pitchFamily="34" charset="0"/>
+              <a:ea typeface="Open Sans" pitchFamily="2" charset="0"/>
+              <a:cs typeface="Calibri" panose="020F0502020204030204" pitchFamily="34" charset="0"/>
+            </a:endParaRPr>
+          </a:p>
+        </p:txBody>
+      </p:sp>
+      <p:sp>
+        <p:nvSpPr>
+          <p:cNvPr id="11" name="TextBox 10">
+            <a:extLst>
+              <a:ext uri="{FF2B5EF4-FFF2-40B4-BE49-F238E27FC236}">
+                <a16:creationId xmlns:a16="http://schemas.microsoft.com/office/drawing/2014/main" id="{776CC4A4-F90E-4BB4-9256-DE3310BF7831}"/>
+              </a:ext>
+            </a:extLst>
+          </p:cNvPr>
+          <p:cNvSpPr txBox="1"/>
+          <p:nvPr/>
+        </p:nvSpPr>
+        <p:spPr>
+          <a:xfrm>
+            <a:off x="1229341" y="1581620"/>
+            <a:ext cx="402285" cy="215444"/>
+          </a:xfrm>
+          <a:prstGeom prst="rect">
+            <a:avLst/>
+          </a:prstGeom>
+          <a:noFill/>
+        </p:spPr>
+        <p:txBody>
+          <a:bodyPr wrap="square">
+            <a:spAutoFit/>
+          </a:bodyPr>
+          <a:lstStyle/>
+          <a:p>
+            <a:pPr algn="ctr"/>
+            <a:r>
+              <a:rPr lang="en-US" sz="800" dirty="0">
+                <a:latin typeface="Calibri" panose="020F0502020204030204" pitchFamily="34" charset="0"/>
+                <a:ea typeface="Open Sans" pitchFamily="2" charset="0"/>
+                <a:cs typeface="Calibri" panose="020F0502020204030204" pitchFamily="34" charset="0"/>
+              </a:rPr>
+              <a:t>***</a:t>
+            </a:r>
+            <a:endParaRPr lang="en-AU" sz="800" dirty="0">
+              <a:latin typeface="Calibri" panose="020F0502020204030204" pitchFamily="34" charset="0"/>
+              <a:ea typeface="Open Sans" pitchFamily="2" charset="0"/>
+              <a:cs typeface="Calibri" panose="020F0502020204030204" pitchFamily="34" charset="0"/>
+            </a:endParaRPr>
+          </a:p>
+        </p:txBody>
+      </p:sp>
+      <p:sp>
+        <p:nvSpPr>
+          <p:cNvPr id="12" name="TextBox 11">
+            <a:extLst>
+              <a:ext uri="{FF2B5EF4-FFF2-40B4-BE49-F238E27FC236}">
+                <a16:creationId xmlns:a16="http://schemas.microsoft.com/office/drawing/2014/main" id="{9BFB3811-595B-A689-8507-04880FF8B69F}"/>
+              </a:ext>
+            </a:extLst>
+          </p:cNvPr>
+          <p:cNvSpPr txBox="1"/>
+          <p:nvPr/>
+        </p:nvSpPr>
+        <p:spPr>
+          <a:xfrm>
+            <a:off x="2151295" y="1581620"/>
+            <a:ext cx="402285" cy="215444"/>
+          </a:xfrm>
+          <a:prstGeom prst="rect">
+            <a:avLst/>
+          </a:prstGeom>
+          <a:noFill/>
+        </p:spPr>
+        <p:txBody>
+          <a:bodyPr wrap="square">
+            <a:spAutoFit/>
+          </a:bodyPr>
+          <a:lstStyle/>
+          <a:p>
+            <a:pPr algn="ctr"/>
+            <a:r>
+              <a:rPr lang="en-US" sz="800" dirty="0">
+                <a:latin typeface="Calibri" panose="020F0502020204030204" pitchFamily="34" charset="0"/>
+                <a:ea typeface="Open Sans" pitchFamily="2" charset="0"/>
+                <a:cs typeface="Calibri" panose="020F0502020204030204" pitchFamily="34" charset="0"/>
+              </a:rPr>
+              <a:t>***</a:t>
+            </a:r>
+            <a:endParaRPr lang="en-AU" sz="800" dirty="0">
+              <a:latin typeface="Calibri" panose="020F0502020204030204" pitchFamily="34" charset="0"/>
+              <a:ea typeface="Open Sans" pitchFamily="2" charset="0"/>
+              <a:cs typeface="Calibri" panose="020F0502020204030204" pitchFamily="34" charset="0"/>
+            </a:endParaRPr>
+          </a:p>
+        </p:txBody>
+      </p:sp>
+      <p:pic>
+        <p:nvPicPr>
+          <p:cNvPr id="2" name="Picture 1" descr="A picture containing text&#10;&#10;Description automatically generated">
+            <a:extLst>
+              <a:ext uri="{FF2B5EF4-FFF2-40B4-BE49-F238E27FC236}">
+                <a16:creationId xmlns:a16="http://schemas.microsoft.com/office/drawing/2014/main" id="{B5E6B9CC-FE27-3A69-723F-35894E0B36A4}"/>
               </a:ext>
             </a:extLst>
           </p:cNvPr>
@@ -5707,25 +6332,408 @@
         </p:nvPicPr>
         <p:blipFill>
           <a:blip r:embed="rId13"/>
-          <a:srcRect/>
-          <a:stretch/>
+          <a:stretch>
+            <a:fillRect/>
+          </a:stretch>
         </p:blipFill>
         <p:spPr>
           <a:xfrm>
-            <a:off x="2835789" y="531117"/>
-            <a:ext cx="3313194" cy="1286677"/>
+            <a:off x="275031" y="3992478"/>
+            <a:ext cx="767662" cy="511774"/>
           </a:xfrm>
           <a:prstGeom prst="rect">
             <a:avLst/>
           </a:prstGeom>
         </p:spPr>
       </p:pic>
+      <p:cxnSp>
+        <p:nvCxnSpPr>
+          <p:cNvPr id="5" name="Straight Arrow Connector 4">
+            <a:extLst>
+              <a:ext uri="{FF2B5EF4-FFF2-40B4-BE49-F238E27FC236}">
+                <a16:creationId xmlns:a16="http://schemas.microsoft.com/office/drawing/2014/main" id="{3EFCBDDC-FCAF-1B5D-9C16-9339893E2C11}"/>
+              </a:ext>
+            </a:extLst>
+          </p:cNvPr>
+          <p:cNvCxnSpPr>
+            <a:cxnSpLocks/>
+          </p:cNvCxnSpPr>
+          <p:nvPr/>
+        </p:nvCxnSpPr>
+        <p:spPr>
+          <a:xfrm flipV="1">
+            <a:off x="265171" y="3458971"/>
+            <a:ext cx="0" cy="305810"/>
+          </a:xfrm>
+          <a:prstGeom prst="straightConnector1">
+            <a:avLst/>
+          </a:prstGeom>
+          <a:ln w="15875">
+            <a:solidFill>
+              <a:schemeClr val="tx1"/>
+            </a:solidFill>
+            <a:tailEnd type="triangle" w="sm" len="sm"/>
+          </a:ln>
+        </p:spPr>
+        <p:style>
+          <a:lnRef idx="1">
+            <a:schemeClr val="accent1"/>
+          </a:lnRef>
+          <a:fillRef idx="0">
+            <a:schemeClr val="accent1"/>
+          </a:fillRef>
+          <a:effectRef idx="0">
+            <a:schemeClr val="accent1"/>
+          </a:effectRef>
+          <a:fontRef idx="minor">
+            <a:schemeClr val="tx1"/>
+          </a:fontRef>
+        </p:style>
+      </p:cxnSp>
+      <p:sp>
+        <p:nvSpPr>
+          <p:cNvPr id="8" name="TextBox 7">
+            <a:extLst>
+              <a:ext uri="{FF2B5EF4-FFF2-40B4-BE49-F238E27FC236}">
+                <a16:creationId xmlns:a16="http://schemas.microsoft.com/office/drawing/2014/main" id="{A2EC87A0-D702-1BC9-BF93-3CD74147F620}"/>
+              </a:ext>
+            </a:extLst>
+          </p:cNvPr>
+          <p:cNvSpPr txBox="1"/>
+          <p:nvPr/>
+        </p:nvSpPr>
+        <p:spPr>
+          <a:xfrm>
+            <a:off x="317439" y="3452945"/>
+            <a:ext cx="892855" cy="415498"/>
+          </a:xfrm>
+          <a:prstGeom prst="rect">
+            <a:avLst/>
+          </a:prstGeom>
+          <a:noFill/>
+        </p:spPr>
+        <p:txBody>
+          <a:bodyPr wrap="square">
+            <a:spAutoFit/>
+          </a:bodyPr>
+          <a:lstStyle/>
+          <a:p>
+            <a:r>
+              <a:rPr lang="en-US" sz="700" dirty="0">
+                <a:latin typeface="Tw Cen MT" panose="020B0602020104020603" pitchFamily="34" charset="77"/>
+                <a:ea typeface="Open Sans" pitchFamily="2" charset="0"/>
+                <a:cs typeface="Open Sans" pitchFamily="2" charset="0"/>
+              </a:rPr>
+              <a:t>Compute 24 </a:t>
+            </a:r>
+            <a:r>
+              <a:rPr lang="en-US" sz="700" b="1" dirty="0">
+                <a:latin typeface="Tw Cen MT" panose="020B0602020104020603" pitchFamily="34" charset="77"/>
+                <a:ea typeface="Open Sans" pitchFamily="2" charset="0"/>
+                <a:cs typeface="Open Sans" pitchFamily="2" charset="0"/>
+              </a:rPr>
+              <a:t>univariate </a:t>
+            </a:r>
+            <a:r>
+              <a:rPr lang="en-US" sz="700" dirty="0">
+                <a:latin typeface="Tw Cen MT" panose="020B0602020104020603" pitchFamily="34" charset="77"/>
+                <a:ea typeface="Open Sans" pitchFamily="2" charset="0"/>
+                <a:cs typeface="Open Sans" pitchFamily="2" charset="0"/>
+              </a:rPr>
+              <a:t>BOLD rs-fMRI TS features</a:t>
+            </a:r>
+            <a:endParaRPr lang="en-AU" sz="700" dirty="0">
+              <a:latin typeface="Tw Cen MT" panose="020B0602020104020603" pitchFamily="34" charset="77"/>
+              <a:ea typeface="Open Sans" pitchFamily="2" charset="0"/>
+              <a:cs typeface="Open Sans" pitchFamily="2" charset="0"/>
+            </a:endParaRPr>
+          </a:p>
+        </p:txBody>
+      </p:sp>
+      <p:sp>
+        <p:nvSpPr>
+          <p:cNvPr id="13" name="TextBox 12">
+            <a:extLst>
+              <a:ext uri="{FF2B5EF4-FFF2-40B4-BE49-F238E27FC236}">
+                <a16:creationId xmlns:a16="http://schemas.microsoft.com/office/drawing/2014/main" id="{6D69F81B-2497-7B1A-149E-747A79976491}"/>
+              </a:ext>
+            </a:extLst>
+          </p:cNvPr>
+          <p:cNvSpPr txBox="1"/>
+          <p:nvPr/>
+        </p:nvSpPr>
+        <p:spPr>
+          <a:xfrm>
+            <a:off x="316986" y="4886946"/>
+            <a:ext cx="1007301" cy="307777"/>
+          </a:xfrm>
+          <a:prstGeom prst="rect">
+            <a:avLst/>
+          </a:prstGeom>
+          <a:noFill/>
+        </p:spPr>
+        <p:txBody>
+          <a:bodyPr wrap="square">
+            <a:spAutoFit/>
+          </a:bodyPr>
+          <a:lstStyle/>
+          <a:p>
+            <a:r>
+              <a:rPr lang="en-US" sz="700" dirty="0">
+                <a:latin typeface="Tw Cen MT" panose="020B0602020104020603" pitchFamily="34" charset="77"/>
+                <a:ea typeface="Open Sans" pitchFamily="2" charset="0"/>
+                <a:cs typeface="Open Sans" pitchFamily="2" charset="0"/>
+              </a:rPr>
+              <a:t>Compute 14 </a:t>
+            </a:r>
+            <a:r>
+              <a:rPr lang="en-US" sz="700" b="1" dirty="0">
+                <a:latin typeface="Tw Cen MT" panose="020B0602020104020603" pitchFamily="34" charset="77"/>
+                <a:ea typeface="Open Sans" pitchFamily="2" charset="0"/>
+                <a:cs typeface="Open Sans" pitchFamily="2" charset="0"/>
+              </a:rPr>
+              <a:t>pairwise</a:t>
+            </a:r>
+            <a:r>
+              <a:rPr lang="en-US" sz="700" dirty="0">
+                <a:latin typeface="Tw Cen MT" panose="020B0602020104020603" pitchFamily="34" charset="77"/>
+                <a:ea typeface="Open Sans" pitchFamily="2" charset="0"/>
+                <a:cs typeface="Open Sans" pitchFamily="2" charset="0"/>
+              </a:rPr>
+              <a:t> BOLD rs-fMRI SPIs</a:t>
+            </a:r>
+            <a:endParaRPr lang="en-AU" sz="700" baseline="30000" dirty="0">
+              <a:latin typeface="Tw Cen MT" panose="020B0602020104020603" pitchFamily="34" charset="77"/>
+              <a:ea typeface="Open Sans" pitchFamily="2" charset="0"/>
+              <a:cs typeface="Open Sans" pitchFamily="2" charset="0"/>
+            </a:endParaRPr>
+          </a:p>
+        </p:txBody>
+      </p:sp>
+      <p:grpSp>
+        <p:nvGrpSpPr>
+          <p:cNvPr id="14" name="Group 13">
+            <a:extLst>
+              <a:ext uri="{FF2B5EF4-FFF2-40B4-BE49-F238E27FC236}">
+                <a16:creationId xmlns:a16="http://schemas.microsoft.com/office/drawing/2014/main" id="{C3999E41-E940-AD3E-ED8C-927434786D06}"/>
+              </a:ext>
+            </a:extLst>
+          </p:cNvPr>
+          <p:cNvGrpSpPr/>
+          <p:nvPr/>
+        </p:nvGrpSpPr>
+        <p:grpSpPr>
+          <a:xfrm>
+            <a:off x="225878" y="4689927"/>
+            <a:ext cx="892856" cy="111596"/>
+            <a:chOff x="357691" y="8449786"/>
+            <a:chExt cx="2703561" cy="441505"/>
+          </a:xfrm>
+        </p:grpSpPr>
+        <mc:AlternateContent xmlns:mc="http://schemas.openxmlformats.org/markup-compatibility/2006" xmlns:p14="http://schemas.microsoft.com/office/powerpoint/2010/main">
+          <mc:Choice Requires="p14">
+            <p:contentPart p14:bwMode="auto" r:id="rId14">
+              <p14:nvContentPartPr>
+                <p14:cNvPr id="15" name="Ink 14">
+                  <a:extLst>
+                    <a:ext uri="{FF2B5EF4-FFF2-40B4-BE49-F238E27FC236}">
+                      <a16:creationId xmlns:a16="http://schemas.microsoft.com/office/drawing/2014/main" id="{8B1B38E9-5BB9-4773-3D6B-C763FB6CA21E}"/>
+                    </a:ext>
+                  </a:extLst>
+                </p14:cNvPr>
+                <p14:cNvContentPartPr/>
+                <p14:nvPr/>
+              </p14:nvContentPartPr>
+              <p14:xfrm>
+                <a:off x="357691" y="8475526"/>
+                <a:ext cx="2703561" cy="408396"/>
+              </p14:xfrm>
+            </p:contentPart>
+          </mc:Choice>
+          <mc:Fallback xmlns="">
+            <p:pic>
+              <p:nvPicPr>
+                <p:cNvPr id="512" name="Ink 511">
+                  <a:extLst>
+                    <a:ext uri="{FF2B5EF4-FFF2-40B4-BE49-F238E27FC236}">
+                      <a16:creationId xmlns:a16="http://schemas.microsoft.com/office/drawing/2014/main" id="{ACC73DFA-0AF2-E8AD-4972-74A617CF3B46}"/>
+                    </a:ext>
+                  </a:extLst>
+                </p:cNvPr>
+                <p:cNvPicPr/>
+                <p:nvPr/>
+              </p:nvPicPr>
+              <p:blipFill>
+                <a:blip r:embed="rId15"/>
+                <a:stretch>
+                  <a:fillRect/>
+                </a:stretch>
+              </p:blipFill>
+              <p:spPr>
+                <a:xfrm>
+                  <a:off x="346849" y="8461370"/>
+                  <a:ext cx="2724704" cy="436000"/>
+                </a:xfrm>
+                <a:prstGeom prst="rect">
+                  <a:avLst/>
+                </a:prstGeom>
+              </p:spPr>
+            </p:pic>
+          </mc:Fallback>
+        </mc:AlternateContent>
+        <mc:AlternateContent xmlns:mc="http://schemas.openxmlformats.org/markup-compatibility/2006" xmlns:p14="http://schemas.microsoft.com/office/powerpoint/2010/main">
+          <mc:Choice Requires="p14">
+            <p:contentPart p14:bwMode="auto" r:id="rId16">
+              <p14:nvContentPartPr>
+                <p14:cNvPr id="16" name="Ink 15">
+                  <a:extLst>
+                    <a:ext uri="{FF2B5EF4-FFF2-40B4-BE49-F238E27FC236}">
+                      <a16:creationId xmlns:a16="http://schemas.microsoft.com/office/drawing/2014/main" id="{CFDAA65F-23C1-44EF-8FDF-CCF7ACA5400A}"/>
+                    </a:ext>
+                  </a:extLst>
+                </p14:cNvPr>
+                <p14:cNvContentPartPr/>
+                <p14:nvPr/>
+              </p14:nvContentPartPr>
+              <p14:xfrm>
+                <a:off x="372058" y="8449786"/>
+                <a:ext cx="2674210" cy="441505"/>
+              </p14:xfrm>
+            </p:contentPart>
+          </mc:Choice>
+          <mc:Fallback xmlns="">
+            <p:pic>
+              <p:nvPicPr>
+                <p:cNvPr id="513" name="Ink 512">
+                  <a:extLst>
+                    <a:ext uri="{FF2B5EF4-FFF2-40B4-BE49-F238E27FC236}">
+                      <a16:creationId xmlns:a16="http://schemas.microsoft.com/office/drawing/2014/main" id="{D6002E27-48BA-F829-7B04-7D36D2A3930B}"/>
+                    </a:ext>
+                  </a:extLst>
+                </p:cNvPr>
+                <p:cNvPicPr/>
+                <p:nvPr/>
+              </p:nvPicPr>
+              <p:blipFill>
+                <a:blip r:embed="rId17"/>
+                <a:stretch>
+                  <a:fillRect/>
+                </a:stretch>
+              </p:blipFill>
+              <p:spPr>
+                <a:xfrm>
+                  <a:off x="361217" y="8435624"/>
+                  <a:ext cx="2695350" cy="469121"/>
+                </a:xfrm>
+                <a:prstGeom prst="rect">
+                  <a:avLst/>
+                </a:prstGeom>
+              </p:spPr>
+            </p:pic>
+          </mc:Fallback>
+        </mc:AlternateContent>
+      </p:grpSp>
+      <p:cxnSp>
+        <p:nvCxnSpPr>
+          <p:cNvPr id="17" name="Straight Arrow Connector 16">
+            <a:extLst>
+              <a:ext uri="{FF2B5EF4-FFF2-40B4-BE49-F238E27FC236}">
+                <a16:creationId xmlns:a16="http://schemas.microsoft.com/office/drawing/2014/main" id="{946AF1BD-E3C3-DDE6-7A5D-05E9EA9A8A22}"/>
+              </a:ext>
+            </a:extLst>
+          </p:cNvPr>
+          <p:cNvCxnSpPr>
+            <a:cxnSpLocks/>
+          </p:cNvCxnSpPr>
+          <p:nvPr/>
+        </p:nvCxnSpPr>
+        <p:spPr>
+          <a:xfrm>
+            <a:off x="265171" y="4845938"/>
+            <a:ext cx="0" cy="313425"/>
+          </a:xfrm>
+          <a:prstGeom prst="straightConnector1">
+            <a:avLst/>
+          </a:prstGeom>
+          <a:ln w="15875">
+            <a:solidFill>
+              <a:schemeClr val="tx1"/>
+            </a:solidFill>
+            <a:tailEnd type="triangle" w="sm" len="sm"/>
+          </a:ln>
+        </p:spPr>
+        <p:style>
+          <a:lnRef idx="1">
+            <a:schemeClr val="accent1"/>
+          </a:lnRef>
+          <a:fillRef idx="0">
+            <a:schemeClr val="accent1"/>
+          </a:fillRef>
+          <a:effectRef idx="0">
+            <a:schemeClr val="accent1"/>
+          </a:effectRef>
+          <a:fontRef idx="minor">
+            <a:schemeClr val="tx1"/>
+          </a:fontRef>
+        </p:style>
+      </p:cxnSp>
+      <mc:AlternateContent xmlns:mc="http://schemas.openxmlformats.org/markup-compatibility/2006">
+        <mc:Choice xmlns:p14="http://schemas.microsoft.com/office/powerpoint/2010/main" Requires="p14">
+          <p:contentPart p14:bwMode="auto" r:id="rId18">
+            <p14:nvContentPartPr>
+              <p14:cNvPr id="18" name="Ink 17">
+                <a:extLst>
+                  <a:ext uri="{FF2B5EF4-FFF2-40B4-BE49-F238E27FC236}">
+                    <a16:creationId xmlns:a16="http://schemas.microsoft.com/office/drawing/2014/main" id="{8F2B0E8C-3D21-B345-E874-8A2D9550892E}"/>
+                  </a:ext>
+                </a:extLst>
+              </p14:cNvPr>
+              <p14:cNvContentPartPr/>
+              <p14:nvPr/>
+            </p14:nvContentPartPr>
+            <p14:xfrm>
+              <a:off x="220929" y="3816166"/>
+              <a:ext cx="892857" cy="108910"/>
+            </p14:xfrm>
+          </p:contentPart>
+        </mc:Choice>
+        <mc:Fallback>
+          <p:pic>
+            <p:nvPicPr>
+              <p:cNvPr id="18" name="Ink 17">
+                <a:extLst>
+                  <a:ext uri="{FF2B5EF4-FFF2-40B4-BE49-F238E27FC236}">
+                    <a16:creationId xmlns:a16="http://schemas.microsoft.com/office/drawing/2014/main" id="{8F2B0E8C-3D21-B345-E874-8A2D9550892E}"/>
+                  </a:ext>
+                </a:extLst>
+              </p:cNvPr>
+              <p:cNvPicPr/>
+              <p:nvPr/>
+            </p:nvPicPr>
+            <p:blipFill>
+              <a:blip r:embed="rId19"/>
+              <a:stretch>
+                <a:fillRect/>
+              </a:stretch>
+            </p:blipFill>
+            <p:spPr>
+              <a:xfrm>
+                <a:off x="216251" y="3811509"/>
+                <a:ext cx="901854" cy="117866"/>
+              </a:xfrm>
+              <a:prstGeom prst="rect">
+                <a:avLst/>
+              </a:prstGeom>
+            </p:spPr>
+          </p:pic>
+        </mc:Fallback>
+      </mc:AlternateContent>
       <p:pic>
         <p:nvPicPr>
-          <p:cNvPr id="32" name="Picture 31">
+          <p:cNvPr id="19" name="Picture 18">
             <a:extLst>
               <a:ext uri="{FF2B5EF4-FFF2-40B4-BE49-F238E27FC236}">
-                <a16:creationId xmlns:a16="http://schemas.microsoft.com/office/drawing/2014/main" id="{348161D9-F9D5-77EE-A5E0-7A4E2F276703}"/>
+                <a16:creationId xmlns:a16="http://schemas.microsoft.com/office/drawing/2014/main" id="{1F403473-0529-AFC0-FE35-6A879C7CD691}"/>
               </a:ext>
             </a:extLst>
           </p:cNvPr>
@@ -5735,14 +6743,14 @@
           <p:nvPr/>
         </p:nvPicPr>
         <p:blipFill>
-          <a:blip r:embed="rId14"/>
+          <a:blip r:embed="rId20"/>
           <a:srcRect/>
           <a:stretch/>
         </p:blipFill>
         <p:spPr>
           <a:xfrm>
-            <a:off x="2944341" y="2476168"/>
-            <a:ext cx="3233721" cy="1329755"/>
+            <a:off x="219760" y="3362533"/>
+            <a:ext cx="978397" cy="63415"/>
           </a:xfrm>
           <a:prstGeom prst="rect">
             <a:avLst/>
@@ -5751,10 +6759,10 @@
       </p:pic>
       <p:sp>
         <p:nvSpPr>
-          <p:cNvPr id="38" name="TextBox 37">
+          <p:cNvPr id="20" name="TextBox 19">
             <a:extLst>
               <a:ext uri="{FF2B5EF4-FFF2-40B4-BE49-F238E27FC236}">
-                <a16:creationId xmlns:a16="http://schemas.microsoft.com/office/drawing/2014/main" id="{67EDBCBC-DAFC-57B6-35F8-F69976ADA503}"/>
+                <a16:creationId xmlns:a16="http://schemas.microsoft.com/office/drawing/2014/main" id="{378B1E4D-03BA-95A3-D073-1A9F63F86F9F}"/>
               </a:ext>
             </a:extLst>
           </p:cNvPr>
@@ -5763,8 +6771,8 @@
         </p:nvSpPr>
         <p:spPr>
           <a:xfrm>
-            <a:off x="5098539" y="351981"/>
-            <a:ext cx="1586441" cy="276999"/>
+            <a:off x="396716" y="3197404"/>
+            <a:ext cx="595178" cy="215444"/>
           </a:xfrm>
           <a:prstGeom prst="rect">
             <a:avLst/>
@@ -5779,14 +6787,14 @@
           <a:p>
             <a:pPr algn="ctr"/>
             <a:r>
-              <a:rPr lang="en-US" sz="1200" dirty="0">
+              <a:rPr lang="en-US" sz="800" dirty="0">
                 <a:latin typeface="Tw Cen MT" panose="020B0602020104020603" pitchFamily="34" charset="77"/>
                 <a:ea typeface="Open Sans" pitchFamily="2" charset="0"/>
                 <a:cs typeface="Open Sans" pitchFamily="2" charset="0"/>
               </a:rPr>
-              <a:t>Schizophrenia</a:t>
-            </a:r>
-            <a:endParaRPr lang="en-AU" sz="1200" dirty="0">
+              <a:t>Features</a:t>
+            </a:r>
+            <a:endParaRPr lang="en-AU" sz="800" dirty="0">
               <a:latin typeface="Tw Cen MT" panose="020B0602020104020603" pitchFamily="34" charset="77"/>
               <a:ea typeface="Open Sans" pitchFamily="2" charset="0"/>
               <a:cs typeface="Open Sans" pitchFamily="2" charset="0"/>
@@ -5794,12 +6802,194 @@
           </a:p>
         </p:txBody>
       </p:sp>
+      <p:cxnSp>
+        <p:nvCxnSpPr>
+          <p:cNvPr id="21" name="Straight Arrow Connector 20">
+            <a:extLst>
+              <a:ext uri="{FF2B5EF4-FFF2-40B4-BE49-F238E27FC236}">
+                <a16:creationId xmlns:a16="http://schemas.microsoft.com/office/drawing/2014/main" id="{13650AC4-5183-73D7-B295-B74324B28649}"/>
+              </a:ext>
+            </a:extLst>
+          </p:cNvPr>
+          <p:cNvCxnSpPr>
+            <a:cxnSpLocks/>
+          </p:cNvCxnSpPr>
+          <p:nvPr/>
+        </p:nvCxnSpPr>
+        <p:spPr>
+          <a:xfrm>
+            <a:off x="936705" y="3313127"/>
+            <a:ext cx="211060" cy="0"/>
+          </a:xfrm>
+          <a:prstGeom prst="straightConnector1">
+            <a:avLst/>
+          </a:prstGeom>
+          <a:ln w="15875">
+            <a:solidFill>
+              <a:schemeClr val="tx1"/>
+            </a:solidFill>
+            <a:tailEnd type="triangle" w="sm" len="sm"/>
+          </a:ln>
+        </p:spPr>
+        <p:style>
+          <a:lnRef idx="1">
+            <a:schemeClr val="accent1"/>
+          </a:lnRef>
+          <a:fillRef idx="0">
+            <a:schemeClr val="accent1"/>
+          </a:fillRef>
+          <a:effectRef idx="0">
+            <a:schemeClr val="accent1"/>
+          </a:effectRef>
+          <a:fontRef idx="minor">
+            <a:schemeClr val="tx1"/>
+          </a:fontRef>
+        </p:style>
+      </p:cxnSp>
+      <p:cxnSp>
+        <p:nvCxnSpPr>
+          <p:cNvPr id="22" name="Straight Arrow Connector 21">
+            <a:extLst>
+              <a:ext uri="{FF2B5EF4-FFF2-40B4-BE49-F238E27FC236}">
+                <a16:creationId xmlns:a16="http://schemas.microsoft.com/office/drawing/2014/main" id="{01AEFCF3-BF36-C631-E3EF-36E37E1C3645}"/>
+              </a:ext>
+            </a:extLst>
+          </p:cNvPr>
+          <p:cNvCxnSpPr>
+            <a:cxnSpLocks/>
+          </p:cNvCxnSpPr>
+          <p:nvPr/>
+        </p:nvCxnSpPr>
+        <p:spPr>
+          <a:xfrm flipH="1">
+            <a:off x="249082" y="3320709"/>
+            <a:ext cx="204357" cy="0"/>
+          </a:xfrm>
+          <a:prstGeom prst="straightConnector1">
+            <a:avLst/>
+          </a:prstGeom>
+          <a:ln w="15875">
+            <a:solidFill>
+              <a:schemeClr val="tx1"/>
+            </a:solidFill>
+            <a:tailEnd type="triangle" w="sm" len="sm"/>
+          </a:ln>
+        </p:spPr>
+        <p:style>
+          <a:lnRef idx="1">
+            <a:schemeClr val="accent1"/>
+          </a:lnRef>
+          <a:fillRef idx="0">
+            <a:schemeClr val="accent1"/>
+          </a:fillRef>
+          <a:effectRef idx="0">
+            <a:schemeClr val="accent1"/>
+          </a:effectRef>
+          <a:fontRef idx="minor">
+            <a:schemeClr val="tx1"/>
+          </a:fontRef>
+        </p:style>
+      </p:cxnSp>
       <p:pic>
         <p:nvPicPr>
-          <p:cNvPr id="43" name="Picture 42">
+          <p:cNvPr id="23" name="Picture 2">
             <a:extLst>
               <a:ext uri="{FF2B5EF4-FFF2-40B4-BE49-F238E27FC236}">
-                <a16:creationId xmlns:a16="http://schemas.microsoft.com/office/drawing/2014/main" id="{06E559DE-CCA1-9AA9-65AF-0DCA2227B015}"/>
+                <a16:creationId xmlns:a16="http://schemas.microsoft.com/office/drawing/2014/main" id="{CA5C3D4D-1578-271D-839F-5A9AE1D62C72}"/>
+              </a:ext>
+            </a:extLst>
+          </p:cNvPr>
+          <p:cNvPicPr>
+            <a:picLocks noChangeAspect="1" noChangeArrowheads="1"/>
+          </p:cNvPicPr>
+          <p:nvPr/>
+        </p:nvPicPr>
+        <p:blipFill>
+          <a:blip r:embed="rId21">
+            <a:extLst>
+              <a:ext uri="{28A0092B-C50C-407E-A947-70E740481C1C}">
+                <a14:useLocalDpi xmlns:a14="http://schemas.microsoft.com/office/drawing/2010/main" val="0"/>
+              </a:ext>
+            </a:extLst>
+          </a:blip>
+          <a:srcRect/>
+          <a:stretch>
+            <a:fillRect/>
+          </a:stretch>
+        </p:blipFill>
+        <p:spPr bwMode="auto">
+          <a:xfrm>
+            <a:off x="219760" y="3923910"/>
+            <a:ext cx="149785" cy="173373"/>
+          </a:xfrm>
+          <a:prstGeom prst="rect">
+            <a:avLst/>
+          </a:prstGeom>
+          <a:noFill/>
+          <a:extLst>
+            <a:ext uri="{909E8E84-426E-40DD-AFC4-6F175D3DCCD1}">
+              <a14:hiddenFill xmlns:a14="http://schemas.microsoft.com/office/drawing/2010/main">
+                <a:solidFill>
+                  <a:srgbClr val="FFFFFF"/>
+                </a:solidFill>
+              </a14:hiddenFill>
+            </a:ext>
+          </a:extLst>
+        </p:spPr>
+      </p:pic>
+      <p:pic>
+        <p:nvPicPr>
+          <p:cNvPr id="24" name="Picture 4">
+            <a:extLst>
+              <a:ext uri="{FF2B5EF4-FFF2-40B4-BE49-F238E27FC236}">
+                <a16:creationId xmlns:a16="http://schemas.microsoft.com/office/drawing/2014/main" id="{A1FA7679-3168-3B75-0B6B-D730FC4B49DA}"/>
+              </a:ext>
+            </a:extLst>
+          </p:cNvPr>
+          <p:cNvPicPr>
+            <a:picLocks noChangeAspect="1" noChangeArrowheads="1"/>
+          </p:cNvPicPr>
+          <p:nvPr/>
+        </p:nvPicPr>
+        <p:blipFill>
+          <a:blip r:embed="rId10">
+            <a:extLst>
+              <a:ext uri="{28A0092B-C50C-407E-A947-70E740481C1C}">
+                <a14:useLocalDpi xmlns:a14="http://schemas.microsoft.com/office/drawing/2010/main" val="0"/>
+              </a:ext>
+            </a:extLst>
+          </a:blip>
+          <a:srcRect/>
+          <a:stretch>
+            <a:fillRect/>
+          </a:stretch>
+        </p:blipFill>
+        <p:spPr bwMode="auto">
+          <a:xfrm>
+            <a:off x="919574" y="4469913"/>
+            <a:ext cx="190382" cy="201736"/>
+          </a:xfrm>
+          <a:prstGeom prst="rect">
+            <a:avLst/>
+          </a:prstGeom>
+          <a:noFill/>
+          <a:extLst>
+            <a:ext uri="{909E8E84-426E-40DD-AFC4-6F175D3DCCD1}">
+              <a14:hiddenFill xmlns:a14="http://schemas.microsoft.com/office/drawing/2010/main">
+                <a:solidFill>
+                  <a:srgbClr val="FFFFFF"/>
+                </a:solidFill>
+              </a14:hiddenFill>
+            </a:ext>
+          </a:extLst>
+        </p:spPr>
+      </p:pic>
+      <p:pic>
+        <p:nvPicPr>
+          <p:cNvPr id="25" name="Picture 24">
+            <a:extLst>
+              <a:ext uri="{FF2B5EF4-FFF2-40B4-BE49-F238E27FC236}">
+                <a16:creationId xmlns:a16="http://schemas.microsoft.com/office/drawing/2014/main" id="{7BDD76B7-7616-FE68-D793-EC9CD488EBEF}"/>
               </a:ext>
             </a:extLst>
           </p:cNvPr>
@@ -5808,15 +6998,15 @@
           </p:cNvPicPr>
           <p:nvPr/>
         </p:nvPicPr>
-        <p:blipFill rotWithShape="1">
-          <a:blip r:embed="rId15"/>
-          <a:srcRect l="1594" r="726"/>
+        <p:blipFill>
+          <a:blip r:embed="rId11"/>
+          <a:srcRect/>
           <a:stretch/>
         </p:blipFill>
         <p:spPr>
           <a:xfrm>
-            <a:off x="1644240" y="1063694"/>
-            <a:ext cx="396528" cy="421496"/>
+            <a:off x="183007" y="5212152"/>
+            <a:ext cx="978397" cy="63414"/>
           </a:xfrm>
           <a:prstGeom prst="rect">
             <a:avLst/>
@@ -5825,10 +7015,10 @@
       </p:pic>
       <p:sp>
         <p:nvSpPr>
-          <p:cNvPr id="4" name="TextBox 3">
+          <p:cNvPr id="26" name="TextBox 25">
             <a:extLst>
               <a:ext uri="{FF2B5EF4-FFF2-40B4-BE49-F238E27FC236}">
-                <a16:creationId xmlns:a16="http://schemas.microsoft.com/office/drawing/2014/main" id="{CB297598-20BA-F7CA-EB62-1D010E7760CB}"/>
+                <a16:creationId xmlns:a16="http://schemas.microsoft.com/office/drawing/2014/main" id="{60C62FB4-C190-1BC1-C38F-2B3FAC0BC56F}"/>
               </a:ext>
             </a:extLst>
           </p:cNvPr>
@@ -5837,8 +7027,418 @@
         </p:nvSpPr>
         <p:spPr>
           <a:xfrm>
-            <a:off x="0" y="4320905"/>
-            <a:ext cx="2457606" cy="523220"/>
+            <a:off x="462866" y="5223259"/>
+            <a:ext cx="399664" cy="215444"/>
+          </a:xfrm>
+          <a:prstGeom prst="rect">
+            <a:avLst/>
+          </a:prstGeom>
+          <a:noFill/>
+        </p:spPr>
+        <p:txBody>
+          <a:bodyPr wrap="square">
+            <a:spAutoFit/>
+          </a:bodyPr>
+          <a:lstStyle/>
+          <a:p>
+            <a:pPr algn="ctr"/>
+            <a:r>
+              <a:rPr lang="en-US" sz="800" dirty="0">
+                <a:latin typeface="Tw Cen MT" panose="020B0602020104020603" pitchFamily="34" charset="77"/>
+                <a:ea typeface="Open Sans" pitchFamily="2" charset="0"/>
+                <a:cs typeface="Open Sans" pitchFamily="2" charset="0"/>
+              </a:rPr>
+              <a:t>SPIs</a:t>
+            </a:r>
+            <a:endParaRPr lang="en-AU" sz="800" dirty="0">
+              <a:latin typeface="Tw Cen MT" panose="020B0602020104020603" pitchFamily="34" charset="77"/>
+              <a:ea typeface="Open Sans" pitchFamily="2" charset="0"/>
+              <a:cs typeface="Open Sans" pitchFamily="2" charset="0"/>
+            </a:endParaRPr>
+          </a:p>
+        </p:txBody>
+      </p:sp>
+      <p:cxnSp>
+        <p:nvCxnSpPr>
+          <p:cNvPr id="28" name="Straight Arrow Connector 27">
+            <a:extLst>
+              <a:ext uri="{FF2B5EF4-FFF2-40B4-BE49-F238E27FC236}">
+                <a16:creationId xmlns:a16="http://schemas.microsoft.com/office/drawing/2014/main" id="{3FD45E50-C329-8B6E-513A-1E03835CDE0B}"/>
+              </a:ext>
+            </a:extLst>
+          </p:cNvPr>
+          <p:cNvCxnSpPr>
+            <a:cxnSpLocks/>
+          </p:cNvCxnSpPr>
+          <p:nvPr/>
+        </p:nvCxnSpPr>
+        <p:spPr>
+          <a:xfrm>
+            <a:off x="792136" y="5320129"/>
+            <a:ext cx="328053" cy="0"/>
+          </a:xfrm>
+          <a:prstGeom prst="straightConnector1">
+            <a:avLst/>
+          </a:prstGeom>
+          <a:ln w="15875">
+            <a:solidFill>
+              <a:schemeClr val="tx1"/>
+            </a:solidFill>
+            <a:tailEnd type="triangle" w="sm" len="sm"/>
+          </a:ln>
+        </p:spPr>
+        <p:style>
+          <a:lnRef idx="1">
+            <a:schemeClr val="accent1"/>
+          </a:lnRef>
+          <a:fillRef idx="0">
+            <a:schemeClr val="accent1"/>
+          </a:fillRef>
+          <a:effectRef idx="0">
+            <a:schemeClr val="accent1"/>
+          </a:effectRef>
+          <a:fontRef idx="minor">
+            <a:schemeClr val="tx1"/>
+          </a:fontRef>
+        </p:style>
+      </p:cxnSp>
+      <p:cxnSp>
+        <p:nvCxnSpPr>
+          <p:cNvPr id="29" name="Straight Arrow Connector 28">
+            <a:extLst>
+              <a:ext uri="{FF2B5EF4-FFF2-40B4-BE49-F238E27FC236}">
+                <a16:creationId xmlns:a16="http://schemas.microsoft.com/office/drawing/2014/main" id="{0BF5FA96-8B5B-A643-EC59-D2495FA3E151}"/>
+              </a:ext>
+            </a:extLst>
+          </p:cNvPr>
+          <p:cNvCxnSpPr>
+            <a:cxnSpLocks/>
+          </p:cNvCxnSpPr>
+          <p:nvPr/>
+        </p:nvCxnSpPr>
+        <p:spPr>
+          <a:xfrm flipH="1">
+            <a:off x="221506" y="5327711"/>
+            <a:ext cx="314287" cy="0"/>
+          </a:xfrm>
+          <a:prstGeom prst="straightConnector1">
+            <a:avLst/>
+          </a:prstGeom>
+          <a:ln w="15875">
+            <a:solidFill>
+              <a:schemeClr val="tx1"/>
+            </a:solidFill>
+            <a:tailEnd type="triangle" w="sm" len="sm"/>
+          </a:ln>
+        </p:spPr>
+        <p:style>
+          <a:lnRef idx="1">
+            <a:schemeClr val="accent1"/>
+          </a:lnRef>
+          <a:fillRef idx="0">
+            <a:schemeClr val="accent1"/>
+          </a:fillRef>
+          <a:effectRef idx="0">
+            <a:schemeClr val="accent1"/>
+          </a:effectRef>
+          <a:fontRef idx="minor">
+            <a:schemeClr val="tx1"/>
+          </a:fontRef>
+        </p:style>
+      </p:cxnSp>
+      <p:pic>
+        <p:nvPicPr>
+          <p:cNvPr id="34" name="Picture 33">
+            <a:extLst>
+              <a:ext uri="{FF2B5EF4-FFF2-40B4-BE49-F238E27FC236}">
+                <a16:creationId xmlns:a16="http://schemas.microsoft.com/office/drawing/2014/main" id="{719FFC15-2E5C-E1B6-3FE9-6E429D19ADBA}"/>
+              </a:ext>
+            </a:extLst>
+          </p:cNvPr>
+          <p:cNvPicPr>
+            <a:picLocks noChangeAspect="1"/>
+          </p:cNvPicPr>
+          <p:nvPr/>
+        </p:nvPicPr>
+        <p:blipFill>
+          <a:blip r:embed="rId4"/>
+          <a:stretch>
+            <a:fillRect/>
+          </a:stretch>
+        </p:blipFill>
+        <p:spPr>
+          <a:xfrm>
+            <a:off x="1229340" y="4280879"/>
+            <a:ext cx="1422012" cy="831108"/>
+          </a:xfrm>
+          <a:prstGeom prst="rect">
+            <a:avLst/>
+          </a:prstGeom>
+        </p:spPr>
+      </p:pic>
+      <p:pic>
+        <p:nvPicPr>
+          <p:cNvPr id="35" name="Picture 34">
+            <a:extLst>
+              <a:ext uri="{FF2B5EF4-FFF2-40B4-BE49-F238E27FC236}">
+                <a16:creationId xmlns:a16="http://schemas.microsoft.com/office/drawing/2014/main" id="{1BB135D4-BE6B-98D0-DEA0-78DEFB5F17BB}"/>
+              </a:ext>
+            </a:extLst>
+          </p:cNvPr>
+          <p:cNvPicPr>
+            <a:picLocks noChangeAspect="1"/>
+          </p:cNvPicPr>
+          <p:nvPr/>
+        </p:nvPicPr>
+        <p:blipFill>
+          <a:blip r:embed="rId22"/>
+          <a:stretch>
+            <a:fillRect/>
+          </a:stretch>
+        </p:blipFill>
+        <p:spPr>
+          <a:xfrm>
+            <a:off x="1326462" y="3493360"/>
+            <a:ext cx="1313054" cy="753123"/>
+          </a:xfrm>
+          <a:prstGeom prst="rect">
+            <a:avLst/>
+          </a:prstGeom>
+        </p:spPr>
+      </p:pic>
+      <p:sp>
+        <p:nvSpPr>
+          <p:cNvPr id="36" name="Right Brace 35">
+            <a:extLst>
+              <a:ext uri="{FF2B5EF4-FFF2-40B4-BE49-F238E27FC236}">
+                <a16:creationId xmlns:a16="http://schemas.microsoft.com/office/drawing/2014/main" id="{4A1775DE-0993-1F67-3F13-4F77EB1509A3}"/>
+              </a:ext>
+            </a:extLst>
+          </p:cNvPr>
+          <p:cNvSpPr/>
+          <p:nvPr/>
+        </p:nvSpPr>
+        <p:spPr>
+          <a:xfrm>
+            <a:off x="2640673" y="3519324"/>
+            <a:ext cx="252467" cy="1573612"/>
+          </a:xfrm>
+          <a:prstGeom prst="rightBrace">
+            <a:avLst>
+              <a:gd name="adj1" fmla="val 68075"/>
+              <a:gd name="adj2" fmla="val 50000"/>
+            </a:avLst>
+          </a:prstGeom>
+          <a:ln>
+            <a:solidFill>
+              <a:schemeClr val="bg1">
+                <a:lumMod val="50000"/>
+              </a:schemeClr>
+            </a:solidFill>
+          </a:ln>
+        </p:spPr>
+        <p:style>
+          <a:lnRef idx="1">
+            <a:schemeClr val="accent1"/>
+          </a:lnRef>
+          <a:fillRef idx="0">
+            <a:schemeClr val="accent1"/>
+          </a:fillRef>
+          <a:effectRef idx="0">
+            <a:schemeClr val="accent1"/>
+          </a:effectRef>
+          <a:fontRef idx="minor">
+            <a:schemeClr val="tx1"/>
+          </a:fontRef>
+        </p:style>
+        <p:txBody>
+          <a:bodyPr rtlCol="0" anchor="ctr"/>
+          <a:lstStyle/>
+          <a:p>
+            <a:pPr algn="ctr"/>
+            <a:endParaRPr lang="en-AU"/>
+          </a:p>
+        </p:txBody>
+      </p:sp>
+      <p:pic>
+        <p:nvPicPr>
+          <p:cNvPr id="37" name="Picture 36">
+            <a:extLst>
+              <a:ext uri="{FF2B5EF4-FFF2-40B4-BE49-F238E27FC236}">
+                <a16:creationId xmlns:a16="http://schemas.microsoft.com/office/drawing/2014/main" id="{A83EA177-DF9D-60B7-DD80-3D2258EC60FD}"/>
+              </a:ext>
+            </a:extLst>
+          </p:cNvPr>
+          <p:cNvPicPr>
+            <a:picLocks noChangeAspect="1"/>
+          </p:cNvPicPr>
+          <p:nvPr/>
+        </p:nvPicPr>
+        <p:blipFill>
+          <a:blip r:embed="rId3"/>
+          <a:stretch>
+            <a:fillRect/>
+          </a:stretch>
+        </p:blipFill>
+        <p:spPr>
+          <a:xfrm>
+            <a:off x="2977532" y="3985091"/>
+            <a:ext cx="523328" cy="547481"/>
+          </a:xfrm>
+          <a:prstGeom prst="rect">
+            <a:avLst/>
+          </a:prstGeom>
+        </p:spPr>
+      </p:pic>
+      <p:sp>
+        <p:nvSpPr>
+          <p:cNvPr id="38" name="TextBox 37">
+            <a:extLst>
+              <a:ext uri="{FF2B5EF4-FFF2-40B4-BE49-F238E27FC236}">
+                <a16:creationId xmlns:a16="http://schemas.microsoft.com/office/drawing/2014/main" id="{3E64117B-764E-3360-9D5D-1E77BAC6D72F}"/>
+              </a:ext>
+            </a:extLst>
+          </p:cNvPr>
+          <p:cNvSpPr txBox="1"/>
+          <p:nvPr/>
+        </p:nvSpPr>
+        <p:spPr>
+          <a:xfrm>
+            <a:off x="2716714" y="4498843"/>
+            <a:ext cx="1024009" cy="261610"/>
+          </a:xfrm>
+          <a:prstGeom prst="rect">
+            <a:avLst/>
+          </a:prstGeom>
+          <a:noFill/>
+        </p:spPr>
+        <p:txBody>
+          <a:bodyPr wrap="square">
+            <a:spAutoFit/>
+          </a:bodyPr>
+          <a:lstStyle/>
+          <a:p>
+            <a:pPr algn="ctr"/>
+            <a:r>
+              <a:rPr lang="en-US" sz="1050" dirty="0">
+                <a:latin typeface="Tw Cen MT" panose="020B0602020104020603" pitchFamily="34" charset="77"/>
+                <a:ea typeface="Open Sans" pitchFamily="2" charset="0"/>
+                <a:cs typeface="Open Sans" pitchFamily="2" charset="0"/>
+              </a:rPr>
+              <a:t>Linear SVM</a:t>
+            </a:r>
+            <a:endParaRPr lang="en-AU" sz="1050" dirty="0">
+              <a:latin typeface="Tw Cen MT" panose="020B0602020104020603" pitchFamily="34" charset="77"/>
+              <a:ea typeface="Open Sans" pitchFamily="2" charset="0"/>
+              <a:cs typeface="Open Sans" pitchFamily="2" charset="0"/>
+            </a:endParaRPr>
+          </a:p>
+        </p:txBody>
+      </p:sp>
+      <p:sp>
+        <p:nvSpPr>
+          <p:cNvPr id="39" name="TextBox 38">
+            <a:extLst>
+              <a:ext uri="{FF2B5EF4-FFF2-40B4-BE49-F238E27FC236}">
+                <a16:creationId xmlns:a16="http://schemas.microsoft.com/office/drawing/2014/main" id="{FEF3CF65-6B45-881F-EB1E-885894F4ACC1}"/>
+              </a:ext>
+            </a:extLst>
+          </p:cNvPr>
+          <p:cNvSpPr txBox="1"/>
+          <p:nvPr/>
+        </p:nvSpPr>
+        <p:spPr>
+          <a:xfrm>
+            <a:off x="50810" y="2963573"/>
+            <a:ext cx="613973" cy="391646"/>
+          </a:xfrm>
+          <a:prstGeom prst="rect">
+            <a:avLst/>
+          </a:prstGeom>
+          <a:noFill/>
+        </p:spPr>
+        <p:txBody>
+          <a:bodyPr wrap="square">
+            <a:spAutoFit/>
+          </a:bodyPr>
+          <a:lstStyle/>
+          <a:p>
+            <a:r>
+              <a:rPr lang="en-US" sz="1945" b="1" dirty="0">
+                <a:latin typeface="Tw Cen MT" panose="020B0602020104020603" pitchFamily="34" charset="77"/>
+                <a:ea typeface="Open Sans" pitchFamily="2" charset="0"/>
+                <a:cs typeface="Open Sans" pitchFamily="2" charset="0"/>
+              </a:rPr>
+              <a:t>D</a:t>
+            </a:r>
+            <a:endParaRPr lang="en-AU" sz="1945" b="1" dirty="0">
+              <a:latin typeface="Tw Cen MT" panose="020B0602020104020603" pitchFamily="34" charset="77"/>
+              <a:ea typeface="Open Sans" pitchFamily="2" charset="0"/>
+              <a:cs typeface="Open Sans" pitchFamily="2" charset="0"/>
+            </a:endParaRPr>
+          </a:p>
+        </p:txBody>
+      </p:sp>
+      <p:sp>
+        <p:nvSpPr>
+          <p:cNvPr id="40" name="TextBox 39">
+            <a:extLst>
+              <a:ext uri="{FF2B5EF4-FFF2-40B4-BE49-F238E27FC236}">
+                <a16:creationId xmlns:a16="http://schemas.microsoft.com/office/drawing/2014/main" id="{2B400B9E-2713-01E1-6368-64AE447BA23F}"/>
+              </a:ext>
+            </a:extLst>
+          </p:cNvPr>
+          <p:cNvSpPr txBox="1"/>
+          <p:nvPr/>
+        </p:nvSpPr>
+        <p:spPr>
+          <a:xfrm>
+            <a:off x="2836785" y="1527544"/>
+            <a:ext cx="553376" cy="372859"/>
+          </a:xfrm>
+          <a:prstGeom prst="rect">
+            <a:avLst/>
+          </a:prstGeom>
+          <a:noFill/>
+        </p:spPr>
+        <p:txBody>
+          <a:bodyPr wrap="square">
+            <a:spAutoFit/>
+          </a:bodyPr>
+          <a:lstStyle/>
+          <a:p>
+            <a:r>
+              <a:rPr lang="en-US" sz="1823" b="1" dirty="0">
+                <a:latin typeface="Tw Cen MT" panose="020B0602020104020603" pitchFamily="34" charset="77"/>
+                <a:ea typeface="Open Sans" pitchFamily="2" charset="0"/>
+                <a:cs typeface="Open Sans" pitchFamily="2" charset="0"/>
+              </a:rPr>
+              <a:t>C</a:t>
+            </a:r>
+            <a:endParaRPr lang="en-AU" sz="1823" b="1" dirty="0">
+              <a:latin typeface="Tw Cen MT" panose="020B0602020104020603" pitchFamily="34" charset="77"/>
+              <a:ea typeface="Open Sans" pitchFamily="2" charset="0"/>
+              <a:cs typeface="Open Sans" pitchFamily="2" charset="0"/>
+            </a:endParaRPr>
+          </a:p>
+        </p:txBody>
+      </p:sp>
+      <p:sp>
+        <p:nvSpPr>
+          <p:cNvPr id="41" name="TextBox 40">
+            <a:extLst>
+              <a:ext uri="{FF2B5EF4-FFF2-40B4-BE49-F238E27FC236}">
+                <a16:creationId xmlns:a16="http://schemas.microsoft.com/office/drawing/2014/main" id="{FC4D4659-F34C-B2E1-3EA5-86684A217E95}"/>
+              </a:ext>
+            </a:extLst>
+          </p:cNvPr>
+          <p:cNvSpPr txBox="1"/>
+          <p:nvPr/>
+        </p:nvSpPr>
+        <p:spPr>
+          <a:xfrm>
+            <a:off x="3180882" y="1549392"/>
+            <a:ext cx="2930995" cy="1169551"/>
           </a:xfrm>
           <a:prstGeom prst="rect">
             <a:avLst/>
@@ -5860,7 +7460,7 @@
                 <a:ea typeface="Open Sans" pitchFamily="2" charset="0"/>
                 <a:cs typeface="Open Sans" pitchFamily="2" charset="0"/>
               </a:rPr>
-              <a:t>Try adding all pairwise combinations</a:t>
+              <a:t>Collapse into summary statistics of hypo vs. hyperconnected pathways in each condition (blue to red colored chord diagrams, outer circle colored by lobe/subcortex?)</a:t>
             </a:r>
             <a:endParaRPr lang="en-AU" sz="1400" dirty="0">
               <a:highlight>
@@ -5875,10 +7475,10 @@
       </p:sp>
       <p:sp>
         <p:nvSpPr>
-          <p:cNvPr id="11" name="TextBox 10">
+          <p:cNvPr id="42" name="TextBox 41">
             <a:extLst>
               <a:ext uri="{FF2B5EF4-FFF2-40B4-BE49-F238E27FC236}">
-                <a16:creationId xmlns:a16="http://schemas.microsoft.com/office/drawing/2014/main" id="{BFD70B90-DBF2-5A23-0355-D5AD1660BD86}"/>
+                <a16:creationId xmlns:a16="http://schemas.microsoft.com/office/drawing/2014/main" id="{5A014CE4-FF1A-2228-46F8-0EA295FFA37B}"/>
               </a:ext>
             </a:extLst>
           </p:cNvPr>
@@ -5887,8 +7487,81 @@
         </p:nvSpPr>
         <p:spPr>
           <a:xfrm>
-            <a:off x="4279177" y="1860164"/>
-            <a:ext cx="3456139" cy="954107"/>
+            <a:off x="3567957" y="2989428"/>
+            <a:ext cx="553376" cy="372859"/>
+          </a:xfrm>
+          <a:prstGeom prst="rect">
+            <a:avLst/>
+          </a:prstGeom>
+          <a:noFill/>
+        </p:spPr>
+        <p:txBody>
+          <a:bodyPr wrap="square">
+            <a:spAutoFit/>
+          </a:bodyPr>
+          <a:lstStyle/>
+          <a:p>
+            <a:r>
+              <a:rPr lang="en-US" sz="1823" b="1" dirty="0">
+                <a:latin typeface="Tw Cen MT" panose="020B0602020104020603" pitchFamily="34" charset="77"/>
+                <a:ea typeface="Open Sans" pitchFamily="2" charset="0"/>
+                <a:cs typeface="Open Sans" pitchFamily="2" charset="0"/>
+              </a:rPr>
+              <a:t>E</a:t>
+            </a:r>
+            <a:endParaRPr lang="en-AU" sz="1823" b="1" dirty="0">
+              <a:latin typeface="Tw Cen MT" panose="020B0602020104020603" pitchFamily="34" charset="77"/>
+              <a:ea typeface="Open Sans" pitchFamily="2" charset="0"/>
+              <a:cs typeface="Open Sans" pitchFamily="2" charset="0"/>
+            </a:endParaRPr>
+          </a:p>
+        </p:txBody>
+      </p:sp>
+      <p:pic>
+        <p:nvPicPr>
+          <p:cNvPr id="43" name="Picture 42">
+            <a:extLst>
+              <a:ext uri="{FF2B5EF4-FFF2-40B4-BE49-F238E27FC236}">
+                <a16:creationId xmlns:a16="http://schemas.microsoft.com/office/drawing/2014/main" id="{AD6C847E-50AC-3DBA-6605-0BF1A459A3AE}"/>
+              </a:ext>
+            </a:extLst>
+          </p:cNvPr>
+          <p:cNvPicPr>
+            <a:picLocks noChangeAspect="1"/>
+          </p:cNvPicPr>
+          <p:nvPr/>
+        </p:nvPicPr>
+        <p:blipFill>
+          <a:blip r:embed="rId12"/>
+          <a:srcRect/>
+          <a:stretch/>
+        </p:blipFill>
+        <p:spPr>
+          <a:xfrm>
+            <a:off x="3850469" y="3163402"/>
+            <a:ext cx="2392561" cy="1305034"/>
+          </a:xfrm>
+          <a:prstGeom prst="rect">
+            <a:avLst/>
+          </a:prstGeom>
+        </p:spPr>
+      </p:pic>
+      <p:sp>
+        <p:nvSpPr>
+          <p:cNvPr id="53" name="TextBox 52">
+            <a:extLst>
+              <a:ext uri="{FF2B5EF4-FFF2-40B4-BE49-F238E27FC236}">
+                <a16:creationId xmlns:a16="http://schemas.microsoft.com/office/drawing/2014/main" id="{39B82198-B3C9-E611-EA4F-8AF2700CD0F3}"/>
+              </a:ext>
+            </a:extLst>
+          </p:cNvPr>
+          <p:cNvSpPr txBox="1"/>
+          <p:nvPr/>
+        </p:nvSpPr>
+        <p:spPr>
+          <a:xfrm>
+            <a:off x="4269739" y="4517613"/>
+            <a:ext cx="1672767" cy="738664"/>
           </a:xfrm>
           <a:prstGeom prst="rect">
             <a:avLst/>
@@ -5910,7 +7583,29 @@
                 <a:ea typeface="Open Sans" pitchFamily="2" charset="0"/>
                 <a:cs typeface="Open Sans" pitchFamily="2" charset="0"/>
               </a:rPr>
-              <a:t>Nulls should be 1000x of 10-repeat 10-fold CV, where each point in the histogram is one value from the 10-fold 10-repeat shuffled dataset</a:t>
+              <a:t>Replace with all </a:t>
+            </a:r>
+            <a:r>
+              <a:rPr lang="en-US" sz="1400" dirty="0" err="1">
+                <a:highlight>
+                  <a:srgbClr val="FFFF00"/>
+                </a:highlight>
+                <a:latin typeface="Tw Cen MT" panose="020B0602020104020603" pitchFamily="34" charset="77"/>
+                <a:ea typeface="Open Sans" pitchFamily="2" charset="0"/>
+                <a:cs typeface="Open Sans" pitchFamily="2" charset="0"/>
+              </a:rPr>
+              <a:t>uniXpairwise</a:t>
+            </a:r>
+            <a:r>
+              <a:rPr lang="en-US" sz="1400" dirty="0">
+                <a:highlight>
+                  <a:srgbClr val="FFFF00"/>
+                </a:highlight>
+                <a:latin typeface="Tw Cen MT" panose="020B0602020104020603" pitchFamily="34" charset="77"/>
+                <a:ea typeface="Open Sans" pitchFamily="2" charset="0"/>
+                <a:cs typeface="Open Sans" pitchFamily="2" charset="0"/>
+              </a:rPr>
+              <a:t> combo results🕺</a:t>
             </a:r>
             <a:endParaRPr lang="en-AU" sz="1400" dirty="0">
               <a:highlight>
@@ -5923,10 +7618,60 @@
           </a:p>
         </p:txBody>
       </p:sp>
+      <p:sp>
+        <p:nvSpPr>
+          <p:cNvPr id="55" name="TextBox 54">
+            <a:extLst>
+              <a:ext uri="{FF2B5EF4-FFF2-40B4-BE49-F238E27FC236}">
+                <a16:creationId xmlns:a16="http://schemas.microsoft.com/office/drawing/2014/main" id="{C5B1EF3C-EEF6-1114-3E27-44B59A4A2963}"/>
+              </a:ext>
+            </a:extLst>
+          </p:cNvPr>
+          <p:cNvSpPr txBox="1"/>
+          <p:nvPr/>
+        </p:nvSpPr>
+        <p:spPr>
+          <a:xfrm>
+            <a:off x="1043947" y="1821848"/>
+            <a:ext cx="1672767" cy="738664"/>
+          </a:xfrm>
+          <a:prstGeom prst="rect">
+            <a:avLst/>
+          </a:prstGeom>
+          <a:noFill/>
+        </p:spPr>
+        <p:txBody>
+          <a:bodyPr wrap="square">
+            <a:spAutoFit/>
+          </a:bodyPr>
+          <a:lstStyle/>
+          <a:p>
+            <a:r>
+              <a:rPr lang="en-US" sz="1400" dirty="0">
+                <a:highlight>
+                  <a:srgbClr val="FFFF00"/>
+                </a:highlight>
+                <a:latin typeface="Tw Cen MT" panose="020B0602020104020603" pitchFamily="34" charset="77"/>
+                <a:ea typeface="Open Sans" pitchFamily="2" charset="0"/>
+                <a:cs typeface="Open Sans" pitchFamily="2" charset="0"/>
+              </a:rPr>
+              <a:t>Replace with all pairwise SPI combo results</a:t>
+            </a:r>
+            <a:endParaRPr lang="en-AU" sz="1400" dirty="0">
+              <a:highlight>
+                <a:srgbClr val="FFFF00"/>
+              </a:highlight>
+              <a:latin typeface="Tw Cen MT" panose="020B0602020104020603" pitchFamily="34" charset="77"/>
+              <a:ea typeface="Open Sans" pitchFamily="2" charset="0"/>
+              <a:cs typeface="Open Sans" pitchFamily="2" charset="0"/>
+            </a:endParaRPr>
+          </a:p>
+        </p:txBody>
+      </p:sp>
     </p:spTree>
     <p:extLst>
       <p:ext uri="{BB962C8B-B14F-4D97-AF65-F5344CB8AC3E}">
-        <p14:creationId xmlns:p14="http://schemas.microsoft.com/office/powerpoint/2010/main" val="3989425851"/>
+        <p14:creationId xmlns:p14="http://schemas.microsoft.com/office/powerpoint/2010/main" val="3279359355"/>
       </p:ext>
     </p:extLst>
   </p:cSld>
